--- a/exceptions.pptx
+++ b/exceptions.pptx
@@ -9,8 +9,8 @@
   </p:notesMasterIdLst>
   <p:sldIdLst>
     <p:sldId id="256" r:id="rId2"/>
-    <p:sldId id="257" r:id="rId3"/>
-    <p:sldId id="258" r:id="rId4"/>
+    <p:sldId id="258" r:id="rId3"/>
+    <p:sldId id="271" r:id="rId4"/>
     <p:sldId id="259" r:id="rId5"/>
     <p:sldId id="269" r:id="rId6"/>
     <p:sldId id="260" r:id="rId7"/>
@@ -155,82 +155,6 @@
           <inkml:channelProperty channel="T" name="resolution" value="1" units="1/dev"/>
         </inkml:channelProperties>
       </inkml:inkSource>
-      <inkml:timestamp xml:id="ts0" timeString="2016-07-06T19:40:43.078"/>
-    </inkml:context>
-    <inkml:brush xml:id="br0">
-      <inkml:brushProperty name="width" value="0.06667" units="cm"/>
-      <inkml:brushProperty name="height" value="0.06667" units="cm"/>
-      <inkml:brushProperty name="color" value="#ED1C24"/>
-      <inkml:brushProperty name="fitToCurve" value="1"/>
-    </inkml:brush>
-  </inkml:definitions>
-  <inkml:traceGroup>
-    <inkml:annotationXML>
-      <emma:emma xmlns:emma="http://www.w3.org/2003/04/emma" version="1.0">
-        <emma:interpretation id="{520A2B6B-6558-4617-B205-B320C5A61B58}" emma:medium="tactile" emma:mode="ink">
-          <msink:context xmlns:msink="http://schemas.microsoft.com/ink/2010/main" type="inkDrawing" rotatedBoundingBox="17015,10732 23993,11415 23980,11542 17003,10859" shapeName="Other"/>
-        </emma:interpretation>
-      </emma:emma>
-    </inkml:annotationXML>
-    <inkml:trace contextRef="#ctx0" brushRef="#br0">0 31 0,'27'0'15,"29"0"1,-29 0-1,1 0 1,-1 0 0,-27-28-16,28 28 31,0 0-15,-1 0-1,1 0-15,27 0 16,-27 0-16,27 0 15,-28 0-15,1 0 0,27 0 16,28 0-16,-55 0 16,27 28-16,0-28 15,0 0-15,28 0 0,-55 0 16,27 27-16,0-27 16,0 0-16,1 0 15,-29 0-15,28 28 16,1-28-16,-29 0 0,1 0 15,27 0-15,-27 28 16,-1-28-16,1 0 16,0 27-16,-1-27 0,1 0 15,-1 0 1,56 28-16,-55-28 0,27 0 16,-27 0-16,27 0 0,-28 0 15,1 27-15,0-27 16,27 0-16,-27 0 15,-1 0-15,1 0 16,55 56-16,-56-56 16,1 0-16,-1 0 15,1 0-15,0 0 16,-1 0-16,1 0 0,-1 27 16,1-27-1,0 0-15,-1 0 0,1 0 16,-1 0-16,1 0 0,27 28 15,-27-28 1,0 0-16,-1 0 0,1 0 16,-1 0-16,1 0 15,0 0 1,-1 27 0,1-27-1,27 0-15,28 0 16,-28 0-16,0 28 15,28-28-15,-28 0 0,-27 0 16,27 28-16,-27-28 16,-1 0-1,56 0 17,-55 0-32,27 0 15,-27 0-15,27 0 0,55 0 16,-55 0-16,56 0 15,-83 0-15,27 0 16,-28 0-16,1 0 0,0 27 16,-1-27-16,1 0 15,-1 0-15,1 0 16,0 0-16,27 0 16,-28 28-16,56-28 0,-55 0 15,27 0 1,-27 0-16,-1 27 15,1-27-15,0 0 16,-1 0-16,1 0 31,-1 0-31,1 0 0,0 0 16,-1 0 0,1 0-16,27 0 15,-27 0-15,-1 0 16,28 0-16,-27 0 0,55 28 15,-28-28-15,0 0 16,1 0-16,-29 28 16,56-28-16,-55 0 0,-1 0 15,1 0-15,-1 0 16,1 0-16,27 27 0,-27-27 16,-1 0-16,29 0 15,-1 0-15,55 0 0,-27 0 16,-55 0-1,27 0-15,-27 28 0,27-28 16,-28 0-16,1 0 16,0 0-16,-1 0 0,1 0 15,-1 28-15,1-28 16,27 0-16,-27 0 16,27 0-16,28 0 15,-28 0-15,0 0 0,-27 0 16,0 0-1,-1 0 1,1 27 0,-1-27 15,56 0-31,-55 0 16,-1 0-16,1 0 0,0 0 15,-1 0 1,1 0 31,-1 0 31,1 0-47,0 0-15,-56 0 156</inkml:trace>
-  </inkml:traceGroup>
-</inkml:ink>
-</file>
-
-<file path=ppt/ink/ink2.xml><?xml version="1.0" encoding="utf-8"?>
-<inkml:ink xmlns:inkml="http://www.w3.org/2003/InkML">
-  <inkml:definitions>
-    <inkml:context xml:id="ctx0">
-      <inkml:inkSource xml:id="inkSrc0">
-        <inkml:traceFormat>
-          <inkml:channel name="X" type="integer" max="1920" units="cm"/>
-          <inkml:channel name="Y" type="integer" max="1200" units="cm"/>
-          <inkml:channel name="T" type="integer" max="2.14748E9" units="dev"/>
-        </inkml:traceFormat>
-        <inkml:channelProperties>
-          <inkml:channelProperty channel="X" name="resolution" value="37.06564" units="1/cm"/>
-          <inkml:channelProperty channel="Y" name="resolution" value="37.03704" units="1/cm"/>
-          <inkml:channelProperty channel="T" name="resolution" value="1" units="1/dev"/>
-        </inkml:channelProperties>
-      </inkml:inkSource>
-      <inkml:timestamp xml:id="ts0" timeString="2016-07-06T19:40:46.727"/>
-    </inkml:context>
-    <inkml:brush xml:id="br0">
-      <inkml:brushProperty name="width" value="0.06667" units="cm"/>
-      <inkml:brushProperty name="height" value="0.06667" units="cm"/>
-      <inkml:brushProperty name="color" value="#ED1C24"/>
-      <inkml:brushProperty name="fitToCurve" value="1"/>
-    </inkml:brush>
-  </inkml:definitions>
-  <inkml:traceGroup>
-    <inkml:annotationXML>
-      <emma:emma xmlns:emma="http://www.w3.org/2003/04/emma" version="1.0">
-        <emma:interpretation id="{B0DFDCBC-A032-4197-B63D-6394B9ADD7AD}" emma:medium="tactile" emma:mode="ink">
-          <msink:context xmlns:msink="http://schemas.microsoft.com/ink/2010/main" type="inkDrawing" rotatedBoundingBox="17832,11649 23752,10349 23795,10546 17875,11845" shapeName="Other"/>
-        </emma:interpretation>
-      </emma:emma>
-    </inkml:annotationXML>
-    <inkml:trace contextRef="#ctx0" brushRef="#br0">0 1353 0,'27'0'47,"1"0"-32,27 0 1,-27 0-16,-1 0 16,1 0 15,-1 0-15,29 0-16,-1-55 0,28 27 15,27 28-15,-55-27 16,1-1-16,109-27 15,-110 55-15,-27-28 0,0 28 16,54-27 0,-54 27-16,0 0 0,27-28 15,-27 28-15,54-28 16,1 1-16,28 27 16,-56-28-16,55 28 0,1 0 15,-56-55-15,28 27 16,-28 1-16,0-1 15,28 28-15,-55-28 16,-1 28-16,28 0 16,-27-27-16,0 27 15,27-55 1,28 27-16,55 0 0,-28 1 16,1 27-16,-56-55 15,28 55-15,-28 0 16,-28 0-16,1 0 0,27 0 15,-27 0-15,27-28 16,0 28-16,28 0 16,-28 0-16,28-28 0,-28 1 15,1 27-15,54-55 16,-27 27 0,-28 28-16,56 0 0,-56-28 15,28 1-15,-56 27 16,1 0-16,27-28 0,-27 28 15,-1 0-15,1 0 16,-1 0-16,1-27 0,0 27 16,-1 0-16,29 0 15,-29 0-15,1-28 16,55 28-16,-28 0 16,0 0-16,-27 0 15,-1 0-15,1 0 0,-1 0 16,1 0-16,0 0 15,-1 0-15,1 0 16,-1 0 0,1 0-16,0-28 0,-1 28 15,56 0-15,-28 0 0,-27 0 16,27-55 0,0 55-16,56 0 0,-28 0 15,-28-28-15,-28 28 16,1 0-16,0 0 15,-1 0 17,-27-27-17,28 27-15,0 0 16,-28-28 0,27 28-16,-27-27 15,28 27-15,-1 0 16,1 0-1,-28-28-15,28 28 0,27-28 16,0 28-16,-27-27 16,-1-1-16,1 28 31</inkml:trace>
-  </inkml:traceGroup>
-</inkml:ink>
-</file>
-
-<file path=ppt/ink/ink3.xml><?xml version="1.0" encoding="utf-8"?>
-<inkml:ink xmlns:inkml="http://www.w3.org/2003/InkML">
-  <inkml:definitions>
-    <inkml:context xml:id="ctx0">
-      <inkml:inkSource xml:id="inkSrc0">
-        <inkml:traceFormat>
-          <inkml:channel name="X" type="integer" max="1920" units="cm"/>
-          <inkml:channel name="Y" type="integer" max="1200" units="cm"/>
-          <inkml:channel name="T" type="integer" max="2.14748E9" units="dev"/>
-        </inkml:traceFormat>
-        <inkml:channelProperties>
-          <inkml:channelProperty channel="X" name="resolution" value="37.06564" units="1/cm"/>
-          <inkml:channelProperty channel="Y" name="resolution" value="37.03704" units="1/cm"/>
-          <inkml:channelProperty channel="T" name="resolution" value="1" units="1/dev"/>
-        </inkml:channelProperties>
-      </inkml:inkSource>
       <inkml:timestamp xml:id="ts0" timeString="2016-07-06T19:40:23.494"/>
     </inkml:context>
     <inkml:brush xml:id="br0">
@@ -246,7 +170,7 @@
 </inkml:ink>
 </file>
 
-<file path=ppt/ink/ink4.xml><?xml version="1.0" encoding="utf-8"?>
+<file path=ppt/ink/ink2.xml><?xml version="1.0" encoding="utf-8"?>
 <inkml:ink xmlns:inkml="http://www.w3.org/2003/InkML">
   <inkml:definitions>
     <inkml:context xml:id="ctx0">
@@ -359,7 +283,7 @@
           <a:p>
             <a:fld id="{1D12B38D-150E-44F0-AD67-CE4A0E7D73CD}" type="datetimeFigureOut">
               <a:rPr lang="ru-RU" smtClean="0"/>
-              <a:t>07.07.2016</a:t>
+              <a:t>30.10.2016</a:t>
             </a:fld>
             <a:endParaRPr lang="ru-RU"/>
           </a:p>
@@ -758,7 +682,7 @@
           <a:p>
             <a:fld id="{03713669-593F-460C-B61F-C43E6BD11A61}" type="datetimeFigureOut">
               <a:rPr lang="ru-RU" smtClean="0"/>
-              <a:t>07.07.2016</a:t>
+              <a:t>30.10.2016</a:t>
             </a:fld>
             <a:endParaRPr lang="ru-RU"/>
           </a:p>
@@ -928,7 +852,7 @@
           <a:p>
             <a:fld id="{03713669-593F-460C-B61F-C43E6BD11A61}" type="datetimeFigureOut">
               <a:rPr lang="ru-RU" smtClean="0"/>
-              <a:t>07.07.2016</a:t>
+              <a:t>30.10.2016</a:t>
             </a:fld>
             <a:endParaRPr lang="ru-RU"/>
           </a:p>
@@ -1108,7 +1032,7 @@
           <a:p>
             <a:fld id="{03713669-593F-460C-B61F-C43E6BD11A61}" type="datetimeFigureOut">
               <a:rPr lang="ru-RU" smtClean="0"/>
-              <a:t>07.07.2016</a:t>
+              <a:t>30.10.2016</a:t>
             </a:fld>
             <a:endParaRPr lang="ru-RU"/>
           </a:p>
@@ -1278,7 +1202,7 @@
           <a:p>
             <a:fld id="{03713669-593F-460C-B61F-C43E6BD11A61}" type="datetimeFigureOut">
               <a:rPr lang="ru-RU" smtClean="0"/>
-              <a:t>07.07.2016</a:t>
+              <a:t>30.10.2016</a:t>
             </a:fld>
             <a:endParaRPr lang="ru-RU"/>
           </a:p>
@@ -1524,7 +1448,7 @@
           <a:p>
             <a:fld id="{03713669-593F-460C-B61F-C43E6BD11A61}" type="datetimeFigureOut">
               <a:rPr lang="ru-RU" smtClean="0"/>
-              <a:t>07.07.2016</a:t>
+              <a:t>30.10.2016</a:t>
             </a:fld>
             <a:endParaRPr lang="ru-RU"/>
           </a:p>
@@ -1756,7 +1680,7 @@
           <a:p>
             <a:fld id="{03713669-593F-460C-B61F-C43E6BD11A61}" type="datetimeFigureOut">
               <a:rPr lang="ru-RU" smtClean="0"/>
-              <a:t>07.07.2016</a:t>
+              <a:t>30.10.2016</a:t>
             </a:fld>
             <a:endParaRPr lang="ru-RU"/>
           </a:p>
@@ -2123,7 +2047,7 @@
           <a:p>
             <a:fld id="{03713669-593F-460C-B61F-C43E6BD11A61}" type="datetimeFigureOut">
               <a:rPr lang="ru-RU" smtClean="0"/>
-              <a:t>07.07.2016</a:t>
+              <a:t>30.10.2016</a:t>
             </a:fld>
             <a:endParaRPr lang="ru-RU"/>
           </a:p>
@@ -2241,7 +2165,7 @@
           <a:p>
             <a:fld id="{03713669-593F-460C-B61F-C43E6BD11A61}" type="datetimeFigureOut">
               <a:rPr lang="ru-RU" smtClean="0"/>
-              <a:t>07.07.2016</a:t>
+              <a:t>30.10.2016</a:t>
             </a:fld>
             <a:endParaRPr lang="ru-RU"/>
           </a:p>
@@ -2336,7 +2260,7 @@
           <a:p>
             <a:fld id="{03713669-593F-460C-B61F-C43E6BD11A61}" type="datetimeFigureOut">
               <a:rPr lang="ru-RU" smtClean="0"/>
-              <a:t>07.07.2016</a:t>
+              <a:t>30.10.2016</a:t>
             </a:fld>
             <a:endParaRPr lang="ru-RU"/>
           </a:p>
@@ -2613,7 +2537,7 @@
           <a:p>
             <a:fld id="{03713669-593F-460C-B61F-C43E6BD11A61}" type="datetimeFigureOut">
               <a:rPr lang="ru-RU" smtClean="0"/>
-              <a:t>07.07.2016</a:t>
+              <a:t>30.10.2016</a:t>
             </a:fld>
             <a:endParaRPr lang="ru-RU"/>
           </a:p>
@@ -2870,7 +2794,7 @@
           <a:p>
             <a:fld id="{03713669-593F-460C-B61F-C43E6BD11A61}" type="datetimeFigureOut">
               <a:rPr lang="ru-RU" smtClean="0"/>
-              <a:t>07.07.2016</a:t>
+              <a:t>30.10.2016</a:t>
             </a:fld>
             <a:endParaRPr lang="ru-RU"/>
           </a:p>
@@ -3083,7 +3007,7 @@
           <a:p>
             <a:fld id="{03713669-593F-460C-B61F-C43E6BD11A61}" type="datetimeFigureOut">
               <a:rPr lang="ru-RU" smtClean="0"/>
-              <a:t>07.07.2016</a:t>
+              <a:t>30.10.2016</a:t>
             </a:fld>
             <a:endParaRPr lang="ru-RU"/>
           </a:p>
@@ -3540,6 +3464,13 @@
   <p:clrMapOvr>
     <a:masterClrMapping/>
   </p:clrMapOvr>
+  <p:timing>
+    <p:tnLst>
+      <p:par>
+        <p:cTn id="1" dur="indefinite" restart="never" nodeType="tmRoot"/>
+      </p:par>
+    </p:tnLst>
+  </p:timing>
 </p:sld>
 </file>
 
@@ -5453,6 +5384,13 @@
   <p:clrMapOvr>
     <a:masterClrMapping/>
   </p:clrMapOvr>
+  <p:timing>
+    <p:tnLst>
+      <p:par>
+        <p:cTn id="1" dur="indefinite" restart="never" nodeType="tmRoot"/>
+      </p:par>
+    </p:tnLst>
+  </p:timing>
 </p:sld>
 </file>
 
@@ -5754,24 +5692,33 @@
         </p:nvSpPr>
         <p:spPr/>
         <p:txBody>
-          <a:bodyPr/>
+          <a:bodyPr>
+            <a:normAutofit fontScale="90000"/>
+          </a:bodyPr>
           <a:lstStyle/>
           <a:p>
             <a:r>
               <a:rPr lang="en-US" dirty="0" smtClean="0"/>
-              <a:t>#1. </a:t>
-            </a:r>
-            <a:r>
-              <a:rPr lang="ru-RU" dirty="0"/>
-              <a:t>Н</a:t>
+              <a:t>#</a:t>
             </a:r>
             <a:r>
               <a:rPr lang="ru-RU" dirty="0" smtClean="0"/>
-              <a:t>е лови исключения</a:t>
+              <a:t>1</a:t>
             </a:r>
             <a:r>
               <a:rPr lang="en-US" dirty="0" smtClean="0"/>
-              <a:t>*</a:t>
+              <a:t>.</a:t>
+            </a:r>
+            <a:r>
+              <a:rPr lang="ru-RU" dirty="0" smtClean="0"/>
+              <a:t/>
+            </a:r>
+            <a:br>
+              <a:rPr lang="ru-RU" dirty="0" smtClean="0"/>
+            </a:br>
+            <a:r>
+              <a:rPr lang="ru-RU" dirty="0" smtClean="0"/>
+              <a:t>Создай глобальный обработчик исключений</a:t>
             </a:r>
             <a:endParaRPr lang="ru-RU" dirty="0"/>
           </a:p>
@@ -5787,26 +5734,446 @@
             <p:ph idx="1"/>
           </p:nvPr>
         </p:nvSpPr>
-        <p:spPr/>
+        <p:spPr>
+          <a:xfrm>
+            <a:off x="838200" y="1825625"/>
+            <a:ext cx="10515600" cy="4351338"/>
+          </a:xfrm>
+        </p:spPr>
         <p:txBody>
-          <a:bodyPr/>
+          <a:bodyPr>
+            <a:normAutofit fontScale="92500"/>
+          </a:bodyPr>
           <a:lstStyle/>
           <a:p>
             <a:pPr marL="0" indent="0">
               <a:buNone/>
             </a:pPr>
             <a:r>
-              <a:rPr lang="ru-RU" dirty="0" smtClean="0"/>
-              <a:t>* Все исключения из этого правила будут перечислены далее</a:t>
-            </a:r>
-            <a:endParaRPr lang="ru-RU" dirty="0"/>
+              <a:rPr lang="en-US" dirty="0">
+                <a:solidFill>
+                  <a:srgbClr val="0000FF"/>
+                </a:solidFill>
+                <a:highlight>
+                  <a:srgbClr val="FFFFFF"/>
+                </a:highlight>
+                <a:latin typeface="Consolas" panose="020B0609020204030204" pitchFamily="49" charset="0"/>
+              </a:rPr>
+              <a:t>public</a:t>
+            </a:r>
+            <a:r>
+              <a:rPr lang="en-US" dirty="0">
+                <a:solidFill>
+                  <a:srgbClr val="000000"/>
+                </a:solidFill>
+                <a:highlight>
+                  <a:srgbClr val="FFFFFF"/>
+                </a:highlight>
+                <a:latin typeface="Consolas" panose="020B0609020204030204" pitchFamily="49" charset="0"/>
+              </a:rPr>
+              <a:t> </a:t>
+            </a:r>
+            <a:r>
+              <a:rPr lang="en-US" dirty="0">
+                <a:solidFill>
+                  <a:srgbClr val="0000FF"/>
+                </a:solidFill>
+                <a:highlight>
+                  <a:srgbClr val="FFFFFF"/>
+                </a:highlight>
+                <a:latin typeface="Consolas" panose="020B0609020204030204" pitchFamily="49" charset="0"/>
+              </a:rPr>
+              <a:t>void</a:t>
+            </a:r>
+            <a:r>
+              <a:rPr lang="en-US" dirty="0">
+                <a:solidFill>
+                  <a:srgbClr val="000000"/>
+                </a:solidFill>
+                <a:highlight>
+                  <a:srgbClr val="FFFFFF"/>
+                </a:highlight>
+                <a:latin typeface="Consolas" panose="020B0609020204030204" pitchFamily="49" charset="0"/>
+              </a:rPr>
+              <a:t> Main</a:t>
+            </a:r>
+            <a:r>
+              <a:rPr lang="en-US" dirty="0" smtClean="0">
+                <a:solidFill>
+                  <a:srgbClr val="000000"/>
+                </a:solidFill>
+                <a:highlight>
+                  <a:srgbClr val="FFFFFF"/>
+                </a:highlight>
+                <a:latin typeface="Consolas" panose="020B0609020204030204" pitchFamily="49" charset="0"/>
+              </a:rPr>
+              <a:t>() </a:t>
+            </a:r>
+            <a:r>
+              <a:rPr lang="ru-RU" dirty="0" smtClean="0">
+                <a:solidFill>
+                  <a:srgbClr val="000000"/>
+                </a:solidFill>
+                <a:highlight>
+                  <a:srgbClr val="FFFFFF"/>
+                </a:highlight>
+                <a:latin typeface="Consolas" panose="020B0609020204030204" pitchFamily="49" charset="0"/>
+              </a:rPr>
+              <a:t>{</a:t>
+            </a:r>
+            <a:endParaRPr lang="ru-RU" dirty="0">
+              <a:solidFill>
+                <a:srgbClr val="000000"/>
+              </a:solidFill>
+              <a:highlight>
+                <a:srgbClr val="FFFFFF"/>
+              </a:highlight>
+              <a:latin typeface="Consolas" panose="020B0609020204030204" pitchFamily="49" charset="0"/>
+            </a:endParaRPr>
+          </a:p>
+          <a:p>
+            <a:pPr marL="0" indent="0">
+              <a:buNone/>
+            </a:pPr>
+            <a:r>
+              <a:rPr lang="en-US" dirty="0">
+                <a:solidFill>
+                  <a:srgbClr val="000000"/>
+                </a:solidFill>
+                <a:highlight>
+                  <a:srgbClr val="FFFFFF"/>
+                </a:highlight>
+                <a:latin typeface="Consolas" panose="020B0609020204030204" pitchFamily="49" charset="0"/>
+              </a:rPr>
+              <a:t>    </a:t>
+            </a:r>
+            <a:r>
+              <a:rPr lang="en-US" dirty="0" smtClean="0">
+                <a:solidFill>
+                  <a:srgbClr val="0000FF"/>
+                </a:solidFill>
+                <a:highlight>
+                  <a:srgbClr val="FFFFFF"/>
+                </a:highlight>
+                <a:latin typeface="Consolas" panose="020B0609020204030204" pitchFamily="49" charset="0"/>
+              </a:rPr>
+              <a:t>try </a:t>
+            </a:r>
+            <a:r>
+              <a:rPr lang="ru-RU" dirty="0" smtClean="0">
+                <a:solidFill>
+                  <a:srgbClr val="000000"/>
+                </a:solidFill>
+                <a:highlight>
+                  <a:srgbClr val="FFFFFF"/>
+                </a:highlight>
+                <a:latin typeface="Consolas" panose="020B0609020204030204" pitchFamily="49" charset="0"/>
+              </a:rPr>
+              <a:t>{</a:t>
+            </a:r>
+            <a:endParaRPr lang="ru-RU" dirty="0">
+              <a:solidFill>
+                <a:srgbClr val="000000"/>
+              </a:solidFill>
+              <a:highlight>
+                <a:srgbClr val="FFFFFF"/>
+              </a:highlight>
+              <a:latin typeface="Consolas" panose="020B0609020204030204" pitchFamily="49" charset="0"/>
+            </a:endParaRPr>
+          </a:p>
+          <a:p>
+            <a:pPr marL="0" indent="0">
+              <a:buNone/>
+            </a:pPr>
+            <a:r>
+              <a:rPr lang="en-US" dirty="0">
+                <a:solidFill>
+                  <a:srgbClr val="000000"/>
+                </a:solidFill>
+                <a:highlight>
+                  <a:srgbClr val="FFFFFF"/>
+                </a:highlight>
+                <a:latin typeface="Consolas" panose="020B0609020204030204" pitchFamily="49" charset="0"/>
+              </a:rPr>
+              <a:t>        </a:t>
+            </a:r>
+            <a:r>
+              <a:rPr lang="en-US" dirty="0" err="1">
+                <a:solidFill>
+                  <a:srgbClr val="000000"/>
+                </a:solidFill>
+                <a:highlight>
+                  <a:srgbClr val="FFFFFF"/>
+                </a:highlight>
+                <a:latin typeface="Consolas" panose="020B0609020204030204" pitchFamily="49" charset="0"/>
+              </a:rPr>
+              <a:t>DoEverything</a:t>
+            </a:r>
+            <a:r>
+              <a:rPr lang="en-US" dirty="0">
+                <a:solidFill>
+                  <a:srgbClr val="000000"/>
+                </a:solidFill>
+                <a:highlight>
+                  <a:srgbClr val="FFFFFF"/>
+                </a:highlight>
+                <a:latin typeface="Consolas" panose="020B0609020204030204" pitchFamily="49" charset="0"/>
+              </a:rPr>
+              <a:t>();</a:t>
+            </a:r>
+          </a:p>
+          <a:p>
+            <a:pPr marL="0" indent="0">
+              <a:buNone/>
+            </a:pPr>
+            <a:r>
+              <a:rPr lang="ru-RU" dirty="0">
+                <a:solidFill>
+                  <a:srgbClr val="000000"/>
+                </a:solidFill>
+                <a:highlight>
+                  <a:srgbClr val="FFFFFF"/>
+                </a:highlight>
+                <a:latin typeface="Consolas" panose="020B0609020204030204" pitchFamily="49" charset="0"/>
+              </a:rPr>
+              <a:t>    }</a:t>
+            </a:r>
+          </a:p>
+          <a:p>
+            <a:pPr marL="0" indent="0">
+              <a:buNone/>
+            </a:pPr>
+            <a:r>
+              <a:rPr lang="en-US" dirty="0">
+                <a:solidFill>
+                  <a:srgbClr val="000000"/>
+                </a:solidFill>
+                <a:highlight>
+                  <a:srgbClr val="FFFFFF"/>
+                </a:highlight>
+                <a:latin typeface="Consolas" panose="020B0609020204030204" pitchFamily="49" charset="0"/>
+              </a:rPr>
+              <a:t>    </a:t>
+            </a:r>
+            <a:r>
+              <a:rPr lang="en-US" dirty="0">
+                <a:solidFill>
+                  <a:srgbClr val="0000FF"/>
+                </a:solidFill>
+                <a:highlight>
+                  <a:srgbClr val="FFFFFF"/>
+                </a:highlight>
+                <a:latin typeface="Consolas" panose="020B0609020204030204" pitchFamily="49" charset="0"/>
+              </a:rPr>
+              <a:t>catch</a:t>
+            </a:r>
+            <a:r>
+              <a:rPr lang="en-US" dirty="0">
+                <a:solidFill>
+                  <a:srgbClr val="000000"/>
+                </a:solidFill>
+                <a:highlight>
+                  <a:srgbClr val="FFFFFF"/>
+                </a:highlight>
+                <a:latin typeface="Consolas" panose="020B0609020204030204" pitchFamily="49" charset="0"/>
+              </a:rPr>
+              <a:t> (</a:t>
+            </a:r>
+            <a:r>
+              <a:rPr lang="en-US" dirty="0">
+                <a:solidFill>
+                  <a:srgbClr val="2B91AF"/>
+                </a:solidFill>
+                <a:highlight>
+                  <a:srgbClr val="FFFFFF"/>
+                </a:highlight>
+                <a:latin typeface="Consolas" panose="020B0609020204030204" pitchFamily="49" charset="0"/>
+              </a:rPr>
+              <a:t>Exception</a:t>
+            </a:r>
+            <a:r>
+              <a:rPr lang="en-US" dirty="0">
+                <a:solidFill>
+                  <a:srgbClr val="000000"/>
+                </a:solidFill>
+                <a:highlight>
+                  <a:srgbClr val="FFFFFF"/>
+                </a:highlight>
+                <a:latin typeface="Consolas" panose="020B0609020204030204" pitchFamily="49" charset="0"/>
+              </a:rPr>
+              <a:t> e</a:t>
+            </a:r>
+            <a:r>
+              <a:rPr lang="en-US" dirty="0" smtClean="0">
+                <a:solidFill>
+                  <a:srgbClr val="000000"/>
+                </a:solidFill>
+                <a:highlight>
+                  <a:srgbClr val="FFFFFF"/>
+                </a:highlight>
+                <a:latin typeface="Consolas" panose="020B0609020204030204" pitchFamily="49" charset="0"/>
+              </a:rPr>
+              <a:t>)</a:t>
+            </a:r>
+            <a:r>
+              <a:rPr lang="ru-RU" dirty="0" smtClean="0">
+                <a:solidFill>
+                  <a:srgbClr val="000000"/>
+                </a:solidFill>
+                <a:highlight>
+                  <a:srgbClr val="FFFFFF"/>
+                </a:highlight>
+                <a:latin typeface="Consolas" panose="020B0609020204030204" pitchFamily="49" charset="0"/>
+              </a:rPr>
+              <a:t>{</a:t>
+            </a:r>
+            <a:endParaRPr lang="ru-RU" dirty="0">
+              <a:solidFill>
+                <a:srgbClr val="000000"/>
+              </a:solidFill>
+              <a:highlight>
+                <a:srgbClr val="FFFFFF"/>
+              </a:highlight>
+              <a:latin typeface="Consolas" panose="020B0609020204030204" pitchFamily="49" charset="0"/>
+            </a:endParaRPr>
+          </a:p>
+          <a:p>
+            <a:pPr marL="0" indent="0">
+              <a:buNone/>
+            </a:pPr>
+            <a:r>
+              <a:rPr lang="ru-RU" dirty="0">
+                <a:solidFill>
+                  <a:srgbClr val="000000"/>
+                </a:solidFill>
+                <a:highlight>
+                  <a:srgbClr val="FFFFFF"/>
+                </a:highlight>
+                <a:latin typeface="Consolas" panose="020B0609020204030204" pitchFamily="49" charset="0"/>
+              </a:rPr>
+              <a:t>        </a:t>
+            </a:r>
+            <a:r>
+              <a:rPr lang="ru-RU" dirty="0">
+                <a:solidFill>
+                  <a:srgbClr val="008000"/>
+                </a:solidFill>
+                <a:highlight>
+                  <a:srgbClr val="FFFFFF"/>
+                </a:highlight>
+                <a:latin typeface="Consolas" panose="020B0609020204030204" pitchFamily="49" charset="0"/>
+              </a:rPr>
+              <a:t>// залогировать e для отладки и расследований</a:t>
+            </a:r>
+            <a:endParaRPr lang="ru-RU" dirty="0">
+              <a:solidFill>
+                <a:srgbClr val="000000"/>
+              </a:solidFill>
+              <a:highlight>
+                <a:srgbClr val="FFFFFF"/>
+              </a:highlight>
+              <a:latin typeface="Consolas" panose="020B0609020204030204" pitchFamily="49" charset="0"/>
+            </a:endParaRPr>
+          </a:p>
+          <a:p>
+            <a:pPr marL="0" indent="0">
+              <a:buNone/>
+            </a:pPr>
+            <a:r>
+              <a:rPr lang="ru-RU" dirty="0">
+                <a:solidFill>
+                  <a:srgbClr val="000000"/>
+                </a:solidFill>
+                <a:highlight>
+                  <a:srgbClr val="FFFFFF"/>
+                </a:highlight>
+                <a:latin typeface="Consolas" panose="020B0609020204030204" pitchFamily="49" charset="0"/>
+              </a:rPr>
+              <a:t>        </a:t>
+            </a:r>
+            <a:r>
+              <a:rPr lang="ru-RU" dirty="0">
+                <a:solidFill>
+                  <a:srgbClr val="008000"/>
+                </a:solidFill>
+                <a:highlight>
+                  <a:srgbClr val="FFFFFF"/>
+                </a:highlight>
+                <a:latin typeface="Consolas" panose="020B0609020204030204" pitchFamily="49" charset="0"/>
+              </a:rPr>
+              <a:t>// показать грустного котёнка пользователю</a:t>
+            </a:r>
+            <a:endParaRPr lang="ru-RU" dirty="0">
+              <a:solidFill>
+                <a:srgbClr val="000000"/>
+              </a:solidFill>
+              <a:highlight>
+                <a:srgbClr val="FFFFFF"/>
+              </a:highlight>
+              <a:latin typeface="Consolas" panose="020B0609020204030204" pitchFamily="49" charset="0"/>
+            </a:endParaRPr>
+          </a:p>
+          <a:p>
+            <a:pPr marL="0" indent="0">
+              <a:buNone/>
+            </a:pPr>
+            <a:r>
+              <a:rPr lang="en-US" dirty="0" smtClean="0">
+                <a:solidFill>
+                  <a:srgbClr val="000000"/>
+                </a:solidFill>
+                <a:highlight>
+                  <a:srgbClr val="FFFFFF"/>
+                </a:highlight>
+                <a:latin typeface="Consolas" panose="020B0609020204030204" pitchFamily="49" charset="0"/>
+              </a:rPr>
+              <a:t>    </a:t>
+            </a:r>
+            <a:r>
+              <a:rPr lang="ru-RU" dirty="0" smtClean="0">
+                <a:solidFill>
+                  <a:srgbClr val="000000"/>
+                </a:solidFill>
+                <a:highlight>
+                  <a:srgbClr val="FFFFFF"/>
+                </a:highlight>
+                <a:latin typeface="Consolas" panose="020B0609020204030204" pitchFamily="49" charset="0"/>
+              </a:rPr>
+              <a:t>}</a:t>
+            </a:r>
+            <a:endParaRPr lang="ru-RU" dirty="0">
+              <a:solidFill>
+                <a:srgbClr val="000000"/>
+              </a:solidFill>
+              <a:highlight>
+                <a:srgbClr val="FFFFFF"/>
+              </a:highlight>
+              <a:latin typeface="Consolas" panose="020B0609020204030204" pitchFamily="49" charset="0"/>
+            </a:endParaRPr>
+          </a:p>
+          <a:p>
+            <a:pPr marL="0" indent="0">
+              <a:buNone/>
+            </a:pPr>
+            <a:r>
+              <a:rPr lang="ru-RU" dirty="0">
+                <a:solidFill>
+                  <a:srgbClr val="000000"/>
+                </a:solidFill>
+                <a:highlight>
+                  <a:srgbClr val="FFFFFF"/>
+                </a:highlight>
+                <a:latin typeface="Consolas" panose="020B0609020204030204" pitchFamily="49" charset="0"/>
+              </a:rPr>
+              <a:t>}</a:t>
+            </a:r>
           </a:p>
         </p:txBody>
       </p:sp>
     </p:spTree>
     <p:extLst>
       <p:ext uri="{BB962C8B-B14F-4D97-AF65-F5344CB8AC3E}">
-        <p14:creationId xmlns:p14="http://schemas.microsoft.com/office/powerpoint/2010/main" val="1657329013"/>
+        <p14:creationId xmlns:p14="http://schemas.microsoft.com/office/powerpoint/2010/main" val="1447770033"/>
       </p:ext>
     </p:extLst>
   </p:cSld>
@@ -5852,25 +6219,39 @@
         </p:nvSpPr>
         <p:spPr/>
         <p:txBody>
-          <a:bodyPr>
-            <a:normAutofit fontScale="90000"/>
-          </a:bodyPr>
+          <a:bodyPr/>
           <a:lstStyle/>
           <a:p>
             <a:r>
               <a:rPr lang="en-US" dirty="0" smtClean="0"/>
-              <a:t>#2.</a:t>
+              <a:t>#</a:t>
             </a:r>
             <a:r>
               <a:rPr lang="ru-RU" dirty="0" smtClean="0"/>
-              <a:t/>
+              <a:t>2</a:t>
+            </a:r>
+            <a:r>
+              <a:rPr lang="en-US" dirty="0" smtClean="0"/>
+              <a:t>. </a:t>
             </a:r>
             <a:br>
+              <a:rPr lang="en-US" dirty="0" smtClean="0"/>
+            </a:br>
+            <a:r>
               <a:rPr lang="ru-RU" dirty="0" smtClean="0"/>
-            </a:br>
+              <a:t>И больше нигде </a:t>
+            </a:r>
             <a:r>
               <a:rPr lang="ru-RU" dirty="0" smtClean="0"/>
-              <a:t>Создай глобальный обработчик исключений</a:t>
+              <a:t>не </a:t>
+            </a:r>
+            <a:r>
+              <a:rPr lang="ru-RU" dirty="0" smtClean="0"/>
+              <a:t>лови исключения</a:t>
+            </a:r>
+            <a:r>
+              <a:rPr lang="en-US" dirty="0" smtClean="0"/>
+              <a:t>*</a:t>
             </a:r>
             <a:endParaRPr lang="ru-RU" dirty="0"/>
           </a:p>
@@ -5888,13 +6269,13 @@
         </p:nvSpPr>
         <p:spPr>
           <a:xfrm>
-            <a:off x="838200" y="1825625"/>
-            <a:ext cx="10515600" cy="4351338"/>
+            <a:off x="912337" y="6389860"/>
+            <a:ext cx="10515600" cy="468140"/>
           </a:xfrm>
         </p:spPr>
         <p:txBody>
           <a:bodyPr>
-            <a:normAutofit fontScale="92500"/>
+            <a:normAutofit lnSpcReduction="10000"/>
           </a:bodyPr>
           <a:lstStyle/>
           <a:p>
@@ -5902,8 +6283,530 @@
               <a:buNone/>
             </a:pPr>
             <a:r>
+              <a:rPr lang="ru-RU" dirty="0" smtClean="0"/>
+              <a:t>* Все исключения из этого правила будут перечислены далее</a:t>
+            </a:r>
+            <a:endParaRPr lang="ru-RU" dirty="0"/>
+          </a:p>
+        </p:txBody>
+      </p:sp>
+      <p:sp>
+        <p:nvSpPr>
+          <p:cNvPr id="5" name="Объект 2"/>
+          <p:cNvSpPr txBox="1">
+            <a:spLocks/>
+          </p:cNvSpPr>
+          <p:nvPr/>
+        </p:nvSpPr>
+        <p:spPr>
+          <a:xfrm>
+            <a:off x="990600" y="1879168"/>
+            <a:ext cx="10515600" cy="4351338"/>
+          </a:xfrm>
+          <a:prstGeom prst="rect">
+            <a:avLst/>
+          </a:prstGeom>
+        </p:spPr>
+        <p:txBody>
+          <a:bodyPr vert="horz" lIns="91440" tIns="45720" rIns="91440" bIns="45720" rtlCol="0">
+            <a:normAutofit lnSpcReduction="10000"/>
+          </a:bodyPr>
+          <a:lstStyle>
+            <a:lvl1pPr marL="228600" indent="-228600" algn="l" defTabSz="914400" rtl="0" eaLnBrk="1" latinLnBrk="0" hangingPunct="1">
+              <a:lnSpc>
+                <a:spcPct val="90000"/>
+              </a:lnSpc>
+              <a:spcBef>
+                <a:spcPts val="1000"/>
+              </a:spcBef>
+              <a:buFont typeface="Arial" panose="020B0604020202020204" pitchFamily="34" charset="0"/>
+              <a:buChar char="•"/>
+              <a:defRPr sz="2800" kern="1200">
+                <a:solidFill>
+                  <a:schemeClr val="tx1"/>
+                </a:solidFill>
+                <a:latin typeface="+mn-lt"/>
+                <a:ea typeface="+mn-ea"/>
+                <a:cs typeface="+mn-cs"/>
+              </a:defRPr>
+            </a:lvl1pPr>
+            <a:lvl2pPr marL="685800" indent="-228600" algn="l" defTabSz="914400" rtl="0" eaLnBrk="1" latinLnBrk="0" hangingPunct="1">
+              <a:lnSpc>
+                <a:spcPct val="90000"/>
+              </a:lnSpc>
+              <a:spcBef>
+                <a:spcPts val="500"/>
+              </a:spcBef>
+              <a:buFont typeface="Arial" panose="020B0604020202020204" pitchFamily="34" charset="0"/>
+              <a:buChar char="•"/>
+              <a:defRPr sz="2400" kern="1200">
+                <a:solidFill>
+                  <a:schemeClr val="tx1"/>
+                </a:solidFill>
+                <a:latin typeface="+mn-lt"/>
+                <a:ea typeface="+mn-ea"/>
+                <a:cs typeface="+mn-cs"/>
+              </a:defRPr>
+            </a:lvl2pPr>
+            <a:lvl3pPr marL="1143000" indent="-228600" algn="l" defTabSz="914400" rtl="0" eaLnBrk="1" latinLnBrk="0" hangingPunct="1">
+              <a:lnSpc>
+                <a:spcPct val="90000"/>
+              </a:lnSpc>
+              <a:spcBef>
+                <a:spcPts val="500"/>
+              </a:spcBef>
+              <a:buFont typeface="Arial" panose="020B0604020202020204" pitchFamily="34" charset="0"/>
+              <a:buChar char="•"/>
+              <a:defRPr sz="2000" kern="1200">
+                <a:solidFill>
+                  <a:schemeClr val="tx1"/>
+                </a:solidFill>
+                <a:latin typeface="+mn-lt"/>
+                <a:ea typeface="+mn-ea"/>
+                <a:cs typeface="+mn-cs"/>
+              </a:defRPr>
+            </a:lvl3pPr>
+            <a:lvl4pPr marL="1600200" indent="-228600" algn="l" defTabSz="914400" rtl="0" eaLnBrk="1" latinLnBrk="0" hangingPunct="1">
+              <a:lnSpc>
+                <a:spcPct val="90000"/>
+              </a:lnSpc>
+              <a:spcBef>
+                <a:spcPts val="500"/>
+              </a:spcBef>
+              <a:buFont typeface="Arial" panose="020B0604020202020204" pitchFamily="34" charset="0"/>
+              <a:buChar char="•"/>
+              <a:defRPr sz="1800" kern="1200">
+                <a:solidFill>
+                  <a:schemeClr val="tx1"/>
+                </a:solidFill>
+                <a:latin typeface="+mn-lt"/>
+                <a:ea typeface="+mn-ea"/>
+                <a:cs typeface="+mn-cs"/>
+              </a:defRPr>
+            </a:lvl4pPr>
+            <a:lvl5pPr marL="2057400" indent="-228600" algn="l" defTabSz="914400" rtl="0" eaLnBrk="1" latinLnBrk="0" hangingPunct="1">
+              <a:lnSpc>
+                <a:spcPct val="90000"/>
+              </a:lnSpc>
+              <a:spcBef>
+                <a:spcPts val="500"/>
+              </a:spcBef>
+              <a:buFont typeface="Arial" panose="020B0604020202020204" pitchFamily="34" charset="0"/>
+              <a:buChar char="•"/>
+              <a:defRPr sz="1800" kern="1200">
+                <a:solidFill>
+                  <a:schemeClr val="tx1"/>
+                </a:solidFill>
+                <a:latin typeface="+mn-lt"/>
+                <a:ea typeface="+mn-ea"/>
+                <a:cs typeface="+mn-cs"/>
+              </a:defRPr>
+            </a:lvl5pPr>
+            <a:lvl6pPr marL="2514600" indent="-228600" algn="l" defTabSz="914400" rtl="0" eaLnBrk="1" latinLnBrk="0" hangingPunct="1">
+              <a:lnSpc>
+                <a:spcPct val="90000"/>
+              </a:lnSpc>
+              <a:spcBef>
+                <a:spcPts val="500"/>
+              </a:spcBef>
+              <a:buFont typeface="Arial" panose="020B0604020202020204" pitchFamily="34" charset="0"/>
+              <a:buChar char="•"/>
+              <a:defRPr sz="1800" kern="1200">
+                <a:solidFill>
+                  <a:schemeClr val="tx1"/>
+                </a:solidFill>
+                <a:latin typeface="+mn-lt"/>
+                <a:ea typeface="+mn-ea"/>
+                <a:cs typeface="+mn-cs"/>
+              </a:defRPr>
+            </a:lvl6pPr>
+            <a:lvl7pPr marL="2971800" indent="-228600" algn="l" defTabSz="914400" rtl="0" eaLnBrk="1" latinLnBrk="0" hangingPunct="1">
+              <a:lnSpc>
+                <a:spcPct val="90000"/>
+              </a:lnSpc>
+              <a:spcBef>
+                <a:spcPts val="500"/>
+              </a:spcBef>
+              <a:buFont typeface="Arial" panose="020B0604020202020204" pitchFamily="34" charset="0"/>
+              <a:buChar char="•"/>
+              <a:defRPr sz="1800" kern="1200">
+                <a:solidFill>
+                  <a:schemeClr val="tx1"/>
+                </a:solidFill>
+                <a:latin typeface="+mn-lt"/>
+                <a:ea typeface="+mn-ea"/>
+                <a:cs typeface="+mn-cs"/>
+              </a:defRPr>
+            </a:lvl7pPr>
+            <a:lvl8pPr marL="3429000" indent="-228600" algn="l" defTabSz="914400" rtl="0" eaLnBrk="1" latinLnBrk="0" hangingPunct="1">
+              <a:lnSpc>
+                <a:spcPct val="90000"/>
+              </a:lnSpc>
+              <a:spcBef>
+                <a:spcPts val="500"/>
+              </a:spcBef>
+              <a:buFont typeface="Arial" panose="020B0604020202020204" pitchFamily="34" charset="0"/>
+              <a:buChar char="•"/>
+              <a:defRPr sz="1800" kern="1200">
+                <a:solidFill>
+                  <a:schemeClr val="tx1"/>
+                </a:solidFill>
+                <a:latin typeface="+mn-lt"/>
+                <a:ea typeface="+mn-ea"/>
+                <a:cs typeface="+mn-cs"/>
+              </a:defRPr>
+            </a:lvl8pPr>
+            <a:lvl9pPr marL="3886200" indent="-228600" algn="l" defTabSz="914400" rtl="0" eaLnBrk="1" latinLnBrk="0" hangingPunct="1">
+              <a:lnSpc>
+                <a:spcPct val="90000"/>
+              </a:lnSpc>
+              <a:spcBef>
+                <a:spcPts val="500"/>
+              </a:spcBef>
+              <a:buFont typeface="Arial" panose="020B0604020202020204" pitchFamily="34" charset="0"/>
+              <a:buChar char="•"/>
+              <a:defRPr sz="1800" kern="1200">
+                <a:solidFill>
+                  <a:schemeClr val="tx1"/>
+                </a:solidFill>
+                <a:latin typeface="+mn-lt"/>
+                <a:ea typeface="+mn-ea"/>
+                <a:cs typeface="+mn-cs"/>
+              </a:defRPr>
+            </a:lvl9pPr>
+          </a:lstStyle>
+          <a:p>
+            <a:pPr marL="0" indent="0">
+              <a:buFont typeface="Arial" panose="020B0604020202020204" pitchFamily="34" charset="0"/>
+              <a:buNone/>
+            </a:pPr>
+            <a:r>
+              <a:rPr lang="en-US" dirty="0" smtClean="0">
+                <a:solidFill>
+                  <a:srgbClr val="0000FF"/>
+                </a:solidFill>
+                <a:highlight>
+                  <a:srgbClr val="FFFFFF"/>
+                </a:highlight>
+                <a:latin typeface="Consolas" panose="020B0609020204030204" pitchFamily="49" charset="0"/>
+              </a:rPr>
+              <a:t>public</a:t>
+            </a:r>
+            <a:r>
+              <a:rPr lang="en-US" dirty="0" smtClean="0">
+                <a:solidFill>
+                  <a:srgbClr val="000000"/>
+                </a:solidFill>
+                <a:highlight>
+                  <a:srgbClr val="FFFFFF"/>
+                </a:highlight>
+                <a:latin typeface="Consolas" panose="020B0609020204030204" pitchFamily="49" charset="0"/>
+              </a:rPr>
+              <a:t> </a:t>
+            </a:r>
+            <a:r>
+              <a:rPr lang="en-US" dirty="0" smtClean="0">
+                <a:solidFill>
+                  <a:srgbClr val="0000FF"/>
+                </a:solidFill>
+                <a:highlight>
+                  <a:srgbClr val="FFFFFF"/>
+                </a:highlight>
+                <a:latin typeface="Consolas" panose="020B0609020204030204" pitchFamily="49" charset="0"/>
+              </a:rPr>
+              <a:t>void</a:t>
+            </a:r>
+            <a:r>
+              <a:rPr lang="en-US" dirty="0" smtClean="0">
+                <a:solidFill>
+                  <a:srgbClr val="000000"/>
+                </a:solidFill>
+                <a:highlight>
+                  <a:srgbClr val="FFFFFF"/>
+                </a:highlight>
+                <a:latin typeface="Consolas" panose="020B0609020204030204" pitchFamily="49" charset="0"/>
+              </a:rPr>
+              <a:t> Main() </a:t>
+            </a:r>
+            <a:r>
+              <a:rPr lang="ru-RU" dirty="0" smtClean="0">
+                <a:solidFill>
+                  <a:srgbClr val="000000"/>
+                </a:solidFill>
+                <a:highlight>
+                  <a:srgbClr val="FFFFFF"/>
+                </a:highlight>
+                <a:latin typeface="Consolas" panose="020B0609020204030204" pitchFamily="49" charset="0"/>
+              </a:rPr>
+              <a:t>{</a:t>
+            </a:r>
+          </a:p>
+          <a:p>
+            <a:pPr marL="0" indent="0">
+              <a:buFont typeface="Arial" panose="020B0604020202020204" pitchFamily="34" charset="0"/>
+              <a:buNone/>
+            </a:pPr>
+            <a:r>
+              <a:rPr lang="en-US" dirty="0" smtClean="0">
+                <a:solidFill>
+                  <a:srgbClr val="000000"/>
+                </a:solidFill>
+                <a:highlight>
+                  <a:srgbClr val="FFFFFF"/>
+                </a:highlight>
+                <a:latin typeface="Consolas" panose="020B0609020204030204" pitchFamily="49" charset="0"/>
+              </a:rPr>
+              <a:t>    </a:t>
+            </a:r>
+            <a:r>
+              <a:rPr lang="en-US" dirty="0" smtClean="0">
+                <a:solidFill>
+                  <a:srgbClr val="0000FF"/>
+                </a:solidFill>
+                <a:highlight>
+                  <a:srgbClr val="FFFFFF"/>
+                </a:highlight>
+                <a:latin typeface="Consolas" panose="020B0609020204030204" pitchFamily="49" charset="0"/>
+              </a:rPr>
+              <a:t>try </a:t>
+            </a:r>
+            <a:r>
+              <a:rPr lang="ru-RU" dirty="0" smtClean="0">
+                <a:solidFill>
+                  <a:srgbClr val="000000"/>
+                </a:solidFill>
+                <a:highlight>
+                  <a:srgbClr val="FFFFFF"/>
+                </a:highlight>
+                <a:latin typeface="Consolas" panose="020B0609020204030204" pitchFamily="49" charset="0"/>
+              </a:rPr>
+              <a:t>{</a:t>
+            </a:r>
+          </a:p>
+          <a:p>
+            <a:pPr marL="0" indent="0">
+              <a:buFont typeface="Arial" panose="020B0604020202020204" pitchFamily="34" charset="0"/>
+              <a:buNone/>
+            </a:pPr>
+            <a:r>
+              <a:rPr lang="en-US" dirty="0" smtClean="0">
+                <a:solidFill>
+                  <a:srgbClr val="000000"/>
+                </a:solidFill>
+                <a:highlight>
+                  <a:srgbClr val="FFFFFF"/>
+                </a:highlight>
+                <a:latin typeface="Consolas" panose="020B0609020204030204" pitchFamily="49" charset="0"/>
+              </a:rPr>
+              <a:t>        </a:t>
+            </a:r>
+            <a:r>
+              <a:rPr lang="en-US" dirty="0" err="1" smtClean="0">
+                <a:solidFill>
+                  <a:srgbClr val="000000"/>
+                </a:solidFill>
+                <a:highlight>
+                  <a:srgbClr val="FFFFFF"/>
+                </a:highlight>
+                <a:latin typeface="Consolas" panose="020B0609020204030204" pitchFamily="49" charset="0"/>
+              </a:rPr>
+              <a:t>DoEverything</a:t>
+            </a:r>
+            <a:r>
+              <a:rPr lang="en-US" dirty="0" smtClean="0">
+                <a:solidFill>
+                  <a:srgbClr val="000000"/>
+                </a:solidFill>
+                <a:highlight>
+                  <a:srgbClr val="FFFFFF"/>
+                </a:highlight>
+                <a:latin typeface="Consolas" panose="020B0609020204030204" pitchFamily="49" charset="0"/>
+              </a:rPr>
+              <a:t>();</a:t>
+            </a:r>
+          </a:p>
+          <a:p>
+            <a:pPr marL="0" indent="0">
+              <a:buFont typeface="Arial" panose="020B0604020202020204" pitchFamily="34" charset="0"/>
+              <a:buNone/>
+            </a:pPr>
+            <a:r>
+              <a:rPr lang="ru-RU" dirty="0" smtClean="0">
+                <a:solidFill>
+                  <a:srgbClr val="000000"/>
+                </a:solidFill>
+                <a:highlight>
+                  <a:srgbClr val="FFFFFF"/>
+                </a:highlight>
+                <a:latin typeface="Consolas" panose="020B0609020204030204" pitchFamily="49" charset="0"/>
+              </a:rPr>
+              <a:t>    }</a:t>
+            </a:r>
+          </a:p>
+          <a:p>
+            <a:pPr marL="0" indent="0">
+              <a:buFont typeface="Arial" panose="020B0604020202020204" pitchFamily="34" charset="0"/>
+              <a:buNone/>
+            </a:pPr>
+            <a:r>
+              <a:rPr lang="en-US" dirty="0" smtClean="0">
+                <a:solidFill>
+                  <a:srgbClr val="000000"/>
+                </a:solidFill>
+                <a:highlight>
+                  <a:srgbClr val="FFFFFF"/>
+                </a:highlight>
+                <a:latin typeface="Consolas" panose="020B0609020204030204" pitchFamily="49" charset="0"/>
+              </a:rPr>
+              <a:t>    </a:t>
+            </a:r>
+            <a:r>
+              <a:rPr lang="en-US" dirty="0" smtClean="0">
+                <a:solidFill>
+                  <a:srgbClr val="0000FF"/>
+                </a:solidFill>
+                <a:highlight>
+                  <a:srgbClr val="FFFFFF"/>
+                </a:highlight>
+                <a:latin typeface="Consolas" panose="020B0609020204030204" pitchFamily="49" charset="0"/>
+              </a:rPr>
+              <a:t>catch</a:t>
+            </a:r>
+            <a:r>
+              <a:rPr lang="en-US" dirty="0" smtClean="0">
+                <a:solidFill>
+                  <a:srgbClr val="000000"/>
+                </a:solidFill>
+                <a:highlight>
+                  <a:srgbClr val="FFFFFF"/>
+                </a:highlight>
+                <a:latin typeface="Consolas" panose="020B0609020204030204" pitchFamily="49" charset="0"/>
+              </a:rPr>
+              <a:t> (</a:t>
+            </a:r>
+            <a:r>
+              <a:rPr lang="en-US" dirty="0" smtClean="0">
+                <a:solidFill>
+                  <a:srgbClr val="2B91AF"/>
+                </a:solidFill>
+                <a:highlight>
+                  <a:srgbClr val="FFFFFF"/>
+                </a:highlight>
+                <a:latin typeface="Consolas" panose="020B0609020204030204" pitchFamily="49" charset="0"/>
+              </a:rPr>
+              <a:t>Exception</a:t>
+            </a:r>
+            <a:r>
+              <a:rPr lang="en-US" dirty="0" smtClean="0">
+                <a:solidFill>
+                  <a:srgbClr val="000000"/>
+                </a:solidFill>
+                <a:highlight>
+                  <a:srgbClr val="FFFFFF"/>
+                </a:highlight>
+                <a:latin typeface="Consolas" panose="020B0609020204030204" pitchFamily="49" charset="0"/>
+              </a:rPr>
+              <a:t> e)</a:t>
+            </a:r>
+            <a:r>
+              <a:rPr lang="ru-RU" dirty="0" smtClean="0">
+                <a:solidFill>
+                  <a:srgbClr val="000000"/>
+                </a:solidFill>
+                <a:highlight>
+                  <a:srgbClr val="FFFFFF"/>
+                </a:highlight>
+                <a:latin typeface="Consolas" panose="020B0609020204030204" pitchFamily="49" charset="0"/>
+              </a:rPr>
+              <a:t>{</a:t>
+            </a:r>
+          </a:p>
+          <a:p>
+            <a:pPr marL="0" indent="0">
+              <a:buFont typeface="Arial" panose="020B0604020202020204" pitchFamily="34" charset="0"/>
+              <a:buNone/>
+            </a:pPr>
+            <a:r>
+              <a:rPr lang="ru-RU" dirty="0">
+                <a:solidFill>
+                  <a:srgbClr val="000000"/>
+                </a:solidFill>
+                <a:highlight>
+                  <a:srgbClr val="FFFFFF"/>
+                </a:highlight>
+                <a:latin typeface="Consolas" panose="020B0609020204030204" pitchFamily="49" charset="0"/>
+              </a:rPr>
+              <a:t>	</a:t>
+            </a:r>
+            <a:r>
+              <a:rPr lang="ru-RU" dirty="0" smtClean="0">
+                <a:solidFill>
+                  <a:srgbClr val="000000"/>
+                </a:solidFill>
+                <a:highlight>
+                  <a:srgbClr val="FFFFFF"/>
+                </a:highlight>
+                <a:latin typeface="Consolas" panose="020B0609020204030204" pitchFamily="49" charset="0"/>
+              </a:rPr>
+              <a:t>	</a:t>
+            </a:r>
+            <a:r>
+              <a:rPr lang="en-US" dirty="0" err="1" smtClean="0">
+                <a:solidFill>
+                  <a:srgbClr val="000000"/>
+                </a:solidFill>
+                <a:highlight>
+                  <a:srgbClr val="FFFFFF"/>
+                </a:highlight>
+                <a:latin typeface="Consolas" panose="020B0609020204030204" pitchFamily="49" charset="0"/>
+              </a:rPr>
+              <a:t>logger.LogError</a:t>
+            </a:r>
+            <a:r>
+              <a:rPr lang="en-US" dirty="0" smtClean="0">
+                <a:solidFill>
+                  <a:srgbClr val="000000"/>
+                </a:solidFill>
+                <a:highlight>
+                  <a:srgbClr val="FFFFFF"/>
+                </a:highlight>
+                <a:latin typeface="Consolas" panose="020B0609020204030204" pitchFamily="49" charset="0"/>
+              </a:rPr>
+              <a:t>(e);</a:t>
+            </a:r>
+          </a:p>
+          <a:p>
+            <a:pPr marL="0" indent="0">
+              <a:buFont typeface="Arial" panose="020B0604020202020204" pitchFamily="34" charset="0"/>
+              <a:buNone/>
+            </a:pPr>
+            <a:r>
               <a:rPr lang="en-US" dirty="0">
                 <a:solidFill>
+                  <a:srgbClr val="000000"/>
+                </a:solidFill>
+                <a:highlight>
+                  <a:srgbClr val="FFFFFF"/>
+                </a:highlight>
+                <a:latin typeface="Consolas" panose="020B0609020204030204" pitchFamily="49" charset="0"/>
+              </a:rPr>
+              <a:t>	</a:t>
+            </a:r>
+            <a:r>
+              <a:rPr lang="en-US" dirty="0" smtClean="0">
+                <a:solidFill>
+                  <a:srgbClr val="000000"/>
+                </a:solidFill>
+                <a:highlight>
+                  <a:srgbClr val="FFFFFF"/>
+                </a:highlight>
+                <a:latin typeface="Consolas" panose="020B0609020204030204" pitchFamily="49" charset="0"/>
+              </a:rPr>
+              <a:t>	</a:t>
+            </a:r>
+            <a:r>
+              <a:rPr lang="en-US" dirty="0">
+                <a:solidFill>
                   <a:srgbClr val="0000FF"/>
                 </a:solidFill>
                 <a:highlight>
@@ -5911,43 +6814,7 @@
                 </a:highlight>
                 <a:latin typeface="Consolas" panose="020B0609020204030204" pitchFamily="49" charset="0"/>
               </a:rPr>
-              <a:t>public</a:t>
-            </a:r>
-            <a:r>
-              <a:rPr lang="en-US" dirty="0">
-                <a:solidFill>
-                  <a:srgbClr val="000000"/>
-                </a:solidFill>
-                <a:highlight>
-                  <a:srgbClr val="FFFFFF"/>
-                </a:highlight>
-                <a:latin typeface="Consolas" panose="020B0609020204030204" pitchFamily="49" charset="0"/>
-              </a:rPr>
-              <a:t> </a:t>
-            </a:r>
-            <a:r>
-              <a:rPr lang="en-US" dirty="0">
-                <a:solidFill>
-                  <a:srgbClr val="0000FF"/>
-                </a:solidFill>
-                <a:highlight>
-                  <a:srgbClr val="FFFFFF"/>
-                </a:highlight>
-                <a:latin typeface="Consolas" panose="020B0609020204030204" pitchFamily="49" charset="0"/>
-              </a:rPr>
-              <a:t>void</a:t>
-            </a:r>
-            <a:r>
-              <a:rPr lang="en-US" dirty="0">
-                <a:solidFill>
-                  <a:srgbClr val="000000"/>
-                </a:solidFill>
-                <a:highlight>
-                  <a:srgbClr val="FFFFFF"/>
-                </a:highlight>
-                <a:latin typeface="Consolas" panose="020B0609020204030204" pitchFamily="49" charset="0"/>
-              </a:rPr>
-              <a:t> Main</a:t>
+              <a:t>throw</a:t>
             </a:r>
             <a:r>
               <a:rPr lang="en-US" dirty="0" smtClean="0">
@@ -5959,7 +6826,34 @@
                 </a:highlight>
                 <a:latin typeface="Consolas" panose="020B0609020204030204" pitchFamily="49" charset="0"/>
               </a:rPr>
-              <a:t>() </a:t>
+              <a:t> e;</a:t>
+            </a:r>
+            <a:endParaRPr lang="ru-RU" dirty="0" smtClean="0">
+              <a:solidFill>
+                <a:srgbClr val="000000"/>
+              </a:solidFill>
+              <a:highlight>
+                <a:srgbClr val="FFFFFF"/>
+              </a:highlight>
+              <a:latin typeface="Consolas" panose="020B0609020204030204" pitchFamily="49" charset="0"/>
+            </a:endParaRPr>
+          </a:p>
+          <a:p>
+            <a:pPr marL="0" indent="0">
+              <a:buFont typeface="Arial" panose="020B0604020202020204" pitchFamily="34" charset="0"/>
+              <a:buNone/>
+            </a:pPr>
+            <a:r>
+              <a:rPr lang="en-US" dirty="0" smtClean="0">
+                <a:solidFill>
+                  <a:srgbClr val="000000"/>
+                </a:solidFill>
+                <a:highlight>
+                  <a:srgbClr val="FFFFFF"/>
+                </a:highlight>
+                <a:latin typeface="Consolas" panose="020B0609020204030204" pitchFamily="49" charset="0"/>
+              </a:rPr>
+              <a:t>	</a:t>
             </a:r>
             <a:r>
               <a:rPr lang="ru-RU" dirty="0" smtClean="0">
@@ -5971,7 +6865,25 @@
                 </a:highlight>
                 <a:latin typeface="Consolas" panose="020B0609020204030204" pitchFamily="49" charset="0"/>
               </a:rPr>
-              <a:t>{</a:t>
+              <a:t>}</a:t>
+            </a:r>
+          </a:p>
+          <a:p>
+            <a:pPr marL="0" indent="0">
+              <a:buFont typeface="Arial" panose="020B0604020202020204" pitchFamily="34" charset="0"/>
+              <a:buNone/>
+            </a:pPr>
+            <a:r>
+              <a:rPr lang="ru-RU" dirty="0" smtClean="0">
+                <a:solidFill>
+                  <a:srgbClr val="000000"/>
+                </a:solidFill>
+                <a:highlight>
+                  <a:srgbClr val="FFFFFF"/>
+                </a:highlight>
+                <a:latin typeface="Consolas" panose="020B0609020204030204" pitchFamily="49" charset="0"/>
+              </a:rPr>
+              <a:t>}</a:t>
             </a:r>
             <a:endParaRPr lang="ru-RU" dirty="0">
               <a:solidFill>
@@ -5983,349 +6895,12 @@
               <a:latin typeface="Consolas" panose="020B0609020204030204" pitchFamily="49" charset="0"/>
             </a:endParaRPr>
           </a:p>
-          <a:p>
-            <a:pPr marL="0" indent="0">
-              <a:buNone/>
-            </a:pPr>
-            <a:r>
-              <a:rPr lang="en-US" dirty="0">
-                <a:solidFill>
-                  <a:srgbClr val="000000"/>
-                </a:solidFill>
-                <a:highlight>
-                  <a:srgbClr val="FFFFFF"/>
-                </a:highlight>
-                <a:latin typeface="Consolas" panose="020B0609020204030204" pitchFamily="49" charset="0"/>
-              </a:rPr>
-              <a:t>    </a:t>
-            </a:r>
-            <a:r>
-              <a:rPr lang="en-US" dirty="0" smtClean="0">
-                <a:solidFill>
-                  <a:srgbClr val="0000FF"/>
-                </a:solidFill>
-                <a:highlight>
-                  <a:srgbClr val="FFFFFF"/>
-                </a:highlight>
-                <a:latin typeface="Consolas" panose="020B0609020204030204" pitchFamily="49" charset="0"/>
-              </a:rPr>
-              <a:t>try </a:t>
-            </a:r>
-            <a:r>
-              <a:rPr lang="ru-RU" dirty="0" smtClean="0">
-                <a:solidFill>
-                  <a:srgbClr val="000000"/>
-                </a:solidFill>
-                <a:highlight>
-                  <a:srgbClr val="FFFFFF"/>
-                </a:highlight>
-                <a:latin typeface="Consolas" panose="020B0609020204030204" pitchFamily="49" charset="0"/>
-              </a:rPr>
-              <a:t>{</a:t>
-            </a:r>
-            <a:endParaRPr lang="ru-RU" dirty="0">
-              <a:solidFill>
-                <a:srgbClr val="000000"/>
-              </a:solidFill>
-              <a:highlight>
-                <a:srgbClr val="FFFFFF"/>
-              </a:highlight>
-              <a:latin typeface="Consolas" panose="020B0609020204030204" pitchFamily="49" charset="0"/>
-            </a:endParaRPr>
-          </a:p>
-          <a:p>
-            <a:pPr marL="0" indent="0">
-              <a:buNone/>
-            </a:pPr>
-            <a:r>
-              <a:rPr lang="en-US" dirty="0">
-                <a:solidFill>
-                  <a:srgbClr val="000000"/>
-                </a:solidFill>
-                <a:highlight>
-                  <a:srgbClr val="FFFFFF"/>
-                </a:highlight>
-                <a:latin typeface="Consolas" panose="020B0609020204030204" pitchFamily="49" charset="0"/>
-              </a:rPr>
-              <a:t>        </a:t>
-            </a:r>
-            <a:r>
-              <a:rPr lang="en-US" dirty="0" err="1">
-                <a:solidFill>
-                  <a:srgbClr val="000000"/>
-                </a:solidFill>
-                <a:highlight>
-                  <a:srgbClr val="FFFFFF"/>
-                </a:highlight>
-                <a:latin typeface="Consolas" panose="020B0609020204030204" pitchFamily="49" charset="0"/>
-              </a:rPr>
-              <a:t>DoEverything</a:t>
-            </a:r>
-            <a:r>
-              <a:rPr lang="en-US" dirty="0">
-                <a:solidFill>
-                  <a:srgbClr val="000000"/>
-                </a:solidFill>
-                <a:highlight>
-                  <a:srgbClr val="FFFFFF"/>
-                </a:highlight>
-                <a:latin typeface="Consolas" panose="020B0609020204030204" pitchFamily="49" charset="0"/>
-              </a:rPr>
-              <a:t>();</a:t>
-            </a:r>
-          </a:p>
-          <a:p>
-            <a:pPr marL="0" indent="0">
-              <a:buNone/>
-            </a:pPr>
-            <a:r>
-              <a:rPr lang="ru-RU" dirty="0">
-                <a:solidFill>
-                  <a:srgbClr val="000000"/>
-                </a:solidFill>
-                <a:highlight>
-                  <a:srgbClr val="FFFFFF"/>
-                </a:highlight>
-                <a:latin typeface="Consolas" panose="020B0609020204030204" pitchFamily="49" charset="0"/>
-              </a:rPr>
-              <a:t>    }</a:t>
-            </a:r>
-          </a:p>
-          <a:p>
-            <a:pPr marL="0" indent="0">
-              <a:buNone/>
-            </a:pPr>
-            <a:r>
-              <a:rPr lang="en-US" dirty="0">
-                <a:solidFill>
-                  <a:srgbClr val="000000"/>
-                </a:solidFill>
-                <a:highlight>
-                  <a:srgbClr val="FFFFFF"/>
-                </a:highlight>
-                <a:latin typeface="Consolas" panose="020B0609020204030204" pitchFamily="49" charset="0"/>
-              </a:rPr>
-              <a:t>    </a:t>
-            </a:r>
-            <a:r>
-              <a:rPr lang="en-US" dirty="0">
-                <a:solidFill>
-                  <a:srgbClr val="0000FF"/>
-                </a:solidFill>
-                <a:highlight>
-                  <a:srgbClr val="FFFFFF"/>
-                </a:highlight>
-                <a:latin typeface="Consolas" panose="020B0609020204030204" pitchFamily="49" charset="0"/>
-              </a:rPr>
-              <a:t>catch</a:t>
-            </a:r>
-            <a:r>
-              <a:rPr lang="en-US" dirty="0">
-                <a:solidFill>
-                  <a:srgbClr val="000000"/>
-                </a:solidFill>
-                <a:highlight>
-                  <a:srgbClr val="FFFFFF"/>
-                </a:highlight>
-                <a:latin typeface="Consolas" panose="020B0609020204030204" pitchFamily="49" charset="0"/>
-              </a:rPr>
-              <a:t> (</a:t>
-            </a:r>
-            <a:r>
-              <a:rPr lang="en-US" dirty="0">
-                <a:solidFill>
-                  <a:srgbClr val="2B91AF"/>
-                </a:solidFill>
-                <a:highlight>
-                  <a:srgbClr val="FFFFFF"/>
-                </a:highlight>
-                <a:latin typeface="Consolas" panose="020B0609020204030204" pitchFamily="49" charset="0"/>
-              </a:rPr>
-              <a:t>Exception</a:t>
-            </a:r>
-            <a:r>
-              <a:rPr lang="en-US" dirty="0">
-                <a:solidFill>
-                  <a:srgbClr val="000000"/>
-                </a:solidFill>
-                <a:highlight>
-                  <a:srgbClr val="FFFFFF"/>
-                </a:highlight>
-                <a:latin typeface="Consolas" panose="020B0609020204030204" pitchFamily="49" charset="0"/>
-              </a:rPr>
-              <a:t> e</a:t>
-            </a:r>
-            <a:r>
-              <a:rPr lang="en-US" dirty="0" smtClean="0">
-                <a:solidFill>
-                  <a:srgbClr val="000000"/>
-                </a:solidFill>
-                <a:highlight>
-                  <a:srgbClr val="FFFFFF"/>
-                </a:highlight>
-                <a:latin typeface="Consolas" panose="020B0609020204030204" pitchFamily="49" charset="0"/>
-              </a:rPr>
-              <a:t>)</a:t>
-            </a:r>
-            <a:r>
-              <a:rPr lang="ru-RU" dirty="0" smtClean="0">
-                <a:solidFill>
-                  <a:srgbClr val="000000"/>
-                </a:solidFill>
-                <a:highlight>
-                  <a:srgbClr val="FFFFFF"/>
-                </a:highlight>
-                <a:latin typeface="Consolas" panose="020B0609020204030204" pitchFamily="49" charset="0"/>
-              </a:rPr>
-              <a:t>{</a:t>
-            </a:r>
-            <a:endParaRPr lang="ru-RU" dirty="0">
-              <a:solidFill>
-                <a:srgbClr val="000000"/>
-              </a:solidFill>
-              <a:highlight>
-                <a:srgbClr val="FFFFFF"/>
-              </a:highlight>
-              <a:latin typeface="Consolas" panose="020B0609020204030204" pitchFamily="49" charset="0"/>
-            </a:endParaRPr>
-          </a:p>
-          <a:p>
-            <a:pPr marL="0" indent="0">
-              <a:buNone/>
-            </a:pPr>
-            <a:r>
-              <a:rPr lang="ru-RU" dirty="0">
-                <a:solidFill>
-                  <a:srgbClr val="000000"/>
-                </a:solidFill>
-                <a:highlight>
-                  <a:srgbClr val="FFFFFF"/>
-                </a:highlight>
-                <a:latin typeface="Consolas" panose="020B0609020204030204" pitchFamily="49" charset="0"/>
-              </a:rPr>
-              <a:t>        </a:t>
-            </a:r>
-            <a:r>
-              <a:rPr lang="ru-RU" dirty="0">
-                <a:solidFill>
-                  <a:srgbClr val="008000"/>
-                </a:solidFill>
-                <a:highlight>
-                  <a:srgbClr val="FFFFFF"/>
-                </a:highlight>
-                <a:latin typeface="Consolas" panose="020B0609020204030204" pitchFamily="49" charset="0"/>
-              </a:rPr>
-              <a:t>// залогировать e для отладки и расследований</a:t>
-            </a:r>
-            <a:endParaRPr lang="ru-RU" dirty="0">
-              <a:solidFill>
-                <a:srgbClr val="000000"/>
-              </a:solidFill>
-              <a:highlight>
-                <a:srgbClr val="FFFFFF"/>
-              </a:highlight>
-              <a:latin typeface="Consolas" panose="020B0609020204030204" pitchFamily="49" charset="0"/>
-            </a:endParaRPr>
-          </a:p>
-          <a:p>
-            <a:pPr marL="0" indent="0">
-              <a:buNone/>
-            </a:pPr>
-            <a:r>
-              <a:rPr lang="ru-RU" dirty="0">
-                <a:solidFill>
-                  <a:srgbClr val="000000"/>
-                </a:solidFill>
-                <a:highlight>
-                  <a:srgbClr val="FFFFFF"/>
-                </a:highlight>
-                <a:latin typeface="Consolas" panose="020B0609020204030204" pitchFamily="49" charset="0"/>
-              </a:rPr>
-              <a:t>        </a:t>
-            </a:r>
-            <a:r>
-              <a:rPr lang="ru-RU" dirty="0">
-                <a:solidFill>
-                  <a:srgbClr val="008000"/>
-                </a:solidFill>
-                <a:highlight>
-                  <a:srgbClr val="FFFFFF"/>
-                </a:highlight>
-                <a:latin typeface="Consolas" panose="020B0609020204030204" pitchFamily="49" charset="0"/>
-              </a:rPr>
-              <a:t>// показать грустного котёнка пользователю</a:t>
-            </a:r>
-            <a:endParaRPr lang="ru-RU" dirty="0">
-              <a:solidFill>
-                <a:srgbClr val="000000"/>
-              </a:solidFill>
-              <a:highlight>
-                <a:srgbClr val="FFFFFF"/>
-              </a:highlight>
-              <a:latin typeface="Consolas" panose="020B0609020204030204" pitchFamily="49" charset="0"/>
-            </a:endParaRPr>
-          </a:p>
-          <a:p>
-            <a:pPr marL="0" indent="0">
-              <a:buNone/>
-            </a:pPr>
-            <a:r>
-              <a:rPr lang="en-US" dirty="0" smtClean="0">
-                <a:solidFill>
-                  <a:srgbClr val="000000"/>
-                </a:solidFill>
-                <a:highlight>
-                  <a:srgbClr val="FFFFFF"/>
-                </a:highlight>
-                <a:latin typeface="Consolas" panose="020B0609020204030204" pitchFamily="49" charset="0"/>
-              </a:rPr>
-              <a:t>    </a:t>
-            </a:r>
-            <a:r>
-              <a:rPr lang="ru-RU" dirty="0" smtClean="0">
-                <a:solidFill>
-                  <a:srgbClr val="000000"/>
-                </a:solidFill>
-                <a:highlight>
-                  <a:srgbClr val="FFFFFF"/>
-                </a:highlight>
-                <a:latin typeface="Consolas" panose="020B0609020204030204" pitchFamily="49" charset="0"/>
-              </a:rPr>
-              <a:t>}</a:t>
-            </a:r>
-            <a:endParaRPr lang="ru-RU" dirty="0">
-              <a:solidFill>
-                <a:srgbClr val="000000"/>
-              </a:solidFill>
-              <a:highlight>
-                <a:srgbClr val="FFFFFF"/>
-              </a:highlight>
-              <a:latin typeface="Consolas" panose="020B0609020204030204" pitchFamily="49" charset="0"/>
-            </a:endParaRPr>
-          </a:p>
-          <a:p>
-            <a:pPr marL="0" indent="0">
-              <a:buNone/>
-            </a:pPr>
-            <a:r>
-              <a:rPr lang="ru-RU" dirty="0">
-                <a:solidFill>
-                  <a:srgbClr val="000000"/>
-                </a:solidFill>
-                <a:highlight>
-                  <a:srgbClr val="FFFFFF"/>
-                </a:highlight>
-                <a:latin typeface="Consolas" panose="020B0609020204030204" pitchFamily="49" charset="0"/>
-              </a:rPr>
-              <a:t>}</a:t>
-            </a:r>
-          </a:p>
         </p:txBody>
       </p:sp>
     </p:spTree>
     <p:extLst>
       <p:ext uri="{BB962C8B-B14F-4D97-AF65-F5344CB8AC3E}">
-        <p14:creationId xmlns:p14="http://schemas.microsoft.com/office/powerpoint/2010/main" val="1447770033"/>
+        <p14:creationId xmlns:p14="http://schemas.microsoft.com/office/powerpoint/2010/main" val="271700807"/>
       </p:ext>
     </p:extLst>
   </p:cSld>
@@ -6385,7 +6960,7 @@
             </a:br>
             <a:r>
               <a:rPr lang="ru-RU" dirty="0" smtClean="0"/>
-              <a:t>Обработай ожидаемые проблемы</a:t>
+              <a:t>Ожидаемые проблемы — обработай!</a:t>
             </a:r>
             <a:endParaRPr lang="ru-RU" dirty="0"/>
           </a:p>
@@ -6434,12 +7009,6 @@
           </a:p>
           <a:p>
             <a:r>
-              <a:rPr lang="ru-RU" dirty="0"/>
-              <a:t>Недоступность базы данных</a:t>
-            </a:r>
-          </a:p>
-          <a:p>
-            <a:r>
               <a:rPr lang="ru-RU" dirty="0" smtClean="0"/>
               <a:t>Нарушение </a:t>
             </a:r>
@@ -6501,90 +7070,13 @@
           </a:p>
           <a:p>
             <a:r>
-              <a:rPr lang="ru-RU" dirty="0"/>
-              <a:t>Залогировать</a:t>
-            </a:r>
+              <a:rPr lang="ru-RU" dirty="0" smtClean="0"/>
+              <a:t>Уточни сообщение об ошибке</a:t>
+            </a:r>
+            <a:endParaRPr lang="ru-RU" dirty="0"/>
           </a:p>
         </p:txBody>
       </p:sp>
-      <mc:AlternateContent xmlns:mc="http://schemas.openxmlformats.org/markup-compatibility/2006" xmlns:p14="http://schemas.microsoft.com/office/powerpoint/2010/main">
-        <mc:Choice Requires="p14">
-          <p:contentPart p14:bwMode="auto" r:id="rId2">
-            <p14:nvContentPartPr>
-              <p14:cNvPr id="8" name="Рукописный ввод 7"/>
-              <p14:cNvContentPartPr/>
-              <p14:nvPr/>
-            </p14:nvContentPartPr>
-            <p14:xfrm>
-              <a:off x="6122614" y="3885073"/>
-              <a:ext cx="2504880" cy="231480"/>
-            </p14:xfrm>
-          </p:contentPart>
-        </mc:Choice>
-        <mc:Fallback xmlns="">
-          <p:pic>
-            <p:nvPicPr>
-              <p:cNvPr id="8" name="Рукописный ввод 7"/>
-              <p:cNvPicPr/>
-              <p:nvPr/>
-            </p:nvPicPr>
-            <p:blipFill>
-              <a:blip r:embed="rId3"/>
-              <a:stretch>
-                <a:fillRect/>
-              </a:stretch>
-            </p:blipFill>
-            <p:spPr>
-              <a:xfrm>
-                <a:off x="6110734" y="3873193"/>
-                <a:ext cx="2528640" cy="255240"/>
-              </a:xfrm>
-              <a:prstGeom prst="rect">
-                <a:avLst/>
-              </a:prstGeom>
-            </p:spPr>
-          </p:pic>
-        </mc:Fallback>
-      </mc:AlternateContent>
-      <mc:AlternateContent xmlns:mc="http://schemas.openxmlformats.org/markup-compatibility/2006" xmlns:p14="http://schemas.microsoft.com/office/powerpoint/2010/main">
-        <mc:Choice Requires="p14">
-          <p:contentPart p14:bwMode="auto" r:id="rId4">
-            <p14:nvContentPartPr>
-              <p14:cNvPr id="10" name="Рукописный ввод 9"/>
-              <p14:cNvContentPartPr/>
-              <p14:nvPr/>
-            </p14:nvContentPartPr>
-            <p14:xfrm>
-              <a:off x="6430774" y="3756913"/>
-              <a:ext cx="2127240" cy="487440"/>
-            </p14:xfrm>
-          </p:contentPart>
-        </mc:Choice>
-        <mc:Fallback xmlns="">
-          <p:pic>
-            <p:nvPicPr>
-              <p:cNvPr id="10" name="Рукописный ввод 9"/>
-              <p:cNvPicPr/>
-              <p:nvPr/>
-            </p:nvPicPr>
-            <p:blipFill>
-              <a:blip r:embed="rId5"/>
-              <a:stretch>
-                <a:fillRect/>
-              </a:stretch>
-            </p:blipFill>
-            <p:spPr>
-              <a:xfrm>
-                <a:off x="6418894" y="3745033"/>
-                <a:ext cx="2151000" cy="511200"/>
-              </a:xfrm>
-              <a:prstGeom prst="rect">
-                <a:avLst/>
-              </a:prstGeom>
-            </p:spPr>
-          </p:pic>
-        </mc:Fallback>
-      </mc:AlternateContent>
     </p:spTree>
     <p:extLst>
       <p:ext uri="{BB962C8B-B14F-4D97-AF65-F5344CB8AC3E}">
@@ -6825,9 +7317,9 @@
                                           </p:stCondLst>
                                         </p:cTn>
                                         <p:tgtEl>
-                                          <p:spTgt spid="3">
+                                          <p:spTgt spid="4">
                                             <p:txEl>
-                                              <p:pRg st="4" end="4"/>
+                                              <p:pRg st="0" end="0"/>
                                             </p:txEl>
                                           </p:spTgt>
                                         </p:tgtEl>
@@ -6876,7 +7368,7 @@
                                         <p:tgtEl>
                                           <p:spTgt spid="4">
                                             <p:txEl>
-                                              <p:pRg st="0" end="0"/>
+                                              <p:pRg st="1" end="1"/>
                                             </p:txEl>
                                           </p:spTgt>
                                         </p:tgtEl>
@@ -6925,7 +7417,7 @@
                                         <p:tgtEl>
                                           <p:spTgt spid="4">
                                             <p:txEl>
-                                              <p:pRg st="1" end="1"/>
+                                              <p:pRg st="2" end="2"/>
                                             </p:txEl>
                                           </p:spTgt>
                                         </p:tgtEl>
@@ -6974,130 +7466,9 @@
                                         <p:tgtEl>
                                           <p:spTgt spid="4">
                                             <p:txEl>
-                                              <p:pRg st="2" end="2"/>
-                                            </p:txEl>
-                                          </p:spTgt>
-                                        </p:tgtEl>
-                                        <p:attrNameLst>
-                                          <p:attrName>style.visibility</p:attrName>
-                                        </p:attrNameLst>
-                                      </p:cBhvr>
-                                      <p:to>
-                                        <p:strVal val="visible"/>
-                                      </p:to>
-                                    </p:set>
-                                  </p:childTnLst>
-                                </p:cTn>
-                              </p:par>
-                            </p:childTnLst>
-                          </p:cTn>
-                        </p:par>
-                      </p:childTnLst>
-                    </p:cTn>
-                  </p:par>
-                  <p:par>
-                    <p:cTn id="35" fill="hold">
-                      <p:stCondLst>
-                        <p:cond delay="indefinite"/>
-                      </p:stCondLst>
-                      <p:childTnLst>
-                        <p:par>
-                          <p:cTn id="36" fill="hold">
-                            <p:stCondLst>
-                              <p:cond delay="0"/>
-                            </p:stCondLst>
-                            <p:childTnLst>
-                              <p:par>
-                                <p:cTn id="37" presetID="1" presetClass="entr" presetSubtype="0" fill="hold" grpId="0" nodeType="clickEffect">
-                                  <p:stCondLst>
-                                    <p:cond delay="0"/>
-                                  </p:stCondLst>
-                                  <p:childTnLst>
-                                    <p:set>
-                                      <p:cBhvr>
-                                        <p:cTn id="38" dur="1" fill="hold">
-                                          <p:stCondLst>
-                                            <p:cond delay="0"/>
-                                          </p:stCondLst>
-                                        </p:cTn>
-                                        <p:tgtEl>
-                                          <p:spTgt spid="4">
-                                            <p:txEl>
                                               <p:pRg st="3" end="3"/>
                                             </p:txEl>
                                           </p:spTgt>
-                                        </p:tgtEl>
-                                        <p:attrNameLst>
-                                          <p:attrName>style.visibility</p:attrName>
-                                        </p:attrNameLst>
-                                      </p:cBhvr>
-                                      <p:to>
-                                        <p:strVal val="visible"/>
-                                      </p:to>
-                                    </p:set>
-                                  </p:childTnLst>
-                                </p:cTn>
-                              </p:par>
-                            </p:childTnLst>
-                          </p:cTn>
-                        </p:par>
-                      </p:childTnLst>
-                    </p:cTn>
-                  </p:par>
-                  <p:par>
-                    <p:cTn id="39" fill="hold">
-                      <p:stCondLst>
-                        <p:cond delay="indefinite"/>
-                      </p:stCondLst>
-                      <p:childTnLst>
-                        <p:par>
-                          <p:cTn id="40" fill="hold">
-                            <p:stCondLst>
-                              <p:cond delay="0"/>
-                            </p:stCondLst>
-                            <p:childTnLst>
-                              <p:par>
-                                <p:cTn id="41" presetID="1" presetClass="entr" presetSubtype="0" fill="hold" nodeType="clickEffect">
-                                  <p:stCondLst>
-                                    <p:cond delay="0"/>
-                                  </p:stCondLst>
-                                  <p:childTnLst>
-                                    <p:set>
-                                      <p:cBhvr>
-                                        <p:cTn id="42" dur="1" fill="hold">
-                                          <p:stCondLst>
-                                            <p:cond delay="0"/>
-                                          </p:stCondLst>
-                                        </p:cTn>
-                                        <p:tgtEl>
-                                          <p:spTgt spid="10"/>
-                                        </p:tgtEl>
-                                        <p:attrNameLst>
-                                          <p:attrName>style.visibility</p:attrName>
-                                        </p:attrNameLst>
-                                      </p:cBhvr>
-                                      <p:to>
-                                        <p:strVal val="visible"/>
-                                      </p:to>
-                                    </p:set>
-                                  </p:childTnLst>
-                                </p:cTn>
-                              </p:par>
-                              <p:par>
-                                <p:cTn id="43" presetID="1" presetClass="entr" presetSubtype="0" fill="hold" nodeType="withEffect">
-                                  <p:stCondLst>
-                                    <p:cond delay="0"/>
-                                  </p:stCondLst>
-                                  <p:childTnLst>
-                                    <p:set>
-                                      <p:cBhvr>
-                                        <p:cTn id="44" dur="1" fill="hold">
-                                          <p:stCondLst>
-                                            <p:cond delay="0"/>
-                                          </p:stCondLst>
-                                        </p:cTn>
-                                        <p:tgtEl>
-                                          <p:spTgt spid="8"/>
                                         </p:tgtEl>
                                         <p:attrNameLst>
                                           <p:attrName>style.visibility</p:attrName>
@@ -8497,12 +8868,12 @@
           <a:lstStyle/>
           <a:p>
             <a:r>
-              <a:rPr lang="ru-RU" dirty="0"/>
-              <a:t>П</a:t>
-            </a:r>
-            <a:r>
               <a:rPr lang="ru-RU" dirty="0" smtClean="0"/>
-              <a:t>родублируйте текст </a:t>
+              <a:t>Продублируй </a:t>
+            </a:r>
+            <a:r>
+              <a:rPr lang="ru-RU" dirty="0" smtClean="0"/>
+              <a:t>текст </a:t>
             </a:r>
             <a:r>
               <a:rPr lang="en-US" dirty="0" err="1" smtClean="0"/>

--- a/exceptions.pptx
+++ b/exceptions.pptx
@@ -3450,7 +3450,23 @@
           <a:bodyPr/>
           <a:lstStyle/>
           <a:p>
-            <a:endParaRPr lang="ru-RU"/>
+            <a:r>
+              <a:rPr lang="en-US" sz="3200" dirty="0">
+                <a:hlinkClick r:id="rId2"/>
+              </a:rPr>
+              <a:t>https://</a:t>
+            </a:r>
+            <a:r>
+              <a:rPr lang="en-US" sz="3200" dirty="0" smtClean="0">
+                <a:hlinkClick r:id="rId2"/>
+              </a:rPr>
+              <a:t>github.com/kontur-csharper/exceptions</a:t>
+            </a:r>
+            <a:r>
+              <a:rPr lang="en-US" sz="3200" dirty="0" smtClean="0"/>
+              <a:t> </a:t>
+            </a:r>
+            <a:endParaRPr lang="ru-RU" dirty="0"/>
           </a:p>
         </p:txBody>
       </p:sp>

--- a/exceptions.pptx
+++ b/exceptions.pptx
@@ -285,7 +285,7 @@
           <a:p>
             <a:fld id="{1D12B38D-150E-44F0-AD67-CE4A0E7D73CD}" type="datetimeFigureOut">
               <a:rPr lang="ru-RU" smtClean="0"/>
-              <a:t>17.11.2016</a:t>
+              <a:t>18.11.2016</a:t>
             </a:fld>
             <a:endParaRPr lang="ru-RU"/>
           </a:p>
@@ -684,7 +684,7 @@
           <a:p>
             <a:fld id="{03713669-593F-460C-B61F-C43E6BD11A61}" type="datetimeFigureOut">
               <a:rPr lang="ru-RU" smtClean="0"/>
-              <a:t>17.11.2016</a:t>
+              <a:t>18.11.2016</a:t>
             </a:fld>
             <a:endParaRPr lang="ru-RU"/>
           </a:p>
@@ -854,7 +854,7 @@
           <a:p>
             <a:fld id="{03713669-593F-460C-B61F-C43E6BD11A61}" type="datetimeFigureOut">
               <a:rPr lang="ru-RU" smtClean="0"/>
-              <a:t>17.11.2016</a:t>
+              <a:t>18.11.2016</a:t>
             </a:fld>
             <a:endParaRPr lang="ru-RU"/>
           </a:p>
@@ -1034,7 +1034,7 @@
           <a:p>
             <a:fld id="{03713669-593F-460C-B61F-C43E6BD11A61}" type="datetimeFigureOut">
               <a:rPr lang="ru-RU" smtClean="0"/>
-              <a:t>17.11.2016</a:t>
+              <a:t>18.11.2016</a:t>
             </a:fld>
             <a:endParaRPr lang="ru-RU"/>
           </a:p>
@@ -1204,7 +1204,7 @@
           <a:p>
             <a:fld id="{03713669-593F-460C-B61F-C43E6BD11A61}" type="datetimeFigureOut">
               <a:rPr lang="ru-RU" smtClean="0"/>
-              <a:t>17.11.2016</a:t>
+              <a:t>18.11.2016</a:t>
             </a:fld>
             <a:endParaRPr lang="ru-RU"/>
           </a:p>
@@ -1450,7 +1450,7 @@
           <a:p>
             <a:fld id="{03713669-593F-460C-B61F-C43E6BD11A61}" type="datetimeFigureOut">
               <a:rPr lang="ru-RU" smtClean="0"/>
-              <a:t>17.11.2016</a:t>
+              <a:t>18.11.2016</a:t>
             </a:fld>
             <a:endParaRPr lang="ru-RU"/>
           </a:p>
@@ -1682,7 +1682,7 @@
           <a:p>
             <a:fld id="{03713669-593F-460C-B61F-C43E6BD11A61}" type="datetimeFigureOut">
               <a:rPr lang="ru-RU" smtClean="0"/>
-              <a:t>17.11.2016</a:t>
+              <a:t>18.11.2016</a:t>
             </a:fld>
             <a:endParaRPr lang="ru-RU"/>
           </a:p>
@@ -2049,7 +2049,7 @@
           <a:p>
             <a:fld id="{03713669-593F-460C-B61F-C43E6BD11A61}" type="datetimeFigureOut">
               <a:rPr lang="ru-RU" smtClean="0"/>
-              <a:t>17.11.2016</a:t>
+              <a:t>18.11.2016</a:t>
             </a:fld>
             <a:endParaRPr lang="ru-RU"/>
           </a:p>
@@ -2167,7 +2167,7 @@
           <a:p>
             <a:fld id="{03713669-593F-460C-B61F-C43E6BD11A61}" type="datetimeFigureOut">
               <a:rPr lang="ru-RU" smtClean="0"/>
-              <a:t>17.11.2016</a:t>
+              <a:t>18.11.2016</a:t>
             </a:fld>
             <a:endParaRPr lang="ru-RU"/>
           </a:p>
@@ -2262,7 +2262,7 @@
           <a:p>
             <a:fld id="{03713669-593F-460C-B61F-C43E6BD11A61}" type="datetimeFigureOut">
               <a:rPr lang="ru-RU" smtClean="0"/>
-              <a:t>17.11.2016</a:t>
+              <a:t>18.11.2016</a:t>
             </a:fld>
             <a:endParaRPr lang="ru-RU"/>
           </a:p>
@@ -2539,7 +2539,7 @@
           <a:p>
             <a:fld id="{03713669-593F-460C-B61F-C43E6BD11A61}" type="datetimeFigureOut">
               <a:rPr lang="ru-RU" smtClean="0"/>
-              <a:t>17.11.2016</a:t>
+              <a:t>18.11.2016</a:t>
             </a:fld>
             <a:endParaRPr lang="ru-RU"/>
           </a:p>
@@ -2796,7 +2796,7 @@
           <a:p>
             <a:fld id="{03713669-593F-460C-B61F-C43E6BD11A61}" type="datetimeFigureOut">
               <a:rPr lang="ru-RU" smtClean="0"/>
-              <a:t>17.11.2016</a:t>
+              <a:t>18.11.2016</a:t>
             </a:fld>
             <a:endParaRPr lang="ru-RU"/>
           </a:p>
@@ -3009,7 +3009,7 @@
           <a:p>
             <a:fld id="{03713669-593F-460C-B61F-C43E6BD11A61}" type="datetimeFigureOut">
               <a:rPr lang="ru-RU" smtClean="0"/>
-              <a:t>17.11.2016</a:t>
+              <a:t>18.11.2016</a:t>
             </a:fld>
             <a:endParaRPr lang="ru-RU"/>
           </a:p>
@@ -3542,11 +3542,7 @@
             </a:br>
             <a:r>
               <a:rPr lang="ru-RU" dirty="0" smtClean="0"/>
-              <a:t>для упрощения расследований </a:t>
-            </a:r>
-            <a:r>
-              <a:rPr lang="ru-RU" dirty="0" smtClean="0"/>
-              <a:t>инцидентов</a:t>
+              <a:t>для упрощения расследований инцидентов</a:t>
             </a:r>
             <a:endParaRPr lang="ru-RU" dirty="0"/>
           </a:p>
@@ -4148,19 +4144,7 @@
                 </a:highlight>
                 <a:latin typeface="Consolas" panose="020B0609020204030204" pitchFamily="49" charset="0"/>
               </a:rPr>
-              <a:t>value [</a:t>
-            </a:r>
-            <a:r>
-              <a:rPr lang="en-US" sz="2400" dirty="0">
-                <a:solidFill>
-                  <a:srgbClr val="000000"/>
-                </a:solidFill>
-                <a:highlight>
-                  <a:srgbClr val="FFFFFF"/>
-                </a:highlight>
-                <a:latin typeface="Consolas" panose="020B0609020204030204" pitchFamily="49" charset="0"/>
-              </a:rPr>
-              <a:t>{value}</a:t>
+              <a:t>value </a:t>
             </a:r>
             <a:r>
               <a:rPr lang="en-US" sz="2400" dirty="0" smtClean="0">
@@ -4172,7 +4156,19 @@
                 </a:highlight>
                 <a:latin typeface="Consolas" panose="020B0609020204030204" pitchFamily="49" charset="0"/>
               </a:rPr>
-              <a:t>] in line </a:t>
+              <a:t>in </a:t>
+            </a:r>
+            <a:r>
+              <a:rPr lang="en-US" sz="2400" dirty="0" smtClean="0">
+                <a:solidFill>
+                  <a:srgbClr val="A31515"/>
+                </a:solidFill>
+                <a:highlight>
+                  <a:srgbClr val="FFFFFF"/>
+                </a:highlight>
+                <a:latin typeface="Consolas" panose="020B0609020204030204" pitchFamily="49" charset="0"/>
+              </a:rPr>
+              <a:t>line </a:t>
             </a:r>
             <a:r>
               <a:rPr lang="en-US" sz="2400" dirty="0">
@@ -4356,11 +4352,7 @@
             </a:br>
             <a:r>
               <a:rPr lang="ru-RU" dirty="0" smtClean="0"/>
-              <a:t>для упрощения расследований </a:t>
-            </a:r>
-            <a:r>
-              <a:rPr lang="ru-RU" dirty="0" smtClean="0"/>
-              <a:t>инцидентов</a:t>
+              <a:t>для упрощения расследований инцидентов</a:t>
             </a:r>
             <a:endParaRPr lang="ru-RU" dirty="0"/>
           </a:p>
@@ -4962,7 +4954,31 @@
                 </a:highlight>
                 <a:latin typeface="Consolas" panose="020B0609020204030204" pitchFamily="49" charset="0"/>
               </a:rPr>
-              <a:t>value [{value}] in line </a:t>
+              <a:t>value </a:t>
+            </a:r>
+            <a:r>
+              <a:rPr lang="en-US" sz="2400" dirty="0" smtClean="0">
+                <a:solidFill>
+                  <a:srgbClr val="A31515"/>
+                </a:solidFill>
+                <a:highlight>
+                  <a:srgbClr val="FFFFFF"/>
+                </a:highlight>
+                <a:latin typeface="Consolas" panose="020B0609020204030204" pitchFamily="49" charset="0"/>
+              </a:rPr>
+              <a:t>in </a:t>
+            </a:r>
+            <a:r>
+              <a:rPr lang="en-US" sz="2400" dirty="0" smtClean="0">
+                <a:solidFill>
+                  <a:srgbClr val="A31515"/>
+                </a:solidFill>
+                <a:highlight>
+                  <a:srgbClr val="FFFFFF"/>
+                </a:highlight>
+                <a:latin typeface="Consolas" panose="020B0609020204030204" pitchFamily="49" charset="0"/>
+              </a:rPr>
+              <a:t>line </a:t>
             </a:r>
             <a:r>
               <a:rPr lang="en-US" sz="2400" dirty="0">
@@ -5064,7 +5080,7 @@
               <p14:nvPr/>
             </p14:nvContentPartPr>
             <p14:xfrm>
-              <a:off x="10381648" y="5099277"/>
+              <a:off x="8745353" y="5128153"/>
               <a:ext cx="567360" cy="110160"/>
             </p14:xfrm>
           </p:contentPart>
@@ -5084,7 +5100,7 @@
             </p:blipFill>
             <p:spPr>
               <a:xfrm>
-                <a:off x="10321490" y="4979397"/>
+                <a:off x="8685195" y="5008273"/>
                 <a:ext cx="687676" cy="349920"/>
               </a:xfrm>
               <a:prstGeom prst="rect">
@@ -7249,7 +7265,6 @@
               <a:rPr lang="ru-RU" dirty="0" smtClean="0"/>
               <a:t> никогда!.</a:t>
             </a:r>
-            <a:endParaRPr lang="ru-RU" dirty="0" smtClean="0"/>
           </a:p>
           <a:p>
             <a:pPr lvl="1"/>
@@ -7301,11 +7316,7 @@
           <a:p>
             <a:r>
               <a:rPr lang="ru-RU" dirty="0" smtClean="0"/>
-              <a:t>Но если </a:t>
-            </a:r>
-            <a:r>
-              <a:rPr lang="ru-RU" dirty="0" smtClean="0"/>
-              <a:t>очень хочется, то </a:t>
+              <a:t>Но если очень хочется, то </a:t>
             </a:r>
             <a:r>
               <a:rPr lang="en-US" dirty="0" smtClean="0"/>
@@ -7650,17 +7661,7 @@
                   </a:schemeClr>
                 </a:solidFill>
               </a:rPr>
-              <a:t>// </a:t>
-            </a:r>
-            <a:r>
-              <a:rPr lang="en-US" i="1" dirty="0">
-                <a:solidFill>
-                  <a:schemeClr val="accent6">
-                    <a:lumMod val="75000"/>
-                  </a:schemeClr>
-                </a:solidFill>
-              </a:rPr>
-              <a:t>NPE</a:t>
+              <a:t>// NPE</a:t>
             </a:r>
             <a:r>
               <a:rPr lang="ru-RU" i="1" dirty="0">
@@ -7718,13 +7719,6 @@
               </a:rPr>
               <a:t>// ok</a:t>
             </a:r>
-            <a:endParaRPr lang="en-US" i="1" dirty="0">
-              <a:solidFill>
-                <a:schemeClr val="accent6">
-                  <a:lumMod val="75000"/>
-                </a:schemeClr>
-              </a:solidFill>
-            </a:endParaRPr>
           </a:p>
           <a:p>
             <a:pPr marL="0" indent="0">
@@ -8990,19 +8984,7 @@
                 </a:highlight>
                 <a:latin typeface="Consolas" panose="020B0609020204030204" pitchFamily="49" charset="0"/>
               </a:rPr>
-              <a:t>(d))</a:t>
-            </a:r>
-            <a:r>
-              <a:rPr lang="en-US" dirty="0" smtClean="0">
-                <a:solidFill>
-                  <a:srgbClr val="000000"/>
-                </a:solidFill>
-                <a:highlight>
-                  <a:srgbClr val="FFFFFF"/>
-                </a:highlight>
-                <a:latin typeface="Consolas" panose="020B0609020204030204" pitchFamily="49" charset="0"/>
-              </a:rPr>
-              <a:t>;</a:t>
+              <a:t>(d));</a:t>
             </a:r>
           </a:p>
           <a:p>
@@ -9910,19 +9892,7 @@
                 </a:highlight>
                 <a:latin typeface="Consolas" panose="020B0609020204030204" pitchFamily="49" charset="0"/>
               </a:rPr>
-              <a:t>(d)))</a:t>
-            </a:r>
-            <a:r>
-              <a:rPr lang="en-US" dirty="0" smtClean="0">
-                <a:solidFill>
-                  <a:srgbClr val="000000"/>
-                </a:solidFill>
-                <a:highlight>
-                  <a:srgbClr val="FFFFFF"/>
-                </a:highlight>
-                <a:latin typeface="Consolas" panose="020B0609020204030204" pitchFamily="49" charset="0"/>
-              </a:rPr>
-              <a:t>;</a:t>
+              <a:t>(d)));</a:t>
             </a:r>
           </a:p>
           <a:p>
@@ -9994,8 +9964,8 @@
           </a:p>
         </p:txBody>
       </p:sp>
-      <mc:AlternateContent xmlns:mc="http://schemas.openxmlformats.org/markup-compatibility/2006">
-        <mc:Choice xmlns:p14="http://schemas.microsoft.com/office/powerpoint/2010/main" Requires="p14">
+      <mc:AlternateContent xmlns:mc="http://schemas.openxmlformats.org/markup-compatibility/2006" xmlns:p14="http://schemas.microsoft.com/office/powerpoint/2010/main">
+        <mc:Choice Requires="p14">
           <p:contentPart p14:bwMode="auto" r:id="rId2">
             <p14:nvContentPartPr>
               <p14:cNvPr id="4" name="Рукописный ввод 3"/>
@@ -10008,7 +9978,7 @@
             </p14:xfrm>
           </p:contentPart>
         </mc:Choice>
-        <mc:Fallback>
+        <mc:Fallback xmlns="">
           <p:pic>
             <p:nvPicPr>
               <p:cNvPr id="4" name="Рукописный ввод 3"/>
@@ -10464,11 +10434,7 @@
             </a:pPr>
             <a:r>
               <a:rPr lang="ru-RU" dirty="0" smtClean="0"/>
-              <a:t>* </a:t>
-            </a:r>
-            <a:r>
-              <a:rPr lang="ru-RU" dirty="0" smtClean="0"/>
-              <a:t>В первом приближении. Исключения далее...</a:t>
+              <a:t>* В первом приближении. Исключения далее...</a:t>
             </a:r>
             <a:endParaRPr lang="ru-RU" dirty="0"/>
           </a:p>
@@ -11366,11 +11332,7 @@
           <a:p>
             <a:r>
               <a:rPr lang="ru-RU" dirty="0" smtClean="0"/>
-              <a:t>Повтори </a:t>
-            </a:r>
-            <a:r>
-              <a:rPr lang="ru-RU" dirty="0" smtClean="0"/>
-              <a:t>попытку</a:t>
+              <a:t>Повтори попытку</a:t>
             </a:r>
           </a:p>
           <a:p>

--- a/exceptions.pptx
+++ b/exceptions.pptx
@@ -285,7 +285,7 @@
           <a:p>
             <a:fld id="{1D12B38D-150E-44F0-AD67-CE4A0E7D73CD}" type="datetimeFigureOut">
               <a:rPr lang="ru-RU" smtClean="0"/>
-              <a:t>18.11.2016</a:t>
+              <a:t>17.03.2017</a:t>
             </a:fld>
             <a:endParaRPr lang="ru-RU"/>
           </a:p>
@@ -684,7 +684,7 @@
           <a:p>
             <a:fld id="{03713669-593F-460C-B61F-C43E6BD11A61}" type="datetimeFigureOut">
               <a:rPr lang="ru-RU" smtClean="0"/>
-              <a:t>18.11.2016</a:t>
+              <a:t>17.03.2017</a:t>
             </a:fld>
             <a:endParaRPr lang="ru-RU"/>
           </a:p>
@@ -854,7 +854,7 @@
           <a:p>
             <a:fld id="{03713669-593F-460C-B61F-C43E6BD11A61}" type="datetimeFigureOut">
               <a:rPr lang="ru-RU" smtClean="0"/>
-              <a:t>18.11.2016</a:t>
+              <a:t>17.03.2017</a:t>
             </a:fld>
             <a:endParaRPr lang="ru-RU"/>
           </a:p>
@@ -1034,7 +1034,7 @@
           <a:p>
             <a:fld id="{03713669-593F-460C-B61F-C43E6BD11A61}" type="datetimeFigureOut">
               <a:rPr lang="ru-RU" smtClean="0"/>
-              <a:t>18.11.2016</a:t>
+              <a:t>17.03.2017</a:t>
             </a:fld>
             <a:endParaRPr lang="ru-RU"/>
           </a:p>
@@ -1204,7 +1204,7 @@
           <a:p>
             <a:fld id="{03713669-593F-460C-B61F-C43E6BD11A61}" type="datetimeFigureOut">
               <a:rPr lang="ru-RU" smtClean="0"/>
-              <a:t>18.11.2016</a:t>
+              <a:t>17.03.2017</a:t>
             </a:fld>
             <a:endParaRPr lang="ru-RU"/>
           </a:p>
@@ -1450,7 +1450,7 @@
           <a:p>
             <a:fld id="{03713669-593F-460C-B61F-C43E6BD11A61}" type="datetimeFigureOut">
               <a:rPr lang="ru-RU" smtClean="0"/>
-              <a:t>18.11.2016</a:t>
+              <a:t>17.03.2017</a:t>
             </a:fld>
             <a:endParaRPr lang="ru-RU"/>
           </a:p>
@@ -1682,7 +1682,7 @@
           <a:p>
             <a:fld id="{03713669-593F-460C-B61F-C43E6BD11A61}" type="datetimeFigureOut">
               <a:rPr lang="ru-RU" smtClean="0"/>
-              <a:t>18.11.2016</a:t>
+              <a:t>17.03.2017</a:t>
             </a:fld>
             <a:endParaRPr lang="ru-RU"/>
           </a:p>
@@ -2049,7 +2049,7 @@
           <a:p>
             <a:fld id="{03713669-593F-460C-B61F-C43E6BD11A61}" type="datetimeFigureOut">
               <a:rPr lang="ru-RU" smtClean="0"/>
-              <a:t>18.11.2016</a:t>
+              <a:t>17.03.2017</a:t>
             </a:fld>
             <a:endParaRPr lang="ru-RU"/>
           </a:p>
@@ -2167,7 +2167,7 @@
           <a:p>
             <a:fld id="{03713669-593F-460C-B61F-C43E6BD11A61}" type="datetimeFigureOut">
               <a:rPr lang="ru-RU" smtClean="0"/>
-              <a:t>18.11.2016</a:t>
+              <a:t>17.03.2017</a:t>
             </a:fld>
             <a:endParaRPr lang="ru-RU"/>
           </a:p>
@@ -2262,7 +2262,7 @@
           <a:p>
             <a:fld id="{03713669-593F-460C-B61F-C43E6BD11A61}" type="datetimeFigureOut">
               <a:rPr lang="ru-RU" smtClean="0"/>
-              <a:t>18.11.2016</a:t>
+              <a:t>17.03.2017</a:t>
             </a:fld>
             <a:endParaRPr lang="ru-RU"/>
           </a:p>
@@ -2539,7 +2539,7 @@
           <a:p>
             <a:fld id="{03713669-593F-460C-B61F-C43E6BD11A61}" type="datetimeFigureOut">
               <a:rPr lang="ru-RU" smtClean="0"/>
-              <a:t>18.11.2016</a:t>
+              <a:t>17.03.2017</a:t>
             </a:fld>
             <a:endParaRPr lang="ru-RU"/>
           </a:p>
@@ -2796,7 +2796,7 @@
           <a:p>
             <a:fld id="{03713669-593F-460C-B61F-C43E6BD11A61}" type="datetimeFigureOut">
               <a:rPr lang="ru-RU" smtClean="0"/>
-              <a:t>18.11.2016</a:t>
+              <a:t>17.03.2017</a:t>
             </a:fld>
             <a:endParaRPr lang="ru-RU"/>
           </a:p>
@@ -3009,7 +3009,7 @@
           <a:p>
             <a:fld id="{03713669-593F-460C-B61F-C43E6BD11A61}" type="datetimeFigureOut">
               <a:rPr lang="ru-RU" smtClean="0"/>
-              <a:t>18.11.2016</a:t>
+              <a:t>17.03.2017</a:t>
             </a:fld>
             <a:endParaRPr lang="ru-RU"/>
           </a:p>
@@ -4144,31 +4144,7 @@
                 </a:highlight>
                 <a:latin typeface="Consolas" panose="020B0609020204030204" pitchFamily="49" charset="0"/>
               </a:rPr>
-              <a:t>value </a:t>
-            </a:r>
-            <a:r>
-              <a:rPr lang="en-US" sz="2400" dirty="0" smtClean="0">
-                <a:solidFill>
-                  <a:srgbClr val="A31515"/>
-                </a:solidFill>
-                <a:highlight>
-                  <a:srgbClr val="FFFFFF"/>
-                </a:highlight>
-                <a:latin typeface="Consolas" panose="020B0609020204030204" pitchFamily="49" charset="0"/>
-              </a:rPr>
-              <a:t>in </a:t>
-            </a:r>
-            <a:r>
-              <a:rPr lang="en-US" sz="2400" dirty="0" smtClean="0">
-                <a:solidFill>
-                  <a:srgbClr val="A31515"/>
-                </a:solidFill>
-                <a:highlight>
-                  <a:srgbClr val="FFFFFF"/>
-                </a:highlight>
-                <a:latin typeface="Consolas" panose="020B0609020204030204" pitchFamily="49" charset="0"/>
-              </a:rPr>
-              <a:t>line </a:t>
+              <a:t>value in line </a:t>
             </a:r>
             <a:r>
               <a:rPr lang="en-US" sz="2400" dirty="0">
@@ -4954,31 +4930,7 @@
                 </a:highlight>
                 <a:latin typeface="Consolas" panose="020B0609020204030204" pitchFamily="49" charset="0"/>
               </a:rPr>
-              <a:t>value </a:t>
-            </a:r>
-            <a:r>
-              <a:rPr lang="en-US" sz="2400" dirty="0" smtClean="0">
-                <a:solidFill>
-                  <a:srgbClr val="A31515"/>
-                </a:solidFill>
-                <a:highlight>
-                  <a:srgbClr val="FFFFFF"/>
-                </a:highlight>
-                <a:latin typeface="Consolas" panose="020B0609020204030204" pitchFamily="49" charset="0"/>
-              </a:rPr>
-              <a:t>in </a:t>
-            </a:r>
-            <a:r>
-              <a:rPr lang="en-US" sz="2400" dirty="0" smtClean="0">
-                <a:solidFill>
-                  <a:srgbClr val="A31515"/>
-                </a:solidFill>
-                <a:highlight>
-                  <a:srgbClr val="FFFFFF"/>
-                </a:highlight>
-                <a:latin typeface="Consolas" panose="020B0609020204030204" pitchFamily="49" charset="0"/>
-              </a:rPr>
-              <a:t>line </a:t>
+              <a:t>value in line </a:t>
             </a:r>
             <a:r>
               <a:rPr lang="en-US" sz="2400" dirty="0">
@@ -5071,8 +5023,8 @@
           </a:p>
         </p:txBody>
       </p:sp>
-      <mc:AlternateContent xmlns:mc="http://schemas.openxmlformats.org/markup-compatibility/2006">
-        <mc:Choice xmlns:p14="http://schemas.microsoft.com/office/powerpoint/2010/main" Requires="p14">
+      <mc:AlternateContent xmlns:mc="http://schemas.openxmlformats.org/markup-compatibility/2006" xmlns:p14="http://schemas.microsoft.com/office/powerpoint/2010/main">
+        <mc:Choice Requires="p14">
           <p:contentPart p14:bwMode="auto" r:id="rId2">
             <p14:nvContentPartPr>
               <p14:cNvPr id="4" name="Рукописный ввод 3"/>
@@ -5085,7 +5037,7 @@
             </p14:xfrm>
           </p:contentPart>
         </mc:Choice>
-        <mc:Fallback>
+        <mc:Fallback xmlns="">
           <p:pic>
             <p:nvPicPr>
               <p:cNvPr id="4" name="Рукописный ввод 3"/>
@@ -7263,8 +7215,17 @@
             </a:r>
             <a:r>
               <a:rPr lang="ru-RU" dirty="0" smtClean="0"/>
-              <a:t> никогда!.</a:t>
-            </a:r>
+              <a:t> </a:t>
+            </a:r>
+            <a:r>
+              <a:rPr lang="ru-RU" smtClean="0"/>
+              <a:t>никогда</a:t>
+            </a:r>
+            <a:r>
+              <a:rPr lang="ru-RU" smtClean="0"/>
+              <a:t>!</a:t>
+            </a:r>
+            <a:endParaRPr lang="ru-RU" dirty="0" smtClean="0"/>
           </a:p>
           <a:p>
             <a:pPr lvl="1"/>

--- a/exceptions.pptx
+++ b/exceptions.pptx
@@ -27,9 +27,9 @@
     <p:sldId id="384" r:id="rId18"/>
     <p:sldId id="383" r:id="rId19"/>
     <p:sldId id="382" r:id="rId20"/>
-    <p:sldId id="389" r:id="rId21"/>
-    <p:sldId id="378" r:id="rId22"/>
-    <p:sldId id="377" r:id="rId23"/>
+    <p:sldId id="378" r:id="rId21"/>
+    <p:sldId id="377" r:id="rId22"/>
+    <p:sldId id="389" r:id="rId23"/>
     <p:sldId id="367" r:id="rId24"/>
     <p:sldId id="321" r:id="rId25"/>
     <p:sldId id="372" r:id="rId26"/>
@@ -166,9 +166,9 @@
             <p14:sldId id="384"/>
             <p14:sldId id="383"/>
             <p14:sldId id="382"/>
-            <p14:sldId id="389"/>
             <p14:sldId id="378"/>
             <p14:sldId id="377"/>
+            <p14:sldId id="389"/>
           </p14:sldIdLst>
         </p14:section>
         <p14:section name="Резюме" id="{B59FEE9A-A587-404D-B524-A2229216F4EE}">
@@ -2514,6 +2514,13 @@
         </dgm:presLayoutVars>
       </dgm:prSet>
       <dgm:spPr/>
+      <dgm:t>
+        <a:bodyPr/>
+        <a:lstStyle/>
+        <a:p>
+          <a:endParaRPr lang="ru-RU"/>
+        </a:p>
+      </dgm:t>
     </dgm:pt>
     <dgm:pt modelId="{CF6D50B3-578A-4EA0-A5A0-492FA729F6ED}" type="pres">
       <dgm:prSet presAssocID="{B75F6A3A-9A51-4DF3-8A57-9AEB0739425C}" presName="composite" presStyleCnt="0"/>
@@ -2526,6 +2533,13 @@
         </dgm:presLayoutVars>
       </dgm:prSet>
       <dgm:spPr/>
+      <dgm:t>
+        <a:bodyPr/>
+        <a:lstStyle/>
+        <a:p>
+          <a:endParaRPr lang="ru-RU"/>
+        </a:p>
+      </dgm:t>
     </dgm:pt>
     <dgm:pt modelId="{61EB78D8-69FF-471D-8FEB-71388C442F55}" type="pres">
       <dgm:prSet presAssocID="{B75F6A3A-9A51-4DF3-8A57-9AEB0739425C}" presName="rect1" presStyleLbl="alignImgPlace1" presStyleIdx="0" presStyleCnt="1" custScaleX="596594" custScaleY="114980" custLinFactX="-64576" custLinFactNeighborX="-100000" custLinFactNeighborY="-13065"/>
@@ -2547,9 +2561,9 @@
     </dgm:pt>
   </dgm:ptLst>
   <dgm:cxnLst>
+    <dgm:cxn modelId="{017518C9-1619-4B19-AA03-86BA999BA287}" srcId="{EAB81984-5B84-4970-8447-2B456B8C58DF}" destId="{B75F6A3A-9A51-4DF3-8A57-9AEB0739425C}" srcOrd="0" destOrd="0" parTransId="{203596AF-4F49-40BA-B1E1-11BDD34B512E}" sibTransId="{A056157B-3867-49A4-9195-F3A4F3FBBA8E}"/>
     <dgm:cxn modelId="{1CEAA455-5BF4-4666-95B8-390900AB8124}" type="presOf" srcId="{EAB81984-5B84-4970-8447-2B456B8C58DF}" destId="{3A252E36-3D7E-49E5-B812-EE4CACF0D5CF}" srcOrd="0" destOrd="0" presId="urn:microsoft.com/office/officeart/2008/layout/PictureGrid"/>
     <dgm:cxn modelId="{147A14B3-96E8-4139-969B-9DB1BCB4D95E}" type="presOf" srcId="{B75F6A3A-9A51-4DF3-8A57-9AEB0739425C}" destId="{B29ABF60-EC0F-45AD-A90E-9C76D15C2F14}" srcOrd="0" destOrd="0" presId="urn:microsoft.com/office/officeart/2008/layout/PictureGrid"/>
-    <dgm:cxn modelId="{017518C9-1619-4B19-AA03-86BA999BA287}" srcId="{EAB81984-5B84-4970-8447-2B456B8C58DF}" destId="{B75F6A3A-9A51-4DF3-8A57-9AEB0739425C}" srcOrd="0" destOrd="0" parTransId="{203596AF-4F49-40BA-B1E1-11BDD34B512E}" sibTransId="{A056157B-3867-49A4-9195-F3A4F3FBBA8E}"/>
     <dgm:cxn modelId="{D3458AFA-605E-43EE-8C8A-0E0C1E3CD931}" type="presParOf" srcId="{3A252E36-3D7E-49E5-B812-EE4CACF0D5CF}" destId="{CF6D50B3-578A-4EA0-A5A0-492FA729F6ED}" srcOrd="0" destOrd="0" presId="urn:microsoft.com/office/officeart/2008/layout/PictureGrid"/>
     <dgm:cxn modelId="{9835F3F3-3E30-4AC4-AD89-BC095FA9A878}" type="presParOf" srcId="{CF6D50B3-578A-4EA0-A5A0-492FA729F6ED}" destId="{B29ABF60-EC0F-45AD-A90E-9C76D15C2F14}" srcOrd="0" destOrd="0" presId="urn:microsoft.com/office/officeart/2008/layout/PictureGrid"/>
     <dgm:cxn modelId="{70FA379F-7827-49B9-806E-1FD72CAE8F89}" type="presParOf" srcId="{CF6D50B3-578A-4EA0-A5A0-492FA729F6ED}" destId="{61EB78D8-69FF-471D-8FEB-71388C442F55}" srcOrd="1" destOrd="0" presId="urn:microsoft.com/office/officeart/2008/layout/PictureGrid"/>
@@ -2621,6 +2635,13 @@
         </dgm:presLayoutVars>
       </dgm:prSet>
       <dgm:spPr/>
+      <dgm:t>
+        <a:bodyPr/>
+        <a:lstStyle/>
+        <a:p>
+          <a:endParaRPr lang="ru-RU"/>
+        </a:p>
+      </dgm:t>
     </dgm:pt>
     <dgm:pt modelId="{CF6D50B3-578A-4EA0-A5A0-492FA729F6ED}" type="pres">
       <dgm:prSet presAssocID="{B75F6A3A-9A51-4DF3-8A57-9AEB0739425C}" presName="composite" presStyleCnt="0"/>
@@ -2633,6 +2654,13 @@
         </dgm:presLayoutVars>
       </dgm:prSet>
       <dgm:spPr/>
+      <dgm:t>
+        <a:bodyPr/>
+        <a:lstStyle/>
+        <a:p>
+          <a:endParaRPr lang="ru-RU"/>
+        </a:p>
+      </dgm:t>
     </dgm:pt>
     <dgm:pt modelId="{61EB78D8-69FF-471D-8FEB-71388C442F55}" type="pres">
       <dgm:prSet presAssocID="{B75F6A3A-9A51-4DF3-8A57-9AEB0739425C}" presName="rect1" presStyleLbl="alignImgPlace1" presStyleIdx="0" presStyleCnt="1" custScaleX="596594" custScaleY="114980" custLinFactX="-64576" custLinFactNeighborX="-100000" custLinFactNeighborY="-13065"/>
@@ -2654,9 +2682,9 @@
     </dgm:pt>
   </dgm:ptLst>
   <dgm:cxnLst>
+    <dgm:cxn modelId="{017518C9-1619-4B19-AA03-86BA999BA287}" srcId="{EAB81984-5B84-4970-8447-2B456B8C58DF}" destId="{B75F6A3A-9A51-4DF3-8A57-9AEB0739425C}" srcOrd="0" destOrd="0" parTransId="{203596AF-4F49-40BA-B1E1-11BDD34B512E}" sibTransId="{A056157B-3867-49A4-9195-F3A4F3FBBA8E}"/>
     <dgm:cxn modelId="{1CEAA455-5BF4-4666-95B8-390900AB8124}" type="presOf" srcId="{EAB81984-5B84-4970-8447-2B456B8C58DF}" destId="{3A252E36-3D7E-49E5-B812-EE4CACF0D5CF}" srcOrd="0" destOrd="0" presId="urn:microsoft.com/office/officeart/2008/layout/PictureGrid"/>
     <dgm:cxn modelId="{147A14B3-96E8-4139-969B-9DB1BCB4D95E}" type="presOf" srcId="{B75F6A3A-9A51-4DF3-8A57-9AEB0739425C}" destId="{B29ABF60-EC0F-45AD-A90E-9C76D15C2F14}" srcOrd="0" destOrd="0" presId="urn:microsoft.com/office/officeart/2008/layout/PictureGrid"/>
-    <dgm:cxn modelId="{017518C9-1619-4B19-AA03-86BA999BA287}" srcId="{EAB81984-5B84-4970-8447-2B456B8C58DF}" destId="{B75F6A3A-9A51-4DF3-8A57-9AEB0739425C}" srcOrd="0" destOrd="0" parTransId="{203596AF-4F49-40BA-B1E1-11BDD34B512E}" sibTransId="{A056157B-3867-49A4-9195-F3A4F3FBBA8E}"/>
     <dgm:cxn modelId="{D3458AFA-605E-43EE-8C8A-0E0C1E3CD931}" type="presParOf" srcId="{3A252E36-3D7E-49E5-B812-EE4CACF0D5CF}" destId="{CF6D50B3-578A-4EA0-A5A0-492FA729F6ED}" srcOrd="0" destOrd="0" presId="urn:microsoft.com/office/officeart/2008/layout/PictureGrid"/>
     <dgm:cxn modelId="{9835F3F3-3E30-4AC4-AD89-BC095FA9A878}" type="presParOf" srcId="{CF6D50B3-578A-4EA0-A5A0-492FA729F6ED}" destId="{B29ABF60-EC0F-45AD-A90E-9C76D15C2F14}" srcOrd="0" destOrd="0" presId="urn:microsoft.com/office/officeart/2008/layout/PictureGrid"/>
     <dgm:cxn modelId="{70FA379F-7827-49B9-806E-1FD72CAE8F89}" type="presParOf" srcId="{CF6D50B3-578A-4EA0-A5A0-492FA729F6ED}" destId="{61EB78D8-69FF-471D-8FEB-71388C442F55}" srcOrd="1" destOrd="0" presId="urn:microsoft.com/office/officeart/2008/layout/PictureGrid"/>
@@ -2746,6 +2774,13 @@
         </dgm:presLayoutVars>
       </dgm:prSet>
       <dgm:spPr/>
+      <dgm:t>
+        <a:bodyPr/>
+        <a:lstStyle/>
+        <a:p>
+          <a:endParaRPr lang="ru-RU"/>
+        </a:p>
+      </dgm:t>
     </dgm:pt>
     <dgm:pt modelId="{65D73C51-61AB-436D-8191-975603FC9C68}" type="pres">
       <dgm:prSet presAssocID="{9C9C0585-42CE-4F34-A2BB-F1377DA03788}" presName="composite" presStyleCnt="0"/>
@@ -2758,6 +2793,13 @@
         </dgm:presLayoutVars>
       </dgm:prSet>
       <dgm:spPr/>
+      <dgm:t>
+        <a:bodyPr/>
+        <a:lstStyle/>
+        <a:p>
+          <a:endParaRPr lang="ru-RU"/>
+        </a:p>
+      </dgm:t>
     </dgm:pt>
     <dgm:pt modelId="{DFDA3CA3-5C68-4A2F-A4A8-285063A35D87}" type="pres">
       <dgm:prSet presAssocID="{9C9C0585-42CE-4F34-A2BB-F1377DA03788}" presName="rect1" presStyleLbl="alignImgPlace1" presStyleIdx="0" presStyleCnt="1" custScaleX="62421" custScaleY="62421" custLinFactNeighborX="1076" custLinFactNeighborY="-52209"/>
@@ -2782,8 +2824,8 @@
     </dgm:pt>
   </dgm:ptLst>
   <dgm:cxnLst>
+    <dgm:cxn modelId="{A177C822-7566-4410-A889-706A6CE15148}" srcId="{8F66C165-B39F-46D3-B19F-623799541DD3}" destId="{9C9C0585-42CE-4F34-A2BB-F1377DA03788}" srcOrd="0" destOrd="0" parTransId="{4E5DCF2B-AAE7-41E2-837F-518128C03597}" sibTransId="{56F70C7F-1925-4DBA-9BD6-AF5E91799A59}"/>
     <dgm:cxn modelId="{A9E27516-E8E4-42A7-A155-024D48E79559}" type="presOf" srcId="{8F66C165-B39F-46D3-B19F-623799541DD3}" destId="{B6F028CB-F170-4FEF-BC3A-25F0E90D434A}" srcOrd="0" destOrd="0" presId="urn:microsoft.com/office/officeart/2008/layout/PictureGrid"/>
-    <dgm:cxn modelId="{A177C822-7566-4410-A889-706A6CE15148}" srcId="{8F66C165-B39F-46D3-B19F-623799541DD3}" destId="{9C9C0585-42CE-4F34-A2BB-F1377DA03788}" srcOrd="0" destOrd="0" parTransId="{4E5DCF2B-AAE7-41E2-837F-518128C03597}" sibTransId="{56F70C7F-1925-4DBA-9BD6-AF5E91799A59}"/>
     <dgm:cxn modelId="{ACD53F50-5BA1-48C9-B5DF-09BF6DA4DE65}" type="presOf" srcId="{9C9C0585-42CE-4F34-A2BB-F1377DA03788}" destId="{A30F2283-C0A4-4A69-BCBE-833D967155A2}" srcOrd="0" destOrd="0" presId="urn:microsoft.com/office/officeart/2008/layout/PictureGrid"/>
     <dgm:cxn modelId="{CC189C1C-06A1-4F03-B886-67BF46A53703}" type="presParOf" srcId="{B6F028CB-F170-4FEF-BC3A-25F0E90D434A}" destId="{65D73C51-61AB-436D-8191-975603FC9C68}" srcOrd="0" destOrd="0" presId="urn:microsoft.com/office/officeart/2008/layout/PictureGrid"/>
     <dgm:cxn modelId="{CD7DB92E-B84F-43A0-AC2D-FBBFB40722EE}" type="presParOf" srcId="{65D73C51-61AB-436D-8191-975603FC9C68}" destId="{A30F2283-C0A4-4A69-BCBE-833D967155A2}" srcOrd="0" destOrd="0" presId="urn:microsoft.com/office/officeart/2008/layout/PictureGrid"/>
@@ -2844,7 +2886,7 @@
         </a:bodyPr>
         <a:lstStyle/>
         <a:p>
-          <a:pPr marL="0" lvl="0" indent="0" algn="l" defTabSz="222250">
+          <a:pPr lvl="0" algn="l" defTabSz="222250">
             <a:lnSpc>
               <a:spcPct val="90000"/>
             </a:lnSpc>
@@ -2854,7 +2896,6 @@
             <a:spcAft>
               <a:spcPct val="35000"/>
             </a:spcAft>
-            <a:buNone/>
           </a:pPr>
           <a:r>
             <a:rPr lang="ru-RU" sz="500" kern="1200" dirty="0"/>
@@ -2931,118 +2972,6 @@
       <dsp:cNvGrpSpPr/>
     </dsp:nvGrpSpPr>
     <dsp:grpSpPr/>
-    <dsp:sp modelId="{B29ABF60-EC0F-45AD-A90E-9C76D15C2F14}">
-      <dsp:nvSpPr>
-        <dsp:cNvPr id="0" name=""/>
-        <dsp:cNvSpPr/>
-      </dsp:nvSpPr>
-      <dsp:spPr>
-        <a:xfrm>
-          <a:off x="1748174" y="210303"/>
-          <a:ext cx="175586" cy="38914"/>
-        </a:xfrm>
-        <a:prstGeom prst="rect">
-          <a:avLst/>
-        </a:prstGeom>
-        <a:noFill/>
-        <a:ln>
-          <a:noFill/>
-        </a:ln>
-        <a:effectLst/>
-      </dsp:spPr>
-      <dsp:style>
-        <a:lnRef idx="0">
-          <a:scrgbClr r="0" g="0" b="0"/>
-        </a:lnRef>
-        <a:fillRef idx="0">
-          <a:scrgbClr r="0" g="0" b="0"/>
-        </a:fillRef>
-        <a:effectRef idx="0">
-          <a:scrgbClr r="0" g="0" b="0"/>
-        </a:effectRef>
-        <a:fontRef idx="minor"/>
-      </dsp:style>
-      <dsp:txBody>
-        <a:bodyPr spcFirstLastPara="0" vert="horz" wrap="square" lIns="0" tIns="19050" rIns="19050" bIns="0" numCol="1" spcCol="1270" anchor="t" anchorCtr="0">
-          <a:noAutofit/>
-        </a:bodyPr>
-        <a:lstStyle/>
-        <a:p>
-          <a:pPr marL="0" lvl="0" indent="0" algn="l" defTabSz="222250">
-            <a:lnSpc>
-              <a:spcPct val="90000"/>
-            </a:lnSpc>
-            <a:spcBef>
-              <a:spcPct val="0"/>
-            </a:spcBef>
-            <a:spcAft>
-              <a:spcPct val="35000"/>
-            </a:spcAft>
-            <a:buNone/>
-          </a:pPr>
-          <a:r>
-            <a:rPr lang="ru-RU" sz="500" kern="1200" dirty="0"/>
-            <a:t> </a:t>
-          </a:r>
-        </a:p>
-      </dsp:txBody>
-      <dsp:txXfrm>
-        <a:off x="1748174" y="210303"/>
-        <a:ext cx="175586" cy="38914"/>
-      </dsp:txXfrm>
-    </dsp:sp>
-    <dsp:sp modelId="{61EB78D8-69FF-471D-8FEB-71388C442F55}">
-      <dsp:nvSpPr>
-        <dsp:cNvPr id="0" name=""/>
-        <dsp:cNvSpPr/>
-      </dsp:nvSpPr>
-      <dsp:spPr>
-        <a:xfrm>
-          <a:off x="0" y="0"/>
-          <a:ext cx="1980001" cy="381600"/>
-        </a:xfrm>
-        <a:prstGeom prst="rect">
-          <a:avLst/>
-        </a:prstGeom>
-        <a:blipFill>
-          <a:blip xmlns:r="http://schemas.openxmlformats.org/officeDocument/2006/relationships" r:embed="rId1">
-            <a:extLst>
-              <a:ext uri="{28A0092B-C50C-407E-A947-70E740481C1C}">
-                <a14:useLocalDpi xmlns:a14="http://schemas.microsoft.com/office/drawing/2010/main" val="0"/>
-              </a:ext>
-            </a:extLst>
-          </a:blip>
-          <a:srcRect/>
-          <a:stretch>
-            <a:fillRect l="-1000" r="-1000"/>
-          </a:stretch>
-        </a:blipFill>
-        <a:ln w="25400" cap="flat" cmpd="sng" algn="ctr">
-          <a:solidFill>
-            <a:schemeClr val="lt1">
-              <a:hueOff val="0"/>
-              <a:satOff val="0"/>
-              <a:lumOff val="0"/>
-              <a:alphaOff val="0"/>
-            </a:schemeClr>
-          </a:solidFill>
-          <a:prstDash val="solid"/>
-        </a:ln>
-        <a:effectLst/>
-      </dsp:spPr>
-      <dsp:style>
-        <a:lnRef idx="2">
-          <a:scrgbClr r="0" g="0" b="0"/>
-        </a:lnRef>
-        <a:fillRef idx="1">
-          <a:scrgbClr r="0" g="0" b="0"/>
-        </a:fillRef>
-        <a:effectRef idx="0">
-          <a:scrgbClr r="0" g="0" b="0"/>
-        </a:effectRef>
-        <a:fontRef idx="minor"/>
-      </dsp:style>
-    </dsp:sp>
   </dsp:spTree>
 </dsp:drawing>
 </file>
@@ -3055,128 +2984,6 @@
       <dsp:cNvGrpSpPr/>
     </dsp:nvGrpSpPr>
     <dsp:grpSpPr/>
-    <dsp:sp modelId="{A30F2283-C0A4-4A69-BCBE-833D967155A2}">
-      <dsp:nvSpPr>
-        <dsp:cNvPr id="0" name=""/>
-        <dsp:cNvSpPr/>
-      </dsp:nvSpPr>
-      <dsp:spPr>
-        <a:xfrm>
-          <a:off x="469735" y="1146225"/>
-          <a:ext cx="2927097" cy="509149"/>
-        </a:xfrm>
-        <a:prstGeom prst="rect">
-          <a:avLst/>
-        </a:prstGeom>
-        <a:noFill/>
-        <a:ln>
-          <a:noFill/>
-        </a:ln>
-        <a:effectLst/>
-      </dsp:spPr>
-      <dsp:style>
-        <a:lnRef idx="0">
-          <a:scrgbClr r="0" g="0" b="0"/>
-        </a:lnRef>
-        <a:fillRef idx="0">
-          <a:scrgbClr r="0" g="0" b="0"/>
-        </a:fillRef>
-        <a:effectRef idx="0">
-          <a:scrgbClr r="0" g="0" b="0"/>
-        </a:effectRef>
-        <a:fontRef idx="minor"/>
-      </dsp:style>
-      <dsp:txBody>
-        <a:bodyPr spcFirstLastPara="0" vert="horz" wrap="square" lIns="0" tIns="152400" rIns="152400" bIns="0" numCol="1" spcCol="1270" anchor="b" anchorCtr="0">
-          <a:noAutofit/>
-        </a:bodyPr>
-        <a:lstStyle/>
-        <a:p>
-          <a:pPr marL="0" lvl="0" indent="0" algn="ctr" defTabSz="1778000">
-            <a:lnSpc>
-              <a:spcPct val="90000"/>
-            </a:lnSpc>
-            <a:spcBef>
-              <a:spcPct val="0"/>
-            </a:spcBef>
-            <a:spcAft>
-              <a:spcPct val="35000"/>
-            </a:spcAft>
-            <a:buNone/>
-          </a:pPr>
-          <a:r>
-            <a:rPr lang="ru-RU" sz="4000" kern="1200" dirty="0">
-              <a:solidFill>
-                <a:schemeClr val="accent1"/>
-              </a:solidFill>
-            </a:rPr>
-            <a:t>ВОПРОСЫ</a:t>
-          </a:r>
-          <a:r>
-            <a:rPr lang="en-US" sz="4000" kern="1200" dirty="0">
-              <a:solidFill>
-                <a:schemeClr val="accent1"/>
-              </a:solidFill>
-            </a:rPr>
-            <a:t>?</a:t>
-          </a:r>
-          <a:endParaRPr lang="ru-RU" sz="4000" kern="1200" dirty="0">
-            <a:solidFill>
-              <a:schemeClr val="accent1"/>
-            </a:solidFill>
-          </a:endParaRPr>
-        </a:p>
-      </dsp:txBody>
-      <dsp:txXfrm>
-        <a:off x="469735" y="1146225"/>
-        <a:ext cx="2927097" cy="509149"/>
-      </dsp:txXfrm>
-    </dsp:sp>
-    <dsp:sp modelId="{DFDA3CA3-5C68-4A2F-A4A8-285063A35D87}">
-      <dsp:nvSpPr>
-        <dsp:cNvPr id="0" name=""/>
-        <dsp:cNvSpPr/>
-      </dsp:nvSpPr>
-      <dsp:spPr>
-        <a:xfrm>
-          <a:off x="1521700" y="91137"/>
-          <a:ext cx="849599" cy="849599"/>
-        </a:xfrm>
-        <a:prstGeom prst="rect">
-          <a:avLst/>
-        </a:prstGeom>
-        <a:blipFill>
-          <a:blip xmlns:r="http://schemas.openxmlformats.org/officeDocument/2006/relationships" r:embed="rId1">
-            <a:extLst>
-              <a:ext uri="{28A0092B-C50C-407E-A947-70E740481C1C}">
-                <a14:useLocalDpi xmlns:a14="http://schemas.microsoft.com/office/drawing/2010/main" val="0"/>
-              </a:ext>
-            </a:extLst>
-          </a:blip>
-          <a:srcRect/>
-          <a:stretch>
-            <a:fillRect/>
-          </a:stretch>
-        </a:blipFill>
-        <a:ln w="0" cap="flat" cmpd="sng" algn="ctr">
-          <a:noFill/>
-          <a:prstDash val="solid"/>
-        </a:ln>
-        <a:effectLst/>
-      </dsp:spPr>
-      <dsp:style>
-        <a:lnRef idx="2">
-          <a:scrgbClr r="0" g="0" b="0"/>
-        </a:lnRef>
-        <a:fillRef idx="1">
-          <a:scrgbClr r="0" g="0" b="0"/>
-        </a:fillRef>
-        <a:effectRef idx="0">
-          <a:scrgbClr r="0" g="0" b="0"/>
-        </a:effectRef>
-        <a:fontRef idx="minor"/>
-      </dsp:style>
-    </dsp:sp>
   </dsp:spTree>
 </dsp:drawing>
 </file>
@@ -7224,7 +7031,7 @@
           <a:p>
             <a:fld id="{16E5F246-0B7D-44DF-8C1B-EDFCA5DA626A}" type="datetimeFigureOut">
               <a:rPr lang="ru-RU" smtClean="0"/>
-              <a:t>06.04.2017</a:t>
+              <a:t>04.12.2017</a:t>
             </a:fld>
             <a:endParaRPr lang="ru-RU"/>
           </a:p>
@@ -7510,6 +7317,723 @@
       </p:grpSpPr>
       <p:sp>
         <p:nvSpPr>
+          <p:cNvPr id="2" name="Образ слайда 1"/>
+          <p:cNvSpPr>
+            <a:spLocks noGrp="1" noRot="1" noChangeAspect="1"/>
+          </p:cNvSpPr>
+          <p:nvPr>
+            <p:ph type="sldImg"/>
+          </p:nvPr>
+        </p:nvSpPr>
+        <p:spPr/>
+      </p:sp>
+      <p:sp>
+        <p:nvSpPr>
+          <p:cNvPr id="3" name="Заметки 2"/>
+          <p:cNvSpPr>
+            <a:spLocks noGrp="1"/>
+          </p:cNvSpPr>
+          <p:nvPr>
+            <p:ph type="body" idx="1"/>
+          </p:nvPr>
+        </p:nvSpPr>
+        <p:spPr/>
+        <p:txBody>
+          <a:bodyPr/>
+          <a:lstStyle/>
+          <a:p>
+            <a:r>
+              <a:rPr lang="ru-RU" dirty="0" smtClean="0"/>
+              <a:t>Уже немножко знают, что такое исключения, блок про </a:t>
+            </a:r>
+            <a:r>
+              <a:rPr lang="en-US" dirty="0" smtClean="0"/>
+              <a:t>best</a:t>
+            </a:r>
+            <a:r>
+              <a:rPr lang="en-US" baseline="0" dirty="0" smtClean="0"/>
+              <a:t> </a:t>
+            </a:r>
+            <a:r>
+              <a:rPr lang="en-US" baseline="0" dirty="0" err="1" smtClean="0"/>
+              <a:t>practces</a:t>
+            </a:r>
+            <a:endParaRPr lang="ru-RU" dirty="0"/>
+          </a:p>
+        </p:txBody>
+      </p:sp>
+      <p:sp>
+        <p:nvSpPr>
+          <p:cNvPr id="4" name="Номер слайда 3"/>
+          <p:cNvSpPr>
+            <a:spLocks noGrp="1"/>
+          </p:cNvSpPr>
+          <p:nvPr>
+            <p:ph type="sldNum" sz="quarter" idx="10"/>
+          </p:nvPr>
+        </p:nvSpPr>
+        <p:spPr/>
+        <p:txBody>
+          <a:bodyPr/>
+          <a:lstStyle/>
+          <a:p>
+            <a:fld id="{3BAECB10-9972-4830-A584-02C41DAFD45B}" type="slidenum">
+              <a:rPr lang="ru-RU" smtClean="0"/>
+              <a:t>1</a:t>
+            </a:fld>
+            <a:endParaRPr lang="ru-RU"/>
+          </a:p>
+        </p:txBody>
+      </p:sp>
+    </p:spTree>
+    <p:extLst>
+      <p:ext uri="{BB962C8B-B14F-4D97-AF65-F5344CB8AC3E}">
+        <p14:creationId xmlns:p14="http://schemas.microsoft.com/office/powerpoint/2010/main" val="3957905759"/>
+      </p:ext>
+    </p:extLst>
+  </p:cSld>
+  <p:clrMapOvr>
+    <a:masterClrMapping/>
+  </p:clrMapOvr>
+</p:notes>
+</file>
+
+<file path=ppt/notesSlides/notesSlide10.xml><?xml version="1.0" encoding="utf-8"?>
+<p:notes xmlns:a="http://schemas.openxmlformats.org/drawingml/2006/main" xmlns:r="http://schemas.openxmlformats.org/officeDocument/2006/relationships" xmlns:p="http://schemas.openxmlformats.org/presentationml/2006/main">
+  <p:cSld>
+    <p:spTree>
+      <p:nvGrpSpPr>
+        <p:cNvPr id="1" name=""/>
+        <p:cNvGrpSpPr/>
+        <p:nvPr/>
+      </p:nvGrpSpPr>
+      <p:grpSpPr>
+        <a:xfrm>
+          <a:off x="0" y="0"/>
+          <a:ext cx="0" cy="0"/>
+          <a:chOff x="0" y="0"/>
+          <a:chExt cx="0" cy="0"/>
+        </a:xfrm>
+      </p:grpSpPr>
+      <p:sp>
+        <p:nvSpPr>
+          <p:cNvPr id="2" name="Образ слайда 1"/>
+          <p:cNvSpPr>
+            <a:spLocks noGrp="1" noRot="1" noChangeAspect="1"/>
+          </p:cNvSpPr>
+          <p:nvPr>
+            <p:ph type="sldImg"/>
+          </p:nvPr>
+        </p:nvSpPr>
+        <p:spPr/>
+      </p:sp>
+      <p:sp>
+        <p:nvSpPr>
+          <p:cNvPr id="3" name="Заметки 2"/>
+          <p:cNvSpPr>
+            <a:spLocks noGrp="1"/>
+          </p:cNvSpPr>
+          <p:nvPr>
+            <p:ph type="body" idx="1"/>
+          </p:nvPr>
+        </p:nvSpPr>
+        <p:spPr/>
+        <p:txBody>
+          <a:bodyPr/>
+          <a:lstStyle/>
+          <a:p>
+            <a:r>
+              <a:rPr lang="ru-RU" dirty="0" smtClean="0"/>
+              <a:t>Перенести ближе</a:t>
+            </a:r>
+            <a:r>
+              <a:rPr lang="ru-RU" baseline="0" dirty="0" smtClean="0"/>
+              <a:t> к 4 пункту</a:t>
+            </a:r>
+          </a:p>
+          <a:p>
+            <a:r>
+              <a:rPr lang="ru-RU" baseline="0" dirty="0" smtClean="0"/>
+              <a:t>Оставить большой </a:t>
+            </a:r>
+            <a:r>
+              <a:rPr lang="en-US" baseline="0" dirty="0" smtClean="0"/>
+              <a:t>try-catch </a:t>
+            </a:r>
+            <a:r>
+              <a:rPr lang="ru-RU" baseline="0" dirty="0" smtClean="0"/>
+              <a:t>и показать процесс конкретизации</a:t>
+            </a:r>
+            <a:endParaRPr lang="ru-RU" dirty="0"/>
+          </a:p>
+        </p:txBody>
+      </p:sp>
+      <p:sp>
+        <p:nvSpPr>
+          <p:cNvPr id="4" name="Номер слайда 3"/>
+          <p:cNvSpPr>
+            <a:spLocks noGrp="1"/>
+          </p:cNvSpPr>
+          <p:nvPr>
+            <p:ph type="sldNum" sz="quarter" idx="10"/>
+          </p:nvPr>
+        </p:nvSpPr>
+        <p:spPr/>
+        <p:txBody>
+          <a:bodyPr/>
+          <a:lstStyle/>
+          <a:p>
+            <a:fld id="{3BAECB10-9972-4830-A584-02C41DAFD45B}" type="slidenum">
+              <a:rPr lang="ru-RU" smtClean="0"/>
+              <a:t>12</a:t>
+            </a:fld>
+            <a:endParaRPr lang="ru-RU"/>
+          </a:p>
+        </p:txBody>
+      </p:sp>
+    </p:spTree>
+    <p:extLst>
+      <p:ext uri="{BB962C8B-B14F-4D97-AF65-F5344CB8AC3E}">
+        <p14:creationId xmlns:p14="http://schemas.microsoft.com/office/powerpoint/2010/main" val="600160837"/>
+      </p:ext>
+    </p:extLst>
+  </p:cSld>
+  <p:clrMapOvr>
+    <a:masterClrMapping/>
+  </p:clrMapOvr>
+</p:notes>
+</file>
+
+<file path=ppt/notesSlides/notesSlide11.xml><?xml version="1.0" encoding="utf-8"?>
+<p:notes xmlns:a="http://schemas.openxmlformats.org/drawingml/2006/main" xmlns:r="http://schemas.openxmlformats.org/officeDocument/2006/relationships" xmlns:p="http://schemas.openxmlformats.org/presentationml/2006/main">
+  <p:cSld>
+    <p:spTree>
+      <p:nvGrpSpPr>
+        <p:cNvPr id="1" name=""/>
+        <p:cNvGrpSpPr/>
+        <p:nvPr/>
+      </p:nvGrpSpPr>
+      <p:grpSpPr>
+        <a:xfrm>
+          <a:off x="0" y="0"/>
+          <a:ext cx="0" cy="0"/>
+          <a:chOff x="0" y="0"/>
+          <a:chExt cx="0" cy="0"/>
+        </a:xfrm>
+      </p:grpSpPr>
+      <p:sp>
+        <p:nvSpPr>
+          <p:cNvPr id="2" name="Образ слайда 1"/>
+          <p:cNvSpPr>
+            <a:spLocks noGrp="1" noRot="1" noChangeAspect="1"/>
+          </p:cNvSpPr>
+          <p:nvPr>
+            <p:ph type="sldImg"/>
+          </p:nvPr>
+        </p:nvSpPr>
+        <p:spPr/>
+      </p:sp>
+      <p:sp>
+        <p:nvSpPr>
+          <p:cNvPr id="3" name="Заметки 2"/>
+          <p:cNvSpPr>
+            <a:spLocks noGrp="1"/>
+          </p:cNvSpPr>
+          <p:nvPr>
+            <p:ph type="body" idx="1"/>
+          </p:nvPr>
+        </p:nvSpPr>
+        <p:spPr/>
+        <p:txBody>
+          <a:bodyPr/>
+          <a:lstStyle/>
+          <a:p>
+            <a:r>
+              <a:rPr lang="ru-RU" dirty="0" smtClean="0"/>
+              <a:t>Единственное исключение</a:t>
+            </a:r>
+            <a:r>
+              <a:rPr lang="ru-RU" baseline="0" dirty="0" smtClean="0"/>
+              <a:t> для правила «если не знаешь, что делать с исключением – кидай дальше» - глобальный </a:t>
+            </a:r>
+            <a:r>
+              <a:rPr lang="ru-RU" baseline="0" dirty="0" smtClean="0"/>
+              <a:t>обработчик</a:t>
+            </a:r>
+            <a:r>
+              <a:rPr lang="ru-RU" baseline="0" dirty="0" smtClean="0"/>
+              <a:t>.</a:t>
+            </a:r>
+          </a:p>
+          <a:p>
+            <a:endParaRPr lang="ru-RU" baseline="0" dirty="0" smtClean="0"/>
+          </a:p>
+          <a:p>
+            <a:r>
+              <a:rPr lang="ru-RU" baseline="0" dirty="0" smtClean="0"/>
+              <a:t>Это для логов, для безопасности, для расследования, решить проблему пользователя (показать телефон техподдержки)</a:t>
+            </a:r>
+            <a:endParaRPr lang="ru-RU" dirty="0"/>
+          </a:p>
+        </p:txBody>
+      </p:sp>
+      <p:sp>
+        <p:nvSpPr>
+          <p:cNvPr id="4" name="Номер слайда 3"/>
+          <p:cNvSpPr>
+            <a:spLocks noGrp="1"/>
+          </p:cNvSpPr>
+          <p:nvPr>
+            <p:ph type="sldNum" sz="quarter" idx="10"/>
+          </p:nvPr>
+        </p:nvSpPr>
+        <p:spPr/>
+        <p:txBody>
+          <a:bodyPr/>
+          <a:lstStyle/>
+          <a:p>
+            <a:fld id="{3BAECB10-9972-4830-A584-02C41DAFD45B}" type="slidenum">
+              <a:rPr lang="ru-RU" smtClean="0"/>
+              <a:t>14</a:t>
+            </a:fld>
+            <a:endParaRPr lang="ru-RU"/>
+          </a:p>
+        </p:txBody>
+      </p:sp>
+    </p:spTree>
+    <p:extLst>
+      <p:ext uri="{BB962C8B-B14F-4D97-AF65-F5344CB8AC3E}">
+        <p14:creationId xmlns:p14="http://schemas.microsoft.com/office/powerpoint/2010/main" val="1129661288"/>
+      </p:ext>
+    </p:extLst>
+  </p:cSld>
+  <p:clrMapOvr>
+    <a:masterClrMapping/>
+  </p:clrMapOvr>
+</p:notes>
+</file>
+
+<file path=ppt/notesSlides/notesSlide12.xml><?xml version="1.0" encoding="utf-8"?>
+<p:notes xmlns:a="http://schemas.openxmlformats.org/drawingml/2006/main" xmlns:r="http://schemas.openxmlformats.org/officeDocument/2006/relationships" xmlns:p="http://schemas.openxmlformats.org/presentationml/2006/main">
+  <p:cSld>
+    <p:spTree>
+      <p:nvGrpSpPr>
+        <p:cNvPr id="1" name=""/>
+        <p:cNvGrpSpPr/>
+        <p:nvPr/>
+      </p:nvGrpSpPr>
+      <p:grpSpPr>
+        <a:xfrm>
+          <a:off x="0" y="0"/>
+          <a:ext cx="0" cy="0"/>
+          <a:chOff x="0" y="0"/>
+          <a:chExt cx="0" cy="0"/>
+        </a:xfrm>
+      </p:grpSpPr>
+      <p:sp>
+        <p:nvSpPr>
+          <p:cNvPr id="2" name="Образ слайда 1"/>
+          <p:cNvSpPr>
+            <a:spLocks noGrp="1" noRot="1" noChangeAspect="1"/>
+          </p:cNvSpPr>
+          <p:nvPr>
+            <p:ph type="sldImg"/>
+          </p:nvPr>
+        </p:nvSpPr>
+        <p:spPr/>
+      </p:sp>
+      <p:sp>
+        <p:nvSpPr>
+          <p:cNvPr id="3" name="Заметки 2"/>
+          <p:cNvSpPr>
+            <a:spLocks noGrp="1"/>
+          </p:cNvSpPr>
+          <p:nvPr>
+            <p:ph type="body" idx="1"/>
+          </p:nvPr>
+        </p:nvSpPr>
+        <p:spPr/>
+        <p:txBody>
+          <a:bodyPr/>
+          <a:lstStyle/>
+          <a:p>
+            <a:r>
+              <a:rPr lang="ru-RU" dirty="0" smtClean="0"/>
+              <a:t>-------------</a:t>
+            </a:r>
+            <a:endParaRPr lang="en-US" dirty="0" smtClean="0"/>
+          </a:p>
+          <a:p>
+            <a:r>
+              <a:rPr lang="ru-RU" dirty="0" smtClean="0"/>
+              <a:t>Каждый</a:t>
+            </a:r>
+            <a:r>
+              <a:rPr lang="ru-RU" baseline="0" dirty="0" smtClean="0"/>
+              <a:t> поток или </a:t>
+            </a:r>
+            <a:r>
+              <a:rPr lang="ru-RU" baseline="0" dirty="0" err="1" smtClean="0"/>
+              <a:t>таск</a:t>
+            </a:r>
+            <a:r>
+              <a:rPr lang="ru-RU" baseline="0" dirty="0" smtClean="0"/>
+              <a:t> – свой обработчик</a:t>
+            </a:r>
+            <a:endParaRPr lang="ru-RU" dirty="0"/>
+          </a:p>
+        </p:txBody>
+      </p:sp>
+      <p:sp>
+        <p:nvSpPr>
+          <p:cNvPr id="4" name="Номер слайда 3"/>
+          <p:cNvSpPr>
+            <a:spLocks noGrp="1"/>
+          </p:cNvSpPr>
+          <p:nvPr>
+            <p:ph type="sldNum" sz="quarter" idx="10"/>
+          </p:nvPr>
+        </p:nvSpPr>
+        <p:spPr/>
+        <p:txBody>
+          <a:bodyPr/>
+          <a:lstStyle/>
+          <a:p>
+            <a:fld id="{3BAECB10-9972-4830-A584-02C41DAFD45B}" type="slidenum">
+              <a:rPr lang="ru-RU" smtClean="0"/>
+              <a:t>15</a:t>
+            </a:fld>
+            <a:endParaRPr lang="ru-RU"/>
+          </a:p>
+        </p:txBody>
+      </p:sp>
+    </p:spTree>
+    <p:extLst>
+      <p:ext uri="{BB962C8B-B14F-4D97-AF65-F5344CB8AC3E}">
+        <p14:creationId xmlns:p14="http://schemas.microsoft.com/office/powerpoint/2010/main" val="4091668089"/>
+      </p:ext>
+    </p:extLst>
+  </p:cSld>
+  <p:clrMapOvr>
+    <a:masterClrMapping/>
+  </p:clrMapOvr>
+</p:notes>
+</file>
+
+<file path=ppt/notesSlides/notesSlide13.xml><?xml version="1.0" encoding="utf-8"?>
+<p:notes xmlns:a="http://schemas.openxmlformats.org/drawingml/2006/main" xmlns:r="http://schemas.openxmlformats.org/officeDocument/2006/relationships" xmlns:p="http://schemas.openxmlformats.org/presentationml/2006/main">
+  <p:cSld>
+    <p:spTree>
+      <p:nvGrpSpPr>
+        <p:cNvPr id="1" name=""/>
+        <p:cNvGrpSpPr/>
+        <p:nvPr/>
+      </p:nvGrpSpPr>
+      <p:grpSpPr>
+        <a:xfrm>
+          <a:off x="0" y="0"/>
+          <a:ext cx="0" cy="0"/>
+          <a:chOff x="0" y="0"/>
+          <a:chExt cx="0" cy="0"/>
+        </a:xfrm>
+      </p:grpSpPr>
+      <p:sp>
+        <p:nvSpPr>
+          <p:cNvPr id="2" name="Образ слайда 1"/>
+          <p:cNvSpPr>
+            <a:spLocks noGrp="1" noRot="1" noChangeAspect="1"/>
+          </p:cNvSpPr>
+          <p:nvPr>
+            <p:ph type="sldImg"/>
+          </p:nvPr>
+        </p:nvSpPr>
+        <p:spPr/>
+      </p:sp>
+      <p:sp>
+        <p:nvSpPr>
+          <p:cNvPr id="3" name="Заметки 2"/>
+          <p:cNvSpPr>
+            <a:spLocks noGrp="1"/>
+          </p:cNvSpPr>
+          <p:nvPr>
+            <p:ph type="body" idx="1"/>
+          </p:nvPr>
+        </p:nvSpPr>
+        <p:spPr/>
+        <p:txBody>
+          <a:bodyPr/>
+          <a:lstStyle/>
+          <a:p>
+            <a:r>
+              <a:rPr lang="ru-RU" dirty="0" smtClean="0"/>
+              <a:t>Самый простой способ</a:t>
+            </a:r>
+            <a:r>
+              <a:rPr lang="ru-RU" baseline="0" dirty="0" smtClean="0"/>
+              <a:t> – сделать соответствующий примитив, чтобы не повторяться</a:t>
+            </a:r>
+            <a:endParaRPr lang="ru-RU" dirty="0"/>
+          </a:p>
+        </p:txBody>
+      </p:sp>
+      <p:sp>
+        <p:nvSpPr>
+          <p:cNvPr id="4" name="Номер слайда 3"/>
+          <p:cNvSpPr>
+            <a:spLocks noGrp="1"/>
+          </p:cNvSpPr>
+          <p:nvPr>
+            <p:ph type="sldNum" sz="quarter" idx="10"/>
+          </p:nvPr>
+        </p:nvSpPr>
+        <p:spPr/>
+        <p:txBody>
+          <a:bodyPr/>
+          <a:lstStyle/>
+          <a:p>
+            <a:fld id="{3BAECB10-9972-4830-A584-02C41DAFD45B}" type="slidenum">
+              <a:rPr lang="ru-RU" smtClean="0"/>
+              <a:t>16</a:t>
+            </a:fld>
+            <a:endParaRPr lang="ru-RU"/>
+          </a:p>
+        </p:txBody>
+      </p:sp>
+    </p:spTree>
+    <p:extLst>
+      <p:ext uri="{BB962C8B-B14F-4D97-AF65-F5344CB8AC3E}">
+        <p14:creationId xmlns:p14="http://schemas.microsoft.com/office/powerpoint/2010/main" val="1106136688"/>
+      </p:ext>
+    </p:extLst>
+  </p:cSld>
+  <p:clrMapOvr>
+    <a:masterClrMapping/>
+  </p:clrMapOvr>
+</p:notes>
+</file>
+
+<file path=ppt/notesSlides/notesSlide14.xml><?xml version="1.0" encoding="utf-8"?>
+<p:notes xmlns:a="http://schemas.openxmlformats.org/drawingml/2006/main" xmlns:r="http://schemas.openxmlformats.org/officeDocument/2006/relationships" xmlns:p="http://schemas.openxmlformats.org/presentationml/2006/main">
+  <p:cSld>
+    <p:spTree>
+      <p:nvGrpSpPr>
+        <p:cNvPr id="1" name=""/>
+        <p:cNvGrpSpPr/>
+        <p:nvPr/>
+      </p:nvGrpSpPr>
+      <p:grpSpPr>
+        <a:xfrm>
+          <a:off x="0" y="0"/>
+          <a:ext cx="0" cy="0"/>
+          <a:chOff x="0" y="0"/>
+          <a:chExt cx="0" cy="0"/>
+        </a:xfrm>
+      </p:grpSpPr>
+      <p:sp>
+        <p:nvSpPr>
+          <p:cNvPr id="2" name="Образ слайда 1"/>
+          <p:cNvSpPr>
+            <a:spLocks noGrp="1" noRot="1" noChangeAspect="1"/>
+          </p:cNvSpPr>
+          <p:nvPr>
+            <p:ph type="sldImg"/>
+          </p:nvPr>
+        </p:nvSpPr>
+        <p:spPr/>
+      </p:sp>
+      <p:sp>
+        <p:nvSpPr>
+          <p:cNvPr id="3" name="Заметки 2"/>
+          <p:cNvSpPr>
+            <a:spLocks noGrp="1"/>
+          </p:cNvSpPr>
+          <p:nvPr>
+            <p:ph type="body" idx="1"/>
+          </p:nvPr>
+        </p:nvSpPr>
+        <p:spPr/>
+        <p:txBody>
+          <a:bodyPr/>
+          <a:lstStyle/>
+          <a:p>
+            <a:r>
+              <a:rPr lang="ru-RU" dirty="0" smtClean="0"/>
+              <a:t>Выкинем? – нет,</a:t>
+            </a:r>
+            <a:r>
+              <a:rPr lang="ru-RU" baseline="0" dirty="0" smtClean="0"/>
+              <a:t> </a:t>
+            </a:r>
+            <a:r>
+              <a:rPr lang="ru-RU" baseline="0" dirty="0" smtClean="0"/>
+              <a:t>запихнем </a:t>
+            </a:r>
+            <a:r>
+              <a:rPr lang="ru-RU" baseline="0" dirty="0" smtClean="0"/>
+              <a:t>в конец, перед этим спросим, знают ли ребята про таски</a:t>
+            </a:r>
+            <a:endParaRPr lang="ru-RU" dirty="0" smtClean="0"/>
+          </a:p>
+          <a:p>
+            <a:r>
+              <a:rPr lang="ru-RU" dirty="0" smtClean="0"/>
+              <a:t>Если асинхронный метод – </a:t>
+            </a:r>
+            <a:r>
+              <a:rPr lang="ru-RU" dirty="0" err="1" smtClean="0"/>
+              <a:t>воид</a:t>
+            </a:r>
+            <a:r>
+              <a:rPr lang="ru-RU" dirty="0" smtClean="0"/>
+              <a:t>, то в кэтч</a:t>
+            </a:r>
+            <a:r>
+              <a:rPr lang="ru-RU" baseline="0" dirty="0" smtClean="0"/>
+              <a:t> мы уже не зайдем.</a:t>
+            </a:r>
+            <a:endParaRPr lang="ru-RU" dirty="0"/>
+          </a:p>
+        </p:txBody>
+      </p:sp>
+      <p:sp>
+        <p:nvSpPr>
+          <p:cNvPr id="4" name="Номер слайда 3"/>
+          <p:cNvSpPr>
+            <a:spLocks noGrp="1"/>
+          </p:cNvSpPr>
+          <p:nvPr>
+            <p:ph type="sldNum" sz="quarter" idx="10"/>
+          </p:nvPr>
+        </p:nvSpPr>
+        <p:spPr/>
+        <p:txBody>
+          <a:bodyPr/>
+          <a:lstStyle/>
+          <a:p>
+            <a:fld id="{3BAECB10-9972-4830-A584-02C41DAFD45B}" type="slidenum">
+              <a:rPr lang="ru-RU" smtClean="0"/>
+              <a:t>21</a:t>
+            </a:fld>
+            <a:endParaRPr lang="ru-RU"/>
+          </a:p>
+        </p:txBody>
+      </p:sp>
+    </p:spTree>
+    <p:extLst>
+      <p:ext uri="{BB962C8B-B14F-4D97-AF65-F5344CB8AC3E}">
+        <p14:creationId xmlns:p14="http://schemas.microsoft.com/office/powerpoint/2010/main" val="267094798"/>
+      </p:ext>
+    </p:extLst>
+  </p:cSld>
+  <p:clrMapOvr>
+    <a:masterClrMapping/>
+  </p:clrMapOvr>
+</p:notes>
+</file>
+
+<file path=ppt/notesSlides/notesSlide15.xml><?xml version="1.0" encoding="utf-8"?>
+<p:notes xmlns:a="http://schemas.openxmlformats.org/drawingml/2006/main" xmlns:r="http://schemas.openxmlformats.org/officeDocument/2006/relationships" xmlns:p="http://schemas.openxmlformats.org/presentationml/2006/main">
+  <p:cSld>
+    <p:spTree>
+      <p:nvGrpSpPr>
+        <p:cNvPr id="1" name=""/>
+        <p:cNvGrpSpPr/>
+        <p:nvPr/>
+      </p:nvGrpSpPr>
+      <p:grpSpPr>
+        <a:xfrm>
+          <a:off x="0" y="0"/>
+          <a:ext cx="0" cy="0"/>
+          <a:chOff x="0" y="0"/>
+          <a:chExt cx="0" cy="0"/>
+        </a:xfrm>
+      </p:grpSpPr>
+      <p:sp>
+        <p:nvSpPr>
+          <p:cNvPr id="2" name="Образ слайда 1"/>
+          <p:cNvSpPr>
+            <a:spLocks noGrp="1" noRot="1" noChangeAspect="1"/>
+          </p:cNvSpPr>
+          <p:nvPr>
+            <p:ph type="sldImg"/>
+          </p:nvPr>
+        </p:nvSpPr>
+        <p:spPr/>
+      </p:sp>
+      <p:sp>
+        <p:nvSpPr>
+          <p:cNvPr id="3" name="Заметки 2"/>
+          <p:cNvSpPr>
+            <a:spLocks noGrp="1"/>
+          </p:cNvSpPr>
+          <p:nvPr>
+            <p:ph type="body" idx="1"/>
+          </p:nvPr>
+        </p:nvSpPr>
+        <p:spPr/>
+        <p:txBody>
+          <a:bodyPr/>
+          <a:lstStyle/>
+          <a:p>
+            <a:endParaRPr lang="ru-RU"/>
+          </a:p>
+        </p:txBody>
+      </p:sp>
+      <p:sp>
+        <p:nvSpPr>
+          <p:cNvPr id="4" name="Номер слайда 3"/>
+          <p:cNvSpPr>
+            <a:spLocks noGrp="1"/>
+          </p:cNvSpPr>
+          <p:nvPr>
+            <p:ph type="sldNum" sz="quarter" idx="10"/>
+          </p:nvPr>
+        </p:nvSpPr>
+        <p:spPr/>
+        <p:txBody>
+          <a:bodyPr/>
+          <a:lstStyle/>
+          <a:p>
+            <a:fld id="{3BAECB10-9972-4830-A584-02C41DAFD45B}" type="slidenum">
+              <a:rPr lang="ru-RU" smtClean="0"/>
+              <a:t>22</a:t>
+            </a:fld>
+            <a:endParaRPr lang="ru-RU"/>
+          </a:p>
+        </p:txBody>
+      </p:sp>
+    </p:spTree>
+    <p:extLst>
+      <p:ext uri="{BB962C8B-B14F-4D97-AF65-F5344CB8AC3E}">
+        <p14:creationId xmlns:p14="http://schemas.microsoft.com/office/powerpoint/2010/main" val="1422324034"/>
+      </p:ext>
+    </p:extLst>
+  </p:cSld>
+  <p:clrMapOvr>
+    <a:masterClrMapping/>
+  </p:clrMapOvr>
+</p:notes>
+</file>
+
+<file path=ppt/notesSlides/notesSlide16.xml><?xml version="1.0" encoding="utf-8"?>
+<p:notes xmlns:a="http://schemas.openxmlformats.org/drawingml/2006/main" xmlns:r="http://schemas.openxmlformats.org/officeDocument/2006/relationships" xmlns:p="http://schemas.openxmlformats.org/presentationml/2006/main">
+  <p:cSld>
+    <p:spTree>
+      <p:nvGrpSpPr>
+        <p:cNvPr id="1" name=""/>
+        <p:cNvGrpSpPr/>
+        <p:nvPr/>
+      </p:nvGrpSpPr>
+      <p:grpSpPr>
+        <a:xfrm>
+          <a:off x="0" y="0"/>
+          <a:ext cx="0" cy="0"/>
+          <a:chOff x="0" y="0"/>
+          <a:chExt cx="0" cy="0"/>
+        </a:xfrm>
+      </p:grpSpPr>
+      <p:sp>
+        <p:nvSpPr>
           <p:cNvPr id="58370" name="Rectangle 7"/>
           <p:cNvSpPr>
             <a:spLocks noGrp="1" noChangeArrowheads="1"/>
@@ -7672,7 +8196,85 @@
           <a:lstStyle/>
           <a:p>
             <a:pPr eaLnBrk="1" hangingPunct="1"/>
-            <a:endParaRPr lang="ru-RU" altLang="ru-RU">
+            <a:r>
+              <a:rPr lang="ru-RU" altLang="ru-RU" dirty="0" smtClean="0">
+                <a:latin typeface="Arial" panose="020B0604020202020204" pitchFamily="34" charset="0"/>
+              </a:rPr>
+              <a:t>Исправь</a:t>
+            </a:r>
+            <a:r>
+              <a:rPr lang="ru-RU" altLang="ru-RU" baseline="0" dirty="0" smtClean="0">
+                <a:latin typeface="Arial" panose="020B0604020202020204" pitchFamily="34" charset="0"/>
+              </a:rPr>
+              <a:t> как можно больше ошибок</a:t>
+            </a:r>
+          </a:p>
+          <a:p>
+            <a:pPr eaLnBrk="1" hangingPunct="1"/>
+            <a:r>
+              <a:rPr lang="en-US" altLang="ru-RU" baseline="0" dirty="0" err="1" smtClean="0">
+                <a:latin typeface="Arial" panose="020B0604020202020204" pitchFamily="34" charset="0"/>
+              </a:rPr>
+              <a:t>progressBoard</a:t>
+            </a:r>
+            <a:r>
+              <a:rPr lang="en-US" altLang="ru-RU" baseline="0" dirty="0" smtClean="0">
+                <a:latin typeface="Arial" panose="020B0604020202020204" pitchFamily="34" charset="0"/>
+              </a:rPr>
+              <a:t> – </a:t>
+            </a:r>
+            <a:r>
+              <a:rPr lang="ru-RU" altLang="ru-RU" baseline="0" dirty="0" err="1" smtClean="0">
+                <a:latin typeface="Arial" panose="020B0604020202020204" pitchFamily="34" charset="0"/>
+              </a:rPr>
+              <a:t>мониторить</a:t>
+            </a:r>
+            <a:r>
+              <a:rPr lang="ru-RU" altLang="ru-RU" baseline="0" dirty="0" smtClean="0">
+                <a:latin typeface="Arial" panose="020B0604020202020204" pitchFamily="34" charset="0"/>
+              </a:rPr>
+              <a:t> и подсказывать по нему</a:t>
+            </a:r>
+          </a:p>
+          <a:p>
+            <a:pPr eaLnBrk="1" hangingPunct="1"/>
+            <a:r>
+              <a:rPr lang="ru-RU" altLang="ru-RU" baseline="0" dirty="0" smtClean="0">
+                <a:latin typeface="Arial" panose="020B0604020202020204" pitchFamily="34" charset="0"/>
+              </a:rPr>
+              <a:t>Вместе с фамилиями указать стол</a:t>
+            </a:r>
+            <a:r>
+              <a:rPr lang="ru-RU" altLang="ru-RU" baseline="0" dirty="0">
+                <a:latin typeface="Arial" panose="020B0604020202020204" pitchFamily="34" charset="0"/>
+              </a:rPr>
+              <a:t> </a:t>
+            </a:r>
+            <a:r>
+              <a:rPr lang="ru-RU" altLang="ru-RU" baseline="0" dirty="0" smtClean="0">
+                <a:latin typeface="Arial" panose="020B0604020202020204" pitchFamily="34" charset="0"/>
+              </a:rPr>
+              <a:t>– в </a:t>
+            </a:r>
+            <a:r>
+              <a:rPr lang="en-US" altLang="ru-RU" baseline="0" dirty="0" smtClean="0">
+                <a:latin typeface="Arial" panose="020B0604020202020204" pitchFamily="34" charset="0"/>
+              </a:rPr>
+              <a:t>Names </a:t>
+            </a:r>
+            <a:r>
+              <a:rPr lang="ru-RU" altLang="ru-RU" baseline="0" dirty="0" smtClean="0">
+                <a:latin typeface="Arial" panose="020B0604020202020204" pitchFamily="34" charset="0"/>
+              </a:rPr>
+              <a:t>в </a:t>
+            </a:r>
+            <a:r>
+              <a:rPr lang="en-US" altLang="ru-RU" baseline="0" dirty="0" err="1" smtClean="0">
+                <a:latin typeface="Arial" panose="020B0604020202020204" pitchFamily="34" charset="0"/>
+              </a:rPr>
+              <a:t>ConvertersProgram_should</a:t>
+            </a:r>
+            <a:endParaRPr lang="ru-RU" altLang="ru-RU" baseline="0" dirty="0" smtClean="0">
               <a:latin typeface="Arial" panose="020B0604020202020204" pitchFamily="34" charset="0"/>
             </a:endParaRPr>
           </a:p>
@@ -7691,7 +8293,7 @@
 </p:notes>
 </file>
 
-<file path=ppt/notesSlides/notesSlide2.xml><?xml version="1.0" encoding="utf-8"?>
+<file path=ppt/notesSlides/notesSlide17.xml><?xml version="1.0" encoding="utf-8"?>
 <p:notes xmlns:a="http://schemas.openxmlformats.org/drawingml/2006/main" xmlns:r="http://schemas.openxmlformats.org/officeDocument/2006/relationships" xmlns:p="http://schemas.openxmlformats.org/presentationml/2006/main">
   <p:cSld>
     <p:spTree>
@@ -7882,6 +8484,1137 @@
     <p:extLst>
       <p:ext uri="{BB962C8B-B14F-4D97-AF65-F5344CB8AC3E}">
         <p14:creationId xmlns:p14="http://schemas.microsoft.com/office/powerpoint/2010/main" val="1197945056"/>
+      </p:ext>
+    </p:extLst>
+  </p:cSld>
+  <p:clrMapOvr>
+    <a:masterClrMapping/>
+  </p:clrMapOvr>
+</p:notes>
+</file>
+
+<file path=ppt/notesSlides/notesSlide2.xml><?xml version="1.0" encoding="utf-8"?>
+<p:notes xmlns:a="http://schemas.openxmlformats.org/drawingml/2006/main" xmlns:r="http://schemas.openxmlformats.org/officeDocument/2006/relationships" xmlns:p="http://schemas.openxmlformats.org/presentationml/2006/main">
+  <p:cSld>
+    <p:spTree>
+      <p:nvGrpSpPr>
+        <p:cNvPr id="1" name=""/>
+        <p:cNvGrpSpPr/>
+        <p:nvPr/>
+      </p:nvGrpSpPr>
+      <p:grpSpPr>
+        <a:xfrm>
+          <a:off x="0" y="0"/>
+          <a:ext cx="0" cy="0"/>
+          <a:chOff x="0" y="0"/>
+          <a:chExt cx="0" cy="0"/>
+        </a:xfrm>
+      </p:grpSpPr>
+      <p:sp>
+        <p:nvSpPr>
+          <p:cNvPr id="2" name="Образ слайда 1"/>
+          <p:cNvSpPr>
+            <a:spLocks noGrp="1" noRot="1" noChangeAspect="1"/>
+          </p:cNvSpPr>
+          <p:nvPr>
+            <p:ph type="sldImg"/>
+          </p:nvPr>
+        </p:nvSpPr>
+        <p:spPr/>
+      </p:sp>
+      <p:sp>
+        <p:nvSpPr>
+          <p:cNvPr id="3" name="Заметки 2"/>
+          <p:cNvSpPr>
+            <a:spLocks noGrp="1"/>
+          </p:cNvSpPr>
+          <p:nvPr>
+            <p:ph type="body" idx="1"/>
+          </p:nvPr>
+        </p:nvSpPr>
+        <p:spPr/>
+        <p:txBody>
+          <a:bodyPr/>
+          <a:lstStyle/>
+          <a:p>
+            <a:r>
+              <a:rPr lang="ru-RU" dirty="0" smtClean="0"/>
+              <a:t>Просто</a:t>
+            </a:r>
+            <a:r>
+              <a:rPr lang="ru-RU" baseline="0" dirty="0" smtClean="0"/>
+              <a:t> разбудим всех, подискутировать.</a:t>
+            </a:r>
+          </a:p>
+          <a:p>
+            <a:r>
+              <a:rPr lang="ru-RU" baseline="0" dirty="0" smtClean="0"/>
+              <a:t>Может, нормальный, а может, плохой: что именно пошло не так? Как отличить нормальную ситуацию от ненормально</a:t>
+            </a:r>
+          </a:p>
+        </p:txBody>
+      </p:sp>
+      <p:sp>
+        <p:nvSpPr>
+          <p:cNvPr id="4" name="Номер слайда 3"/>
+          <p:cNvSpPr>
+            <a:spLocks noGrp="1"/>
+          </p:cNvSpPr>
+          <p:nvPr>
+            <p:ph type="sldNum" sz="quarter" idx="10"/>
+          </p:nvPr>
+        </p:nvSpPr>
+        <p:spPr/>
+        <p:txBody>
+          <a:bodyPr/>
+          <a:lstStyle/>
+          <a:p>
+            <a:fld id="{3BAECB10-9972-4830-A584-02C41DAFD45B}" type="slidenum">
+              <a:rPr lang="ru-RU" smtClean="0"/>
+              <a:t>2</a:t>
+            </a:fld>
+            <a:endParaRPr lang="ru-RU"/>
+          </a:p>
+        </p:txBody>
+      </p:sp>
+    </p:spTree>
+    <p:extLst>
+      <p:ext uri="{BB962C8B-B14F-4D97-AF65-F5344CB8AC3E}">
+        <p14:creationId xmlns:p14="http://schemas.microsoft.com/office/powerpoint/2010/main" val="277186270"/>
+      </p:ext>
+    </p:extLst>
+  </p:cSld>
+  <p:clrMapOvr>
+    <a:masterClrMapping/>
+  </p:clrMapOvr>
+</p:notes>
+</file>
+
+<file path=ppt/notesSlides/notesSlide3.xml><?xml version="1.0" encoding="utf-8"?>
+<p:notes xmlns:a="http://schemas.openxmlformats.org/drawingml/2006/main" xmlns:r="http://schemas.openxmlformats.org/officeDocument/2006/relationships" xmlns:p="http://schemas.openxmlformats.org/presentationml/2006/main">
+  <p:cSld>
+    <p:spTree>
+      <p:nvGrpSpPr>
+        <p:cNvPr id="1" name=""/>
+        <p:cNvGrpSpPr/>
+        <p:nvPr/>
+      </p:nvGrpSpPr>
+      <p:grpSpPr>
+        <a:xfrm>
+          <a:off x="0" y="0"/>
+          <a:ext cx="0" cy="0"/>
+          <a:chOff x="0" y="0"/>
+          <a:chExt cx="0" cy="0"/>
+        </a:xfrm>
+      </p:grpSpPr>
+      <p:sp>
+        <p:nvSpPr>
+          <p:cNvPr id="2" name="Образ слайда 1"/>
+          <p:cNvSpPr>
+            <a:spLocks noGrp="1" noRot="1" noChangeAspect="1"/>
+          </p:cNvSpPr>
+          <p:nvPr>
+            <p:ph type="sldImg"/>
+          </p:nvPr>
+        </p:nvSpPr>
+        <p:spPr/>
+      </p:sp>
+      <p:sp>
+        <p:nvSpPr>
+          <p:cNvPr id="3" name="Заметки 2"/>
+          <p:cNvSpPr>
+            <a:spLocks noGrp="1"/>
+          </p:cNvSpPr>
+          <p:nvPr>
+            <p:ph type="body" idx="1"/>
+          </p:nvPr>
+        </p:nvSpPr>
+        <p:spPr/>
+        <p:txBody>
+          <a:bodyPr/>
+          <a:lstStyle/>
+          <a:p>
+            <a:r>
+              <a:rPr lang="ru-RU" dirty="0" smtClean="0"/>
+              <a:t>Как</a:t>
+            </a:r>
+            <a:r>
+              <a:rPr lang="ru-RU" baseline="0" dirty="0" smtClean="0"/>
+              <a:t> первая стратегия работы с ними, дальше - уточним</a:t>
+            </a:r>
+            <a:endParaRPr lang="ru-RU" dirty="0"/>
+          </a:p>
+        </p:txBody>
+      </p:sp>
+      <p:sp>
+        <p:nvSpPr>
+          <p:cNvPr id="4" name="Номер слайда 3"/>
+          <p:cNvSpPr>
+            <a:spLocks noGrp="1"/>
+          </p:cNvSpPr>
+          <p:nvPr>
+            <p:ph type="sldNum" sz="quarter" idx="10"/>
+          </p:nvPr>
+        </p:nvSpPr>
+        <p:spPr/>
+        <p:txBody>
+          <a:bodyPr/>
+          <a:lstStyle/>
+          <a:p>
+            <a:fld id="{3BAECB10-9972-4830-A584-02C41DAFD45B}" type="slidenum">
+              <a:rPr lang="ru-RU" smtClean="0"/>
+              <a:t>4</a:t>
+            </a:fld>
+            <a:endParaRPr lang="ru-RU"/>
+          </a:p>
+        </p:txBody>
+      </p:sp>
+    </p:spTree>
+    <p:extLst>
+      <p:ext uri="{BB962C8B-B14F-4D97-AF65-F5344CB8AC3E}">
+        <p14:creationId xmlns:p14="http://schemas.microsoft.com/office/powerpoint/2010/main" val="1255511400"/>
+      </p:ext>
+    </p:extLst>
+  </p:cSld>
+  <p:clrMapOvr>
+    <a:masterClrMapping/>
+  </p:clrMapOvr>
+</p:notes>
+</file>
+
+<file path=ppt/notesSlides/notesSlide4.xml><?xml version="1.0" encoding="utf-8"?>
+<p:notes xmlns:a="http://schemas.openxmlformats.org/drawingml/2006/main" xmlns:r="http://schemas.openxmlformats.org/officeDocument/2006/relationships" xmlns:p="http://schemas.openxmlformats.org/presentationml/2006/main">
+  <p:cSld>
+    <p:spTree>
+      <p:nvGrpSpPr>
+        <p:cNvPr id="1" name=""/>
+        <p:cNvGrpSpPr/>
+        <p:nvPr/>
+      </p:nvGrpSpPr>
+      <p:grpSpPr>
+        <a:xfrm>
+          <a:off x="0" y="0"/>
+          <a:ext cx="0" cy="0"/>
+          <a:chOff x="0" y="0"/>
+          <a:chExt cx="0" cy="0"/>
+        </a:xfrm>
+      </p:grpSpPr>
+      <p:sp>
+        <p:nvSpPr>
+          <p:cNvPr id="2" name="Образ слайда 1"/>
+          <p:cNvSpPr>
+            <a:spLocks noGrp="1" noRot="1" noChangeAspect="1"/>
+          </p:cNvSpPr>
+          <p:nvPr>
+            <p:ph type="sldImg"/>
+          </p:nvPr>
+        </p:nvSpPr>
+        <p:spPr/>
+      </p:sp>
+      <p:sp>
+        <p:nvSpPr>
+          <p:cNvPr id="3" name="Заметки 2"/>
+          <p:cNvSpPr>
+            <a:spLocks noGrp="1"/>
+          </p:cNvSpPr>
+          <p:nvPr>
+            <p:ph type="body" idx="1"/>
+          </p:nvPr>
+        </p:nvSpPr>
+        <p:spPr/>
+        <p:txBody>
+          <a:bodyPr/>
+          <a:lstStyle/>
+          <a:p>
+            <a:pPr marL="171450" indent="-171450">
+              <a:buFontTx/>
+              <a:buChar char="-"/>
+            </a:pPr>
+            <a:r>
+              <a:rPr lang="ru-RU" dirty="0" smtClean="0"/>
+              <a:t>Кто видит проблему?</a:t>
+            </a:r>
+          </a:p>
+          <a:p>
+            <a:pPr marL="171450" indent="-171450">
+              <a:buFontTx/>
+              <a:buChar char="-"/>
+            </a:pPr>
+            <a:r>
+              <a:rPr lang="ru-RU" dirty="0" smtClean="0"/>
+              <a:t>В</a:t>
+            </a:r>
+            <a:r>
+              <a:rPr lang="ru-RU" baseline="0" dirty="0" smtClean="0"/>
+              <a:t> одном </a:t>
+            </a:r>
+            <a:r>
+              <a:rPr lang="ru-RU" baseline="0" dirty="0" err="1" smtClean="0"/>
+              <a:t>кеше</a:t>
+            </a:r>
+            <a:r>
+              <a:rPr lang="ru-RU" baseline="0" dirty="0" smtClean="0"/>
+              <a:t> данные </a:t>
+            </a:r>
+            <a:r>
+              <a:rPr lang="ru-RU" baseline="0" dirty="0" smtClean="0"/>
+              <a:t>есть, </a:t>
+            </a:r>
+            <a:r>
+              <a:rPr lang="ru-RU" baseline="0" dirty="0" smtClean="0"/>
+              <a:t>в другом – нет, когда попробуем повторно добавить отчет – упадет уже первый </a:t>
+            </a:r>
+            <a:r>
+              <a:rPr lang="en-US" baseline="0" dirty="0" smtClean="0"/>
+              <a:t>Get</a:t>
+            </a:r>
+            <a:r>
+              <a:rPr lang="ru-RU" baseline="0" dirty="0" smtClean="0"/>
+              <a:t>, </a:t>
+            </a:r>
+            <a:r>
+              <a:rPr lang="ru-RU" baseline="0" dirty="0" smtClean="0"/>
+              <a:t>и будет непонятно, что происходит</a:t>
+            </a:r>
+          </a:p>
+          <a:p>
+            <a:pPr marL="171450" indent="-171450">
+              <a:buFontTx/>
+              <a:buChar char="-"/>
+            </a:pPr>
+            <a:endParaRPr lang="ru-RU" baseline="0" dirty="0" smtClean="0"/>
+          </a:p>
+          <a:p>
+            <a:pPr marL="171450" indent="-171450">
+              <a:buFontTx/>
+              <a:buChar char="-"/>
+            </a:pPr>
+            <a:r>
+              <a:rPr lang="ru-RU" baseline="0" dirty="0" smtClean="0"/>
+              <a:t>Итого: если замолчал первую ошибку, во второй будет разобраться сложно</a:t>
+            </a:r>
+          </a:p>
+          <a:p>
+            <a:pPr marL="171450" indent="-171450">
+              <a:buFontTx/>
+              <a:buChar char="-"/>
+            </a:pPr>
+            <a:endParaRPr lang="ru-RU" baseline="0" dirty="0" smtClean="0"/>
+          </a:p>
+          <a:p>
+            <a:pPr marL="171450" indent="-171450">
+              <a:buFontTx/>
+              <a:buChar char="-"/>
+            </a:pPr>
+            <a:r>
+              <a:rPr lang="ru-RU" baseline="0" dirty="0" smtClean="0"/>
+              <a:t>Нужно быть готовыми к тому, что код упадет – данные нужно оставить в консистентном состоянии</a:t>
+            </a:r>
+            <a:endParaRPr lang="ru-RU" dirty="0"/>
+          </a:p>
+        </p:txBody>
+      </p:sp>
+      <p:sp>
+        <p:nvSpPr>
+          <p:cNvPr id="4" name="Номер слайда 3"/>
+          <p:cNvSpPr>
+            <a:spLocks noGrp="1"/>
+          </p:cNvSpPr>
+          <p:nvPr>
+            <p:ph type="sldNum" sz="quarter" idx="10"/>
+          </p:nvPr>
+        </p:nvSpPr>
+        <p:spPr/>
+        <p:txBody>
+          <a:bodyPr/>
+          <a:lstStyle/>
+          <a:p>
+            <a:fld id="{3BAECB10-9972-4830-A584-02C41DAFD45B}" type="slidenum">
+              <a:rPr lang="ru-RU" smtClean="0"/>
+              <a:t>5</a:t>
+            </a:fld>
+            <a:endParaRPr lang="ru-RU"/>
+          </a:p>
+        </p:txBody>
+      </p:sp>
+    </p:spTree>
+    <p:extLst>
+      <p:ext uri="{BB962C8B-B14F-4D97-AF65-F5344CB8AC3E}">
+        <p14:creationId xmlns:p14="http://schemas.microsoft.com/office/powerpoint/2010/main" val="879177681"/>
+      </p:ext>
+    </p:extLst>
+  </p:cSld>
+  <p:clrMapOvr>
+    <a:masterClrMapping/>
+  </p:clrMapOvr>
+</p:notes>
+</file>
+
+<file path=ppt/notesSlides/notesSlide5.xml><?xml version="1.0" encoding="utf-8"?>
+<p:notes xmlns:a="http://schemas.openxmlformats.org/drawingml/2006/main" xmlns:r="http://schemas.openxmlformats.org/officeDocument/2006/relationships" xmlns:p="http://schemas.openxmlformats.org/presentationml/2006/main">
+  <p:cSld>
+    <p:spTree>
+      <p:nvGrpSpPr>
+        <p:cNvPr id="1" name=""/>
+        <p:cNvGrpSpPr/>
+        <p:nvPr/>
+      </p:nvGrpSpPr>
+      <p:grpSpPr>
+        <a:xfrm>
+          <a:off x="0" y="0"/>
+          <a:ext cx="0" cy="0"/>
+          <a:chOff x="0" y="0"/>
+          <a:chExt cx="0" cy="0"/>
+        </a:xfrm>
+      </p:grpSpPr>
+      <p:sp>
+        <p:nvSpPr>
+          <p:cNvPr id="2" name="Образ слайда 1"/>
+          <p:cNvSpPr>
+            <a:spLocks noGrp="1" noRot="1" noChangeAspect="1"/>
+          </p:cNvSpPr>
+          <p:nvPr>
+            <p:ph type="sldImg"/>
+          </p:nvPr>
+        </p:nvSpPr>
+        <p:spPr/>
+      </p:sp>
+      <p:sp>
+        <p:nvSpPr>
+          <p:cNvPr id="3" name="Заметки 2"/>
+          <p:cNvSpPr>
+            <a:spLocks noGrp="1"/>
+          </p:cNvSpPr>
+          <p:nvPr>
+            <p:ph type="body" idx="1"/>
+          </p:nvPr>
+        </p:nvSpPr>
+        <p:spPr/>
+        <p:txBody>
+          <a:bodyPr/>
+          <a:lstStyle/>
+          <a:p>
+            <a:pPr lvl="0"/>
+            <a:r>
+              <a:rPr lang="ru-RU" dirty="0" smtClean="0"/>
+              <a:t>Варианты исправления:</a:t>
+            </a:r>
+          </a:p>
+          <a:p>
+            <a:pPr lvl="0"/>
+            <a:r>
+              <a:rPr lang="ru-RU" sz="1200" kern="1200" dirty="0" smtClean="0">
+                <a:solidFill>
+                  <a:schemeClr val="tx1"/>
+                </a:solidFill>
+                <a:effectLst/>
+                <a:latin typeface="+mn-lt"/>
+                <a:ea typeface="+mn-ea"/>
+                <a:cs typeface="+mn-cs"/>
+              </a:rPr>
+              <a:t>Завести</a:t>
+            </a:r>
+            <a:r>
+              <a:rPr lang="ru-RU" sz="1200" kern="1200" baseline="0" dirty="0" smtClean="0">
+                <a:solidFill>
+                  <a:schemeClr val="tx1"/>
+                </a:solidFill>
+                <a:effectLst/>
+                <a:latin typeface="+mn-lt"/>
+                <a:ea typeface="+mn-ea"/>
+                <a:cs typeface="+mn-cs"/>
+              </a:rPr>
+              <a:t> локальные переменные</a:t>
+            </a:r>
+            <a:r>
+              <a:rPr lang="en-US" sz="1200" kern="1200" baseline="0" dirty="0" smtClean="0">
+                <a:solidFill>
+                  <a:schemeClr val="tx1"/>
+                </a:solidFill>
+                <a:effectLst/>
+                <a:latin typeface="+mn-lt"/>
+                <a:ea typeface="+mn-ea"/>
+                <a:cs typeface="+mn-cs"/>
+              </a:rPr>
+              <a:t> </a:t>
+            </a:r>
+            <a:r>
+              <a:rPr lang="ru-RU" sz="1200" kern="1200" baseline="0" dirty="0" smtClean="0">
+                <a:solidFill>
+                  <a:schemeClr val="tx1"/>
+                </a:solidFill>
+                <a:effectLst/>
+                <a:latin typeface="+mn-lt"/>
+                <a:ea typeface="+mn-ea"/>
+                <a:cs typeface="+mn-cs"/>
+              </a:rPr>
+              <a:t>и сначала записать все в них</a:t>
+            </a:r>
+          </a:p>
+          <a:p>
+            <a:pPr lvl="0"/>
+            <a:endParaRPr lang="ru-RU" sz="1200" kern="1200" baseline="0" dirty="0" smtClean="0">
+              <a:solidFill>
+                <a:schemeClr val="tx1"/>
+              </a:solidFill>
+              <a:effectLst/>
+              <a:latin typeface="+mn-lt"/>
+              <a:ea typeface="+mn-ea"/>
+              <a:cs typeface="+mn-cs"/>
+            </a:endParaRPr>
+          </a:p>
+          <a:p>
+            <a:pPr lvl="0"/>
+            <a:r>
+              <a:rPr lang="ru-RU" sz="1200" kern="1200" baseline="0" dirty="0" smtClean="0">
+                <a:solidFill>
+                  <a:schemeClr val="tx1"/>
+                </a:solidFill>
+                <a:effectLst/>
+                <a:latin typeface="+mn-lt"/>
+                <a:ea typeface="+mn-ea"/>
+                <a:cs typeface="+mn-cs"/>
+              </a:rPr>
+              <a:t>Откатываться в </a:t>
+            </a:r>
+            <a:r>
+              <a:rPr lang="en-US" sz="1200" kern="1200" baseline="0" dirty="0" smtClean="0">
+                <a:solidFill>
+                  <a:schemeClr val="tx1"/>
+                </a:solidFill>
+                <a:effectLst/>
+                <a:latin typeface="+mn-lt"/>
+                <a:ea typeface="+mn-ea"/>
+                <a:cs typeface="+mn-cs"/>
+              </a:rPr>
+              <a:t>catch</a:t>
+            </a:r>
+          </a:p>
+          <a:p>
+            <a:pPr lvl="0"/>
+            <a:endParaRPr lang="ru-RU" sz="1200" kern="1200" baseline="0" dirty="0" smtClean="0">
+              <a:solidFill>
+                <a:schemeClr val="tx1"/>
+              </a:solidFill>
+              <a:effectLst/>
+              <a:latin typeface="+mn-lt"/>
+              <a:ea typeface="+mn-ea"/>
+              <a:cs typeface="+mn-cs"/>
+            </a:endParaRPr>
+          </a:p>
+          <a:p>
+            <a:pPr lvl="0"/>
+            <a:r>
+              <a:rPr lang="ru-RU" sz="1200" kern="1200" baseline="0" dirty="0" smtClean="0">
+                <a:solidFill>
+                  <a:schemeClr val="tx1"/>
+                </a:solidFill>
+                <a:effectLst/>
+                <a:latin typeface="+mn-lt"/>
+                <a:ea typeface="+mn-ea"/>
+                <a:cs typeface="+mn-cs"/>
+              </a:rPr>
+              <a:t>Заменить </a:t>
+            </a:r>
+            <a:r>
+              <a:rPr lang="en-US" sz="1200" kern="1200" baseline="0" dirty="0" smtClean="0">
+                <a:solidFill>
+                  <a:schemeClr val="tx1"/>
+                </a:solidFill>
+                <a:effectLst/>
+                <a:latin typeface="+mn-lt"/>
+                <a:ea typeface="+mn-ea"/>
+                <a:cs typeface="+mn-cs"/>
+              </a:rPr>
+              <a:t>Add </a:t>
+            </a:r>
+            <a:r>
+              <a:rPr lang="ru-RU" sz="1200" kern="1200" baseline="0" dirty="0" smtClean="0">
+                <a:solidFill>
+                  <a:schemeClr val="tx1"/>
+                </a:solidFill>
+                <a:effectLst/>
+                <a:latin typeface="+mn-lt"/>
+                <a:ea typeface="+mn-ea"/>
+                <a:cs typeface="+mn-cs"/>
+              </a:rPr>
+              <a:t>на идемпотентную операцию (на </a:t>
+            </a:r>
+            <a:r>
+              <a:rPr lang="ru-RU" sz="1200" kern="1200" baseline="0" dirty="0" smtClean="0">
+                <a:solidFill>
+                  <a:schemeClr val="tx1"/>
+                </a:solidFill>
+                <a:effectLst/>
+                <a:latin typeface="+mn-lt"/>
+                <a:ea typeface="+mn-ea"/>
+                <a:cs typeface="+mn-cs"/>
+              </a:rPr>
+              <a:t>скобочки</a:t>
+            </a:r>
+            <a:r>
+              <a:rPr lang="en-US" sz="1200" kern="1200" baseline="0" dirty="0" smtClean="0">
+                <a:solidFill>
+                  <a:schemeClr val="tx1"/>
+                </a:solidFill>
+                <a:effectLst/>
+                <a:latin typeface="+mn-lt"/>
+                <a:ea typeface="+mn-ea"/>
+                <a:cs typeface="+mn-cs"/>
+              </a:rPr>
+              <a:t> </a:t>
+            </a:r>
+            <a:r>
+              <a:rPr lang="ru-RU" sz="1200" kern="1200" baseline="0" dirty="0" smtClean="0">
+                <a:solidFill>
+                  <a:schemeClr val="tx1"/>
+                </a:solidFill>
+                <a:effectLst/>
+                <a:latin typeface="+mn-lt"/>
+                <a:ea typeface="+mn-ea"/>
+                <a:cs typeface="+mn-cs"/>
+              </a:rPr>
+              <a:t>или </a:t>
+            </a:r>
+            <a:r>
+              <a:rPr lang="en-US" sz="1200" kern="1200" baseline="0" dirty="0" err="1" smtClean="0">
+                <a:solidFill>
+                  <a:schemeClr val="tx1"/>
+                </a:solidFill>
+                <a:effectLst/>
+                <a:latin typeface="+mn-lt"/>
+                <a:ea typeface="+mn-ea"/>
+                <a:cs typeface="+mn-cs"/>
+              </a:rPr>
+              <a:t>AddOrUpdate</a:t>
+            </a:r>
+            <a:r>
+              <a:rPr lang="ru-RU" sz="1200" kern="1200" baseline="0" dirty="0" smtClean="0">
+                <a:solidFill>
+                  <a:schemeClr val="tx1"/>
+                </a:solidFill>
+                <a:effectLst/>
+                <a:latin typeface="+mn-lt"/>
+                <a:ea typeface="+mn-ea"/>
+                <a:cs typeface="+mn-cs"/>
+              </a:rPr>
+              <a:t>)</a:t>
+            </a:r>
+            <a:endParaRPr lang="ru-RU" sz="1200" kern="1200" baseline="0" dirty="0" smtClean="0">
+              <a:solidFill>
+                <a:schemeClr val="tx1"/>
+              </a:solidFill>
+              <a:effectLst/>
+              <a:latin typeface="+mn-lt"/>
+              <a:ea typeface="+mn-ea"/>
+              <a:cs typeface="+mn-cs"/>
+            </a:endParaRPr>
+          </a:p>
+          <a:p>
+            <a:pPr lvl="0"/>
+            <a:endParaRPr lang="ru-RU" sz="1200" kern="1200" baseline="0" dirty="0" smtClean="0">
+              <a:solidFill>
+                <a:schemeClr val="tx1"/>
+              </a:solidFill>
+              <a:effectLst/>
+              <a:latin typeface="+mn-lt"/>
+              <a:ea typeface="+mn-ea"/>
+              <a:cs typeface="+mn-cs"/>
+            </a:endParaRPr>
+          </a:p>
+          <a:p>
+            <a:pPr lvl="0"/>
+            <a:r>
+              <a:rPr lang="ru-RU" sz="1200" kern="1200" baseline="0" dirty="0" smtClean="0">
+                <a:solidFill>
+                  <a:schemeClr val="tx1"/>
+                </a:solidFill>
+                <a:effectLst/>
+                <a:latin typeface="+mn-lt"/>
+                <a:ea typeface="+mn-ea"/>
+                <a:cs typeface="+mn-cs"/>
+              </a:rPr>
+              <a:t>В веб-приложениях про </a:t>
+            </a:r>
+            <a:r>
+              <a:rPr lang="ru-RU" sz="1200" kern="1200" baseline="0" dirty="0" err="1" smtClean="0">
+                <a:solidFill>
+                  <a:schemeClr val="tx1"/>
+                </a:solidFill>
+                <a:effectLst/>
+                <a:latin typeface="+mn-lt"/>
+                <a:ea typeface="+mn-ea"/>
+                <a:cs typeface="+mn-cs"/>
+              </a:rPr>
+              <a:t>консистентность</a:t>
+            </a:r>
+            <a:r>
+              <a:rPr lang="ru-RU" sz="1200" kern="1200" baseline="0" dirty="0" smtClean="0">
+                <a:solidFill>
+                  <a:schemeClr val="tx1"/>
+                </a:solidFill>
+                <a:effectLst/>
+                <a:latin typeface="+mn-lt"/>
+                <a:ea typeface="+mn-ea"/>
+                <a:cs typeface="+mn-cs"/>
+              </a:rPr>
+              <a:t> нужно думать только в кэшах и других долгоживущих объектах (в десктопах – в больших моделях данных)</a:t>
+            </a:r>
+            <a:endParaRPr lang="ru-RU" sz="1200" kern="1200" dirty="0">
+              <a:solidFill>
+                <a:schemeClr val="tx1"/>
+              </a:solidFill>
+              <a:effectLst/>
+              <a:latin typeface="+mn-lt"/>
+              <a:ea typeface="+mn-ea"/>
+              <a:cs typeface="+mn-cs"/>
+            </a:endParaRPr>
+          </a:p>
+        </p:txBody>
+      </p:sp>
+      <p:sp>
+        <p:nvSpPr>
+          <p:cNvPr id="4" name="Номер слайда 3"/>
+          <p:cNvSpPr>
+            <a:spLocks noGrp="1"/>
+          </p:cNvSpPr>
+          <p:nvPr>
+            <p:ph type="sldNum" sz="quarter" idx="10"/>
+          </p:nvPr>
+        </p:nvSpPr>
+        <p:spPr/>
+        <p:txBody>
+          <a:bodyPr/>
+          <a:lstStyle/>
+          <a:p>
+            <a:fld id="{3BAECB10-9972-4830-A584-02C41DAFD45B}" type="slidenum">
+              <a:rPr lang="ru-RU" smtClean="0"/>
+              <a:t>6</a:t>
+            </a:fld>
+            <a:endParaRPr lang="ru-RU"/>
+          </a:p>
+        </p:txBody>
+      </p:sp>
+    </p:spTree>
+    <p:extLst>
+      <p:ext uri="{BB962C8B-B14F-4D97-AF65-F5344CB8AC3E}">
+        <p14:creationId xmlns:p14="http://schemas.microsoft.com/office/powerpoint/2010/main" val="4184584433"/>
+      </p:ext>
+    </p:extLst>
+  </p:cSld>
+  <p:clrMapOvr>
+    <a:masterClrMapping/>
+  </p:clrMapOvr>
+</p:notes>
+</file>
+
+<file path=ppt/notesSlides/notesSlide6.xml><?xml version="1.0" encoding="utf-8"?>
+<p:notes xmlns:a="http://schemas.openxmlformats.org/drawingml/2006/main" xmlns:r="http://schemas.openxmlformats.org/officeDocument/2006/relationships" xmlns:p="http://schemas.openxmlformats.org/presentationml/2006/main">
+  <p:cSld>
+    <p:spTree>
+      <p:nvGrpSpPr>
+        <p:cNvPr id="1" name=""/>
+        <p:cNvGrpSpPr/>
+        <p:nvPr/>
+      </p:nvGrpSpPr>
+      <p:grpSpPr>
+        <a:xfrm>
+          <a:off x="0" y="0"/>
+          <a:ext cx="0" cy="0"/>
+          <a:chOff x="0" y="0"/>
+          <a:chExt cx="0" cy="0"/>
+        </a:xfrm>
+      </p:grpSpPr>
+      <p:sp>
+        <p:nvSpPr>
+          <p:cNvPr id="2" name="Образ слайда 1"/>
+          <p:cNvSpPr>
+            <a:spLocks noGrp="1" noRot="1" noChangeAspect="1"/>
+          </p:cNvSpPr>
+          <p:nvPr>
+            <p:ph type="sldImg"/>
+          </p:nvPr>
+        </p:nvSpPr>
+        <p:spPr/>
+      </p:sp>
+      <p:sp>
+        <p:nvSpPr>
+          <p:cNvPr id="3" name="Заметки 2"/>
+          <p:cNvSpPr>
+            <a:spLocks noGrp="1"/>
+          </p:cNvSpPr>
+          <p:nvPr>
+            <p:ph type="body" idx="1"/>
+          </p:nvPr>
+        </p:nvSpPr>
+        <p:spPr/>
+        <p:txBody>
+          <a:bodyPr/>
+          <a:lstStyle/>
+          <a:p>
+            <a:r>
+              <a:rPr lang="en-US" dirty="0" smtClean="0"/>
+              <a:t>Maybe</a:t>
+            </a:r>
+            <a:r>
+              <a:rPr lang="en-US" baseline="0" dirty="0" smtClean="0"/>
+              <a:t> – </a:t>
+            </a:r>
+            <a:r>
+              <a:rPr lang="ru-RU" baseline="0" dirty="0" smtClean="0"/>
+              <a:t>в следующем блоке</a:t>
+            </a:r>
+          </a:p>
+          <a:p>
+            <a:endParaRPr lang="ru-RU" baseline="0" dirty="0" smtClean="0"/>
+          </a:p>
+          <a:p>
+            <a:r>
+              <a:rPr lang="ru-RU" baseline="0" dirty="0" smtClean="0"/>
+              <a:t>Именование – если </a:t>
+            </a:r>
+            <a:r>
+              <a:rPr lang="en-US" baseline="0" dirty="0" smtClean="0"/>
+              <a:t>Get – </a:t>
+            </a:r>
+            <a:r>
+              <a:rPr lang="ru-RU" baseline="0" dirty="0" smtClean="0"/>
+              <a:t>он не должен вернуть </a:t>
+            </a:r>
+            <a:r>
+              <a:rPr lang="ru-RU" baseline="0" dirty="0" err="1" smtClean="0"/>
+              <a:t>нул</a:t>
+            </a:r>
+            <a:endParaRPr lang="ru-RU" dirty="0"/>
+          </a:p>
+        </p:txBody>
+      </p:sp>
+      <p:sp>
+        <p:nvSpPr>
+          <p:cNvPr id="4" name="Номер слайда 3"/>
+          <p:cNvSpPr>
+            <a:spLocks noGrp="1"/>
+          </p:cNvSpPr>
+          <p:nvPr>
+            <p:ph type="sldNum" sz="quarter" idx="10"/>
+          </p:nvPr>
+        </p:nvSpPr>
+        <p:spPr/>
+        <p:txBody>
+          <a:bodyPr/>
+          <a:lstStyle/>
+          <a:p>
+            <a:fld id="{3BAECB10-9972-4830-A584-02C41DAFD45B}" type="slidenum">
+              <a:rPr lang="ru-RU" smtClean="0"/>
+              <a:t>7</a:t>
+            </a:fld>
+            <a:endParaRPr lang="ru-RU"/>
+          </a:p>
+        </p:txBody>
+      </p:sp>
+    </p:spTree>
+    <p:extLst>
+      <p:ext uri="{BB962C8B-B14F-4D97-AF65-F5344CB8AC3E}">
+        <p14:creationId xmlns:p14="http://schemas.microsoft.com/office/powerpoint/2010/main" val="810167519"/>
+      </p:ext>
+    </p:extLst>
+  </p:cSld>
+  <p:clrMapOvr>
+    <a:masterClrMapping/>
+  </p:clrMapOvr>
+</p:notes>
+</file>
+
+<file path=ppt/notesSlides/notesSlide7.xml><?xml version="1.0" encoding="utf-8"?>
+<p:notes xmlns:a="http://schemas.openxmlformats.org/drawingml/2006/main" xmlns:r="http://schemas.openxmlformats.org/officeDocument/2006/relationships" xmlns:p="http://schemas.openxmlformats.org/presentationml/2006/main">
+  <p:cSld>
+    <p:spTree>
+      <p:nvGrpSpPr>
+        <p:cNvPr id="1" name=""/>
+        <p:cNvGrpSpPr/>
+        <p:nvPr/>
+      </p:nvGrpSpPr>
+      <p:grpSpPr>
+        <a:xfrm>
+          <a:off x="0" y="0"/>
+          <a:ext cx="0" cy="0"/>
+          <a:chOff x="0" y="0"/>
+          <a:chExt cx="0" cy="0"/>
+        </a:xfrm>
+      </p:grpSpPr>
+      <p:sp>
+        <p:nvSpPr>
+          <p:cNvPr id="2" name="Образ слайда 1"/>
+          <p:cNvSpPr>
+            <a:spLocks noGrp="1" noRot="1" noChangeAspect="1"/>
+          </p:cNvSpPr>
+          <p:nvPr>
+            <p:ph type="sldImg"/>
+          </p:nvPr>
+        </p:nvSpPr>
+        <p:spPr/>
+      </p:sp>
+      <p:sp>
+        <p:nvSpPr>
+          <p:cNvPr id="3" name="Заметки 2"/>
+          <p:cNvSpPr>
+            <a:spLocks noGrp="1"/>
+          </p:cNvSpPr>
+          <p:nvPr>
+            <p:ph type="body" idx="1"/>
+          </p:nvPr>
+        </p:nvSpPr>
+        <p:spPr/>
+        <p:txBody>
+          <a:bodyPr/>
+          <a:lstStyle/>
+          <a:p>
+            <a:r>
+              <a:rPr lang="ru-RU" dirty="0" smtClean="0"/>
+              <a:t>Правильные параметры помогают  предусмотреть такие исключения</a:t>
+            </a:r>
+            <a:endParaRPr lang="ru-RU" dirty="0"/>
+          </a:p>
+        </p:txBody>
+      </p:sp>
+      <p:sp>
+        <p:nvSpPr>
+          <p:cNvPr id="4" name="Номер слайда 3"/>
+          <p:cNvSpPr>
+            <a:spLocks noGrp="1"/>
+          </p:cNvSpPr>
+          <p:nvPr>
+            <p:ph type="sldNum" sz="quarter" idx="10"/>
+          </p:nvPr>
+        </p:nvSpPr>
+        <p:spPr/>
+        <p:txBody>
+          <a:bodyPr/>
+          <a:lstStyle/>
+          <a:p>
+            <a:fld id="{3BAECB10-9972-4830-A584-02C41DAFD45B}" type="slidenum">
+              <a:rPr lang="ru-RU" smtClean="0"/>
+              <a:t>8</a:t>
+            </a:fld>
+            <a:endParaRPr lang="ru-RU"/>
+          </a:p>
+        </p:txBody>
+      </p:sp>
+    </p:spTree>
+    <p:extLst>
+      <p:ext uri="{BB962C8B-B14F-4D97-AF65-F5344CB8AC3E}">
+        <p14:creationId xmlns:p14="http://schemas.microsoft.com/office/powerpoint/2010/main" val="1036513183"/>
+      </p:ext>
+    </p:extLst>
+  </p:cSld>
+  <p:clrMapOvr>
+    <a:masterClrMapping/>
+  </p:clrMapOvr>
+</p:notes>
+</file>
+
+<file path=ppt/notesSlides/notesSlide8.xml><?xml version="1.0" encoding="utf-8"?>
+<p:notes xmlns:a="http://schemas.openxmlformats.org/drawingml/2006/main" xmlns:r="http://schemas.openxmlformats.org/officeDocument/2006/relationships" xmlns:p="http://schemas.openxmlformats.org/presentationml/2006/main">
+  <p:cSld>
+    <p:spTree>
+      <p:nvGrpSpPr>
+        <p:cNvPr id="1" name=""/>
+        <p:cNvGrpSpPr/>
+        <p:nvPr/>
+      </p:nvGrpSpPr>
+      <p:grpSpPr>
+        <a:xfrm>
+          <a:off x="0" y="0"/>
+          <a:ext cx="0" cy="0"/>
+          <a:chOff x="0" y="0"/>
+          <a:chExt cx="0" cy="0"/>
+        </a:xfrm>
+      </p:grpSpPr>
+      <p:sp>
+        <p:nvSpPr>
+          <p:cNvPr id="2" name="Образ слайда 1"/>
+          <p:cNvSpPr>
+            <a:spLocks noGrp="1" noRot="1" noChangeAspect="1"/>
+          </p:cNvSpPr>
+          <p:nvPr>
+            <p:ph type="sldImg"/>
+          </p:nvPr>
+        </p:nvSpPr>
+        <p:spPr/>
+      </p:sp>
+      <p:sp>
+        <p:nvSpPr>
+          <p:cNvPr id="3" name="Заметки 2"/>
+          <p:cNvSpPr>
+            <a:spLocks noGrp="1"/>
+          </p:cNvSpPr>
+          <p:nvPr>
+            <p:ph type="body" idx="1"/>
+          </p:nvPr>
+        </p:nvSpPr>
+        <p:spPr/>
+        <p:txBody>
+          <a:bodyPr/>
+          <a:lstStyle/>
+          <a:p>
+            <a:r>
+              <a:rPr lang="ru-RU" dirty="0" err="1" smtClean="0"/>
+              <a:t>Интерактив</a:t>
+            </a:r>
+            <a:endParaRPr lang="ru-RU" dirty="0" smtClean="0"/>
+          </a:p>
+          <a:p>
+            <a:r>
+              <a:rPr lang="ru-RU" dirty="0" smtClean="0"/>
+              <a:t>Бывает, бизнес-логика или реальный мир предполагает исключения, тогда быстро</a:t>
+            </a:r>
+            <a:r>
+              <a:rPr lang="ru-RU" baseline="0" dirty="0" smtClean="0"/>
+              <a:t> перехватываем и обрабатываем их</a:t>
+            </a:r>
+          </a:p>
+          <a:p>
+            <a:r>
+              <a:rPr lang="ru-RU" baseline="0" dirty="0" smtClean="0"/>
+              <a:t>Пример кода с конкретизированными исключениями?</a:t>
+            </a:r>
+          </a:p>
+          <a:p>
+            <a:r>
+              <a:rPr lang="ru-RU" baseline="0" dirty="0" smtClean="0"/>
+              <a:t>Особые виды исключений, которые разработчику захочется обрабатывать общим образом?</a:t>
+            </a:r>
+            <a:endParaRPr lang="ru-RU" dirty="0"/>
+          </a:p>
+        </p:txBody>
+      </p:sp>
+      <p:sp>
+        <p:nvSpPr>
+          <p:cNvPr id="4" name="Номер слайда 3"/>
+          <p:cNvSpPr>
+            <a:spLocks noGrp="1"/>
+          </p:cNvSpPr>
+          <p:nvPr>
+            <p:ph type="sldNum" sz="quarter" idx="10"/>
+          </p:nvPr>
+        </p:nvSpPr>
+        <p:spPr/>
+        <p:txBody>
+          <a:bodyPr/>
+          <a:lstStyle/>
+          <a:p>
+            <a:fld id="{3BAECB10-9972-4830-A584-02C41DAFD45B}" type="slidenum">
+              <a:rPr lang="ru-RU" smtClean="0"/>
+              <a:t>10</a:t>
+            </a:fld>
+            <a:endParaRPr lang="ru-RU"/>
+          </a:p>
+        </p:txBody>
+      </p:sp>
+    </p:spTree>
+    <p:extLst>
+      <p:ext uri="{BB962C8B-B14F-4D97-AF65-F5344CB8AC3E}">
+        <p14:creationId xmlns:p14="http://schemas.microsoft.com/office/powerpoint/2010/main" val="1941182531"/>
+      </p:ext>
+    </p:extLst>
+  </p:cSld>
+  <p:clrMapOvr>
+    <a:masterClrMapping/>
+  </p:clrMapOvr>
+</p:notes>
+</file>
+
+<file path=ppt/notesSlides/notesSlide9.xml><?xml version="1.0" encoding="utf-8"?>
+<p:notes xmlns:a="http://schemas.openxmlformats.org/drawingml/2006/main" xmlns:r="http://schemas.openxmlformats.org/officeDocument/2006/relationships" xmlns:p="http://schemas.openxmlformats.org/presentationml/2006/main">
+  <p:cSld>
+    <p:spTree>
+      <p:nvGrpSpPr>
+        <p:cNvPr id="1" name=""/>
+        <p:cNvGrpSpPr/>
+        <p:nvPr/>
+      </p:nvGrpSpPr>
+      <p:grpSpPr>
+        <a:xfrm>
+          <a:off x="0" y="0"/>
+          <a:ext cx="0" cy="0"/>
+          <a:chOff x="0" y="0"/>
+          <a:chExt cx="0" cy="0"/>
+        </a:xfrm>
+      </p:grpSpPr>
+      <p:sp>
+        <p:nvSpPr>
+          <p:cNvPr id="2" name="Образ слайда 1"/>
+          <p:cNvSpPr>
+            <a:spLocks noGrp="1" noRot="1" noChangeAspect="1"/>
+          </p:cNvSpPr>
+          <p:nvPr>
+            <p:ph type="sldImg"/>
+          </p:nvPr>
+        </p:nvSpPr>
+        <p:spPr/>
+      </p:sp>
+      <p:sp>
+        <p:nvSpPr>
+          <p:cNvPr id="3" name="Заметки 2"/>
+          <p:cNvSpPr>
+            <a:spLocks noGrp="1"/>
+          </p:cNvSpPr>
+          <p:nvPr>
+            <p:ph type="body" idx="1"/>
+          </p:nvPr>
+        </p:nvSpPr>
+        <p:spPr/>
+        <p:txBody>
+          <a:bodyPr/>
+          <a:lstStyle/>
+          <a:p>
+            <a:r>
+              <a:rPr lang="ru-RU" dirty="0" smtClean="0"/>
+              <a:t>Х300</a:t>
+            </a:r>
+            <a:r>
+              <a:rPr lang="ru-RU" baseline="0" dirty="0" smtClean="0"/>
+              <a:t> – медленнее в 300 раз</a:t>
+            </a:r>
+          </a:p>
+          <a:p>
+            <a:r>
+              <a:rPr lang="ru-RU" baseline="0" dirty="0" smtClean="0"/>
+              <a:t>То есть, если ситуация частая – это очень дорого</a:t>
+            </a:r>
+          </a:p>
+          <a:p>
+            <a:endParaRPr lang="ru-RU" dirty="0"/>
+          </a:p>
+        </p:txBody>
+      </p:sp>
+      <p:sp>
+        <p:nvSpPr>
+          <p:cNvPr id="4" name="Номер слайда 3"/>
+          <p:cNvSpPr>
+            <a:spLocks noGrp="1"/>
+          </p:cNvSpPr>
+          <p:nvPr>
+            <p:ph type="sldNum" sz="quarter" idx="10"/>
+          </p:nvPr>
+        </p:nvSpPr>
+        <p:spPr/>
+        <p:txBody>
+          <a:bodyPr/>
+          <a:lstStyle/>
+          <a:p>
+            <a:fld id="{3BAECB10-9972-4830-A584-02C41DAFD45B}" type="slidenum">
+              <a:rPr lang="ru-RU" smtClean="0"/>
+              <a:t>11</a:t>
+            </a:fld>
+            <a:endParaRPr lang="ru-RU"/>
+          </a:p>
+        </p:txBody>
+      </p:sp>
+    </p:spTree>
+    <p:extLst>
+      <p:ext uri="{BB962C8B-B14F-4D97-AF65-F5344CB8AC3E}">
+        <p14:creationId xmlns:p14="http://schemas.microsoft.com/office/powerpoint/2010/main" val="2845657030"/>
       </p:ext>
     </p:extLst>
   </p:cSld>
@@ -11972,13 +13705,13 @@
           <a:p>
             <a:r>
               <a:rPr lang="en-US" dirty="0">
-                <a:hlinkClick r:id="rId2"/>
+                <a:hlinkClick r:id="rId3"/>
               </a:rPr>
               <a:t>https://github.com/kontur-csharper/</a:t>
             </a:r>
             <a:r>
               <a:rPr lang="en-US" b="1" dirty="0">
-                <a:hlinkClick r:id="rId2"/>
+                <a:hlinkClick r:id="rId3"/>
               </a:rPr>
               <a:t>exceptions</a:t>
             </a:r>
@@ -12009,6 +13742,16 @@
           <a:bodyPr/>
           <a:lstStyle/>
           <a:p>
+            <a:r>
+              <a:rPr lang="ru-RU" dirty="0" smtClean="0"/>
+              <a:t>Полина Зонова</a:t>
+            </a:r>
+          </a:p>
+          <a:p>
+            <a:r>
+              <a:rPr lang="ru-RU" dirty="0" smtClean="0"/>
+              <a:t>Евгений Пешков</a:t>
+            </a:r>
             <a:endParaRPr lang="en-US" dirty="0"/>
           </a:p>
         </p:txBody>
@@ -12022,7 +13765,7 @@
           <p:nvPr/>
         </p:nvPicPr>
         <p:blipFill>
-          <a:blip r:embed="rId3" cstate="print">
+          <a:blip r:embed="rId4" cstate="print">
             <a:extLst>
               <a:ext uri="{28A0092B-C50C-407E-A947-70E740481C1C}">
                 <a14:useLocalDpi xmlns:a14="http://schemas.microsoft.com/office/drawing/2010/main" val="0"/>
@@ -15647,6 +17390,634 @@
       </p:grpSpPr>
       <p:sp>
         <p:nvSpPr>
+          <p:cNvPr id="3" name="Объект 2"/>
+          <p:cNvSpPr>
+            <a:spLocks noGrp="1"/>
+          </p:cNvSpPr>
+          <p:nvPr>
+            <p:ph sz="quarter" idx="13"/>
+          </p:nvPr>
+        </p:nvSpPr>
+        <p:spPr>
+          <a:xfrm>
+            <a:off x="1295400" y="1916113"/>
+            <a:ext cx="9601200" cy="4392612"/>
+          </a:xfrm>
+        </p:spPr>
+        <p:txBody>
+          <a:bodyPr>
+            <a:normAutofit lnSpcReduction="10000"/>
+          </a:bodyPr>
+          <a:lstStyle/>
+          <a:p>
+            <a:pPr marL="0" indent="0">
+              <a:buNone/>
+            </a:pPr>
+            <a:r>
+              <a:rPr lang="en-US" sz="2400" dirty="0">
+                <a:solidFill>
+                  <a:srgbClr val="0000FF"/>
+                </a:solidFill>
+                <a:highlight>
+                  <a:srgbClr val="FFFFFF"/>
+                </a:highlight>
+                <a:latin typeface="Consolas" panose="020B0609020204030204" pitchFamily="49" charset="0"/>
+              </a:rPr>
+              <a:t>public</a:t>
+            </a:r>
+            <a:r>
+              <a:rPr lang="en-US" sz="2400" dirty="0">
+                <a:solidFill>
+                  <a:srgbClr val="000000"/>
+                </a:solidFill>
+                <a:highlight>
+                  <a:srgbClr val="FFFFFF"/>
+                </a:highlight>
+                <a:latin typeface="Consolas" panose="020B0609020204030204" pitchFamily="49" charset="0"/>
+              </a:rPr>
+              <a:t> </a:t>
+            </a:r>
+            <a:r>
+              <a:rPr lang="en-US" sz="2400" dirty="0">
+                <a:solidFill>
+                  <a:srgbClr val="0000FF"/>
+                </a:solidFill>
+                <a:highlight>
+                  <a:srgbClr val="FFFFFF"/>
+                </a:highlight>
+                <a:latin typeface="Consolas" panose="020B0609020204030204" pitchFamily="49" charset="0"/>
+              </a:rPr>
+              <a:t>double</a:t>
+            </a:r>
+            <a:r>
+              <a:rPr lang="en-US" sz="2400" dirty="0">
+                <a:solidFill>
+                  <a:srgbClr val="000000"/>
+                </a:solidFill>
+                <a:highlight>
+                  <a:srgbClr val="FFFFFF"/>
+                </a:highlight>
+                <a:latin typeface="Consolas" panose="020B0609020204030204" pitchFamily="49" charset="0"/>
+              </a:rPr>
+              <a:t>[] </a:t>
+            </a:r>
+            <a:r>
+              <a:rPr lang="en-US" sz="2400" dirty="0" err="1">
+                <a:solidFill>
+                  <a:srgbClr val="000000"/>
+                </a:solidFill>
+                <a:highlight>
+                  <a:srgbClr val="FFFFFF"/>
+                </a:highlight>
+                <a:latin typeface="Consolas" panose="020B0609020204030204" pitchFamily="49" charset="0"/>
+              </a:rPr>
+              <a:t>ParseLine</a:t>
+            </a:r>
+            <a:r>
+              <a:rPr lang="en-US" sz="2400" dirty="0">
+                <a:solidFill>
+                  <a:srgbClr val="000000"/>
+                </a:solidFill>
+                <a:highlight>
+                  <a:srgbClr val="FFFFFF"/>
+                </a:highlight>
+                <a:latin typeface="Consolas" panose="020B0609020204030204" pitchFamily="49" charset="0"/>
+              </a:rPr>
+              <a:t>(</a:t>
+            </a:r>
+            <a:r>
+              <a:rPr lang="en-US" sz="2400" dirty="0">
+                <a:solidFill>
+                  <a:srgbClr val="0000FF"/>
+                </a:solidFill>
+                <a:highlight>
+                  <a:srgbClr val="FFFFFF"/>
+                </a:highlight>
+                <a:latin typeface="Consolas" panose="020B0609020204030204" pitchFamily="49" charset="0"/>
+              </a:rPr>
+              <a:t>string</a:t>
+            </a:r>
+            <a:r>
+              <a:rPr lang="en-US" sz="2400" dirty="0">
+                <a:solidFill>
+                  <a:srgbClr val="000000"/>
+                </a:solidFill>
+                <a:highlight>
+                  <a:srgbClr val="FFFFFF"/>
+                </a:highlight>
+                <a:latin typeface="Consolas" panose="020B0609020204030204" pitchFamily="49" charset="0"/>
+              </a:rPr>
+              <a:t> line) </a:t>
+            </a:r>
+            <a:r>
+              <a:rPr lang="ru-RU" sz="2400" dirty="0">
+                <a:solidFill>
+                  <a:srgbClr val="000000"/>
+                </a:solidFill>
+                <a:highlight>
+                  <a:srgbClr val="FFFFFF"/>
+                </a:highlight>
+                <a:latin typeface="Consolas" panose="020B0609020204030204" pitchFamily="49" charset="0"/>
+              </a:rPr>
+              <a:t>{</a:t>
+            </a:r>
+          </a:p>
+          <a:p>
+            <a:pPr marL="0" indent="0">
+              <a:buNone/>
+            </a:pPr>
+            <a:r>
+              <a:rPr lang="en-US" sz="2400" dirty="0">
+                <a:solidFill>
+                  <a:srgbClr val="000000"/>
+                </a:solidFill>
+                <a:highlight>
+                  <a:srgbClr val="FFFFFF"/>
+                </a:highlight>
+                <a:latin typeface="Consolas" panose="020B0609020204030204" pitchFamily="49" charset="0"/>
+              </a:rPr>
+              <a:t>    </a:t>
+            </a:r>
+            <a:r>
+              <a:rPr lang="en-US" sz="2400" dirty="0">
+                <a:solidFill>
+                  <a:srgbClr val="0000FF"/>
+                </a:solidFill>
+                <a:highlight>
+                  <a:srgbClr val="FFFFFF"/>
+                </a:highlight>
+                <a:latin typeface="Consolas" panose="020B0609020204030204" pitchFamily="49" charset="0"/>
+              </a:rPr>
+              <a:t>try </a:t>
+            </a:r>
+            <a:r>
+              <a:rPr lang="ru-RU" sz="2400" dirty="0">
+                <a:solidFill>
+                  <a:srgbClr val="000000"/>
+                </a:solidFill>
+                <a:highlight>
+                  <a:srgbClr val="FFFFFF"/>
+                </a:highlight>
+                <a:latin typeface="Consolas" panose="020B0609020204030204" pitchFamily="49" charset="0"/>
+              </a:rPr>
+              <a:t>{</a:t>
+            </a:r>
+          </a:p>
+          <a:p>
+            <a:pPr marL="0" indent="0">
+              <a:buNone/>
+            </a:pPr>
+            <a:r>
+              <a:rPr lang="en-US" sz="2400" dirty="0">
+                <a:solidFill>
+                  <a:srgbClr val="000000"/>
+                </a:solidFill>
+                <a:highlight>
+                  <a:srgbClr val="FFFFFF"/>
+                </a:highlight>
+                <a:latin typeface="Consolas" panose="020B0609020204030204" pitchFamily="49" charset="0"/>
+              </a:rPr>
+              <a:t>        </a:t>
+            </a:r>
+            <a:r>
+              <a:rPr lang="en-US" sz="2400" dirty="0">
+                <a:solidFill>
+                  <a:srgbClr val="0000FF"/>
+                </a:solidFill>
+                <a:highlight>
+                  <a:srgbClr val="FFFFFF"/>
+                </a:highlight>
+                <a:latin typeface="Consolas" panose="020B0609020204030204" pitchFamily="49" charset="0"/>
+              </a:rPr>
+              <a:t>return</a:t>
+            </a:r>
+            <a:r>
+              <a:rPr lang="en-US" sz="2400" dirty="0">
+                <a:solidFill>
+                  <a:srgbClr val="000000"/>
+                </a:solidFill>
+                <a:highlight>
+                  <a:srgbClr val="FFFFFF"/>
+                </a:highlight>
+                <a:latin typeface="Consolas" panose="020B0609020204030204" pitchFamily="49" charset="0"/>
+              </a:rPr>
+              <a:t> </a:t>
+            </a:r>
+            <a:r>
+              <a:rPr lang="en-US" sz="2400" dirty="0" err="1">
+                <a:solidFill>
+                  <a:srgbClr val="000000"/>
+                </a:solidFill>
+                <a:highlight>
+                  <a:srgbClr val="FFFFFF"/>
+                </a:highlight>
+                <a:latin typeface="Consolas" panose="020B0609020204030204" pitchFamily="49" charset="0"/>
+              </a:rPr>
+              <a:t>line.Split</a:t>
+            </a:r>
+            <a:r>
+              <a:rPr lang="en-US" sz="2400" dirty="0">
+                <a:solidFill>
+                  <a:srgbClr val="000000"/>
+                </a:solidFill>
+                <a:highlight>
+                  <a:srgbClr val="FFFFFF"/>
+                </a:highlight>
+                <a:latin typeface="Consolas" panose="020B0609020204030204" pitchFamily="49" charset="0"/>
+              </a:rPr>
+              <a:t>()</a:t>
+            </a:r>
+            <a:endParaRPr lang="ru-RU" sz="2400" dirty="0">
+              <a:solidFill>
+                <a:srgbClr val="000000"/>
+              </a:solidFill>
+              <a:highlight>
+                <a:srgbClr val="FFFFFF"/>
+              </a:highlight>
+              <a:latin typeface="Consolas" panose="020B0609020204030204" pitchFamily="49" charset="0"/>
+            </a:endParaRPr>
+          </a:p>
+          <a:p>
+            <a:pPr marL="0" indent="0">
+              <a:buNone/>
+            </a:pPr>
+            <a:r>
+              <a:rPr lang="ru-RU" sz="2400" dirty="0">
+                <a:solidFill>
+                  <a:srgbClr val="000000"/>
+                </a:solidFill>
+                <a:highlight>
+                  <a:srgbClr val="FFFFFF"/>
+                </a:highlight>
+                <a:latin typeface="Consolas" panose="020B0609020204030204" pitchFamily="49" charset="0"/>
+              </a:rPr>
+              <a:t>            </a:t>
+            </a:r>
+            <a:r>
+              <a:rPr lang="en-US" sz="2400" dirty="0">
+                <a:solidFill>
+                  <a:srgbClr val="000000"/>
+                </a:solidFill>
+                <a:highlight>
+                  <a:srgbClr val="FFFFFF"/>
+                </a:highlight>
+                <a:latin typeface="Consolas" panose="020B0609020204030204" pitchFamily="49" charset="0"/>
+              </a:rPr>
+              <a:t>.Select(</a:t>
+            </a:r>
+            <a:r>
+              <a:rPr lang="en-US" sz="2400" dirty="0" err="1">
+                <a:solidFill>
+                  <a:srgbClr val="0000FF"/>
+                </a:solidFill>
+                <a:highlight>
+                  <a:srgbClr val="FFFFFF"/>
+                </a:highlight>
+                <a:latin typeface="Consolas" panose="020B0609020204030204" pitchFamily="49" charset="0"/>
+              </a:rPr>
+              <a:t>double</a:t>
+            </a:r>
+            <a:r>
+              <a:rPr lang="en-US" sz="2400" dirty="0" err="1">
+                <a:solidFill>
+                  <a:srgbClr val="000000"/>
+                </a:solidFill>
+                <a:highlight>
+                  <a:srgbClr val="FFFFFF"/>
+                </a:highlight>
+                <a:latin typeface="Consolas" panose="020B0609020204030204" pitchFamily="49" charset="0"/>
+              </a:rPr>
+              <a:t>.Parse</a:t>
+            </a:r>
+            <a:r>
+              <a:rPr lang="en-US" sz="2400" dirty="0">
+                <a:solidFill>
+                  <a:srgbClr val="000000"/>
+                </a:solidFill>
+                <a:highlight>
+                  <a:srgbClr val="FFFFFF"/>
+                </a:highlight>
+                <a:latin typeface="Consolas" panose="020B0609020204030204" pitchFamily="49" charset="0"/>
+              </a:rPr>
+              <a:t>).</a:t>
+            </a:r>
+            <a:r>
+              <a:rPr lang="en-US" sz="2400" dirty="0" err="1">
+                <a:solidFill>
+                  <a:srgbClr val="000000"/>
+                </a:solidFill>
+                <a:highlight>
+                  <a:srgbClr val="FFFFFF"/>
+                </a:highlight>
+                <a:latin typeface="Consolas" panose="020B0609020204030204" pitchFamily="49" charset="0"/>
+              </a:rPr>
+              <a:t>ToArray</a:t>
+            </a:r>
+            <a:r>
+              <a:rPr lang="en-US" sz="2400" dirty="0">
+                <a:solidFill>
+                  <a:srgbClr val="000000"/>
+                </a:solidFill>
+                <a:highlight>
+                  <a:srgbClr val="FFFFFF"/>
+                </a:highlight>
+                <a:latin typeface="Consolas" panose="020B0609020204030204" pitchFamily="49" charset="0"/>
+              </a:rPr>
+              <a:t>();</a:t>
+            </a:r>
+          </a:p>
+          <a:p>
+            <a:pPr marL="0" indent="0">
+              <a:buNone/>
+            </a:pPr>
+            <a:r>
+              <a:rPr lang="ru-RU" sz="2400" dirty="0">
+                <a:solidFill>
+                  <a:srgbClr val="000000"/>
+                </a:solidFill>
+                <a:highlight>
+                  <a:srgbClr val="FFFFFF"/>
+                </a:highlight>
+                <a:latin typeface="Consolas" panose="020B0609020204030204" pitchFamily="49" charset="0"/>
+              </a:rPr>
+              <a:t>    }</a:t>
+            </a:r>
+          </a:p>
+          <a:p>
+            <a:pPr marL="0" indent="0">
+              <a:buNone/>
+            </a:pPr>
+            <a:r>
+              <a:rPr lang="en-US" sz="2400" dirty="0">
+                <a:solidFill>
+                  <a:srgbClr val="000000"/>
+                </a:solidFill>
+                <a:highlight>
+                  <a:srgbClr val="FFFFFF"/>
+                </a:highlight>
+                <a:latin typeface="Consolas" panose="020B0609020204030204" pitchFamily="49" charset="0"/>
+              </a:rPr>
+              <a:t>    </a:t>
+            </a:r>
+            <a:r>
+              <a:rPr lang="en-US" sz="2400" dirty="0">
+                <a:solidFill>
+                  <a:srgbClr val="0000FF"/>
+                </a:solidFill>
+                <a:highlight>
+                  <a:srgbClr val="FFFFFF"/>
+                </a:highlight>
+                <a:latin typeface="Consolas" panose="020B0609020204030204" pitchFamily="49" charset="0"/>
+              </a:rPr>
+              <a:t>catch</a:t>
+            </a:r>
+            <a:r>
+              <a:rPr lang="en-US" sz="2400" dirty="0">
+                <a:solidFill>
+                  <a:srgbClr val="000000"/>
+                </a:solidFill>
+                <a:highlight>
+                  <a:srgbClr val="FFFFFF"/>
+                </a:highlight>
+                <a:latin typeface="Consolas" panose="020B0609020204030204" pitchFamily="49" charset="0"/>
+              </a:rPr>
+              <a:t> (</a:t>
+            </a:r>
+            <a:r>
+              <a:rPr lang="en-US" sz="2400" dirty="0" err="1">
+                <a:solidFill>
+                  <a:srgbClr val="2B91AF"/>
+                </a:solidFill>
+                <a:highlight>
+                  <a:srgbClr val="FFFFFF"/>
+                </a:highlight>
+                <a:latin typeface="Consolas" panose="020B0609020204030204" pitchFamily="49" charset="0"/>
+              </a:rPr>
+              <a:t>FormatException</a:t>
+            </a:r>
+            <a:r>
+              <a:rPr lang="en-US" sz="2400" dirty="0">
+                <a:solidFill>
+                  <a:srgbClr val="000000"/>
+                </a:solidFill>
+                <a:highlight>
+                  <a:srgbClr val="FFFFFF"/>
+                </a:highlight>
+                <a:latin typeface="Consolas" panose="020B0609020204030204" pitchFamily="49" charset="0"/>
+              </a:rPr>
+              <a:t> e) </a:t>
+            </a:r>
+            <a:r>
+              <a:rPr lang="ru-RU" sz="2400" dirty="0">
+                <a:solidFill>
+                  <a:srgbClr val="000000"/>
+                </a:solidFill>
+                <a:highlight>
+                  <a:srgbClr val="FFFFFF"/>
+                </a:highlight>
+                <a:latin typeface="Consolas" panose="020B0609020204030204" pitchFamily="49" charset="0"/>
+              </a:rPr>
+              <a:t>{</a:t>
+            </a:r>
+          </a:p>
+          <a:p>
+            <a:pPr marL="0" indent="0">
+              <a:buNone/>
+            </a:pPr>
+            <a:r>
+              <a:rPr lang="en-US" sz="2400" dirty="0">
+                <a:solidFill>
+                  <a:srgbClr val="000000"/>
+                </a:solidFill>
+                <a:highlight>
+                  <a:srgbClr val="FFFFFF"/>
+                </a:highlight>
+                <a:latin typeface="Consolas" panose="020B0609020204030204" pitchFamily="49" charset="0"/>
+              </a:rPr>
+              <a:t>        </a:t>
+            </a:r>
+            <a:r>
+              <a:rPr lang="en-US" sz="2400" dirty="0">
+                <a:solidFill>
+                  <a:srgbClr val="0000FF"/>
+                </a:solidFill>
+                <a:highlight>
+                  <a:srgbClr val="FFFFFF"/>
+                </a:highlight>
+                <a:latin typeface="Consolas" panose="020B0609020204030204" pitchFamily="49" charset="0"/>
+              </a:rPr>
+              <a:t>throw</a:t>
+            </a:r>
+            <a:r>
+              <a:rPr lang="en-US" sz="2400" dirty="0">
+                <a:solidFill>
+                  <a:srgbClr val="000000"/>
+                </a:solidFill>
+                <a:highlight>
+                  <a:srgbClr val="FFFFFF"/>
+                </a:highlight>
+                <a:latin typeface="Consolas" panose="020B0609020204030204" pitchFamily="49" charset="0"/>
+              </a:rPr>
+              <a:t> </a:t>
+            </a:r>
+            <a:r>
+              <a:rPr lang="en-US" sz="2400" dirty="0">
+                <a:solidFill>
+                  <a:srgbClr val="0000FF"/>
+                </a:solidFill>
+                <a:highlight>
+                  <a:srgbClr val="FFFFFF"/>
+                </a:highlight>
+                <a:latin typeface="Consolas" panose="020B0609020204030204" pitchFamily="49" charset="0"/>
+              </a:rPr>
+              <a:t>new</a:t>
+            </a:r>
+            <a:r>
+              <a:rPr lang="en-US" sz="2400" dirty="0">
+                <a:solidFill>
+                  <a:srgbClr val="000000"/>
+                </a:solidFill>
+                <a:highlight>
+                  <a:srgbClr val="FFFFFF"/>
+                </a:highlight>
+                <a:latin typeface="Consolas" panose="020B0609020204030204" pitchFamily="49" charset="0"/>
+              </a:rPr>
+              <a:t> </a:t>
+            </a:r>
+            <a:r>
+              <a:rPr lang="en-US" sz="2400" dirty="0" err="1">
+                <a:solidFill>
+                  <a:srgbClr val="2B91AF"/>
+                </a:solidFill>
+                <a:highlight>
+                  <a:srgbClr val="FFFFFF"/>
+                </a:highlight>
+                <a:latin typeface="Consolas" panose="020B0609020204030204" pitchFamily="49" charset="0"/>
+              </a:rPr>
+              <a:t>FormatException</a:t>
+            </a:r>
+            <a:r>
+              <a:rPr lang="en-US" sz="2400" dirty="0">
+                <a:solidFill>
+                  <a:srgbClr val="000000"/>
+                </a:solidFill>
+                <a:highlight>
+                  <a:srgbClr val="FFFFFF"/>
+                </a:highlight>
+                <a:latin typeface="Consolas" panose="020B0609020204030204" pitchFamily="49" charset="0"/>
+              </a:rPr>
+              <a:t>(</a:t>
+            </a:r>
+          </a:p>
+          <a:p>
+            <a:pPr marL="0" indent="0">
+              <a:buNone/>
+            </a:pPr>
+            <a:r>
+              <a:rPr lang="en-US" sz="2400" dirty="0">
+                <a:solidFill>
+                  <a:srgbClr val="000000"/>
+                </a:solidFill>
+                <a:highlight>
+                  <a:srgbClr val="FFFFFF"/>
+                </a:highlight>
+                <a:latin typeface="Consolas" panose="020B0609020204030204" pitchFamily="49" charset="0"/>
+              </a:rPr>
+              <a:t>		</a:t>
+            </a:r>
+            <a:r>
+              <a:rPr lang="en-US" sz="2400" dirty="0">
+                <a:solidFill>
+                  <a:srgbClr val="A31515"/>
+                </a:solidFill>
+                <a:highlight>
+                  <a:srgbClr val="FFFFFF"/>
+                </a:highlight>
+                <a:latin typeface="Consolas" panose="020B0609020204030204" pitchFamily="49" charset="0"/>
+              </a:rPr>
+              <a:t>$"Incorrect value in line [</a:t>
+            </a:r>
+            <a:r>
+              <a:rPr lang="en-US" sz="2400" dirty="0">
+                <a:solidFill>
+                  <a:srgbClr val="000000"/>
+                </a:solidFill>
+                <a:highlight>
+                  <a:srgbClr val="FFFFFF"/>
+                </a:highlight>
+                <a:latin typeface="Consolas" panose="020B0609020204030204" pitchFamily="49" charset="0"/>
+              </a:rPr>
+              <a:t>{line}</a:t>
+            </a:r>
+            <a:r>
+              <a:rPr lang="en-US" sz="2400" dirty="0">
+                <a:solidFill>
+                  <a:srgbClr val="A31515"/>
+                </a:solidFill>
+                <a:highlight>
+                  <a:srgbClr val="FFFFFF"/>
+                </a:highlight>
+                <a:latin typeface="Consolas" panose="020B0609020204030204" pitchFamily="49" charset="0"/>
+              </a:rPr>
+              <a:t>]"</a:t>
+            </a:r>
+            <a:r>
+              <a:rPr lang="en-US" sz="2400" dirty="0">
+                <a:solidFill>
+                  <a:srgbClr val="000000"/>
+                </a:solidFill>
+                <a:highlight>
+                  <a:srgbClr val="FFFFFF"/>
+                </a:highlight>
+                <a:latin typeface="Consolas" panose="020B0609020204030204" pitchFamily="49" charset="0"/>
+              </a:rPr>
+              <a:t>);</a:t>
+            </a:r>
+          </a:p>
+          <a:p>
+            <a:pPr marL="0" indent="0">
+              <a:buNone/>
+            </a:pPr>
+            <a:r>
+              <a:rPr lang="ru-RU" sz="2400" dirty="0">
+                <a:solidFill>
+                  <a:srgbClr val="000000"/>
+                </a:solidFill>
+                <a:highlight>
+                  <a:srgbClr val="FFFFFF"/>
+                </a:highlight>
+                <a:latin typeface="Consolas" panose="020B0609020204030204" pitchFamily="49" charset="0"/>
+              </a:rPr>
+              <a:t>    }</a:t>
+            </a:r>
+          </a:p>
+          <a:p>
+            <a:pPr marL="0" indent="0">
+              <a:buNone/>
+            </a:pPr>
+            <a:r>
+              <a:rPr lang="ru-RU" sz="2400" dirty="0">
+                <a:solidFill>
+                  <a:srgbClr val="000000"/>
+                </a:solidFill>
+                <a:highlight>
+                  <a:srgbClr val="FFFFFF"/>
+                </a:highlight>
+                <a:latin typeface="Consolas" panose="020B0609020204030204" pitchFamily="49" charset="0"/>
+              </a:rPr>
+              <a:t>}</a:t>
+            </a:r>
+          </a:p>
+          <a:p>
+            <a:pPr marL="0" indent="0">
+              <a:buNone/>
+            </a:pPr>
+            <a:endParaRPr lang="en-US" sz="2400" dirty="0"/>
+          </a:p>
+        </p:txBody>
+      </p:sp>
+      <p:sp>
+        <p:nvSpPr>
           <p:cNvPr id="2" name="Заголовок 1"/>
           <p:cNvSpPr>
             <a:spLocks noGrp="1"/>
@@ -15663,623 +18034,27 @@
           <a:lstStyle/>
           <a:p>
             <a:r>
-              <a:rPr lang="ru-RU" dirty="0"/>
-              <a:t>Про </a:t>
-            </a:r>
-            <a:r>
-              <a:rPr lang="en-US" dirty="0" err="1"/>
-              <a:t>Async</a:t>
-            </a:r>
-            <a:r>
-              <a:rPr lang="en-US" dirty="0"/>
-              <a:t> </a:t>
-            </a:r>
-            <a:r>
-              <a:rPr lang="ru-RU" dirty="0"/>
-              <a:t>и </a:t>
-            </a:r>
-            <a:r>
-              <a:rPr lang="en-US" dirty="0"/>
-              <a:t>Task </a:t>
-            </a:r>
-            <a:r>
-              <a:rPr lang="ru-RU" dirty="0"/>
-              <a:t>следует помнить</a:t>
-            </a:r>
-          </a:p>
-        </p:txBody>
-      </p:sp>
-      <p:sp>
-        <p:nvSpPr>
-          <p:cNvPr id="3" name="Объект 2"/>
-          <p:cNvSpPr>
-            <a:spLocks noGrp="1"/>
-          </p:cNvSpPr>
-          <p:nvPr>
-            <p:ph idx="1"/>
-          </p:nvPr>
-        </p:nvSpPr>
-        <p:spPr>
-          <a:xfrm>
-            <a:off x="1295468" y="1628775"/>
-            <a:ext cx="9601067" cy="4679950"/>
-          </a:xfrm>
-        </p:spPr>
-        <p:txBody>
-          <a:bodyPr>
-            <a:normAutofit fontScale="85000" lnSpcReduction="20000"/>
-          </a:bodyPr>
-          <a:lstStyle/>
-          <a:p>
-            <a:pPr marL="0" indent="0">
-              <a:buNone/>
-            </a:pPr>
-            <a:r>
-              <a:rPr lang="en-US" sz="2400" dirty="0">
-                <a:solidFill>
-                  <a:srgbClr val="0000FF"/>
-                </a:solidFill>
-                <a:highlight>
-                  <a:srgbClr val="FFFFFF"/>
-                </a:highlight>
-                <a:latin typeface="Consolas" panose="020B0609020204030204" pitchFamily="49" charset="0"/>
-              </a:rPr>
-              <a:t>public </a:t>
-            </a:r>
-            <a:r>
-              <a:rPr lang="en-US" sz="2400" dirty="0" err="1">
-                <a:solidFill>
-                  <a:srgbClr val="0000FF"/>
-                </a:solidFill>
-                <a:highlight>
-                  <a:srgbClr val="FFFFFF"/>
-                </a:highlight>
-                <a:latin typeface="Consolas" panose="020B0609020204030204" pitchFamily="49" charset="0"/>
-              </a:rPr>
-              <a:t>async</a:t>
-            </a:r>
-            <a:r>
-              <a:rPr lang="en-US" sz="2400" dirty="0">
-                <a:solidFill>
-                  <a:srgbClr val="000000"/>
-                </a:solidFill>
-                <a:highlight>
-                  <a:srgbClr val="FFFFFF"/>
-                </a:highlight>
-                <a:latin typeface="Consolas" panose="020B0609020204030204" pitchFamily="49" charset="0"/>
-              </a:rPr>
-              <a:t> Task </a:t>
-            </a:r>
-            <a:r>
-              <a:rPr lang="en-US" sz="2400" dirty="0" err="1">
-                <a:solidFill>
-                  <a:srgbClr val="000000"/>
-                </a:solidFill>
-                <a:highlight>
-                  <a:srgbClr val="FFFFFF"/>
-                </a:highlight>
-                <a:latin typeface="Consolas" panose="020B0609020204030204" pitchFamily="49" charset="0"/>
-              </a:rPr>
-              <a:t>StartProcessingAsync</a:t>
-            </a:r>
-            <a:r>
-              <a:rPr lang="en-US" sz="2400" dirty="0">
-                <a:solidFill>
-                  <a:srgbClr val="000000"/>
-                </a:solidFill>
-                <a:highlight>
-                  <a:srgbClr val="FFFFFF"/>
-                </a:highlight>
-                <a:latin typeface="Consolas" panose="020B0609020204030204" pitchFamily="49" charset="0"/>
-              </a:rPr>
-              <a:t>(Data d) </a:t>
-            </a:r>
-            <a:r>
-              <a:rPr lang="ru-RU" sz="2400" dirty="0">
-                <a:solidFill>
-                  <a:srgbClr val="000000"/>
-                </a:solidFill>
-                <a:highlight>
-                  <a:srgbClr val="FFFFFF"/>
-                </a:highlight>
-                <a:latin typeface="Consolas" panose="020B0609020204030204" pitchFamily="49" charset="0"/>
-              </a:rPr>
-              <a:t>{</a:t>
-            </a:r>
-            <a:endParaRPr lang="en-US" sz="2400" dirty="0">
-              <a:solidFill>
-                <a:srgbClr val="000000"/>
-              </a:solidFill>
-              <a:highlight>
-                <a:srgbClr val="FFFFFF"/>
-              </a:highlight>
-              <a:latin typeface="Consolas" panose="020B0609020204030204" pitchFamily="49" charset="0"/>
-            </a:endParaRPr>
-          </a:p>
-          <a:p>
-            <a:pPr marL="0" indent="0">
-              <a:buNone/>
-            </a:pPr>
-            <a:r>
-              <a:rPr lang="en-US" sz="2400" dirty="0">
-                <a:solidFill>
-                  <a:srgbClr val="000000"/>
-                </a:solidFill>
-                <a:highlight>
-                  <a:srgbClr val="FFFFFF"/>
-                </a:highlight>
-                <a:latin typeface="Consolas" panose="020B0609020204030204" pitchFamily="49" charset="0"/>
-              </a:rPr>
-              <a:t>	</a:t>
-            </a:r>
-            <a:r>
-              <a:rPr lang="en-US" sz="2400" dirty="0">
-                <a:solidFill>
-                  <a:srgbClr val="0000FF"/>
-                </a:solidFill>
-                <a:highlight>
-                  <a:srgbClr val="FFFFFF"/>
-                </a:highlight>
-                <a:latin typeface="Consolas" panose="020B0609020204030204" pitchFamily="49" charset="0"/>
-              </a:rPr>
-              <a:t>try</a:t>
-            </a:r>
-            <a:r>
-              <a:rPr lang="en-US" sz="2400" dirty="0">
-                <a:solidFill>
-                  <a:srgbClr val="000000"/>
-                </a:solidFill>
-                <a:highlight>
-                  <a:srgbClr val="FFFFFF"/>
-                </a:highlight>
-                <a:latin typeface="Consolas" panose="020B0609020204030204" pitchFamily="49" charset="0"/>
-              </a:rPr>
-              <a:t> {</a:t>
-            </a:r>
-            <a:endParaRPr lang="ru-RU" sz="2400" dirty="0">
-              <a:solidFill>
-                <a:srgbClr val="000000"/>
-              </a:solidFill>
-              <a:highlight>
-                <a:srgbClr val="FFFFFF"/>
-              </a:highlight>
-              <a:latin typeface="Consolas" panose="020B0609020204030204" pitchFamily="49" charset="0"/>
-            </a:endParaRPr>
-          </a:p>
-          <a:p>
-            <a:pPr marL="0" indent="0">
-              <a:buNone/>
-            </a:pPr>
-            <a:r>
-              <a:rPr lang="en-US" sz="2400" dirty="0">
-                <a:solidFill>
-                  <a:srgbClr val="0000FF"/>
-                </a:solidFill>
-                <a:highlight>
-                  <a:srgbClr val="FFFFFF"/>
-                </a:highlight>
-                <a:latin typeface="Consolas" panose="020B0609020204030204" pitchFamily="49" charset="0"/>
-              </a:rPr>
-              <a:t>		await</a:t>
-            </a:r>
-            <a:r>
-              <a:rPr lang="en-US" sz="2400" dirty="0">
-                <a:solidFill>
-                  <a:srgbClr val="000000"/>
-                </a:solidFill>
-                <a:highlight>
-                  <a:srgbClr val="FFFFFF"/>
-                </a:highlight>
-                <a:latin typeface="Consolas" panose="020B0609020204030204" pitchFamily="49" charset="0"/>
-              </a:rPr>
-              <a:t> </a:t>
-            </a:r>
-            <a:r>
-              <a:rPr lang="en-US" sz="2400" dirty="0" err="1">
-                <a:solidFill>
-                  <a:srgbClr val="000000"/>
-                </a:solidFill>
-                <a:highlight>
-                  <a:srgbClr val="FFFFFF"/>
-                </a:highlight>
-                <a:latin typeface="Consolas" panose="020B0609020204030204" pitchFamily="49" charset="0"/>
-              </a:rPr>
-              <a:t>ProcessDataAsync</a:t>
-            </a:r>
-            <a:r>
-              <a:rPr lang="en-US" sz="2400" dirty="0">
-                <a:solidFill>
-                  <a:srgbClr val="000000"/>
-                </a:solidFill>
-                <a:highlight>
-                  <a:srgbClr val="FFFFFF"/>
-                </a:highlight>
-                <a:latin typeface="Consolas" panose="020B0609020204030204" pitchFamily="49" charset="0"/>
-              </a:rPr>
-              <a:t>(d));</a:t>
-            </a:r>
-          </a:p>
-          <a:p>
-            <a:pPr marL="0" indent="0">
-              <a:buNone/>
-            </a:pPr>
-            <a:r>
-              <a:rPr lang="en-US" sz="2400" dirty="0">
-                <a:solidFill>
-                  <a:srgbClr val="000000"/>
-                </a:solidFill>
-                <a:highlight>
-                  <a:srgbClr val="FFFFFF"/>
-                </a:highlight>
-                <a:latin typeface="Consolas" panose="020B0609020204030204" pitchFamily="49" charset="0"/>
-              </a:rPr>
-              <a:t>	}</a:t>
-            </a:r>
-          </a:p>
-          <a:p>
-            <a:pPr marL="0" indent="0">
-              <a:buNone/>
-            </a:pPr>
-            <a:r>
-              <a:rPr lang="en-US" sz="2400" dirty="0">
-                <a:solidFill>
-                  <a:srgbClr val="000000"/>
-                </a:solidFill>
-                <a:highlight>
-                  <a:srgbClr val="FFFFFF"/>
-                </a:highlight>
-                <a:latin typeface="Consolas" panose="020B0609020204030204" pitchFamily="49" charset="0"/>
-              </a:rPr>
-              <a:t>	</a:t>
-            </a:r>
-            <a:r>
-              <a:rPr lang="en-US" sz="2400" dirty="0">
-                <a:solidFill>
-                  <a:srgbClr val="0000FF"/>
-                </a:solidFill>
-                <a:highlight>
-                  <a:srgbClr val="FFFFFF"/>
-                </a:highlight>
-                <a:latin typeface="Consolas" panose="020B0609020204030204" pitchFamily="49" charset="0"/>
-              </a:rPr>
-              <a:t>catch</a:t>
-            </a:r>
-            <a:r>
-              <a:rPr lang="en-US" sz="2400" dirty="0">
-                <a:solidFill>
-                  <a:srgbClr val="000000"/>
-                </a:solidFill>
-                <a:highlight>
-                  <a:srgbClr val="FFFFFF"/>
-                </a:highlight>
-                <a:latin typeface="Consolas" panose="020B0609020204030204" pitchFamily="49" charset="0"/>
-              </a:rPr>
-              <a:t> (Exception e) {</a:t>
-            </a:r>
-          </a:p>
-          <a:p>
-            <a:pPr marL="0" indent="0">
-              <a:buNone/>
-            </a:pPr>
-            <a:r>
-              <a:rPr lang="en-US" sz="2400" dirty="0">
-                <a:solidFill>
-                  <a:srgbClr val="000000"/>
-                </a:solidFill>
-                <a:highlight>
-                  <a:srgbClr val="FFFFFF"/>
-                </a:highlight>
-                <a:latin typeface="Consolas" panose="020B0609020204030204" pitchFamily="49" charset="0"/>
-              </a:rPr>
-              <a:t>	}</a:t>
-            </a:r>
-          </a:p>
-          <a:p>
-            <a:pPr marL="0" indent="0">
-              <a:buNone/>
-            </a:pPr>
-            <a:r>
-              <a:rPr lang="ru-RU" sz="2400" dirty="0">
-                <a:solidFill>
-                  <a:srgbClr val="000000"/>
-                </a:solidFill>
-                <a:highlight>
-                  <a:srgbClr val="FFFFFF"/>
-                </a:highlight>
-                <a:latin typeface="Consolas" panose="020B0609020204030204" pitchFamily="49" charset="0"/>
-              </a:rPr>
-              <a:t>}</a:t>
-            </a:r>
-            <a:endParaRPr lang="en-US" sz="2400" dirty="0">
-              <a:solidFill>
-                <a:srgbClr val="000000"/>
-              </a:solidFill>
-              <a:highlight>
-                <a:srgbClr val="FFFFFF"/>
-              </a:highlight>
-              <a:latin typeface="Consolas" panose="020B0609020204030204" pitchFamily="49" charset="0"/>
-            </a:endParaRPr>
-          </a:p>
-          <a:p>
-            <a:pPr marL="0" indent="0">
-              <a:buNone/>
-            </a:pPr>
-            <a:endParaRPr lang="en-US" sz="2400" dirty="0">
-              <a:solidFill>
-                <a:srgbClr val="000000"/>
-              </a:solidFill>
-              <a:highlight>
-                <a:srgbClr val="FFFFFF"/>
-              </a:highlight>
-              <a:latin typeface="Consolas" panose="020B0609020204030204" pitchFamily="49" charset="0"/>
-            </a:endParaRPr>
-          </a:p>
-          <a:p>
-            <a:r>
-              <a:rPr lang="en-US" sz="2400" dirty="0">
-                <a:solidFill>
-                  <a:srgbClr val="0000FF"/>
-                </a:solidFill>
-                <a:highlight>
-                  <a:srgbClr val="FFFFFF"/>
-                </a:highlight>
-                <a:latin typeface="Consolas" panose="020B0609020204030204" pitchFamily="49" charset="0"/>
-              </a:rPr>
-              <a:t>public</a:t>
-            </a:r>
-            <a:r>
-              <a:rPr lang="en-US" sz="2400" dirty="0">
-                <a:solidFill>
-                  <a:srgbClr val="000000"/>
-                </a:solidFill>
-                <a:highlight>
-                  <a:srgbClr val="FFFFFF"/>
-                </a:highlight>
-                <a:latin typeface="Consolas" panose="020B0609020204030204" pitchFamily="49" charset="0"/>
-              </a:rPr>
-              <a:t> </a:t>
-            </a:r>
-            <a:r>
-              <a:rPr lang="en-US" sz="2400" dirty="0">
-                <a:solidFill>
-                  <a:srgbClr val="0000FF"/>
-                </a:solidFill>
-                <a:highlight>
-                  <a:srgbClr val="FFFFFF"/>
-                </a:highlight>
-                <a:latin typeface="Consolas" panose="020B0609020204030204" pitchFamily="49" charset="0"/>
-              </a:rPr>
-              <a:t>void</a:t>
-            </a:r>
-            <a:r>
-              <a:rPr lang="en-US" sz="2400" dirty="0">
-                <a:solidFill>
-                  <a:srgbClr val="000000"/>
-                </a:solidFill>
-                <a:highlight>
-                  <a:srgbClr val="FFFFFF"/>
-                </a:highlight>
-                <a:latin typeface="Consolas" panose="020B0609020204030204" pitchFamily="49" charset="0"/>
-              </a:rPr>
-              <a:t> </a:t>
-            </a:r>
-            <a:r>
-              <a:rPr lang="en-US" sz="2400" dirty="0" err="1">
-                <a:solidFill>
-                  <a:srgbClr val="000000"/>
-                </a:solidFill>
-                <a:highlight>
-                  <a:srgbClr val="FFFFFF"/>
-                </a:highlight>
-                <a:latin typeface="Consolas" panose="020B0609020204030204" pitchFamily="49" charset="0"/>
-              </a:rPr>
-              <a:t>StartProcessing</a:t>
-            </a:r>
-            <a:r>
-              <a:rPr lang="en-US" sz="2400" dirty="0">
-                <a:solidFill>
-                  <a:srgbClr val="000000"/>
-                </a:solidFill>
-                <a:highlight>
-                  <a:srgbClr val="FFFFFF"/>
-                </a:highlight>
-                <a:latin typeface="Consolas" panose="020B0609020204030204" pitchFamily="49" charset="0"/>
-              </a:rPr>
-              <a:t>(Data d) </a:t>
-            </a:r>
-            <a:r>
-              <a:rPr lang="ru-RU" sz="2400" dirty="0">
-                <a:solidFill>
-                  <a:srgbClr val="000000"/>
-                </a:solidFill>
-                <a:highlight>
-                  <a:srgbClr val="FFFFFF"/>
-                </a:highlight>
-                <a:latin typeface="Consolas" panose="020B0609020204030204" pitchFamily="49" charset="0"/>
-              </a:rPr>
-              <a:t>{</a:t>
-            </a:r>
-            <a:endParaRPr lang="en-US" sz="2400" dirty="0">
-              <a:solidFill>
-                <a:srgbClr val="000000"/>
-              </a:solidFill>
-              <a:highlight>
-                <a:srgbClr val="FFFFFF"/>
-              </a:highlight>
-              <a:latin typeface="Consolas" panose="020B0609020204030204" pitchFamily="49" charset="0"/>
-            </a:endParaRPr>
-          </a:p>
-          <a:p>
-            <a:r>
-              <a:rPr lang="en-US" sz="2400" dirty="0">
-                <a:solidFill>
-                  <a:srgbClr val="000000"/>
-                </a:solidFill>
-                <a:highlight>
-                  <a:srgbClr val="FFFFFF"/>
-                </a:highlight>
-                <a:latin typeface="Consolas" panose="020B0609020204030204" pitchFamily="49" charset="0"/>
-              </a:rPr>
-              <a:t>	</a:t>
-            </a:r>
-            <a:r>
-              <a:rPr lang="en-US" sz="2400" dirty="0">
-                <a:solidFill>
-                  <a:srgbClr val="0000FF"/>
-                </a:solidFill>
-                <a:highlight>
-                  <a:srgbClr val="FFFFFF"/>
-                </a:highlight>
-                <a:latin typeface="Consolas" panose="020B0609020204030204" pitchFamily="49" charset="0"/>
-              </a:rPr>
-              <a:t>try</a:t>
-            </a:r>
-            <a:r>
-              <a:rPr lang="en-US" sz="2400" dirty="0">
-                <a:solidFill>
-                  <a:srgbClr val="000000"/>
-                </a:solidFill>
-                <a:highlight>
-                  <a:srgbClr val="FFFFFF"/>
-                </a:highlight>
-                <a:latin typeface="Consolas" panose="020B0609020204030204" pitchFamily="49" charset="0"/>
-              </a:rPr>
-              <a:t> {</a:t>
-            </a:r>
-          </a:p>
-          <a:p>
-            <a:r>
-              <a:rPr lang="en-US" sz="2400" dirty="0">
-                <a:solidFill>
-                  <a:srgbClr val="000000"/>
-                </a:solidFill>
-                <a:highlight>
-                  <a:srgbClr val="FFFFFF"/>
-                </a:highlight>
-                <a:latin typeface="Consolas" panose="020B0609020204030204" pitchFamily="49" charset="0"/>
-              </a:rPr>
-              <a:t>		</a:t>
-            </a:r>
-            <a:r>
-              <a:rPr lang="en-US" sz="2400" dirty="0" err="1">
-                <a:solidFill>
-                  <a:srgbClr val="000000"/>
-                </a:solidFill>
-                <a:highlight>
-                  <a:srgbClr val="FFFFFF"/>
-                </a:highlight>
-                <a:latin typeface="Consolas" panose="020B0609020204030204" pitchFamily="49" charset="0"/>
-              </a:rPr>
-              <a:t>ProcessDataAsync</a:t>
-            </a:r>
-            <a:r>
-              <a:rPr lang="en-US" sz="2400" dirty="0">
-                <a:solidFill>
-                  <a:srgbClr val="000000"/>
-                </a:solidFill>
-                <a:highlight>
-                  <a:srgbClr val="FFFFFF"/>
-                </a:highlight>
-                <a:latin typeface="Consolas" panose="020B0609020204030204" pitchFamily="49" charset="0"/>
-              </a:rPr>
-              <a:t>(d);</a:t>
-            </a:r>
-          </a:p>
-          <a:p>
-            <a:r>
-              <a:rPr lang="en-US" sz="2400" dirty="0">
-                <a:solidFill>
-                  <a:srgbClr val="000000"/>
-                </a:solidFill>
-                <a:highlight>
-                  <a:srgbClr val="FFFFFF"/>
-                </a:highlight>
-                <a:latin typeface="Consolas" panose="020B0609020204030204" pitchFamily="49" charset="0"/>
-              </a:rPr>
-              <a:t>	}</a:t>
-            </a:r>
-          </a:p>
-          <a:p>
-            <a:r>
-              <a:rPr lang="en-US" sz="2400" dirty="0">
-                <a:solidFill>
-                  <a:srgbClr val="000000"/>
-                </a:solidFill>
-                <a:highlight>
-                  <a:srgbClr val="FFFFFF"/>
-                </a:highlight>
-                <a:latin typeface="Consolas" panose="020B0609020204030204" pitchFamily="49" charset="0"/>
-              </a:rPr>
-              <a:t>	</a:t>
-            </a:r>
-            <a:r>
-              <a:rPr lang="en-US" sz="2400" dirty="0">
-                <a:solidFill>
-                  <a:srgbClr val="0000FF"/>
-                </a:solidFill>
-                <a:highlight>
-                  <a:srgbClr val="FFFFFF"/>
-                </a:highlight>
-                <a:latin typeface="Consolas" panose="020B0609020204030204" pitchFamily="49" charset="0"/>
-              </a:rPr>
-              <a:t>catch</a:t>
-            </a:r>
-            <a:r>
-              <a:rPr lang="en-US" sz="2400" dirty="0">
-                <a:solidFill>
-                  <a:srgbClr val="000000"/>
-                </a:solidFill>
-                <a:highlight>
-                  <a:srgbClr val="FFFFFF"/>
-                </a:highlight>
-                <a:latin typeface="Consolas" panose="020B0609020204030204" pitchFamily="49" charset="0"/>
-              </a:rPr>
-              <a:t> (Exception e) {</a:t>
-            </a:r>
-          </a:p>
-          <a:p>
-            <a:r>
-              <a:rPr lang="en-US" sz="2400" dirty="0">
-                <a:solidFill>
-                  <a:srgbClr val="000000"/>
-                </a:solidFill>
-                <a:highlight>
-                  <a:srgbClr val="FFFFFF"/>
-                </a:highlight>
-                <a:latin typeface="Consolas" panose="020B0609020204030204" pitchFamily="49" charset="0"/>
-              </a:rPr>
-              <a:t>	}</a:t>
-            </a:r>
-          </a:p>
-          <a:p>
-            <a:r>
-              <a:rPr lang="ru-RU" sz="2400" dirty="0">
-                <a:solidFill>
-                  <a:srgbClr val="000000"/>
-                </a:solidFill>
-                <a:highlight>
-                  <a:srgbClr val="FFFFFF"/>
-                </a:highlight>
-                <a:latin typeface="Consolas" panose="020B0609020204030204" pitchFamily="49" charset="0"/>
-              </a:rPr>
-              <a:t>}</a:t>
-            </a:r>
-            <a:endParaRPr lang="en-US" sz="2400" dirty="0">
-              <a:solidFill>
-                <a:srgbClr val="000000"/>
-              </a:solidFill>
-              <a:highlight>
-                <a:srgbClr val="FFFFFF"/>
-              </a:highlight>
-              <a:latin typeface="Consolas" panose="020B0609020204030204" pitchFamily="49" charset="0"/>
-            </a:endParaRPr>
+              <a:rPr lang="en-US" sz="4000" dirty="0"/>
+              <a:t>#7 </a:t>
+            </a:r>
+            <a:r>
+              <a:rPr lang="ru-RU" sz="4000" dirty="0"/>
+              <a:t>Добавь подробностей</a:t>
+            </a:r>
+            <a:br>
+              <a:rPr lang="ru-RU" sz="4000" dirty="0"/>
+            </a:br>
+            <a:r>
+              <a:rPr lang="ru-RU" sz="4000" dirty="0"/>
+              <a:t>– быстрее найдешь ошибку</a:t>
+            </a:r>
           </a:p>
         </p:txBody>
       </p:sp>
     </p:spTree>
     <p:extLst>
       <p:ext uri="{BB962C8B-B14F-4D97-AF65-F5344CB8AC3E}">
-        <p14:creationId xmlns:p14="http://schemas.microsoft.com/office/powerpoint/2010/main" val="2352340421"/>
+        <p14:creationId xmlns:p14="http://schemas.microsoft.com/office/powerpoint/2010/main" val="1983416386"/>
       </p:ext>
     </p:extLst>
   </p:cSld>
@@ -17223,699 +18998,6 @@
                 </a:highlight>
                 <a:latin typeface="Consolas" panose="020B0609020204030204" pitchFamily="49" charset="0"/>
               </a:rPr>
-              <a:t>);</a:t>
-            </a:r>
-          </a:p>
-          <a:p>
-            <a:pPr marL="0" indent="0">
-              <a:buNone/>
-            </a:pPr>
-            <a:r>
-              <a:rPr lang="ru-RU" sz="2400" dirty="0">
-                <a:solidFill>
-                  <a:srgbClr val="000000"/>
-                </a:solidFill>
-                <a:highlight>
-                  <a:srgbClr val="FFFFFF"/>
-                </a:highlight>
-                <a:latin typeface="Consolas" panose="020B0609020204030204" pitchFamily="49" charset="0"/>
-              </a:rPr>
-              <a:t>    }</a:t>
-            </a:r>
-          </a:p>
-          <a:p>
-            <a:pPr marL="0" indent="0">
-              <a:buNone/>
-            </a:pPr>
-            <a:r>
-              <a:rPr lang="ru-RU" sz="2400" dirty="0">
-                <a:solidFill>
-                  <a:srgbClr val="000000"/>
-                </a:solidFill>
-                <a:highlight>
-                  <a:srgbClr val="FFFFFF"/>
-                </a:highlight>
-                <a:latin typeface="Consolas" panose="020B0609020204030204" pitchFamily="49" charset="0"/>
-              </a:rPr>
-              <a:t>}</a:t>
-            </a:r>
-          </a:p>
-          <a:p>
-            <a:pPr marL="0" indent="0">
-              <a:buNone/>
-            </a:pPr>
-            <a:endParaRPr lang="en-US" sz="2400" dirty="0"/>
-          </a:p>
-        </p:txBody>
-      </p:sp>
-      <p:sp>
-        <p:nvSpPr>
-          <p:cNvPr id="2" name="Заголовок 1"/>
-          <p:cNvSpPr>
-            <a:spLocks noGrp="1"/>
-          </p:cNvSpPr>
-          <p:nvPr>
-            <p:ph type="title"/>
-          </p:nvPr>
-        </p:nvSpPr>
-        <p:spPr/>
-        <p:txBody>
-          <a:bodyPr>
-            <a:normAutofit fontScale="90000"/>
-          </a:bodyPr>
-          <a:lstStyle/>
-          <a:p>
-            <a:r>
-              <a:rPr lang="en-US" sz="4000" dirty="0"/>
-              <a:t>#7 </a:t>
-            </a:r>
-            <a:r>
-              <a:rPr lang="ru-RU" sz="4000" dirty="0"/>
-              <a:t>Добавь подробностей</a:t>
-            </a:r>
-            <a:br>
-              <a:rPr lang="ru-RU" sz="4000" dirty="0"/>
-            </a:br>
-            <a:r>
-              <a:rPr lang="ru-RU" sz="4000" dirty="0"/>
-              <a:t>– быстрее найдешь ошибку</a:t>
-            </a:r>
-          </a:p>
-        </p:txBody>
-      </p:sp>
-    </p:spTree>
-    <p:extLst>
-      <p:ext uri="{BB962C8B-B14F-4D97-AF65-F5344CB8AC3E}">
-        <p14:creationId xmlns:p14="http://schemas.microsoft.com/office/powerpoint/2010/main" val="1983416386"/>
-      </p:ext>
-    </p:extLst>
-  </p:cSld>
-  <p:clrMapOvr>
-    <a:masterClrMapping/>
-  </p:clrMapOvr>
-</p:sld>
-</file>
-
-<file path=ppt/slides/slide21.xml><?xml version="1.0" encoding="utf-8"?>
-<p:sld xmlns:a="http://schemas.openxmlformats.org/drawingml/2006/main" xmlns:r="http://schemas.openxmlformats.org/officeDocument/2006/relationships" xmlns:p="http://schemas.openxmlformats.org/presentationml/2006/main">
-  <p:cSld>
-    <p:spTree>
-      <p:nvGrpSpPr>
-        <p:cNvPr id="1" name=""/>
-        <p:cNvGrpSpPr/>
-        <p:nvPr/>
-      </p:nvGrpSpPr>
-      <p:grpSpPr>
-        <a:xfrm>
-          <a:off x="0" y="0"/>
-          <a:ext cx="0" cy="0"/>
-          <a:chOff x="0" y="0"/>
-          <a:chExt cx="0" cy="0"/>
-        </a:xfrm>
-      </p:grpSpPr>
-      <p:sp>
-        <p:nvSpPr>
-          <p:cNvPr id="3" name="Объект 2"/>
-          <p:cNvSpPr>
-            <a:spLocks noGrp="1"/>
-          </p:cNvSpPr>
-          <p:nvPr>
-            <p:ph sz="quarter" idx="13"/>
-          </p:nvPr>
-        </p:nvSpPr>
-        <p:spPr>
-          <a:xfrm>
-            <a:off x="1295400" y="1916113"/>
-            <a:ext cx="9601200" cy="4392612"/>
-          </a:xfrm>
-        </p:spPr>
-        <p:txBody>
-          <a:bodyPr>
-            <a:normAutofit lnSpcReduction="10000"/>
-          </a:bodyPr>
-          <a:lstStyle/>
-          <a:p>
-            <a:pPr marL="0" indent="0">
-              <a:buNone/>
-            </a:pPr>
-            <a:r>
-              <a:rPr lang="en-US" sz="2400" dirty="0">
-                <a:solidFill>
-                  <a:srgbClr val="0000FF"/>
-                </a:solidFill>
-                <a:highlight>
-                  <a:srgbClr val="FFFFFF"/>
-                </a:highlight>
-                <a:latin typeface="Consolas" panose="020B0609020204030204" pitchFamily="49" charset="0"/>
-              </a:rPr>
-              <a:t>public</a:t>
-            </a:r>
-            <a:r>
-              <a:rPr lang="en-US" sz="2400" dirty="0">
-                <a:solidFill>
-                  <a:srgbClr val="000000"/>
-                </a:solidFill>
-                <a:highlight>
-                  <a:srgbClr val="FFFFFF"/>
-                </a:highlight>
-                <a:latin typeface="Consolas" panose="020B0609020204030204" pitchFamily="49" charset="0"/>
-              </a:rPr>
-              <a:t> </a:t>
-            </a:r>
-            <a:r>
-              <a:rPr lang="en-US" sz="2400" dirty="0">
-                <a:solidFill>
-                  <a:srgbClr val="0000FF"/>
-                </a:solidFill>
-                <a:highlight>
-                  <a:srgbClr val="FFFFFF"/>
-                </a:highlight>
-                <a:latin typeface="Consolas" panose="020B0609020204030204" pitchFamily="49" charset="0"/>
-              </a:rPr>
-              <a:t>double</a:t>
-            </a:r>
-            <a:r>
-              <a:rPr lang="en-US" sz="2400" dirty="0">
-                <a:solidFill>
-                  <a:srgbClr val="000000"/>
-                </a:solidFill>
-                <a:highlight>
-                  <a:srgbClr val="FFFFFF"/>
-                </a:highlight>
-                <a:latin typeface="Consolas" panose="020B0609020204030204" pitchFamily="49" charset="0"/>
-              </a:rPr>
-              <a:t>[] </a:t>
-            </a:r>
-            <a:r>
-              <a:rPr lang="en-US" sz="2400" dirty="0" err="1">
-                <a:solidFill>
-                  <a:srgbClr val="000000"/>
-                </a:solidFill>
-                <a:highlight>
-                  <a:srgbClr val="FFFFFF"/>
-                </a:highlight>
-                <a:latin typeface="Consolas" panose="020B0609020204030204" pitchFamily="49" charset="0"/>
-              </a:rPr>
-              <a:t>ParseLine</a:t>
-            </a:r>
-            <a:r>
-              <a:rPr lang="en-US" sz="2400" dirty="0">
-                <a:solidFill>
-                  <a:srgbClr val="000000"/>
-                </a:solidFill>
-                <a:highlight>
-                  <a:srgbClr val="FFFFFF"/>
-                </a:highlight>
-                <a:latin typeface="Consolas" panose="020B0609020204030204" pitchFamily="49" charset="0"/>
-              </a:rPr>
-              <a:t>(</a:t>
-            </a:r>
-            <a:r>
-              <a:rPr lang="en-US" sz="2400" dirty="0">
-                <a:solidFill>
-                  <a:srgbClr val="0000FF"/>
-                </a:solidFill>
-                <a:highlight>
-                  <a:srgbClr val="FFFFFF"/>
-                </a:highlight>
-                <a:latin typeface="Consolas" panose="020B0609020204030204" pitchFamily="49" charset="0"/>
-              </a:rPr>
-              <a:t>string</a:t>
-            </a:r>
-            <a:r>
-              <a:rPr lang="en-US" sz="2400" dirty="0">
-                <a:solidFill>
-                  <a:srgbClr val="000000"/>
-                </a:solidFill>
-                <a:highlight>
-                  <a:srgbClr val="FFFFFF"/>
-                </a:highlight>
-                <a:latin typeface="Consolas" panose="020B0609020204030204" pitchFamily="49" charset="0"/>
-              </a:rPr>
-              <a:t> line) </a:t>
-            </a:r>
-            <a:r>
-              <a:rPr lang="ru-RU" sz="2400" dirty="0">
-                <a:solidFill>
-                  <a:srgbClr val="000000"/>
-                </a:solidFill>
-                <a:highlight>
-                  <a:srgbClr val="FFFFFF"/>
-                </a:highlight>
-                <a:latin typeface="Consolas" panose="020B0609020204030204" pitchFamily="49" charset="0"/>
-              </a:rPr>
-              <a:t>{</a:t>
-            </a:r>
-          </a:p>
-          <a:p>
-            <a:pPr marL="0" indent="0">
-              <a:buNone/>
-            </a:pPr>
-            <a:r>
-              <a:rPr lang="en-US" sz="2400" dirty="0">
-                <a:solidFill>
-                  <a:srgbClr val="000000"/>
-                </a:solidFill>
-                <a:highlight>
-                  <a:srgbClr val="FFFFFF"/>
-                </a:highlight>
-                <a:latin typeface="Consolas" panose="020B0609020204030204" pitchFamily="49" charset="0"/>
-              </a:rPr>
-              <a:t>    </a:t>
-            </a:r>
-            <a:r>
-              <a:rPr lang="en-US" sz="2400" dirty="0">
-                <a:solidFill>
-                  <a:srgbClr val="0000FF"/>
-                </a:solidFill>
-                <a:highlight>
-                  <a:srgbClr val="FFFFFF"/>
-                </a:highlight>
-                <a:latin typeface="Consolas" panose="020B0609020204030204" pitchFamily="49" charset="0"/>
-              </a:rPr>
-              <a:t>try </a:t>
-            </a:r>
-            <a:r>
-              <a:rPr lang="ru-RU" sz="2400" dirty="0">
-                <a:solidFill>
-                  <a:srgbClr val="000000"/>
-                </a:solidFill>
-                <a:highlight>
-                  <a:srgbClr val="FFFFFF"/>
-                </a:highlight>
-                <a:latin typeface="Consolas" panose="020B0609020204030204" pitchFamily="49" charset="0"/>
-              </a:rPr>
-              <a:t>{</a:t>
-            </a:r>
-          </a:p>
-          <a:p>
-            <a:pPr marL="0" indent="0">
-              <a:buNone/>
-            </a:pPr>
-            <a:r>
-              <a:rPr lang="en-US" sz="2400" dirty="0">
-                <a:solidFill>
-                  <a:srgbClr val="000000"/>
-                </a:solidFill>
-                <a:highlight>
-                  <a:srgbClr val="FFFFFF"/>
-                </a:highlight>
-                <a:latin typeface="Consolas" panose="020B0609020204030204" pitchFamily="49" charset="0"/>
-              </a:rPr>
-              <a:t>        </a:t>
-            </a:r>
-            <a:r>
-              <a:rPr lang="en-US" sz="2400" dirty="0">
-                <a:solidFill>
-                  <a:srgbClr val="0000FF"/>
-                </a:solidFill>
-                <a:highlight>
-                  <a:srgbClr val="FFFFFF"/>
-                </a:highlight>
-                <a:latin typeface="Consolas" panose="020B0609020204030204" pitchFamily="49" charset="0"/>
-              </a:rPr>
-              <a:t>return</a:t>
-            </a:r>
-            <a:r>
-              <a:rPr lang="en-US" sz="2400" dirty="0">
-                <a:solidFill>
-                  <a:srgbClr val="000000"/>
-                </a:solidFill>
-                <a:highlight>
-                  <a:srgbClr val="FFFFFF"/>
-                </a:highlight>
-                <a:latin typeface="Consolas" panose="020B0609020204030204" pitchFamily="49" charset="0"/>
-              </a:rPr>
-              <a:t> </a:t>
-            </a:r>
-            <a:r>
-              <a:rPr lang="en-US" sz="2400" dirty="0" err="1">
-                <a:solidFill>
-                  <a:srgbClr val="000000"/>
-                </a:solidFill>
-                <a:highlight>
-                  <a:srgbClr val="FFFFFF"/>
-                </a:highlight>
-                <a:latin typeface="Consolas" panose="020B0609020204030204" pitchFamily="49" charset="0"/>
-              </a:rPr>
-              <a:t>line.Split</a:t>
-            </a:r>
-            <a:r>
-              <a:rPr lang="en-US" sz="2400" dirty="0">
-                <a:solidFill>
-                  <a:srgbClr val="000000"/>
-                </a:solidFill>
-                <a:highlight>
-                  <a:srgbClr val="FFFFFF"/>
-                </a:highlight>
-                <a:latin typeface="Consolas" panose="020B0609020204030204" pitchFamily="49" charset="0"/>
-              </a:rPr>
-              <a:t>()</a:t>
-            </a:r>
-            <a:endParaRPr lang="ru-RU" sz="2400" dirty="0">
-              <a:solidFill>
-                <a:srgbClr val="000000"/>
-              </a:solidFill>
-              <a:highlight>
-                <a:srgbClr val="FFFFFF"/>
-              </a:highlight>
-              <a:latin typeface="Consolas" panose="020B0609020204030204" pitchFamily="49" charset="0"/>
-            </a:endParaRPr>
-          </a:p>
-          <a:p>
-            <a:pPr marL="0" indent="0">
-              <a:buNone/>
-            </a:pPr>
-            <a:r>
-              <a:rPr lang="ru-RU" sz="2400" dirty="0">
-                <a:solidFill>
-                  <a:srgbClr val="000000"/>
-                </a:solidFill>
-                <a:highlight>
-                  <a:srgbClr val="FFFFFF"/>
-                </a:highlight>
-                <a:latin typeface="Consolas" panose="020B0609020204030204" pitchFamily="49" charset="0"/>
-              </a:rPr>
-              <a:t>            </a:t>
-            </a:r>
-            <a:r>
-              <a:rPr lang="en-US" sz="2400" dirty="0">
-                <a:solidFill>
-                  <a:srgbClr val="000000"/>
-                </a:solidFill>
-                <a:highlight>
-                  <a:srgbClr val="FFFFFF"/>
-                </a:highlight>
-                <a:latin typeface="Consolas" panose="020B0609020204030204" pitchFamily="49" charset="0"/>
-              </a:rPr>
-              <a:t>.Select(</a:t>
-            </a:r>
-            <a:r>
-              <a:rPr lang="en-US" sz="2400" dirty="0" err="1">
-                <a:solidFill>
-                  <a:srgbClr val="0000FF"/>
-                </a:solidFill>
-                <a:highlight>
-                  <a:srgbClr val="FFFFFF"/>
-                </a:highlight>
-                <a:latin typeface="Consolas" panose="020B0609020204030204" pitchFamily="49" charset="0"/>
-              </a:rPr>
-              <a:t>double</a:t>
-            </a:r>
-            <a:r>
-              <a:rPr lang="en-US" sz="2400" dirty="0" err="1">
-                <a:solidFill>
-                  <a:srgbClr val="000000"/>
-                </a:solidFill>
-                <a:highlight>
-                  <a:srgbClr val="FFFFFF"/>
-                </a:highlight>
-                <a:latin typeface="Consolas" panose="020B0609020204030204" pitchFamily="49" charset="0"/>
-              </a:rPr>
-              <a:t>.Parse</a:t>
-            </a:r>
-            <a:r>
-              <a:rPr lang="en-US" sz="2400" dirty="0">
-                <a:solidFill>
-                  <a:srgbClr val="000000"/>
-                </a:solidFill>
-                <a:highlight>
-                  <a:srgbClr val="FFFFFF"/>
-                </a:highlight>
-                <a:latin typeface="Consolas" panose="020B0609020204030204" pitchFamily="49" charset="0"/>
-              </a:rPr>
-              <a:t>).</a:t>
-            </a:r>
-            <a:r>
-              <a:rPr lang="en-US" sz="2400" dirty="0" err="1">
-                <a:solidFill>
-                  <a:srgbClr val="000000"/>
-                </a:solidFill>
-                <a:highlight>
-                  <a:srgbClr val="FFFFFF"/>
-                </a:highlight>
-                <a:latin typeface="Consolas" panose="020B0609020204030204" pitchFamily="49" charset="0"/>
-              </a:rPr>
-              <a:t>ToArray</a:t>
-            </a:r>
-            <a:r>
-              <a:rPr lang="en-US" sz="2400" dirty="0">
-                <a:solidFill>
-                  <a:srgbClr val="000000"/>
-                </a:solidFill>
-                <a:highlight>
-                  <a:srgbClr val="FFFFFF"/>
-                </a:highlight>
-                <a:latin typeface="Consolas" panose="020B0609020204030204" pitchFamily="49" charset="0"/>
-              </a:rPr>
-              <a:t>();</a:t>
-            </a:r>
-          </a:p>
-          <a:p>
-            <a:pPr marL="0" indent="0">
-              <a:buNone/>
-            </a:pPr>
-            <a:r>
-              <a:rPr lang="ru-RU" sz="2400" dirty="0">
-                <a:solidFill>
-                  <a:srgbClr val="000000"/>
-                </a:solidFill>
-                <a:highlight>
-                  <a:srgbClr val="FFFFFF"/>
-                </a:highlight>
-                <a:latin typeface="Consolas" panose="020B0609020204030204" pitchFamily="49" charset="0"/>
-              </a:rPr>
-              <a:t>    }</a:t>
-            </a:r>
-          </a:p>
-          <a:p>
-            <a:pPr marL="0" indent="0">
-              <a:buNone/>
-            </a:pPr>
-            <a:r>
-              <a:rPr lang="en-US" sz="2400" dirty="0">
-                <a:solidFill>
-                  <a:srgbClr val="000000"/>
-                </a:solidFill>
-                <a:highlight>
-                  <a:srgbClr val="FFFFFF"/>
-                </a:highlight>
-                <a:latin typeface="Consolas" panose="020B0609020204030204" pitchFamily="49" charset="0"/>
-              </a:rPr>
-              <a:t>    </a:t>
-            </a:r>
-            <a:r>
-              <a:rPr lang="en-US" sz="2400" dirty="0">
-                <a:solidFill>
-                  <a:srgbClr val="0000FF"/>
-                </a:solidFill>
-                <a:highlight>
-                  <a:srgbClr val="FFFFFF"/>
-                </a:highlight>
-                <a:latin typeface="Consolas" panose="020B0609020204030204" pitchFamily="49" charset="0"/>
-              </a:rPr>
-              <a:t>catch</a:t>
-            </a:r>
-            <a:r>
-              <a:rPr lang="en-US" sz="2400" dirty="0">
-                <a:solidFill>
-                  <a:srgbClr val="000000"/>
-                </a:solidFill>
-                <a:highlight>
-                  <a:srgbClr val="FFFFFF"/>
-                </a:highlight>
-                <a:latin typeface="Consolas" panose="020B0609020204030204" pitchFamily="49" charset="0"/>
-              </a:rPr>
-              <a:t> (</a:t>
-            </a:r>
-            <a:r>
-              <a:rPr lang="en-US" sz="2400" dirty="0" err="1">
-                <a:solidFill>
-                  <a:srgbClr val="2B91AF"/>
-                </a:solidFill>
-                <a:highlight>
-                  <a:srgbClr val="FFFFFF"/>
-                </a:highlight>
-                <a:latin typeface="Consolas" panose="020B0609020204030204" pitchFamily="49" charset="0"/>
-              </a:rPr>
-              <a:t>FormatException</a:t>
-            </a:r>
-            <a:r>
-              <a:rPr lang="en-US" sz="2400" dirty="0">
-                <a:solidFill>
-                  <a:srgbClr val="000000"/>
-                </a:solidFill>
-                <a:highlight>
-                  <a:srgbClr val="FFFFFF"/>
-                </a:highlight>
-                <a:latin typeface="Consolas" panose="020B0609020204030204" pitchFamily="49" charset="0"/>
-              </a:rPr>
-              <a:t> e) </a:t>
-            </a:r>
-            <a:r>
-              <a:rPr lang="ru-RU" sz="2400" dirty="0">
-                <a:solidFill>
-                  <a:srgbClr val="000000"/>
-                </a:solidFill>
-                <a:highlight>
-                  <a:srgbClr val="FFFFFF"/>
-                </a:highlight>
-                <a:latin typeface="Consolas" panose="020B0609020204030204" pitchFamily="49" charset="0"/>
-              </a:rPr>
-              <a:t>{</a:t>
-            </a:r>
-          </a:p>
-          <a:p>
-            <a:pPr marL="0" indent="0">
-              <a:buNone/>
-            </a:pPr>
-            <a:r>
-              <a:rPr lang="en-US" sz="2400" dirty="0">
-                <a:solidFill>
-                  <a:srgbClr val="000000"/>
-                </a:solidFill>
-                <a:highlight>
-                  <a:srgbClr val="FFFFFF"/>
-                </a:highlight>
-                <a:latin typeface="Consolas" panose="020B0609020204030204" pitchFamily="49" charset="0"/>
-              </a:rPr>
-              <a:t>        </a:t>
-            </a:r>
-            <a:r>
-              <a:rPr lang="en-US" sz="2400" dirty="0">
-                <a:solidFill>
-                  <a:srgbClr val="0000FF"/>
-                </a:solidFill>
-                <a:highlight>
-                  <a:srgbClr val="FFFFFF"/>
-                </a:highlight>
-                <a:latin typeface="Consolas" panose="020B0609020204030204" pitchFamily="49" charset="0"/>
-              </a:rPr>
-              <a:t>throw</a:t>
-            </a:r>
-            <a:r>
-              <a:rPr lang="en-US" sz="2400" dirty="0">
-                <a:solidFill>
-                  <a:srgbClr val="000000"/>
-                </a:solidFill>
-                <a:highlight>
-                  <a:srgbClr val="FFFFFF"/>
-                </a:highlight>
-                <a:latin typeface="Consolas" panose="020B0609020204030204" pitchFamily="49" charset="0"/>
-              </a:rPr>
-              <a:t> </a:t>
-            </a:r>
-            <a:r>
-              <a:rPr lang="en-US" sz="2400" dirty="0">
-                <a:solidFill>
-                  <a:srgbClr val="0000FF"/>
-                </a:solidFill>
-                <a:highlight>
-                  <a:srgbClr val="FFFFFF"/>
-                </a:highlight>
-                <a:latin typeface="Consolas" panose="020B0609020204030204" pitchFamily="49" charset="0"/>
-              </a:rPr>
-              <a:t>new</a:t>
-            </a:r>
-            <a:r>
-              <a:rPr lang="en-US" sz="2400" dirty="0">
-                <a:solidFill>
-                  <a:srgbClr val="000000"/>
-                </a:solidFill>
-                <a:highlight>
-                  <a:srgbClr val="FFFFFF"/>
-                </a:highlight>
-                <a:latin typeface="Consolas" panose="020B0609020204030204" pitchFamily="49" charset="0"/>
-              </a:rPr>
-              <a:t> </a:t>
-            </a:r>
-            <a:r>
-              <a:rPr lang="en-US" sz="2400" dirty="0" err="1">
-                <a:solidFill>
-                  <a:srgbClr val="2B91AF"/>
-                </a:solidFill>
-                <a:highlight>
-                  <a:srgbClr val="FFFFFF"/>
-                </a:highlight>
-                <a:latin typeface="Consolas" panose="020B0609020204030204" pitchFamily="49" charset="0"/>
-              </a:rPr>
-              <a:t>FormatException</a:t>
-            </a:r>
-            <a:r>
-              <a:rPr lang="en-US" sz="2400" dirty="0">
-                <a:solidFill>
-                  <a:srgbClr val="000000"/>
-                </a:solidFill>
-                <a:highlight>
-                  <a:srgbClr val="FFFFFF"/>
-                </a:highlight>
-                <a:latin typeface="Consolas" panose="020B0609020204030204" pitchFamily="49" charset="0"/>
-              </a:rPr>
-              <a:t>(</a:t>
-            </a:r>
-          </a:p>
-          <a:p>
-            <a:pPr marL="0" indent="0">
-              <a:buNone/>
-            </a:pPr>
-            <a:r>
-              <a:rPr lang="en-US" sz="2400" dirty="0">
-                <a:solidFill>
-                  <a:srgbClr val="000000"/>
-                </a:solidFill>
-                <a:highlight>
-                  <a:srgbClr val="FFFFFF"/>
-                </a:highlight>
-                <a:latin typeface="Consolas" panose="020B0609020204030204" pitchFamily="49" charset="0"/>
-              </a:rPr>
-              <a:t>		</a:t>
-            </a:r>
-            <a:r>
-              <a:rPr lang="en-US" sz="2400" dirty="0">
-                <a:solidFill>
-                  <a:srgbClr val="A31515"/>
-                </a:solidFill>
-                <a:highlight>
-                  <a:srgbClr val="FFFFFF"/>
-                </a:highlight>
-                <a:latin typeface="Consolas" panose="020B0609020204030204" pitchFamily="49" charset="0"/>
-              </a:rPr>
-              <a:t>$"Incorrect value in line [</a:t>
-            </a:r>
-            <a:r>
-              <a:rPr lang="en-US" sz="2400" dirty="0">
-                <a:solidFill>
-                  <a:srgbClr val="000000"/>
-                </a:solidFill>
-                <a:highlight>
-                  <a:srgbClr val="FFFFFF"/>
-                </a:highlight>
-                <a:latin typeface="Consolas" panose="020B0609020204030204" pitchFamily="49" charset="0"/>
-              </a:rPr>
-              <a:t>{line}</a:t>
-            </a:r>
-            <a:r>
-              <a:rPr lang="en-US" sz="2400" dirty="0">
-                <a:solidFill>
-                  <a:srgbClr val="A31515"/>
-                </a:solidFill>
-                <a:highlight>
-                  <a:srgbClr val="FFFFFF"/>
-                </a:highlight>
-                <a:latin typeface="Consolas" panose="020B0609020204030204" pitchFamily="49" charset="0"/>
-              </a:rPr>
-              <a:t>]"</a:t>
-            </a:r>
-            <a:r>
-              <a:rPr lang="en-US" sz="2400" dirty="0">
-                <a:solidFill>
-                  <a:srgbClr val="000000"/>
-                </a:solidFill>
-                <a:highlight>
-                  <a:srgbClr val="FFFFFF"/>
-                </a:highlight>
-                <a:latin typeface="Consolas" panose="020B0609020204030204" pitchFamily="49" charset="0"/>
-              </a:rPr>
               <a:t>, e);</a:t>
             </a:r>
           </a:p>
@@ -18039,6 +19121,667 @@
     <p:extLst>
       <p:ext uri="{BB962C8B-B14F-4D97-AF65-F5344CB8AC3E}">
         <p14:creationId xmlns:p14="http://schemas.microsoft.com/office/powerpoint/2010/main" val="3047234552"/>
+      </p:ext>
+    </p:extLst>
+  </p:cSld>
+  <p:clrMapOvr>
+    <a:masterClrMapping/>
+  </p:clrMapOvr>
+</p:sld>
+</file>
+
+<file path=ppt/slides/slide21.xml><?xml version="1.0" encoding="utf-8"?>
+<p:sld xmlns:a="http://schemas.openxmlformats.org/drawingml/2006/main" xmlns:r="http://schemas.openxmlformats.org/officeDocument/2006/relationships" xmlns:p="http://schemas.openxmlformats.org/presentationml/2006/main">
+  <p:cSld>
+    <p:spTree>
+      <p:nvGrpSpPr>
+        <p:cNvPr id="1" name=""/>
+        <p:cNvGrpSpPr/>
+        <p:nvPr/>
+      </p:nvGrpSpPr>
+      <p:grpSpPr>
+        <a:xfrm>
+          <a:off x="0" y="0"/>
+          <a:ext cx="0" cy="0"/>
+          <a:chOff x="0" y="0"/>
+          <a:chExt cx="0" cy="0"/>
+        </a:xfrm>
+      </p:grpSpPr>
+      <p:sp>
+        <p:nvSpPr>
+          <p:cNvPr id="2" name="Заголовок 1"/>
+          <p:cNvSpPr>
+            <a:spLocks noGrp="1"/>
+          </p:cNvSpPr>
+          <p:nvPr>
+            <p:ph type="title"/>
+          </p:nvPr>
+        </p:nvSpPr>
+        <p:spPr/>
+        <p:txBody>
+          <a:bodyPr>
+            <a:normAutofit fontScale="90000"/>
+          </a:bodyPr>
+          <a:lstStyle/>
+          <a:p>
+            <a:r>
+              <a:rPr lang="ru-RU" dirty="0"/>
+              <a:t>Про </a:t>
+            </a:r>
+            <a:r>
+              <a:rPr lang="en-US" dirty="0" err="1"/>
+              <a:t>Async</a:t>
+            </a:r>
+            <a:r>
+              <a:rPr lang="en-US" dirty="0"/>
+              <a:t> </a:t>
+            </a:r>
+            <a:r>
+              <a:rPr lang="ru-RU" dirty="0"/>
+              <a:t>и </a:t>
+            </a:r>
+            <a:r>
+              <a:rPr lang="en-US" dirty="0"/>
+              <a:t>Task </a:t>
+            </a:r>
+            <a:r>
+              <a:rPr lang="ru-RU" dirty="0"/>
+              <a:t>следует помнить</a:t>
+            </a:r>
+          </a:p>
+        </p:txBody>
+      </p:sp>
+      <p:sp>
+        <p:nvSpPr>
+          <p:cNvPr id="3" name="Объект 2"/>
+          <p:cNvSpPr>
+            <a:spLocks noGrp="1"/>
+          </p:cNvSpPr>
+          <p:nvPr>
+            <p:ph idx="1"/>
+          </p:nvPr>
+        </p:nvSpPr>
+        <p:spPr>
+          <a:xfrm>
+            <a:off x="1295468" y="1628775"/>
+            <a:ext cx="9601067" cy="4679950"/>
+          </a:xfrm>
+        </p:spPr>
+        <p:txBody>
+          <a:bodyPr>
+            <a:normAutofit fontScale="85000" lnSpcReduction="20000"/>
+          </a:bodyPr>
+          <a:lstStyle/>
+          <a:p>
+            <a:pPr marL="0" indent="0">
+              <a:buNone/>
+            </a:pPr>
+            <a:r>
+              <a:rPr lang="en-US" sz="2400" dirty="0">
+                <a:solidFill>
+                  <a:srgbClr val="0000FF"/>
+                </a:solidFill>
+                <a:highlight>
+                  <a:srgbClr val="FFFFFF"/>
+                </a:highlight>
+                <a:latin typeface="Consolas" panose="020B0609020204030204" pitchFamily="49" charset="0"/>
+              </a:rPr>
+              <a:t>public </a:t>
+            </a:r>
+            <a:r>
+              <a:rPr lang="en-US" sz="2400" dirty="0" err="1">
+                <a:solidFill>
+                  <a:srgbClr val="0000FF"/>
+                </a:solidFill>
+                <a:highlight>
+                  <a:srgbClr val="FFFFFF"/>
+                </a:highlight>
+                <a:latin typeface="Consolas" panose="020B0609020204030204" pitchFamily="49" charset="0"/>
+              </a:rPr>
+              <a:t>async</a:t>
+            </a:r>
+            <a:r>
+              <a:rPr lang="en-US" sz="2400" dirty="0">
+                <a:solidFill>
+                  <a:srgbClr val="000000"/>
+                </a:solidFill>
+                <a:highlight>
+                  <a:srgbClr val="FFFFFF"/>
+                </a:highlight>
+                <a:latin typeface="Consolas" panose="020B0609020204030204" pitchFamily="49" charset="0"/>
+              </a:rPr>
+              <a:t> Task </a:t>
+            </a:r>
+            <a:r>
+              <a:rPr lang="en-US" sz="2400" dirty="0" err="1">
+                <a:solidFill>
+                  <a:srgbClr val="000000"/>
+                </a:solidFill>
+                <a:highlight>
+                  <a:srgbClr val="FFFFFF"/>
+                </a:highlight>
+                <a:latin typeface="Consolas" panose="020B0609020204030204" pitchFamily="49" charset="0"/>
+              </a:rPr>
+              <a:t>StartProcessingAsync</a:t>
+            </a:r>
+            <a:r>
+              <a:rPr lang="en-US" sz="2400" dirty="0">
+                <a:solidFill>
+                  <a:srgbClr val="000000"/>
+                </a:solidFill>
+                <a:highlight>
+                  <a:srgbClr val="FFFFFF"/>
+                </a:highlight>
+                <a:latin typeface="Consolas" panose="020B0609020204030204" pitchFamily="49" charset="0"/>
+              </a:rPr>
+              <a:t>(Data d) </a:t>
+            </a:r>
+            <a:r>
+              <a:rPr lang="ru-RU" sz="2400" dirty="0">
+                <a:solidFill>
+                  <a:srgbClr val="000000"/>
+                </a:solidFill>
+                <a:highlight>
+                  <a:srgbClr val="FFFFFF"/>
+                </a:highlight>
+                <a:latin typeface="Consolas" panose="020B0609020204030204" pitchFamily="49" charset="0"/>
+              </a:rPr>
+              <a:t>{</a:t>
+            </a:r>
+            <a:endParaRPr lang="en-US" sz="2400" dirty="0">
+              <a:solidFill>
+                <a:srgbClr val="000000"/>
+              </a:solidFill>
+              <a:highlight>
+                <a:srgbClr val="FFFFFF"/>
+              </a:highlight>
+              <a:latin typeface="Consolas" panose="020B0609020204030204" pitchFamily="49" charset="0"/>
+            </a:endParaRPr>
+          </a:p>
+          <a:p>
+            <a:pPr marL="0" indent="0">
+              <a:buNone/>
+            </a:pPr>
+            <a:r>
+              <a:rPr lang="en-US" sz="2400" dirty="0">
+                <a:solidFill>
+                  <a:srgbClr val="000000"/>
+                </a:solidFill>
+                <a:highlight>
+                  <a:srgbClr val="FFFFFF"/>
+                </a:highlight>
+                <a:latin typeface="Consolas" panose="020B0609020204030204" pitchFamily="49" charset="0"/>
+              </a:rPr>
+              <a:t>	</a:t>
+            </a:r>
+            <a:r>
+              <a:rPr lang="en-US" sz="2400" dirty="0">
+                <a:solidFill>
+                  <a:srgbClr val="0000FF"/>
+                </a:solidFill>
+                <a:highlight>
+                  <a:srgbClr val="FFFFFF"/>
+                </a:highlight>
+                <a:latin typeface="Consolas" panose="020B0609020204030204" pitchFamily="49" charset="0"/>
+              </a:rPr>
+              <a:t>try</a:t>
+            </a:r>
+            <a:r>
+              <a:rPr lang="en-US" sz="2400" dirty="0">
+                <a:solidFill>
+                  <a:srgbClr val="000000"/>
+                </a:solidFill>
+                <a:highlight>
+                  <a:srgbClr val="FFFFFF"/>
+                </a:highlight>
+                <a:latin typeface="Consolas" panose="020B0609020204030204" pitchFamily="49" charset="0"/>
+              </a:rPr>
+              <a:t> {</a:t>
+            </a:r>
+            <a:endParaRPr lang="ru-RU" sz="2400" dirty="0">
+              <a:solidFill>
+                <a:srgbClr val="000000"/>
+              </a:solidFill>
+              <a:highlight>
+                <a:srgbClr val="FFFFFF"/>
+              </a:highlight>
+              <a:latin typeface="Consolas" panose="020B0609020204030204" pitchFamily="49" charset="0"/>
+            </a:endParaRPr>
+          </a:p>
+          <a:p>
+            <a:pPr marL="0" indent="0">
+              <a:buNone/>
+            </a:pPr>
+            <a:r>
+              <a:rPr lang="en-US" sz="2400" dirty="0">
+                <a:solidFill>
+                  <a:srgbClr val="0000FF"/>
+                </a:solidFill>
+                <a:highlight>
+                  <a:srgbClr val="FFFFFF"/>
+                </a:highlight>
+                <a:latin typeface="Consolas" panose="020B0609020204030204" pitchFamily="49" charset="0"/>
+              </a:rPr>
+              <a:t>		await</a:t>
+            </a:r>
+            <a:r>
+              <a:rPr lang="en-US" sz="2400" dirty="0">
+                <a:solidFill>
+                  <a:srgbClr val="000000"/>
+                </a:solidFill>
+                <a:highlight>
+                  <a:srgbClr val="FFFFFF"/>
+                </a:highlight>
+                <a:latin typeface="Consolas" panose="020B0609020204030204" pitchFamily="49" charset="0"/>
+              </a:rPr>
+              <a:t> </a:t>
+            </a:r>
+            <a:r>
+              <a:rPr lang="en-US" sz="2400" dirty="0" err="1">
+                <a:solidFill>
+                  <a:srgbClr val="000000"/>
+                </a:solidFill>
+                <a:highlight>
+                  <a:srgbClr val="FFFFFF"/>
+                </a:highlight>
+                <a:latin typeface="Consolas" panose="020B0609020204030204" pitchFamily="49" charset="0"/>
+              </a:rPr>
+              <a:t>ProcessDataAsync</a:t>
+            </a:r>
+            <a:r>
+              <a:rPr lang="en-US" sz="2400" dirty="0">
+                <a:solidFill>
+                  <a:srgbClr val="000000"/>
+                </a:solidFill>
+                <a:highlight>
+                  <a:srgbClr val="FFFFFF"/>
+                </a:highlight>
+                <a:latin typeface="Consolas" panose="020B0609020204030204" pitchFamily="49" charset="0"/>
+              </a:rPr>
+              <a:t>(d));</a:t>
+            </a:r>
+          </a:p>
+          <a:p>
+            <a:pPr marL="0" indent="0">
+              <a:buNone/>
+            </a:pPr>
+            <a:r>
+              <a:rPr lang="en-US" sz="2400" dirty="0">
+                <a:solidFill>
+                  <a:srgbClr val="000000"/>
+                </a:solidFill>
+                <a:highlight>
+                  <a:srgbClr val="FFFFFF"/>
+                </a:highlight>
+                <a:latin typeface="Consolas" panose="020B0609020204030204" pitchFamily="49" charset="0"/>
+              </a:rPr>
+              <a:t>	}</a:t>
+            </a:r>
+          </a:p>
+          <a:p>
+            <a:pPr marL="0" indent="0">
+              <a:buNone/>
+            </a:pPr>
+            <a:r>
+              <a:rPr lang="en-US" sz="2400" dirty="0">
+                <a:solidFill>
+                  <a:srgbClr val="000000"/>
+                </a:solidFill>
+                <a:highlight>
+                  <a:srgbClr val="FFFFFF"/>
+                </a:highlight>
+                <a:latin typeface="Consolas" panose="020B0609020204030204" pitchFamily="49" charset="0"/>
+              </a:rPr>
+              <a:t>	</a:t>
+            </a:r>
+            <a:r>
+              <a:rPr lang="en-US" sz="2400" dirty="0">
+                <a:solidFill>
+                  <a:srgbClr val="0000FF"/>
+                </a:solidFill>
+                <a:highlight>
+                  <a:srgbClr val="FFFFFF"/>
+                </a:highlight>
+                <a:latin typeface="Consolas" panose="020B0609020204030204" pitchFamily="49" charset="0"/>
+              </a:rPr>
+              <a:t>catch</a:t>
+            </a:r>
+            <a:r>
+              <a:rPr lang="en-US" sz="2400" dirty="0">
+                <a:solidFill>
+                  <a:srgbClr val="000000"/>
+                </a:solidFill>
+                <a:highlight>
+                  <a:srgbClr val="FFFFFF"/>
+                </a:highlight>
+                <a:latin typeface="Consolas" panose="020B0609020204030204" pitchFamily="49" charset="0"/>
+              </a:rPr>
+              <a:t> (Exception e) {</a:t>
+            </a:r>
+          </a:p>
+          <a:p>
+            <a:pPr marL="0" indent="0">
+              <a:buNone/>
+            </a:pPr>
+            <a:r>
+              <a:rPr lang="en-US" sz="2400" dirty="0">
+                <a:solidFill>
+                  <a:srgbClr val="000000"/>
+                </a:solidFill>
+                <a:highlight>
+                  <a:srgbClr val="FFFFFF"/>
+                </a:highlight>
+                <a:latin typeface="Consolas" panose="020B0609020204030204" pitchFamily="49" charset="0"/>
+              </a:rPr>
+              <a:t>	}</a:t>
+            </a:r>
+          </a:p>
+          <a:p>
+            <a:pPr marL="0" indent="0">
+              <a:buNone/>
+            </a:pPr>
+            <a:r>
+              <a:rPr lang="ru-RU" sz="2400" dirty="0">
+                <a:solidFill>
+                  <a:srgbClr val="000000"/>
+                </a:solidFill>
+                <a:highlight>
+                  <a:srgbClr val="FFFFFF"/>
+                </a:highlight>
+                <a:latin typeface="Consolas" panose="020B0609020204030204" pitchFamily="49" charset="0"/>
+              </a:rPr>
+              <a:t>}</a:t>
+            </a:r>
+            <a:endParaRPr lang="en-US" sz="2400" dirty="0">
+              <a:solidFill>
+                <a:srgbClr val="000000"/>
+              </a:solidFill>
+              <a:highlight>
+                <a:srgbClr val="FFFFFF"/>
+              </a:highlight>
+              <a:latin typeface="Consolas" panose="020B0609020204030204" pitchFamily="49" charset="0"/>
+            </a:endParaRPr>
+          </a:p>
+          <a:p>
+            <a:pPr marL="0" indent="0">
+              <a:buNone/>
+            </a:pPr>
+            <a:endParaRPr lang="en-US" sz="2400" dirty="0">
+              <a:solidFill>
+                <a:srgbClr val="000000"/>
+              </a:solidFill>
+              <a:highlight>
+                <a:srgbClr val="FFFFFF"/>
+              </a:highlight>
+              <a:latin typeface="Consolas" panose="020B0609020204030204" pitchFamily="49" charset="0"/>
+            </a:endParaRPr>
+          </a:p>
+          <a:p>
+            <a:r>
+              <a:rPr lang="en-US" sz="2400" dirty="0">
+                <a:solidFill>
+                  <a:srgbClr val="0000FF"/>
+                </a:solidFill>
+                <a:highlight>
+                  <a:srgbClr val="FFFFFF"/>
+                </a:highlight>
+                <a:latin typeface="Consolas" panose="020B0609020204030204" pitchFamily="49" charset="0"/>
+              </a:rPr>
+              <a:t>public</a:t>
+            </a:r>
+            <a:r>
+              <a:rPr lang="en-US" sz="2400" dirty="0">
+                <a:solidFill>
+                  <a:srgbClr val="000000"/>
+                </a:solidFill>
+                <a:highlight>
+                  <a:srgbClr val="FFFFFF"/>
+                </a:highlight>
+                <a:latin typeface="Consolas" panose="020B0609020204030204" pitchFamily="49" charset="0"/>
+              </a:rPr>
+              <a:t> </a:t>
+            </a:r>
+            <a:r>
+              <a:rPr lang="en-US" sz="2400" dirty="0">
+                <a:solidFill>
+                  <a:srgbClr val="0000FF"/>
+                </a:solidFill>
+                <a:highlight>
+                  <a:srgbClr val="FFFFFF"/>
+                </a:highlight>
+                <a:latin typeface="Consolas" panose="020B0609020204030204" pitchFamily="49" charset="0"/>
+              </a:rPr>
+              <a:t>void</a:t>
+            </a:r>
+            <a:r>
+              <a:rPr lang="en-US" sz="2400" dirty="0">
+                <a:solidFill>
+                  <a:srgbClr val="000000"/>
+                </a:solidFill>
+                <a:highlight>
+                  <a:srgbClr val="FFFFFF"/>
+                </a:highlight>
+                <a:latin typeface="Consolas" panose="020B0609020204030204" pitchFamily="49" charset="0"/>
+              </a:rPr>
+              <a:t> </a:t>
+            </a:r>
+            <a:r>
+              <a:rPr lang="en-US" sz="2400" dirty="0" err="1">
+                <a:solidFill>
+                  <a:srgbClr val="000000"/>
+                </a:solidFill>
+                <a:highlight>
+                  <a:srgbClr val="FFFFFF"/>
+                </a:highlight>
+                <a:latin typeface="Consolas" panose="020B0609020204030204" pitchFamily="49" charset="0"/>
+              </a:rPr>
+              <a:t>StartProcessing</a:t>
+            </a:r>
+            <a:r>
+              <a:rPr lang="en-US" sz="2400" dirty="0">
+                <a:solidFill>
+                  <a:srgbClr val="000000"/>
+                </a:solidFill>
+                <a:highlight>
+                  <a:srgbClr val="FFFFFF"/>
+                </a:highlight>
+                <a:latin typeface="Consolas" panose="020B0609020204030204" pitchFamily="49" charset="0"/>
+              </a:rPr>
+              <a:t>(Data d) </a:t>
+            </a:r>
+            <a:r>
+              <a:rPr lang="ru-RU" sz="2400" dirty="0">
+                <a:solidFill>
+                  <a:srgbClr val="000000"/>
+                </a:solidFill>
+                <a:highlight>
+                  <a:srgbClr val="FFFFFF"/>
+                </a:highlight>
+                <a:latin typeface="Consolas" panose="020B0609020204030204" pitchFamily="49" charset="0"/>
+              </a:rPr>
+              <a:t>{</a:t>
+            </a:r>
+            <a:endParaRPr lang="en-US" sz="2400" dirty="0">
+              <a:solidFill>
+                <a:srgbClr val="000000"/>
+              </a:solidFill>
+              <a:highlight>
+                <a:srgbClr val="FFFFFF"/>
+              </a:highlight>
+              <a:latin typeface="Consolas" panose="020B0609020204030204" pitchFamily="49" charset="0"/>
+            </a:endParaRPr>
+          </a:p>
+          <a:p>
+            <a:r>
+              <a:rPr lang="en-US" sz="2400" dirty="0">
+                <a:solidFill>
+                  <a:srgbClr val="000000"/>
+                </a:solidFill>
+                <a:highlight>
+                  <a:srgbClr val="FFFFFF"/>
+                </a:highlight>
+                <a:latin typeface="Consolas" panose="020B0609020204030204" pitchFamily="49" charset="0"/>
+              </a:rPr>
+              <a:t>	</a:t>
+            </a:r>
+            <a:r>
+              <a:rPr lang="en-US" sz="2400" dirty="0">
+                <a:solidFill>
+                  <a:srgbClr val="0000FF"/>
+                </a:solidFill>
+                <a:highlight>
+                  <a:srgbClr val="FFFFFF"/>
+                </a:highlight>
+                <a:latin typeface="Consolas" panose="020B0609020204030204" pitchFamily="49" charset="0"/>
+              </a:rPr>
+              <a:t>try</a:t>
+            </a:r>
+            <a:r>
+              <a:rPr lang="en-US" sz="2400" dirty="0">
+                <a:solidFill>
+                  <a:srgbClr val="000000"/>
+                </a:solidFill>
+                <a:highlight>
+                  <a:srgbClr val="FFFFFF"/>
+                </a:highlight>
+                <a:latin typeface="Consolas" panose="020B0609020204030204" pitchFamily="49" charset="0"/>
+              </a:rPr>
+              <a:t> {</a:t>
+            </a:r>
+          </a:p>
+          <a:p>
+            <a:r>
+              <a:rPr lang="en-US" sz="2400" dirty="0">
+                <a:solidFill>
+                  <a:srgbClr val="000000"/>
+                </a:solidFill>
+                <a:highlight>
+                  <a:srgbClr val="FFFFFF"/>
+                </a:highlight>
+                <a:latin typeface="Consolas" panose="020B0609020204030204" pitchFamily="49" charset="0"/>
+              </a:rPr>
+              <a:t>		</a:t>
+            </a:r>
+            <a:r>
+              <a:rPr lang="en-US" sz="2400" dirty="0" err="1">
+                <a:solidFill>
+                  <a:srgbClr val="000000"/>
+                </a:solidFill>
+                <a:highlight>
+                  <a:srgbClr val="FFFFFF"/>
+                </a:highlight>
+                <a:latin typeface="Consolas" panose="020B0609020204030204" pitchFamily="49" charset="0"/>
+              </a:rPr>
+              <a:t>ProcessDataAsync</a:t>
+            </a:r>
+            <a:r>
+              <a:rPr lang="en-US" sz="2400" dirty="0">
+                <a:solidFill>
+                  <a:srgbClr val="000000"/>
+                </a:solidFill>
+                <a:highlight>
+                  <a:srgbClr val="FFFFFF"/>
+                </a:highlight>
+                <a:latin typeface="Consolas" panose="020B0609020204030204" pitchFamily="49" charset="0"/>
+              </a:rPr>
+              <a:t>(d);</a:t>
+            </a:r>
+          </a:p>
+          <a:p>
+            <a:r>
+              <a:rPr lang="en-US" sz="2400" dirty="0">
+                <a:solidFill>
+                  <a:srgbClr val="000000"/>
+                </a:solidFill>
+                <a:highlight>
+                  <a:srgbClr val="FFFFFF"/>
+                </a:highlight>
+                <a:latin typeface="Consolas" panose="020B0609020204030204" pitchFamily="49" charset="0"/>
+              </a:rPr>
+              <a:t>	}</a:t>
+            </a:r>
+          </a:p>
+          <a:p>
+            <a:r>
+              <a:rPr lang="en-US" sz="2400" dirty="0">
+                <a:solidFill>
+                  <a:srgbClr val="000000"/>
+                </a:solidFill>
+                <a:highlight>
+                  <a:srgbClr val="FFFFFF"/>
+                </a:highlight>
+                <a:latin typeface="Consolas" panose="020B0609020204030204" pitchFamily="49" charset="0"/>
+              </a:rPr>
+              <a:t>	</a:t>
+            </a:r>
+            <a:r>
+              <a:rPr lang="en-US" sz="2400" dirty="0">
+                <a:solidFill>
+                  <a:srgbClr val="0000FF"/>
+                </a:solidFill>
+                <a:highlight>
+                  <a:srgbClr val="FFFFFF"/>
+                </a:highlight>
+                <a:latin typeface="Consolas" panose="020B0609020204030204" pitchFamily="49" charset="0"/>
+              </a:rPr>
+              <a:t>catch</a:t>
+            </a:r>
+            <a:r>
+              <a:rPr lang="en-US" sz="2400" dirty="0">
+                <a:solidFill>
+                  <a:srgbClr val="000000"/>
+                </a:solidFill>
+                <a:highlight>
+                  <a:srgbClr val="FFFFFF"/>
+                </a:highlight>
+                <a:latin typeface="Consolas" panose="020B0609020204030204" pitchFamily="49" charset="0"/>
+              </a:rPr>
+              <a:t> (Exception e) {</a:t>
+            </a:r>
+          </a:p>
+          <a:p>
+            <a:r>
+              <a:rPr lang="en-US" sz="2400" dirty="0">
+                <a:solidFill>
+                  <a:srgbClr val="000000"/>
+                </a:solidFill>
+                <a:highlight>
+                  <a:srgbClr val="FFFFFF"/>
+                </a:highlight>
+                <a:latin typeface="Consolas" panose="020B0609020204030204" pitchFamily="49" charset="0"/>
+              </a:rPr>
+              <a:t>	}</a:t>
+            </a:r>
+          </a:p>
+          <a:p>
+            <a:r>
+              <a:rPr lang="ru-RU" sz="2400" dirty="0">
+                <a:solidFill>
+                  <a:srgbClr val="000000"/>
+                </a:solidFill>
+                <a:highlight>
+                  <a:srgbClr val="FFFFFF"/>
+                </a:highlight>
+                <a:latin typeface="Consolas" panose="020B0609020204030204" pitchFamily="49" charset="0"/>
+              </a:rPr>
+              <a:t>}</a:t>
+            </a:r>
+            <a:endParaRPr lang="en-US" sz="2400" dirty="0">
+              <a:solidFill>
+                <a:srgbClr val="000000"/>
+              </a:solidFill>
+              <a:highlight>
+                <a:srgbClr val="FFFFFF"/>
+              </a:highlight>
+              <a:latin typeface="Consolas" panose="020B0609020204030204" pitchFamily="49" charset="0"/>
+            </a:endParaRPr>
+          </a:p>
+        </p:txBody>
+      </p:sp>
+    </p:spTree>
+    <p:extLst>
+      <p:ext uri="{BB962C8B-B14F-4D97-AF65-F5344CB8AC3E}">
+        <p14:creationId xmlns:p14="http://schemas.microsoft.com/office/powerpoint/2010/main" val="2352340421"/>
       </p:ext>
     </p:extLst>
   </p:cSld>
@@ -21223,6 +22966,10 @@
             <a:r>
               <a:rPr lang="ru-RU" dirty="0" err="1"/>
               <a:t>консистентности</a:t>
+            </a:r>
+            <a:r>
+              <a:rPr lang="ru-RU" dirty="0"/>
+              <a:t/>
             </a:r>
             <a:br>
               <a:rPr lang="ru-RU" dirty="0"/>

--- a/exceptions.pptx
+++ b/exceptions.pptx
@@ -7444,17 +7444,50 @@
           <a:p>
             <a:r>
               <a:rPr lang="ru-RU" dirty="0" smtClean="0"/>
-              <a:t>Перенести ближе</a:t>
+              <a:t>Представим,</a:t>
             </a:r>
             <a:r>
               <a:rPr lang="ru-RU" baseline="0" dirty="0" smtClean="0"/>
-              <a:t> к 4 пункту</a:t>
+              <a:t> что в … куча кода, тогда какая тут проблема? </a:t>
             </a:r>
           </a:p>
           <a:p>
             <a:r>
               <a:rPr lang="ru-RU" baseline="0" dirty="0" smtClean="0"/>
-              <a:t>Оставить большой </a:t>
+              <a:t>Это будет нечестный </a:t>
+            </a:r>
+            <a:r>
+              <a:rPr lang="en-US" baseline="0" dirty="0" err="1" smtClean="0"/>
+              <a:t>FormatException</a:t>
+            </a:r>
+            <a:r>
+              <a:rPr lang="en-US" baseline="0" dirty="0" smtClean="0"/>
+              <a:t>, </a:t>
+            </a:r>
+            <a:r>
+              <a:rPr lang="ru-RU" baseline="0" dirty="0" smtClean="0"/>
+              <a:t>т.к. могло случиться все что угодно.</a:t>
+            </a:r>
+          </a:p>
+          <a:p>
+            <a:r>
+              <a:rPr lang="ru-RU" baseline="0" dirty="0" smtClean="0"/>
+              <a:t>Вы написали специфичный обработчик, а реагируете на все подряд, поэтому надо </a:t>
+            </a:r>
+            <a:r>
+              <a:rPr lang="en-US" baseline="0" dirty="0" smtClean="0"/>
+              <a:t>subj</a:t>
+            </a:r>
+            <a:endParaRPr lang="ru-RU" dirty="0" smtClean="0"/>
+          </a:p>
+          <a:p>
+            <a:r>
+              <a:rPr lang="ru-RU" baseline="0" dirty="0" smtClean="0"/>
+              <a:t>Оставить </a:t>
+            </a:r>
+            <a:r>
+              <a:rPr lang="ru-RU" baseline="0" dirty="0" smtClean="0"/>
+              <a:t>большой </a:t>
             </a:r>
             <a:r>
               <a:rPr lang="en-US" baseline="0" dirty="0" smtClean="0"/>
@@ -7554,25 +7587,162 @@
             </a:r>
             <a:r>
               <a:rPr lang="ru-RU" baseline="0" dirty="0" smtClean="0"/>
-              <a:t> для правила «если не знаешь, что делать с исключением – кидай дальше» - глобальный </a:t>
-            </a:r>
+              <a:t> для правила «если не знаешь, что делать с исключением – кидай дальше» - глобальный обработчик.</a:t>
+            </a:r>
+          </a:p>
+          <a:p>
+            <a:endParaRPr lang="ru-RU" baseline="0" dirty="0" smtClean="0"/>
+          </a:p>
+          <a:p>
             <a:r>
               <a:rPr lang="ru-RU" baseline="0" dirty="0" smtClean="0"/>
-              <a:t>обработчик</a:t>
+              <a:t>Это для логов, для безопасности, для расследования, решить проблему пользователя (показать телефон техподдержки</a:t>
             </a:r>
             <a:r>
               <a:rPr lang="ru-RU" baseline="0" dirty="0" smtClean="0"/>
-              <a:t>.</a:t>
-            </a:r>
-          </a:p>
-          <a:p>
+              <a:t>)</a:t>
+            </a:r>
+          </a:p>
+          <a:p>
+            <a:r>
+              <a:rPr lang="ru-RU" baseline="0" dirty="0" smtClean="0"/>
+              <a:t>Для </a:t>
+            </a:r>
+            <a:r>
+              <a:rPr lang="en-US" baseline="0" dirty="0" smtClean="0"/>
+              <a:t>MVC – </a:t>
+            </a:r>
+            <a:r>
+              <a:rPr lang="en-US" baseline="0" dirty="0" err="1" smtClean="0"/>
+              <a:t>BaseController</a:t>
+            </a:r>
+            <a:r>
+              <a:rPr lang="en-US" baseline="0" dirty="0" smtClean="0"/>
+              <a:t> c </a:t>
+            </a:r>
+            <a:r>
+              <a:rPr lang="en-US" baseline="0" dirty="0" err="1" smtClean="0"/>
+              <a:t>OnError</a:t>
+            </a:r>
+            <a:r>
+              <a:rPr lang="ru-RU" baseline="0" dirty="0" smtClean="0"/>
+              <a:t> </a:t>
+            </a:r>
+            <a:r>
+              <a:rPr lang="en-US" baseline="0" dirty="0" smtClean="0"/>
+              <a:t>action</a:t>
+            </a:r>
+          </a:p>
+          <a:p>
+            <a:r>
+              <a:rPr lang="ru-RU" baseline="0" dirty="0" smtClean="0"/>
+              <a:t>Для</a:t>
+            </a:r>
+            <a:r>
+              <a:rPr lang="en-US" baseline="0" dirty="0" smtClean="0"/>
+              <a:t> ASP.NET - </a:t>
+            </a:r>
+            <a:r>
+              <a:rPr lang="en-US" sz="1200" kern="1200" dirty="0" err="1" smtClean="0">
+                <a:solidFill>
+                  <a:schemeClr val="tx1"/>
+                </a:solidFill>
+                <a:effectLst/>
+                <a:latin typeface="+mn-lt"/>
+                <a:ea typeface="+mn-ea"/>
+                <a:cs typeface="+mn-cs"/>
+              </a:rPr>
+              <a:t>AppDomain.CurrentDomain.UnhandledException</a:t>
+            </a:r>
+            <a:r>
+              <a:rPr lang="en-US" sz="1200" kern="1200" dirty="0" smtClean="0">
+                <a:solidFill>
+                  <a:schemeClr val="tx1"/>
+                </a:solidFill>
+                <a:effectLst/>
+                <a:latin typeface="+mn-lt"/>
+                <a:ea typeface="+mn-ea"/>
+                <a:cs typeface="+mn-cs"/>
+              </a:rPr>
+              <a:t> </a:t>
+            </a:r>
+            <a:r>
+              <a:rPr lang="ru-RU" sz="1200" kern="1200" dirty="0" smtClean="0">
+                <a:solidFill>
+                  <a:schemeClr val="tx1"/>
+                </a:solidFill>
+                <a:effectLst/>
+                <a:latin typeface="+mn-lt"/>
+                <a:ea typeface="+mn-ea"/>
+                <a:cs typeface="+mn-cs"/>
+              </a:rPr>
+              <a:t>в</a:t>
+            </a:r>
+            <a:r>
+              <a:rPr lang="ru-RU" sz="1200" kern="1200" baseline="0" dirty="0" smtClean="0">
+                <a:solidFill>
+                  <a:schemeClr val="tx1"/>
+                </a:solidFill>
+                <a:effectLst/>
+                <a:latin typeface="+mn-lt"/>
+                <a:ea typeface="+mn-ea"/>
+                <a:cs typeface="+mn-cs"/>
+              </a:rPr>
+              <a:t> </a:t>
+            </a:r>
+            <a:r>
+              <a:rPr lang="en-US" sz="1200" kern="1200" baseline="0" dirty="0" err="1" smtClean="0">
+                <a:solidFill>
+                  <a:schemeClr val="tx1"/>
+                </a:solidFill>
+                <a:effectLst/>
+                <a:latin typeface="+mn-lt"/>
+                <a:ea typeface="+mn-ea"/>
+                <a:cs typeface="+mn-cs"/>
+              </a:rPr>
+              <a:t>global.asax</a:t>
+            </a:r>
+            <a:r>
+              <a:rPr lang="en-US" sz="1200" kern="1200" baseline="0" dirty="0" smtClean="0">
+                <a:solidFill>
+                  <a:schemeClr val="tx1"/>
+                </a:solidFill>
+                <a:effectLst/>
+                <a:latin typeface="+mn-lt"/>
+                <a:ea typeface="+mn-ea"/>
+                <a:cs typeface="+mn-cs"/>
+              </a:rPr>
+              <a:t> </a:t>
+            </a:r>
+            <a:r>
+              <a:rPr lang="ru-RU" sz="1200" kern="1200" baseline="0" dirty="0" smtClean="0">
+                <a:solidFill>
+                  <a:schemeClr val="tx1"/>
+                </a:solidFill>
+                <a:effectLst/>
+                <a:latin typeface="+mn-lt"/>
+                <a:ea typeface="+mn-ea"/>
+                <a:cs typeface="+mn-cs"/>
+              </a:rPr>
+              <a:t>и т.д.</a:t>
+            </a:r>
+          </a:p>
+          <a:p>
+            <a:r>
+              <a:rPr lang="en-US" sz="1200" kern="1200" baseline="0" dirty="0" smtClean="0">
+                <a:solidFill>
+                  <a:schemeClr val="tx1"/>
+                </a:solidFill>
+                <a:effectLst/>
+                <a:latin typeface="+mn-lt"/>
+                <a:ea typeface="+mn-ea"/>
+                <a:cs typeface="+mn-cs"/>
+              </a:rPr>
+              <a:t>Event Logs!</a:t>
+            </a:r>
             <a:endParaRPr lang="ru-RU" baseline="0" dirty="0" smtClean="0"/>
           </a:p>
           <a:p>
-            <a:r>
-              <a:rPr lang="ru-RU" baseline="0" dirty="0" smtClean="0"/>
-              <a:t>Это для логов, для безопасности, для расследования, решить проблему пользователя (показать телефон техподдержки)</a:t>
-            </a:r>
             <a:endParaRPr lang="ru-RU" dirty="0"/>
           </a:p>
         </p:txBody>
@@ -7862,15 +8032,7 @@
             </a:r>
             <a:r>
               <a:rPr lang="ru-RU" baseline="0" dirty="0" smtClean="0"/>
-              <a:t> </a:t>
-            </a:r>
-            <a:r>
-              <a:rPr lang="ru-RU" baseline="0" dirty="0" smtClean="0"/>
-              <a:t>запихнем </a:t>
-            </a:r>
-            <a:r>
-              <a:rPr lang="ru-RU" baseline="0" dirty="0" smtClean="0"/>
-              <a:t>в конец, перед этим спросим, знают ли ребята про таски</a:t>
+              <a:t> запихнем в конец, перед этим спросим, знают ли ребята про таски</a:t>
             </a:r>
             <a:endParaRPr lang="ru-RU" dirty="0" smtClean="0"/>
           </a:p>
@@ -8732,8 +8894,13 @@
             </a:pPr>
             <a:r>
               <a:rPr lang="ru-RU" dirty="0" smtClean="0"/>
-              <a:t>Кто видит проблему?</a:t>
-            </a:r>
+              <a:t>Прочитать,</a:t>
+            </a:r>
+            <a:r>
+              <a:rPr lang="ru-RU" baseline="0" dirty="0" smtClean="0"/>
+              <a:t> что делает программа</a:t>
+            </a:r>
+            <a:endParaRPr lang="en-US" dirty="0" smtClean="0"/>
           </a:p>
           <a:p>
             <a:pPr marL="171450" indent="-171450">
@@ -8742,6 +8909,55 @@
             </a:pPr>
             <a:r>
               <a:rPr lang="ru-RU" dirty="0" smtClean="0"/>
+              <a:t>Кто </a:t>
+            </a:r>
+            <a:r>
+              <a:rPr lang="ru-RU" dirty="0" smtClean="0"/>
+              <a:t>видит проблему</a:t>
+            </a:r>
+            <a:r>
+              <a:rPr lang="ru-RU" dirty="0" smtClean="0"/>
+              <a:t>?</a:t>
+            </a:r>
+          </a:p>
+          <a:p>
+            <a:pPr marL="171450" indent="-171450">
+              <a:buFontTx/>
+              <a:buChar char="-"/>
+            </a:pPr>
+            <a:r>
+              <a:rPr lang="en-US" dirty="0" smtClean="0"/>
+              <a:t>Add</a:t>
+            </a:r>
+            <a:r>
+              <a:rPr lang="en-US" baseline="0" dirty="0" smtClean="0"/>
+              <a:t> </a:t>
+            </a:r>
+            <a:r>
+              <a:rPr lang="ru-RU" baseline="0" dirty="0" smtClean="0"/>
+              <a:t>кидает исключения, если уже есть такое значение (</a:t>
+            </a:r>
+            <a:r>
+              <a:rPr lang="en-US" baseline="0" dirty="0" err="1" smtClean="0"/>
+              <a:t>ArgumentException</a:t>
+            </a:r>
+            <a:r>
+              <a:rPr lang="en-US" baseline="0" dirty="0" smtClean="0"/>
+              <a:t>)</a:t>
+            </a:r>
+            <a:r>
+              <a:rPr lang="ru-RU" baseline="0" dirty="0" smtClean="0"/>
+              <a:t>.</a:t>
+            </a:r>
+            <a:endParaRPr lang="ru-RU" dirty="0" smtClean="0"/>
+          </a:p>
+          <a:p>
+            <a:pPr marL="171450" indent="-171450">
+              <a:buFontTx/>
+              <a:buChar char="-"/>
+            </a:pPr>
+            <a:r>
+              <a:rPr lang="ru-RU" dirty="0" smtClean="0"/>
               <a:t>В</a:t>
             </a:r>
             <a:r>
@@ -8754,15 +8970,7 @@
             </a:r>
             <a:r>
               <a:rPr lang="ru-RU" baseline="0" dirty="0" smtClean="0"/>
-              <a:t> данные </a:t>
-            </a:r>
-            <a:r>
-              <a:rPr lang="ru-RU" baseline="0" dirty="0" smtClean="0"/>
-              <a:t>есть, </a:t>
-            </a:r>
-            <a:r>
-              <a:rPr lang="ru-RU" baseline="0" dirty="0" smtClean="0"/>
-              <a:t>в другом – нет, когда попробуем повторно добавить отчет – упадет уже первый </a:t>
+              <a:t> данные есть, в другом – нет, когда попробуем повторно добавить отчет – упадет уже первый </a:t>
             </a:r>
             <a:r>
               <a:rPr lang="en-US" baseline="0" dirty="0" smtClean="0"/>
@@ -8770,11 +8978,7 @@
             </a:r>
             <a:r>
               <a:rPr lang="ru-RU" baseline="0" dirty="0" smtClean="0"/>
-              <a:t>, </a:t>
-            </a:r>
-            <a:r>
-              <a:rPr lang="ru-RU" baseline="0" dirty="0" smtClean="0"/>
-              <a:t>и будет непонятно, что происходит</a:t>
+              <a:t>, и будет непонятно, что происходит</a:t>
             </a:r>
           </a:p>
           <a:p>
@@ -8903,7 +9107,7 @@
           <a:p>
             <a:pPr lvl="0"/>
             <a:r>
-              <a:rPr lang="ru-RU" sz="1200" kern="1200" dirty="0" smtClean="0">
+              <a:rPr lang="en-US" sz="1200" kern="1200" dirty="0" smtClean="0">
                 <a:solidFill>
                   <a:schemeClr val="tx1"/>
                 </a:solidFill>
@@ -8912,10 +9116,10 @@
                 <a:ea typeface="+mn-ea"/>
                 <a:cs typeface="+mn-cs"/>
               </a:rPr>
-              <a:t>Завести</a:t>
-            </a:r>
-            <a:r>
-              <a:rPr lang="ru-RU" sz="1200" kern="1200" baseline="0" dirty="0" smtClean="0">
+              <a:t>-</a:t>
+            </a:r>
+            <a:r>
+              <a:rPr lang="ru-RU" sz="1200" kern="1200" dirty="0" smtClean="0">
                 <a:solidFill>
                   <a:schemeClr val="tx1"/>
                 </a:solidFill>
@@ -8924,10 +9128,10 @@
                 <a:ea typeface="+mn-ea"/>
                 <a:cs typeface="+mn-cs"/>
               </a:rPr>
-              <a:t> локальные переменные</a:t>
-            </a:r>
-            <a:r>
-              <a:rPr lang="en-US" sz="1200" kern="1200" baseline="0" dirty="0" smtClean="0">
+              <a:t>Завести</a:t>
+            </a:r>
+            <a:r>
+              <a:rPr lang="ru-RU" sz="1200" kern="1200" baseline="0" dirty="0" smtClean="0">
                 <a:solidFill>
                   <a:schemeClr val="tx1"/>
                 </a:solidFill>
@@ -8948,8 +9152,227 @@
                 <a:ea typeface="+mn-ea"/>
                 <a:cs typeface="+mn-cs"/>
               </a:rPr>
+              <a:t>локальные переменные</a:t>
+            </a:r>
+            <a:r>
+              <a:rPr lang="en-US" sz="1200" kern="1200" baseline="0" dirty="0" smtClean="0">
+                <a:solidFill>
+                  <a:schemeClr val="tx1"/>
+                </a:solidFill>
+                <a:effectLst/>
+                <a:latin typeface="+mn-lt"/>
+                <a:ea typeface="+mn-ea"/>
+                <a:cs typeface="+mn-cs"/>
+              </a:rPr>
+              <a:t> </a:t>
+            </a:r>
+            <a:r>
+              <a:rPr lang="ru-RU" sz="1200" kern="1200" baseline="0" dirty="0" smtClean="0">
+                <a:solidFill>
+                  <a:schemeClr val="tx1"/>
+                </a:solidFill>
+                <a:effectLst/>
+                <a:latin typeface="+mn-lt"/>
+                <a:ea typeface="+mn-ea"/>
+                <a:cs typeface="+mn-cs"/>
+              </a:rPr>
               <a:t>и сначала записать все в них</a:t>
             </a:r>
+          </a:p>
+          <a:p>
+            <a:pPr lvl="0"/>
+            <a:r>
+              <a:rPr lang="en-US" sz="1200" kern="1200" baseline="0" dirty="0" smtClean="0">
+                <a:solidFill>
+                  <a:schemeClr val="tx1"/>
+                </a:solidFill>
+                <a:effectLst/>
+                <a:latin typeface="+mn-lt"/>
+                <a:ea typeface="+mn-ea"/>
+                <a:cs typeface="+mn-cs"/>
+              </a:rPr>
+              <a:t>-</a:t>
+            </a:r>
+            <a:r>
+              <a:rPr lang="ru-RU" sz="1200" kern="1200" baseline="0" dirty="0" smtClean="0">
+                <a:solidFill>
+                  <a:schemeClr val="tx1"/>
+                </a:solidFill>
+                <a:effectLst/>
+                <a:latin typeface="+mn-lt"/>
+                <a:ea typeface="+mn-ea"/>
+                <a:cs typeface="+mn-cs"/>
+              </a:rPr>
+              <a:t>Откатываться </a:t>
+            </a:r>
+            <a:r>
+              <a:rPr lang="ru-RU" sz="1200" kern="1200" baseline="0" dirty="0" smtClean="0">
+                <a:solidFill>
+                  <a:schemeClr val="tx1"/>
+                </a:solidFill>
+                <a:effectLst/>
+                <a:latin typeface="+mn-lt"/>
+                <a:ea typeface="+mn-ea"/>
+                <a:cs typeface="+mn-cs"/>
+              </a:rPr>
+              <a:t>в </a:t>
+            </a:r>
+            <a:r>
+              <a:rPr lang="en-US" sz="1200" kern="1200" baseline="0" dirty="0" smtClean="0">
+                <a:solidFill>
+                  <a:schemeClr val="tx1"/>
+                </a:solidFill>
+                <a:effectLst/>
+                <a:latin typeface="+mn-lt"/>
+                <a:ea typeface="+mn-ea"/>
+                <a:cs typeface="+mn-cs"/>
+              </a:rPr>
+              <a:t>catch</a:t>
+            </a:r>
+          </a:p>
+          <a:p>
+            <a:pPr lvl="0"/>
+            <a:r>
+              <a:rPr lang="en-US" sz="1200" kern="1200" baseline="0" dirty="0" smtClean="0">
+                <a:solidFill>
+                  <a:schemeClr val="tx1"/>
+                </a:solidFill>
+                <a:effectLst/>
+                <a:latin typeface="+mn-lt"/>
+                <a:ea typeface="+mn-ea"/>
+                <a:cs typeface="+mn-cs"/>
+              </a:rPr>
+              <a:t>-</a:t>
+            </a:r>
+            <a:r>
+              <a:rPr lang="ru-RU" sz="1200" kern="1200" baseline="0" dirty="0" smtClean="0">
+                <a:solidFill>
+                  <a:schemeClr val="tx1"/>
+                </a:solidFill>
+                <a:effectLst/>
+                <a:latin typeface="+mn-lt"/>
+                <a:ea typeface="+mn-ea"/>
+                <a:cs typeface="+mn-cs"/>
+              </a:rPr>
+              <a:t>Заменить </a:t>
+            </a:r>
+            <a:r>
+              <a:rPr lang="en-US" sz="1200" kern="1200" baseline="0" dirty="0" smtClean="0">
+                <a:solidFill>
+                  <a:schemeClr val="tx1"/>
+                </a:solidFill>
+                <a:effectLst/>
+                <a:latin typeface="+mn-lt"/>
+                <a:ea typeface="+mn-ea"/>
+                <a:cs typeface="+mn-cs"/>
+              </a:rPr>
+              <a:t>Add </a:t>
+            </a:r>
+            <a:r>
+              <a:rPr lang="ru-RU" sz="1200" kern="1200" baseline="0" dirty="0" smtClean="0">
+                <a:solidFill>
+                  <a:schemeClr val="tx1"/>
+                </a:solidFill>
+                <a:effectLst/>
+                <a:latin typeface="+mn-lt"/>
+                <a:ea typeface="+mn-ea"/>
+                <a:cs typeface="+mn-cs"/>
+              </a:rPr>
+              <a:t>на идемпотентную операцию (на скобочки</a:t>
+            </a:r>
+            <a:r>
+              <a:rPr lang="en-US" sz="1200" kern="1200" baseline="0" dirty="0" smtClean="0">
+                <a:solidFill>
+                  <a:schemeClr val="tx1"/>
+                </a:solidFill>
+                <a:effectLst/>
+                <a:latin typeface="+mn-lt"/>
+                <a:ea typeface="+mn-ea"/>
+                <a:cs typeface="+mn-cs"/>
+              </a:rPr>
+              <a:t> </a:t>
+            </a:r>
+            <a:r>
+              <a:rPr lang="ru-RU" sz="1200" kern="1200" baseline="0" dirty="0" smtClean="0">
+                <a:solidFill>
+                  <a:schemeClr val="tx1"/>
+                </a:solidFill>
+                <a:effectLst/>
+                <a:latin typeface="+mn-lt"/>
+                <a:ea typeface="+mn-ea"/>
+                <a:cs typeface="+mn-cs"/>
+              </a:rPr>
+              <a:t>или </a:t>
+            </a:r>
+            <a:r>
+              <a:rPr lang="en-US" sz="1200" kern="1200" baseline="0" dirty="0" err="1" smtClean="0">
+                <a:solidFill>
+                  <a:schemeClr val="tx1"/>
+                </a:solidFill>
+                <a:effectLst/>
+                <a:latin typeface="+mn-lt"/>
+                <a:ea typeface="+mn-ea"/>
+                <a:cs typeface="+mn-cs"/>
+              </a:rPr>
+              <a:t>AddOrUpdate</a:t>
+            </a:r>
+            <a:r>
+              <a:rPr lang="ru-RU" sz="1200" kern="1200" baseline="0" dirty="0" smtClean="0">
+                <a:solidFill>
+                  <a:schemeClr val="tx1"/>
+                </a:solidFill>
+                <a:effectLst/>
+                <a:latin typeface="+mn-lt"/>
+                <a:ea typeface="+mn-ea"/>
+                <a:cs typeface="+mn-cs"/>
+              </a:rPr>
+              <a:t>)</a:t>
+            </a:r>
+            <a:endParaRPr lang="en-US" sz="1200" kern="1200" baseline="0" dirty="0" smtClean="0">
+              <a:solidFill>
+                <a:schemeClr val="tx1"/>
+              </a:solidFill>
+              <a:effectLst/>
+              <a:latin typeface="+mn-lt"/>
+              <a:ea typeface="+mn-ea"/>
+              <a:cs typeface="+mn-cs"/>
+            </a:endParaRPr>
+          </a:p>
+          <a:p>
+            <a:pPr lvl="0"/>
+            <a:r>
+              <a:rPr lang="en-US" sz="1200" kern="1200" baseline="0" dirty="0" smtClean="0">
+                <a:solidFill>
+                  <a:schemeClr val="tx1"/>
+                </a:solidFill>
+                <a:effectLst/>
+                <a:latin typeface="+mn-lt"/>
+                <a:ea typeface="+mn-ea"/>
+                <a:cs typeface="+mn-cs"/>
+              </a:rPr>
+              <a:t>-</a:t>
+            </a:r>
+            <a:r>
+              <a:rPr lang="ru-RU" sz="1200" kern="1200" baseline="0" dirty="0" smtClean="0">
+                <a:solidFill>
+                  <a:schemeClr val="tx1"/>
+                </a:solidFill>
+                <a:effectLst/>
+                <a:latin typeface="+mn-lt"/>
+                <a:ea typeface="+mn-ea"/>
+                <a:cs typeface="+mn-cs"/>
+              </a:rPr>
+              <a:t>Одна структура данных для всего, а не раздельные кэши</a:t>
+            </a:r>
+            <a:endParaRPr lang="ru-RU" sz="1200" kern="1200" baseline="0" dirty="0" smtClean="0">
+              <a:solidFill>
+                <a:schemeClr val="tx1"/>
+              </a:solidFill>
+              <a:effectLst/>
+              <a:latin typeface="+mn-lt"/>
+              <a:ea typeface="+mn-ea"/>
+              <a:cs typeface="+mn-cs"/>
+            </a:endParaRPr>
           </a:p>
           <a:p>
             <a:pPr lvl="0"/>
@@ -8975,10 +9398,10 @@
                 <a:ea typeface="+mn-ea"/>
                 <a:cs typeface="+mn-cs"/>
               </a:rPr>
-              <a:t>Откатываться в </a:t>
-            </a:r>
-            <a:r>
-              <a:rPr lang="en-US" sz="1200" kern="1200" baseline="0" dirty="0" smtClean="0">
+              <a:t>В веб-приложениях про </a:t>
+            </a:r>
+            <a:r>
+              <a:rPr lang="ru-RU" sz="1200" kern="1200" baseline="0" dirty="0" err="1" smtClean="0">
                 <a:solidFill>
                   <a:schemeClr val="tx1"/>
                 </a:solidFill>
@@ -8987,23 +9410,8 @@
                 <a:ea typeface="+mn-ea"/>
                 <a:cs typeface="+mn-cs"/>
               </a:rPr>
-              <a:t>catch</a:t>
-            </a:r>
-          </a:p>
-          <a:p>
-            <a:pPr lvl="0"/>
-            <a:endParaRPr lang="ru-RU" sz="1200" kern="1200" baseline="0" dirty="0" smtClean="0">
-              <a:solidFill>
-                <a:schemeClr val="tx1"/>
-              </a:solidFill>
-              <a:effectLst/>
-              <a:latin typeface="+mn-lt"/>
-              <a:ea typeface="+mn-ea"/>
-              <a:cs typeface="+mn-cs"/>
-            </a:endParaRPr>
-          </a:p>
-          <a:p>
-            <a:pPr lvl="0"/>
+              <a:t>консистентность</a:t>
+            </a:r>
             <a:r>
               <a:rPr lang="ru-RU" sz="1200" kern="1200" baseline="0" dirty="0" smtClean="0">
                 <a:solidFill>
@@ -9014,10 +9422,10 @@
                 <a:ea typeface="+mn-ea"/>
                 <a:cs typeface="+mn-cs"/>
               </a:rPr>
-              <a:t>Заменить </a:t>
-            </a:r>
-            <a:r>
-              <a:rPr lang="en-US" sz="1200" kern="1200" baseline="0" dirty="0" smtClean="0">
+              <a:t> нужно думать только в кэшах и других долгоживущих объектах (в десктопах – в больших моделях данных</a:t>
+            </a:r>
+            <a:r>
+              <a:rPr lang="ru-RU" sz="1200" kern="1200" baseline="0" dirty="0" smtClean="0">
                 <a:solidFill>
                   <a:schemeClr val="tx1"/>
                 </a:solidFill>
@@ -9026,8 +9434,11 @@
                 <a:ea typeface="+mn-ea"/>
                 <a:cs typeface="+mn-cs"/>
               </a:rPr>
-              <a:t>Add </a:t>
-            </a:r>
+              <a:t>)</a:t>
+            </a:r>
+          </a:p>
+          <a:p>
+            <a:pPr lvl="0"/>
             <a:r>
               <a:rPr lang="ru-RU" sz="1200" kern="1200" baseline="0" dirty="0" smtClean="0">
                 <a:solidFill>
@@ -9038,10 +9449,10 @@
                 <a:ea typeface="+mn-ea"/>
                 <a:cs typeface="+mn-cs"/>
               </a:rPr>
-              <a:t>на идемпотентную операцию (на </a:t>
-            </a:r>
-            <a:r>
-              <a:rPr lang="ru-RU" sz="1200" kern="1200" baseline="0" dirty="0" smtClean="0">
+              <a:t>То, что </a:t>
+            </a:r>
+            <a:r>
+              <a:rPr lang="ru-RU" sz="1200" kern="1200" baseline="0" dirty="0" err="1" smtClean="0">
                 <a:solidFill>
                   <a:schemeClr val="tx1"/>
                 </a:solidFill>
@@ -9050,10 +9461,10 @@
                 <a:ea typeface="+mn-ea"/>
                 <a:cs typeface="+mn-cs"/>
               </a:rPr>
-              <a:t>скобочки</a:t>
-            </a:r>
-            <a:r>
-              <a:rPr lang="en-US" sz="1200" kern="1200" baseline="0" dirty="0" smtClean="0">
+              <a:t>наконфигуровано</a:t>
+            </a:r>
+            <a:r>
+              <a:rPr lang="ru-RU" sz="1200" kern="1200" baseline="0" dirty="0" smtClean="0">
                 <a:solidFill>
                   <a:schemeClr val="tx1"/>
                 </a:solidFill>
@@ -9062,10 +9473,10 @@
                 <a:ea typeface="+mn-ea"/>
                 <a:cs typeface="+mn-cs"/>
               </a:rPr>
-              <a:t> </a:t>
-            </a:r>
-            <a:r>
-              <a:rPr lang="ru-RU" sz="1200" kern="1200" baseline="0" dirty="0" smtClean="0">
+              <a:t> как </a:t>
+            </a:r>
+            <a:r>
+              <a:rPr lang="en-US" sz="1200" kern="1200" baseline="0" dirty="0" smtClean="0">
                 <a:solidFill>
                   <a:schemeClr val="tx1"/>
                 </a:solidFill>
@@ -9074,10 +9485,10 @@
                 <a:ea typeface="+mn-ea"/>
                 <a:cs typeface="+mn-cs"/>
               </a:rPr>
-              <a:t>или </a:t>
-            </a:r>
-            <a:r>
-              <a:rPr lang="en-US" sz="1200" kern="1200" baseline="0" dirty="0" err="1" smtClean="0">
+              <a:t>Singleton </a:t>
+            </a:r>
+            <a:r>
+              <a:rPr lang="ru-RU" sz="1200" kern="1200" baseline="0" dirty="0" smtClean="0">
                 <a:solidFill>
                   <a:schemeClr val="tx1"/>
                 </a:solidFill>
@@ -9086,10 +9497,10 @@
                 <a:ea typeface="+mn-ea"/>
                 <a:cs typeface="+mn-cs"/>
               </a:rPr>
-              <a:t>AddOrUpdate</a:t>
-            </a:r>
-            <a:r>
-              <a:rPr lang="ru-RU" sz="1200" kern="1200" baseline="0" dirty="0" smtClean="0">
+              <a:t>или </a:t>
+            </a:r>
+            <a:r>
+              <a:rPr lang="en-US" sz="1200" kern="1200" baseline="0" dirty="0" smtClean="0">
                 <a:solidFill>
                   <a:schemeClr val="tx1"/>
                 </a:solidFill>
@@ -9098,32 +9509,8 @@
                 <a:ea typeface="+mn-ea"/>
                 <a:cs typeface="+mn-cs"/>
               </a:rPr>
-              <a:t>)</a:t>
-            </a:r>
-            <a:endParaRPr lang="ru-RU" sz="1200" kern="1200" baseline="0" dirty="0" smtClean="0">
-              <a:solidFill>
-                <a:schemeClr val="tx1"/>
-              </a:solidFill>
-              <a:effectLst/>
-              <a:latin typeface="+mn-lt"/>
-              <a:ea typeface="+mn-ea"/>
-              <a:cs typeface="+mn-cs"/>
-            </a:endParaRPr>
-          </a:p>
-          <a:p>
-            <a:pPr lvl="0"/>
-            <a:endParaRPr lang="ru-RU" sz="1200" kern="1200" baseline="0" dirty="0" smtClean="0">
-              <a:solidFill>
-                <a:schemeClr val="tx1"/>
-              </a:solidFill>
-              <a:effectLst/>
-              <a:latin typeface="+mn-lt"/>
-              <a:ea typeface="+mn-ea"/>
-              <a:cs typeface="+mn-cs"/>
-            </a:endParaRPr>
-          </a:p>
-          <a:p>
-            <a:pPr lvl="0"/>
+              <a:t>Lifetime </a:t>
+            </a:r>
             <a:r>
               <a:rPr lang="ru-RU" sz="1200" kern="1200" baseline="0" dirty="0" smtClean="0">
                 <a:solidFill>
@@ -9134,10 +9521,10 @@
                 <a:ea typeface="+mn-ea"/>
                 <a:cs typeface="+mn-cs"/>
               </a:rPr>
-              <a:t>В веб-приложениях про </a:t>
-            </a:r>
-            <a:r>
-              <a:rPr lang="ru-RU" sz="1200" kern="1200" baseline="0" dirty="0" err="1" smtClean="0">
+              <a:t>–объекты в </a:t>
+            </a:r>
+            <a:r>
+              <a:rPr lang="en-US" sz="1200" kern="1200" baseline="0" dirty="0" smtClean="0">
                 <a:solidFill>
                   <a:schemeClr val="tx1"/>
                 </a:solidFill>
@@ -9146,7 +9533,7 @@
                 <a:ea typeface="+mn-ea"/>
                 <a:cs typeface="+mn-cs"/>
               </a:rPr>
-              <a:t>консистентность</a:t>
+              <a:t>DI </a:t>
             </a:r>
             <a:r>
               <a:rPr lang="ru-RU" sz="1200" kern="1200" baseline="0" dirty="0" smtClean="0">
@@ -9158,7 +9545,31 @@
                 <a:ea typeface="+mn-ea"/>
                 <a:cs typeface="+mn-cs"/>
               </a:rPr>
-              <a:t> нужно думать только в кэшах и других долгоживущих объектах (в десктопах – в больших моделях данных)</a:t>
+              <a:t>контейнере</a:t>
+            </a:r>
+            <a:r>
+              <a:rPr lang="en-US" sz="1200" kern="1200" baseline="0" dirty="0" smtClean="0">
+                <a:solidFill>
+                  <a:schemeClr val="tx1"/>
+                </a:solidFill>
+                <a:effectLst/>
+                <a:latin typeface="+mn-lt"/>
+                <a:ea typeface="+mn-ea"/>
+                <a:cs typeface="+mn-cs"/>
+              </a:rPr>
+              <a:t> (</a:t>
+            </a:r>
+            <a:r>
+              <a:rPr lang="ru-RU" sz="1200" kern="1200" baseline="0" dirty="0" smtClean="0">
+                <a:solidFill>
+                  <a:schemeClr val="tx1"/>
+                </a:solidFill>
+                <a:effectLst/>
+                <a:latin typeface="+mn-lt"/>
+                <a:ea typeface="+mn-ea"/>
+                <a:cs typeface="+mn-cs"/>
+              </a:rPr>
+              <a:t>вы про них уже должны знать) – попадает под эти риски</a:t>
             </a:r>
             <a:endParaRPr lang="ru-RU" sz="1200" kern="1200" dirty="0">
               <a:solidFill>
@@ -9253,12 +9664,35 @@
           <a:lstStyle/>
           <a:p>
             <a:r>
+              <a:rPr lang="ru-RU" dirty="0" smtClean="0"/>
+              <a:t>Самое распространенное исключение – </a:t>
+            </a:r>
+            <a:r>
+              <a:rPr lang="en-US" dirty="0" smtClean="0"/>
+              <a:t>NRE, </a:t>
+            </a:r>
+            <a:r>
+              <a:rPr lang="ru-RU" dirty="0" smtClean="0"/>
+              <a:t>поэтому</a:t>
+            </a:r>
+            <a:r>
+              <a:rPr lang="ru-RU" baseline="0" dirty="0" smtClean="0"/>
+              <a:t> обратим на него особое внимание.</a:t>
+            </a:r>
+            <a:endParaRPr lang="ru-RU" dirty="0" smtClean="0"/>
+          </a:p>
+          <a:p>
+            <a:r>
               <a:rPr lang="en-US" dirty="0" smtClean="0"/>
               <a:t>Maybe</a:t>
             </a:r>
             <a:r>
               <a:rPr lang="en-US" baseline="0" dirty="0" smtClean="0"/>
-              <a:t> – </a:t>
+              <a:t> </a:t>
+            </a:r>
+            <a:r>
+              <a:rPr lang="en-US" baseline="0" dirty="0" smtClean="0"/>
+              <a:t>– </a:t>
             </a:r>
             <a:r>
               <a:rPr lang="ru-RU" baseline="0" dirty="0" smtClean="0"/>
@@ -9371,7 +9805,41 @@
           <a:p>
             <a:r>
               <a:rPr lang="ru-RU" dirty="0" smtClean="0"/>
-              <a:t>Правильные параметры помогают  предусмотреть такие исключения</a:t>
+              <a:t>Никогда</a:t>
+            </a:r>
+            <a:r>
+              <a:rPr lang="ru-RU" baseline="0" dirty="0" smtClean="0"/>
+              <a:t> не возвращай </a:t>
+            </a:r>
+            <a:r>
+              <a:rPr lang="en-US" baseline="0" dirty="0" smtClean="0"/>
+              <a:t>null! </a:t>
+            </a:r>
+            <a:r>
+              <a:rPr lang="ru-RU" baseline="0" dirty="0" smtClean="0"/>
+              <a:t>Но если очень хочется – давайте явно отражать это в названии метода.</a:t>
+            </a:r>
+            <a:endParaRPr lang="ru-RU" dirty="0" smtClean="0"/>
+          </a:p>
+          <a:p>
+            <a:r>
+              <a:rPr lang="ru-RU" dirty="0" smtClean="0"/>
+              <a:t>Давайте придумаем, как называть методы, чтобы понимать,</a:t>
+            </a:r>
+            <a:r>
+              <a:rPr lang="ru-RU" baseline="0" dirty="0" smtClean="0"/>
+              <a:t> ошибка это или нет.</a:t>
+            </a:r>
+            <a:endParaRPr lang="ru-RU" dirty="0" smtClean="0"/>
+          </a:p>
+          <a:p>
+            <a:r>
+              <a:rPr lang="ru-RU" dirty="0" smtClean="0"/>
+              <a:t>Правильные </a:t>
+            </a:r>
+            <a:r>
+              <a:rPr lang="ru-RU" dirty="0" smtClean="0"/>
+              <a:t>параметры помогают  предусмотреть такие исключения</a:t>
             </a:r>
             <a:endParaRPr lang="ru-RU" dirty="0"/>
           </a:p>
@@ -9580,8 +10048,35 @@
           <a:p>
             <a:r>
               <a:rPr lang="ru-RU" baseline="0" dirty="0" smtClean="0"/>
-              <a:t>То есть, если ситуация частая – это очень дорого</a:t>
-            </a:r>
+              <a:t>То есть, если ситуация частая – это очень </a:t>
+            </a:r>
+            <a:r>
+              <a:rPr lang="ru-RU" baseline="0" dirty="0" smtClean="0"/>
+              <a:t>дорого</a:t>
+            </a:r>
+          </a:p>
+          <a:p>
+            <a:pPr marL="228600" indent="-228600">
+              <a:buAutoNum type="arabicPeriod"/>
+            </a:pPr>
+            <a:r>
+              <a:rPr lang="ru-RU" baseline="0" dirty="0" smtClean="0"/>
+              <a:t>Потому что прерывание скомпилированного кода</a:t>
+            </a:r>
+          </a:p>
+          <a:p>
+            <a:pPr marL="228600" indent="-228600">
+              <a:buAutoNum type="arabicPeriod"/>
+            </a:pPr>
+            <a:r>
+              <a:rPr lang="ru-RU" baseline="0" dirty="0" smtClean="0"/>
+              <a:t>Потому что нужно генерировать килобайтный стек-</a:t>
+            </a:r>
+            <a:r>
+              <a:rPr lang="ru-RU" baseline="0" dirty="0" err="1" smtClean="0"/>
+              <a:t>трейс</a:t>
+            </a:r>
+            <a:endParaRPr lang="ru-RU" baseline="0" dirty="0" smtClean="0"/>
           </a:p>
           <a:p>
             <a:endParaRPr lang="ru-RU" dirty="0"/>
@@ -13799,6 +14294,13 @@
   <p:clrMapOvr>
     <a:masterClrMapping/>
   </p:clrMapOvr>
+  <p:timing>
+    <p:tnLst>
+      <p:par>
+        <p:cTn id="1" dur="indefinite" restart="never" nodeType="tmRoot"/>
+      </p:par>
+    </p:tnLst>
+  </p:timing>
 </p:sld>
 </file>
 
@@ -15317,6 +15819,13 @@
   <p:clrMapOvr>
     <a:masterClrMapping/>
   </p:clrMapOvr>
+  <p:timing>
+    <p:tnLst>
+      <p:par>
+        <p:cTn id="1" dur="indefinite" restart="never" nodeType="tmRoot"/>
+      </p:par>
+    </p:tnLst>
+  </p:timing>
 </p:sld>
 </file>
 
@@ -15374,6 +15883,13 @@
   <p:clrMapOvr>
     <a:masterClrMapping/>
   </p:clrMapOvr>
+  <p:timing>
+    <p:tnLst>
+      <p:par>
+        <p:cTn id="1" dur="indefinite" restart="never" nodeType="tmRoot"/>
+      </p:par>
+    </p:tnLst>
+  </p:timing>
 </p:sld>
 </file>
 
@@ -18395,6 +18911,13 @@
   <p:clrMapOvr>
     <a:masterClrMapping/>
   </p:clrMapOvr>
+  <p:timing>
+    <p:tnLst>
+      <p:par>
+        <p:cTn id="1" dur="indefinite" restart="never" nodeType="tmRoot"/>
+      </p:par>
+    </p:tnLst>
+  </p:timing>
 </p:sld>
 </file>
 
@@ -20114,6 +20637,13 @@
   <p:clrMapOvr>
     <a:masterClrMapping/>
   </p:clrMapOvr>
+  <p:timing>
+    <p:tnLst>
+      <p:par>
+        <p:cTn id="1" dur="indefinite" restart="never" nodeType="tmRoot"/>
+      </p:par>
+    </p:tnLst>
+  </p:timing>
 </p:sld>
 </file>
 
@@ -20220,6 +20750,13 @@
   <p:clrMapOvr>
     <a:masterClrMapping/>
   </p:clrMapOvr>
+  <p:timing>
+    <p:tnLst>
+      <p:par>
+        <p:cTn id="1" dur="indefinite" restart="never" nodeType="tmRoot"/>
+      </p:par>
+    </p:tnLst>
+  </p:timing>
 </p:sld>
 </file>
 
@@ -21655,6 +22192,13 @@
   <p:clrMapOvr>
     <a:masterClrMapping/>
   </p:clrMapOvr>
+  <p:timing>
+    <p:tnLst>
+      <p:par>
+        <p:cTn id="1" dur="indefinite" restart="never" nodeType="tmRoot"/>
+      </p:par>
+    </p:tnLst>
+  </p:timing>
 </p:sld>
 </file>
 
@@ -23040,6 +23584,13 @@
   <p:clrMapOvr>
     <a:masterClrMapping/>
   </p:clrMapOvr>
+  <p:timing>
+    <p:tnLst>
+      <p:par>
+        <p:cTn id="1" dur="indefinite" restart="never" nodeType="tmRoot"/>
+      </p:par>
+    </p:tnLst>
+  </p:timing>
 </p:sld>
 </file>
 
@@ -23232,6 +23783,13 @@
   <p:clrMapOvr>
     <a:masterClrMapping/>
   </p:clrMapOvr>
+  <p:timing>
+    <p:tnLst>
+      <p:par>
+        <p:cTn id="1" dur="indefinite" restart="never" nodeType="tmRoot"/>
+      </p:par>
+    </p:tnLst>
+  </p:timing>
 </p:sld>
 </file>
 
@@ -23984,6 +24542,13 @@
   <p:clrMapOvr>
     <a:masterClrMapping/>
   </p:clrMapOvr>
+  <p:timing>
+    <p:tnLst>
+      <p:par>
+        <p:cTn id="1" dur="indefinite" restart="never" nodeType="tmRoot"/>
+      </p:par>
+    </p:tnLst>
+  </p:timing>
 </p:sld>
 </file>
 

--- a/exceptions.pptx
+++ b/exceptions.pptx
@@ -6,7 +6,7 @@
     <p:sldMasterId id="2147483812" r:id="rId2"/>
   </p:sldMasterIdLst>
   <p:notesMasterIdLst>
-    <p:notesMasterId r:id="rId45"/>
+    <p:notesMasterId r:id="rId46"/>
   </p:notesMasterIdLst>
   <p:sldIdLst>
     <p:sldId id="362" r:id="rId3"/>
@@ -49,8 +49,9 @@
     <p:sldId id="404" r:id="rId40"/>
     <p:sldId id="405" r:id="rId41"/>
     <p:sldId id="406" r:id="rId42"/>
-    <p:sldId id="407" r:id="rId43"/>
-    <p:sldId id="408" r:id="rId44"/>
+    <p:sldId id="410" r:id="rId43"/>
+    <p:sldId id="407" r:id="rId44"/>
+    <p:sldId id="408" r:id="rId45"/>
   </p:sldIdLst>
   <p:sldSz cx="12192000" cy="6858000"/>
   <p:notesSz cx="6858000" cy="9144000"/>
@@ -213,6 +214,7 @@
             <p14:sldId id="404"/>
             <p14:sldId id="405"/>
             <p14:sldId id="406"/>
+            <p14:sldId id="410"/>
             <p14:sldId id="407"/>
             <p14:sldId id="408"/>
           </p14:sldIdLst>
@@ -7066,7 +7068,7 @@
           <a:p>
             <a:fld id="{16E5F246-0B7D-44DF-8C1B-EDFCA5DA626A}" type="datetimeFigureOut">
               <a:rPr lang="ru-RU" smtClean="0"/>
-              <a:t>04.12.2017</a:t>
+              <a:t>06.12.2017</a:t>
             </a:fld>
             <a:endParaRPr lang="ru-RU"/>
           </a:p>
@@ -8688,15 +8690,73 @@
               <a:rPr lang="ru-RU" altLang="ru-RU" baseline="0" dirty="0" smtClean="0">
                 <a:latin typeface="Arial" panose="020B0604020202020204" pitchFamily="34" charset="0"/>
               </a:rPr>
-              <a:t> как можно больше ошибок</a:t>
-            </a:r>
-          </a:p>
-          <a:p>
-            <a:pPr eaLnBrk="1" hangingPunct="1"/>
+              <a:t> как можно больше </a:t>
+            </a:r>
+            <a:r>
+              <a:rPr lang="ru-RU" altLang="ru-RU" baseline="0" dirty="0" smtClean="0">
+                <a:latin typeface="Arial" panose="020B0604020202020204" pitchFamily="34" charset="0"/>
+              </a:rPr>
+              <a:t>ошибок</a:t>
+            </a:r>
+          </a:p>
+          <a:p>
+            <a:pPr marL="0" marR="0" lvl="0" indent="0" algn="l" defTabSz="914400" rtl="0" eaLnBrk="1" fontAlgn="auto" latinLnBrk="0" hangingPunct="1">
+              <a:lnSpc>
+                <a:spcPct val="100000"/>
+              </a:lnSpc>
+              <a:spcBef>
+                <a:spcPts val="0"/>
+              </a:spcBef>
+              <a:spcAft>
+                <a:spcPts val="0"/>
+              </a:spcAft>
+              <a:buClrTx/>
+              <a:buSzTx/>
+              <a:buFontTx/>
+              <a:buNone/>
+              <a:tabLst/>
+              <a:defRPr/>
+            </a:pPr>
+            <a:r>
+              <a:rPr lang="ru-RU" altLang="ru-RU" baseline="0" dirty="0" smtClean="0">
+                <a:latin typeface="Arial" panose="020B0604020202020204" pitchFamily="34" charset="0"/>
+              </a:rPr>
+              <a:t>Вместе с фамилиями указать стол – в </a:t>
+            </a:r>
+            <a:r>
+              <a:rPr lang="en-US" altLang="ru-RU" baseline="0" dirty="0" smtClean="0">
+                <a:latin typeface="Arial" panose="020B0604020202020204" pitchFamily="34" charset="0"/>
+              </a:rPr>
+              <a:t>Names </a:t>
+            </a:r>
+            <a:r>
+              <a:rPr lang="ru-RU" altLang="ru-RU" baseline="0" dirty="0" smtClean="0">
+                <a:latin typeface="Arial" panose="020B0604020202020204" pitchFamily="34" charset="0"/>
+              </a:rPr>
+              <a:t>в </a:t>
+            </a:r>
             <a:r>
               <a:rPr lang="en-US" altLang="ru-RU" baseline="0" dirty="0" err="1" smtClean="0">
                 <a:latin typeface="Arial" panose="020B0604020202020204" pitchFamily="34" charset="0"/>
               </a:rPr>
+              <a:t>ConvertersProgram_should</a:t>
+            </a:r>
+            <a:endParaRPr lang="ru-RU" altLang="ru-RU" baseline="0" dirty="0" smtClean="0">
+              <a:latin typeface="Arial" panose="020B0604020202020204" pitchFamily="34" charset="0"/>
+            </a:endParaRPr>
+          </a:p>
+          <a:p>
+            <a:pPr eaLnBrk="1" hangingPunct="1"/>
+            <a:endParaRPr lang="ru-RU" altLang="ru-RU" baseline="0" dirty="0" smtClean="0">
+              <a:latin typeface="Arial" panose="020B0604020202020204" pitchFamily="34" charset="0"/>
+            </a:endParaRPr>
+          </a:p>
+          <a:p>
+            <a:pPr eaLnBrk="1" hangingPunct="1"/>
+            <a:r>
+              <a:rPr lang="en-US" altLang="ru-RU" baseline="0" dirty="0" err="1" smtClean="0">
+                <a:latin typeface="Arial" panose="020B0604020202020204" pitchFamily="34" charset="0"/>
+              </a:rPr>
               <a:t>progressBoard</a:t>
             </a:r>
             <a:r>
@@ -8715,46 +8775,13 @@
               <a:rPr lang="ru-RU" altLang="ru-RU" baseline="0" dirty="0" smtClean="0">
                 <a:latin typeface="Arial" panose="020B0604020202020204" pitchFamily="34" charset="0"/>
               </a:rPr>
-              <a:t> и подсказывать по нему</a:t>
-            </a:r>
-          </a:p>
-          <a:p>
-            <a:pPr eaLnBrk="1" hangingPunct="1"/>
+              <a:t> и подсказывать по </a:t>
+            </a:r>
             <a:r>
               <a:rPr lang="ru-RU" altLang="ru-RU" baseline="0" dirty="0" smtClean="0">
                 <a:latin typeface="Arial" panose="020B0604020202020204" pitchFamily="34" charset="0"/>
               </a:rPr>
-              <a:t>Вместе с фамилиями указать стол</a:t>
-            </a:r>
-            <a:r>
-              <a:rPr lang="ru-RU" altLang="ru-RU" baseline="0" dirty="0">
-                <a:latin typeface="Arial" panose="020B0604020202020204" pitchFamily="34" charset="0"/>
-              </a:rPr>
-              <a:t> </a:t>
-            </a:r>
-            <a:r>
-              <a:rPr lang="ru-RU" altLang="ru-RU" baseline="0" dirty="0" smtClean="0">
-                <a:latin typeface="Arial" panose="020B0604020202020204" pitchFamily="34" charset="0"/>
-              </a:rPr>
-              <a:t>– в </a:t>
-            </a:r>
-            <a:r>
-              <a:rPr lang="en-US" altLang="ru-RU" baseline="0" dirty="0" smtClean="0">
-                <a:latin typeface="Arial" panose="020B0604020202020204" pitchFamily="34" charset="0"/>
-              </a:rPr>
-              <a:t>Names </a:t>
-            </a:r>
-            <a:r>
-              <a:rPr lang="ru-RU" altLang="ru-RU" baseline="0" dirty="0" smtClean="0">
-                <a:latin typeface="Arial" panose="020B0604020202020204" pitchFamily="34" charset="0"/>
-              </a:rPr>
-              <a:t>в </a:t>
-            </a:r>
-            <a:r>
-              <a:rPr lang="en-US" altLang="ru-RU" baseline="0" dirty="0" err="1" smtClean="0">
-                <a:latin typeface="Arial" panose="020B0604020202020204" pitchFamily="34" charset="0"/>
-              </a:rPr>
-              <a:t>ConvertersProgram_should</a:t>
+              <a:t>нему</a:t>
             </a:r>
             <a:endParaRPr lang="ru-RU" altLang="ru-RU" baseline="0" dirty="0" smtClean="0">
               <a:latin typeface="Arial" panose="020B0604020202020204" pitchFamily="34" charset="0"/>
@@ -10583,8 +10610,50 @@
           <a:lstStyle/>
           <a:p>
             <a:r>
+              <a:rPr lang="ru-RU" dirty="0" err="1" smtClean="0"/>
+              <a:t>Стековерфлоу</a:t>
+            </a:r>
+            <a:r>
               <a:rPr lang="ru-RU" dirty="0" smtClean="0"/>
-              <a:t>Чем плох код?</a:t>
+              <a:t> возникает из-за того, что память под стек</a:t>
+            </a:r>
+            <a:r>
+              <a:rPr lang="ru-RU" baseline="0" dirty="0" smtClean="0"/>
+              <a:t> выделяется не при запуске потока, а по необходимости. Можно либо сразу создать поток с нужным размером стека или настроить в </a:t>
+            </a:r>
+            <a:r>
+              <a:rPr lang="ru-RU" baseline="0" dirty="0" err="1" smtClean="0"/>
+              <a:t>апп</a:t>
+            </a:r>
+            <a:r>
+              <a:rPr lang="ru-RU" baseline="0" dirty="0" smtClean="0"/>
+              <a:t> </a:t>
+            </a:r>
+            <a:r>
+              <a:rPr lang="ru-RU" baseline="0" dirty="0" err="1" smtClean="0"/>
+              <a:t>конфиге</a:t>
+            </a:r>
+            <a:endParaRPr lang="ru-RU" baseline="0" dirty="0" smtClean="0"/>
+          </a:p>
+          <a:p>
+            <a:endParaRPr lang="ru-RU" baseline="0" dirty="0" smtClean="0"/>
+          </a:p>
+          <a:p>
+            <a:r>
+              <a:rPr lang="ru-RU" baseline="0" dirty="0" smtClean="0"/>
+              <a:t>Интересно, что в документации описано противоположное поведение</a:t>
+            </a:r>
+            <a:r>
+              <a:rPr lang="en-US" baseline="0" dirty="0" smtClean="0"/>
+              <a:t>. </a:t>
+            </a:r>
+            <a:r>
+              <a:rPr lang="ru-RU" baseline="0" dirty="0" smtClean="0"/>
+              <a:t>Документации можно верить не всегда, </a:t>
+            </a:r>
+            <a:r>
+              <a:rPr lang="ru-RU" baseline="0" smtClean="0"/>
+              <a:t>нужно проверять</a:t>
             </a:r>
             <a:endParaRPr lang="ru-RU" dirty="0"/>
           </a:p>
@@ -10616,7 +10685,7 @@
     </p:spTree>
     <p:extLst>
       <p:ext uri="{BB962C8B-B14F-4D97-AF65-F5344CB8AC3E}">
-        <p14:creationId xmlns:p14="http://schemas.microsoft.com/office/powerpoint/2010/main" val="1610563261"/>
+        <p14:creationId xmlns:p14="http://schemas.microsoft.com/office/powerpoint/2010/main" val="757342560"/>
       </p:ext>
     </p:extLst>
   </p:cSld>
@@ -10671,114 +10740,8 @@
           <a:lstStyle/>
           <a:p>
             <a:r>
-              <a:rPr lang="en-US" dirty="0" smtClean="0"/>
-              <a:t>Finally – </a:t>
-            </a:r>
-            <a:r>
-              <a:rPr lang="ru-RU" dirty="0" err="1" smtClean="0"/>
-              <a:t>фича</a:t>
-            </a:r>
-            <a:r>
               <a:rPr lang="ru-RU" dirty="0" smtClean="0"/>
-              <a:t> </a:t>
-            </a:r>
-            <a:r>
-              <a:rPr lang="ru-RU" dirty="0" err="1" smtClean="0"/>
-              <a:t>дотнета</a:t>
-            </a:r>
-            <a:r>
-              <a:rPr lang="ru-RU" dirty="0" smtClean="0"/>
-              <a:t>,</a:t>
-            </a:r>
-            <a:r>
-              <a:rPr lang="ru-RU" baseline="0" dirty="0" smtClean="0"/>
-              <a:t> ОС она безразлична</a:t>
-            </a:r>
-          </a:p>
-          <a:p>
-            <a:r>
-              <a:rPr lang="en-US" baseline="0" dirty="0" smtClean="0"/>
-              <a:t>finally </a:t>
-            </a:r>
-            <a:r>
-              <a:rPr lang="ru-RU" baseline="0" dirty="0" smtClean="0"/>
-              <a:t>работает, пока процесс и </a:t>
-            </a:r>
-            <a:r>
-              <a:rPr lang="ru-RU" baseline="0" dirty="0" err="1" smtClean="0"/>
-              <a:t>рантайм</a:t>
-            </a:r>
-            <a:r>
-              <a:rPr lang="en-US" baseline="0" dirty="0" smtClean="0"/>
-              <a:t> </a:t>
-            </a:r>
-            <a:r>
-              <a:rPr lang="ru-RU" baseline="0" dirty="0" smtClean="0"/>
-              <a:t>работают нормально</a:t>
-            </a:r>
-          </a:p>
-          <a:p>
-            <a:r>
-              <a:rPr lang="ru-RU" baseline="0" dirty="0" smtClean="0"/>
-              <a:t>Но </a:t>
-            </a:r>
-            <a:r>
-              <a:rPr lang="en-US" baseline="0" dirty="0" smtClean="0"/>
-              <a:t>finally </a:t>
-            </a:r>
-            <a:r>
-              <a:rPr lang="ru-RU" baseline="0" dirty="0" smtClean="0"/>
-              <a:t>имеет смысл использовать лишь для выполнения кода в независимости от наличия исключения</a:t>
-            </a:r>
-          </a:p>
-          <a:p>
-            <a:r>
-              <a:rPr lang="ru-RU" baseline="0" dirty="0" smtClean="0"/>
-              <a:t>Нестандартное применение – код</a:t>
-            </a:r>
-            <a:r>
-              <a:rPr lang="en-US" baseline="0" dirty="0" smtClean="0"/>
-              <a:t> </a:t>
-            </a:r>
-            <a:r>
-              <a:rPr lang="ru-RU" baseline="0" dirty="0" smtClean="0"/>
-              <a:t>в </a:t>
-            </a:r>
-            <a:r>
-              <a:rPr lang="en-US" baseline="0" dirty="0" smtClean="0"/>
-              <a:t>finally </a:t>
-            </a:r>
-            <a:r>
-              <a:rPr lang="ru-RU" baseline="0" dirty="0" smtClean="0"/>
-              <a:t>не прерывается </a:t>
-            </a:r>
-            <a:r>
-              <a:rPr lang="en-US" baseline="0" dirty="0" err="1" smtClean="0"/>
-              <a:t>ThreadAbortException</a:t>
-            </a:r>
-            <a:r>
-              <a:rPr lang="en-US" baseline="0" dirty="0" smtClean="0"/>
-              <a:t>’</a:t>
-            </a:r>
-            <a:r>
-              <a:rPr lang="ru-RU" baseline="0" dirty="0" smtClean="0"/>
-              <a:t>ом. Это иногда используется в самом </a:t>
-            </a:r>
-            <a:r>
-              <a:rPr lang="ru-RU" baseline="0" dirty="0" err="1" smtClean="0"/>
-              <a:t>дотнете</a:t>
-            </a:r>
-            <a:r>
-              <a:rPr lang="ru-RU" baseline="0" dirty="0" smtClean="0"/>
-              <a:t>. Не используйте это, пока не найдёте, где это написано в </a:t>
-            </a:r>
-            <a:r>
-              <a:rPr lang="ru-RU" baseline="0" dirty="0" err="1" smtClean="0"/>
-              <a:t>документаци</a:t>
-            </a:r>
-            <a:r>
-              <a:rPr lang="ru-RU" baseline="0" dirty="0" smtClean="0"/>
-              <a:t>!</a:t>
+              <a:t>Чем плох код?</a:t>
             </a:r>
             <a:endParaRPr lang="ru-RU" dirty="0"/>
           </a:p>
@@ -10802,6 +10765,200 @@
             <a:fld id="{3BAECB10-9972-4830-A584-02C41DAFD45B}" type="slidenum">
               <a:rPr lang="ru-RU" smtClean="0"/>
               <a:t>42</a:t>
+            </a:fld>
+            <a:endParaRPr lang="ru-RU"/>
+          </a:p>
+        </p:txBody>
+      </p:sp>
+    </p:spTree>
+    <p:extLst>
+      <p:ext uri="{BB962C8B-B14F-4D97-AF65-F5344CB8AC3E}">
+        <p14:creationId xmlns:p14="http://schemas.microsoft.com/office/powerpoint/2010/main" val="1610563261"/>
+      </p:ext>
+    </p:extLst>
+  </p:cSld>
+  <p:clrMapOvr>
+    <a:masterClrMapping/>
+  </p:clrMapOvr>
+</p:notes>
+</file>
+
+<file path=ppt/notesSlides/notesSlide34.xml><?xml version="1.0" encoding="utf-8"?>
+<p:notes xmlns:a="http://schemas.openxmlformats.org/drawingml/2006/main" xmlns:r="http://schemas.openxmlformats.org/officeDocument/2006/relationships" xmlns:p="http://schemas.openxmlformats.org/presentationml/2006/main">
+  <p:cSld>
+    <p:spTree>
+      <p:nvGrpSpPr>
+        <p:cNvPr id="1" name=""/>
+        <p:cNvGrpSpPr/>
+        <p:nvPr/>
+      </p:nvGrpSpPr>
+      <p:grpSpPr>
+        <a:xfrm>
+          <a:off x="0" y="0"/>
+          <a:ext cx="0" cy="0"/>
+          <a:chOff x="0" y="0"/>
+          <a:chExt cx="0" cy="0"/>
+        </a:xfrm>
+      </p:grpSpPr>
+      <p:sp>
+        <p:nvSpPr>
+          <p:cNvPr id="2" name="Образ слайда 1"/>
+          <p:cNvSpPr>
+            <a:spLocks noGrp="1" noRot="1" noChangeAspect="1"/>
+          </p:cNvSpPr>
+          <p:nvPr>
+            <p:ph type="sldImg"/>
+          </p:nvPr>
+        </p:nvSpPr>
+        <p:spPr/>
+      </p:sp>
+      <p:sp>
+        <p:nvSpPr>
+          <p:cNvPr id="3" name="Заметки 2"/>
+          <p:cNvSpPr>
+            <a:spLocks noGrp="1"/>
+          </p:cNvSpPr>
+          <p:nvPr>
+            <p:ph type="body" idx="1"/>
+          </p:nvPr>
+        </p:nvSpPr>
+        <p:spPr/>
+        <p:txBody>
+          <a:bodyPr/>
+          <a:lstStyle/>
+          <a:p>
+            <a:r>
+              <a:rPr lang="en-US" dirty="0" smtClean="0"/>
+              <a:t>Finally – </a:t>
+            </a:r>
+            <a:r>
+              <a:rPr lang="ru-RU" dirty="0" err="1" smtClean="0"/>
+              <a:t>фича</a:t>
+            </a:r>
+            <a:r>
+              <a:rPr lang="ru-RU" dirty="0" smtClean="0"/>
+              <a:t> </a:t>
+            </a:r>
+            <a:r>
+              <a:rPr lang="ru-RU" dirty="0" err="1" smtClean="0"/>
+              <a:t>дотнета</a:t>
+            </a:r>
+            <a:r>
+              <a:rPr lang="ru-RU" dirty="0" smtClean="0"/>
+              <a:t>,</a:t>
+            </a:r>
+            <a:r>
+              <a:rPr lang="ru-RU" baseline="0" dirty="0" smtClean="0"/>
+              <a:t> ОС она безразлична</a:t>
+            </a:r>
+          </a:p>
+          <a:p>
+            <a:r>
+              <a:rPr lang="en-US" baseline="0" dirty="0" smtClean="0"/>
+              <a:t>finally </a:t>
+            </a:r>
+            <a:r>
+              <a:rPr lang="ru-RU" baseline="0" dirty="0" smtClean="0"/>
+              <a:t>работает, пока процесс и </a:t>
+            </a:r>
+            <a:r>
+              <a:rPr lang="ru-RU" baseline="0" dirty="0" err="1" smtClean="0"/>
+              <a:t>рантайм</a:t>
+            </a:r>
+            <a:r>
+              <a:rPr lang="en-US" baseline="0" dirty="0" smtClean="0"/>
+              <a:t> </a:t>
+            </a:r>
+            <a:r>
+              <a:rPr lang="ru-RU" baseline="0" dirty="0" smtClean="0"/>
+              <a:t>работают нормально</a:t>
+            </a:r>
+          </a:p>
+          <a:p>
+            <a:r>
+              <a:rPr lang="ru-RU" baseline="0" dirty="0" smtClean="0"/>
+              <a:t>Но </a:t>
+            </a:r>
+            <a:r>
+              <a:rPr lang="en-US" baseline="0" dirty="0" smtClean="0"/>
+              <a:t>finally </a:t>
+            </a:r>
+            <a:r>
+              <a:rPr lang="ru-RU" baseline="0" dirty="0" smtClean="0"/>
+              <a:t>имеет смысл использовать лишь для выполнения кода в независимости от наличия исключения</a:t>
+            </a:r>
+          </a:p>
+          <a:p>
+            <a:r>
+              <a:rPr lang="ru-RU" baseline="0" dirty="0" smtClean="0"/>
+              <a:t>Нестандартное применение – код</a:t>
+            </a:r>
+            <a:r>
+              <a:rPr lang="en-US" baseline="0" dirty="0" smtClean="0"/>
+              <a:t> </a:t>
+            </a:r>
+            <a:r>
+              <a:rPr lang="ru-RU" baseline="0" dirty="0" smtClean="0"/>
+              <a:t>в </a:t>
+            </a:r>
+            <a:r>
+              <a:rPr lang="en-US" baseline="0" dirty="0" smtClean="0"/>
+              <a:t>finally </a:t>
+            </a:r>
+            <a:r>
+              <a:rPr lang="ru-RU" baseline="0" dirty="0" smtClean="0"/>
+              <a:t>не прерывается </a:t>
+            </a:r>
+            <a:r>
+              <a:rPr lang="en-US" baseline="0" dirty="0" err="1" smtClean="0"/>
+              <a:t>ThreadAbortException</a:t>
+            </a:r>
+            <a:r>
+              <a:rPr lang="en-US" baseline="0" dirty="0" smtClean="0"/>
+              <a:t>’</a:t>
+            </a:r>
+            <a:r>
+              <a:rPr lang="ru-RU" baseline="0" dirty="0" smtClean="0"/>
+              <a:t>ом. Это иногда используется в самом </a:t>
+            </a:r>
+            <a:r>
+              <a:rPr lang="ru-RU" baseline="0" dirty="0" err="1" smtClean="0"/>
+              <a:t>дотнете</a:t>
+            </a:r>
+            <a:r>
+              <a:rPr lang="ru-RU" baseline="0" dirty="0" smtClean="0"/>
+              <a:t>. Не используйте это, пока не найдёте, где это написано в </a:t>
+            </a:r>
+            <a:r>
+              <a:rPr lang="ru-RU" baseline="0" dirty="0" err="1" smtClean="0"/>
+              <a:t>документаци</a:t>
+            </a:r>
+            <a:r>
+              <a:rPr lang="ru-RU" baseline="0" dirty="0" smtClean="0"/>
+              <a:t>!</a:t>
+            </a:r>
+            <a:endParaRPr lang="ru-RU" dirty="0"/>
+          </a:p>
+        </p:txBody>
+      </p:sp>
+      <p:sp>
+        <p:nvSpPr>
+          <p:cNvPr id="4" name="Номер слайда 3"/>
+          <p:cNvSpPr>
+            <a:spLocks noGrp="1"/>
+          </p:cNvSpPr>
+          <p:nvPr>
+            <p:ph type="sldNum" sz="quarter" idx="10"/>
+          </p:nvPr>
+        </p:nvSpPr>
+        <p:spPr/>
+        <p:txBody>
+          <a:bodyPr/>
+          <a:lstStyle/>
+          <a:p>
+            <a:fld id="{3BAECB10-9972-4830-A584-02C41DAFD45B}" type="slidenum">
+              <a:rPr lang="ru-RU" smtClean="0"/>
+              <a:t>43</a:t>
             </a:fld>
             <a:endParaRPr lang="ru-RU"/>
           </a:p>
@@ -11632,11 +11789,7 @@
             </a:r>
             <a:r>
               <a:rPr lang="ru-RU" baseline="0" dirty="0" smtClean="0"/>
-              <a:t>он не должен вернуть </a:t>
-            </a:r>
-            <a:r>
-              <a:rPr lang="ru-RU" baseline="0" dirty="0" smtClean="0"/>
-              <a:t>нал</a:t>
+              <a:t>он не должен вернуть нал</a:t>
             </a:r>
             <a:endParaRPr lang="ru-RU" dirty="0"/>
           </a:p>
@@ -26688,7 +26841,25 @@
                 </a:solidFill>
                 <a:latin typeface="Consolas" panose="020B0609020204030204" pitchFamily="49" charset="0"/>
               </a:rPr>
-              <a:t> depth=20) {</a:t>
+              <a:t> depth=</a:t>
+            </a:r>
+            <a:r>
+              <a:rPr lang="en-US" sz="2400" dirty="0" err="1" smtClean="0">
+                <a:solidFill>
+                  <a:srgbClr val="000000"/>
+                </a:solidFill>
+                <a:latin typeface="Consolas" panose="020B0609020204030204" pitchFamily="49" charset="0"/>
+              </a:rPr>
+              <a:t>MaxDepth</a:t>
+            </a:r>
+            <a:r>
+              <a:rPr lang="en-US" sz="2400" dirty="0" smtClean="0">
+                <a:solidFill>
+                  <a:srgbClr val="000000"/>
+                </a:solidFill>
+                <a:latin typeface="Consolas" panose="020B0609020204030204" pitchFamily="49" charset="0"/>
+              </a:rPr>
+              <a:t>) {</a:t>
             </a:r>
           </a:p>
           <a:p>
@@ -27231,7 +27402,7 @@
         <p:spPr>
           <a:xfrm>
             <a:off x="1331001" y="1393340"/>
-            <a:ext cx="11809312" cy="5183905"/>
+            <a:ext cx="9805559" cy="5183905"/>
           </a:xfrm>
         </p:spPr>
         <p:txBody>
@@ -27251,7 +27422,7 @@
             </a:pPr>
             <a:r>
               <a:rPr lang="ru-RU" dirty="0" smtClean="0"/>
-              <a:t>Низкоуровневое исключение</a:t>
+              <a:t>Возникает при некорректной работе с памятью</a:t>
             </a:r>
           </a:p>
           <a:p>
@@ -27260,39 +27431,63 @@
             </a:pPr>
             <a:r>
               <a:rPr lang="ru-RU" dirty="0" smtClean="0"/>
-              <a:t>Возникает </a:t>
+              <a:t>Ан</a:t>
             </a:r>
             <a:r>
               <a:rPr lang="ru-RU" dirty="0"/>
-              <a:t>при некорректной работе с </a:t>
+              <a:t>а</a:t>
             </a:r>
             <a:r>
               <a:rPr lang="ru-RU" dirty="0" smtClean="0"/>
-              <a:t>памятью</a:t>
-            </a:r>
-            <a:endParaRPr lang="en-US" dirty="0" smtClean="0">
-              <a:latin typeface="+mn-lt"/>
-            </a:endParaRPr>
+              <a:t>логично </a:t>
+            </a:r>
+            <a:r>
+              <a:rPr lang="en-US" dirty="0" err="1" smtClean="0"/>
+              <a:t>StackOverflow</a:t>
+            </a:r>
+            <a:r>
+              <a:rPr lang="en-US" dirty="0" smtClean="0"/>
+              <a:t> – </a:t>
+            </a:r>
+            <a:r>
+              <a:rPr lang="ru-RU" dirty="0" smtClean="0"/>
+              <a:t>поведение зависит от кода, выбросившего исключение</a:t>
+            </a:r>
           </a:p>
           <a:p>
             <a:pPr marL="514350" indent="-514350">
               <a:buAutoNum type="arabicPeriod"/>
             </a:pPr>
             <a:r>
-              <a:rPr lang="ru-RU" dirty="0" smtClean="0">
-                <a:latin typeface="+mn-lt"/>
-              </a:rPr>
-              <a:t>Ведёт себя аналогично </a:t>
+              <a:rPr lang="ru-RU" dirty="0" smtClean="0"/>
+              <a:t>Можно перехватить:</a:t>
+            </a:r>
+          </a:p>
+          <a:p>
+            <a:pPr lvl="1" indent="0">
+              <a:buNone/>
+            </a:pPr>
+            <a:r>
+              <a:rPr lang="en-US" dirty="0" smtClean="0">
+                <a:latin typeface="Consolas" panose="020B0609020204030204" pitchFamily="49" charset="0"/>
+              </a:rPr>
+              <a:t>[</a:t>
             </a:r>
             <a:r>
               <a:rPr lang="en-US" dirty="0" err="1" smtClean="0">
-                <a:latin typeface="+mn-lt"/>
-              </a:rPr>
-              <a:t>StackOverflowException</a:t>
-            </a:r>
-            <a:endParaRPr lang="en-US" dirty="0" smtClean="0">
-              <a:latin typeface="+mn-lt"/>
-            </a:endParaRPr>
+                <a:solidFill>
+                  <a:srgbClr val="2B91AF"/>
+                </a:solidFill>
+                <a:latin typeface="Consolas" panose="020B0609020204030204" pitchFamily="49" charset="0"/>
+              </a:rPr>
+              <a:t>HandleProcessCorruptedStateExceptions</a:t>
+            </a:r>
+            <a:r>
+              <a:rPr lang="en-US" dirty="0" smtClean="0">
+                <a:latin typeface="Consolas" panose="020B0609020204030204" pitchFamily="49" charset="0"/>
+              </a:rPr>
+              <a:t>]</a:t>
+            </a:r>
           </a:p>
         </p:txBody>
       </p:sp>
@@ -27744,7 +27939,7 @@
                             </p:stCondLst>
                             <p:childTnLst>
                               <p:par>
-                                <p:cTn id="5" presetID="1" presetClass="entr" presetSubtype="0" fill="hold" grpId="0" nodeType="clickEffect">
+                                <p:cTn id="5" presetID="1" presetClass="entr" presetSubtype="0" fill="hold" nodeType="clickEffect">
                                   <p:stCondLst>
                                     <p:cond delay="0"/>
                                   </p:stCondLst>
@@ -27774,33 +27969,15 @@
                                   </p:childTnLst>
                                 </p:cTn>
                               </p:par>
-                            </p:childTnLst>
-                          </p:cTn>
-                        </p:par>
-                      </p:childTnLst>
-                    </p:cTn>
-                  </p:par>
-                  <p:par>
-                    <p:cTn id="7" fill="hold">
-                      <p:stCondLst>
-                        <p:cond delay="indefinite"/>
-                      </p:stCondLst>
-                      <p:childTnLst>
-                        <p:par>
-                          <p:cTn id="8" fill="hold">
-                            <p:stCondLst>
-                              <p:cond delay="0"/>
-                            </p:stCondLst>
-                            <p:childTnLst>
                               <p:par>
-                                <p:cTn id="9" presetID="1" presetClass="entr" presetSubtype="0" fill="hold" grpId="0" nodeType="clickEffect">
+                                <p:cTn id="7" presetID="1" presetClass="entr" presetSubtype="0" fill="hold" nodeType="withEffect">
                                   <p:stCondLst>
                                     <p:cond delay="0"/>
                                   </p:stCondLst>
                                   <p:childTnLst>
                                     <p:set>
                                       <p:cBhvr>
-                                        <p:cTn id="10" dur="1" fill="hold">
+                                        <p:cTn id="8" dur="1" fill="hold">
                                           <p:stCondLst>
                                             <p:cond delay="0"/>
                                           </p:stCondLst>
@@ -27830,19 +28007,50 @@
                     </p:cTn>
                   </p:par>
                   <p:par>
-                    <p:cTn id="11" fill="hold">
+                    <p:cTn id="9" fill="hold">
                       <p:stCondLst>
                         <p:cond delay="indefinite"/>
                       </p:stCondLst>
                       <p:childTnLst>
                         <p:par>
-                          <p:cTn id="12" fill="hold">
+                          <p:cTn id="10" fill="hold">
                             <p:stCondLst>
                               <p:cond delay="0"/>
                             </p:stCondLst>
                             <p:childTnLst>
                               <p:par>
-                                <p:cTn id="13" presetID="1" presetClass="entr" presetSubtype="0" fill="hold" grpId="0" nodeType="clickEffect">
+                                <p:cTn id="11" presetID="1" presetClass="entr" presetSubtype="0" fill="hold" nodeType="clickEffect">
+                                  <p:stCondLst>
+                                    <p:cond delay="0"/>
+                                  </p:stCondLst>
+                                  <p:childTnLst>
+                                    <p:set>
+                                      <p:cBhvr>
+                                        <p:cTn id="12" dur="1" fill="hold">
+                                          <p:stCondLst>
+                                            <p:cond delay="0"/>
+                                          </p:stCondLst>
+                                        </p:cTn>
+                                        <p:tgtEl>
+                                          <p:spTgt spid="2">
+                                            <p:txEl>
+                                              <p:pRg st="3" end="3"/>
+                                            </p:txEl>
+                                          </p:spTgt>
+                                        </p:tgtEl>
+                                        <p:attrNameLst>
+                                          <p:attrName>style.visibility</p:attrName>
+                                        </p:attrNameLst>
+                                      </p:cBhvr>
+                                      <p:to>
+                                        <p:strVal val="visible"/>
+                                      </p:to>
+                                    </p:set>
+                                  </p:childTnLst>
+                                </p:cTn>
+                              </p:par>
+                              <p:par>
+                                <p:cTn id="13" presetID="1" presetClass="entr" presetSubtype="0" fill="hold" nodeType="withEffect">
                                   <p:stCondLst>
                                     <p:cond delay="0"/>
                                   </p:stCondLst>
@@ -27857,7 +28065,7 @@
                                         <p:tgtEl>
                                           <p:spTgt spid="2">
                                             <p:txEl>
-                                              <p:pRg st="3" end="3"/>
+                                              <p:pRg st="4" end="4"/>
                                             </p:txEl>
                                           </p:spTgt>
                                         </p:tgtEl>
@@ -27899,9 +28107,6 @@
         </p:cTn>
       </p:par>
     </p:tnLst>
-    <p:bldLst>
-      <p:bldP spid="2" grpId="0" build="p"/>
-    </p:bldLst>
   </p:timing>
 </p:sld>
 </file>
@@ -29839,13 +30044,10 @@
               <a:t>(</a:t>
             </a:r>
             <a:r>
-              <a:rPr lang="en-US" sz="2800" dirty="0">
-                <a:solidFill>
-                  <a:srgbClr val="A31515"/>
-                </a:solidFill>
-                <a:latin typeface="Consolas" panose="020B0609020204030204" pitchFamily="49" charset="0"/>
-              </a:rPr>
-              <a:t>"!"</a:t>
+              <a:rPr lang="en-US" sz="2800" dirty="0" smtClean="0">
+                <a:latin typeface="Consolas" panose="020B0609020204030204" pitchFamily="49" charset="0"/>
+              </a:rPr>
+              <a:t>e</a:t>
             </a:r>
             <a:r>
               <a:rPr lang="en-US" sz="2800" dirty="0" smtClean="0">
@@ -29875,7 +30077,58 @@
             </a:r>
           </a:p>
           <a:p>
-            <a:endParaRPr lang="ru-RU" dirty="0"/>
+            <a:r>
+              <a:rPr lang="en-US" sz="2800" dirty="0" err="1">
+                <a:solidFill>
+                  <a:srgbClr val="2B91AF"/>
+                </a:solidFill>
+                <a:latin typeface="Consolas" panose="020B0609020204030204" pitchFamily="49" charset="0"/>
+              </a:rPr>
+              <a:t>Console</a:t>
+            </a:r>
+            <a:r>
+              <a:rPr lang="en-US" sz="2800" dirty="0" err="1">
+                <a:solidFill>
+                  <a:srgbClr val="000000"/>
+                </a:solidFill>
+                <a:latin typeface="Consolas" panose="020B0609020204030204" pitchFamily="49" charset="0"/>
+              </a:rPr>
+              <a:t>.</a:t>
+            </a:r>
+            <a:r>
+              <a:rPr lang="en-US" sz="2800" dirty="0" err="1">
+                <a:latin typeface="Consolas" panose="020B0609020204030204" pitchFamily="49" charset="0"/>
+              </a:rPr>
+              <a:t>WriteLine</a:t>
+            </a:r>
+            <a:r>
+              <a:rPr lang="en-US" sz="2800" dirty="0">
+                <a:solidFill>
+                  <a:srgbClr val="000000"/>
+                </a:solidFill>
+                <a:latin typeface="Consolas" panose="020B0609020204030204" pitchFamily="49" charset="0"/>
+              </a:rPr>
+              <a:t>(</a:t>
+            </a:r>
+            <a:r>
+              <a:rPr lang="en-US" sz="2800" dirty="0">
+                <a:solidFill>
+                  <a:srgbClr val="A31515"/>
+                </a:solidFill>
+                <a:latin typeface="Consolas" panose="020B0609020204030204" pitchFamily="49" charset="0"/>
+              </a:rPr>
+              <a:t>"!"</a:t>
+            </a:r>
+            <a:r>
+              <a:rPr lang="en-US" sz="2800" dirty="0">
+                <a:solidFill>
+                  <a:srgbClr val="000000"/>
+                </a:solidFill>
+                <a:latin typeface="Consolas" panose="020B0609020204030204" pitchFamily="49" charset="0"/>
+              </a:rPr>
+              <a:t>);</a:t>
+            </a:r>
+            <a:endParaRPr lang="ru-RU" sz="2800" dirty="0"/>
           </a:p>
         </p:txBody>
       </p:sp>
@@ -30188,10 +30441,16 @@
               <a:buAutoNum type="arabicPeriod"/>
             </a:pPr>
             <a:r>
-              <a:rPr lang="ru-RU" dirty="0" smtClean="0">
-                <a:latin typeface="+mn-lt"/>
-              </a:rPr>
-              <a:t>Исключение обработается, но вылетит снова</a:t>
+              <a:rPr lang="ru-RU" dirty="0"/>
+              <a:t>Зайдём в </a:t>
+            </a:r>
+            <a:r>
+              <a:rPr lang="en-US" dirty="0"/>
+              <a:t>catch</a:t>
+            </a:r>
+            <a:r>
+              <a:rPr lang="ru-RU" dirty="0"/>
+              <a:t>, но исключение вылетит снова</a:t>
             </a:r>
           </a:p>
           <a:p>
@@ -30199,20 +30458,22 @@
               <a:buAutoNum type="arabicPeriod"/>
             </a:pPr>
             <a:r>
-              <a:rPr lang="ru-RU" dirty="0" smtClean="0">
-                <a:latin typeface="+mn-lt"/>
-              </a:rPr>
-              <a:t>Исключение обработается, но вылетит </a:t>
-            </a:r>
-            <a:r>
-              <a:rPr lang="en-US" dirty="0" err="1" smtClean="0">
-                <a:latin typeface="+mn-lt"/>
-              </a:rPr>
+              <a:rPr lang="ru-RU" dirty="0"/>
+              <a:t>Зайдём в </a:t>
+            </a:r>
+            <a:r>
+              <a:rPr lang="en-US" dirty="0"/>
+              <a:t>catch</a:t>
+            </a:r>
+            <a:r>
+              <a:rPr lang="ru-RU" dirty="0"/>
+              <a:t>, но вылетит </a:t>
+            </a:r>
+            <a:r>
+              <a:rPr lang="en-US" dirty="0" err="1"/>
               <a:t>StackOverflow</a:t>
             </a:r>
-            <a:endParaRPr lang="ru-RU" dirty="0" smtClean="0">
-              <a:latin typeface="+mn-lt"/>
-            </a:endParaRPr>
+            <a:endParaRPr lang="en-US" dirty="0"/>
           </a:p>
         </p:txBody>
       </p:sp>
@@ -33262,15 +33523,7 @@
                   <a:srgbClr val="008000"/>
                 </a:solidFill>
               </a:rPr>
-              <a:t>сключение </a:t>
-            </a:r>
-            <a:r>
-              <a:rPr lang="ru-RU" dirty="0">
-                <a:solidFill>
-                  <a:srgbClr val="008000"/>
-                </a:solidFill>
-              </a:rPr>
-              <a:t>обработается</a:t>
+              <a:t>сключение обработается</a:t>
             </a:r>
             <a:endParaRPr lang="ru-RU" dirty="0" smtClean="0">
               <a:solidFill>
@@ -33290,7 +33543,25 @@
                 </a:solidFill>
                 <a:latin typeface="+mn-lt"/>
               </a:rPr>
-              <a:t>Исключение обработается, но вылетит снова</a:t>
+              <a:t>Зайдём в </a:t>
+            </a:r>
+            <a:r>
+              <a:rPr lang="en-US" dirty="0" smtClean="0">
+                <a:solidFill>
+                  <a:srgbClr val="008000"/>
+                </a:solidFill>
+                <a:latin typeface="+mn-lt"/>
+              </a:rPr>
+              <a:t>catch</a:t>
+            </a:r>
+            <a:r>
+              <a:rPr lang="ru-RU" dirty="0" smtClean="0">
+                <a:solidFill>
+                  <a:srgbClr val="008000"/>
+                </a:solidFill>
+                <a:latin typeface="+mn-lt"/>
+              </a:rPr>
+              <a:t>, но исключение вылетит снова</a:t>
             </a:r>
           </a:p>
           <a:p>
@@ -33304,7 +33575,25 @@
                 </a:solidFill>
                 <a:latin typeface="+mn-lt"/>
               </a:rPr>
-              <a:t>Исключение обработается, но вылетит </a:t>
+              <a:t>Зайдём в </a:t>
+            </a:r>
+            <a:r>
+              <a:rPr lang="en-US" dirty="0" smtClean="0">
+                <a:solidFill>
+                  <a:srgbClr val="008000"/>
+                </a:solidFill>
+                <a:latin typeface="+mn-lt"/>
+              </a:rPr>
+              <a:t>catch</a:t>
+            </a:r>
+            <a:r>
+              <a:rPr lang="ru-RU" dirty="0" smtClean="0">
+                <a:solidFill>
+                  <a:srgbClr val="008000"/>
+                </a:solidFill>
+                <a:latin typeface="+mn-lt"/>
+              </a:rPr>
+              <a:t>, но вылетит </a:t>
             </a:r>
             <a:r>
               <a:rPr lang="en-US" dirty="0" err="1" smtClean="0">
@@ -33315,10 +33604,11 @@
               </a:rPr>
               <a:t>StackOverflow</a:t>
             </a:r>
-            <a:endParaRPr lang="ru-RU" dirty="0" smtClean="0">
+            <a:endParaRPr lang="en-US" dirty="0" smtClean="0">
               <a:solidFill>
                 <a:srgbClr val="008000"/>
               </a:solidFill>
+              <a:latin typeface="+mn-lt"/>
             </a:endParaRPr>
           </a:p>
           <a:p>
@@ -33923,6 +34213,29 @@
           </a:p>
         </p:txBody>
       </p:sp>
+      <p:pic>
+        <p:nvPicPr>
+          <p:cNvPr id="10" name="Рисунок 9"/>
+          <p:cNvPicPr>
+            <a:picLocks noChangeAspect="1"/>
+          </p:cNvPicPr>
+          <p:nvPr/>
+        </p:nvPicPr>
+        <p:blipFill rotWithShape="1">
+          <a:blip r:embed="rId3"/>
+          <a:srcRect b="27975"/>
+          <a:stretch/>
+        </p:blipFill>
+        <p:spPr>
+          <a:xfrm>
+            <a:off x="2309156" y="4817989"/>
+            <a:ext cx="7573692" cy="2003863"/>
+          </a:xfrm>
+          <a:prstGeom prst="rect">
+            <a:avLst/>
+          </a:prstGeom>
+        </p:spPr>
+      </p:pic>
     </p:spTree>
     <p:extLst>
       <p:ext uri="{BB962C8B-B14F-4D97-AF65-F5344CB8AC3E}">
@@ -33986,6 +34299,51 @@
                       </p:childTnLst>
                     </p:cTn>
                   </p:par>
+                  <p:par>
+                    <p:cTn id="7" fill="hold">
+                      <p:stCondLst>
+                        <p:cond delay="indefinite"/>
+                      </p:stCondLst>
+                      <p:childTnLst>
+                        <p:par>
+                          <p:cTn id="8" fill="hold">
+                            <p:stCondLst>
+                              <p:cond delay="0"/>
+                            </p:stCondLst>
+                            <p:childTnLst>
+                              <p:par>
+                                <p:cTn id="9" presetID="1" presetClass="entr" presetSubtype="0" fill="hold" nodeType="clickEffect">
+                                  <p:stCondLst>
+                                    <p:cond delay="0"/>
+                                  </p:stCondLst>
+                                  <p:childTnLst>
+                                    <p:set>
+                                      <p:cBhvr>
+                                        <p:cTn id="10" dur="1" fill="hold">
+                                          <p:stCondLst>
+                                            <p:cond delay="0"/>
+                                          </p:stCondLst>
+                                        </p:cTn>
+                                        <p:tgtEl>
+                                          <p:spTgt spid="10"/>
+                                        </p:tgtEl>
+                                        <p:attrNameLst>
+                                          <p:attrName>style.visibility</p:attrName>
+                                        </p:attrNameLst>
+                                      </p:cBhvr>
+                                      <p:to>
+                                        <p:strVal val="visible"/>
+                                      </p:to>
+                                    </p:set>
+                                  </p:childTnLst>
+                                </p:cTn>
+                              </p:par>
+                            </p:childTnLst>
+                          </p:cTn>
+                        </p:par>
+                      </p:childTnLst>
+                    </p:cTn>
+                  </p:par>
                 </p:childTnLst>
               </p:cTn>
               <p:prevCondLst>
@@ -34031,6 +34389,264 @@
           <a:chExt cx="0" cy="0"/>
         </a:xfrm>
       </p:grpSpPr>
+      <p:pic>
+        <p:nvPicPr>
+          <p:cNvPr id="9" name="Рисунок 8"/>
+          <p:cNvPicPr>
+            <a:picLocks noChangeAspect="1"/>
+          </p:cNvPicPr>
+          <p:nvPr/>
+        </p:nvPicPr>
+        <p:blipFill>
+          <a:blip r:embed="rId3"/>
+          <a:stretch>
+            <a:fillRect/>
+          </a:stretch>
+        </p:blipFill>
+        <p:spPr>
+          <a:xfrm>
+            <a:off x="695400" y="1196752"/>
+            <a:ext cx="11261965" cy="5400600"/>
+          </a:xfrm>
+          <a:prstGeom prst="rect">
+            <a:avLst/>
+          </a:prstGeom>
+        </p:spPr>
+      </p:pic>
+      <p:sp>
+        <p:nvSpPr>
+          <p:cNvPr id="3" name="Заголовок 2"/>
+          <p:cNvSpPr>
+            <a:spLocks noGrp="1"/>
+          </p:cNvSpPr>
+          <p:nvPr>
+            <p:ph type="title"/>
+          </p:nvPr>
+        </p:nvSpPr>
+        <p:spPr/>
+        <p:txBody>
+          <a:bodyPr/>
+          <a:lstStyle/>
+          <a:p>
+            <a:r>
+              <a:rPr lang="ru-RU" dirty="0" smtClean="0"/>
+              <a:t>Откуда </a:t>
+            </a:r>
+            <a:r>
+              <a:rPr lang="en-US" dirty="0" err="1" smtClean="0"/>
+              <a:t>stackoverflow</a:t>
+            </a:r>
+            <a:endParaRPr lang="ru-RU" dirty="0"/>
+          </a:p>
+        </p:txBody>
+      </p:sp>
+      <p:sp>
+        <p:nvSpPr>
+          <p:cNvPr id="5" name="TextBox 4"/>
+          <p:cNvSpPr txBox="1"/>
+          <p:nvPr/>
+        </p:nvSpPr>
+        <p:spPr>
+          <a:xfrm>
+            <a:off x="4079776" y="3284984"/>
+            <a:ext cx="8280921" cy="1754326"/>
+          </a:xfrm>
+          <a:prstGeom prst="rect">
+            <a:avLst/>
+          </a:prstGeom>
+          <a:noFill/>
+        </p:spPr>
+        <p:txBody>
+          <a:bodyPr wrap="square" rtlCol="0">
+            <a:spAutoFit/>
+          </a:bodyPr>
+          <a:lstStyle/>
+          <a:p>
+            <a:r>
+              <a:rPr lang="ru-RU" sz="3600" dirty="0" smtClean="0"/>
+              <a:t>«</a:t>
+            </a:r>
+            <a:r>
+              <a:rPr lang="en-US" sz="3600" dirty="0" smtClean="0"/>
+              <a:t>The </a:t>
+            </a:r>
+            <a:r>
+              <a:rPr lang="en-US" sz="3600" dirty="0"/>
+              <a:t>default behavior of the </a:t>
+            </a:r>
+            <a:r>
+              <a:rPr lang="en-US" sz="3600" dirty="0" smtClean="0"/>
+              <a:t>CLR is </a:t>
+            </a:r>
+            <a:r>
+              <a:rPr lang="en-US" sz="3600" dirty="0"/>
+              <a:t>to commit the full thread stack when a thread is started</a:t>
+            </a:r>
+            <a:r>
+              <a:rPr lang="en-US" sz="3600" dirty="0" smtClean="0"/>
+              <a:t>.</a:t>
+            </a:r>
+            <a:r>
+              <a:rPr lang="ru-RU" sz="3600" dirty="0" smtClean="0"/>
+              <a:t>»</a:t>
+            </a:r>
+            <a:endParaRPr lang="ru-RU" sz="3600" dirty="0"/>
+          </a:p>
+        </p:txBody>
+      </p:sp>
+    </p:spTree>
+    <p:extLst>
+      <p:ext uri="{BB962C8B-B14F-4D97-AF65-F5344CB8AC3E}">
+        <p14:creationId xmlns:p14="http://schemas.microsoft.com/office/powerpoint/2010/main" val="718412253"/>
+      </p:ext>
+    </p:extLst>
+  </p:cSld>
+  <p:clrMapOvr>
+    <a:masterClrMapping/>
+  </p:clrMapOvr>
+  <p:timing>
+    <p:tnLst>
+      <p:par>
+        <p:cTn id="1" dur="indefinite" restart="never" nodeType="tmRoot">
+          <p:childTnLst>
+            <p:seq concurrent="1" nextAc="seek">
+              <p:cTn id="2" dur="indefinite" nodeType="mainSeq">
+                <p:childTnLst>
+                  <p:par>
+                    <p:cTn id="3" fill="hold">
+                      <p:stCondLst>
+                        <p:cond delay="indefinite"/>
+                      </p:stCondLst>
+                      <p:childTnLst>
+                        <p:par>
+                          <p:cTn id="4" fill="hold">
+                            <p:stCondLst>
+                              <p:cond delay="0"/>
+                            </p:stCondLst>
+                            <p:childTnLst>
+                              <p:par>
+                                <p:cTn id="5" presetID="1" presetClass="entr" presetSubtype="0" fill="hold" nodeType="clickEffect">
+                                  <p:stCondLst>
+                                    <p:cond delay="0"/>
+                                  </p:stCondLst>
+                                  <p:childTnLst>
+                                    <p:set>
+                                      <p:cBhvr>
+                                        <p:cTn id="6" dur="1" fill="hold">
+                                          <p:stCondLst>
+                                            <p:cond delay="0"/>
+                                          </p:stCondLst>
+                                        </p:cTn>
+                                        <p:tgtEl>
+                                          <p:spTgt spid="9"/>
+                                        </p:tgtEl>
+                                        <p:attrNameLst>
+                                          <p:attrName>style.visibility</p:attrName>
+                                        </p:attrNameLst>
+                                      </p:cBhvr>
+                                      <p:to>
+                                        <p:strVal val="visible"/>
+                                      </p:to>
+                                    </p:set>
+                                  </p:childTnLst>
+                                </p:cTn>
+                              </p:par>
+                            </p:childTnLst>
+                          </p:cTn>
+                        </p:par>
+                      </p:childTnLst>
+                    </p:cTn>
+                  </p:par>
+                  <p:par>
+                    <p:cTn id="7" fill="hold">
+                      <p:stCondLst>
+                        <p:cond delay="indefinite"/>
+                      </p:stCondLst>
+                      <p:childTnLst>
+                        <p:par>
+                          <p:cTn id="8" fill="hold">
+                            <p:stCondLst>
+                              <p:cond delay="0"/>
+                            </p:stCondLst>
+                            <p:childTnLst>
+                              <p:par>
+                                <p:cTn id="9" presetID="1" presetClass="entr" presetSubtype="0" fill="hold" grpId="0" nodeType="clickEffect">
+                                  <p:stCondLst>
+                                    <p:cond delay="0"/>
+                                  </p:stCondLst>
+                                  <p:childTnLst>
+                                    <p:set>
+                                      <p:cBhvr>
+                                        <p:cTn id="10" dur="1" fill="hold">
+                                          <p:stCondLst>
+                                            <p:cond delay="0"/>
+                                          </p:stCondLst>
+                                        </p:cTn>
+                                        <p:tgtEl>
+                                          <p:spTgt spid="5"/>
+                                        </p:tgtEl>
+                                        <p:attrNameLst>
+                                          <p:attrName>style.visibility</p:attrName>
+                                        </p:attrNameLst>
+                                      </p:cBhvr>
+                                      <p:to>
+                                        <p:strVal val="visible"/>
+                                      </p:to>
+                                    </p:set>
+                                  </p:childTnLst>
+                                </p:cTn>
+                              </p:par>
+                            </p:childTnLst>
+                          </p:cTn>
+                        </p:par>
+                      </p:childTnLst>
+                    </p:cTn>
+                  </p:par>
+                </p:childTnLst>
+              </p:cTn>
+              <p:prevCondLst>
+                <p:cond evt="onPrev" delay="0">
+                  <p:tgtEl>
+                    <p:sldTgt/>
+                  </p:tgtEl>
+                </p:cond>
+              </p:prevCondLst>
+              <p:nextCondLst>
+                <p:cond evt="onNext" delay="0">
+                  <p:tgtEl>
+                    <p:sldTgt/>
+                  </p:tgtEl>
+                </p:cond>
+              </p:nextCondLst>
+            </p:seq>
+          </p:childTnLst>
+        </p:cTn>
+      </p:par>
+    </p:tnLst>
+    <p:bldLst>
+      <p:bldP spid="5" grpId="0"/>
+    </p:bldLst>
+  </p:timing>
+</p:sld>
+</file>
+
+<file path=ppt/slides/slide42.xml><?xml version="1.0" encoding="utf-8"?>
+<p:sld xmlns:a="http://schemas.openxmlformats.org/drawingml/2006/main" xmlns:r="http://schemas.openxmlformats.org/officeDocument/2006/relationships" xmlns:p="http://schemas.openxmlformats.org/presentationml/2006/main">
+  <p:cSld>
+    <p:spTree>
+      <p:nvGrpSpPr>
+        <p:cNvPr id="1" name=""/>
+        <p:cNvGrpSpPr/>
+        <p:nvPr/>
+      </p:nvGrpSpPr>
+      <p:grpSpPr>
+        <a:xfrm>
+          <a:off x="0" y="0"/>
+          <a:ext cx="0" cy="0"/>
+          <a:chOff x="0" y="0"/>
+          <a:chExt cx="0" cy="0"/>
+        </a:xfrm>
+      </p:grpSpPr>
       <p:sp>
         <p:nvSpPr>
           <p:cNvPr id="2" name="Объект 1"/>
@@ -34427,7 +35043,7 @@
 </p:sld>
 </file>
 
-<file path=ppt/slides/slide42.xml><?xml version="1.0" encoding="utf-8"?>
+<file path=ppt/slides/slide43.xml><?xml version="1.0" encoding="utf-8"?>
 <p:sld xmlns:a="http://schemas.openxmlformats.org/drawingml/2006/main" xmlns:r="http://schemas.openxmlformats.org/officeDocument/2006/relationships" xmlns:p="http://schemas.openxmlformats.org/presentationml/2006/main">
   <p:cSld>
     <p:spTree>

--- a/exceptions.pptx
+++ b/exceptions.pptx
@@ -6,7 +6,7 @@
     <p:sldMasterId id="2147483812" r:id="rId2"/>
   </p:sldMasterIdLst>
   <p:notesMasterIdLst>
-    <p:notesMasterId r:id="rId46"/>
+    <p:notesMasterId r:id="rId47"/>
   </p:notesMasterIdLst>
   <p:sldIdLst>
     <p:sldId id="362" r:id="rId3"/>
@@ -52,6 +52,7 @@
     <p:sldId id="410" r:id="rId43"/>
     <p:sldId id="407" r:id="rId44"/>
     <p:sldId id="408" r:id="rId45"/>
+    <p:sldId id="327" r:id="rId46"/>
   </p:sldIdLst>
   <p:sldSz cx="12192000" cy="6858000"/>
   <p:notesSz cx="6858000" cy="9144000"/>
@@ -217,6 +218,7 @@
             <p14:sldId id="410"/>
             <p14:sldId id="407"/>
             <p14:sldId id="408"/>
+            <p14:sldId id="327"/>
           </p14:sldIdLst>
         </p14:section>
       </p14:sectionLst>
@@ -2551,13 +2553,6 @@
         </dgm:presLayoutVars>
       </dgm:prSet>
       <dgm:spPr/>
-      <dgm:t>
-        <a:bodyPr/>
-        <a:lstStyle/>
-        <a:p>
-          <a:endParaRPr lang="ru-RU"/>
-        </a:p>
-      </dgm:t>
     </dgm:pt>
     <dgm:pt modelId="{CF6D50B3-578A-4EA0-A5A0-492FA729F6ED}" type="pres">
       <dgm:prSet presAssocID="{B75F6A3A-9A51-4DF3-8A57-9AEB0739425C}" presName="composite" presStyleCnt="0"/>
@@ -2570,13 +2565,6 @@
         </dgm:presLayoutVars>
       </dgm:prSet>
       <dgm:spPr/>
-      <dgm:t>
-        <a:bodyPr/>
-        <a:lstStyle/>
-        <a:p>
-          <a:endParaRPr lang="ru-RU"/>
-        </a:p>
-      </dgm:t>
     </dgm:pt>
     <dgm:pt modelId="{61EB78D8-69FF-471D-8FEB-71388C442F55}" type="pres">
       <dgm:prSet presAssocID="{B75F6A3A-9A51-4DF3-8A57-9AEB0739425C}" presName="rect1" presStyleLbl="alignImgPlace1" presStyleIdx="0" presStyleCnt="1" custScaleX="596594" custScaleY="114980" custLinFactX="-64576" custLinFactNeighborX="-100000" custLinFactNeighborY="-13065"/>
@@ -2598,9 +2586,9 @@
     </dgm:pt>
   </dgm:ptLst>
   <dgm:cxnLst>
-    <dgm:cxn modelId="{017518C9-1619-4B19-AA03-86BA999BA287}" srcId="{EAB81984-5B84-4970-8447-2B456B8C58DF}" destId="{B75F6A3A-9A51-4DF3-8A57-9AEB0739425C}" srcOrd="0" destOrd="0" parTransId="{203596AF-4F49-40BA-B1E1-11BDD34B512E}" sibTransId="{A056157B-3867-49A4-9195-F3A4F3FBBA8E}"/>
     <dgm:cxn modelId="{1CEAA455-5BF4-4666-95B8-390900AB8124}" type="presOf" srcId="{EAB81984-5B84-4970-8447-2B456B8C58DF}" destId="{3A252E36-3D7E-49E5-B812-EE4CACF0D5CF}" srcOrd="0" destOrd="0" presId="urn:microsoft.com/office/officeart/2008/layout/PictureGrid"/>
     <dgm:cxn modelId="{147A14B3-96E8-4139-969B-9DB1BCB4D95E}" type="presOf" srcId="{B75F6A3A-9A51-4DF3-8A57-9AEB0739425C}" destId="{B29ABF60-EC0F-45AD-A90E-9C76D15C2F14}" srcOrd="0" destOrd="0" presId="urn:microsoft.com/office/officeart/2008/layout/PictureGrid"/>
+    <dgm:cxn modelId="{017518C9-1619-4B19-AA03-86BA999BA287}" srcId="{EAB81984-5B84-4970-8447-2B456B8C58DF}" destId="{B75F6A3A-9A51-4DF3-8A57-9AEB0739425C}" srcOrd="0" destOrd="0" parTransId="{203596AF-4F49-40BA-B1E1-11BDD34B512E}" sibTransId="{A056157B-3867-49A4-9195-F3A4F3FBBA8E}"/>
     <dgm:cxn modelId="{D3458AFA-605E-43EE-8C8A-0E0C1E3CD931}" type="presParOf" srcId="{3A252E36-3D7E-49E5-B812-EE4CACF0D5CF}" destId="{CF6D50B3-578A-4EA0-A5A0-492FA729F6ED}" srcOrd="0" destOrd="0" presId="urn:microsoft.com/office/officeart/2008/layout/PictureGrid"/>
     <dgm:cxn modelId="{9835F3F3-3E30-4AC4-AD89-BC095FA9A878}" type="presParOf" srcId="{CF6D50B3-578A-4EA0-A5A0-492FA729F6ED}" destId="{B29ABF60-EC0F-45AD-A90E-9C76D15C2F14}" srcOrd="0" destOrd="0" presId="urn:microsoft.com/office/officeart/2008/layout/PictureGrid"/>
     <dgm:cxn modelId="{70FA379F-7827-49B9-806E-1FD72CAE8F89}" type="presParOf" srcId="{CF6D50B3-578A-4EA0-A5A0-492FA729F6ED}" destId="{61EB78D8-69FF-471D-8FEB-71388C442F55}" srcOrd="1" destOrd="0" presId="urn:microsoft.com/office/officeart/2008/layout/PictureGrid"/>
@@ -2672,13 +2660,6 @@
         </dgm:presLayoutVars>
       </dgm:prSet>
       <dgm:spPr/>
-      <dgm:t>
-        <a:bodyPr/>
-        <a:lstStyle/>
-        <a:p>
-          <a:endParaRPr lang="ru-RU"/>
-        </a:p>
-      </dgm:t>
     </dgm:pt>
     <dgm:pt modelId="{CF6D50B3-578A-4EA0-A5A0-492FA729F6ED}" type="pres">
       <dgm:prSet presAssocID="{B75F6A3A-9A51-4DF3-8A57-9AEB0739425C}" presName="composite" presStyleCnt="0"/>
@@ -2691,13 +2672,6 @@
         </dgm:presLayoutVars>
       </dgm:prSet>
       <dgm:spPr/>
-      <dgm:t>
-        <a:bodyPr/>
-        <a:lstStyle/>
-        <a:p>
-          <a:endParaRPr lang="ru-RU"/>
-        </a:p>
-      </dgm:t>
     </dgm:pt>
     <dgm:pt modelId="{61EB78D8-69FF-471D-8FEB-71388C442F55}" type="pres">
       <dgm:prSet presAssocID="{B75F6A3A-9A51-4DF3-8A57-9AEB0739425C}" presName="rect1" presStyleLbl="alignImgPlace1" presStyleIdx="0" presStyleCnt="1" custScaleX="596594" custScaleY="114980" custLinFactX="-64576" custLinFactNeighborX="-100000" custLinFactNeighborY="-13065"/>
@@ -2719,9 +2693,9 @@
     </dgm:pt>
   </dgm:ptLst>
   <dgm:cxnLst>
-    <dgm:cxn modelId="{017518C9-1619-4B19-AA03-86BA999BA287}" srcId="{EAB81984-5B84-4970-8447-2B456B8C58DF}" destId="{B75F6A3A-9A51-4DF3-8A57-9AEB0739425C}" srcOrd="0" destOrd="0" parTransId="{203596AF-4F49-40BA-B1E1-11BDD34B512E}" sibTransId="{A056157B-3867-49A4-9195-F3A4F3FBBA8E}"/>
     <dgm:cxn modelId="{1CEAA455-5BF4-4666-95B8-390900AB8124}" type="presOf" srcId="{EAB81984-5B84-4970-8447-2B456B8C58DF}" destId="{3A252E36-3D7E-49E5-B812-EE4CACF0D5CF}" srcOrd="0" destOrd="0" presId="urn:microsoft.com/office/officeart/2008/layout/PictureGrid"/>
     <dgm:cxn modelId="{147A14B3-96E8-4139-969B-9DB1BCB4D95E}" type="presOf" srcId="{B75F6A3A-9A51-4DF3-8A57-9AEB0739425C}" destId="{B29ABF60-EC0F-45AD-A90E-9C76D15C2F14}" srcOrd="0" destOrd="0" presId="urn:microsoft.com/office/officeart/2008/layout/PictureGrid"/>
+    <dgm:cxn modelId="{017518C9-1619-4B19-AA03-86BA999BA287}" srcId="{EAB81984-5B84-4970-8447-2B456B8C58DF}" destId="{B75F6A3A-9A51-4DF3-8A57-9AEB0739425C}" srcOrd="0" destOrd="0" parTransId="{203596AF-4F49-40BA-B1E1-11BDD34B512E}" sibTransId="{A056157B-3867-49A4-9195-F3A4F3FBBA8E}"/>
     <dgm:cxn modelId="{D3458AFA-605E-43EE-8C8A-0E0C1E3CD931}" type="presParOf" srcId="{3A252E36-3D7E-49E5-B812-EE4CACF0D5CF}" destId="{CF6D50B3-578A-4EA0-A5A0-492FA729F6ED}" srcOrd="0" destOrd="0" presId="urn:microsoft.com/office/officeart/2008/layout/PictureGrid"/>
     <dgm:cxn modelId="{9835F3F3-3E30-4AC4-AD89-BC095FA9A878}" type="presParOf" srcId="{CF6D50B3-578A-4EA0-A5A0-492FA729F6ED}" destId="{B29ABF60-EC0F-45AD-A90E-9C76D15C2F14}" srcOrd="0" destOrd="0" presId="urn:microsoft.com/office/officeart/2008/layout/PictureGrid"/>
     <dgm:cxn modelId="{70FA379F-7827-49B9-806E-1FD72CAE8F89}" type="presParOf" srcId="{CF6D50B3-578A-4EA0-A5A0-492FA729F6ED}" destId="{61EB78D8-69FF-471D-8FEB-71388C442F55}" srcOrd="1" destOrd="0" presId="urn:microsoft.com/office/officeart/2008/layout/PictureGrid"/>
@@ -2811,13 +2785,6 @@
         </dgm:presLayoutVars>
       </dgm:prSet>
       <dgm:spPr/>
-      <dgm:t>
-        <a:bodyPr/>
-        <a:lstStyle/>
-        <a:p>
-          <a:endParaRPr lang="ru-RU"/>
-        </a:p>
-      </dgm:t>
     </dgm:pt>
     <dgm:pt modelId="{65D73C51-61AB-436D-8191-975603FC9C68}" type="pres">
       <dgm:prSet presAssocID="{9C9C0585-42CE-4F34-A2BB-F1377DA03788}" presName="composite" presStyleCnt="0"/>
@@ -2830,13 +2797,6 @@
         </dgm:presLayoutVars>
       </dgm:prSet>
       <dgm:spPr/>
-      <dgm:t>
-        <a:bodyPr/>
-        <a:lstStyle/>
-        <a:p>
-          <a:endParaRPr lang="ru-RU"/>
-        </a:p>
-      </dgm:t>
     </dgm:pt>
     <dgm:pt modelId="{DFDA3CA3-5C68-4A2F-A4A8-285063A35D87}" type="pres">
       <dgm:prSet presAssocID="{9C9C0585-42CE-4F34-A2BB-F1377DA03788}" presName="rect1" presStyleLbl="alignImgPlace1" presStyleIdx="0" presStyleCnt="1" custScaleX="62421" custScaleY="62421" custLinFactNeighborX="1076" custLinFactNeighborY="-52209"/>
@@ -2861,8 +2821,8 @@
     </dgm:pt>
   </dgm:ptLst>
   <dgm:cxnLst>
+    <dgm:cxn modelId="{A9E27516-E8E4-42A7-A155-024D48E79559}" type="presOf" srcId="{8F66C165-B39F-46D3-B19F-623799541DD3}" destId="{B6F028CB-F170-4FEF-BC3A-25F0E90D434A}" srcOrd="0" destOrd="0" presId="urn:microsoft.com/office/officeart/2008/layout/PictureGrid"/>
     <dgm:cxn modelId="{A177C822-7566-4410-A889-706A6CE15148}" srcId="{8F66C165-B39F-46D3-B19F-623799541DD3}" destId="{9C9C0585-42CE-4F34-A2BB-F1377DA03788}" srcOrd="0" destOrd="0" parTransId="{4E5DCF2B-AAE7-41E2-837F-518128C03597}" sibTransId="{56F70C7F-1925-4DBA-9BD6-AF5E91799A59}"/>
-    <dgm:cxn modelId="{A9E27516-E8E4-42A7-A155-024D48E79559}" type="presOf" srcId="{8F66C165-B39F-46D3-B19F-623799541DD3}" destId="{B6F028CB-F170-4FEF-BC3A-25F0E90D434A}" srcOrd="0" destOrd="0" presId="urn:microsoft.com/office/officeart/2008/layout/PictureGrid"/>
     <dgm:cxn modelId="{ACD53F50-5BA1-48C9-B5DF-09BF6DA4DE65}" type="presOf" srcId="{9C9C0585-42CE-4F34-A2BB-F1377DA03788}" destId="{A30F2283-C0A4-4A69-BCBE-833D967155A2}" srcOrd="0" destOrd="0" presId="urn:microsoft.com/office/officeart/2008/layout/PictureGrid"/>
     <dgm:cxn modelId="{CC189C1C-06A1-4F03-B886-67BF46A53703}" type="presParOf" srcId="{B6F028CB-F170-4FEF-BC3A-25F0E90D434A}" destId="{65D73C51-61AB-436D-8191-975603FC9C68}" srcOrd="0" destOrd="0" presId="urn:microsoft.com/office/officeart/2008/layout/PictureGrid"/>
     <dgm:cxn modelId="{CD7DB92E-B84F-43A0-AC2D-FBBFB40722EE}" type="presParOf" srcId="{65D73C51-61AB-436D-8191-975603FC9C68}" destId="{A30F2283-C0A4-4A69-BCBE-833D967155A2}" srcOrd="0" destOrd="0" presId="urn:microsoft.com/office/officeart/2008/layout/PictureGrid"/>
@@ -2923,7 +2883,7 @@
         </a:bodyPr>
         <a:lstStyle/>
         <a:p>
-          <a:pPr lvl="0" algn="l" defTabSz="222250">
+          <a:pPr marL="0" lvl="0" indent="0" algn="l" defTabSz="222250">
             <a:lnSpc>
               <a:spcPct val="90000"/>
             </a:lnSpc>
@@ -2933,6 +2893,7 @@
             <a:spcAft>
               <a:spcPct val="35000"/>
             </a:spcAft>
+            <a:buNone/>
           </a:pPr>
           <a:r>
             <a:rPr lang="ru-RU" sz="500" kern="1200" dirty="0"/>
@@ -3009,6 +2970,118 @@
       <dsp:cNvGrpSpPr/>
     </dsp:nvGrpSpPr>
     <dsp:grpSpPr/>
+    <dsp:sp modelId="{B29ABF60-EC0F-45AD-A90E-9C76D15C2F14}">
+      <dsp:nvSpPr>
+        <dsp:cNvPr id="0" name=""/>
+        <dsp:cNvSpPr/>
+      </dsp:nvSpPr>
+      <dsp:spPr>
+        <a:xfrm>
+          <a:off x="1748174" y="210303"/>
+          <a:ext cx="175586" cy="38914"/>
+        </a:xfrm>
+        <a:prstGeom prst="rect">
+          <a:avLst/>
+        </a:prstGeom>
+        <a:noFill/>
+        <a:ln>
+          <a:noFill/>
+        </a:ln>
+        <a:effectLst/>
+      </dsp:spPr>
+      <dsp:style>
+        <a:lnRef idx="0">
+          <a:scrgbClr r="0" g="0" b="0"/>
+        </a:lnRef>
+        <a:fillRef idx="0">
+          <a:scrgbClr r="0" g="0" b="0"/>
+        </a:fillRef>
+        <a:effectRef idx="0">
+          <a:scrgbClr r="0" g="0" b="0"/>
+        </a:effectRef>
+        <a:fontRef idx="minor"/>
+      </dsp:style>
+      <dsp:txBody>
+        <a:bodyPr spcFirstLastPara="0" vert="horz" wrap="square" lIns="0" tIns="19050" rIns="19050" bIns="0" numCol="1" spcCol="1270" anchor="t" anchorCtr="0">
+          <a:noAutofit/>
+        </a:bodyPr>
+        <a:lstStyle/>
+        <a:p>
+          <a:pPr marL="0" lvl="0" indent="0" algn="l" defTabSz="222250">
+            <a:lnSpc>
+              <a:spcPct val="90000"/>
+            </a:lnSpc>
+            <a:spcBef>
+              <a:spcPct val="0"/>
+            </a:spcBef>
+            <a:spcAft>
+              <a:spcPct val="35000"/>
+            </a:spcAft>
+            <a:buNone/>
+          </a:pPr>
+          <a:r>
+            <a:rPr lang="ru-RU" sz="500" kern="1200" dirty="0"/>
+            <a:t> </a:t>
+          </a:r>
+        </a:p>
+      </dsp:txBody>
+      <dsp:txXfrm>
+        <a:off x="1748174" y="210303"/>
+        <a:ext cx="175586" cy="38914"/>
+      </dsp:txXfrm>
+    </dsp:sp>
+    <dsp:sp modelId="{61EB78D8-69FF-471D-8FEB-71388C442F55}">
+      <dsp:nvSpPr>
+        <dsp:cNvPr id="0" name=""/>
+        <dsp:cNvSpPr/>
+      </dsp:nvSpPr>
+      <dsp:spPr>
+        <a:xfrm>
+          <a:off x="0" y="0"/>
+          <a:ext cx="1980001" cy="381600"/>
+        </a:xfrm>
+        <a:prstGeom prst="rect">
+          <a:avLst/>
+        </a:prstGeom>
+        <a:blipFill>
+          <a:blip xmlns:r="http://schemas.openxmlformats.org/officeDocument/2006/relationships" r:embed="rId1">
+            <a:extLst>
+              <a:ext uri="{28A0092B-C50C-407E-A947-70E740481C1C}">
+                <a14:useLocalDpi xmlns:a14="http://schemas.microsoft.com/office/drawing/2010/main" val="0"/>
+              </a:ext>
+            </a:extLst>
+          </a:blip>
+          <a:srcRect/>
+          <a:stretch>
+            <a:fillRect l="-1000" r="-1000"/>
+          </a:stretch>
+        </a:blipFill>
+        <a:ln w="25400" cap="flat" cmpd="sng" algn="ctr">
+          <a:solidFill>
+            <a:schemeClr val="lt1">
+              <a:hueOff val="0"/>
+              <a:satOff val="0"/>
+              <a:lumOff val="0"/>
+              <a:alphaOff val="0"/>
+            </a:schemeClr>
+          </a:solidFill>
+          <a:prstDash val="solid"/>
+        </a:ln>
+        <a:effectLst/>
+      </dsp:spPr>
+      <dsp:style>
+        <a:lnRef idx="2">
+          <a:scrgbClr r="0" g="0" b="0"/>
+        </a:lnRef>
+        <a:fillRef idx="1">
+          <a:scrgbClr r="0" g="0" b="0"/>
+        </a:fillRef>
+        <a:effectRef idx="0">
+          <a:scrgbClr r="0" g="0" b="0"/>
+        </a:effectRef>
+        <a:fontRef idx="minor"/>
+      </dsp:style>
+    </dsp:sp>
   </dsp:spTree>
 </dsp:drawing>
 </file>
@@ -3021,6 +3094,128 @@
       <dsp:cNvGrpSpPr/>
     </dsp:nvGrpSpPr>
     <dsp:grpSpPr/>
+    <dsp:sp modelId="{A30F2283-C0A4-4A69-BCBE-833D967155A2}">
+      <dsp:nvSpPr>
+        <dsp:cNvPr id="0" name=""/>
+        <dsp:cNvSpPr/>
+      </dsp:nvSpPr>
+      <dsp:spPr>
+        <a:xfrm>
+          <a:off x="469735" y="1146225"/>
+          <a:ext cx="2927097" cy="509149"/>
+        </a:xfrm>
+        <a:prstGeom prst="rect">
+          <a:avLst/>
+        </a:prstGeom>
+        <a:noFill/>
+        <a:ln>
+          <a:noFill/>
+        </a:ln>
+        <a:effectLst/>
+      </dsp:spPr>
+      <dsp:style>
+        <a:lnRef idx="0">
+          <a:scrgbClr r="0" g="0" b="0"/>
+        </a:lnRef>
+        <a:fillRef idx="0">
+          <a:scrgbClr r="0" g="0" b="0"/>
+        </a:fillRef>
+        <a:effectRef idx="0">
+          <a:scrgbClr r="0" g="0" b="0"/>
+        </a:effectRef>
+        <a:fontRef idx="minor"/>
+      </dsp:style>
+      <dsp:txBody>
+        <a:bodyPr spcFirstLastPara="0" vert="horz" wrap="square" lIns="0" tIns="152400" rIns="152400" bIns="0" numCol="1" spcCol="1270" anchor="b" anchorCtr="0">
+          <a:noAutofit/>
+        </a:bodyPr>
+        <a:lstStyle/>
+        <a:p>
+          <a:pPr marL="0" lvl="0" indent="0" algn="ctr" defTabSz="1778000">
+            <a:lnSpc>
+              <a:spcPct val="90000"/>
+            </a:lnSpc>
+            <a:spcBef>
+              <a:spcPct val="0"/>
+            </a:spcBef>
+            <a:spcAft>
+              <a:spcPct val="35000"/>
+            </a:spcAft>
+            <a:buNone/>
+          </a:pPr>
+          <a:r>
+            <a:rPr lang="ru-RU" sz="4000" kern="1200" dirty="0">
+              <a:solidFill>
+                <a:schemeClr val="accent1"/>
+              </a:solidFill>
+            </a:rPr>
+            <a:t>ВОПРОСЫ</a:t>
+          </a:r>
+          <a:r>
+            <a:rPr lang="en-US" sz="4000" kern="1200" dirty="0">
+              <a:solidFill>
+                <a:schemeClr val="accent1"/>
+              </a:solidFill>
+            </a:rPr>
+            <a:t>?</a:t>
+          </a:r>
+          <a:endParaRPr lang="ru-RU" sz="4000" kern="1200" dirty="0">
+            <a:solidFill>
+              <a:schemeClr val="accent1"/>
+            </a:solidFill>
+          </a:endParaRPr>
+        </a:p>
+      </dsp:txBody>
+      <dsp:txXfrm>
+        <a:off x="469735" y="1146225"/>
+        <a:ext cx="2927097" cy="509149"/>
+      </dsp:txXfrm>
+    </dsp:sp>
+    <dsp:sp modelId="{DFDA3CA3-5C68-4A2F-A4A8-285063A35D87}">
+      <dsp:nvSpPr>
+        <dsp:cNvPr id="0" name=""/>
+        <dsp:cNvSpPr/>
+      </dsp:nvSpPr>
+      <dsp:spPr>
+        <a:xfrm>
+          <a:off x="1521700" y="91137"/>
+          <a:ext cx="849599" cy="849599"/>
+        </a:xfrm>
+        <a:prstGeom prst="rect">
+          <a:avLst/>
+        </a:prstGeom>
+        <a:blipFill>
+          <a:blip xmlns:r="http://schemas.openxmlformats.org/officeDocument/2006/relationships" r:embed="rId1">
+            <a:extLst>
+              <a:ext uri="{28A0092B-C50C-407E-A947-70E740481C1C}">
+                <a14:useLocalDpi xmlns:a14="http://schemas.microsoft.com/office/drawing/2010/main" val="0"/>
+              </a:ext>
+            </a:extLst>
+          </a:blip>
+          <a:srcRect/>
+          <a:stretch>
+            <a:fillRect/>
+          </a:stretch>
+        </a:blipFill>
+        <a:ln w="0" cap="flat" cmpd="sng" algn="ctr">
+          <a:noFill/>
+          <a:prstDash val="solid"/>
+        </a:ln>
+        <a:effectLst/>
+      </dsp:spPr>
+      <dsp:style>
+        <a:lnRef idx="2">
+          <a:scrgbClr r="0" g="0" b="0"/>
+        </a:lnRef>
+        <a:fillRef idx="1">
+          <a:scrgbClr r="0" g="0" b="0"/>
+        </a:fillRef>
+        <a:effectRef idx="0">
+          <a:scrgbClr r="0" g="0" b="0"/>
+        </a:effectRef>
+        <a:fontRef idx="minor"/>
+      </dsp:style>
+    </dsp:sp>
   </dsp:spTree>
 </dsp:drawing>
 </file>
@@ -7068,7 +7263,7 @@
           <a:p>
             <a:fld id="{16E5F246-0B7D-44DF-8C1B-EDFCA5DA626A}" type="datetimeFigureOut">
               <a:rPr lang="ru-RU" smtClean="0"/>
-              <a:t>06.12.2017</a:t>
+              <a:t>16.04.2018</a:t>
             </a:fld>
             <a:endParaRPr lang="ru-RU"/>
           </a:p>
@@ -7380,19 +7575,19 @@
           <a:lstStyle/>
           <a:p>
             <a:r>
-              <a:rPr lang="ru-RU" dirty="0" smtClean="0"/>
+              <a:rPr lang="ru-RU" dirty="0"/>
               <a:t>Уже немножко знают, что такое исключения, блок про </a:t>
             </a:r>
             <a:r>
-              <a:rPr lang="en-US" dirty="0" smtClean="0"/>
+              <a:rPr lang="en-US" dirty="0"/>
               <a:t>best</a:t>
             </a:r>
             <a:r>
-              <a:rPr lang="en-US" baseline="0" dirty="0" smtClean="0"/>
+              <a:rPr lang="en-US" baseline="0" dirty="0"/>
               <a:t> </a:t>
             </a:r>
             <a:r>
-              <a:rPr lang="en-US" baseline="0" dirty="0" err="1" smtClean="0"/>
+              <a:rPr lang="en-US" baseline="0" dirty="0" err="1"/>
               <a:t>practces</a:t>
             </a:r>
             <a:endParaRPr lang="ru-RU" dirty="0"/>
@@ -7480,54 +7675,54 @@
           <a:lstStyle/>
           <a:p>
             <a:r>
-              <a:rPr lang="ru-RU" dirty="0" smtClean="0"/>
+              <a:rPr lang="ru-RU" dirty="0"/>
               <a:t>Представим,</a:t>
             </a:r>
             <a:r>
-              <a:rPr lang="ru-RU" baseline="0" dirty="0" smtClean="0"/>
+              <a:rPr lang="ru-RU" baseline="0" dirty="0"/>
               <a:t> что в … куча кода, тогда какая тут проблема? </a:t>
             </a:r>
           </a:p>
           <a:p>
             <a:r>
-              <a:rPr lang="ru-RU" baseline="0" dirty="0" smtClean="0"/>
+              <a:rPr lang="ru-RU" baseline="0" dirty="0"/>
               <a:t>Это будет нечестный </a:t>
             </a:r>
             <a:r>
-              <a:rPr lang="en-US" baseline="0" dirty="0" err="1" smtClean="0"/>
+              <a:rPr lang="en-US" baseline="0" dirty="0" err="1"/>
               <a:t>FormatException</a:t>
             </a:r>
             <a:r>
-              <a:rPr lang="en-US" baseline="0" dirty="0" smtClean="0"/>
+              <a:rPr lang="en-US" baseline="0" dirty="0"/>
               <a:t>, </a:t>
             </a:r>
             <a:r>
-              <a:rPr lang="ru-RU" baseline="0" dirty="0" smtClean="0"/>
+              <a:rPr lang="ru-RU" baseline="0" dirty="0"/>
               <a:t>т.к. могло случиться все что угодно.</a:t>
             </a:r>
           </a:p>
           <a:p>
             <a:r>
-              <a:rPr lang="ru-RU" baseline="0" dirty="0" smtClean="0"/>
+              <a:rPr lang="ru-RU" baseline="0" dirty="0"/>
               <a:t>Вы написали специфичный обработчик, а реагируете на все подряд, поэтому надо </a:t>
             </a:r>
             <a:r>
-              <a:rPr lang="en-US" baseline="0" dirty="0" smtClean="0"/>
+              <a:rPr lang="en-US" baseline="0" dirty="0"/>
               <a:t>subj</a:t>
             </a:r>
-            <a:endParaRPr lang="ru-RU" dirty="0" smtClean="0"/>
-          </a:p>
-          <a:p>
-            <a:r>
-              <a:rPr lang="ru-RU" baseline="0" dirty="0" smtClean="0"/>
+            <a:endParaRPr lang="ru-RU" dirty="0"/>
+          </a:p>
+          <a:p>
+            <a:r>
+              <a:rPr lang="ru-RU" baseline="0" dirty="0"/>
               <a:t>Оставить большой </a:t>
             </a:r>
             <a:r>
-              <a:rPr lang="en-US" baseline="0" dirty="0" smtClean="0"/>
+              <a:rPr lang="en-US" baseline="0" dirty="0"/>
               <a:t>try-catch </a:t>
             </a:r>
             <a:r>
-              <a:rPr lang="ru-RU" baseline="0" dirty="0" smtClean="0"/>
+              <a:rPr lang="ru-RU" baseline="0" dirty="0"/>
               <a:t>и показать процесс конкретизации</a:t>
             </a:r>
             <a:endParaRPr lang="ru-RU" dirty="0"/>
@@ -7615,64 +7810,64 @@
           <a:lstStyle/>
           <a:p>
             <a:r>
-              <a:rPr lang="ru-RU" dirty="0" smtClean="0"/>
+              <a:rPr lang="ru-RU" dirty="0"/>
               <a:t>Единственное исключение</a:t>
             </a:r>
             <a:r>
-              <a:rPr lang="ru-RU" baseline="0" dirty="0" smtClean="0"/>
+              <a:rPr lang="ru-RU" baseline="0" dirty="0"/>
               <a:t> для правила «если не знаешь, что делать с исключением – кидай дальше» - глобальный обработчик.</a:t>
             </a:r>
           </a:p>
           <a:p>
-            <a:endParaRPr lang="ru-RU" baseline="0" dirty="0" smtClean="0"/>
-          </a:p>
-          <a:p>
-            <a:r>
-              <a:rPr lang="ru-RU" baseline="0" dirty="0" smtClean="0"/>
+            <a:endParaRPr lang="ru-RU" baseline="0" dirty="0"/>
+          </a:p>
+          <a:p>
+            <a:r>
+              <a:rPr lang="ru-RU" baseline="0" dirty="0"/>
               <a:t>Это для логов, для безопасности, для расследования, решить проблему пользователя (показать телефон техподдержки)</a:t>
             </a:r>
           </a:p>
           <a:p>
             <a:r>
-              <a:rPr lang="ru-RU" baseline="0" dirty="0" smtClean="0"/>
+              <a:rPr lang="ru-RU" baseline="0" dirty="0"/>
               <a:t>Для </a:t>
             </a:r>
             <a:r>
-              <a:rPr lang="en-US" baseline="0" dirty="0" smtClean="0"/>
+              <a:rPr lang="en-US" baseline="0" dirty="0"/>
               <a:t>MVC – </a:t>
             </a:r>
             <a:r>
-              <a:rPr lang="en-US" baseline="0" dirty="0" err="1" smtClean="0"/>
+              <a:rPr lang="en-US" baseline="0" dirty="0" err="1"/>
               <a:t>BaseController</a:t>
             </a:r>
             <a:r>
-              <a:rPr lang="en-US" baseline="0" dirty="0" smtClean="0"/>
+              <a:rPr lang="en-US" baseline="0" dirty="0"/>
               <a:t> c </a:t>
             </a:r>
             <a:r>
-              <a:rPr lang="en-US" baseline="0" dirty="0" err="1" smtClean="0"/>
+              <a:rPr lang="en-US" baseline="0" dirty="0" err="1"/>
               <a:t>OnError</a:t>
             </a:r>
             <a:r>
-              <a:rPr lang="ru-RU" baseline="0" dirty="0" smtClean="0"/>
+              <a:rPr lang="ru-RU" baseline="0" dirty="0"/>
               <a:t> </a:t>
             </a:r>
             <a:r>
-              <a:rPr lang="en-US" baseline="0" dirty="0" smtClean="0"/>
+              <a:rPr lang="en-US" baseline="0" dirty="0"/>
               <a:t>action</a:t>
             </a:r>
           </a:p>
           <a:p>
             <a:r>
-              <a:rPr lang="ru-RU" baseline="0" dirty="0" smtClean="0"/>
+              <a:rPr lang="ru-RU" baseline="0" dirty="0"/>
               <a:t>Для</a:t>
             </a:r>
             <a:r>
-              <a:rPr lang="en-US" baseline="0" dirty="0" smtClean="0"/>
+              <a:rPr lang="en-US" baseline="0" dirty="0"/>
               <a:t> ASP.NET - </a:t>
             </a:r>
             <a:r>
-              <a:rPr lang="en-US" sz="1200" kern="1200" dirty="0" err="1" smtClean="0">
+              <a:rPr lang="en-US" sz="1200" kern="1200" dirty="0" err="1">
                 <a:solidFill>
                   <a:schemeClr val="tx1"/>
                 </a:solidFill>
@@ -7684,7 +7879,7 @@
               <a:t>AppDomain.CurrentDomain.UnhandledException</a:t>
             </a:r>
             <a:r>
-              <a:rPr lang="en-US" sz="1200" kern="1200" dirty="0" smtClean="0">
+              <a:rPr lang="en-US" sz="1200" kern="1200" dirty="0">
                 <a:solidFill>
                   <a:schemeClr val="tx1"/>
                 </a:solidFill>
@@ -7696,7 +7891,7 @@
               <a:t> </a:t>
             </a:r>
             <a:r>
-              <a:rPr lang="ru-RU" sz="1200" kern="1200" dirty="0" smtClean="0">
+              <a:rPr lang="ru-RU" sz="1200" kern="1200" dirty="0">
                 <a:solidFill>
                   <a:schemeClr val="tx1"/>
                 </a:solidFill>
@@ -7708,7 +7903,7 @@
               <a:t>в</a:t>
             </a:r>
             <a:r>
-              <a:rPr lang="ru-RU" sz="1200" kern="1200" baseline="0" dirty="0" smtClean="0">
+              <a:rPr lang="ru-RU" sz="1200" kern="1200" baseline="0" dirty="0">
                 <a:solidFill>
                   <a:schemeClr val="tx1"/>
                 </a:solidFill>
@@ -7720,7 +7915,7 @@
               <a:t> </a:t>
             </a:r>
             <a:r>
-              <a:rPr lang="en-US" sz="1200" kern="1200" baseline="0" dirty="0" err="1" smtClean="0">
+              <a:rPr lang="en-US" sz="1200" kern="1200" baseline="0" dirty="0" err="1">
                 <a:solidFill>
                   <a:schemeClr val="tx1"/>
                 </a:solidFill>
@@ -7732,7 +7927,7 @@
               <a:t>global.asax</a:t>
             </a:r>
             <a:r>
-              <a:rPr lang="en-US" sz="1200" kern="1200" baseline="0" dirty="0" smtClean="0">
+              <a:rPr lang="en-US" sz="1200" kern="1200" baseline="0" dirty="0">
                 <a:solidFill>
                   <a:schemeClr val="tx1"/>
                 </a:solidFill>
@@ -7744,7 +7939,7 @@
               <a:t> </a:t>
             </a:r>
             <a:r>
-              <a:rPr lang="ru-RU" sz="1200" kern="1200" baseline="0" dirty="0" smtClean="0">
+              <a:rPr lang="ru-RU" sz="1200" kern="1200" baseline="0" dirty="0">
                 <a:solidFill>
                   <a:schemeClr val="tx1"/>
                 </a:solidFill>
@@ -7758,7 +7953,7 @@
           </a:p>
           <a:p>
             <a:r>
-              <a:rPr lang="en-US" sz="1200" kern="1200" baseline="0" dirty="0" smtClean="0">
+              <a:rPr lang="en-US" sz="1200" kern="1200" baseline="0" dirty="0">
                 <a:solidFill>
                   <a:schemeClr val="tx1"/>
                 </a:solidFill>
@@ -7769,7 +7964,7 @@
               </a:rPr>
               <a:t>Event Logs!</a:t>
             </a:r>
-            <a:endParaRPr lang="ru-RU" baseline="0" dirty="0" smtClean="0"/>
+            <a:endParaRPr lang="ru-RU" baseline="0" dirty="0"/>
           </a:p>
           <a:p>
             <a:endParaRPr lang="ru-RU" dirty="0"/>
@@ -7857,26 +8052,26 @@
           <a:lstStyle/>
           <a:p>
             <a:r>
-              <a:rPr lang="ru-RU" dirty="0" smtClean="0"/>
+              <a:rPr lang="ru-RU" dirty="0"/>
               <a:t>-------------</a:t>
             </a:r>
-            <a:endParaRPr lang="en-US" dirty="0" smtClean="0"/>
-          </a:p>
-          <a:p>
-            <a:r>
-              <a:rPr lang="ru-RU" dirty="0" smtClean="0"/>
+            <a:endParaRPr lang="en-US" dirty="0"/>
+          </a:p>
+          <a:p>
+            <a:r>
+              <a:rPr lang="ru-RU" dirty="0"/>
               <a:t>Каждый</a:t>
             </a:r>
             <a:r>
-              <a:rPr lang="ru-RU" baseline="0" dirty="0" smtClean="0"/>
+              <a:rPr lang="ru-RU" baseline="0" dirty="0"/>
               <a:t> поток или </a:t>
             </a:r>
             <a:r>
-              <a:rPr lang="ru-RU" baseline="0" dirty="0" err="1" smtClean="0"/>
+              <a:rPr lang="ru-RU" baseline="0" dirty="0" err="1"/>
               <a:t>таск</a:t>
             </a:r>
             <a:r>
-              <a:rPr lang="ru-RU" baseline="0" dirty="0" smtClean="0"/>
+              <a:rPr lang="ru-RU" baseline="0" dirty="0"/>
               <a:t> – свой обработчик</a:t>
             </a:r>
             <a:endParaRPr lang="ru-RU" dirty="0"/>
@@ -7964,11 +8159,11 @@
           <a:lstStyle/>
           <a:p>
             <a:r>
-              <a:rPr lang="ru-RU" dirty="0" smtClean="0"/>
+              <a:rPr lang="ru-RU" dirty="0"/>
               <a:t>Самый простой способ</a:t>
             </a:r>
             <a:r>
-              <a:rPr lang="ru-RU" baseline="0" dirty="0" smtClean="0"/>
+              <a:rPr lang="ru-RU" baseline="0" dirty="0"/>
               <a:t> – сделать соответствующий примитив, чтобы не повторяться</a:t>
             </a:r>
             <a:endParaRPr lang="ru-RU" dirty="0"/>
@@ -8056,52 +8251,52 @@
           <a:lstStyle/>
           <a:p>
             <a:r>
-              <a:rPr lang="en-US" dirty="0" err="1" smtClean="0"/>
+              <a:rPr lang="en-US" dirty="0" err="1"/>
               <a:t>UnhandledException</a:t>
             </a:r>
             <a:r>
-              <a:rPr lang="en-US" baseline="0" dirty="0" smtClean="0"/>
+              <a:rPr lang="en-US" baseline="0" dirty="0"/>
               <a:t> - </a:t>
             </a:r>
             <a:r>
-              <a:rPr lang="ru-RU" baseline="0" dirty="0" smtClean="0"/>
+              <a:rPr lang="ru-RU" baseline="0" dirty="0"/>
               <a:t>_очень полезное_ событие, позволяет </a:t>
             </a:r>
             <a:r>
-              <a:rPr lang="ru-RU" baseline="0" dirty="0" err="1" smtClean="0"/>
+              <a:rPr lang="ru-RU" baseline="0" dirty="0" err="1"/>
               <a:t>залоггировать</a:t>
             </a:r>
             <a:r>
-              <a:rPr lang="ru-RU" baseline="0" dirty="0" smtClean="0"/>
+              <a:rPr lang="ru-RU" baseline="0" dirty="0"/>
               <a:t> необработанные исключения приводящие к краху процесса (пример - из других потоков (если у них нет глобального обработчика, например запущены каким-то левым кодом))</a:t>
             </a:r>
           </a:p>
           <a:p>
-            <a:endParaRPr lang="ru-RU" baseline="0" dirty="0" smtClean="0"/>
-          </a:p>
-          <a:p>
-            <a:r>
-              <a:rPr lang="ru-RU" baseline="0" dirty="0" smtClean="0"/>
+            <a:endParaRPr lang="ru-RU" baseline="0" dirty="0"/>
+          </a:p>
+          <a:p>
+            <a:r>
+              <a:rPr lang="ru-RU" baseline="0" dirty="0"/>
               <a:t>Если приложение упало, а </a:t>
             </a:r>
             <a:r>
-              <a:rPr lang="ru-RU" baseline="0" dirty="0" err="1" smtClean="0"/>
+              <a:rPr lang="ru-RU" baseline="0" dirty="0" err="1"/>
               <a:t>логи</a:t>
             </a:r>
             <a:r>
-              <a:rPr lang="ru-RU" baseline="0" dirty="0" smtClean="0"/>
+              <a:rPr lang="ru-RU" baseline="0" dirty="0"/>
               <a:t> не записались – можно поискать </a:t>
             </a:r>
             <a:r>
-              <a:rPr lang="ru-RU" baseline="0" dirty="0" err="1" smtClean="0"/>
+              <a:rPr lang="ru-RU" baseline="0" dirty="0" err="1"/>
               <a:t>стектрейс</a:t>
             </a:r>
             <a:r>
-              <a:rPr lang="ru-RU" baseline="0" dirty="0" smtClean="0"/>
+              <a:rPr lang="ru-RU" baseline="0" dirty="0"/>
               <a:t> в логах </a:t>
             </a:r>
             <a:r>
-              <a:rPr lang="ru-RU" baseline="0" dirty="0" err="1" smtClean="0"/>
+              <a:rPr lang="ru-RU" baseline="0" dirty="0" err="1"/>
               <a:t>винды</a:t>
             </a:r>
             <a:endParaRPr lang="ru-RU" dirty="0"/>
@@ -8273,42 +8468,42 @@
           <a:lstStyle/>
           <a:p>
             <a:r>
-              <a:rPr lang="ru-RU" baseline="0" dirty="0" smtClean="0"/>
+              <a:rPr lang="ru-RU" baseline="0" dirty="0"/>
               <a:t>Создавать потоки самим – неудобно, ещё это дорогая операция из-за вызовов </a:t>
             </a:r>
             <a:r>
-              <a:rPr lang="en-US" baseline="0" dirty="0" smtClean="0"/>
+              <a:rPr lang="en-US" baseline="0" dirty="0"/>
               <a:t>API </a:t>
             </a:r>
             <a:r>
-              <a:rPr lang="ru-RU" baseline="0" dirty="0" smtClean="0"/>
+              <a:rPr lang="ru-RU" baseline="0" dirty="0"/>
               <a:t>ОС</a:t>
             </a:r>
           </a:p>
           <a:p>
             <a:r>
-              <a:rPr lang="ru-RU" baseline="0" dirty="0" smtClean="0"/>
+              <a:rPr lang="ru-RU" baseline="0" dirty="0"/>
               <a:t>Можно запускать свои задачи на потоках из </a:t>
             </a:r>
             <a:r>
-              <a:rPr lang="ru-RU" baseline="0" dirty="0" err="1" smtClean="0"/>
+              <a:rPr lang="ru-RU" baseline="0" dirty="0" err="1"/>
               <a:t>тредпула</a:t>
             </a:r>
-            <a:endParaRPr lang="en-US" baseline="0" dirty="0" smtClean="0"/>
-          </a:p>
-          <a:p>
-            <a:endParaRPr lang="en-US" baseline="0" dirty="0" smtClean="0"/>
+            <a:endParaRPr lang="en-US" baseline="0" dirty="0"/>
+          </a:p>
+          <a:p>
+            <a:endParaRPr lang="en-US" baseline="0" dirty="0"/>
           </a:p>
           <a:p>
             <a:pPr marL="228600" indent="-228600">
               <a:buAutoNum type="arabicParenR"/>
             </a:pPr>
             <a:r>
-              <a:rPr lang="ru-RU" baseline="0" dirty="0" err="1" smtClean="0"/>
+              <a:rPr lang="ru-RU" baseline="0" dirty="0" err="1"/>
               <a:t>Таск</a:t>
             </a:r>
             <a:r>
-              <a:rPr lang="ru-RU" baseline="0" dirty="0" smtClean="0"/>
+              <a:rPr lang="ru-RU" baseline="0" dirty="0"/>
               <a:t> может вернуть результат</a:t>
             </a:r>
           </a:p>
@@ -8317,15 +8512,15 @@
               <a:buAutoNum type="arabicParenR"/>
             </a:pPr>
             <a:r>
-              <a:rPr lang="ru-RU" baseline="0" dirty="0" smtClean="0"/>
+              <a:rPr lang="ru-RU" baseline="0" dirty="0"/>
               <a:t>Не на каждый </a:t>
             </a:r>
             <a:r>
-              <a:rPr lang="ru-RU" baseline="0" dirty="0" err="1" smtClean="0"/>
+              <a:rPr lang="ru-RU" baseline="0" dirty="0" err="1"/>
               <a:t>таск</a:t>
             </a:r>
             <a:r>
-              <a:rPr lang="ru-RU" baseline="0" dirty="0" smtClean="0"/>
+              <a:rPr lang="ru-RU" baseline="0" dirty="0"/>
               <a:t> создаётся новый поток. Таски выполняются на заранее созданных потоках</a:t>
             </a:r>
           </a:p>
@@ -8412,51 +8607,51 @@
           <a:lstStyle/>
           <a:p>
             <a:r>
-              <a:rPr lang="ru-RU" dirty="0" smtClean="0"/>
+              <a:rPr lang="ru-RU" dirty="0"/>
               <a:t>Если асинхронный метод – </a:t>
             </a:r>
             <a:r>
-              <a:rPr lang="ru-RU" dirty="0" err="1" smtClean="0"/>
+              <a:rPr lang="ru-RU" dirty="0" err="1"/>
               <a:t>воид</a:t>
             </a:r>
             <a:r>
-              <a:rPr lang="ru-RU" dirty="0" smtClean="0"/>
+              <a:rPr lang="ru-RU" dirty="0"/>
               <a:t>, то в кэтч</a:t>
             </a:r>
             <a:r>
-              <a:rPr lang="ru-RU" baseline="0" dirty="0" smtClean="0"/>
+              <a:rPr lang="ru-RU" baseline="0" dirty="0"/>
               <a:t> мы уже не зайдем.</a:t>
             </a:r>
           </a:p>
           <a:p>
-            <a:endParaRPr lang="en-US" baseline="0" dirty="0" smtClean="0"/>
-          </a:p>
-          <a:p>
-            <a:r>
-              <a:rPr lang="ru-RU" baseline="0" dirty="0" smtClean="0"/>
+            <a:endParaRPr lang="en-US" baseline="0" dirty="0"/>
+          </a:p>
+          <a:p>
+            <a:r>
+              <a:rPr lang="ru-RU" baseline="0" dirty="0"/>
               <a:t>В таске есть возможность получить исключение </a:t>
             </a:r>
             <a:r>
-              <a:rPr lang="en-US" baseline="0" dirty="0" smtClean="0"/>
+              <a:rPr lang="en-US" baseline="0" dirty="0"/>
               <a:t>(</a:t>
             </a:r>
             <a:r>
-              <a:rPr lang="en-US" baseline="0" dirty="0" err="1" smtClean="0"/>
+              <a:rPr lang="en-US" baseline="0" dirty="0" err="1"/>
               <a:t>task.Exception</a:t>
             </a:r>
             <a:r>
-              <a:rPr lang="en-US" baseline="0" dirty="0" smtClean="0"/>
+              <a:rPr lang="en-US" baseline="0" dirty="0"/>
               <a:t>)</a:t>
             </a:r>
             <a:r>
-              <a:rPr lang="ru-RU" baseline="0" dirty="0" smtClean="0"/>
+              <a:rPr lang="ru-RU" baseline="0" dirty="0"/>
               <a:t>, но это </a:t>
             </a:r>
             <a:r>
-              <a:rPr lang="en-US" baseline="0" dirty="0" err="1" smtClean="0"/>
+              <a:rPr lang="en-US" baseline="0" dirty="0" err="1"/>
               <a:t>AggregateException</a:t>
             </a:r>
-            <a:endParaRPr lang="ru-RU" baseline="0" dirty="0" smtClean="0"/>
+            <a:endParaRPr lang="ru-RU" baseline="0" dirty="0"/>
           </a:p>
           <a:p>
             <a:endParaRPr lang="ru-RU" dirty="0"/>
@@ -8681,22 +8876,16 @@
           <a:p>
             <a:pPr eaLnBrk="1" hangingPunct="1"/>
             <a:r>
-              <a:rPr lang="ru-RU" altLang="ru-RU" dirty="0" smtClean="0">
+              <a:rPr lang="ru-RU" altLang="ru-RU" dirty="0">
                 <a:latin typeface="Arial" panose="020B0604020202020204" pitchFamily="34" charset="0"/>
               </a:rPr>
               <a:t>Исправь</a:t>
             </a:r>
             <a:r>
-              <a:rPr lang="ru-RU" altLang="ru-RU" baseline="0" dirty="0" smtClean="0">
+              <a:rPr lang="ru-RU" altLang="ru-RU" baseline="0" dirty="0">
                 <a:latin typeface="Arial" panose="020B0604020202020204" pitchFamily="34" charset="0"/>
               </a:rPr>
-              <a:t> как можно больше </a:t>
-            </a:r>
-            <a:r>
-              <a:rPr lang="ru-RU" altLang="ru-RU" baseline="0" dirty="0" smtClean="0">
-                <a:latin typeface="Arial" panose="020B0604020202020204" pitchFamily="34" charset="0"/>
-              </a:rPr>
-              <a:t>ошибок</a:t>
+              <a:t> как можно больше ошибок</a:t>
             </a:r>
           </a:p>
           <a:p>
@@ -8718,74 +8907,65 @@
               <a:defRPr/>
             </a:pPr>
             <a:r>
-              <a:rPr lang="ru-RU" altLang="ru-RU" baseline="0" dirty="0" smtClean="0">
+              <a:rPr lang="ru-RU" altLang="ru-RU" baseline="0" dirty="0">
                 <a:latin typeface="Arial" panose="020B0604020202020204" pitchFamily="34" charset="0"/>
               </a:rPr>
               <a:t>Вместе с фамилиями указать стол – в </a:t>
             </a:r>
             <a:r>
-              <a:rPr lang="en-US" altLang="ru-RU" baseline="0" dirty="0" smtClean="0">
+              <a:rPr lang="en-US" altLang="ru-RU" baseline="0" dirty="0">
                 <a:latin typeface="Arial" panose="020B0604020202020204" pitchFamily="34" charset="0"/>
               </a:rPr>
               <a:t>Names </a:t>
             </a:r>
             <a:r>
-              <a:rPr lang="ru-RU" altLang="ru-RU" baseline="0" dirty="0" smtClean="0">
+              <a:rPr lang="ru-RU" altLang="ru-RU" baseline="0" dirty="0">
                 <a:latin typeface="Arial" panose="020B0604020202020204" pitchFamily="34" charset="0"/>
               </a:rPr>
               <a:t>в </a:t>
             </a:r>
             <a:r>
-              <a:rPr lang="en-US" altLang="ru-RU" baseline="0" dirty="0" err="1" smtClean="0">
+              <a:rPr lang="en-US" altLang="ru-RU" baseline="0" dirty="0" err="1">
                 <a:latin typeface="Arial" panose="020B0604020202020204" pitchFamily="34" charset="0"/>
               </a:rPr>
               <a:t>ConvertersProgram_should</a:t>
             </a:r>
-            <a:endParaRPr lang="ru-RU" altLang="ru-RU" baseline="0" dirty="0" smtClean="0">
+            <a:endParaRPr lang="ru-RU" altLang="ru-RU" baseline="0" dirty="0">
               <a:latin typeface="Arial" panose="020B0604020202020204" pitchFamily="34" charset="0"/>
             </a:endParaRPr>
           </a:p>
           <a:p>
             <a:pPr eaLnBrk="1" hangingPunct="1"/>
-            <a:endParaRPr lang="ru-RU" altLang="ru-RU" baseline="0" dirty="0" smtClean="0">
+            <a:endParaRPr lang="ru-RU" altLang="ru-RU" baseline="0" dirty="0">
               <a:latin typeface="Arial" panose="020B0604020202020204" pitchFamily="34" charset="0"/>
             </a:endParaRPr>
           </a:p>
           <a:p>
             <a:pPr eaLnBrk="1" hangingPunct="1"/>
             <a:r>
-              <a:rPr lang="en-US" altLang="ru-RU" baseline="0" dirty="0" err="1" smtClean="0">
+              <a:rPr lang="en-US" altLang="ru-RU" baseline="0" dirty="0" err="1">
                 <a:latin typeface="Arial" panose="020B0604020202020204" pitchFamily="34" charset="0"/>
               </a:rPr>
               <a:t>progressBoard</a:t>
             </a:r>
             <a:r>
-              <a:rPr lang="en-US" altLang="ru-RU" baseline="0" dirty="0" smtClean="0">
+              <a:rPr lang="en-US" altLang="ru-RU" baseline="0" dirty="0">
                 <a:latin typeface="Arial" panose="020B0604020202020204" pitchFamily="34" charset="0"/>
               </a:rPr>
               <a:t> – </a:t>
             </a:r>
             <a:r>
-              <a:rPr lang="ru-RU" altLang="ru-RU" baseline="0" dirty="0" err="1" smtClean="0">
+              <a:rPr lang="ru-RU" altLang="ru-RU" baseline="0" dirty="0" err="1">
                 <a:latin typeface="Arial" panose="020B0604020202020204" pitchFamily="34" charset="0"/>
               </a:rPr>
               <a:t>мониторить</a:t>
             </a:r>
             <a:r>
-              <a:rPr lang="ru-RU" altLang="ru-RU" baseline="0" dirty="0" smtClean="0">
+              <a:rPr lang="ru-RU" altLang="ru-RU" baseline="0" dirty="0">
                 <a:latin typeface="Arial" panose="020B0604020202020204" pitchFamily="34" charset="0"/>
               </a:rPr>
-              <a:t> и подсказывать по </a:t>
-            </a:r>
-            <a:r>
-              <a:rPr lang="ru-RU" altLang="ru-RU" baseline="0" dirty="0" smtClean="0">
-                <a:latin typeface="Arial" panose="020B0604020202020204" pitchFamily="34" charset="0"/>
-              </a:rPr>
-              <a:t>нему</a:t>
-            </a:r>
-            <a:endParaRPr lang="ru-RU" altLang="ru-RU" baseline="0" dirty="0" smtClean="0">
-              <a:latin typeface="Arial" panose="020B0604020202020204" pitchFamily="34" charset="0"/>
-            </a:endParaRPr>
+              <a:t> и подсказывать по нему</a:t>
+            </a:r>
           </a:p>
         </p:txBody>
       </p:sp>
@@ -9047,17 +9227,17 @@
           <a:lstStyle/>
           <a:p>
             <a:r>
-              <a:rPr lang="ru-RU" dirty="0" smtClean="0"/>
+              <a:rPr lang="ru-RU" dirty="0"/>
               <a:t>Просто</a:t>
             </a:r>
             <a:r>
-              <a:rPr lang="ru-RU" baseline="0" dirty="0" smtClean="0"/>
+              <a:rPr lang="ru-RU" baseline="0" dirty="0"/>
               <a:t> разбудим всех, подискутировать.</a:t>
             </a:r>
           </a:p>
           <a:p>
             <a:r>
-              <a:rPr lang="ru-RU" baseline="0" dirty="0" smtClean="0"/>
+              <a:rPr lang="ru-RU" baseline="0" dirty="0"/>
               <a:t>Может, нормальный, а может, плохой: что именно пошло не так? Как отличить нормальную ситуацию от ненормально</a:t>
             </a:r>
           </a:p>
@@ -9228,61 +9408,61 @@
           <a:lstStyle/>
           <a:p>
             <a:r>
-              <a:rPr lang="ru-RU" dirty="0" smtClean="0"/>
+              <a:rPr lang="ru-RU" dirty="0"/>
               <a:t>Н</a:t>
             </a:r>
             <a:r>
-              <a:rPr lang="ru-RU" baseline="0" dirty="0" smtClean="0"/>
+              <a:rPr lang="ru-RU" baseline="0" dirty="0"/>
               <a:t>е все исключения ведут себя одинаково, давайте посмотрим на случаи необычного поведения </a:t>
             </a:r>
             <a:r>
-              <a:rPr lang="en-US" baseline="0" dirty="0" smtClean="0"/>
+              <a:rPr lang="en-US" baseline="0" dirty="0"/>
               <a:t>try/catch</a:t>
             </a:r>
           </a:p>
           <a:p>
             <a:r>
-              <a:rPr lang="en-US" baseline="0" dirty="0" smtClean="0"/>
+              <a:rPr lang="en-US" baseline="0" dirty="0"/>
               <a:t>SO </a:t>
             </a:r>
             <a:r>
-              <a:rPr lang="ru-RU" baseline="0" dirty="0" smtClean="0"/>
+              <a:rPr lang="ru-RU" baseline="0" dirty="0"/>
               <a:t>можно перехватить, только если мы выбросили его сами, «настоящий» </a:t>
             </a:r>
             <a:r>
-              <a:rPr lang="en-US" baseline="0" dirty="0" smtClean="0"/>
+              <a:rPr lang="en-US" baseline="0" dirty="0"/>
               <a:t>SO </a:t>
             </a:r>
             <a:r>
-              <a:rPr lang="ru-RU" baseline="0" dirty="0" smtClean="0"/>
+              <a:rPr lang="ru-RU" baseline="0" dirty="0"/>
               <a:t>рушит процесс</a:t>
             </a:r>
-            <a:endParaRPr lang="en-US" baseline="0" dirty="0" smtClean="0"/>
-          </a:p>
-          <a:p>
-            <a:endParaRPr lang="en-US" baseline="0" dirty="0" smtClean="0"/>
-          </a:p>
-          <a:p>
-            <a:r>
-              <a:rPr lang="ru-RU" baseline="0" dirty="0" smtClean="0"/>
+            <a:endParaRPr lang="en-US" baseline="0" dirty="0"/>
+          </a:p>
+          <a:p>
+            <a:endParaRPr lang="en-US" baseline="0" dirty="0"/>
+          </a:p>
+          <a:p>
+            <a:r>
+              <a:rPr lang="ru-RU" baseline="0" dirty="0"/>
               <a:t>Мораль:</a:t>
             </a:r>
           </a:p>
           <a:p>
             <a:r>
-              <a:rPr lang="ru-RU" baseline="0" dirty="0" smtClean="0"/>
+              <a:rPr lang="ru-RU" baseline="0" dirty="0"/>
               <a:t>Не используйте </a:t>
             </a:r>
             <a:r>
-              <a:rPr lang="en-US" baseline="0" dirty="0" err="1" smtClean="0"/>
+              <a:rPr lang="en-US" baseline="0" dirty="0" err="1"/>
               <a:t>StackOverflowException</a:t>
             </a:r>
             <a:r>
-              <a:rPr lang="en-US" baseline="0" dirty="0" smtClean="0"/>
+              <a:rPr lang="en-US" baseline="0" dirty="0"/>
               <a:t> </a:t>
             </a:r>
             <a:r>
-              <a:rPr lang="ru-RU" baseline="0" dirty="0" smtClean="0"/>
+              <a:rPr lang="ru-RU" baseline="0" dirty="0"/>
               <a:t>в логике своей программы. Вызывая рекурсивный метод – оценивайте глубину рекурсии или передавайте глубину рекурсии в параметрах метода</a:t>
             </a:r>
             <a:endParaRPr lang="ru-RU" dirty="0"/>
@@ -9370,61 +9550,61 @@
           <a:lstStyle/>
           <a:p>
             <a:r>
-              <a:rPr lang="ru-RU" dirty="0" smtClean="0"/>
+              <a:rPr lang="ru-RU" dirty="0"/>
               <a:t>Н</a:t>
             </a:r>
             <a:r>
-              <a:rPr lang="ru-RU" baseline="0" dirty="0" smtClean="0"/>
+              <a:rPr lang="ru-RU" baseline="0" dirty="0"/>
               <a:t>е все исключения ведут себя одинаково, давайте посмотрим на случаи необычного поведения </a:t>
             </a:r>
             <a:r>
-              <a:rPr lang="en-US" baseline="0" dirty="0" smtClean="0"/>
+              <a:rPr lang="en-US" baseline="0" dirty="0"/>
               <a:t>try/catch</a:t>
             </a:r>
           </a:p>
           <a:p>
             <a:r>
-              <a:rPr lang="en-US" baseline="0" dirty="0" smtClean="0"/>
+              <a:rPr lang="en-US" baseline="0" dirty="0"/>
               <a:t>SO </a:t>
             </a:r>
             <a:r>
-              <a:rPr lang="ru-RU" baseline="0" dirty="0" smtClean="0"/>
+              <a:rPr lang="ru-RU" baseline="0" dirty="0"/>
               <a:t>можно перехватить, только если мы выбросили его сами, «настоящий» </a:t>
             </a:r>
             <a:r>
-              <a:rPr lang="en-US" baseline="0" dirty="0" smtClean="0"/>
+              <a:rPr lang="en-US" baseline="0" dirty="0"/>
               <a:t>SO </a:t>
             </a:r>
             <a:r>
-              <a:rPr lang="ru-RU" baseline="0" dirty="0" smtClean="0"/>
+              <a:rPr lang="ru-RU" baseline="0" dirty="0"/>
               <a:t>рушит процесс</a:t>
             </a:r>
-            <a:endParaRPr lang="en-US" baseline="0" dirty="0" smtClean="0"/>
-          </a:p>
-          <a:p>
-            <a:endParaRPr lang="en-US" baseline="0" dirty="0" smtClean="0"/>
-          </a:p>
-          <a:p>
-            <a:r>
-              <a:rPr lang="ru-RU" baseline="0" dirty="0" smtClean="0"/>
+            <a:endParaRPr lang="en-US" baseline="0" dirty="0"/>
+          </a:p>
+          <a:p>
+            <a:endParaRPr lang="en-US" baseline="0" dirty="0"/>
+          </a:p>
+          <a:p>
+            <a:r>
+              <a:rPr lang="ru-RU" baseline="0" dirty="0"/>
               <a:t>Мораль:</a:t>
             </a:r>
           </a:p>
           <a:p>
             <a:r>
-              <a:rPr lang="ru-RU" baseline="0" dirty="0" smtClean="0"/>
+              <a:rPr lang="ru-RU" baseline="0" dirty="0"/>
               <a:t>Не используйте </a:t>
             </a:r>
             <a:r>
-              <a:rPr lang="en-US" baseline="0" dirty="0" err="1" smtClean="0"/>
+              <a:rPr lang="en-US" baseline="0" dirty="0" err="1"/>
               <a:t>StackOverflowException</a:t>
             </a:r>
             <a:r>
-              <a:rPr lang="en-US" baseline="0" dirty="0" smtClean="0"/>
+              <a:rPr lang="en-US" baseline="0" dirty="0"/>
               <a:t> </a:t>
             </a:r>
             <a:r>
-              <a:rPr lang="ru-RU" baseline="0" dirty="0" smtClean="0"/>
+              <a:rPr lang="ru-RU" baseline="0" dirty="0"/>
               <a:t>в логике своей программы. Вызывая рекурсивный метод – оценивайте глубину рекурсии или передавайте глубину рекурсии в параметрах метода</a:t>
             </a:r>
             <a:endParaRPr lang="ru-RU" dirty="0"/>
@@ -9512,61 +9692,61 @@
           <a:lstStyle/>
           <a:p>
             <a:r>
-              <a:rPr lang="ru-RU" dirty="0" smtClean="0"/>
+              <a:rPr lang="ru-RU" dirty="0"/>
               <a:t>Н</a:t>
             </a:r>
             <a:r>
-              <a:rPr lang="ru-RU" baseline="0" dirty="0" smtClean="0"/>
+              <a:rPr lang="ru-RU" baseline="0" dirty="0"/>
               <a:t>е все исключения ведут себя одинаково, давайте посмотрим на случаи необычного поведения </a:t>
             </a:r>
             <a:r>
-              <a:rPr lang="en-US" baseline="0" dirty="0" smtClean="0"/>
+              <a:rPr lang="en-US" baseline="0" dirty="0"/>
               <a:t>try/catch</a:t>
             </a:r>
           </a:p>
           <a:p>
             <a:r>
-              <a:rPr lang="en-US" baseline="0" dirty="0" smtClean="0"/>
+              <a:rPr lang="en-US" baseline="0" dirty="0"/>
               <a:t>SO </a:t>
             </a:r>
             <a:r>
-              <a:rPr lang="ru-RU" baseline="0" dirty="0" smtClean="0"/>
+              <a:rPr lang="ru-RU" baseline="0" dirty="0"/>
               <a:t>можно перехватить, только если мы выбросили его сами, «настоящий» </a:t>
             </a:r>
             <a:r>
-              <a:rPr lang="en-US" baseline="0" dirty="0" smtClean="0"/>
+              <a:rPr lang="en-US" baseline="0" dirty="0"/>
               <a:t>SO </a:t>
             </a:r>
             <a:r>
-              <a:rPr lang="ru-RU" baseline="0" dirty="0" smtClean="0"/>
+              <a:rPr lang="ru-RU" baseline="0" dirty="0"/>
               <a:t>рушит процесс</a:t>
             </a:r>
-            <a:endParaRPr lang="en-US" baseline="0" dirty="0" smtClean="0"/>
-          </a:p>
-          <a:p>
-            <a:endParaRPr lang="en-US" baseline="0" dirty="0" smtClean="0"/>
-          </a:p>
-          <a:p>
-            <a:r>
-              <a:rPr lang="ru-RU" baseline="0" dirty="0" smtClean="0"/>
+            <a:endParaRPr lang="en-US" baseline="0" dirty="0"/>
+          </a:p>
+          <a:p>
+            <a:endParaRPr lang="en-US" baseline="0" dirty="0"/>
+          </a:p>
+          <a:p>
+            <a:r>
+              <a:rPr lang="ru-RU" baseline="0" dirty="0"/>
               <a:t>Мораль:</a:t>
             </a:r>
           </a:p>
           <a:p>
             <a:r>
-              <a:rPr lang="ru-RU" baseline="0" dirty="0" smtClean="0"/>
+              <a:rPr lang="ru-RU" baseline="0" dirty="0"/>
               <a:t>Не используйте </a:t>
             </a:r>
             <a:r>
-              <a:rPr lang="en-US" baseline="0" dirty="0" err="1" smtClean="0"/>
+              <a:rPr lang="en-US" baseline="0" dirty="0" err="1"/>
               <a:t>StackOverflowException</a:t>
             </a:r>
             <a:r>
-              <a:rPr lang="en-US" baseline="0" dirty="0" smtClean="0"/>
+              <a:rPr lang="en-US" baseline="0" dirty="0"/>
               <a:t> </a:t>
             </a:r>
             <a:r>
-              <a:rPr lang="ru-RU" baseline="0" dirty="0" smtClean="0"/>
+              <a:rPr lang="ru-RU" baseline="0" dirty="0"/>
               <a:t>в логике своей программы. Вызывая рекурсивный метод – оценивайте глубину рекурсии или передавайте глубину рекурсии в параметрах метода</a:t>
             </a:r>
             <a:endParaRPr lang="ru-RU" dirty="0"/>
@@ -9738,91 +9918,91 @@
           <a:lstStyle/>
           <a:p>
             <a:r>
-              <a:rPr lang="en-US" dirty="0" err="1" smtClean="0"/>
+              <a:rPr lang="en-US" dirty="0" err="1"/>
               <a:t>ThreadAbortException</a:t>
             </a:r>
             <a:r>
-              <a:rPr lang="en-US" baseline="0" dirty="0" smtClean="0"/>
+              <a:rPr lang="en-US" baseline="0" dirty="0"/>
               <a:t> </a:t>
             </a:r>
             <a:r>
-              <a:rPr lang="ru-RU" baseline="0" dirty="0" smtClean="0"/>
+              <a:rPr lang="ru-RU" baseline="0" dirty="0"/>
               <a:t>может возникнуть в неожиданных местах</a:t>
             </a:r>
           </a:p>
           <a:p>
             <a:r>
-              <a:rPr lang="ru-RU" baseline="0" dirty="0" smtClean="0"/>
+              <a:rPr lang="ru-RU" baseline="0" dirty="0"/>
               <a:t>После обработки </a:t>
             </a:r>
             <a:r>
-              <a:rPr lang="ru-RU" baseline="0" dirty="0" err="1" smtClean="0"/>
+              <a:rPr lang="ru-RU" baseline="0" dirty="0" err="1"/>
               <a:t>перевыбрасывается</a:t>
             </a:r>
             <a:r>
-              <a:rPr lang="ru-RU" baseline="0" dirty="0" smtClean="0"/>
+              <a:rPr lang="ru-RU" baseline="0" dirty="0"/>
               <a:t> снова, как будто в конце </a:t>
             </a:r>
             <a:r>
-              <a:rPr lang="en-US" baseline="0" dirty="0" smtClean="0"/>
+              <a:rPr lang="en-US" baseline="0" dirty="0"/>
               <a:t>catch </a:t>
             </a:r>
             <a:r>
-              <a:rPr lang="ru-RU" baseline="0" dirty="0" smtClean="0"/>
+              <a:rPr lang="ru-RU" baseline="0" dirty="0"/>
               <a:t>написан </a:t>
             </a:r>
             <a:r>
-              <a:rPr lang="en-US" baseline="0" dirty="0" smtClean="0"/>
+              <a:rPr lang="en-US" baseline="0" dirty="0"/>
               <a:t>throw</a:t>
             </a:r>
-            <a:endParaRPr lang="ru-RU" baseline="0" dirty="0" smtClean="0"/>
-          </a:p>
-          <a:p>
-            <a:r>
-              <a:rPr lang="ru-RU" baseline="0" dirty="0" smtClean="0"/>
+            <a:endParaRPr lang="ru-RU" baseline="0" dirty="0"/>
+          </a:p>
+          <a:p>
+            <a:r>
+              <a:rPr lang="ru-RU" baseline="0" dirty="0"/>
               <a:t>Обрабатывается </a:t>
             </a:r>
             <a:r>
-              <a:rPr lang="ru-RU" baseline="0" dirty="0" err="1" smtClean="0"/>
+              <a:rPr lang="ru-RU" baseline="0" dirty="0" err="1"/>
               <a:t>рантаймом</a:t>
             </a:r>
             <a:r>
-              <a:rPr lang="ru-RU" baseline="0" dirty="0" smtClean="0"/>
+              <a:rPr lang="ru-RU" baseline="0" dirty="0"/>
               <a:t>, не валит процесс</a:t>
             </a:r>
             <a:r>
-              <a:rPr lang="en-US" baseline="0" dirty="0" smtClean="0"/>
+              <a:rPr lang="en-US" baseline="0" dirty="0"/>
               <a:t>. </a:t>
             </a:r>
             <a:r>
-              <a:rPr lang="ru-RU" baseline="0" dirty="0" smtClean="0"/>
+              <a:rPr lang="ru-RU" baseline="0" dirty="0"/>
               <a:t>Это свойство сохраняется, даже если исключение выброшено вручную.</a:t>
             </a:r>
           </a:p>
           <a:p>
-            <a:endParaRPr lang="ru-RU" baseline="0" dirty="0" smtClean="0"/>
-          </a:p>
-          <a:p>
-            <a:r>
-              <a:rPr lang="ru-RU" dirty="0" smtClean="0"/>
+            <a:endParaRPr lang="ru-RU" baseline="0" dirty="0"/>
+          </a:p>
+          <a:p>
+            <a:r>
+              <a:rPr lang="ru-RU" dirty="0"/>
               <a:t>(</a:t>
             </a:r>
             <a:r>
-              <a:rPr lang="ru-RU" baseline="0" dirty="0" smtClean="0"/>
+              <a:rPr lang="ru-RU" baseline="0" dirty="0"/>
               <a:t>что будет, если в </a:t>
             </a:r>
             <a:r>
-              <a:rPr lang="en-US" baseline="0" dirty="0" smtClean="0"/>
+              <a:rPr lang="en-US" baseline="0" dirty="0"/>
               <a:t>catch </a:t>
             </a:r>
             <a:r>
-              <a:rPr lang="ru-RU" baseline="0" dirty="0" smtClean="0"/>
+              <a:rPr lang="ru-RU" baseline="0" dirty="0"/>
               <a:t>будет выброшено новое исключение?)</a:t>
             </a:r>
-            <a:endParaRPr lang="en-US" baseline="0" dirty="0" smtClean="0"/>
-          </a:p>
-          <a:p>
-            <a:endParaRPr lang="en-US" baseline="0" dirty="0" smtClean="0"/>
+            <a:endParaRPr lang="en-US" baseline="0" dirty="0"/>
+          </a:p>
+          <a:p>
+            <a:endParaRPr lang="en-US" baseline="0" dirty="0"/>
           </a:p>
           <a:p>
             <a:endParaRPr lang="ru-RU" dirty="0"/>
@@ -9910,11 +10090,11 @@
           <a:lstStyle/>
           <a:p>
             <a:r>
-              <a:rPr lang="ru-RU" dirty="0" smtClean="0"/>
+              <a:rPr lang="ru-RU" dirty="0"/>
               <a:t>Отмену</a:t>
             </a:r>
             <a:r>
-              <a:rPr lang="ru-RU" baseline="0" dirty="0" smtClean="0"/>
+              <a:rPr lang="ru-RU" baseline="0" dirty="0"/>
               <a:t> потока можно отменить</a:t>
             </a:r>
             <a:endParaRPr lang="ru-RU" dirty="0"/>
@@ -10086,44 +10266,44 @@
           <a:lstStyle/>
           <a:p>
             <a:r>
-              <a:rPr lang="ru-RU" dirty="0" smtClean="0"/>
+              <a:rPr lang="ru-RU" dirty="0"/>
               <a:t>Мы все иногда</a:t>
             </a:r>
             <a:r>
-              <a:rPr lang="ru-RU" baseline="0" dirty="0" smtClean="0"/>
+              <a:rPr lang="ru-RU" baseline="0" dirty="0"/>
               <a:t> пишем код, который может выделить слишком много памяти. В </a:t>
             </a:r>
             <a:r>
-              <a:rPr lang="ru-RU" baseline="0" dirty="0" err="1" smtClean="0"/>
+              <a:rPr lang="ru-RU" baseline="0" dirty="0" err="1"/>
               <a:t>дотнете</a:t>
             </a:r>
             <a:r>
-              <a:rPr lang="ru-RU" baseline="0" dirty="0" smtClean="0"/>
+              <a:rPr lang="ru-RU" baseline="0" dirty="0"/>
               <a:t> это может закончиться </a:t>
             </a:r>
             <a:r>
-              <a:rPr lang="en-US" baseline="0" dirty="0" err="1" smtClean="0"/>
+              <a:rPr lang="en-US" baseline="0" dirty="0" err="1"/>
               <a:t>OutOfMemoryException</a:t>
             </a:r>
             <a:r>
-              <a:rPr lang="en-US" baseline="0" dirty="0" smtClean="0"/>
+              <a:rPr lang="en-US" baseline="0" dirty="0"/>
               <a:t>’</a:t>
             </a:r>
             <a:r>
-              <a:rPr lang="ru-RU" baseline="0" dirty="0" smtClean="0"/>
+              <a:rPr lang="ru-RU" baseline="0" dirty="0"/>
               <a:t>ом</a:t>
             </a:r>
           </a:p>
           <a:p>
             <a:r>
-              <a:rPr lang="ru-RU" baseline="0" dirty="0" smtClean="0"/>
+              <a:rPr lang="ru-RU" baseline="0" dirty="0"/>
               <a:t>Что же будет после </a:t>
             </a:r>
             <a:r>
-              <a:rPr lang="en-US" baseline="0" dirty="0" err="1" smtClean="0"/>
+              <a:rPr lang="en-US" baseline="0" dirty="0" err="1"/>
               <a:t>OutOfMemory</a:t>
             </a:r>
-            <a:endParaRPr lang="ru-RU" baseline="0" dirty="0" smtClean="0"/>
+            <a:endParaRPr lang="ru-RU" baseline="0" dirty="0"/>
           </a:p>
         </p:txBody>
       </p:sp>
@@ -10292,11 +10472,11 @@
           <a:lstStyle/>
           <a:p>
             <a:r>
-              <a:rPr lang="ru-RU" dirty="0" smtClean="0"/>
+              <a:rPr lang="ru-RU" dirty="0"/>
               <a:t>Как</a:t>
             </a:r>
             <a:r>
-              <a:rPr lang="ru-RU" baseline="0" dirty="0" smtClean="0"/>
+              <a:rPr lang="ru-RU" baseline="0" dirty="0"/>
               <a:t> первая стратегия работы с ними, дальше - уточним</a:t>
             </a:r>
             <a:endParaRPr lang="ru-RU" dirty="0"/>
@@ -10468,61 +10648,61 @@
           <a:lstStyle/>
           <a:p>
             <a:r>
-              <a:rPr lang="ru-RU" dirty="0" smtClean="0"/>
+              <a:rPr lang="ru-RU" dirty="0"/>
               <a:t>Все</a:t>
             </a:r>
             <a:r>
-              <a:rPr lang="ru-RU" baseline="0" dirty="0" smtClean="0"/>
+              <a:rPr lang="ru-RU" baseline="0" dirty="0"/>
               <a:t> варианты правильные, конкретный зависит больше от </a:t>
             </a:r>
             <a:r>
-              <a:rPr lang="ru-RU" baseline="0" dirty="0" err="1" smtClean="0"/>
+              <a:rPr lang="ru-RU" baseline="0" dirty="0" err="1"/>
               <a:t>рандома</a:t>
             </a:r>
             <a:r>
-              <a:rPr lang="ru-RU" baseline="0" dirty="0" smtClean="0"/>
+              <a:rPr lang="ru-RU" baseline="0" dirty="0"/>
               <a:t>.</a:t>
             </a:r>
           </a:p>
           <a:p>
             <a:r>
-              <a:rPr lang="en-US" baseline="0" dirty="0" smtClean="0"/>
+              <a:rPr lang="en-US" baseline="0" dirty="0"/>
               <a:t> </a:t>
             </a:r>
             <a:r>
-              <a:rPr lang="en-US" baseline="0" dirty="0" err="1" smtClean="0"/>
+              <a:rPr lang="en-US" baseline="0" dirty="0" err="1"/>
               <a:t>StackOverflow</a:t>
             </a:r>
             <a:r>
-              <a:rPr lang="en-US" baseline="0" dirty="0" smtClean="0"/>
+              <a:rPr lang="en-US" baseline="0" dirty="0"/>
               <a:t>, </a:t>
             </a:r>
             <a:r>
-              <a:rPr lang="en-US" baseline="0" dirty="0" err="1" smtClean="0"/>
+              <a:rPr lang="en-US" baseline="0" dirty="0" err="1"/>
               <a:t>AccessViolation</a:t>
             </a:r>
             <a:r>
-              <a:rPr lang="en-US" baseline="0" dirty="0" smtClean="0"/>
+              <a:rPr lang="en-US" baseline="0" dirty="0"/>
               <a:t> </a:t>
             </a:r>
             <a:r>
-              <a:rPr lang="ru-RU" baseline="0" dirty="0" smtClean="0"/>
+              <a:rPr lang="ru-RU" baseline="0" dirty="0"/>
               <a:t>и </a:t>
             </a:r>
             <a:r>
-              <a:rPr lang="en-US" baseline="0" dirty="0" err="1" smtClean="0"/>
+              <a:rPr lang="en-US" baseline="0" dirty="0" err="1"/>
               <a:t>OutOfMemory</a:t>
             </a:r>
             <a:r>
-              <a:rPr lang="en-US" baseline="0" dirty="0" smtClean="0"/>
+              <a:rPr lang="en-US" baseline="0" dirty="0"/>
               <a:t> </a:t>
             </a:r>
             <a:r>
-              <a:rPr lang="ru-RU" baseline="0" dirty="0" smtClean="0"/>
+              <a:rPr lang="ru-RU" baseline="0" dirty="0"/>
               <a:t>могут превращаться друг в друга при обработке внутри </a:t>
             </a:r>
             <a:r>
-              <a:rPr lang="ru-RU" baseline="0" dirty="0" err="1" smtClean="0"/>
+              <a:rPr lang="ru-RU" baseline="0" dirty="0" err="1"/>
               <a:t>рантайма</a:t>
             </a:r>
             <a:endParaRPr lang="ru-RU" dirty="0"/>
@@ -10610,49 +10790,49 @@
           <a:lstStyle/>
           <a:p>
             <a:r>
-              <a:rPr lang="ru-RU" dirty="0" err="1" smtClean="0"/>
+              <a:rPr lang="ru-RU" dirty="0" err="1"/>
               <a:t>Стековерфлоу</a:t>
             </a:r>
             <a:r>
-              <a:rPr lang="ru-RU" dirty="0" smtClean="0"/>
+              <a:rPr lang="ru-RU" dirty="0"/>
               <a:t> возникает из-за того, что память под стек</a:t>
             </a:r>
             <a:r>
-              <a:rPr lang="ru-RU" baseline="0" dirty="0" smtClean="0"/>
+              <a:rPr lang="ru-RU" baseline="0" dirty="0"/>
               <a:t> выделяется не при запуске потока, а по необходимости. Можно либо сразу создать поток с нужным размером стека или настроить в </a:t>
             </a:r>
             <a:r>
-              <a:rPr lang="ru-RU" baseline="0" dirty="0" err="1" smtClean="0"/>
+              <a:rPr lang="ru-RU" baseline="0" dirty="0" err="1"/>
               <a:t>апп</a:t>
             </a:r>
             <a:r>
-              <a:rPr lang="ru-RU" baseline="0" dirty="0" smtClean="0"/>
+              <a:rPr lang="ru-RU" baseline="0" dirty="0"/>
               <a:t> </a:t>
             </a:r>
             <a:r>
-              <a:rPr lang="ru-RU" baseline="0" dirty="0" err="1" smtClean="0"/>
+              <a:rPr lang="ru-RU" baseline="0" dirty="0" err="1"/>
               <a:t>конфиге</a:t>
             </a:r>
-            <a:endParaRPr lang="ru-RU" baseline="0" dirty="0" smtClean="0"/>
-          </a:p>
-          <a:p>
-            <a:endParaRPr lang="ru-RU" baseline="0" dirty="0" smtClean="0"/>
-          </a:p>
-          <a:p>
-            <a:r>
-              <a:rPr lang="ru-RU" baseline="0" dirty="0" smtClean="0"/>
+            <a:endParaRPr lang="ru-RU" baseline="0" dirty="0"/>
+          </a:p>
+          <a:p>
+            <a:endParaRPr lang="ru-RU" baseline="0" dirty="0"/>
+          </a:p>
+          <a:p>
+            <a:r>
+              <a:rPr lang="ru-RU" baseline="0" dirty="0"/>
               <a:t>Интересно, что в документации описано противоположное поведение</a:t>
             </a:r>
             <a:r>
-              <a:rPr lang="en-US" baseline="0" dirty="0" smtClean="0"/>
+              <a:rPr lang="en-US" baseline="0" dirty="0"/>
               <a:t>. </a:t>
             </a:r>
             <a:r>
-              <a:rPr lang="ru-RU" baseline="0" dirty="0" smtClean="0"/>
+              <a:rPr lang="ru-RU" baseline="0" dirty="0"/>
               <a:t>Документации можно верить не всегда, </a:t>
             </a:r>
             <a:r>
-              <a:rPr lang="ru-RU" baseline="0" smtClean="0"/>
+              <a:rPr lang="ru-RU" baseline="0"/>
               <a:t>нужно проверять</a:t>
             </a:r>
             <a:endParaRPr lang="ru-RU" dirty="0"/>
@@ -10740,10 +10920,9 @@
           <a:lstStyle/>
           <a:p>
             <a:r>
-              <a:rPr lang="ru-RU" dirty="0" smtClean="0"/>
+              <a:rPr lang="ru-RU" dirty="0"/>
               <a:t>Чем плох код?</a:t>
             </a:r>
-            <a:endParaRPr lang="ru-RU" dirty="0"/>
           </a:p>
         </p:txBody>
       </p:sp>
@@ -10828,113 +11007,113 @@
           <a:lstStyle/>
           <a:p>
             <a:r>
-              <a:rPr lang="en-US" dirty="0" smtClean="0"/>
+              <a:rPr lang="en-US" dirty="0"/>
               <a:t>Finally – </a:t>
             </a:r>
             <a:r>
-              <a:rPr lang="ru-RU" dirty="0" err="1" smtClean="0"/>
+              <a:rPr lang="ru-RU" dirty="0" err="1"/>
               <a:t>фича</a:t>
             </a:r>
             <a:r>
-              <a:rPr lang="ru-RU" dirty="0" smtClean="0"/>
+              <a:rPr lang="ru-RU" dirty="0"/>
               <a:t> </a:t>
             </a:r>
             <a:r>
-              <a:rPr lang="ru-RU" dirty="0" err="1" smtClean="0"/>
+              <a:rPr lang="ru-RU" dirty="0" err="1"/>
               <a:t>дотнета</a:t>
             </a:r>
             <a:r>
-              <a:rPr lang="ru-RU" dirty="0" smtClean="0"/>
+              <a:rPr lang="ru-RU" dirty="0"/>
               <a:t>,</a:t>
             </a:r>
             <a:r>
-              <a:rPr lang="ru-RU" baseline="0" dirty="0" smtClean="0"/>
+              <a:rPr lang="ru-RU" baseline="0" dirty="0"/>
               <a:t> ОС она безразлична</a:t>
             </a:r>
           </a:p>
           <a:p>
             <a:r>
-              <a:rPr lang="en-US" baseline="0" dirty="0" smtClean="0"/>
+              <a:rPr lang="en-US" baseline="0" dirty="0"/>
               <a:t>finally </a:t>
             </a:r>
             <a:r>
-              <a:rPr lang="ru-RU" baseline="0" dirty="0" smtClean="0"/>
+              <a:rPr lang="ru-RU" baseline="0" dirty="0"/>
               <a:t>работает, пока процесс и </a:t>
             </a:r>
             <a:r>
-              <a:rPr lang="ru-RU" baseline="0" dirty="0" err="1" smtClean="0"/>
+              <a:rPr lang="ru-RU" baseline="0" dirty="0" err="1"/>
               <a:t>рантайм</a:t>
             </a:r>
             <a:r>
-              <a:rPr lang="en-US" baseline="0" dirty="0" smtClean="0"/>
+              <a:rPr lang="en-US" baseline="0" dirty="0"/>
               <a:t> </a:t>
             </a:r>
             <a:r>
-              <a:rPr lang="ru-RU" baseline="0" dirty="0" smtClean="0"/>
+              <a:rPr lang="ru-RU" baseline="0" dirty="0"/>
               <a:t>работают нормально</a:t>
             </a:r>
           </a:p>
           <a:p>
             <a:r>
-              <a:rPr lang="ru-RU" baseline="0" dirty="0" smtClean="0"/>
+              <a:rPr lang="ru-RU" baseline="0" dirty="0"/>
               <a:t>Но </a:t>
             </a:r>
             <a:r>
-              <a:rPr lang="en-US" baseline="0" dirty="0" smtClean="0"/>
+              <a:rPr lang="en-US" baseline="0" dirty="0"/>
               <a:t>finally </a:t>
             </a:r>
             <a:r>
-              <a:rPr lang="ru-RU" baseline="0" dirty="0" smtClean="0"/>
+              <a:rPr lang="ru-RU" baseline="0" dirty="0"/>
               <a:t>имеет смысл использовать лишь для выполнения кода в независимости от наличия исключения</a:t>
             </a:r>
           </a:p>
           <a:p>
             <a:r>
-              <a:rPr lang="ru-RU" baseline="0" dirty="0" smtClean="0"/>
+              <a:rPr lang="ru-RU" baseline="0" dirty="0"/>
               <a:t>Нестандартное применение – код</a:t>
             </a:r>
             <a:r>
-              <a:rPr lang="en-US" baseline="0" dirty="0" smtClean="0"/>
+              <a:rPr lang="en-US" baseline="0" dirty="0"/>
               <a:t> </a:t>
             </a:r>
             <a:r>
-              <a:rPr lang="ru-RU" baseline="0" dirty="0" smtClean="0"/>
+              <a:rPr lang="ru-RU" baseline="0" dirty="0"/>
               <a:t>в </a:t>
             </a:r>
             <a:r>
-              <a:rPr lang="en-US" baseline="0" dirty="0" smtClean="0"/>
+              <a:rPr lang="en-US" baseline="0" dirty="0"/>
               <a:t>finally </a:t>
             </a:r>
             <a:r>
-              <a:rPr lang="ru-RU" baseline="0" dirty="0" smtClean="0"/>
+              <a:rPr lang="ru-RU" baseline="0" dirty="0"/>
               <a:t>не прерывается </a:t>
             </a:r>
             <a:r>
-              <a:rPr lang="en-US" baseline="0" dirty="0" err="1" smtClean="0"/>
+              <a:rPr lang="en-US" baseline="0" dirty="0" err="1"/>
               <a:t>ThreadAbortException</a:t>
             </a:r>
             <a:r>
-              <a:rPr lang="en-US" baseline="0" dirty="0" smtClean="0"/>
+              <a:rPr lang="en-US" baseline="0" dirty="0"/>
               <a:t>’</a:t>
             </a:r>
             <a:r>
-              <a:rPr lang="ru-RU" baseline="0" dirty="0" smtClean="0"/>
+              <a:rPr lang="ru-RU" baseline="0" dirty="0"/>
               <a:t>ом. Это иногда используется в самом </a:t>
             </a:r>
             <a:r>
-              <a:rPr lang="ru-RU" baseline="0" dirty="0" err="1" smtClean="0"/>
+              <a:rPr lang="ru-RU" baseline="0" dirty="0" err="1"/>
               <a:t>дотнете</a:t>
             </a:r>
             <a:r>
-              <a:rPr lang="ru-RU" baseline="0" dirty="0" smtClean="0"/>
+              <a:rPr lang="ru-RU" baseline="0" dirty="0"/>
               <a:t>. Не используйте это, пока не найдёте, где это написано в </a:t>
             </a:r>
             <a:r>
-              <a:rPr lang="ru-RU" baseline="0" dirty="0" err="1" smtClean="0"/>
+              <a:rPr lang="ru-RU" baseline="0" dirty="0" err="1"/>
               <a:t>документаци</a:t>
             </a:r>
             <a:r>
-              <a:rPr lang="ru-RU" baseline="0" dirty="0" smtClean="0"/>
+              <a:rPr lang="ru-RU" baseline="0" dirty="0"/>
               <a:t>!</a:t>
             </a:r>
             <a:endParaRPr lang="ru-RU" dirty="0"/>
@@ -11026,14 +11205,14 @@
               <a:buChar char="-"/>
             </a:pPr>
             <a:r>
-              <a:rPr lang="ru-RU" dirty="0" smtClean="0"/>
+              <a:rPr lang="ru-RU" dirty="0"/>
               <a:t>Прочитать,</a:t>
             </a:r>
             <a:r>
-              <a:rPr lang="ru-RU" baseline="0" dirty="0" smtClean="0"/>
+              <a:rPr lang="ru-RU" baseline="0" dirty="0"/>
               <a:t> что делает программа</a:t>
             </a:r>
-            <a:endParaRPr lang="en-US" dirty="0" smtClean="0"/>
+            <a:endParaRPr lang="en-US" dirty="0"/>
           </a:p>
           <a:p>
             <a:pPr marL="171450" indent="-171450">
@@ -11041,7 +11220,7 @@
               <a:buChar char="-"/>
             </a:pPr>
             <a:r>
-              <a:rPr lang="ru-RU" dirty="0" smtClean="0"/>
+              <a:rPr lang="ru-RU" dirty="0"/>
               <a:t>Кто видит проблему?</a:t>
             </a:r>
           </a:p>
@@ -11051,30 +11230,30 @@
               <a:buChar char="-"/>
             </a:pPr>
             <a:r>
-              <a:rPr lang="en-US" dirty="0" smtClean="0"/>
+              <a:rPr lang="en-US" dirty="0"/>
               <a:t>Add</a:t>
             </a:r>
             <a:r>
-              <a:rPr lang="en-US" baseline="0" dirty="0" smtClean="0"/>
+              <a:rPr lang="en-US" baseline="0" dirty="0"/>
               <a:t> </a:t>
             </a:r>
             <a:r>
-              <a:rPr lang="ru-RU" baseline="0" dirty="0" smtClean="0"/>
+              <a:rPr lang="ru-RU" baseline="0" dirty="0"/>
               <a:t>кидает исключения, если уже есть такое значение (</a:t>
             </a:r>
             <a:r>
-              <a:rPr lang="en-US" baseline="0" dirty="0" err="1" smtClean="0"/>
+              <a:rPr lang="en-US" baseline="0" dirty="0" err="1"/>
               <a:t>ArgumentException</a:t>
             </a:r>
             <a:r>
-              <a:rPr lang="en-US" baseline="0" dirty="0" smtClean="0"/>
+              <a:rPr lang="en-US" baseline="0" dirty="0"/>
               <a:t>)</a:t>
             </a:r>
             <a:r>
-              <a:rPr lang="ru-RU" baseline="0" dirty="0" smtClean="0"/>
+              <a:rPr lang="ru-RU" baseline="0" dirty="0"/>
               <a:t>.</a:t>
             </a:r>
-            <a:endParaRPr lang="ru-RU" dirty="0" smtClean="0"/>
+            <a:endParaRPr lang="ru-RU" dirty="0"/>
           </a:p>
           <a:p>
             <a:pPr marL="171450" indent="-171450">
@@ -11082,27 +11261,27 @@
               <a:buChar char="-"/>
             </a:pPr>
             <a:r>
-              <a:rPr lang="ru-RU" dirty="0" smtClean="0"/>
+              <a:rPr lang="ru-RU" dirty="0"/>
               <a:t>В</a:t>
             </a:r>
             <a:r>
-              <a:rPr lang="ru-RU" baseline="0" dirty="0" smtClean="0"/>
+              <a:rPr lang="ru-RU" baseline="0" dirty="0"/>
               <a:t> одном </a:t>
             </a:r>
             <a:r>
-              <a:rPr lang="ru-RU" baseline="0" dirty="0" err="1" smtClean="0"/>
+              <a:rPr lang="ru-RU" baseline="0" dirty="0" err="1"/>
               <a:t>кеше</a:t>
             </a:r>
             <a:r>
-              <a:rPr lang="ru-RU" baseline="0" dirty="0" smtClean="0"/>
+              <a:rPr lang="ru-RU" baseline="0" dirty="0"/>
               <a:t> данные есть, в другом – нет, когда попробуем повторно добавить отчет – упадет уже первый </a:t>
             </a:r>
             <a:r>
-              <a:rPr lang="en-US" baseline="0" dirty="0" smtClean="0"/>
+              <a:rPr lang="en-US" baseline="0" dirty="0"/>
               <a:t>Get</a:t>
             </a:r>
             <a:r>
-              <a:rPr lang="ru-RU" baseline="0" dirty="0" smtClean="0"/>
+              <a:rPr lang="ru-RU" baseline="0" dirty="0"/>
               <a:t>, и будет непонятно, что происходит</a:t>
             </a:r>
           </a:p>
@@ -11111,7 +11290,7 @@
               <a:buFontTx/>
               <a:buChar char="-"/>
             </a:pPr>
-            <a:endParaRPr lang="ru-RU" baseline="0" dirty="0" smtClean="0"/>
+            <a:endParaRPr lang="ru-RU" baseline="0" dirty="0"/>
           </a:p>
           <a:p>
             <a:pPr marL="171450" indent="-171450">
@@ -11119,7 +11298,7 @@
               <a:buChar char="-"/>
             </a:pPr>
             <a:r>
-              <a:rPr lang="ru-RU" baseline="0" dirty="0" smtClean="0"/>
+              <a:rPr lang="ru-RU" baseline="0" dirty="0"/>
               <a:t>Итого: если замолчал первую ошибку, во второй будет разобраться сложно</a:t>
             </a:r>
           </a:p>
@@ -11128,7 +11307,7 @@
               <a:buFontTx/>
               <a:buChar char="-"/>
             </a:pPr>
-            <a:endParaRPr lang="ru-RU" baseline="0" dirty="0" smtClean="0"/>
+            <a:endParaRPr lang="ru-RU" baseline="0" dirty="0"/>
           </a:p>
           <a:p>
             <a:pPr marL="171450" indent="-171450">
@@ -11136,7 +11315,7 @@
               <a:buChar char="-"/>
             </a:pPr>
             <a:r>
-              <a:rPr lang="ru-RU" baseline="0" dirty="0" smtClean="0"/>
+              <a:rPr lang="ru-RU" baseline="0" dirty="0"/>
               <a:t>Нужно быть готовыми к тому, что код упадет – данные нужно оставить в консистентном состоянии</a:t>
             </a:r>
             <a:endParaRPr lang="ru-RU" dirty="0"/>
@@ -11225,14 +11404,14 @@
           <a:p>
             <a:pPr lvl="0"/>
             <a:r>
-              <a:rPr lang="ru-RU" dirty="0" smtClean="0"/>
+              <a:rPr lang="ru-RU" dirty="0"/>
               <a:t>Варианты исправления:</a:t>
             </a:r>
           </a:p>
           <a:p>
             <a:pPr lvl="0"/>
             <a:r>
-              <a:rPr lang="en-US" sz="1200" kern="1200" dirty="0" smtClean="0">
+              <a:rPr lang="en-US" sz="1200" kern="1200" dirty="0">
                 <a:solidFill>
                   <a:schemeClr val="tx1"/>
                 </a:solidFill>
@@ -11244,7 +11423,7 @@
               <a:t>-</a:t>
             </a:r>
             <a:r>
-              <a:rPr lang="ru-RU" sz="1200" kern="1200" dirty="0" smtClean="0">
+              <a:rPr lang="ru-RU" sz="1200" kern="1200" dirty="0">
                 <a:solidFill>
                   <a:schemeClr val="tx1"/>
                 </a:solidFill>
@@ -11256,7 +11435,7 @@
               <a:t>Завести</a:t>
             </a:r>
             <a:r>
-              <a:rPr lang="ru-RU" sz="1200" kern="1200" baseline="0" dirty="0" smtClean="0">
+              <a:rPr lang="ru-RU" sz="1200" kern="1200" baseline="0" dirty="0">
                 <a:solidFill>
                   <a:schemeClr val="tx1"/>
                 </a:solidFill>
@@ -11268,7 +11447,7 @@
               <a:t> локальные переменные</a:t>
             </a:r>
             <a:r>
-              <a:rPr lang="en-US" sz="1200" kern="1200" baseline="0" dirty="0" smtClean="0">
+              <a:rPr lang="en-US" sz="1200" kern="1200" baseline="0" dirty="0">
                 <a:solidFill>
                   <a:schemeClr val="tx1"/>
                 </a:solidFill>
@@ -11280,7 +11459,7 @@
               <a:t> </a:t>
             </a:r>
             <a:r>
-              <a:rPr lang="ru-RU" sz="1200" kern="1200" baseline="0" dirty="0" smtClean="0">
+              <a:rPr lang="ru-RU" sz="1200" kern="1200" baseline="0" dirty="0">
                 <a:solidFill>
                   <a:schemeClr val="tx1"/>
                 </a:solidFill>
@@ -11295,7 +11474,7 @@
           <a:p>
             <a:pPr lvl="0"/>
             <a:r>
-              <a:rPr lang="en-US" sz="1200" kern="1200" baseline="0" dirty="0" smtClean="0">
+              <a:rPr lang="en-US" sz="1200" kern="1200" baseline="0" dirty="0">
                 <a:solidFill>
                   <a:schemeClr val="tx1"/>
                 </a:solidFill>
@@ -11307,7 +11486,7 @@
               <a:t>-</a:t>
             </a:r>
             <a:r>
-              <a:rPr lang="ru-RU" sz="1200" kern="1200" baseline="0" dirty="0" smtClean="0">
+              <a:rPr lang="ru-RU" sz="1200" kern="1200" baseline="0" dirty="0">
                 <a:solidFill>
                   <a:schemeClr val="tx1"/>
                 </a:solidFill>
@@ -11319,7 +11498,7 @@
               <a:t>Откатываться в </a:t>
             </a:r>
             <a:r>
-              <a:rPr lang="en-US" sz="1200" kern="1200" baseline="0" dirty="0" smtClean="0">
+              <a:rPr lang="en-US" sz="1200" kern="1200" baseline="0" dirty="0">
                 <a:solidFill>
                   <a:schemeClr val="tx1"/>
                 </a:solidFill>
@@ -11334,7 +11513,7 @@
           <a:p>
             <a:pPr lvl="0"/>
             <a:r>
-              <a:rPr lang="en-US" sz="1200" kern="1200" baseline="0" dirty="0" smtClean="0">
+              <a:rPr lang="en-US" sz="1200" kern="1200" baseline="0" dirty="0">
                 <a:solidFill>
                   <a:schemeClr val="tx1"/>
                 </a:solidFill>
@@ -11346,7 +11525,7 @@
               <a:t>-</a:t>
             </a:r>
             <a:r>
-              <a:rPr lang="ru-RU" sz="1200" kern="1200" baseline="0" dirty="0" smtClean="0">
+              <a:rPr lang="ru-RU" sz="1200" kern="1200" baseline="0" dirty="0">
                 <a:solidFill>
                   <a:schemeClr val="tx1"/>
                 </a:solidFill>
@@ -11358,7 +11537,7 @@
               <a:t>Заменить </a:t>
             </a:r>
             <a:r>
-              <a:rPr lang="en-US" sz="1200" kern="1200" baseline="0" dirty="0" smtClean="0">
+              <a:rPr lang="en-US" sz="1200" kern="1200" baseline="0" dirty="0">
                 <a:solidFill>
                   <a:schemeClr val="tx1"/>
                 </a:solidFill>
@@ -11370,7 +11549,7 @@
               <a:t>Add </a:t>
             </a:r>
             <a:r>
-              <a:rPr lang="ru-RU" sz="1200" kern="1200" baseline="0" dirty="0" smtClean="0">
+              <a:rPr lang="ru-RU" sz="1200" kern="1200" baseline="0" dirty="0">
                 <a:solidFill>
                   <a:schemeClr val="tx1"/>
                 </a:solidFill>
@@ -11382,7 +11561,7 @@
               <a:t>на идемпотентную операцию (на скобочки</a:t>
             </a:r>
             <a:r>
-              <a:rPr lang="en-US" sz="1200" kern="1200" baseline="0" dirty="0" smtClean="0">
+              <a:rPr lang="en-US" sz="1200" kern="1200" baseline="0" dirty="0">
                 <a:solidFill>
                   <a:schemeClr val="tx1"/>
                 </a:solidFill>
@@ -11394,7 +11573,7 @@
               <a:t> </a:t>
             </a:r>
             <a:r>
-              <a:rPr lang="ru-RU" sz="1200" kern="1200" baseline="0" dirty="0" smtClean="0">
+              <a:rPr lang="ru-RU" sz="1200" kern="1200" baseline="0" dirty="0">
                 <a:solidFill>
                   <a:schemeClr val="tx1"/>
                 </a:solidFill>
@@ -11406,7 +11585,7 @@
               <a:t>или </a:t>
             </a:r>
             <a:r>
-              <a:rPr lang="en-US" sz="1200" kern="1200" baseline="0" dirty="0" err="1" smtClean="0">
+              <a:rPr lang="en-US" sz="1200" kern="1200" baseline="0" dirty="0" err="1">
                 <a:solidFill>
                   <a:schemeClr val="tx1"/>
                 </a:solidFill>
@@ -11418,7 +11597,7 @@
               <a:t>AddOrUpdate</a:t>
             </a:r>
             <a:r>
-              <a:rPr lang="ru-RU" sz="1200" kern="1200" baseline="0" dirty="0" smtClean="0">
+              <a:rPr lang="ru-RU" sz="1200" kern="1200" baseline="0" dirty="0">
                 <a:solidFill>
                   <a:schemeClr val="tx1"/>
                 </a:solidFill>
@@ -11429,7 +11608,7 @@
               </a:rPr>
               <a:t>)</a:t>
             </a:r>
-            <a:endParaRPr lang="en-US" sz="1200" kern="1200" baseline="0" dirty="0" smtClean="0">
+            <a:endParaRPr lang="en-US" sz="1200" kern="1200" baseline="0" dirty="0">
               <a:solidFill>
                 <a:schemeClr val="tx1"/>
               </a:solidFill>
@@ -11442,7 +11621,7 @@
           <a:p>
             <a:pPr lvl="0"/>
             <a:r>
-              <a:rPr lang="en-US" sz="1200" kern="1200" baseline="0" dirty="0" smtClean="0">
+              <a:rPr lang="en-US" sz="1200" kern="1200" baseline="0" dirty="0">
                 <a:solidFill>
                   <a:schemeClr val="tx1"/>
                 </a:solidFill>
@@ -11454,7 +11633,7 @@
               <a:t>-</a:t>
             </a:r>
             <a:r>
-              <a:rPr lang="ru-RU" sz="1200" kern="1200" baseline="0" dirty="0" smtClean="0">
+              <a:rPr lang="ru-RU" sz="1200" kern="1200" baseline="0" dirty="0">
                 <a:solidFill>
                   <a:schemeClr val="tx1"/>
                 </a:solidFill>
@@ -11468,7 +11647,7 @@
           </a:p>
           <a:p>
             <a:pPr lvl="0"/>
-            <a:endParaRPr lang="ru-RU" sz="1200" kern="1200" baseline="0" dirty="0" smtClean="0">
+            <a:endParaRPr lang="ru-RU" sz="1200" kern="1200" baseline="0" dirty="0">
               <a:solidFill>
                 <a:schemeClr val="tx1"/>
               </a:solidFill>
@@ -11481,7 +11660,7 @@
           <a:p>
             <a:pPr lvl="0"/>
             <a:r>
-              <a:rPr lang="ru-RU" sz="1200" kern="1200" baseline="0" dirty="0" smtClean="0">
+              <a:rPr lang="ru-RU" sz="1200" kern="1200" baseline="0" dirty="0">
                 <a:solidFill>
                   <a:schemeClr val="tx1"/>
                 </a:solidFill>
@@ -11493,7 +11672,7 @@
               <a:t>В веб-приложениях про </a:t>
             </a:r>
             <a:r>
-              <a:rPr lang="ru-RU" sz="1200" kern="1200" baseline="0" dirty="0" err="1" smtClean="0">
+              <a:rPr lang="ru-RU" sz="1200" kern="1200" baseline="0" dirty="0" err="1">
                 <a:solidFill>
                   <a:schemeClr val="tx1"/>
                 </a:solidFill>
@@ -11505,7 +11684,7 @@
               <a:t>консистентность</a:t>
             </a:r>
             <a:r>
-              <a:rPr lang="ru-RU" sz="1200" kern="1200" baseline="0" dirty="0" smtClean="0">
+              <a:rPr lang="ru-RU" sz="1200" kern="1200" baseline="0" dirty="0">
                 <a:solidFill>
                   <a:schemeClr val="tx1"/>
                 </a:solidFill>
@@ -11520,7 +11699,7 @@
           <a:p>
             <a:pPr lvl="0"/>
             <a:r>
-              <a:rPr lang="ru-RU" sz="1200" kern="1200" baseline="0" dirty="0" smtClean="0">
+              <a:rPr lang="ru-RU" sz="1200" kern="1200" baseline="0" dirty="0">
                 <a:solidFill>
                   <a:schemeClr val="tx1"/>
                 </a:solidFill>
@@ -11532,7 +11711,7 @@
               <a:t>То, что </a:t>
             </a:r>
             <a:r>
-              <a:rPr lang="ru-RU" sz="1200" kern="1200" baseline="0" dirty="0" err="1" smtClean="0">
+              <a:rPr lang="ru-RU" sz="1200" kern="1200" baseline="0" dirty="0" err="1">
                 <a:solidFill>
                   <a:schemeClr val="tx1"/>
                 </a:solidFill>
@@ -11544,7 +11723,7 @@
               <a:t>наконфигуровано</a:t>
             </a:r>
             <a:r>
-              <a:rPr lang="ru-RU" sz="1200" kern="1200" baseline="0" dirty="0" smtClean="0">
+              <a:rPr lang="ru-RU" sz="1200" kern="1200" baseline="0" dirty="0">
                 <a:solidFill>
                   <a:schemeClr val="tx1"/>
                 </a:solidFill>
@@ -11556,7 +11735,7 @@
               <a:t> как </a:t>
             </a:r>
             <a:r>
-              <a:rPr lang="en-US" sz="1200" kern="1200" baseline="0" dirty="0" smtClean="0">
+              <a:rPr lang="en-US" sz="1200" kern="1200" baseline="0" dirty="0">
                 <a:solidFill>
                   <a:schemeClr val="tx1"/>
                 </a:solidFill>
@@ -11568,7 +11747,7 @@
               <a:t>Singleton </a:t>
             </a:r>
             <a:r>
-              <a:rPr lang="ru-RU" sz="1200" kern="1200" baseline="0" dirty="0" smtClean="0">
+              <a:rPr lang="ru-RU" sz="1200" kern="1200" baseline="0" dirty="0">
                 <a:solidFill>
                   <a:schemeClr val="tx1"/>
                 </a:solidFill>
@@ -11580,7 +11759,7 @@
               <a:t>или </a:t>
             </a:r>
             <a:r>
-              <a:rPr lang="en-US" sz="1200" kern="1200" baseline="0" dirty="0" smtClean="0">
+              <a:rPr lang="en-US" sz="1200" kern="1200" baseline="0" dirty="0">
                 <a:solidFill>
                   <a:schemeClr val="tx1"/>
                 </a:solidFill>
@@ -11592,7 +11771,7 @@
               <a:t>Lifetime </a:t>
             </a:r>
             <a:r>
-              <a:rPr lang="ru-RU" sz="1200" kern="1200" baseline="0" dirty="0" smtClean="0">
+              <a:rPr lang="ru-RU" sz="1200" kern="1200" baseline="0" dirty="0">
                 <a:solidFill>
                   <a:schemeClr val="tx1"/>
                 </a:solidFill>
@@ -11604,7 +11783,7 @@
               <a:t>–объекты в </a:t>
             </a:r>
             <a:r>
-              <a:rPr lang="en-US" sz="1200" kern="1200" baseline="0" dirty="0" smtClean="0">
+              <a:rPr lang="en-US" sz="1200" kern="1200" baseline="0" dirty="0">
                 <a:solidFill>
                   <a:schemeClr val="tx1"/>
                 </a:solidFill>
@@ -11616,7 +11795,7 @@
               <a:t>DI </a:t>
             </a:r>
             <a:r>
-              <a:rPr lang="ru-RU" sz="1200" kern="1200" baseline="0" dirty="0" smtClean="0">
+              <a:rPr lang="ru-RU" sz="1200" kern="1200" baseline="0" dirty="0">
                 <a:solidFill>
                   <a:schemeClr val="tx1"/>
                 </a:solidFill>
@@ -11628,7 +11807,7 @@
               <a:t>контейнере</a:t>
             </a:r>
             <a:r>
-              <a:rPr lang="en-US" sz="1200" kern="1200" baseline="0" dirty="0" smtClean="0">
+              <a:rPr lang="en-US" sz="1200" kern="1200" baseline="0" dirty="0">
                 <a:solidFill>
                   <a:schemeClr val="tx1"/>
                 </a:solidFill>
@@ -11640,7 +11819,7 @@
               <a:t> (</a:t>
             </a:r>
             <a:r>
-              <a:rPr lang="ru-RU" sz="1200" kern="1200" baseline="0" dirty="0" smtClean="0">
+              <a:rPr lang="ru-RU" sz="1200" kern="1200" baseline="0" dirty="0">
                 <a:solidFill>
                   <a:schemeClr val="tx1"/>
                 </a:solidFill>
@@ -11744,51 +11923,51 @@
           <a:lstStyle/>
           <a:p>
             <a:r>
-              <a:rPr lang="ru-RU" dirty="0" smtClean="0"/>
+              <a:rPr lang="ru-RU" dirty="0"/>
               <a:t>Самое распространенное исключение – </a:t>
             </a:r>
             <a:r>
-              <a:rPr lang="en-US" dirty="0" smtClean="0"/>
+              <a:rPr lang="en-US" dirty="0"/>
               <a:t>NRE, </a:t>
             </a:r>
             <a:r>
-              <a:rPr lang="ru-RU" dirty="0" smtClean="0"/>
+              <a:rPr lang="ru-RU" dirty="0"/>
               <a:t>поэтому</a:t>
             </a:r>
             <a:r>
-              <a:rPr lang="ru-RU" baseline="0" dirty="0" smtClean="0"/>
+              <a:rPr lang="ru-RU" baseline="0" dirty="0"/>
               <a:t> обратим на него особое внимание.</a:t>
             </a:r>
-            <a:endParaRPr lang="ru-RU" dirty="0" smtClean="0"/>
-          </a:p>
-          <a:p>
-            <a:r>
-              <a:rPr lang="en-US" dirty="0" smtClean="0"/>
+            <a:endParaRPr lang="ru-RU" dirty="0"/>
+          </a:p>
+          <a:p>
+            <a:r>
+              <a:rPr lang="en-US" dirty="0"/>
               <a:t>Maybe</a:t>
             </a:r>
             <a:r>
-              <a:rPr lang="en-US" baseline="0" dirty="0" smtClean="0"/>
+              <a:rPr lang="en-US" baseline="0" dirty="0"/>
               <a:t> – </a:t>
             </a:r>
             <a:r>
-              <a:rPr lang="ru-RU" baseline="0" dirty="0" smtClean="0"/>
+              <a:rPr lang="ru-RU" baseline="0" dirty="0"/>
               <a:t>в следующем блоке</a:t>
             </a:r>
           </a:p>
           <a:p>
-            <a:endParaRPr lang="ru-RU" baseline="0" dirty="0" smtClean="0"/>
-          </a:p>
-          <a:p>
-            <a:r>
-              <a:rPr lang="ru-RU" baseline="0" dirty="0" smtClean="0"/>
+            <a:endParaRPr lang="ru-RU" baseline="0" dirty="0"/>
+          </a:p>
+          <a:p>
+            <a:r>
+              <a:rPr lang="ru-RU" baseline="0" dirty="0"/>
               <a:t>Именование – если </a:t>
             </a:r>
             <a:r>
-              <a:rPr lang="en-US" baseline="0" dirty="0" smtClean="0"/>
+              <a:rPr lang="en-US" baseline="0" dirty="0"/>
               <a:t>Get – </a:t>
             </a:r>
             <a:r>
-              <a:rPr lang="ru-RU" baseline="0" dirty="0" smtClean="0"/>
+              <a:rPr lang="ru-RU" baseline="0" dirty="0"/>
               <a:t>он не должен вернуть нал</a:t>
             </a:r>
             <a:endParaRPr lang="ru-RU" dirty="0"/>
@@ -11876,40 +12055,39 @@
           <a:lstStyle/>
           <a:p>
             <a:r>
-              <a:rPr lang="ru-RU" dirty="0" smtClean="0"/>
+              <a:rPr lang="ru-RU" dirty="0"/>
               <a:t>Никогда</a:t>
             </a:r>
             <a:r>
-              <a:rPr lang="ru-RU" baseline="0" dirty="0" smtClean="0"/>
+              <a:rPr lang="ru-RU" baseline="0" dirty="0"/>
               <a:t> не возвращай </a:t>
             </a:r>
             <a:r>
-              <a:rPr lang="en-US" baseline="0" dirty="0" smtClean="0"/>
+              <a:rPr lang="en-US" baseline="0" dirty="0"/>
               <a:t>null! </a:t>
             </a:r>
             <a:r>
-              <a:rPr lang="ru-RU" baseline="0" dirty="0" smtClean="0"/>
+              <a:rPr lang="ru-RU" baseline="0" dirty="0"/>
               <a:t>Но если очень хочется – давайте явно отражать это в названии метода.</a:t>
             </a:r>
-            <a:endParaRPr lang="ru-RU" dirty="0" smtClean="0"/>
-          </a:p>
-          <a:p>
-            <a:r>
-              <a:rPr lang="ru-RU" dirty="0" smtClean="0"/>
+            <a:endParaRPr lang="ru-RU" dirty="0"/>
+          </a:p>
+          <a:p>
+            <a:r>
+              <a:rPr lang="ru-RU" dirty="0"/>
               <a:t>Давайте придумаем, как называть методы, чтобы понимать,</a:t>
             </a:r>
             <a:r>
-              <a:rPr lang="ru-RU" baseline="0" dirty="0" smtClean="0"/>
+              <a:rPr lang="ru-RU" baseline="0" dirty="0"/>
               <a:t> ошибка это или нет.</a:t>
             </a:r>
-            <a:endParaRPr lang="ru-RU" dirty="0" smtClean="0"/>
-          </a:p>
-          <a:p>
-            <a:r>
-              <a:rPr lang="ru-RU" dirty="0" smtClean="0"/>
+            <a:endParaRPr lang="ru-RU" dirty="0"/>
+          </a:p>
+          <a:p>
+            <a:r>
+              <a:rPr lang="ru-RU" dirty="0"/>
               <a:t>Правильные параметры помогают  предусмотреть такие исключения</a:t>
             </a:r>
-            <a:endParaRPr lang="ru-RU" dirty="0"/>
           </a:p>
         </p:txBody>
       </p:sp>
@@ -11994,30 +12172,30 @@
           <a:lstStyle/>
           <a:p>
             <a:r>
-              <a:rPr lang="ru-RU" dirty="0" err="1" smtClean="0"/>
+              <a:rPr lang="ru-RU" dirty="0" err="1"/>
               <a:t>Интерактив</a:t>
             </a:r>
-            <a:endParaRPr lang="ru-RU" dirty="0" smtClean="0"/>
-          </a:p>
-          <a:p>
-            <a:r>
-              <a:rPr lang="ru-RU" dirty="0" smtClean="0"/>
+            <a:endParaRPr lang="ru-RU" dirty="0"/>
+          </a:p>
+          <a:p>
+            <a:r>
+              <a:rPr lang="ru-RU" dirty="0"/>
               <a:t>Бывает, бизнес-логика или реальный мир предполагает исключения, тогда быстро</a:t>
             </a:r>
             <a:r>
-              <a:rPr lang="ru-RU" baseline="0" dirty="0" smtClean="0"/>
+              <a:rPr lang="ru-RU" baseline="0" dirty="0"/>
               <a:t> перехватываем и обрабатываем их</a:t>
             </a:r>
           </a:p>
           <a:p>
             <a:r>
-              <a:rPr lang="ru-RU" baseline="0" dirty="0" smtClean="0"/>
+              <a:rPr lang="ru-RU" baseline="0" dirty="0"/>
               <a:t>Пример кода с конкретизированными исключениями?</a:t>
             </a:r>
           </a:p>
           <a:p>
             <a:r>
-              <a:rPr lang="ru-RU" baseline="0" dirty="0" smtClean="0"/>
+              <a:rPr lang="ru-RU" baseline="0" dirty="0"/>
               <a:t>Особые виды исключений, которые разработчику захочется обрабатывать общим образом?</a:t>
             </a:r>
             <a:endParaRPr lang="ru-RU" dirty="0"/>
@@ -12105,17 +12283,17 @@
           <a:lstStyle/>
           <a:p>
             <a:r>
-              <a:rPr lang="ru-RU" dirty="0" smtClean="0"/>
+              <a:rPr lang="ru-RU" dirty="0"/>
               <a:t>Х300</a:t>
             </a:r>
             <a:r>
-              <a:rPr lang="ru-RU" baseline="0" dirty="0" smtClean="0"/>
+              <a:rPr lang="ru-RU" baseline="0" dirty="0"/>
               <a:t> – медленнее в 300 раз</a:t>
             </a:r>
           </a:p>
           <a:p>
             <a:r>
-              <a:rPr lang="ru-RU" baseline="0" dirty="0" smtClean="0"/>
+              <a:rPr lang="ru-RU" baseline="0" dirty="0"/>
               <a:t>То есть, если ситуация частая – это очень дорого</a:t>
             </a:r>
           </a:p>
@@ -12124,7 +12302,7 @@
               <a:buAutoNum type="arabicPeriod"/>
             </a:pPr>
             <a:r>
-              <a:rPr lang="ru-RU" baseline="0" dirty="0" smtClean="0"/>
+              <a:rPr lang="ru-RU" baseline="0" dirty="0"/>
               <a:t>Потому что прерывание скомпилированного кода</a:t>
             </a:r>
           </a:p>
@@ -12133,14 +12311,14 @@
               <a:buAutoNum type="arabicPeriod"/>
             </a:pPr>
             <a:r>
-              <a:rPr lang="ru-RU" baseline="0" dirty="0" smtClean="0"/>
+              <a:rPr lang="ru-RU" baseline="0" dirty="0"/>
               <a:t>Потому что нужно генерировать килобайтный стек-</a:t>
             </a:r>
             <a:r>
-              <a:rPr lang="ru-RU" baseline="0" dirty="0" err="1" smtClean="0"/>
+              <a:rPr lang="ru-RU" baseline="0" dirty="0" err="1"/>
               <a:t>трейс</a:t>
             </a:r>
-            <a:endParaRPr lang="ru-RU" baseline="0" dirty="0" smtClean="0"/>
+            <a:endParaRPr lang="ru-RU" baseline="0" dirty="0"/>
           </a:p>
           <a:p>
             <a:endParaRPr lang="ru-RU" dirty="0"/>
@@ -16266,7 +16444,19 @@
               <a:rPr lang="en-US" dirty="0">
                 <a:hlinkClick r:id="rId3"/>
               </a:rPr>
-              <a:t>https://github.com/kontur-csharper/</a:t>
+              <a:t>https://github.com/</a:t>
+            </a:r>
+            <a:r>
+              <a:rPr lang="en-US" dirty="0">
+                <a:hlinkClick r:id="rId4"/>
+              </a:rPr>
+              <a:t>kontur-courses</a:t>
+            </a:r>
+            <a:r>
+              <a:rPr lang="en-US" dirty="0">
+                <a:hlinkClick r:id="rId3"/>
+              </a:rPr>
+              <a:t>/</a:t>
             </a:r>
             <a:r>
               <a:rPr lang="en-US" b="1" dirty="0">
@@ -16277,40 +16467,6 @@
             <a:endParaRPr lang="en-US" b="1" dirty="0"/>
           </a:p>
           <a:p>
-            <a:endParaRPr lang="en-US" dirty="0"/>
-          </a:p>
-        </p:txBody>
-      </p:sp>
-      <p:sp>
-        <p:nvSpPr>
-          <p:cNvPr id="3" name="Текст 2"/>
-          <p:cNvSpPr>
-            <a:spLocks noGrp="1"/>
-          </p:cNvSpPr>
-          <p:nvPr>
-            <p:ph type="body" sz="quarter" idx="11"/>
-          </p:nvPr>
-        </p:nvSpPr>
-        <p:spPr>
-          <a:xfrm>
-            <a:off x="4367213" y="5229225"/>
-            <a:ext cx="6529387" cy="439738"/>
-          </a:xfrm>
-        </p:spPr>
-        <p:txBody>
-          <a:bodyPr/>
-          <a:lstStyle/>
-          <a:p>
-            <a:r>
-              <a:rPr lang="ru-RU" dirty="0" smtClean="0"/>
-              <a:t>Полина Зонова</a:t>
-            </a:r>
-          </a:p>
-          <a:p>
-            <a:r>
-              <a:rPr lang="ru-RU" dirty="0" smtClean="0"/>
-              <a:t>Евгений Пешков</a:t>
-            </a:r>
             <a:endParaRPr lang="en-US" dirty="0"/>
           </a:p>
         </p:txBody>
@@ -16324,7 +16480,7 @@
           <p:nvPr/>
         </p:nvPicPr>
         <p:blipFill>
-          <a:blip r:embed="rId4" cstate="print">
+          <a:blip r:embed="rId5" cstate="print">
             <a:extLst>
               <a:ext uri="{28A0092B-C50C-407E-A947-70E740481C1C}">
                 <a14:useLocalDpi xmlns:a14="http://schemas.microsoft.com/office/drawing/2010/main" val="0"/>
@@ -16358,13 +16514,6 @@
   <p:clrMapOvr>
     <a:masterClrMapping/>
   </p:clrMapOvr>
-  <p:timing>
-    <p:tnLst>
-      <p:par>
-        <p:cTn id="1" dur="indefinite" restart="never" nodeType="tmRoot"/>
-      </p:par>
-    </p:tnLst>
-  </p:timing>
 </p:sld>
 </file>
 
@@ -17883,13 +18032,6 @@
   <p:clrMapOvr>
     <a:masterClrMapping/>
   </p:clrMapOvr>
-  <p:timing>
-    <p:tnLst>
-      <p:par>
-        <p:cTn id="1" dur="indefinite" restart="never" nodeType="tmRoot"/>
-      </p:par>
-    </p:tnLst>
-  </p:timing>
 </p:sld>
 </file>
 
@@ -17947,13 +18089,6 @@
   <p:clrMapOvr>
     <a:masterClrMapping/>
   </p:clrMapOvr>
-  <p:timing>
-    <p:tnLst>
-      <p:par>
-        <p:cTn id="1" dur="indefinite" restart="never" nodeType="tmRoot"/>
-      </p:par>
-    </p:tnLst>
-  </p:timing>
 </p:sld>
 </file>
 
@@ -18422,13 +18557,6 @@
   <p:clrMapOvr>
     <a:masterClrMapping/>
   </p:clrMapOvr>
-  <p:timing>
-    <p:tnLst>
-      <p:par>
-        <p:cTn id="1" dur="indefinite" restart="never" nodeType="tmRoot"/>
-      </p:par>
-    </p:tnLst>
-  </p:timing>
 </p:sld>
 </file>
 
@@ -18777,13 +18905,6 @@
   <p:clrMapOvr>
     <a:masterClrMapping/>
   </p:clrMapOvr>
-  <p:timing>
-    <p:tnLst>
-      <p:par>
-        <p:cTn id="1" dur="indefinite" restart="never" nodeType="tmRoot"/>
-      </p:par>
-    </p:tnLst>
-  </p:timing>
 </p:sld>
 </file>
 
@@ -19233,13 +19354,6 @@
   <p:clrMapOvr>
     <a:masterClrMapping/>
   </p:clrMapOvr>
-  <p:timing>
-    <p:tnLst>
-      <p:par>
-        <p:cTn id="1" dur="indefinite" restart="never" nodeType="tmRoot"/>
-      </p:par>
-    </p:tnLst>
-  </p:timing>
 </p:sld>
 </file>
 
@@ -19651,13 +19765,6 @@
   <p:clrMapOvr>
     <a:masterClrMapping/>
   </p:clrMapOvr>
-  <p:timing>
-    <p:tnLst>
-      <p:par>
-        <p:cTn id="1" dur="indefinite" restart="never" nodeType="tmRoot"/>
-      </p:par>
-    </p:tnLst>
-  </p:timing>
 </p:sld>
 </file>
 
@@ -19976,13 +20083,6 @@
   <p:clrMapOvr>
     <a:masterClrMapping/>
   </p:clrMapOvr>
-  <p:timing>
-    <p:tnLst>
-      <p:par>
-        <p:cTn id="1" dur="indefinite" restart="never" nodeType="tmRoot"/>
-      </p:par>
-    </p:tnLst>
-  </p:timing>
 </p:sld>
 </file>
 
@@ -20030,7 +20130,7 @@
               <a:buChar char="•"/>
             </a:pPr>
             <a:r>
-              <a:rPr lang="en-US" dirty="0" err="1" smtClean="0">
+              <a:rPr lang="en-US" dirty="0" err="1">
                 <a:solidFill>
                   <a:srgbClr val="2B91AF"/>
                 </a:solidFill>
@@ -20039,13 +20139,13 @@
               <a:t>AppDomain</a:t>
             </a:r>
             <a:r>
-              <a:rPr lang="en-US" dirty="0" err="1" smtClean="0">
+              <a:rPr lang="en-US" dirty="0" err="1">
                 <a:latin typeface="+mn-lt"/>
               </a:rPr>
               <a:t>.CurrentDomain.</a:t>
             </a:r>
             <a:r>
-              <a:rPr lang="en-US" dirty="0" err="1" smtClean="0">
+              <a:rPr lang="en-US" dirty="0" err="1">
                 <a:solidFill>
                   <a:srgbClr val="FF5DFF"/>
                 </a:solidFill>
@@ -20062,30 +20162,13 @@
                 </a:solidFill>
                 <a:latin typeface="+mn-lt"/>
               </a:rPr>
-              <a:t> </a:t>
-            </a:r>
-            <a:r>
-              <a:rPr lang="en-US" dirty="0" smtClean="0">
-                <a:solidFill>
-                  <a:schemeClr val="bg2">
-                    <a:lumMod val="75000"/>
-                  </a:schemeClr>
-                </a:solidFill>
-                <a:latin typeface="+mn-lt"/>
-              </a:rPr>
-              <a:t>                        	</a:t>
-            </a:r>
-            <a:r>
-              <a:rPr lang="en-US" dirty="0" smtClean="0">
-                <a:latin typeface="+mn-lt"/>
-              </a:rPr>
-              <a:t>+= </a:t>
+              <a:t>                         	</a:t>
             </a:r>
             <a:r>
               <a:rPr lang="en-US" dirty="0">
                 <a:latin typeface="+mn-lt"/>
               </a:rPr>
-              <a:t>(_, </a:t>
+              <a:t>+= (_, </a:t>
             </a:r>
             <a:r>
               <a:rPr lang="en-US" dirty="0" err="1">
@@ -20097,27 +20180,21 @@
               <a:rPr lang="en-US" dirty="0">
                 <a:latin typeface="+mn-lt"/>
               </a:rPr>
-              <a:t>) =&gt; </a:t>
-            </a:r>
-            <a:r>
-              <a:rPr lang="en-US" dirty="0" smtClean="0">
+              <a:t>) =&gt; Log(</a:t>
+            </a:r>
+            <a:r>
+              <a:rPr lang="en-US" dirty="0" err="1">
                 <a:latin typeface="+mn-lt"/>
               </a:rPr>
-              <a:t>Log(</a:t>
-            </a:r>
-            <a:r>
-              <a:rPr lang="en-US" dirty="0" err="1" smtClean="0">
+              <a:t>args.ExceptionObject</a:t>
+            </a:r>
+            <a:r>
+              <a:rPr lang="en-US" dirty="0">
                 <a:latin typeface="+mn-lt"/>
               </a:rPr>
-              <a:t>args.ExceptionObject</a:t>
-            </a:r>
-            <a:r>
-              <a:rPr lang="en-US" dirty="0" smtClean="0">
-                <a:latin typeface="+mn-lt"/>
-              </a:rPr>
               <a:t>);</a:t>
             </a:r>
-            <a:endParaRPr lang="en-US" b="1" dirty="0" smtClean="0">
+            <a:endParaRPr lang="en-US" b="1" dirty="0">
               <a:latin typeface="+mn-lt"/>
             </a:endParaRPr>
           </a:p>
@@ -20127,25 +20204,19 @@
               <a:buChar char="•"/>
             </a:pPr>
             <a:r>
-              <a:rPr lang="en-US" dirty="0" smtClean="0">
-                <a:latin typeface="+mn-lt"/>
-              </a:rPr>
-              <a:t>Windows Event Log Viewer </a:t>
-            </a:r>
-            <a:r>
               <a:rPr lang="en-US" dirty="0">
                 <a:latin typeface="+mn-lt"/>
               </a:rPr>
-              <a:t>(</a:t>
-            </a:r>
-            <a:r>
-              <a:rPr lang="en-US" dirty="0" err="1" smtClean="0">
+              <a:t>Windows Event Log Viewer (</a:t>
+            </a:r>
+            <a:r>
+              <a:rPr lang="en-US" dirty="0" err="1">
                 <a:latin typeface="+mn-lt"/>
               </a:rPr>
               <a:t>eventvwr</a:t>
             </a:r>
             <a:r>
-              <a:rPr lang="en-US" dirty="0" smtClean="0">
+              <a:rPr lang="en-US" dirty="0">
                 <a:latin typeface="+mn-lt"/>
               </a:rPr>
               <a:t>)</a:t>
@@ -20174,10 +20245,9 @@
           <a:lstStyle/>
           <a:p>
             <a:r>
-              <a:rPr lang="ru-RU" sz="3200" dirty="0" smtClean="0"/>
+              <a:rPr lang="ru-RU" sz="3200" dirty="0"/>
               <a:t>Как узнать о необработанном исключении</a:t>
             </a:r>
-            <a:endParaRPr lang="ru-RU" sz="3200" dirty="0"/>
           </a:p>
         </p:txBody>
       </p:sp>
@@ -20355,17 +20425,8 @@
             </a:lvl9pPr>
           </a:lstStyle>
           <a:p>
-            <a:r>
-              <a:rPr lang="en-US" sz="2000" dirty="0" smtClean="0">
-                <a:solidFill>
-                  <a:srgbClr val="000000"/>
-                </a:solidFill>
-                <a:latin typeface="Consolas" panose="020B0609020204030204" pitchFamily="49" charset="0"/>
-              </a:rPr>
-              <a:t/>
-            </a:r>
             <a:br>
-              <a:rPr lang="en-US" sz="2000" dirty="0" smtClean="0">
+              <a:rPr lang="en-US" sz="2000" dirty="0">
                 <a:solidFill>
                   <a:srgbClr val="000000"/>
                 </a:solidFill>
@@ -20550,17 +20611,8 @@
             </a:lvl9pPr>
           </a:lstStyle>
           <a:p>
-            <a:r>
-              <a:rPr lang="en-US" sz="2400" dirty="0" smtClean="0">
-                <a:solidFill>
-                  <a:srgbClr val="000000"/>
-                </a:solidFill>
-                <a:latin typeface="Consolas" panose="020B0609020204030204" pitchFamily="49" charset="0"/>
-              </a:rPr>
-              <a:t/>
-            </a:r>
             <a:br>
-              <a:rPr lang="en-US" sz="2400" dirty="0" smtClean="0">
+              <a:rPr lang="en-US" sz="2400" dirty="0">
                 <a:solidFill>
                   <a:srgbClr val="000000"/>
                 </a:solidFill>
@@ -21046,13 +21098,6 @@
   <p:clrMapOvr>
     <a:masterClrMapping/>
   </p:clrMapOvr>
-  <p:timing>
-    <p:tnLst>
-      <p:par>
-        <p:cTn id="1" dur="indefinite" restart="never" nodeType="tmRoot"/>
-      </p:par>
-    </p:tnLst>
-  </p:timing>
 </p:sld>
 </file>
 
@@ -21746,13 +21791,6 @@
   <p:clrMapOvr>
     <a:masterClrMapping/>
   </p:clrMapOvr>
-  <p:timing>
-    <p:tnLst>
-      <p:par>
-        <p:cTn id="1" dur="indefinite" restart="never" nodeType="tmRoot"/>
-      </p:par>
-    </p:tnLst>
-  </p:timing>
 </p:sld>
 </file>
 
@@ -22485,13 +22523,6 @@
   <p:clrMapOvr>
     <a:masterClrMapping/>
   </p:clrMapOvr>
-  <p:timing>
-    <p:tnLst>
-      <p:par>
-        <p:cTn id="1" dur="indefinite" restart="never" nodeType="tmRoot"/>
-      </p:par>
-    </p:tnLst>
-  </p:timing>
 </p:sld>
 </file>
 
@@ -22595,13 +22626,6 @@
   <p:clrMapOvr>
     <a:masterClrMapping/>
   </p:clrMapOvr>
-  <p:timing>
-    <p:tnLst>
-      <p:par>
-        <p:cTn id="1" dur="indefinite" restart="never" nodeType="tmRoot"/>
-      </p:par>
-    </p:tnLst>
-  </p:timing>
 </p:sld>
 </file>
 
@@ -22689,7 +22713,7 @@
           <a:lstStyle/>
           <a:p>
             <a:r>
-              <a:rPr lang="en-US" sz="2400" dirty="0" smtClean="0">
+              <a:rPr lang="en-US" sz="2400" dirty="0">
                 <a:solidFill>
                   <a:srgbClr val="2B91AF"/>
                 </a:solidFill>
@@ -22701,7 +22725,7 @@
               <a:t>Thread</a:t>
             </a:r>
             <a:r>
-              <a:rPr lang="en-US" sz="2400" dirty="0" smtClean="0">
+              <a:rPr lang="en-US" sz="2400" dirty="0">
                 <a:solidFill>
                   <a:srgbClr val="0000FF"/>
                 </a:solidFill>
@@ -22713,7 +22737,7 @@
               <a:t> </a:t>
             </a:r>
             <a:r>
-              <a:rPr lang="en-US" sz="2400" dirty="0" smtClean="0">
+              <a:rPr lang="en-US" sz="2400" dirty="0">
                 <a:highlight>
                   <a:srgbClr val="FFFFFF"/>
                 </a:highlight>
@@ -22722,7 +22746,7 @@
               <a:t>thread = </a:t>
             </a:r>
             <a:r>
-              <a:rPr lang="en-US" sz="2400" dirty="0" smtClean="0">
+              <a:rPr lang="en-US" sz="2400" dirty="0">
                 <a:solidFill>
                   <a:srgbClr val="0000FF"/>
                 </a:solidFill>
@@ -22734,7 +22758,7 @@
               <a:t>new </a:t>
             </a:r>
             <a:r>
-              <a:rPr lang="en-US" sz="2400" dirty="0" smtClean="0">
+              <a:rPr lang="en-US" sz="2400" dirty="0">
                 <a:solidFill>
                   <a:srgbClr val="2B91AF"/>
                 </a:solidFill>
@@ -22746,7 +22770,7 @@
               <a:t>Thread</a:t>
             </a:r>
             <a:r>
-              <a:rPr lang="en-US" sz="2400" dirty="0" smtClean="0">
+              <a:rPr lang="en-US" sz="2400" dirty="0">
                 <a:highlight>
                   <a:srgbClr val="FFFFFF"/>
                 </a:highlight>
@@ -22757,7 +22781,7 @@
           </a:p>
           <a:p>
             <a:r>
-              <a:rPr lang="en-US" sz="2400" dirty="0" err="1" smtClean="0">
+              <a:rPr lang="en-US" sz="2400" dirty="0" err="1">
                 <a:highlight>
                   <a:srgbClr val="FFFFFF"/>
                 </a:highlight>
@@ -22766,7 +22790,7 @@
               <a:t>thread.Start</a:t>
             </a:r>
             <a:r>
-              <a:rPr lang="en-US" sz="2400" dirty="0" smtClean="0">
+              <a:rPr lang="en-US" sz="2400" dirty="0">
                 <a:highlight>
                   <a:srgbClr val="FFFFFF"/>
                 </a:highlight>
@@ -22785,7 +22809,7 @@
             </a:endParaRPr>
           </a:p>
           <a:p>
-            <a:endParaRPr lang="en-US" sz="2400" dirty="0" smtClean="0">
+            <a:endParaRPr lang="en-US" sz="2400" dirty="0">
               <a:solidFill>
                 <a:srgbClr val="0000FF"/>
               </a:solidFill>
@@ -22796,7 +22820,7 @@
             </a:endParaRPr>
           </a:p>
           <a:p>
-            <a:endParaRPr lang="en-US" sz="2400" dirty="0" smtClean="0">
+            <a:endParaRPr lang="en-US" sz="2400" dirty="0">
               <a:solidFill>
                 <a:srgbClr val="0000FF"/>
               </a:solidFill>
@@ -22808,7 +22832,7 @@
           </a:p>
           <a:p>
             <a:r>
-              <a:rPr lang="en-US" sz="2400" dirty="0" smtClean="0">
+              <a:rPr lang="en-US" sz="2400" dirty="0">
                 <a:solidFill>
                   <a:srgbClr val="2B91AF"/>
                 </a:solidFill>
@@ -22820,7 +22844,7 @@
               <a:t>Task</a:t>
             </a:r>
             <a:r>
-              <a:rPr lang="en-US" sz="2400" dirty="0" smtClean="0">
+              <a:rPr lang="en-US" sz="2400" dirty="0">
                 <a:highlight>
                   <a:srgbClr val="FFFFFF"/>
                 </a:highlight>
@@ -22829,7 +22853,7 @@
               <a:t> task = </a:t>
             </a:r>
             <a:r>
-              <a:rPr lang="en-US" sz="2400" dirty="0" err="1" smtClean="0">
+              <a:rPr lang="en-US" sz="2400" dirty="0" err="1">
                 <a:solidFill>
                   <a:srgbClr val="2B91AF"/>
                 </a:solidFill>
@@ -22841,7 +22865,7 @@
               <a:t>Task</a:t>
             </a:r>
             <a:r>
-              <a:rPr lang="en-US" sz="2400" dirty="0" err="1" smtClean="0">
+              <a:rPr lang="en-US" sz="2400" dirty="0" err="1">
                 <a:highlight>
                   <a:srgbClr val="FFFFFF"/>
                 </a:highlight>
@@ -22850,7 +22874,7 @@
               <a:t>.Run</a:t>
             </a:r>
             <a:r>
-              <a:rPr lang="en-US" sz="2400" dirty="0" smtClean="0">
+              <a:rPr lang="en-US" sz="2400" dirty="0">
                 <a:highlight>
                   <a:srgbClr val="FFFFFF"/>
                 </a:highlight>
@@ -22870,7 +22894,7 @@
           </a:p>
           <a:p>
             <a:r>
-              <a:rPr lang="en-US" sz="2400" dirty="0" smtClean="0">
+              <a:rPr lang="en-US" sz="2400" dirty="0">
                 <a:solidFill>
                   <a:srgbClr val="2B91AF"/>
                 </a:solidFill>
@@ -22882,22 +22906,13 @@
               <a:t>Task&lt;T&gt;</a:t>
             </a:r>
             <a:r>
-              <a:rPr lang="en-US" sz="2400" dirty="0" smtClean="0">
-                <a:highlight>
-                  <a:srgbClr val="FFFFFF"/>
-                </a:highlight>
-                <a:latin typeface="Consolas" panose="020B0609020204030204" pitchFamily="49" charset="0"/>
-              </a:rPr>
-              <a:t> </a:t>
-            </a:r>
-            <a:r>
               <a:rPr lang="en-US" sz="2400" dirty="0">
                 <a:highlight>
                   <a:srgbClr val="FFFFFF"/>
                 </a:highlight>
                 <a:latin typeface="Consolas" panose="020B0609020204030204" pitchFamily="49" charset="0"/>
               </a:rPr>
-              <a:t>task = </a:t>
+              <a:t> task = </a:t>
             </a:r>
             <a:r>
               <a:rPr lang="en-US" sz="2400" dirty="0" err="1">
@@ -22930,7 +22945,7 @@
               <a:t>(() =&gt; </a:t>
             </a:r>
             <a:r>
-              <a:rPr lang="en-US" sz="2400" dirty="0" err="1" smtClean="0">
+              <a:rPr lang="en-US" sz="2400" dirty="0" err="1">
                 <a:highlight>
                   <a:srgbClr val="FFFFFF"/>
                 </a:highlight>
@@ -22939,7 +22954,7 @@
               <a:t>GetValue</a:t>
             </a:r>
             <a:r>
-              <a:rPr lang="en-US" sz="2400" dirty="0" smtClean="0">
+              <a:rPr lang="en-US" sz="2400" dirty="0">
                 <a:highlight>
                   <a:srgbClr val="FFFFFF"/>
                 </a:highlight>
@@ -22947,12 +22962,6 @@
               </a:rPr>
               <a:t>());</a:t>
             </a:r>
-            <a:endParaRPr lang="en-US" sz="2400" dirty="0">
-              <a:highlight>
-                <a:srgbClr val="FFFFFF"/>
-              </a:highlight>
-              <a:latin typeface="Consolas" panose="020B0609020204030204" pitchFamily="49" charset="0"/>
-            </a:endParaRPr>
           </a:p>
           <a:p>
             <a:pPr marL="0" indent="0">
@@ -23254,7 +23263,7 @@
           <a:lstStyle/>
           <a:p>
             <a:r>
-              <a:rPr lang="en-US" sz="2400" dirty="0" smtClean="0">
+              <a:rPr lang="en-US" sz="2400" dirty="0">
                 <a:solidFill>
                   <a:srgbClr val="0000FF"/>
                 </a:solidFill>
@@ -23266,7 +23275,7 @@
               <a:t>public</a:t>
             </a:r>
             <a:r>
-              <a:rPr lang="en-US" sz="2400" dirty="0" smtClean="0">
+              <a:rPr lang="en-US" sz="2400" dirty="0">
                 <a:solidFill>
                   <a:srgbClr val="000000"/>
                 </a:solidFill>
@@ -23299,22 +23308,10 @@
                 </a:highlight>
                 <a:latin typeface="Consolas" panose="020B0609020204030204" pitchFamily="49" charset="0"/>
               </a:rPr>
-              <a:t> </a:t>
-            </a:r>
-            <a:r>
-              <a:rPr lang="en-US" sz="2400" dirty="0" smtClean="0">
-                <a:solidFill>
-                  <a:srgbClr val="000000"/>
-                </a:solidFill>
-                <a:highlight>
-                  <a:srgbClr val="FFFFFF"/>
-                </a:highlight>
-                <a:latin typeface="Consolas" panose="020B0609020204030204" pitchFamily="49" charset="0"/>
-              </a:rPr>
-              <a:t>Work(</a:t>
-            </a:r>
-            <a:r>
-              <a:rPr lang="en-US" sz="2400" dirty="0" smtClean="0">
+              <a:t> Work(</a:t>
+            </a:r>
+            <a:r>
+              <a:rPr lang="en-US" sz="2400" dirty="0">
                 <a:solidFill>
                   <a:srgbClr val="2B91AF"/>
                 </a:solidFill>
@@ -23326,18 +23323,6 @@
               <a:t>Data</a:t>
             </a:r>
             <a:r>
-              <a:rPr lang="en-US" sz="2400" dirty="0" smtClean="0">
-                <a:solidFill>
-                  <a:srgbClr val="000000"/>
-                </a:solidFill>
-                <a:highlight>
-                  <a:srgbClr val="FFFFFF"/>
-                </a:highlight>
-                <a:latin typeface="Consolas" panose="020B0609020204030204" pitchFamily="49" charset="0"/>
-              </a:rPr>
-              <a:t> </a:t>
-            </a:r>
-            <a:r>
               <a:rPr lang="en-US" sz="2400" dirty="0">
                 <a:solidFill>
                   <a:srgbClr val="000000"/>
@@ -23347,7 +23332,7 @@
                 </a:highlight>
                 <a:latin typeface="Consolas" panose="020B0609020204030204" pitchFamily="49" charset="0"/>
               </a:rPr>
-              <a:t>d) </a:t>
+              <a:t> d) </a:t>
             </a:r>
             <a:r>
               <a:rPr lang="ru-RU" sz="2400" dirty="0">
@@ -23423,7 +23408,7 @@
               <a:t>		</a:t>
             </a:r>
             <a:r>
-              <a:rPr lang="en-US" sz="2400" dirty="0" err="1" smtClean="0">
+              <a:rPr lang="en-US" sz="2400" dirty="0" err="1">
                 <a:solidFill>
                   <a:srgbClr val="2B91AF"/>
                 </a:solidFill>
@@ -23435,7 +23420,7 @@
               <a:t>Task</a:t>
             </a:r>
             <a:r>
-              <a:rPr lang="en-US" sz="2400" dirty="0" err="1" smtClean="0">
+              <a:rPr lang="en-US" sz="2400" dirty="0" err="1">
                 <a:solidFill>
                   <a:srgbClr val="000000"/>
                 </a:solidFill>
@@ -23447,7 +23432,7 @@
               <a:t>.Run</a:t>
             </a:r>
             <a:r>
-              <a:rPr lang="en-US" sz="2400" dirty="0" smtClean="0">
+              <a:rPr lang="en-US" sz="2400" dirty="0">
                 <a:solidFill>
                   <a:srgbClr val="000000"/>
                 </a:solidFill>
@@ -23459,7 +23444,7 @@
               <a:t>(() =&gt; Process(d)); </a:t>
             </a:r>
             <a:r>
-              <a:rPr lang="en-US" sz="2400" dirty="0" smtClean="0">
+              <a:rPr lang="en-US" sz="2400" dirty="0">
                 <a:solidFill>
                   <a:srgbClr val="008000"/>
                 </a:solidFill>
@@ -23469,6 +23454,326 @@
                 <a:latin typeface="Consolas" panose="020B0609020204030204" pitchFamily="49" charset="0"/>
               </a:rPr>
               <a:t>// &lt;-- Task</a:t>
+            </a:r>
+          </a:p>
+          <a:p>
+            <a:r>
+              <a:rPr lang="en-US" sz="2400" dirty="0">
+                <a:solidFill>
+                  <a:srgbClr val="000000"/>
+                </a:solidFill>
+                <a:highlight>
+                  <a:srgbClr val="FFFFFF"/>
+                </a:highlight>
+                <a:latin typeface="Consolas" panose="020B0609020204030204" pitchFamily="49" charset="0"/>
+              </a:rPr>
+              <a:t>	}</a:t>
+            </a:r>
+          </a:p>
+          <a:p>
+            <a:r>
+              <a:rPr lang="en-US" sz="2400" dirty="0">
+                <a:solidFill>
+                  <a:srgbClr val="000000"/>
+                </a:solidFill>
+                <a:highlight>
+                  <a:srgbClr val="FFFFFF"/>
+                </a:highlight>
+                <a:latin typeface="Consolas" panose="020B0609020204030204" pitchFamily="49" charset="0"/>
+              </a:rPr>
+              <a:t>	</a:t>
+            </a:r>
+            <a:r>
+              <a:rPr lang="en-US" sz="2400" dirty="0">
+                <a:solidFill>
+                  <a:srgbClr val="0000FF"/>
+                </a:solidFill>
+                <a:highlight>
+                  <a:srgbClr val="FFFFFF"/>
+                </a:highlight>
+                <a:latin typeface="Consolas" panose="020B0609020204030204" pitchFamily="49" charset="0"/>
+              </a:rPr>
+              <a:t>catch</a:t>
+            </a:r>
+            <a:r>
+              <a:rPr lang="en-US" sz="2400" dirty="0">
+                <a:solidFill>
+                  <a:srgbClr val="000000"/>
+                </a:solidFill>
+                <a:highlight>
+                  <a:srgbClr val="FFFFFF"/>
+                </a:highlight>
+                <a:latin typeface="Consolas" panose="020B0609020204030204" pitchFamily="49" charset="0"/>
+              </a:rPr>
+              <a:t> (</a:t>
+            </a:r>
+            <a:r>
+              <a:rPr lang="en-US" sz="2400" dirty="0">
+                <a:solidFill>
+                  <a:srgbClr val="2B91AF"/>
+                </a:solidFill>
+                <a:highlight>
+                  <a:srgbClr val="FFFFFF"/>
+                </a:highlight>
+                <a:latin typeface="Consolas" panose="020B0609020204030204" pitchFamily="49" charset="0"/>
+              </a:rPr>
+              <a:t>Exception</a:t>
+            </a:r>
+            <a:r>
+              <a:rPr lang="en-US" sz="2400" dirty="0">
+                <a:solidFill>
+                  <a:srgbClr val="000000"/>
+                </a:solidFill>
+                <a:highlight>
+                  <a:srgbClr val="FFFFFF"/>
+                </a:highlight>
+                <a:latin typeface="Consolas" panose="020B0609020204030204" pitchFamily="49" charset="0"/>
+              </a:rPr>
+              <a:t> e) {</a:t>
+            </a:r>
+          </a:p>
+          <a:p>
+            <a:r>
+              <a:rPr lang="en-US" sz="2400" dirty="0">
+                <a:solidFill>
+                  <a:srgbClr val="000000"/>
+                </a:solidFill>
+                <a:highlight>
+                  <a:srgbClr val="FFFFFF"/>
+                </a:highlight>
+                <a:latin typeface="Consolas" panose="020B0609020204030204" pitchFamily="49" charset="0"/>
+              </a:rPr>
+              <a:t>	}</a:t>
+            </a:r>
+          </a:p>
+          <a:p>
+            <a:r>
+              <a:rPr lang="ru-RU" sz="2400" dirty="0">
+                <a:solidFill>
+                  <a:srgbClr val="000000"/>
+                </a:solidFill>
+                <a:highlight>
+                  <a:srgbClr val="FFFFFF"/>
+                </a:highlight>
+                <a:latin typeface="Consolas" panose="020B0609020204030204" pitchFamily="49" charset="0"/>
+              </a:rPr>
+              <a:t>}</a:t>
+            </a:r>
+            <a:endParaRPr lang="en-US" sz="2400" dirty="0">
+              <a:solidFill>
+                <a:srgbClr val="000000"/>
+              </a:solidFill>
+              <a:highlight>
+                <a:srgbClr val="FFFFFF"/>
+              </a:highlight>
+              <a:latin typeface="Consolas" panose="020B0609020204030204" pitchFamily="49" charset="0"/>
+            </a:endParaRPr>
+          </a:p>
+          <a:p>
+            <a:r>
+              <a:rPr lang="en-US" sz="2400" dirty="0">
+                <a:solidFill>
+                  <a:srgbClr val="0000FF"/>
+                </a:solidFill>
+                <a:highlight>
+                  <a:srgbClr val="FFFFFF"/>
+                </a:highlight>
+                <a:latin typeface="Consolas" panose="020B0609020204030204" pitchFamily="49" charset="0"/>
+              </a:rPr>
+              <a:t>public</a:t>
+            </a:r>
+            <a:r>
+              <a:rPr lang="en-US" sz="2400" dirty="0">
+                <a:solidFill>
+                  <a:srgbClr val="000000"/>
+                </a:solidFill>
+                <a:highlight>
+                  <a:srgbClr val="FFFFFF"/>
+                </a:highlight>
+                <a:latin typeface="Consolas" panose="020B0609020204030204" pitchFamily="49" charset="0"/>
+              </a:rPr>
+              <a:t> </a:t>
+            </a:r>
+            <a:r>
+              <a:rPr lang="en-US" sz="2400" dirty="0">
+                <a:solidFill>
+                  <a:srgbClr val="0000FF"/>
+                </a:solidFill>
+                <a:highlight>
+                  <a:srgbClr val="FFFFFF"/>
+                </a:highlight>
+                <a:latin typeface="Consolas" panose="020B0609020204030204" pitchFamily="49" charset="0"/>
+              </a:rPr>
+              <a:t>void</a:t>
+            </a:r>
+            <a:r>
+              <a:rPr lang="en-US" sz="2400" dirty="0">
+                <a:solidFill>
+                  <a:srgbClr val="000000"/>
+                </a:solidFill>
+                <a:highlight>
+                  <a:srgbClr val="FFFFFF"/>
+                </a:highlight>
+                <a:latin typeface="Consolas" panose="020B0609020204030204" pitchFamily="49" charset="0"/>
+              </a:rPr>
+              <a:t> Work(</a:t>
+            </a:r>
+            <a:r>
+              <a:rPr lang="en-US" sz="2400" dirty="0">
+                <a:solidFill>
+                  <a:srgbClr val="2B91AF"/>
+                </a:solidFill>
+                <a:highlight>
+                  <a:srgbClr val="FFFFFF"/>
+                </a:highlight>
+                <a:latin typeface="Consolas" panose="020B0609020204030204" pitchFamily="49" charset="0"/>
+              </a:rPr>
+              <a:t>Data</a:t>
+            </a:r>
+            <a:r>
+              <a:rPr lang="en-US" sz="2400" dirty="0">
+                <a:solidFill>
+                  <a:srgbClr val="000000"/>
+                </a:solidFill>
+                <a:highlight>
+                  <a:srgbClr val="FFFFFF"/>
+                </a:highlight>
+                <a:latin typeface="Consolas" panose="020B0609020204030204" pitchFamily="49" charset="0"/>
+              </a:rPr>
+              <a:t> d) </a:t>
+            </a:r>
+            <a:r>
+              <a:rPr lang="ru-RU" sz="2400" dirty="0">
+                <a:solidFill>
+                  <a:srgbClr val="000000"/>
+                </a:solidFill>
+                <a:highlight>
+                  <a:srgbClr val="FFFFFF"/>
+                </a:highlight>
+                <a:latin typeface="Consolas" panose="020B0609020204030204" pitchFamily="49" charset="0"/>
+              </a:rPr>
+              <a:t>{</a:t>
+            </a:r>
+            <a:endParaRPr lang="en-US" sz="2400" dirty="0">
+              <a:solidFill>
+                <a:srgbClr val="000000"/>
+              </a:solidFill>
+              <a:highlight>
+                <a:srgbClr val="FFFFFF"/>
+              </a:highlight>
+              <a:latin typeface="Consolas" panose="020B0609020204030204" pitchFamily="49" charset="0"/>
+            </a:endParaRPr>
+          </a:p>
+          <a:p>
+            <a:r>
+              <a:rPr lang="en-US" sz="2400" dirty="0">
+                <a:solidFill>
+                  <a:srgbClr val="000000"/>
+                </a:solidFill>
+                <a:highlight>
+                  <a:srgbClr val="FFFFFF"/>
+                </a:highlight>
+                <a:latin typeface="Consolas" panose="020B0609020204030204" pitchFamily="49" charset="0"/>
+              </a:rPr>
+              <a:t>	</a:t>
+            </a:r>
+            <a:r>
+              <a:rPr lang="en-US" sz="2400" dirty="0" err="1">
+                <a:solidFill>
+                  <a:srgbClr val="2B91AF"/>
+                </a:solidFill>
+                <a:highlight>
+                  <a:srgbClr val="FFFFFF"/>
+                </a:highlight>
+                <a:latin typeface="Consolas" panose="020B0609020204030204" pitchFamily="49" charset="0"/>
+              </a:rPr>
+              <a:t>Task</a:t>
+            </a:r>
+            <a:r>
+              <a:rPr lang="en-US" sz="2400" dirty="0" err="1">
+                <a:solidFill>
+                  <a:srgbClr val="000000"/>
+                </a:solidFill>
+                <a:highlight>
+                  <a:srgbClr val="FFFFFF"/>
+                </a:highlight>
+                <a:latin typeface="Consolas" panose="020B0609020204030204" pitchFamily="49" charset="0"/>
+              </a:rPr>
+              <a:t>.Run</a:t>
+            </a:r>
+            <a:r>
+              <a:rPr lang="en-US" sz="2400" dirty="0">
+                <a:solidFill>
+                  <a:srgbClr val="000000"/>
+                </a:solidFill>
+                <a:highlight>
+                  <a:srgbClr val="FFFFFF"/>
+                </a:highlight>
+                <a:latin typeface="Consolas" panose="020B0609020204030204" pitchFamily="49" charset="0"/>
+              </a:rPr>
+              <a:t>(() =&gt; Process(d))</a:t>
+            </a:r>
+          </a:p>
+          <a:p>
+            <a:r>
+              <a:rPr lang="en-US" sz="2400" dirty="0">
+                <a:solidFill>
+                  <a:srgbClr val="000000"/>
+                </a:solidFill>
+                <a:highlight>
+                  <a:srgbClr val="FFFFFF"/>
+                </a:highlight>
+                <a:latin typeface="Consolas" panose="020B0609020204030204" pitchFamily="49" charset="0"/>
+              </a:rPr>
+              <a:t>         .</a:t>
+            </a:r>
+            <a:r>
+              <a:rPr lang="en-US" sz="2400" dirty="0" err="1">
+                <a:solidFill>
+                  <a:srgbClr val="000000"/>
+                </a:solidFill>
+                <a:highlight>
+                  <a:srgbClr val="FFFFFF"/>
+                </a:highlight>
+                <a:latin typeface="Consolas" panose="020B0609020204030204" pitchFamily="49" charset="0"/>
+              </a:rPr>
+              <a:t>ContinueWith</a:t>
+            </a:r>
+            <a:r>
+              <a:rPr lang="en-US" sz="2400" dirty="0">
+                <a:solidFill>
+                  <a:srgbClr val="000000"/>
+                </a:solidFill>
+                <a:highlight>
+                  <a:srgbClr val="FFFFFF"/>
+                </a:highlight>
+                <a:latin typeface="Consolas" panose="020B0609020204030204" pitchFamily="49" charset="0"/>
+              </a:rPr>
+              <a:t>(task =&gt; </a:t>
+            </a:r>
+            <a:r>
+              <a:rPr lang="en-US" sz="2400" dirty="0" err="1">
+                <a:solidFill>
+                  <a:srgbClr val="000000"/>
+                </a:solidFill>
+                <a:highlight>
+                  <a:srgbClr val="FFFFFF"/>
+                </a:highlight>
+                <a:latin typeface="Consolas" panose="020B0609020204030204" pitchFamily="49" charset="0"/>
+              </a:rPr>
+              <a:t>HandleExceptions</a:t>
+            </a:r>
+            <a:r>
+              <a:rPr lang="en-US" sz="2400" dirty="0">
+                <a:solidFill>
+                  <a:srgbClr val="000000"/>
+                </a:solidFill>
+                <a:highlight>
+                  <a:srgbClr val="FFFFFF"/>
+                </a:highlight>
+                <a:latin typeface="Consolas" panose="020B0609020204030204" pitchFamily="49" charset="0"/>
+              </a:rPr>
+              <a:t>(task));</a:t>
             </a:r>
             <a:endParaRPr lang="en-US" sz="2400" dirty="0">
               <a:solidFill>
@@ -23482,384 +23787,7 @@
           </a:p>
           <a:p>
             <a:r>
-              <a:rPr lang="en-US" sz="2400" dirty="0">
-                <a:solidFill>
-                  <a:srgbClr val="000000"/>
-                </a:solidFill>
-                <a:highlight>
-                  <a:srgbClr val="FFFFFF"/>
-                </a:highlight>
-                <a:latin typeface="Consolas" panose="020B0609020204030204" pitchFamily="49" charset="0"/>
-              </a:rPr>
-              <a:t>	}</a:t>
-            </a:r>
-          </a:p>
-          <a:p>
-            <a:r>
-              <a:rPr lang="en-US" sz="2400" dirty="0">
-                <a:solidFill>
-                  <a:srgbClr val="000000"/>
-                </a:solidFill>
-                <a:highlight>
-                  <a:srgbClr val="FFFFFF"/>
-                </a:highlight>
-                <a:latin typeface="Consolas" panose="020B0609020204030204" pitchFamily="49" charset="0"/>
-              </a:rPr>
-              <a:t>	</a:t>
-            </a:r>
-            <a:r>
-              <a:rPr lang="en-US" sz="2400" dirty="0">
-                <a:solidFill>
-                  <a:srgbClr val="0000FF"/>
-                </a:solidFill>
-                <a:highlight>
-                  <a:srgbClr val="FFFFFF"/>
-                </a:highlight>
-                <a:latin typeface="Consolas" panose="020B0609020204030204" pitchFamily="49" charset="0"/>
-              </a:rPr>
-              <a:t>catch</a:t>
-            </a:r>
-            <a:r>
-              <a:rPr lang="en-US" sz="2400" dirty="0">
-                <a:solidFill>
-                  <a:srgbClr val="000000"/>
-                </a:solidFill>
-                <a:highlight>
-                  <a:srgbClr val="FFFFFF"/>
-                </a:highlight>
-                <a:latin typeface="Consolas" panose="020B0609020204030204" pitchFamily="49" charset="0"/>
-              </a:rPr>
-              <a:t> </a:t>
-            </a:r>
-            <a:r>
-              <a:rPr lang="en-US" sz="2400" dirty="0" smtClean="0">
-                <a:solidFill>
-                  <a:srgbClr val="000000"/>
-                </a:solidFill>
-                <a:highlight>
-                  <a:srgbClr val="FFFFFF"/>
-                </a:highlight>
-                <a:latin typeface="Consolas" panose="020B0609020204030204" pitchFamily="49" charset="0"/>
-              </a:rPr>
-              <a:t>(</a:t>
-            </a:r>
-            <a:r>
-              <a:rPr lang="en-US" sz="2400" dirty="0" smtClean="0">
-                <a:solidFill>
-                  <a:srgbClr val="2B91AF"/>
-                </a:solidFill>
-                <a:highlight>
-                  <a:srgbClr val="FFFFFF"/>
-                </a:highlight>
-                <a:latin typeface="Consolas" panose="020B0609020204030204" pitchFamily="49" charset="0"/>
-              </a:rPr>
-              <a:t>Exception</a:t>
-            </a:r>
-            <a:r>
-              <a:rPr lang="en-US" sz="2400" dirty="0" smtClean="0">
-                <a:solidFill>
-                  <a:srgbClr val="000000"/>
-                </a:solidFill>
-                <a:highlight>
-                  <a:srgbClr val="FFFFFF"/>
-                </a:highlight>
-                <a:latin typeface="Consolas" panose="020B0609020204030204" pitchFamily="49" charset="0"/>
-              </a:rPr>
-              <a:t> </a:t>
-            </a:r>
-            <a:r>
-              <a:rPr lang="en-US" sz="2400" dirty="0">
-                <a:solidFill>
-                  <a:srgbClr val="000000"/>
-                </a:solidFill>
-                <a:highlight>
-                  <a:srgbClr val="FFFFFF"/>
-                </a:highlight>
-                <a:latin typeface="Consolas" panose="020B0609020204030204" pitchFamily="49" charset="0"/>
-              </a:rPr>
-              <a:t>e) {</a:t>
-            </a:r>
-          </a:p>
-          <a:p>
-            <a:r>
-              <a:rPr lang="en-US" sz="2400" dirty="0">
-                <a:solidFill>
-                  <a:srgbClr val="000000"/>
-                </a:solidFill>
-                <a:highlight>
-                  <a:srgbClr val="FFFFFF"/>
-                </a:highlight>
-                <a:latin typeface="Consolas" panose="020B0609020204030204" pitchFamily="49" charset="0"/>
-              </a:rPr>
-              <a:t>	}</a:t>
-            </a:r>
-          </a:p>
-          <a:p>
-            <a:r>
-              <a:rPr lang="ru-RU" sz="2400" dirty="0" smtClean="0">
-                <a:solidFill>
-                  <a:srgbClr val="000000"/>
-                </a:solidFill>
-                <a:highlight>
-                  <a:srgbClr val="FFFFFF"/>
-                </a:highlight>
-                <a:latin typeface="Consolas" panose="020B0609020204030204" pitchFamily="49" charset="0"/>
-              </a:rPr>
-              <a:t>}</a:t>
-            </a:r>
-            <a:endParaRPr lang="en-US" sz="2400" dirty="0">
-              <a:solidFill>
-                <a:srgbClr val="000000"/>
-              </a:solidFill>
-              <a:highlight>
-                <a:srgbClr val="FFFFFF"/>
-              </a:highlight>
-              <a:latin typeface="Consolas" panose="020B0609020204030204" pitchFamily="49" charset="0"/>
-            </a:endParaRPr>
-          </a:p>
-          <a:p>
-            <a:r>
-              <a:rPr lang="en-US" sz="2400" dirty="0">
-                <a:solidFill>
-                  <a:srgbClr val="0000FF"/>
-                </a:solidFill>
-                <a:highlight>
-                  <a:srgbClr val="FFFFFF"/>
-                </a:highlight>
-                <a:latin typeface="Consolas" panose="020B0609020204030204" pitchFamily="49" charset="0"/>
-              </a:rPr>
-              <a:t>public</a:t>
-            </a:r>
-            <a:r>
-              <a:rPr lang="en-US" sz="2400" dirty="0">
-                <a:solidFill>
-                  <a:srgbClr val="000000"/>
-                </a:solidFill>
-                <a:highlight>
-                  <a:srgbClr val="FFFFFF"/>
-                </a:highlight>
-                <a:latin typeface="Consolas" panose="020B0609020204030204" pitchFamily="49" charset="0"/>
-              </a:rPr>
-              <a:t> </a:t>
-            </a:r>
-            <a:r>
-              <a:rPr lang="en-US" sz="2400" dirty="0">
-                <a:solidFill>
-                  <a:srgbClr val="0000FF"/>
-                </a:solidFill>
-                <a:highlight>
-                  <a:srgbClr val="FFFFFF"/>
-                </a:highlight>
-                <a:latin typeface="Consolas" panose="020B0609020204030204" pitchFamily="49" charset="0"/>
-              </a:rPr>
-              <a:t>void</a:t>
-            </a:r>
-            <a:r>
-              <a:rPr lang="en-US" sz="2400" dirty="0">
-                <a:solidFill>
-                  <a:srgbClr val="000000"/>
-                </a:solidFill>
-                <a:highlight>
-                  <a:srgbClr val="FFFFFF"/>
-                </a:highlight>
-                <a:latin typeface="Consolas" panose="020B0609020204030204" pitchFamily="49" charset="0"/>
-              </a:rPr>
-              <a:t> Work(</a:t>
-            </a:r>
-            <a:r>
-              <a:rPr lang="en-US" sz="2400" dirty="0">
-                <a:solidFill>
-                  <a:srgbClr val="2B91AF"/>
-                </a:solidFill>
-                <a:highlight>
-                  <a:srgbClr val="FFFFFF"/>
-                </a:highlight>
-                <a:latin typeface="Consolas" panose="020B0609020204030204" pitchFamily="49" charset="0"/>
-              </a:rPr>
-              <a:t>Data</a:t>
-            </a:r>
-            <a:r>
-              <a:rPr lang="en-US" sz="2400" dirty="0">
-                <a:solidFill>
-                  <a:srgbClr val="000000"/>
-                </a:solidFill>
-                <a:highlight>
-                  <a:srgbClr val="FFFFFF"/>
-                </a:highlight>
-                <a:latin typeface="Consolas" panose="020B0609020204030204" pitchFamily="49" charset="0"/>
-              </a:rPr>
-              <a:t> d) </a:t>
-            </a:r>
-            <a:r>
-              <a:rPr lang="ru-RU" sz="2400" dirty="0" smtClean="0">
-                <a:solidFill>
-                  <a:srgbClr val="000000"/>
-                </a:solidFill>
-                <a:highlight>
-                  <a:srgbClr val="FFFFFF"/>
-                </a:highlight>
-                <a:latin typeface="Consolas" panose="020B0609020204030204" pitchFamily="49" charset="0"/>
-              </a:rPr>
-              <a:t>{</a:t>
-            </a:r>
-            <a:endParaRPr lang="en-US" sz="2400" dirty="0">
-              <a:solidFill>
-                <a:srgbClr val="000000"/>
-              </a:solidFill>
-              <a:highlight>
-                <a:srgbClr val="FFFFFF"/>
-              </a:highlight>
-              <a:latin typeface="Consolas" panose="020B0609020204030204" pitchFamily="49" charset="0"/>
-            </a:endParaRPr>
-          </a:p>
-          <a:p>
-            <a:r>
-              <a:rPr lang="en-US" sz="2400" dirty="0">
-                <a:solidFill>
-                  <a:srgbClr val="000000"/>
-                </a:solidFill>
-                <a:highlight>
-                  <a:srgbClr val="FFFFFF"/>
-                </a:highlight>
-                <a:latin typeface="Consolas" panose="020B0609020204030204" pitchFamily="49" charset="0"/>
-              </a:rPr>
-              <a:t>	</a:t>
-            </a:r>
-            <a:r>
-              <a:rPr lang="en-US" sz="2400" dirty="0" err="1" smtClean="0">
-                <a:solidFill>
-                  <a:srgbClr val="2B91AF"/>
-                </a:solidFill>
-                <a:highlight>
-                  <a:srgbClr val="FFFFFF"/>
-                </a:highlight>
-                <a:latin typeface="Consolas" panose="020B0609020204030204" pitchFamily="49" charset="0"/>
-              </a:rPr>
-              <a:t>Task</a:t>
-            </a:r>
-            <a:r>
-              <a:rPr lang="en-US" sz="2400" dirty="0" err="1" smtClean="0">
-                <a:solidFill>
-                  <a:srgbClr val="000000"/>
-                </a:solidFill>
-                <a:highlight>
-                  <a:srgbClr val="FFFFFF"/>
-                </a:highlight>
-                <a:latin typeface="Consolas" panose="020B0609020204030204" pitchFamily="49" charset="0"/>
-              </a:rPr>
-              <a:t>.Run</a:t>
-            </a:r>
-            <a:r>
-              <a:rPr lang="en-US" sz="2400" dirty="0">
-                <a:solidFill>
-                  <a:srgbClr val="000000"/>
-                </a:solidFill>
-                <a:highlight>
-                  <a:srgbClr val="FFFFFF"/>
-                </a:highlight>
-                <a:latin typeface="Consolas" panose="020B0609020204030204" pitchFamily="49" charset="0"/>
-              </a:rPr>
-              <a:t>(() =&gt; Process(d</a:t>
-            </a:r>
-            <a:r>
-              <a:rPr lang="en-US" sz="2400" dirty="0" smtClean="0">
-                <a:solidFill>
-                  <a:srgbClr val="000000"/>
-                </a:solidFill>
-                <a:highlight>
-                  <a:srgbClr val="FFFFFF"/>
-                </a:highlight>
-                <a:latin typeface="Consolas" panose="020B0609020204030204" pitchFamily="49" charset="0"/>
-              </a:rPr>
-              <a:t>))</a:t>
-            </a:r>
-          </a:p>
-          <a:p>
-            <a:r>
-              <a:rPr lang="en-US" sz="2400" dirty="0">
-                <a:solidFill>
-                  <a:srgbClr val="000000"/>
-                </a:solidFill>
-                <a:highlight>
-                  <a:srgbClr val="FFFFFF"/>
-                </a:highlight>
-                <a:latin typeface="Consolas" panose="020B0609020204030204" pitchFamily="49" charset="0"/>
-              </a:rPr>
-              <a:t> </a:t>
-            </a:r>
-            <a:r>
-              <a:rPr lang="en-US" sz="2400" dirty="0" smtClean="0">
-                <a:solidFill>
-                  <a:srgbClr val="000000"/>
-                </a:solidFill>
-                <a:highlight>
-                  <a:srgbClr val="FFFFFF"/>
-                </a:highlight>
-                <a:latin typeface="Consolas" panose="020B0609020204030204" pitchFamily="49" charset="0"/>
-              </a:rPr>
-              <a:t>        .</a:t>
-            </a:r>
-            <a:r>
-              <a:rPr lang="en-US" sz="2400" dirty="0" err="1" smtClean="0">
-                <a:solidFill>
-                  <a:srgbClr val="000000"/>
-                </a:solidFill>
-                <a:highlight>
-                  <a:srgbClr val="FFFFFF"/>
-                </a:highlight>
-                <a:latin typeface="Consolas" panose="020B0609020204030204" pitchFamily="49" charset="0"/>
-              </a:rPr>
-              <a:t>ContinueWith</a:t>
-            </a:r>
-            <a:r>
-              <a:rPr lang="en-US" sz="2400" dirty="0" smtClean="0">
-                <a:solidFill>
-                  <a:srgbClr val="000000"/>
-                </a:solidFill>
-                <a:highlight>
-                  <a:srgbClr val="FFFFFF"/>
-                </a:highlight>
-                <a:latin typeface="Consolas" panose="020B0609020204030204" pitchFamily="49" charset="0"/>
-              </a:rPr>
-              <a:t>(task =&gt; </a:t>
-            </a:r>
-            <a:r>
-              <a:rPr lang="en-US" sz="2400" dirty="0" err="1" smtClean="0">
-                <a:solidFill>
-                  <a:srgbClr val="000000"/>
-                </a:solidFill>
-                <a:highlight>
-                  <a:srgbClr val="FFFFFF"/>
-                </a:highlight>
-                <a:latin typeface="Consolas" panose="020B0609020204030204" pitchFamily="49" charset="0"/>
-              </a:rPr>
-              <a:t>HandleExceptions</a:t>
-            </a:r>
-            <a:r>
-              <a:rPr lang="en-US" sz="2400" dirty="0" smtClean="0">
-                <a:solidFill>
-                  <a:srgbClr val="000000"/>
-                </a:solidFill>
-                <a:highlight>
-                  <a:srgbClr val="FFFFFF"/>
-                </a:highlight>
-                <a:latin typeface="Consolas" panose="020B0609020204030204" pitchFamily="49" charset="0"/>
-              </a:rPr>
-              <a:t>(task));</a:t>
-            </a:r>
-            <a:endParaRPr lang="en-US" sz="2400" dirty="0" smtClean="0">
-              <a:solidFill>
-                <a:srgbClr val="008000"/>
-              </a:solidFill>
-              <a:highlight>
-                <a:srgbClr val="FFFFFF"/>
-              </a:highlight>
-              <a:latin typeface="Consolas" panose="020B0609020204030204" pitchFamily="49" charset="0"/>
-            </a:endParaRPr>
-          </a:p>
-          <a:p>
-            <a:r>
-              <a:rPr lang="ru-RU" sz="2400" dirty="0" smtClean="0">
+              <a:rPr lang="ru-RU" sz="2400" dirty="0">
                 <a:solidFill>
                   <a:srgbClr val="000000"/>
                 </a:solidFill>
@@ -24162,13 +24090,6 @@
   <p:clrMapOvr>
     <a:masterClrMapping/>
   </p:clrMapOvr>
-  <p:timing>
-    <p:tnLst>
-      <p:par>
-        <p:cTn id="1" dur="indefinite" restart="never" nodeType="tmRoot"/>
-      </p:par>
-    </p:tnLst>
-  </p:timing>
 </p:sld>
 </file>
 
@@ -24252,13 +24173,6 @@
   <p:clrMapOvr>
     <a:masterClrMapping/>
   </p:clrMapOvr>
-  <p:timing>
-    <p:tnLst>
-      <p:par>
-        <p:cTn id="1" dur="indefinite" restart="never" nodeType="tmRoot"/>
-      </p:par>
-    </p:tnLst>
-  </p:timing>
 </p:sld>
 </file>
 
@@ -24306,12 +24220,12 @@
               <a:buChar char="•"/>
             </a:pPr>
             <a:r>
-              <a:rPr lang="en-US" dirty="0" err="1" smtClean="0">
+              <a:rPr lang="en-US" dirty="0" err="1">
                 <a:latin typeface="+mn-lt"/>
               </a:rPr>
               <a:t>StackOverflowException</a:t>
             </a:r>
-            <a:endParaRPr lang="en-US" dirty="0" smtClean="0">
+            <a:endParaRPr lang="en-US" dirty="0">
               <a:latin typeface="+mn-lt"/>
             </a:endParaRPr>
           </a:p>
@@ -24321,12 +24235,12 @@
               <a:buChar char="•"/>
             </a:pPr>
             <a:r>
-              <a:rPr lang="en-US" dirty="0" err="1" smtClean="0">
+              <a:rPr lang="en-US" dirty="0" err="1">
                 <a:latin typeface="+mn-lt"/>
               </a:rPr>
               <a:t>AccessViolationException</a:t>
             </a:r>
-            <a:endParaRPr lang="en-US" dirty="0" smtClean="0">
+            <a:endParaRPr lang="en-US" dirty="0">
               <a:latin typeface="+mn-lt"/>
             </a:endParaRPr>
           </a:p>
@@ -24336,12 +24250,12 @@
               <a:buChar char="•"/>
             </a:pPr>
             <a:r>
-              <a:rPr lang="en-US" dirty="0" err="1" smtClean="0">
+              <a:rPr lang="en-US" dirty="0" err="1">
                 <a:latin typeface="+mn-lt"/>
               </a:rPr>
               <a:t>OutOfMemoryException</a:t>
             </a:r>
-            <a:endParaRPr lang="ru-RU" dirty="0" smtClean="0">
+            <a:endParaRPr lang="ru-RU" dirty="0">
               <a:latin typeface="+mn-lt"/>
             </a:endParaRPr>
           </a:p>
@@ -24351,10 +24265,10 @@
               <a:buChar char="•"/>
             </a:pPr>
             <a:r>
-              <a:rPr lang="en-US" dirty="0" err="1" smtClean="0"/>
+              <a:rPr lang="en-US" dirty="0" err="1"/>
               <a:t>ThreadAbortException</a:t>
             </a:r>
-            <a:endParaRPr lang="en-US" dirty="0" smtClean="0">
+            <a:endParaRPr lang="en-US" dirty="0">
               <a:latin typeface="+mn-lt"/>
             </a:endParaRPr>
           </a:p>
@@ -24364,7 +24278,7 @@
               <a:buChar char="•"/>
             </a:pPr>
             <a:r>
-              <a:rPr lang="en-US" dirty="0" err="1" smtClean="0">
+              <a:rPr lang="en-US" dirty="0" err="1">
                 <a:solidFill>
                   <a:schemeClr val="bg2">
                     <a:lumMod val="75000"/>
@@ -24374,7 +24288,7 @@
               </a:rPr>
               <a:t>UnobservedTaskException</a:t>
             </a:r>
-            <a:endParaRPr lang="en-US" dirty="0" smtClean="0">
+            <a:endParaRPr lang="en-US" dirty="0">
               <a:solidFill>
                 <a:schemeClr val="bg2">
                   <a:lumMod val="75000"/>
@@ -24389,7 +24303,7 @@
               <a:buChar char="•"/>
             </a:pPr>
             <a:r>
-              <a:rPr lang="en-US" dirty="0" err="1" smtClean="0">
+              <a:rPr lang="en-US" dirty="0" err="1">
                 <a:solidFill>
                   <a:schemeClr val="bg2">
                     <a:lumMod val="75000"/>
@@ -24399,7 +24313,7 @@
               </a:rPr>
               <a:t>ExecutionEngineException</a:t>
             </a:r>
-            <a:endParaRPr lang="en-US" dirty="0" smtClean="0">
+            <a:endParaRPr lang="en-US" dirty="0">
               <a:solidFill>
                 <a:schemeClr val="bg2">
                   <a:lumMod val="75000"/>
@@ -24426,10 +24340,9 @@
           <a:lstStyle/>
           <a:p>
             <a:r>
-              <a:rPr lang="ru-RU" dirty="0" smtClean="0"/>
+              <a:rPr lang="ru-RU" dirty="0"/>
               <a:t>Особые исключения</a:t>
             </a:r>
-            <a:endParaRPr lang="ru-RU" dirty="0"/>
           </a:p>
         </p:txBody>
       </p:sp>
@@ -24607,17 +24520,8 @@
             </a:lvl9pPr>
           </a:lstStyle>
           <a:p>
-            <a:r>
-              <a:rPr lang="en-US" sz="2000" dirty="0" smtClean="0">
-                <a:solidFill>
-                  <a:srgbClr val="000000"/>
-                </a:solidFill>
-                <a:latin typeface="Consolas" panose="020B0609020204030204" pitchFamily="49" charset="0"/>
-              </a:rPr>
-              <a:t/>
-            </a:r>
             <a:br>
-              <a:rPr lang="en-US" sz="2000" dirty="0" smtClean="0">
+              <a:rPr lang="en-US" sz="2000" dirty="0">
                 <a:solidFill>
                   <a:srgbClr val="000000"/>
                 </a:solidFill>
@@ -24802,17 +24706,8 @@
             </a:lvl9pPr>
           </a:lstStyle>
           <a:p>
-            <a:r>
-              <a:rPr lang="en-US" sz="2400" dirty="0" smtClean="0">
-                <a:solidFill>
-                  <a:srgbClr val="000000"/>
-                </a:solidFill>
-                <a:latin typeface="Consolas" panose="020B0609020204030204" pitchFamily="49" charset="0"/>
-              </a:rPr>
-              <a:t/>
-            </a:r>
             <a:br>
-              <a:rPr lang="en-US" sz="2400" dirty="0" smtClean="0">
+              <a:rPr lang="en-US" sz="2400" dirty="0">
                 <a:solidFill>
                   <a:srgbClr val="000000"/>
                 </a:solidFill>
@@ -25202,15 +25097,6 @@
           </a:bodyPr>
           <a:lstStyle/>
           <a:p>
-            <a:r>
-              <a:rPr lang="en-US" sz="2400" dirty="0">
-                <a:solidFill>
-                  <a:srgbClr val="000000"/>
-                </a:solidFill>
-                <a:latin typeface="Consolas" panose="020B0609020204030204" pitchFamily="49" charset="0"/>
-              </a:rPr>
-              <a:t/>
-            </a:r>
             <a:br>
               <a:rPr lang="en-US" sz="2400" dirty="0">
                 <a:solidFill>
@@ -25220,7 +25106,7 @@
               </a:rPr>
             </a:br>
             <a:r>
-              <a:rPr lang="en-US" sz="2400" dirty="0" smtClean="0">
+              <a:rPr lang="en-US" sz="2400" dirty="0">
                 <a:solidFill>
                   <a:srgbClr val="0000E0"/>
                 </a:solidFill>
@@ -25229,22 +25115,13 @@
               <a:t>try </a:t>
             </a:r>
             <a:r>
-              <a:rPr lang="en-US" sz="2400" dirty="0" smtClean="0">
+              <a:rPr lang="en-US" sz="2400" dirty="0">
                 <a:solidFill>
                   <a:srgbClr val="000000"/>
                 </a:solidFill>
                 <a:latin typeface="Consolas" panose="020B0609020204030204" pitchFamily="49" charset="0"/>
               </a:rPr>
               <a:t>{</a:t>
-            </a:r>
-            <a:r>
-              <a:rPr lang="en-US" sz="2400" dirty="0">
-                <a:solidFill>
-                  <a:srgbClr val="000000"/>
-                </a:solidFill>
-                <a:latin typeface="Consolas" panose="020B0609020204030204" pitchFamily="49" charset="0"/>
-              </a:rPr>
-              <a:t/>
             </a:r>
             <a:br>
               <a:rPr lang="en-US" sz="2400" dirty="0">
@@ -25306,22 +25183,13 @@
               <a:t>MaxValue</a:t>
             </a:r>
             <a:r>
-              <a:rPr lang="en-US" sz="2400" dirty="0" smtClean="0">
+              <a:rPr lang="en-US" sz="2400" dirty="0">
                 <a:solidFill>
                   <a:srgbClr val="000000"/>
                 </a:solidFill>
                 <a:latin typeface="Consolas" panose="020B0609020204030204" pitchFamily="49" charset="0"/>
               </a:rPr>
               <a:t>);</a:t>
-            </a:r>
-            <a:r>
-              <a:rPr lang="en-US" sz="2400" dirty="0">
-                <a:solidFill>
-                  <a:srgbClr val="000000"/>
-                </a:solidFill>
-                <a:latin typeface="Consolas" panose="020B0609020204030204" pitchFamily="49" charset="0"/>
-              </a:rPr>
-              <a:t/>
             </a:r>
             <a:br>
               <a:rPr lang="en-US" sz="2400" dirty="0">
@@ -25367,7 +25235,7 @@
               <a:t>(</a:t>
             </a:r>
             <a:r>
-              <a:rPr lang="en-US" sz="2400" dirty="0" smtClean="0">
+              <a:rPr lang="en-US" sz="2400" dirty="0">
                 <a:solidFill>
                   <a:srgbClr val="2B91AF"/>
                 </a:solidFill>
@@ -25376,22 +25244,13 @@
               <a:t>Exception</a:t>
             </a:r>
             <a:r>
-              <a:rPr lang="en-US" sz="2400" dirty="0" smtClean="0">
+              <a:rPr lang="en-US" sz="2400" dirty="0">
                 <a:solidFill>
                   <a:srgbClr val="000000"/>
                 </a:solidFill>
                 <a:latin typeface="Consolas" panose="020B0609020204030204" pitchFamily="49" charset="0"/>
               </a:rPr>
               <a:t>) {</a:t>
-            </a:r>
-            <a:r>
-              <a:rPr lang="en-US" sz="2400" dirty="0">
-                <a:solidFill>
-                  <a:srgbClr val="000000"/>
-                </a:solidFill>
-                <a:latin typeface="Consolas" panose="020B0609020204030204" pitchFamily="49" charset="0"/>
-              </a:rPr>
-              <a:t/>
             </a:r>
             <a:br>
               <a:rPr lang="en-US" sz="2400" dirty="0">
@@ -25470,7 +25329,7 @@
               </a:rPr>
             </a:br>
             <a:r>
-              <a:rPr lang="en-US" sz="2400" dirty="0" smtClean="0">
+              <a:rPr lang="en-US" sz="2400" dirty="0">
                 <a:solidFill>
                   <a:srgbClr val="000000"/>
                 </a:solidFill>
@@ -25478,14 +25337,6 @@
               </a:rPr>
               <a:t>}</a:t>
             </a:r>
-            <a:endParaRPr lang="en-US" sz="2400" dirty="0" smtClean="0">
-              <a:solidFill>
-                <a:srgbClr val="0000E0"/>
-              </a:solidFill>
-              <a:latin typeface="Consolas" panose="020B0609020204030204" pitchFamily="49" charset="0"/>
-            </a:endParaRPr>
-          </a:p>
-          <a:p>
             <a:endParaRPr lang="en-US" sz="2400" dirty="0">
               <a:solidFill>
                 <a:srgbClr val="0000E0"/>
@@ -25494,8 +25345,16 @@
             </a:endParaRPr>
           </a:p>
           <a:p>
-            <a:r>
-              <a:rPr lang="en-US" sz="2400" dirty="0" err="1" smtClean="0">
+            <a:endParaRPr lang="en-US" sz="2400" dirty="0">
+              <a:solidFill>
+                <a:srgbClr val="0000E0"/>
+              </a:solidFill>
+              <a:latin typeface="Consolas" panose="020B0609020204030204" pitchFamily="49" charset="0"/>
+            </a:endParaRPr>
+          </a:p>
+          <a:p>
+            <a:r>
+              <a:rPr lang="en-US" sz="2400" dirty="0" err="1">
                 <a:solidFill>
                   <a:srgbClr val="0000E0"/>
                 </a:solidFill>
@@ -25504,7 +25363,7 @@
               <a:t>int</a:t>
             </a:r>
             <a:r>
-              <a:rPr lang="en-US" sz="2400" dirty="0" smtClean="0">
+              <a:rPr lang="en-US" sz="2400" dirty="0">
                 <a:solidFill>
                   <a:srgbClr val="0000E0"/>
                 </a:solidFill>
@@ -25669,11 +25528,11 @@
           <a:lstStyle/>
           <a:p>
             <a:r>
-              <a:rPr lang="en-US" dirty="0" err="1" smtClean="0"/>
+              <a:rPr lang="en-US" dirty="0" err="1"/>
               <a:t>StACK</a:t>
             </a:r>
             <a:r>
-              <a:rPr lang="en-US" dirty="0" smtClean="0"/>
+              <a:rPr lang="en-US" dirty="0"/>
               <a:t> OVERFLOW</a:t>
             </a:r>
             <a:endParaRPr lang="ru-RU" dirty="0"/>
@@ -25854,17 +25713,8 @@
             </a:lvl9pPr>
           </a:lstStyle>
           <a:p>
-            <a:r>
-              <a:rPr lang="en-US" sz="2000" dirty="0" smtClean="0">
-                <a:solidFill>
-                  <a:srgbClr val="000000"/>
-                </a:solidFill>
-                <a:latin typeface="Consolas" panose="020B0609020204030204" pitchFamily="49" charset="0"/>
-              </a:rPr>
-              <a:t/>
-            </a:r>
             <a:br>
-              <a:rPr lang="en-US" sz="2000" dirty="0" smtClean="0">
+              <a:rPr lang="en-US" sz="2000" dirty="0">
                 <a:solidFill>
                   <a:srgbClr val="000000"/>
                 </a:solidFill>
@@ -25872,7 +25722,7 @@
               </a:rPr>
             </a:br>
             <a:r>
-              <a:rPr lang="en-US" sz="2400" dirty="0" smtClean="0">
+              <a:rPr lang="en-US" sz="2400" dirty="0">
                 <a:solidFill>
                   <a:srgbClr val="0000E0"/>
                 </a:solidFill>
@@ -25881,7 +25731,7 @@
               <a:t>try </a:t>
             </a:r>
             <a:r>
-              <a:rPr lang="en-US" sz="2400" dirty="0" smtClean="0">
+              <a:rPr lang="en-US" sz="2400" dirty="0">
                 <a:solidFill>
                   <a:srgbClr val="000000"/>
                 </a:solidFill>
@@ -25890,7 +25740,7 @@
               <a:t>{</a:t>
             </a:r>
             <a:br>
-              <a:rPr lang="en-US" sz="2400" dirty="0" smtClean="0">
+              <a:rPr lang="en-US" sz="2400" dirty="0">
                 <a:solidFill>
                   <a:srgbClr val="000000"/>
                 </a:solidFill>
@@ -25898,7 +25748,7 @@
               </a:rPr>
             </a:br>
             <a:r>
-              <a:rPr lang="en-US" sz="2400" dirty="0" smtClean="0">
+              <a:rPr lang="en-US" sz="2400" dirty="0">
                 <a:solidFill>
                   <a:srgbClr val="000000"/>
                 </a:solidFill>
@@ -25907,7 +25757,7 @@
               <a:t>    </a:t>
             </a:r>
             <a:r>
-              <a:rPr lang="en-US" sz="2400" dirty="0" smtClean="0">
+              <a:rPr lang="en-US" sz="2400" dirty="0">
                 <a:solidFill>
                   <a:srgbClr val="0000FF"/>
                 </a:solidFill>
@@ -25916,7 +25766,7 @@
               <a:t>throw new </a:t>
             </a:r>
             <a:r>
-              <a:rPr lang="en-US" sz="2400" dirty="0" err="1" smtClean="0">
+              <a:rPr lang="en-US" sz="2400" dirty="0" err="1">
                 <a:solidFill>
                   <a:srgbClr val="008B8B"/>
                 </a:solidFill>
@@ -25925,22 +25775,13 @@
               <a:t>StackOverflowException</a:t>
             </a:r>
             <a:r>
-              <a:rPr lang="en-US" sz="2400" dirty="0" smtClean="0">
+              <a:rPr lang="en-US" sz="2400" dirty="0">
                 <a:latin typeface="Consolas" panose="020B0609020204030204" pitchFamily="49" charset="0"/>
               </a:rPr>
               <a:t>();</a:t>
             </a:r>
-            <a:r>
-              <a:rPr lang="en-US" sz="2400" dirty="0" smtClean="0">
-                <a:solidFill>
-                  <a:srgbClr val="000000"/>
-                </a:solidFill>
-                <a:latin typeface="Consolas" panose="020B0609020204030204" pitchFamily="49" charset="0"/>
-              </a:rPr>
-              <a:t/>
-            </a:r>
             <a:br>
-              <a:rPr lang="en-US" sz="2400" dirty="0" smtClean="0">
+              <a:rPr lang="en-US" sz="2400" dirty="0">
                 <a:solidFill>
                   <a:srgbClr val="000000"/>
                 </a:solidFill>
@@ -25948,7 +25789,7 @@
               </a:rPr>
             </a:br>
             <a:r>
-              <a:rPr lang="en-US" sz="2400" dirty="0" smtClean="0">
+              <a:rPr lang="en-US" sz="2400" dirty="0">
                 <a:solidFill>
                   <a:srgbClr val="000000"/>
                 </a:solidFill>
@@ -25957,7 +25798,7 @@
               <a:t>}</a:t>
             </a:r>
             <a:br>
-              <a:rPr lang="en-US" sz="2400" dirty="0" smtClean="0">
+              <a:rPr lang="en-US" sz="2400" dirty="0">
                 <a:solidFill>
                   <a:srgbClr val="000000"/>
                 </a:solidFill>
@@ -25965,7 +25806,7 @@
               </a:rPr>
             </a:br>
             <a:r>
-              <a:rPr lang="en-US" sz="2400" dirty="0" smtClean="0">
+              <a:rPr lang="en-US" sz="2400" dirty="0">
                 <a:solidFill>
                   <a:srgbClr val="0000E0"/>
                 </a:solidFill>
@@ -25974,7 +25815,7 @@
               <a:t>catch </a:t>
             </a:r>
             <a:r>
-              <a:rPr lang="en-US" sz="2400" dirty="0" smtClean="0">
+              <a:rPr lang="en-US" sz="2400" dirty="0">
                 <a:solidFill>
                   <a:srgbClr val="000000"/>
                 </a:solidFill>
@@ -25983,7 +25824,7 @@
               <a:t>(</a:t>
             </a:r>
             <a:r>
-              <a:rPr lang="en-US" sz="2400" dirty="0" smtClean="0">
+              <a:rPr lang="en-US" sz="2400" dirty="0">
                 <a:solidFill>
                   <a:srgbClr val="2B91AF"/>
                 </a:solidFill>
@@ -25992,7 +25833,7 @@
               <a:t>Exception</a:t>
             </a:r>
             <a:r>
-              <a:rPr lang="en-US" sz="2400" dirty="0" smtClean="0">
+              <a:rPr lang="en-US" sz="2400" dirty="0">
                 <a:solidFill>
                   <a:srgbClr val="000000"/>
                 </a:solidFill>
@@ -26001,7 +25842,7 @@
               <a:t>) {</a:t>
             </a:r>
             <a:br>
-              <a:rPr lang="en-US" sz="2400" dirty="0" smtClean="0">
+              <a:rPr lang="en-US" sz="2400" dirty="0">
                 <a:solidFill>
                   <a:srgbClr val="000000"/>
                 </a:solidFill>
@@ -26009,7 +25850,7 @@
               </a:rPr>
             </a:br>
             <a:r>
-              <a:rPr lang="en-US" sz="2400" dirty="0" smtClean="0">
+              <a:rPr lang="en-US" sz="2400" dirty="0">
                 <a:solidFill>
                   <a:srgbClr val="000000"/>
                 </a:solidFill>
@@ -26018,7 +25859,7 @@
               <a:t>    </a:t>
             </a:r>
             <a:r>
-              <a:rPr lang="en-US" sz="2400" dirty="0" err="1" smtClean="0">
+              <a:rPr lang="en-US" sz="2400" dirty="0" err="1">
                 <a:solidFill>
                   <a:srgbClr val="2B91AF"/>
                 </a:solidFill>
@@ -26027,7 +25868,7 @@
               <a:t>Console</a:t>
             </a:r>
             <a:r>
-              <a:rPr lang="en-US" sz="2400" dirty="0" err="1" smtClean="0">
+              <a:rPr lang="en-US" sz="2400" dirty="0" err="1">
                 <a:solidFill>
                   <a:srgbClr val="000000"/>
                 </a:solidFill>
@@ -26036,13 +25877,13 @@
               <a:t>.</a:t>
             </a:r>
             <a:r>
-              <a:rPr lang="en-US" sz="2400" dirty="0" err="1" smtClean="0">
+              <a:rPr lang="en-US" sz="2400" dirty="0" err="1">
                 <a:latin typeface="Consolas" panose="020B0609020204030204" pitchFamily="49" charset="0"/>
               </a:rPr>
               <a:t>WriteLine</a:t>
             </a:r>
             <a:r>
-              <a:rPr lang="en-US" sz="2400" dirty="0" smtClean="0">
+              <a:rPr lang="en-US" sz="2400" dirty="0">
                 <a:solidFill>
                   <a:srgbClr val="000000"/>
                 </a:solidFill>
@@ -26051,7 +25892,7 @@
               <a:t>(</a:t>
             </a:r>
             <a:r>
-              <a:rPr lang="en-US" sz="2400" dirty="0" smtClean="0">
+              <a:rPr lang="en-US" sz="2400" dirty="0">
                 <a:solidFill>
                   <a:srgbClr val="A31515"/>
                 </a:solidFill>
@@ -26060,7 +25901,7 @@
               <a:t>"!"</a:t>
             </a:r>
             <a:r>
-              <a:rPr lang="en-US" sz="2400" dirty="0" smtClean="0">
+              <a:rPr lang="en-US" sz="2400" dirty="0">
                 <a:solidFill>
                   <a:srgbClr val="000000"/>
                 </a:solidFill>
@@ -26069,7 +25910,7 @@
               <a:t>);</a:t>
             </a:r>
             <a:br>
-              <a:rPr lang="en-US" sz="2400" dirty="0" smtClean="0">
+              <a:rPr lang="en-US" sz="2400" dirty="0">
                 <a:solidFill>
                   <a:srgbClr val="000000"/>
                 </a:solidFill>
@@ -26077,7 +25918,7 @@
               </a:rPr>
             </a:br>
             <a:r>
-              <a:rPr lang="en-US" sz="2400" dirty="0" smtClean="0">
+              <a:rPr lang="en-US" sz="2400" dirty="0">
                 <a:solidFill>
                   <a:srgbClr val="000000"/>
                 </a:solidFill>
@@ -26131,13 +25972,6 @@
   <p:clrMapOvr>
     <a:masterClrMapping/>
   </p:clrMapOvr>
-  <p:timing>
-    <p:tnLst>
-      <p:par>
-        <p:cTn id="1" dur="indefinite" restart="never" nodeType="tmRoot"/>
-      </p:par>
-    </p:tnLst>
-  </p:timing>
 </p:sld>
 </file>
 
@@ -26180,15 +26014,6 @@
           </a:bodyPr>
           <a:lstStyle/>
           <a:p>
-            <a:r>
-              <a:rPr lang="en-US" sz="2400" dirty="0">
-                <a:solidFill>
-                  <a:srgbClr val="000000"/>
-                </a:solidFill>
-                <a:latin typeface="Consolas" panose="020B0609020204030204" pitchFamily="49" charset="0"/>
-              </a:rPr>
-              <a:t/>
-            </a:r>
             <a:br>
               <a:rPr lang="en-US" sz="2400" dirty="0">
                 <a:solidFill>
@@ -26198,7 +26023,7 @@
               </a:rPr>
             </a:br>
             <a:r>
-              <a:rPr lang="en-US" sz="2400" dirty="0" smtClean="0">
+              <a:rPr lang="en-US" sz="2400" dirty="0">
                 <a:solidFill>
                   <a:srgbClr val="0000FF"/>
                 </a:solidFill>
@@ -26207,7 +26032,7 @@
               <a:t>void</a:t>
             </a:r>
             <a:r>
-              <a:rPr lang="en-US" sz="2400" dirty="0" smtClean="0">
+              <a:rPr lang="en-US" sz="2400" dirty="0">
                 <a:solidFill>
                   <a:srgbClr val="000000"/>
                 </a:solidFill>
@@ -26216,7 +26041,7 @@
               <a:t> </a:t>
             </a:r>
             <a:r>
-              <a:rPr lang="en-US" sz="2400" dirty="0" err="1" smtClean="0">
+              <a:rPr lang="en-US" sz="2400" dirty="0" err="1">
                 <a:solidFill>
                   <a:srgbClr val="000000"/>
                 </a:solidFill>
@@ -26225,7 +26050,7 @@
               <a:t>PrintObject</a:t>
             </a:r>
             <a:r>
-              <a:rPr lang="en-US" sz="2400" dirty="0" smtClean="0">
+              <a:rPr lang="en-US" sz="2400" dirty="0">
                 <a:solidFill>
                   <a:srgbClr val="000000"/>
                 </a:solidFill>
@@ -26234,7 +26059,7 @@
               <a:t>(</a:t>
             </a:r>
             <a:r>
-              <a:rPr lang="en-US" sz="2400" dirty="0" smtClean="0">
+              <a:rPr lang="en-US" sz="2400" dirty="0">
                 <a:solidFill>
                   <a:srgbClr val="0000FF"/>
                 </a:solidFill>
@@ -26243,7 +26068,7 @@
               <a:t>object</a:t>
             </a:r>
             <a:r>
-              <a:rPr lang="en-US" sz="2400" dirty="0" smtClean="0">
+              <a:rPr lang="en-US" sz="2400" dirty="0">
                 <a:solidFill>
                   <a:srgbClr val="000000"/>
                 </a:solidFill>
@@ -26254,7 +26079,7 @@
           </a:p>
           <a:p>
             <a:r>
-              <a:rPr lang="en-US" sz="2400" dirty="0" smtClean="0">
+              <a:rPr lang="en-US" sz="2400" dirty="0">
                 <a:solidFill>
                   <a:srgbClr val="000000"/>
                 </a:solidFill>
@@ -26263,7 +26088,7 @@
               <a:t>    </a:t>
             </a:r>
             <a:r>
-              <a:rPr lang="en-US" sz="2400" dirty="0" smtClean="0">
+              <a:rPr lang="en-US" sz="2400" dirty="0">
                 <a:solidFill>
                   <a:srgbClr val="008000"/>
                 </a:solidFill>
@@ -26274,7 +26099,7 @@
           </a:p>
           <a:p>
             <a:r>
-              <a:rPr lang="en-US" sz="2400" dirty="0" smtClean="0">
+              <a:rPr lang="en-US" sz="2400" dirty="0">
                 <a:solidFill>
                   <a:srgbClr val="000000"/>
                 </a:solidFill>
@@ -26283,7 +26108,7 @@
               <a:t>    </a:t>
             </a:r>
             <a:r>
-              <a:rPr lang="en-US" sz="2400" dirty="0" err="1" smtClean="0">
+              <a:rPr lang="en-US" sz="2400" dirty="0" err="1">
                 <a:solidFill>
                   <a:srgbClr val="0000FF"/>
                 </a:solidFill>
@@ -26292,7 +26117,7 @@
               <a:t>foreach</a:t>
             </a:r>
             <a:r>
-              <a:rPr lang="en-US" sz="2400" dirty="0" smtClean="0">
+              <a:rPr lang="en-US" sz="2400" dirty="0">
                 <a:solidFill>
                   <a:srgbClr val="000000"/>
                 </a:solidFill>
@@ -26301,7 +26126,7 @@
               <a:t> (</a:t>
             </a:r>
             <a:r>
-              <a:rPr lang="en-US" sz="2400" dirty="0" err="1" smtClean="0">
+              <a:rPr lang="en-US" sz="2400" dirty="0" err="1">
                 <a:solidFill>
                   <a:srgbClr val="0000FF"/>
                 </a:solidFill>
@@ -26310,7 +26135,7 @@
               <a:t>var</a:t>
             </a:r>
             <a:r>
-              <a:rPr lang="en-US" sz="2400" dirty="0" smtClean="0">
+              <a:rPr lang="en-US" sz="2400" dirty="0">
                 <a:solidFill>
                   <a:srgbClr val="000000"/>
                 </a:solidFill>
@@ -26319,7 +26144,7 @@
               <a:t> child </a:t>
             </a:r>
             <a:r>
-              <a:rPr lang="en-US" sz="2400" dirty="0" smtClean="0">
+              <a:rPr lang="en-US" sz="2400" dirty="0">
                 <a:solidFill>
                   <a:srgbClr val="0000FF"/>
                 </a:solidFill>
@@ -26328,7 +26153,7 @@
               <a:t>in</a:t>
             </a:r>
             <a:r>
-              <a:rPr lang="en-US" sz="2400" dirty="0" smtClean="0">
+              <a:rPr lang="en-US" sz="2400" dirty="0">
                 <a:solidFill>
                   <a:srgbClr val="000000"/>
                 </a:solidFill>
@@ -26337,7 +26162,7 @@
               <a:t> </a:t>
             </a:r>
             <a:r>
-              <a:rPr lang="en-US" sz="2400" dirty="0" err="1" smtClean="0">
+              <a:rPr lang="en-US" sz="2400" dirty="0" err="1">
                 <a:solidFill>
                   <a:srgbClr val="000000"/>
                 </a:solidFill>
@@ -26346,7 +26171,7 @@
               <a:t>GetChilds</a:t>
             </a:r>
             <a:r>
-              <a:rPr lang="en-US" sz="2400" dirty="0" smtClean="0">
+              <a:rPr lang="en-US" sz="2400" dirty="0">
                 <a:solidFill>
                   <a:srgbClr val="000000"/>
                 </a:solidFill>
@@ -26363,19 +26188,10 @@
                 </a:solidFill>
                 <a:latin typeface="Consolas" panose="020B0609020204030204" pitchFamily="49" charset="0"/>
               </a:rPr>
-              <a:t> </a:t>
-            </a:r>
-            <a:r>
-              <a:rPr lang="en-US" sz="2400" dirty="0" smtClean="0">
-                <a:solidFill>
-                  <a:srgbClr val="000000"/>
-                </a:solidFill>
-                <a:latin typeface="Consolas" panose="020B0609020204030204" pitchFamily="49" charset="0"/>
-              </a:rPr>
-              <a:t>       </a:t>
-            </a:r>
-            <a:r>
-              <a:rPr lang="en-US" sz="2400" dirty="0" err="1" smtClean="0">
+              <a:t>        </a:t>
+            </a:r>
+            <a:r>
+              <a:rPr lang="en-US" sz="2400" dirty="0" err="1">
                 <a:solidFill>
                   <a:srgbClr val="000000"/>
                 </a:solidFill>
@@ -26384,7 +26200,7 @@
               <a:t>PrintObject</a:t>
             </a:r>
             <a:r>
-              <a:rPr lang="en-US" sz="2400" dirty="0" smtClean="0">
+              <a:rPr lang="en-US" sz="2400" dirty="0">
                 <a:solidFill>
                   <a:srgbClr val="000000"/>
                 </a:solidFill>
@@ -26392,16 +26208,10 @@
               </a:rPr>
               <a:t>(child);</a:t>
             </a:r>
-            <a:endParaRPr lang="en-US" sz="2400" dirty="0">
-              <a:solidFill>
-                <a:srgbClr val="000000"/>
-              </a:solidFill>
-              <a:latin typeface="Consolas" panose="020B0609020204030204" pitchFamily="49" charset="0"/>
-            </a:endParaRPr>
-          </a:p>
-          <a:p>
-            <a:r>
-              <a:rPr lang="en-US" sz="2400" dirty="0" smtClean="0">
+          </a:p>
+          <a:p>
+            <a:r>
+              <a:rPr lang="en-US" sz="2400" dirty="0">
                 <a:solidFill>
                   <a:srgbClr val="000000"/>
                 </a:solidFill>
@@ -26429,11 +26239,11 @@
           <a:lstStyle/>
           <a:p>
             <a:r>
-              <a:rPr lang="en-US" dirty="0" err="1" smtClean="0"/>
+              <a:rPr lang="en-US" dirty="0" err="1"/>
               <a:t>StACK</a:t>
             </a:r>
             <a:r>
-              <a:rPr lang="en-US" dirty="0" smtClean="0"/>
+              <a:rPr lang="en-US" dirty="0"/>
               <a:t> OVERFLOW</a:t>
             </a:r>
             <a:endParaRPr lang="ru-RU" dirty="0"/>
@@ -26614,17 +26424,8 @@
             </a:lvl9pPr>
           </a:lstStyle>
           <a:p>
-            <a:r>
-              <a:rPr lang="en-US" sz="2000" dirty="0" smtClean="0">
-                <a:solidFill>
-                  <a:srgbClr val="000000"/>
-                </a:solidFill>
-                <a:latin typeface="Consolas" panose="020B0609020204030204" pitchFamily="49" charset="0"/>
-              </a:rPr>
-              <a:t/>
-            </a:r>
             <a:br>
-              <a:rPr lang="en-US" sz="2000" dirty="0" smtClean="0">
+              <a:rPr lang="en-US" sz="2000" dirty="0">
                 <a:solidFill>
                   <a:srgbClr val="000000"/>
                 </a:solidFill>
@@ -26645,13 +26446,6 @@
   <p:clrMapOvr>
     <a:masterClrMapping/>
   </p:clrMapOvr>
-  <p:timing>
-    <p:tnLst>
-      <p:par>
-        <p:cTn id="1" dur="indefinite" restart="never" nodeType="tmRoot"/>
-      </p:par>
-    </p:tnLst>
-  </p:timing>
 </p:sld>
 </file>
 
@@ -26705,13 +26499,6 @@
   <p:clrMapOvr>
     <a:masterClrMapping/>
   </p:clrMapOvr>
-  <p:timing>
-    <p:tnLst>
-      <p:par>
-        <p:cTn id="1" dur="indefinite" restart="never" nodeType="tmRoot"/>
-      </p:par>
-    </p:tnLst>
-  </p:timing>
 </p:sld>
 </file>
 
@@ -26754,15 +26541,6 @@
           </a:bodyPr>
           <a:lstStyle/>
           <a:p>
-            <a:r>
-              <a:rPr lang="en-US" sz="2400" dirty="0">
-                <a:solidFill>
-                  <a:srgbClr val="000000"/>
-                </a:solidFill>
-                <a:latin typeface="Consolas" panose="020B0609020204030204" pitchFamily="49" charset="0"/>
-              </a:rPr>
-              <a:t/>
-            </a:r>
             <a:br>
               <a:rPr lang="en-US" sz="2400" dirty="0">
                 <a:solidFill>
@@ -26772,7 +26550,7 @@
               </a:rPr>
             </a:br>
             <a:r>
-              <a:rPr lang="en-US" sz="2400" dirty="0" smtClean="0">
+              <a:rPr lang="en-US" sz="2400" dirty="0">
                 <a:solidFill>
                   <a:srgbClr val="0000FF"/>
                 </a:solidFill>
@@ -26781,7 +26559,7 @@
               <a:t>void</a:t>
             </a:r>
             <a:r>
-              <a:rPr lang="en-US" sz="2400" dirty="0" smtClean="0">
+              <a:rPr lang="en-US" sz="2400" dirty="0">
                 <a:solidFill>
                   <a:srgbClr val="000000"/>
                 </a:solidFill>
@@ -26790,7 +26568,7 @@
               <a:t> </a:t>
             </a:r>
             <a:r>
-              <a:rPr lang="en-US" sz="2400" dirty="0" err="1" smtClean="0">
+              <a:rPr lang="en-US" sz="2400" dirty="0" err="1">
                 <a:solidFill>
                   <a:srgbClr val="000000"/>
                 </a:solidFill>
@@ -26799,7 +26577,7 @@
               <a:t>PrintObject</a:t>
             </a:r>
             <a:r>
-              <a:rPr lang="en-US" sz="2400" dirty="0" smtClean="0">
+              <a:rPr lang="en-US" sz="2400" dirty="0">
                 <a:solidFill>
                   <a:srgbClr val="000000"/>
                 </a:solidFill>
@@ -26808,7 +26586,7 @@
               <a:t>(</a:t>
             </a:r>
             <a:r>
-              <a:rPr lang="en-US" sz="2400" dirty="0" smtClean="0">
+              <a:rPr lang="en-US" sz="2400" dirty="0">
                 <a:solidFill>
                   <a:srgbClr val="0000FF"/>
                 </a:solidFill>
@@ -26817,7 +26595,7 @@
               <a:t>object</a:t>
             </a:r>
             <a:r>
-              <a:rPr lang="en-US" sz="2400" dirty="0" smtClean="0">
+              <a:rPr lang="en-US" sz="2400" dirty="0">
                 <a:solidFill>
                   <a:srgbClr val="000000"/>
                 </a:solidFill>
@@ -26826,7 +26604,7 @@
               <a:t> o, </a:t>
             </a:r>
             <a:r>
-              <a:rPr lang="en-US" sz="2400" dirty="0" err="1" smtClean="0">
+              <a:rPr lang="en-US" sz="2400" dirty="0" err="1">
                 <a:solidFill>
                   <a:srgbClr val="0000FF"/>
                 </a:solidFill>
@@ -26835,7 +26613,7 @@
               <a:t>int</a:t>
             </a:r>
             <a:r>
-              <a:rPr lang="en-US" sz="2400" dirty="0" smtClean="0">
+              <a:rPr lang="en-US" sz="2400" dirty="0">
                 <a:solidFill>
                   <a:srgbClr val="000000"/>
                 </a:solidFill>
@@ -26844,7 +26622,7 @@
               <a:t> depth=</a:t>
             </a:r>
             <a:r>
-              <a:rPr lang="en-US" sz="2400" dirty="0" err="1" smtClean="0">
+              <a:rPr lang="en-US" sz="2400" dirty="0" err="1">
                 <a:solidFill>
                   <a:srgbClr val="000000"/>
                 </a:solidFill>
@@ -26853,7 +26631,7 @@
               <a:t>MaxDepth</a:t>
             </a:r>
             <a:r>
-              <a:rPr lang="en-US" sz="2400" dirty="0" smtClean="0">
+              <a:rPr lang="en-US" sz="2400" dirty="0">
                 <a:solidFill>
                   <a:srgbClr val="000000"/>
                 </a:solidFill>
@@ -26864,7 +26642,7 @@
           </a:p>
           <a:p>
             <a:r>
-              <a:rPr lang="ru-RU" sz="2400" dirty="0" smtClean="0">
+              <a:rPr lang="ru-RU" sz="2400" dirty="0">
                 <a:solidFill>
                   <a:srgbClr val="008000"/>
                 </a:solidFill>
@@ -26873,7 +26651,7 @@
               <a:t>    </a:t>
             </a:r>
             <a:r>
-              <a:rPr lang="en-US" sz="2400" dirty="0" smtClean="0">
+              <a:rPr lang="en-US" sz="2400" dirty="0">
                 <a:solidFill>
                   <a:srgbClr val="008000"/>
                 </a:solidFill>
@@ -26881,7 +26659,7 @@
               </a:rPr>
               <a:t>// Do something</a:t>
             </a:r>
-            <a:endParaRPr lang="ru-RU" sz="2400" dirty="0" smtClean="0">
+            <a:endParaRPr lang="ru-RU" sz="2400" dirty="0">
               <a:solidFill>
                 <a:srgbClr val="008000"/>
               </a:solidFill>
@@ -26898,7 +26676,7 @@
           </a:p>
           <a:p>
             <a:r>
-              <a:rPr lang="ru-RU" sz="2400" b="1" dirty="0" smtClean="0">
+              <a:rPr lang="ru-RU" sz="2400" b="1" dirty="0">
                 <a:solidFill>
                   <a:srgbClr val="008000"/>
                 </a:solidFill>
@@ -26907,7 +26685,7 @@
               <a:t>    </a:t>
             </a:r>
             <a:r>
-              <a:rPr lang="en-US" sz="2400" b="1" dirty="0" smtClean="0">
+              <a:rPr lang="en-US" sz="2400" b="1" dirty="0">
                 <a:solidFill>
                   <a:srgbClr val="0000FF"/>
                 </a:solidFill>
@@ -26916,22 +26694,13 @@
               <a:t>if</a:t>
             </a:r>
             <a:r>
-              <a:rPr lang="en-US" sz="2400" b="1" dirty="0" smtClean="0">
-                <a:solidFill>
-                  <a:srgbClr val="000000"/>
-                </a:solidFill>
-                <a:latin typeface="Consolas" panose="020B0609020204030204" pitchFamily="49" charset="0"/>
-              </a:rPr>
-              <a:t> </a:t>
-            </a:r>
-            <a:r>
               <a:rPr lang="en-US" sz="2400" b="1" dirty="0">
                 <a:solidFill>
                   <a:srgbClr val="000000"/>
                 </a:solidFill>
                 <a:latin typeface="Consolas" panose="020B0609020204030204" pitchFamily="49" charset="0"/>
               </a:rPr>
-              <a:t>(depth == 0)</a:t>
+              <a:t> (depth == 0)</a:t>
             </a:r>
           </a:p>
           <a:p>
@@ -26964,7 +26733,7 @@
             </a:r>
           </a:p>
           <a:p>
-            <a:endParaRPr lang="en-US" sz="2400" dirty="0" smtClean="0">
+            <a:endParaRPr lang="en-US" sz="2400" dirty="0">
               <a:solidFill>
                 <a:srgbClr val="008000"/>
               </a:solidFill>
@@ -26973,7 +26742,7 @@
           </a:p>
           <a:p>
             <a:r>
-              <a:rPr lang="en-US" sz="2400" dirty="0" smtClean="0">
+              <a:rPr lang="en-US" sz="2400" dirty="0">
                 <a:solidFill>
                   <a:srgbClr val="000000"/>
                 </a:solidFill>
@@ -26982,7 +26751,7 @@
               <a:t>    </a:t>
             </a:r>
             <a:r>
-              <a:rPr lang="en-US" sz="2400" dirty="0" err="1" smtClean="0">
+              <a:rPr lang="en-US" sz="2400" dirty="0" err="1">
                 <a:solidFill>
                   <a:srgbClr val="0000FF"/>
                 </a:solidFill>
@@ -26991,7 +26760,7 @@
               <a:t>foreach</a:t>
             </a:r>
             <a:r>
-              <a:rPr lang="en-US" sz="2400" dirty="0" smtClean="0">
+              <a:rPr lang="en-US" sz="2400" dirty="0">
                 <a:solidFill>
                   <a:srgbClr val="000000"/>
                 </a:solidFill>
@@ -27000,7 +26769,7 @@
               <a:t> (</a:t>
             </a:r>
             <a:r>
-              <a:rPr lang="en-US" sz="2400" dirty="0" err="1" smtClean="0">
+              <a:rPr lang="en-US" sz="2400" dirty="0" err="1">
                 <a:solidFill>
                   <a:srgbClr val="0000FF"/>
                 </a:solidFill>
@@ -27009,7 +26778,7 @@
               <a:t>var</a:t>
             </a:r>
             <a:r>
-              <a:rPr lang="en-US" sz="2400" dirty="0" smtClean="0">
+              <a:rPr lang="en-US" sz="2400" dirty="0">
                 <a:solidFill>
                   <a:srgbClr val="000000"/>
                 </a:solidFill>
@@ -27018,7 +26787,7 @@
               <a:t> child </a:t>
             </a:r>
             <a:r>
-              <a:rPr lang="en-US" sz="2400" dirty="0" smtClean="0">
+              <a:rPr lang="en-US" sz="2400" dirty="0">
                 <a:solidFill>
                   <a:srgbClr val="0000FF"/>
                 </a:solidFill>
@@ -27027,7 +26796,7 @@
               <a:t>in</a:t>
             </a:r>
             <a:r>
-              <a:rPr lang="en-US" sz="2400" dirty="0" smtClean="0">
+              <a:rPr lang="en-US" sz="2400" dirty="0">
                 <a:solidFill>
                   <a:srgbClr val="000000"/>
                 </a:solidFill>
@@ -27036,7 +26805,7 @@
               <a:t> </a:t>
             </a:r>
             <a:r>
-              <a:rPr lang="en-US" sz="2400" dirty="0" err="1" smtClean="0">
+              <a:rPr lang="en-US" sz="2400" dirty="0" err="1">
                 <a:solidFill>
                   <a:srgbClr val="000000"/>
                 </a:solidFill>
@@ -27045,7 +26814,7 @@
               <a:t>GetChilds</a:t>
             </a:r>
             <a:r>
-              <a:rPr lang="en-US" sz="2400" dirty="0" smtClean="0">
+              <a:rPr lang="en-US" sz="2400" dirty="0">
                 <a:solidFill>
                   <a:srgbClr val="000000"/>
                 </a:solidFill>
@@ -27062,19 +26831,10 @@
                 </a:solidFill>
                 <a:latin typeface="Consolas" panose="020B0609020204030204" pitchFamily="49" charset="0"/>
               </a:rPr>
-              <a:t> </a:t>
-            </a:r>
-            <a:r>
-              <a:rPr lang="en-US" sz="2400" dirty="0" smtClean="0">
-                <a:solidFill>
-                  <a:srgbClr val="000000"/>
-                </a:solidFill>
-                <a:latin typeface="Consolas" panose="020B0609020204030204" pitchFamily="49" charset="0"/>
-              </a:rPr>
-              <a:t>       </a:t>
-            </a:r>
-            <a:r>
-              <a:rPr lang="en-US" sz="2400" dirty="0" err="1" smtClean="0">
+              <a:t>        </a:t>
+            </a:r>
+            <a:r>
+              <a:rPr lang="en-US" sz="2400" dirty="0" err="1">
                 <a:solidFill>
                   <a:srgbClr val="000000"/>
                 </a:solidFill>
@@ -27083,7 +26843,7 @@
               <a:t>PrintObject</a:t>
             </a:r>
             <a:r>
-              <a:rPr lang="en-US" sz="2400" dirty="0" smtClean="0">
+              <a:rPr lang="en-US" sz="2400" dirty="0">
                 <a:solidFill>
                   <a:srgbClr val="000000"/>
                 </a:solidFill>
@@ -27092,7 +26852,7 @@
               <a:t>(child, </a:t>
             </a:r>
             <a:r>
-              <a:rPr lang="en-US" sz="2600" b="1" dirty="0" smtClean="0">
+              <a:rPr lang="en-US" sz="2600" b="1" dirty="0">
                 <a:solidFill>
                   <a:srgbClr val="000000"/>
                 </a:solidFill>
@@ -27101,7 +26861,7 @@
               <a:t>depth - 1</a:t>
             </a:r>
             <a:r>
-              <a:rPr lang="en-US" sz="2400" dirty="0" smtClean="0">
+              <a:rPr lang="en-US" sz="2400" dirty="0">
                 <a:solidFill>
                   <a:srgbClr val="000000"/>
                 </a:solidFill>
@@ -27109,16 +26869,10 @@
               </a:rPr>
               <a:t>);</a:t>
             </a:r>
-            <a:endParaRPr lang="en-US" sz="2400" dirty="0">
-              <a:solidFill>
-                <a:srgbClr val="000000"/>
-              </a:solidFill>
-              <a:latin typeface="Consolas" panose="020B0609020204030204" pitchFamily="49" charset="0"/>
-            </a:endParaRPr>
-          </a:p>
-          <a:p>
-            <a:r>
-              <a:rPr lang="en-US" sz="2400" dirty="0" smtClean="0">
+          </a:p>
+          <a:p>
+            <a:r>
+              <a:rPr lang="en-US" sz="2400" dirty="0">
                 <a:solidFill>
                   <a:srgbClr val="000000"/>
                 </a:solidFill>
@@ -27146,11 +26900,11 @@
           <a:lstStyle/>
           <a:p>
             <a:r>
-              <a:rPr lang="en-US" dirty="0" err="1" smtClean="0"/>
+              <a:rPr lang="en-US" dirty="0" err="1"/>
               <a:t>StACK</a:t>
             </a:r>
             <a:r>
-              <a:rPr lang="en-US" dirty="0" smtClean="0"/>
+              <a:rPr lang="en-US" dirty="0"/>
               <a:t> OVERFLOW</a:t>
             </a:r>
             <a:endParaRPr lang="ru-RU" dirty="0"/>
@@ -27331,17 +27085,8 @@
             </a:lvl9pPr>
           </a:lstStyle>
           <a:p>
-            <a:r>
-              <a:rPr lang="en-US" sz="2000" dirty="0" smtClean="0">
-                <a:solidFill>
-                  <a:srgbClr val="000000"/>
-                </a:solidFill>
-                <a:latin typeface="Consolas" panose="020B0609020204030204" pitchFamily="49" charset="0"/>
-              </a:rPr>
-              <a:t/>
-            </a:r>
             <a:br>
-              <a:rPr lang="en-US" sz="2000" dirty="0" smtClean="0">
+              <a:rPr lang="en-US" sz="2000" dirty="0">
                 <a:solidFill>
                   <a:srgbClr val="000000"/>
                 </a:solidFill>
@@ -27362,13 +27107,6 @@
   <p:clrMapOvr>
     <a:masterClrMapping/>
   </p:clrMapOvr>
-  <p:timing>
-    <p:tnLst>
-      <p:par>
-        <p:cTn id="1" dur="indefinite" restart="never" nodeType="tmRoot"/>
-      </p:par>
-    </p:tnLst>
-  </p:timing>
 </p:sld>
 </file>
 
@@ -27421,7 +27159,7 @@
               <a:buAutoNum type="arabicPeriod"/>
             </a:pPr>
             <a:r>
-              <a:rPr lang="ru-RU" dirty="0" smtClean="0"/>
+              <a:rPr lang="ru-RU" dirty="0"/>
               <a:t>Возникает при некорректной работе с памятью</a:t>
             </a:r>
           </a:p>
@@ -27430,27 +27168,19 @@
               <a:buAutoNum type="arabicPeriod"/>
             </a:pPr>
             <a:r>
-              <a:rPr lang="ru-RU" dirty="0" smtClean="0"/>
-              <a:t>Ан</a:t>
-            </a:r>
-            <a:r>
               <a:rPr lang="ru-RU" dirty="0"/>
-              <a:t>а</a:t>
-            </a:r>
-            <a:r>
-              <a:rPr lang="ru-RU" dirty="0" smtClean="0"/>
-              <a:t>логично </a:t>
-            </a:r>
-            <a:r>
-              <a:rPr lang="en-US" dirty="0" err="1" smtClean="0"/>
+              <a:t>Аналогично </a:t>
+            </a:r>
+            <a:r>
+              <a:rPr lang="en-US" dirty="0" err="1"/>
               <a:t>StackOverflow</a:t>
             </a:r>
             <a:r>
-              <a:rPr lang="en-US" dirty="0" smtClean="0"/>
+              <a:rPr lang="en-US" dirty="0"/>
               <a:t> – </a:t>
             </a:r>
             <a:r>
-              <a:rPr lang="ru-RU" dirty="0" smtClean="0"/>
+              <a:rPr lang="ru-RU" dirty="0"/>
               <a:t>поведение зависит от кода, выбросившего исключение</a:t>
             </a:r>
           </a:p>
@@ -27459,7 +27189,7 @@
               <a:buAutoNum type="arabicPeriod"/>
             </a:pPr>
             <a:r>
-              <a:rPr lang="ru-RU" dirty="0" smtClean="0"/>
+              <a:rPr lang="ru-RU" dirty="0"/>
               <a:t>Можно перехватить:</a:t>
             </a:r>
           </a:p>
@@ -27468,13 +27198,13 @@
               <a:buNone/>
             </a:pPr>
             <a:r>
-              <a:rPr lang="en-US" dirty="0" smtClean="0">
+              <a:rPr lang="en-US" dirty="0">
                 <a:latin typeface="Consolas" panose="020B0609020204030204" pitchFamily="49" charset="0"/>
               </a:rPr>
               <a:t>[</a:t>
             </a:r>
             <a:r>
-              <a:rPr lang="en-US" dirty="0" err="1" smtClean="0">
+              <a:rPr lang="en-US" dirty="0" err="1">
                 <a:solidFill>
                   <a:srgbClr val="2B91AF"/>
                 </a:solidFill>
@@ -27483,7 +27213,7 @@
               <a:t>HandleProcessCorruptedStateExceptions</a:t>
             </a:r>
             <a:r>
-              <a:rPr lang="en-US" dirty="0" smtClean="0">
+              <a:rPr lang="en-US" dirty="0">
                 <a:latin typeface="Consolas" panose="020B0609020204030204" pitchFamily="49" charset="0"/>
               </a:rPr>
               <a:t>]</a:t>
@@ -27507,11 +27237,11 @@
           <a:lstStyle/>
           <a:p>
             <a:r>
-              <a:rPr lang="en-US" dirty="0" err="1" smtClean="0"/>
+              <a:rPr lang="en-US" dirty="0" err="1"/>
               <a:t>AcCeSS</a:t>
             </a:r>
             <a:r>
-              <a:rPr lang="en-US" dirty="0" smtClean="0"/>
+              <a:rPr lang="en-US" dirty="0"/>
               <a:t> VIOLATION</a:t>
             </a:r>
             <a:endParaRPr lang="ru-RU" dirty="0"/>
@@ -27692,17 +27422,8 @@
             </a:lvl9pPr>
           </a:lstStyle>
           <a:p>
-            <a:r>
-              <a:rPr lang="en-US" sz="2000" dirty="0" smtClean="0">
-                <a:solidFill>
-                  <a:srgbClr val="000000"/>
-                </a:solidFill>
-                <a:latin typeface="Consolas" panose="020B0609020204030204" pitchFamily="49" charset="0"/>
-              </a:rPr>
-              <a:t/>
-            </a:r>
             <a:br>
-              <a:rPr lang="en-US" sz="2000" dirty="0" smtClean="0">
+              <a:rPr lang="en-US" sz="2000" dirty="0">
                 <a:solidFill>
                   <a:srgbClr val="000000"/>
                 </a:solidFill>
@@ -27887,17 +27608,8 @@
             </a:lvl9pPr>
           </a:lstStyle>
           <a:p>
-            <a:r>
-              <a:rPr lang="en-US" sz="2400" dirty="0" smtClean="0">
-                <a:solidFill>
-                  <a:srgbClr val="000000"/>
-                </a:solidFill>
-                <a:latin typeface="Consolas" panose="020B0609020204030204" pitchFamily="49" charset="0"/>
-              </a:rPr>
-              <a:t/>
-            </a:r>
             <a:br>
-              <a:rPr lang="en-US" sz="2400" dirty="0" smtClean="0">
+              <a:rPr lang="en-US" sz="2400" dirty="0">
                 <a:solidFill>
                   <a:srgbClr val="000000"/>
                 </a:solidFill>
@@ -28202,25 +27914,7 @@
                 </a:solidFill>
                 <a:latin typeface="Consolas" panose="020B0609020204030204" pitchFamily="49" charset="0"/>
               </a:rPr>
-              <a:t>(() </a:t>
-            </a:r>
-            <a:r>
-              <a:rPr lang="en-US" sz="2600" dirty="0" smtClean="0">
-                <a:solidFill>
-                  <a:srgbClr val="000000"/>
-                </a:solidFill>
-                <a:latin typeface="Consolas" panose="020B0609020204030204" pitchFamily="49" charset="0"/>
-              </a:rPr>
-              <a:t>=&gt; {</a:t>
-            </a:r>
-            <a:r>
-              <a:rPr lang="en-US" sz="2600" dirty="0">
-                <a:solidFill>
-                  <a:srgbClr val="000000"/>
-                </a:solidFill>
-                <a:latin typeface="Consolas" panose="020B0609020204030204" pitchFamily="49" charset="0"/>
-              </a:rPr>
-              <a:t/>
+              <a:t>(() =&gt; {</a:t>
             </a:r>
             <a:br>
               <a:rPr lang="en-US" sz="2600" dirty="0">
@@ -28240,7 +27934,7 @@
               <a:t>  </a:t>
             </a:r>
             <a:r>
-              <a:rPr lang="en-US" sz="2600" dirty="0" smtClean="0">
+              <a:rPr lang="en-US" sz="2600" dirty="0">
                 <a:solidFill>
                   <a:srgbClr val="0000E0"/>
                 </a:solidFill>
@@ -28275,19 +27969,10 @@
               <a:t>    </a:t>
             </a:r>
             <a:r>
-              <a:rPr lang="en-US" sz="2600" dirty="0" smtClean="0">
+              <a:rPr lang="en-US" sz="2600" dirty="0">
                 <a:latin typeface="Consolas" panose="020B0609020204030204" pitchFamily="49" charset="0"/>
               </a:rPr>
               <a:t>...</a:t>
-            </a:r>
-            <a:r>
-              <a:rPr lang="en-US" sz="2600" dirty="0">
-                <a:solidFill>
-                  <a:srgbClr val="000000"/>
-                </a:solidFill>
-                <a:latin typeface="Consolas" panose="020B0609020204030204" pitchFamily="49" charset="0"/>
-              </a:rPr>
-              <a:t/>
             </a:r>
             <a:br>
               <a:rPr lang="en-US" sz="2600" dirty="0">
@@ -28304,25 +27989,7 @@
                 </a:solidFill>
                 <a:latin typeface="Consolas" panose="020B0609020204030204" pitchFamily="49" charset="0"/>
               </a:rPr>
-              <a:t>  </a:t>
-            </a:r>
-            <a:r>
-              <a:rPr lang="en-US" sz="2600" dirty="0" smtClean="0">
-                <a:solidFill>
-                  <a:srgbClr val="000000"/>
-                </a:solidFill>
-                <a:latin typeface="Consolas" panose="020B0609020204030204" pitchFamily="49" charset="0"/>
-              </a:rPr>
-              <a:t>}</a:t>
-            </a:r>
-            <a:r>
-              <a:rPr lang="en-US" sz="2600" dirty="0">
-                <a:solidFill>
-                  <a:srgbClr val="000000"/>
-                </a:solidFill>
-                <a:latin typeface="Consolas" panose="020B0609020204030204" pitchFamily="49" charset="0"/>
-              </a:rPr>
-              <a:t/>
+              <a:t>  }</a:t>
             </a:r>
             <a:br>
               <a:rPr lang="en-US" sz="2600" dirty="0">
@@ -28342,7 +28009,7 @@
               <a:t>  </a:t>
             </a:r>
             <a:r>
-              <a:rPr lang="en-US" sz="2600" dirty="0" smtClean="0">
+              <a:rPr lang="en-US" sz="2600" dirty="0">
                 <a:solidFill>
                   <a:srgbClr val="0000E0"/>
                 </a:solidFill>
@@ -28351,7 +28018,7 @@
               <a:t>catch </a:t>
             </a:r>
             <a:r>
-              <a:rPr lang="en-US" sz="2600" dirty="0" smtClean="0">
+              <a:rPr lang="en-US" sz="2600" dirty="0">
                 <a:solidFill>
                   <a:srgbClr val="000000"/>
                 </a:solidFill>
@@ -28360,7 +28027,7 @@
               <a:t>(</a:t>
             </a:r>
             <a:r>
-              <a:rPr lang="en-US" sz="2600" dirty="0" err="1" smtClean="0">
+              <a:rPr lang="en-US" sz="2600" dirty="0" err="1">
                 <a:solidFill>
                   <a:srgbClr val="2B91AF"/>
                 </a:solidFill>
@@ -28369,7 +28036,7 @@
               <a:t>ThreadAbortException</a:t>
             </a:r>
             <a:r>
-              <a:rPr lang="en-US" sz="2600" dirty="0" smtClean="0">
+              <a:rPr lang="en-US" sz="2600" dirty="0">
                 <a:solidFill>
                   <a:srgbClr val="00008B"/>
                 </a:solidFill>
@@ -28401,21 +28068,12 @@
                 </a:solidFill>
                 <a:latin typeface="Consolas" panose="020B0609020204030204" pitchFamily="49" charset="0"/>
               </a:rPr>
-              <a:t> </a:t>
-            </a:r>
-            <a:r>
-              <a:rPr lang="en-US" sz="2600" dirty="0" smtClean="0">
-                <a:solidFill>
-                  <a:srgbClr val="000000"/>
-                </a:solidFill>
-                <a:latin typeface="Consolas" panose="020B0609020204030204" pitchFamily="49" charset="0"/>
-              </a:rPr>
-              <a:t>   ...</a:t>
-            </a:r>
-          </a:p>
-          <a:p>
-            <a:r>
-              <a:rPr lang="en-US" sz="2600" dirty="0" smtClean="0">
+              <a:t>    ...</a:t>
+            </a:r>
+          </a:p>
+          <a:p>
+            <a:r>
+              <a:rPr lang="en-US" sz="2600" dirty="0">
                 <a:solidFill>
                   <a:srgbClr val="0000FF"/>
                 </a:solidFill>
@@ -28424,7 +28082,7 @@
               <a:t>    throw</a:t>
             </a:r>
             <a:r>
-              <a:rPr lang="en-US" sz="2600" dirty="0" smtClean="0">
+              <a:rPr lang="en-US" sz="2600" dirty="0">
                 <a:solidFill>
                   <a:srgbClr val="000000"/>
                 </a:solidFill>
@@ -28435,22 +28093,13 @@
           </a:p>
           <a:p>
             <a:r>
-              <a:rPr lang="en-US" sz="2600" dirty="0" smtClean="0">
+              <a:rPr lang="en-US" sz="2600" dirty="0">
                 <a:solidFill>
                   <a:srgbClr val="000000"/>
                 </a:solidFill>
                 <a:latin typeface="Consolas" panose="020B0609020204030204" pitchFamily="49" charset="0"/>
               </a:rPr>
               <a:t>  }</a:t>
-            </a:r>
-            <a:r>
-              <a:rPr lang="en-US" sz="2600" dirty="0">
-                <a:solidFill>
-                  <a:srgbClr val="000000"/>
-                </a:solidFill>
-                <a:latin typeface="Consolas" panose="020B0609020204030204" pitchFamily="49" charset="0"/>
-              </a:rPr>
-              <a:t/>
             </a:r>
             <a:br>
               <a:rPr lang="en-US" sz="2600" dirty="0">
@@ -28461,7 +28110,7 @@
               </a:rPr>
             </a:br>
             <a:r>
-              <a:rPr lang="en-US" sz="2600" dirty="0" smtClean="0">
+              <a:rPr lang="en-US" sz="2600" dirty="0">
                 <a:solidFill>
                   <a:srgbClr val="000000"/>
                 </a:solidFill>
@@ -28472,7 +28121,7 @@
           </a:p>
           <a:p>
             <a:r>
-              <a:rPr lang="en-US" sz="2600" dirty="0" smtClean="0">
+              <a:rPr lang="en-US" sz="2600" dirty="0">
                 <a:solidFill>
                   <a:srgbClr val="000000"/>
                 </a:solidFill>
@@ -28483,7 +28132,7 @@
           </a:p>
           <a:p>
             <a:r>
-              <a:rPr lang="en-US" sz="2600" dirty="0" err="1" smtClean="0">
+              <a:rPr lang="en-US" sz="2600" dirty="0" err="1">
                 <a:solidFill>
                   <a:srgbClr val="000000"/>
                 </a:solidFill>
@@ -28492,7 +28141,7 @@
               <a:t>thread.Abort</a:t>
             </a:r>
             <a:r>
-              <a:rPr lang="en-US" sz="2600" dirty="0" smtClean="0">
+              <a:rPr lang="en-US" sz="2600" dirty="0">
                 <a:solidFill>
                   <a:srgbClr val="000000"/>
                 </a:solidFill>
@@ -28519,7 +28168,7 @@
           <a:lstStyle/>
           <a:p>
             <a:r>
-              <a:rPr lang="en-US" dirty="0" smtClean="0"/>
+              <a:rPr lang="en-US" dirty="0"/>
               <a:t>THREAD ABORT</a:t>
             </a:r>
             <a:endParaRPr lang="ru-RU" dirty="0"/>
@@ -28720,22 +28369,13 @@
               </a:rPr>
             </a:br>
             <a:r>
-              <a:rPr lang="en-US" sz="2400" dirty="0" smtClean="0">
+              <a:rPr lang="en-US" sz="2400" dirty="0">
                 <a:solidFill>
                   <a:srgbClr val="000000"/>
                 </a:solidFill>
                 <a:latin typeface="Consolas" panose="020B0609020204030204" pitchFamily="49" charset="0"/>
               </a:rPr>
               <a:t>{</a:t>
-            </a:r>
-            <a:r>
-              <a:rPr lang="en-US" sz="2400" dirty="0">
-                <a:solidFill>
-                  <a:srgbClr val="000000"/>
-                </a:solidFill>
-                <a:latin typeface="Consolas" panose="020B0609020204030204" pitchFamily="49" charset="0"/>
-              </a:rPr>
-              <a:t/>
             </a:r>
             <a:br>
               <a:rPr lang="en-US" sz="2400" dirty="0">
@@ -28755,7 +28395,7 @@
               <a:t>  </a:t>
             </a:r>
             <a:r>
-              <a:rPr lang="en-US" sz="2400" dirty="0" smtClean="0">
+              <a:rPr lang="en-US" sz="2400" dirty="0">
                 <a:solidFill>
                   <a:srgbClr val="0000E0"/>
                 </a:solidFill>
@@ -28790,22 +28430,13 @@
               <a:t>    </a:t>
             </a:r>
             <a:r>
-              <a:rPr lang="en-US" sz="2400" dirty="0" smtClean="0">
+              <a:rPr lang="en-US" sz="2400" dirty="0">
                 <a:solidFill>
                   <a:srgbClr val="00008B"/>
                 </a:solidFill>
                 <a:latin typeface="Consolas" panose="020B0609020204030204" pitchFamily="49" charset="0"/>
               </a:rPr>
               <a:t>...</a:t>
-            </a:r>
-            <a:r>
-              <a:rPr lang="en-US" sz="2400" dirty="0">
-                <a:solidFill>
-                  <a:srgbClr val="000000"/>
-                </a:solidFill>
-                <a:latin typeface="Consolas" panose="020B0609020204030204" pitchFamily="49" charset="0"/>
-              </a:rPr>
-              <a:t/>
             </a:r>
             <a:br>
               <a:rPr lang="en-US" sz="2400" dirty="0">
@@ -28822,25 +28453,7 @@
                 </a:solidFill>
                 <a:latin typeface="Consolas" panose="020B0609020204030204" pitchFamily="49" charset="0"/>
               </a:rPr>
-              <a:t>  </a:t>
-            </a:r>
-            <a:r>
-              <a:rPr lang="en-US" sz="2400" dirty="0" smtClean="0">
-                <a:solidFill>
-                  <a:srgbClr val="000000"/>
-                </a:solidFill>
-                <a:latin typeface="Consolas" panose="020B0609020204030204" pitchFamily="49" charset="0"/>
-              </a:rPr>
-              <a:t>}</a:t>
-            </a:r>
-            <a:r>
-              <a:rPr lang="en-US" sz="2400" dirty="0">
-                <a:solidFill>
-                  <a:srgbClr val="000000"/>
-                </a:solidFill>
-                <a:latin typeface="Consolas" panose="020B0609020204030204" pitchFamily="49" charset="0"/>
-              </a:rPr>
-              <a:t/>
+              <a:t>  }</a:t>
             </a:r>
             <a:br>
               <a:rPr lang="en-US" sz="2400" dirty="0">
@@ -28860,7 +28473,7 @@
               <a:t>  </a:t>
             </a:r>
             <a:r>
-              <a:rPr lang="en-US" sz="2400" dirty="0" smtClean="0">
+              <a:rPr lang="en-US" sz="2400" dirty="0">
                 <a:solidFill>
                   <a:srgbClr val="0000E0"/>
                 </a:solidFill>
@@ -28869,7 +28482,7 @@
               <a:t>catch </a:t>
             </a:r>
             <a:r>
-              <a:rPr lang="en-US" sz="2400" dirty="0" smtClean="0">
+              <a:rPr lang="en-US" sz="2400" dirty="0">
                 <a:solidFill>
                   <a:srgbClr val="000000"/>
                 </a:solidFill>
@@ -28878,7 +28491,7 @@
               <a:t>(</a:t>
             </a:r>
             <a:r>
-              <a:rPr lang="en-US" sz="2400" dirty="0" err="1" smtClean="0">
+              <a:rPr lang="en-US" sz="2400" dirty="0" err="1">
                 <a:solidFill>
                   <a:srgbClr val="2B91AF"/>
                 </a:solidFill>
@@ -28887,7 +28500,7 @@
               <a:t>ThreadAbortException</a:t>
             </a:r>
             <a:r>
-              <a:rPr lang="en-US" sz="2400" dirty="0" smtClean="0">
+              <a:rPr lang="en-US" sz="2400" dirty="0">
                 <a:solidFill>
                   <a:srgbClr val="00008B"/>
                 </a:solidFill>
@@ -28919,21 +28532,12 @@
                 </a:solidFill>
                 <a:latin typeface="Consolas" panose="020B0609020204030204" pitchFamily="49" charset="0"/>
               </a:rPr>
-              <a:t> </a:t>
-            </a:r>
-            <a:r>
-              <a:rPr lang="en-US" sz="2400" dirty="0" smtClean="0">
-                <a:solidFill>
-                  <a:srgbClr val="000000"/>
-                </a:solidFill>
-                <a:latin typeface="Consolas" panose="020B0609020204030204" pitchFamily="49" charset="0"/>
-              </a:rPr>
-              <a:t>   ...</a:t>
-            </a:r>
-          </a:p>
-          <a:p>
-            <a:r>
-              <a:rPr lang="en-US" sz="2400" dirty="0" smtClean="0">
+              <a:t>    ...</a:t>
+            </a:r>
+          </a:p>
+          <a:p>
+            <a:r>
+              <a:rPr lang="en-US" sz="2400" dirty="0">
                 <a:solidFill>
                   <a:srgbClr val="0000FF"/>
                 </a:solidFill>
@@ -28942,7 +28546,7 @@
               <a:t>    </a:t>
             </a:r>
             <a:r>
-              <a:rPr lang="en-US" sz="2400" dirty="0" err="1" smtClean="0">
+              <a:rPr lang="en-US" sz="2400" dirty="0" err="1">
                 <a:solidFill>
                   <a:srgbClr val="2B91AF"/>
                 </a:solidFill>
@@ -28951,13 +28555,13 @@
               <a:t>Thread</a:t>
             </a:r>
             <a:r>
-              <a:rPr lang="en-US" sz="2400" dirty="0" err="1" smtClean="0">
+              <a:rPr lang="en-US" sz="2400" dirty="0" err="1">
                 <a:latin typeface="Consolas" panose="020B0609020204030204" pitchFamily="49" charset="0"/>
               </a:rPr>
               <a:t>.ResetAbort</a:t>
             </a:r>
             <a:r>
-              <a:rPr lang="en-US" sz="2400" dirty="0" smtClean="0">
+              <a:rPr lang="en-US" sz="2400" dirty="0">
                 <a:latin typeface="Consolas" panose="020B0609020204030204" pitchFamily="49" charset="0"/>
               </a:rPr>
               <a:t>();</a:t>
@@ -28965,22 +28569,13 @@
           </a:p>
           <a:p>
             <a:r>
-              <a:rPr lang="en-US" sz="2400" dirty="0" smtClean="0">
+              <a:rPr lang="en-US" sz="2400" dirty="0">
                 <a:solidFill>
                   <a:srgbClr val="000000"/>
                 </a:solidFill>
                 <a:latin typeface="Consolas" panose="020B0609020204030204" pitchFamily="49" charset="0"/>
               </a:rPr>
               <a:t>  }</a:t>
-            </a:r>
-            <a:r>
-              <a:rPr lang="en-US" sz="2400" dirty="0">
-                <a:solidFill>
-                  <a:srgbClr val="000000"/>
-                </a:solidFill>
-                <a:latin typeface="Consolas" panose="020B0609020204030204" pitchFamily="49" charset="0"/>
-              </a:rPr>
-              <a:t/>
             </a:r>
             <a:br>
               <a:rPr lang="en-US" sz="2400" dirty="0">
@@ -28991,7 +28586,7 @@
               </a:rPr>
             </a:br>
             <a:r>
-              <a:rPr lang="en-US" sz="2400" dirty="0" smtClean="0">
+              <a:rPr lang="en-US" sz="2400" dirty="0">
                 <a:solidFill>
                   <a:srgbClr val="000000"/>
                 </a:solidFill>
@@ -29002,7 +28597,7 @@
           </a:p>
           <a:p>
             <a:r>
-              <a:rPr lang="en-US" sz="2400" dirty="0" smtClean="0">
+              <a:rPr lang="en-US" sz="2400" dirty="0">
                 <a:solidFill>
                   <a:srgbClr val="000000"/>
                 </a:solidFill>
@@ -29013,7 +28608,7 @@
           </a:p>
           <a:p>
             <a:r>
-              <a:rPr lang="en-US" sz="2400" dirty="0" err="1" smtClean="0">
+              <a:rPr lang="en-US" sz="2400" dirty="0" err="1">
                 <a:solidFill>
                   <a:srgbClr val="000000"/>
                 </a:solidFill>
@@ -29022,7 +28617,7 @@
               <a:t>thread.Abort</a:t>
             </a:r>
             <a:r>
-              <a:rPr lang="en-US" sz="2400" dirty="0" smtClean="0">
+              <a:rPr lang="en-US" sz="2400" dirty="0">
                 <a:solidFill>
                   <a:srgbClr val="000000"/>
                 </a:solidFill>
@@ -29049,7 +28644,7 @@
           <a:lstStyle/>
           <a:p>
             <a:r>
-              <a:rPr lang="en-US" dirty="0" smtClean="0"/>
+              <a:rPr lang="en-US" dirty="0"/>
               <a:t>THREAD ABORT</a:t>
             </a:r>
             <a:endParaRPr lang="ru-RU" dirty="0"/>
@@ -29066,13 +28661,6 @@
   <p:clrMapOvr>
     <a:masterClrMapping/>
   </p:clrMapOvr>
-  <p:timing>
-    <p:tnLst>
-      <p:par>
-        <p:cTn id="1" dur="indefinite" restart="never" nodeType="tmRoot"/>
-      </p:par>
-    </p:tnLst>
-  </p:timing>
 </p:sld>
 </file>
 
@@ -29125,7 +28713,7 @@
               <a:buAutoNum type="arabicPeriod"/>
             </a:pPr>
             <a:r>
-              <a:rPr lang="ru-RU" dirty="0" smtClean="0"/>
+              <a:rPr lang="ru-RU" dirty="0"/>
               <a:t>Избегайте отмены потоков</a:t>
             </a:r>
           </a:p>
@@ -29134,10 +28722,10 @@
               <a:buAutoNum type="arabicPeriod"/>
             </a:pPr>
             <a:r>
-              <a:rPr lang="ru-RU" dirty="0" smtClean="0"/>
+              <a:rPr lang="ru-RU" dirty="0"/>
               <a:t>Синхронизируйте потоки</a:t>
             </a:r>
-            <a:endParaRPr lang="en-US" dirty="0" smtClean="0">
+            <a:endParaRPr lang="en-US" dirty="0">
               <a:latin typeface="+mn-lt"/>
             </a:endParaRPr>
           </a:p>
@@ -29159,7 +28747,7 @@
           <a:lstStyle/>
           <a:p>
             <a:r>
-              <a:rPr lang="en-US" dirty="0" smtClean="0"/>
+              <a:rPr lang="en-US" dirty="0"/>
               <a:t>THREAD ABORT</a:t>
             </a:r>
             <a:endParaRPr lang="ru-RU" dirty="0"/>
@@ -29340,17 +28928,8 @@
             </a:lvl9pPr>
           </a:lstStyle>
           <a:p>
-            <a:r>
-              <a:rPr lang="en-US" sz="2000" dirty="0" smtClean="0">
-                <a:solidFill>
-                  <a:srgbClr val="000000"/>
-                </a:solidFill>
-                <a:latin typeface="Consolas" panose="020B0609020204030204" pitchFamily="49" charset="0"/>
-              </a:rPr>
-              <a:t/>
-            </a:r>
             <a:br>
-              <a:rPr lang="en-US" sz="2000" dirty="0" smtClean="0">
+              <a:rPr lang="en-US" sz="2000" dirty="0">
                 <a:solidFill>
                   <a:srgbClr val="000000"/>
                 </a:solidFill>
@@ -29535,17 +29114,8 @@
             </a:lvl9pPr>
           </a:lstStyle>
           <a:p>
-            <a:r>
-              <a:rPr lang="en-US" sz="2400" dirty="0" smtClean="0">
-                <a:solidFill>
-                  <a:srgbClr val="000000"/>
-                </a:solidFill>
-                <a:latin typeface="Consolas" panose="020B0609020204030204" pitchFamily="49" charset="0"/>
-              </a:rPr>
-              <a:t/>
-            </a:r>
             <a:br>
-              <a:rPr lang="en-US" sz="2400" dirty="0" smtClean="0">
+              <a:rPr lang="en-US" sz="2400" dirty="0">
                 <a:solidFill>
                   <a:srgbClr val="000000"/>
                 </a:solidFill>
@@ -29739,17 +29309,8 @@
           </a:bodyPr>
           <a:lstStyle/>
           <a:p>
-            <a:r>
-              <a:rPr lang="en-US" sz="2400" dirty="0" smtClean="0">
-                <a:solidFill>
-                  <a:srgbClr val="000000"/>
-                </a:solidFill>
-                <a:latin typeface="Consolas" panose="020B0609020204030204" pitchFamily="49" charset="0"/>
-              </a:rPr>
-              <a:t/>
-            </a:r>
             <a:br>
-              <a:rPr lang="en-US" sz="2400" dirty="0" smtClean="0">
+              <a:rPr lang="en-US" sz="2400" dirty="0">
                 <a:solidFill>
                   <a:srgbClr val="000000"/>
                 </a:solidFill>
@@ -29757,7 +29318,7 @@
               </a:rPr>
             </a:br>
             <a:r>
-              <a:rPr lang="en-US" sz="2800" dirty="0" err="1" smtClean="0">
+              <a:rPr lang="en-US" sz="2800" dirty="0" err="1">
                 <a:solidFill>
                   <a:srgbClr val="000000"/>
                 </a:solidFill>
@@ -29766,7 +29327,7 @@
               <a:t>LimitMemory</a:t>
             </a:r>
             <a:r>
-              <a:rPr lang="en-US" sz="2800" dirty="0" smtClean="0">
+              <a:rPr lang="en-US" sz="2800" dirty="0">
                 <a:solidFill>
                   <a:srgbClr val="000000"/>
                 </a:solidFill>
@@ -29776,17 +29337,8 @@
             </a:r>
           </a:p>
           <a:p>
-            <a:r>
-              <a:rPr lang="en-US" sz="2800" dirty="0" smtClean="0">
-                <a:solidFill>
-                  <a:srgbClr val="000000"/>
-                </a:solidFill>
-                <a:latin typeface="Consolas" panose="020B0609020204030204" pitchFamily="49" charset="0"/>
-              </a:rPr>
-              <a:t/>
-            </a:r>
             <a:br>
-              <a:rPr lang="en-US" sz="2800" dirty="0" smtClean="0">
+              <a:rPr lang="en-US" sz="2800" dirty="0">
                 <a:solidFill>
                   <a:srgbClr val="000000"/>
                 </a:solidFill>
@@ -29794,7 +29346,7 @@
               </a:rPr>
             </a:br>
             <a:r>
-              <a:rPr lang="en-US" sz="2800" dirty="0" smtClean="0">
+              <a:rPr lang="en-US" sz="2800" dirty="0">
                 <a:solidFill>
                   <a:srgbClr val="0000E0"/>
                 </a:solidFill>
@@ -29803,7 +29355,7 @@
               <a:t>try </a:t>
             </a:r>
             <a:r>
-              <a:rPr lang="en-US" sz="2800" dirty="0" smtClean="0">
+              <a:rPr lang="en-US" sz="2800" dirty="0">
                 <a:solidFill>
                   <a:srgbClr val="000000"/>
                 </a:solidFill>
@@ -29812,7 +29364,7 @@
               <a:t>{</a:t>
             </a:r>
             <a:br>
-              <a:rPr lang="en-US" sz="2800" dirty="0" smtClean="0">
+              <a:rPr lang="en-US" sz="2800" dirty="0">
                 <a:solidFill>
                   <a:srgbClr val="000000"/>
                 </a:solidFill>
@@ -29820,7 +29372,7 @@
               </a:rPr>
             </a:br>
             <a:r>
-              <a:rPr lang="en-US" sz="2800" dirty="0" smtClean="0">
+              <a:rPr lang="en-US" sz="2800" dirty="0">
                 <a:solidFill>
                   <a:srgbClr val="000000"/>
                 </a:solidFill>
@@ -29829,7 +29381,7 @@
               <a:t>  </a:t>
             </a:r>
             <a:r>
-              <a:rPr lang="en-US" sz="2800" dirty="0" smtClean="0">
+              <a:rPr lang="en-US" sz="2800" dirty="0">
                 <a:solidFill>
                   <a:srgbClr val="0000E0"/>
                 </a:solidFill>
@@ -29838,7 +29390,7 @@
               <a:t>while</a:t>
             </a:r>
             <a:r>
-              <a:rPr lang="en-US" sz="2800" dirty="0" smtClean="0">
+              <a:rPr lang="en-US" sz="2800" dirty="0">
                 <a:solidFill>
                   <a:srgbClr val="000000"/>
                 </a:solidFill>
@@ -29847,7 +29399,7 @@
               <a:t>(</a:t>
             </a:r>
             <a:r>
-              <a:rPr lang="en-US" sz="2800" dirty="0" smtClean="0">
+              <a:rPr lang="en-US" sz="2800" dirty="0">
                 <a:solidFill>
                   <a:srgbClr val="0000E0"/>
                 </a:solidFill>
@@ -29856,7 +29408,7 @@
               <a:t>true</a:t>
             </a:r>
             <a:r>
-              <a:rPr lang="en-US" sz="2800" dirty="0" smtClean="0">
+              <a:rPr lang="en-US" sz="2800" dirty="0">
                 <a:solidFill>
                   <a:srgbClr val="000000"/>
                 </a:solidFill>
@@ -29865,7 +29417,7 @@
               <a:t>)</a:t>
             </a:r>
             <a:br>
-              <a:rPr lang="en-US" sz="2800" dirty="0" smtClean="0">
+              <a:rPr lang="en-US" sz="2800" dirty="0">
                 <a:solidFill>
                   <a:srgbClr val="000000"/>
                 </a:solidFill>
@@ -29873,7 +29425,7 @@
               </a:rPr>
             </a:br>
             <a:r>
-              <a:rPr lang="en-US" sz="2800" dirty="0" smtClean="0">
+              <a:rPr lang="en-US" sz="2800" dirty="0">
                 <a:solidFill>
                   <a:srgbClr val="000000"/>
                 </a:solidFill>
@@ -29882,7 +29434,7 @@
               <a:t>    </a:t>
             </a:r>
             <a:r>
-              <a:rPr lang="en-US" sz="2800" dirty="0" err="1" smtClean="0">
+              <a:rPr lang="en-US" sz="2800" dirty="0" err="1">
                 <a:solidFill>
                   <a:srgbClr val="000000"/>
                 </a:solidFill>
@@ -29891,13 +29443,13 @@
               <a:t>list.</a:t>
             </a:r>
             <a:r>
-              <a:rPr lang="en-US" sz="2800" dirty="0" err="1" smtClean="0">
+              <a:rPr lang="en-US" sz="2800" dirty="0" err="1">
                 <a:latin typeface="Consolas" panose="020B0609020204030204" pitchFamily="49" charset="0"/>
               </a:rPr>
               <a:t>Add</a:t>
             </a:r>
             <a:r>
-              <a:rPr lang="en-US" sz="2800" dirty="0" smtClean="0">
+              <a:rPr lang="en-US" sz="2800" dirty="0">
                 <a:solidFill>
                   <a:srgbClr val="000000"/>
                 </a:solidFill>
@@ -29906,7 +29458,7 @@
               <a:t>(</a:t>
             </a:r>
             <a:r>
-              <a:rPr lang="en-US" sz="2800" dirty="0" smtClean="0">
+              <a:rPr lang="en-US" sz="2800" dirty="0">
                 <a:solidFill>
                   <a:srgbClr val="0000E0"/>
                 </a:solidFill>
@@ -29915,7 +29467,7 @@
               <a:t>new byte</a:t>
             </a:r>
             <a:r>
-              <a:rPr lang="en-US" sz="2800" dirty="0" smtClean="0">
+              <a:rPr lang="en-US" sz="2800" dirty="0">
                 <a:solidFill>
                   <a:srgbClr val="000000"/>
                 </a:solidFill>
@@ -29924,7 +29476,7 @@
               <a:t>[SIZE]);</a:t>
             </a:r>
             <a:br>
-              <a:rPr lang="en-US" sz="2800" dirty="0" smtClean="0">
+              <a:rPr lang="en-US" sz="2800" dirty="0">
                 <a:solidFill>
                   <a:srgbClr val="000000"/>
                 </a:solidFill>
@@ -29932,7 +29484,7 @@
               </a:rPr>
             </a:br>
             <a:r>
-              <a:rPr lang="en-US" sz="2800" dirty="0" smtClean="0">
+              <a:rPr lang="en-US" sz="2800" dirty="0">
                 <a:solidFill>
                   <a:srgbClr val="000000"/>
                 </a:solidFill>
@@ -29941,7 +29493,7 @@
               <a:t>}</a:t>
             </a:r>
             <a:br>
-              <a:rPr lang="en-US" sz="2800" dirty="0" smtClean="0">
+              <a:rPr lang="en-US" sz="2800" dirty="0">
                 <a:solidFill>
                   <a:srgbClr val="000000"/>
                 </a:solidFill>
@@ -29949,7 +29501,7 @@
               </a:rPr>
             </a:br>
             <a:r>
-              <a:rPr lang="en-US" sz="2800" dirty="0" smtClean="0">
+              <a:rPr lang="en-US" sz="2800" dirty="0">
                 <a:solidFill>
                   <a:srgbClr val="0000E0"/>
                 </a:solidFill>
@@ -29958,7 +29510,7 @@
               <a:t>catch </a:t>
             </a:r>
             <a:r>
-              <a:rPr lang="en-US" sz="2800" dirty="0" smtClean="0">
+              <a:rPr lang="en-US" sz="2800" dirty="0">
                 <a:solidFill>
                   <a:srgbClr val="000000"/>
                 </a:solidFill>
@@ -29967,7 +29519,7 @@
               <a:t>(</a:t>
             </a:r>
             <a:r>
-              <a:rPr lang="en-US" sz="2800" dirty="0" err="1" smtClean="0">
+              <a:rPr lang="en-US" sz="2800" dirty="0" err="1">
                 <a:solidFill>
                   <a:srgbClr val="2B91AF"/>
                 </a:solidFill>
@@ -29976,7 +29528,7 @@
               <a:t>OutOfMemoryException</a:t>
             </a:r>
             <a:r>
-              <a:rPr lang="en-US" sz="2800" dirty="0" smtClean="0">
+              <a:rPr lang="en-US" sz="2800" dirty="0">
                 <a:solidFill>
                   <a:srgbClr val="00008B"/>
                 </a:solidFill>
@@ -29985,7 +29537,7 @@
               <a:t> </a:t>
             </a:r>
             <a:r>
-              <a:rPr lang="en-US" sz="2800" dirty="0" smtClean="0">
+              <a:rPr lang="en-US" sz="2800" dirty="0">
                 <a:solidFill>
                   <a:srgbClr val="000000"/>
                 </a:solidFill>
@@ -29994,7 +29546,7 @@
               <a:t>e) {</a:t>
             </a:r>
             <a:br>
-              <a:rPr lang="en-US" sz="2800" dirty="0" smtClean="0">
+              <a:rPr lang="en-US" sz="2800" dirty="0">
                 <a:solidFill>
                   <a:srgbClr val="000000"/>
                 </a:solidFill>
@@ -30002,7 +29554,7 @@
               </a:rPr>
             </a:br>
             <a:r>
-              <a:rPr lang="en-US" sz="2800" dirty="0" smtClean="0">
+              <a:rPr lang="en-US" sz="2800" dirty="0">
                 <a:solidFill>
                   <a:srgbClr val="000000"/>
                 </a:solidFill>
@@ -30011,7 +29563,7 @@
               <a:t>  </a:t>
             </a:r>
             <a:r>
-              <a:rPr lang="en-US" sz="2800" dirty="0" err="1" smtClean="0">
+              <a:rPr lang="en-US" sz="2800" dirty="0" err="1">
                 <a:solidFill>
                   <a:srgbClr val="2B91AF"/>
                 </a:solidFill>
@@ -30020,7 +29572,7 @@
               <a:t>Console</a:t>
             </a:r>
             <a:r>
-              <a:rPr lang="en-US" sz="2800" dirty="0" err="1" smtClean="0">
+              <a:rPr lang="en-US" sz="2800" dirty="0" err="1">
                 <a:solidFill>
                   <a:srgbClr val="000000"/>
                 </a:solidFill>
@@ -30029,13 +29581,13 @@
               <a:t>.</a:t>
             </a:r>
             <a:r>
-              <a:rPr lang="en-US" sz="2800" dirty="0" err="1" smtClean="0">
+              <a:rPr lang="en-US" sz="2800" dirty="0" err="1">
                 <a:latin typeface="Consolas" panose="020B0609020204030204" pitchFamily="49" charset="0"/>
               </a:rPr>
               <a:t>WriteLine</a:t>
             </a:r>
             <a:r>
-              <a:rPr lang="en-US" sz="2800" dirty="0" smtClean="0">
+              <a:rPr lang="en-US" sz="2800" dirty="0">
                 <a:solidFill>
                   <a:srgbClr val="000000"/>
                 </a:solidFill>
@@ -30044,13 +29596,13 @@
               <a:t>(</a:t>
             </a:r>
             <a:r>
-              <a:rPr lang="en-US" sz="2800" dirty="0" smtClean="0">
+              <a:rPr lang="en-US" sz="2800" dirty="0">
                 <a:latin typeface="Consolas" panose="020B0609020204030204" pitchFamily="49" charset="0"/>
               </a:rPr>
               <a:t>e</a:t>
             </a:r>
             <a:r>
-              <a:rPr lang="en-US" sz="2800" dirty="0" smtClean="0">
+              <a:rPr lang="en-US" sz="2800" dirty="0">
                 <a:solidFill>
                   <a:srgbClr val="000000"/>
                 </a:solidFill>
@@ -30059,7 +29611,7 @@
               <a:t>);</a:t>
             </a:r>
             <a:br>
-              <a:rPr lang="en-US" sz="2800" dirty="0" smtClean="0">
+              <a:rPr lang="en-US" sz="2800" dirty="0">
                 <a:solidFill>
                   <a:srgbClr val="000000"/>
                 </a:solidFill>
@@ -30067,7 +29619,7 @@
               </a:rPr>
             </a:br>
             <a:r>
-              <a:rPr lang="en-US" sz="2800" dirty="0" smtClean="0">
+              <a:rPr lang="en-US" sz="2800" dirty="0">
                 <a:solidFill>
                   <a:srgbClr val="000000"/>
                 </a:solidFill>
@@ -30148,7 +29700,7 @@
           <a:lstStyle/>
           <a:p>
             <a:r>
-              <a:rPr lang="en-US" dirty="0" smtClean="0"/>
+              <a:rPr lang="en-US" dirty="0"/>
               <a:t>OUT OF MEMORY</a:t>
             </a:r>
             <a:endParaRPr lang="ru-RU" dirty="0"/>
@@ -30329,17 +29881,8 @@
             </a:lvl9pPr>
           </a:lstStyle>
           <a:p>
-            <a:r>
-              <a:rPr lang="en-US" sz="2000" dirty="0" smtClean="0">
-                <a:solidFill>
-                  <a:srgbClr val="000000"/>
-                </a:solidFill>
-                <a:latin typeface="Consolas" panose="020B0609020204030204" pitchFamily="49" charset="0"/>
-              </a:rPr>
-              <a:t/>
-            </a:r>
             <a:br>
-              <a:rPr lang="en-US" sz="2000" dirty="0" smtClean="0">
+              <a:rPr lang="en-US" sz="2000" dirty="0">
                 <a:solidFill>
                   <a:srgbClr val="000000"/>
                 </a:solidFill>
@@ -30360,13 +29903,6 @@
   <p:clrMapOvr>
     <a:masterClrMapping/>
   </p:clrMapOvr>
-  <p:timing>
-    <p:tnLst>
-      <p:par>
-        <p:cTn id="1" dur="indefinite" restart="never" nodeType="tmRoot"/>
-      </p:par>
-    </p:tnLst>
-  </p:timing>
 </p:sld>
 </file>
 
@@ -30413,7 +29949,7 @@
               <a:buAutoNum type="arabicPeriod"/>
             </a:pPr>
             <a:r>
-              <a:rPr lang="ru-RU" dirty="0" smtClean="0">
+              <a:rPr lang="ru-RU" dirty="0">
                 <a:latin typeface="+mn-lt"/>
               </a:rPr>
               <a:t>Процесс упадёт</a:t>
@@ -30427,13 +29963,7 @@
               <a:rPr lang="ru-RU" dirty="0">
                 <a:latin typeface="+mn-lt"/>
               </a:rPr>
-              <a:t>И</a:t>
-            </a:r>
-            <a:r>
-              <a:rPr lang="ru-RU" dirty="0" smtClean="0">
-                <a:latin typeface="+mn-lt"/>
-              </a:rPr>
-              <a:t>сключение обработается</a:t>
+              <a:t>Исключение обработается</a:t>
             </a:r>
           </a:p>
           <a:p>
@@ -30493,7 +30023,7 @@
           <a:lstStyle/>
           <a:p>
             <a:r>
-              <a:rPr lang="en-US" dirty="0" smtClean="0"/>
+              <a:rPr lang="en-US" dirty="0"/>
               <a:t>OUT OF MEMORY</a:t>
             </a:r>
             <a:endParaRPr lang="ru-RU" dirty="0"/>
@@ -30674,17 +30204,8 @@
             </a:lvl9pPr>
           </a:lstStyle>
           <a:p>
-            <a:r>
-              <a:rPr lang="en-US" sz="2000" dirty="0" smtClean="0">
-                <a:solidFill>
-                  <a:srgbClr val="000000"/>
-                </a:solidFill>
-                <a:latin typeface="Consolas" panose="020B0609020204030204" pitchFamily="49" charset="0"/>
-              </a:rPr>
-              <a:t/>
-            </a:r>
             <a:br>
-              <a:rPr lang="en-US" sz="2000" dirty="0" smtClean="0">
+              <a:rPr lang="en-US" sz="2000" dirty="0">
                 <a:solidFill>
                   <a:srgbClr val="000000"/>
                 </a:solidFill>
@@ -30869,17 +30390,8 @@
             </a:lvl9pPr>
           </a:lstStyle>
           <a:p>
-            <a:r>
-              <a:rPr lang="en-US" sz="2400" dirty="0" smtClean="0">
-                <a:solidFill>
-                  <a:srgbClr val="000000"/>
-                </a:solidFill>
-                <a:latin typeface="Consolas" panose="020B0609020204030204" pitchFamily="49" charset="0"/>
-              </a:rPr>
-              <a:t/>
-            </a:r>
             <a:br>
-              <a:rPr lang="en-US" sz="2400" dirty="0" smtClean="0">
+              <a:rPr lang="en-US" sz="2400" dirty="0">
                 <a:solidFill>
                   <a:srgbClr val="000000"/>
                 </a:solidFill>
@@ -31172,14 +30684,11 @@
           <a:lstStyle/>
           <a:p>
             <a:r>
-              <a:rPr lang="ru-RU" sz="4400" dirty="0" smtClean="0">
+              <a:rPr lang="ru-RU" sz="4400" dirty="0">
                 <a:latin typeface="+mn-lt"/>
               </a:rPr>
               <a:t>Ответ…</a:t>
             </a:r>
-            <a:endParaRPr lang="ru-RU" sz="4400" dirty="0">
-              <a:latin typeface="+mn-lt"/>
-            </a:endParaRPr>
           </a:p>
         </p:txBody>
       </p:sp>
@@ -31199,7 +30708,7 @@
           <a:lstStyle/>
           <a:p>
             <a:r>
-              <a:rPr lang="en-US" dirty="0" smtClean="0"/>
+              <a:rPr lang="en-US" dirty="0"/>
               <a:t>OUT OF MEMORY</a:t>
             </a:r>
             <a:endParaRPr lang="ru-RU" dirty="0"/>
@@ -31380,17 +30889,8 @@
             </a:lvl9pPr>
           </a:lstStyle>
           <a:p>
-            <a:r>
-              <a:rPr lang="en-US" sz="2000" dirty="0" smtClean="0">
-                <a:solidFill>
-                  <a:srgbClr val="000000"/>
-                </a:solidFill>
-                <a:latin typeface="Consolas" panose="020B0609020204030204" pitchFamily="49" charset="0"/>
-              </a:rPr>
-              <a:t/>
-            </a:r>
             <a:br>
-              <a:rPr lang="en-US" sz="2000" dirty="0" smtClean="0">
+              <a:rPr lang="en-US" sz="2000" dirty="0">
                 <a:solidFill>
                   <a:srgbClr val="000000"/>
                 </a:solidFill>
@@ -31575,17 +31075,8 @@
             </a:lvl9pPr>
           </a:lstStyle>
           <a:p>
-            <a:r>
-              <a:rPr lang="en-US" sz="2400" dirty="0" smtClean="0">
-                <a:solidFill>
-                  <a:srgbClr val="000000"/>
-                </a:solidFill>
-                <a:latin typeface="Consolas" panose="020B0609020204030204" pitchFamily="49" charset="0"/>
-              </a:rPr>
-              <a:t/>
-            </a:r>
             <a:br>
-              <a:rPr lang="en-US" sz="2400" dirty="0" smtClean="0">
+              <a:rPr lang="en-US" sz="2400" dirty="0">
                 <a:solidFill>
                   <a:srgbClr val="000000"/>
                 </a:solidFill>
@@ -31618,13 +31109,13 @@
           </a:bodyPr>
           <a:lstStyle/>
           <a:p>
-            <a:endParaRPr lang="ru-RU" dirty="0" smtClean="0"/>
-          </a:p>
-          <a:p>
             <a:endParaRPr lang="ru-RU" dirty="0"/>
           </a:p>
           <a:p>
-            <a:endParaRPr lang="ru-RU" dirty="0" smtClean="0"/>
+            <a:endParaRPr lang="ru-RU" dirty="0"/>
+          </a:p>
+          <a:p>
+            <a:endParaRPr lang="ru-RU" dirty="0"/>
           </a:p>
           <a:p>
             <a:endParaRPr lang="ru-RU" dirty="0"/>
@@ -31653,13 +31144,13 @@
           </a:bodyPr>
           <a:lstStyle/>
           <a:p>
-            <a:endParaRPr lang="ru-RU" dirty="0" smtClean="0"/>
-          </a:p>
-          <a:p>
             <a:endParaRPr lang="ru-RU" dirty="0"/>
           </a:p>
           <a:p>
-            <a:endParaRPr lang="ru-RU" dirty="0" smtClean="0"/>
+            <a:endParaRPr lang="ru-RU" dirty="0"/>
+          </a:p>
+          <a:p>
+            <a:endParaRPr lang="ru-RU" dirty="0"/>
           </a:p>
           <a:p>
             <a:endParaRPr lang="ru-RU" dirty="0"/>
@@ -31688,13 +31179,13 @@
           </a:bodyPr>
           <a:lstStyle/>
           <a:p>
-            <a:endParaRPr lang="ru-RU" dirty="0" smtClean="0"/>
-          </a:p>
-          <a:p>
             <a:endParaRPr lang="ru-RU" dirty="0"/>
           </a:p>
           <a:p>
-            <a:endParaRPr lang="ru-RU" dirty="0" smtClean="0"/>
+            <a:endParaRPr lang="ru-RU" dirty="0"/>
+          </a:p>
+          <a:p>
+            <a:endParaRPr lang="ru-RU" dirty="0"/>
           </a:p>
           <a:p>
             <a:endParaRPr lang="ru-RU" dirty="0"/>
@@ -31723,13 +31214,13 @@
           </a:bodyPr>
           <a:lstStyle/>
           <a:p>
-            <a:endParaRPr lang="ru-RU" dirty="0" smtClean="0"/>
-          </a:p>
-          <a:p>
             <a:endParaRPr lang="ru-RU" dirty="0"/>
           </a:p>
           <a:p>
-            <a:endParaRPr lang="ru-RU" dirty="0" smtClean="0"/>
+            <a:endParaRPr lang="ru-RU" dirty="0"/>
+          </a:p>
+          <a:p>
+            <a:endParaRPr lang="ru-RU" dirty="0"/>
           </a:p>
           <a:p>
             <a:endParaRPr lang="ru-RU" dirty="0"/>
@@ -31758,13 +31249,13 @@
           </a:bodyPr>
           <a:lstStyle/>
           <a:p>
-            <a:endParaRPr lang="ru-RU" dirty="0" smtClean="0"/>
-          </a:p>
-          <a:p>
             <a:endParaRPr lang="ru-RU" dirty="0"/>
           </a:p>
           <a:p>
-            <a:endParaRPr lang="ru-RU" dirty="0" smtClean="0"/>
+            <a:endParaRPr lang="ru-RU" dirty="0"/>
+          </a:p>
+          <a:p>
+            <a:endParaRPr lang="ru-RU" dirty="0"/>
           </a:p>
           <a:p>
             <a:endParaRPr lang="ru-RU" dirty="0"/>
@@ -31793,13 +31284,13 @@
           </a:bodyPr>
           <a:lstStyle/>
           <a:p>
-            <a:endParaRPr lang="ru-RU" dirty="0" smtClean="0"/>
-          </a:p>
-          <a:p>
             <a:endParaRPr lang="ru-RU" dirty="0"/>
           </a:p>
           <a:p>
-            <a:endParaRPr lang="ru-RU" dirty="0" smtClean="0"/>
+            <a:endParaRPr lang="ru-RU" dirty="0"/>
+          </a:p>
+          <a:p>
+            <a:endParaRPr lang="ru-RU" dirty="0"/>
           </a:p>
           <a:p>
             <a:endParaRPr lang="ru-RU" dirty="0"/>
@@ -31858,13 +31349,6 @@
   <p:clrMapOvr>
     <a:masterClrMapping/>
   </p:clrMapOvr>
-  <p:timing>
-    <p:tnLst>
-      <p:par>
-        <p:cTn id="1" dur="indefinite" restart="never" nodeType="tmRoot"/>
-      </p:par>
-    </p:tnLst>
-  </p:timing>
 </p:sld>
 </file>
 
@@ -31908,14 +31392,11 @@
           <a:lstStyle/>
           <a:p>
             <a:r>
-              <a:rPr lang="ru-RU" sz="4400" dirty="0" smtClean="0">
+              <a:rPr lang="ru-RU" sz="4400" dirty="0">
                 <a:latin typeface="+mn-lt"/>
               </a:rPr>
               <a:t>Ответ…</a:t>
             </a:r>
-            <a:endParaRPr lang="ru-RU" sz="4400" dirty="0">
-              <a:latin typeface="+mn-lt"/>
-            </a:endParaRPr>
           </a:p>
         </p:txBody>
       </p:sp>
@@ -31935,7 +31416,7 @@
           <a:lstStyle/>
           <a:p>
             <a:r>
-              <a:rPr lang="en-US" dirty="0" smtClean="0"/>
+              <a:rPr lang="en-US" dirty="0"/>
               <a:t>OUT OF MEMORY</a:t>
             </a:r>
             <a:endParaRPr lang="ru-RU" dirty="0"/>
@@ -32116,17 +31597,8 @@
             </a:lvl9pPr>
           </a:lstStyle>
           <a:p>
-            <a:r>
-              <a:rPr lang="en-US" sz="2000" dirty="0" smtClean="0">
-                <a:solidFill>
-                  <a:srgbClr val="000000"/>
-                </a:solidFill>
-                <a:latin typeface="Consolas" panose="020B0609020204030204" pitchFamily="49" charset="0"/>
-              </a:rPr>
-              <a:t/>
-            </a:r>
             <a:br>
-              <a:rPr lang="en-US" sz="2000" dirty="0" smtClean="0">
+              <a:rPr lang="en-US" sz="2000" dirty="0">
                 <a:solidFill>
                   <a:srgbClr val="000000"/>
                 </a:solidFill>
@@ -32311,17 +31783,8 @@
             </a:lvl9pPr>
           </a:lstStyle>
           <a:p>
-            <a:r>
-              <a:rPr lang="en-US" sz="2400" dirty="0" smtClean="0">
-                <a:solidFill>
-                  <a:srgbClr val="000000"/>
-                </a:solidFill>
-                <a:latin typeface="Consolas" panose="020B0609020204030204" pitchFamily="49" charset="0"/>
-              </a:rPr>
-              <a:t/>
-            </a:r>
             <a:br>
-              <a:rPr lang="en-US" sz="2400" dirty="0" smtClean="0">
+              <a:rPr lang="en-US" sz="2400" dirty="0">
                 <a:solidFill>
                   <a:srgbClr val="000000"/>
                 </a:solidFill>
@@ -32354,13 +31817,13 @@
           </a:bodyPr>
           <a:lstStyle/>
           <a:p>
-            <a:endParaRPr lang="ru-RU" dirty="0" smtClean="0"/>
-          </a:p>
-          <a:p>
             <a:endParaRPr lang="ru-RU" dirty="0"/>
           </a:p>
           <a:p>
-            <a:endParaRPr lang="ru-RU" dirty="0" smtClean="0"/>
+            <a:endParaRPr lang="ru-RU" dirty="0"/>
+          </a:p>
+          <a:p>
+            <a:endParaRPr lang="ru-RU" dirty="0"/>
           </a:p>
           <a:p>
             <a:endParaRPr lang="ru-RU" dirty="0"/>
@@ -32389,13 +31852,13 @@
           </a:bodyPr>
           <a:lstStyle/>
           <a:p>
-            <a:endParaRPr lang="ru-RU" dirty="0" smtClean="0"/>
-          </a:p>
-          <a:p>
             <a:endParaRPr lang="ru-RU" dirty="0"/>
           </a:p>
           <a:p>
-            <a:endParaRPr lang="ru-RU" dirty="0" smtClean="0"/>
+            <a:endParaRPr lang="ru-RU" dirty="0"/>
+          </a:p>
+          <a:p>
+            <a:endParaRPr lang="ru-RU" dirty="0"/>
           </a:p>
           <a:p>
             <a:endParaRPr lang="ru-RU" dirty="0"/>
@@ -32424,13 +31887,13 @@
           </a:bodyPr>
           <a:lstStyle/>
           <a:p>
-            <a:endParaRPr lang="ru-RU" dirty="0" smtClean="0"/>
-          </a:p>
-          <a:p>
             <a:endParaRPr lang="ru-RU" dirty="0"/>
           </a:p>
           <a:p>
-            <a:endParaRPr lang="ru-RU" dirty="0" smtClean="0"/>
+            <a:endParaRPr lang="ru-RU" dirty="0"/>
+          </a:p>
+          <a:p>
+            <a:endParaRPr lang="ru-RU" dirty="0"/>
           </a:p>
           <a:p>
             <a:endParaRPr lang="ru-RU" dirty="0"/>
@@ -32459,13 +31922,13 @@
           </a:bodyPr>
           <a:lstStyle/>
           <a:p>
-            <a:endParaRPr lang="ru-RU" dirty="0" smtClean="0"/>
-          </a:p>
-          <a:p>
             <a:endParaRPr lang="ru-RU" dirty="0"/>
           </a:p>
           <a:p>
-            <a:endParaRPr lang="ru-RU" dirty="0" smtClean="0"/>
+            <a:endParaRPr lang="ru-RU" dirty="0"/>
+          </a:p>
+          <a:p>
+            <a:endParaRPr lang="ru-RU" dirty="0"/>
           </a:p>
           <a:p>
             <a:endParaRPr lang="ru-RU" dirty="0"/>
@@ -32494,13 +31957,13 @@
           </a:bodyPr>
           <a:lstStyle/>
           <a:p>
-            <a:endParaRPr lang="ru-RU" dirty="0" smtClean="0"/>
-          </a:p>
-          <a:p>
             <a:endParaRPr lang="ru-RU" dirty="0"/>
           </a:p>
           <a:p>
-            <a:endParaRPr lang="ru-RU" dirty="0" smtClean="0"/>
+            <a:endParaRPr lang="ru-RU" dirty="0"/>
+          </a:p>
+          <a:p>
+            <a:endParaRPr lang="ru-RU" dirty="0"/>
           </a:p>
           <a:p>
             <a:endParaRPr lang="ru-RU" dirty="0"/>
@@ -32529,13 +31992,13 @@
           </a:bodyPr>
           <a:lstStyle/>
           <a:p>
-            <a:endParaRPr lang="ru-RU" dirty="0" smtClean="0"/>
-          </a:p>
-          <a:p>
             <a:endParaRPr lang="ru-RU" dirty="0"/>
           </a:p>
           <a:p>
-            <a:endParaRPr lang="ru-RU" dirty="0" smtClean="0"/>
+            <a:endParaRPr lang="ru-RU" dirty="0"/>
+          </a:p>
+          <a:p>
+            <a:endParaRPr lang="ru-RU" dirty="0"/>
           </a:p>
           <a:p>
             <a:endParaRPr lang="ru-RU" dirty="0"/>
@@ -32594,13 +32057,6 @@
   <p:clrMapOvr>
     <a:masterClrMapping/>
   </p:clrMapOvr>
-  <p:timing>
-    <p:tnLst>
-      <p:par>
-        <p:cTn id="1" dur="indefinite" restart="never" nodeType="tmRoot"/>
-      </p:par>
-    </p:tnLst>
-  </p:timing>
 </p:sld>
 </file>
 
@@ -32644,14 +32100,11 @@
           <a:lstStyle/>
           <a:p>
             <a:r>
-              <a:rPr lang="ru-RU" sz="4400" dirty="0" smtClean="0">
+              <a:rPr lang="ru-RU" sz="4400" dirty="0">
                 <a:latin typeface="+mn-lt"/>
               </a:rPr>
               <a:t>Ответ…</a:t>
             </a:r>
-            <a:endParaRPr lang="ru-RU" sz="4400" dirty="0">
-              <a:latin typeface="+mn-lt"/>
-            </a:endParaRPr>
           </a:p>
         </p:txBody>
       </p:sp>
@@ -32671,7 +32124,7 @@
           <a:lstStyle/>
           <a:p>
             <a:r>
-              <a:rPr lang="en-US" dirty="0" smtClean="0"/>
+              <a:rPr lang="en-US" dirty="0"/>
               <a:t>OUT OF MEMORY</a:t>
             </a:r>
             <a:endParaRPr lang="ru-RU" dirty="0"/>
@@ -32852,17 +32305,8 @@
             </a:lvl9pPr>
           </a:lstStyle>
           <a:p>
-            <a:r>
-              <a:rPr lang="en-US" sz="2000" dirty="0" smtClean="0">
-                <a:solidFill>
-                  <a:srgbClr val="000000"/>
-                </a:solidFill>
-                <a:latin typeface="Consolas" panose="020B0609020204030204" pitchFamily="49" charset="0"/>
-              </a:rPr>
-              <a:t/>
-            </a:r>
             <a:br>
-              <a:rPr lang="en-US" sz="2000" dirty="0" smtClean="0">
+              <a:rPr lang="en-US" sz="2000" dirty="0">
                 <a:solidFill>
                   <a:srgbClr val="000000"/>
                 </a:solidFill>
@@ -33047,17 +32491,8 @@
             </a:lvl9pPr>
           </a:lstStyle>
           <a:p>
-            <a:r>
-              <a:rPr lang="en-US" sz="2400" dirty="0" smtClean="0">
-                <a:solidFill>
-                  <a:srgbClr val="000000"/>
-                </a:solidFill>
-                <a:latin typeface="Consolas" panose="020B0609020204030204" pitchFamily="49" charset="0"/>
-              </a:rPr>
-              <a:t/>
-            </a:r>
             <a:br>
-              <a:rPr lang="en-US" sz="2400" dirty="0" smtClean="0">
+              <a:rPr lang="en-US" sz="2400" dirty="0">
                 <a:solidFill>
                   <a:srgbClr val="000000"/>
                 </a:solidFill>
@@ -33090,13 +32525,13 @@
           </a:bodyPr>
           <a:lstStyle/>
           <a:p>
-            <a:endParaRPr lang="ru-RU" dirty="0" smtClean="0"/>
-          </a:p>
-          <a:p>
             <a:endParaRPr lang="ru-RU" dirty="0"/>
           </a:p>
           <a:p>
-            <a:endParaRPr lang="ru-RU" dirty="0" smtClean="0"/>
+            <a:endParaRPr lang="ru-RU" dirty="0"/>
+          </a:p>
+          <a:p>
+            <a:endParaRPr lang="ru-RU" dirty="0"/>
           </a:p>
           <a:p>
             <a:endParaRPr lang="ru-RU" dirty="0"/>
@@ -33125,13 +32560,13 @@
           </a:bodyPr>
           <a:lstStyle/>
           <a:p>
-            <a:endParaRPr lang="ru-RU" dirty="0" smtClean="0"/>
-          </a:p>
-          <a:p>
             <a:endParaRPr lang="ru-RU" dirty="0"/>
           </a:p>
           <a:p>
-            <a:endParaRPr lang="ru-RU" dirty="0" smtClean="0"/>
+            <a:endParaRPr lang="ru-RU" dirty="0"/>
+          </a:p>
+          <a:p>
+            <a:endParaRPr lang="ru-RU" dirty="0"/>
           </a:p>
           <a:p>
             <a:endParaRPr lang="ru-RU" dirty="0"/>
@@ -33160,13 +32595,13 @@
           </a:bodyPr>
           <a:lstStyle/>
           <a:p>
-            <a:endParaRPr lang="ru-RU" dirty="0" smtClean="0"/>
-          </a:p>
-          <a:p>
             <a:endParaRPr lang="ru-RU" dirty="0"/>
           </a:p>
           <a:p>
-            <a:endParaRPr lang="ru-RU" dirty="0" smtClean="0"/>
+            <a:endParaRPr lang="ru-RU" dirty="0"/>
+          </a:p>
+          <a:p>
+            <a:endParaRPr lang="ru-RU" dirty="0"/>
           </a:p>
           <a:p>
             <a:endParaRPr lang="ru-RU" dirty="0"/>
@@ -33195,13 +32630,13 @@
           </a:bodyPr>
           <a:lstStyle/>
           <a:p>
-            <a:endParaRPr lang="ru-RU" dirty="0" smtClean="0"/>
-          </a:p>
-          <a:p>
             <a:endParaRPr lang="ru-RU" dirty="0"/>
           </a:p>
           <a:p>
-            <a:endParaRPr lang="ru-RU" dirty="0" smtClean="0"/>
+            <a:endParaRPr lang="ru-RU" dirty="0"/>
+          </a:p>
+          <a:p>
+            <a:endParaRPr lang="ru-RU" dirty="0"/>
           </a:p>
           <a:p>
             <a:endParaRPr lang="ru-RU" dirty="0"/>
@@ -33230,13 +32665,13 @@
           </a:bodyPr>
           <a:lstStyle/>
           <a:p>
-            <a:endParaRPr lang="ru-RU" dirty="0" smtClean="0"/>
-          </a:p>
-          <a:p>
             <a:endParaRPr lang="ru-RU" dirty="0"/>
           </a:p>
           <a:p>
-            <a:endParaRPr lang="ru-RU" dirty="0" smtClean="0"/>
+            <a:endParaRPr lang="ru-RU" dirty="0"/>
+          </a:p>
+          <a:p>
+            <a:endParaRPr lang="ru-RU" dirty="0"/>
           </a:p>
           <a:p>
             <a:endParaRPr lang="ru-RU" dirty="0"/>
@@ -33265,13 +32700,13 @@
           </a:bodyPr>
           <a:lstStyle/>
           <a:p>
-            <a:endParaRPr lang="ru-RU" dirty="0" smtClean="0"/>
-          </a:p>
-          <a:p>
             <a:endParaRPr lang="ru-RU" dirty="0"/>
           </a:p>
           <a:p>
-            <a:endParaRPr lang="ru-RU" dirty="0" smtClean="0"/>
+            <a:endParaRPr lang="ru-RU" dirty="0"/>
+          </a:p>
+          <a:p>
+            <a:endParaRPr lang="ru-RU" dirty="0"/>
           </a:p>
           <a:p>
             <a:endParaRPr lang="ru-RU" dirty="0"/>
@@ -33330,13 +32765,6 @@
   <p:clrMapOvr>
     <a:masterClrMapping/>
   </p:clrMapOvr>
-  <p:timing>
-    <p:tnLst>
-      <p:par>
-        <p:cTn id="1" dur="indefinite" restart="never" nodeType="tmRoot"/>
-      </p:par>
-    </p:tnLst>
-  </p:timing>
 </p:sld>
 </file>
 
@@ -33443,13 +32871,6 @@
   <p:clrMapOvr>
     <a:masterClrMapping/>
   </p:clrMapOvr>
-  <p:timing>
-    <p:tnLst>
-      <p:par>
-        <p:cTn id="1" dur="indefinite" restart="never" nodeType="tmRoot"/>
-      </p:par>
-    </p:tnLst>
-  </p:timing>
 </p:sld>
 </file>
 
@@ -33496,7 +32917,7 @@
               <a:buAutoNum type="arabicPeriod"/>
             </a:pPr>
             <a:r>
-              <a:rPr lang="ru-RU" dirty="0" smtClean="0">
+              <a:rPr lang="ru-RU" dirty="0">
                 <a:solidFill>
                   <a:srgbClr val="008000"/>
                 </a:solidFill>
@@ -33515,17 +32936,9 @@
                   <a:srgbClr val="008000"/>
                 </a:solidFill>
               </a:rPr>
-              <a:t>И</a:t>
-            </a:r>
-            <a:r>
-              <a:rPr lang="ru-RU" dirty="0" smtClean="0">
-                <a:solidFill>
-                  <a:srgbClr val="008000"/>
-                </a:solidFill>
-              </a:rPr>
-              <a:t>сключение обработается</a:t>
-            </a:r>
-            <a:endParaRPr lang="ru-RU" dirty="0" smtClean="0">
+              <a:t>Исключение обработается</a:t>
+            </a:r>
+            <a:endParaRPr lang="ru-RU" dirty="0">
               <a:solidFill>
                 <a:srgbClr val="008000"/>
               </a:solidFill>
@@ -33537,7 +32950,7 @@
               <a:buAutoNum type="arabicPeriod"/>
             </a:pPr>
             <a:r>
-              <a:rPr lang="ru-RU" dirty="0" smtClean="0">
+              <a:rPr lang="ru-RU" dirty="0">
                 <a:solidFill>
                   <a:srgbClr val="008000"/>
                 </a:solidFill>
@@ -33546,7 +32959,7 @@
               <a:t>Зайдём в </a:t>
             </a:r>
             <a:r>
-              <a:rPr lang="en-US" dirty="0" smtClean="0">
+              <a:rPr lang="en-US" dirty="0">
                 <a:solidFill>
                   <a:srgbClr val="008000"/>
                 </a:solidFill>
@@ -33555,7 +32968,7 @@
               <a:t>catch</a:t>
             </a:r>
             <a:r>
-              <a:rPr lang="ru-RU" dirty="0" smtClean="0">
+              <a:rPr lang="ru-RU" dirty="0">
                 <a:solidFill>
                   <a:srgbClr val="008000"/>
                 </a:solidFill>
@@ -33569,7 +32982,7 @@
               <a:buAutoNum type="arabicPeriod"/>
             </a:pPr>
             <a:r>
-              <a:rPr lang="ru-RU" dirty="0" smtClean="0">
+              <a:rPr lang="ru-RU" dirty="0">
                 <a:solidFill>
                   <a:srgbClr val="008000"/>
                 </a:solidFill>
@@ -33578,7 +32991,7 @@
               <a:t>Зайдём в </a:t>
             </a:r>
             <a:r>
-              <a:rPr lang="en-US" dirty="0" smtClean="0">
+              <a:rPr lang="en-US" dirty="0">
                 <a:solidFill>
                   <a:srgbClr val="008000"/>
                 </a:solidFill>
@@ -33587,7 +33000,7 @@
               <a:t>catch</a:t>
             </a:r>
             <a:r>
-              <a:rPr lang="ru-RU" dirty="0" smtClean="0">
+              <a:rPr lang="ru-RU" dirty="0">
                 <a:solidFill>
                   <a:srgbClr val="008000"/>
                 </a:solidFill>
@@ -33596,7 +33009,7 @@
               <a:t>, но вылетит </a:t>
             </a:r>
             <a:r>
-              <a:rPr lang="en-US" dirty="0" err="1" smtClean="0">
+              <a:rPr lang="en-US" dirty="0" err="1">
                 <a:solidFill>
                   <a:srgbClr val="008000"/>
                 </a:solidFill>
@@ -33604,7 +33017,7 @@
               </a:rPr>
               <a:t>StackOverflow</a:t>
             </a:r>
-            <a:endParaRPr lang="en-US" dirty="0" smtClean="0">
+            <a:endParaRPr lang="en-US" dirty="0">
               <a:solidFill>
                 <a:srgbClr val="008000"/>
               </a:solidFill>
@@ -33640,7 +33053,7 @@
           <a:lstStyle/>
           <a:p>
             <a:r>
-              <a:rPr lang="en-US" dirty="0" smtClean="0"/>
+              <a:rPr lang="en-US" dirty="0"/>
               <a:t>OUT OF MEMORY</a:t>
             </a:r>
             <a:endParaRPr lang="ru-RU" dirty="0"/>
@@ -33821,17 +33234,8 @@
             </a:lvl9pPr>
           </a:lstStyle>
           <a:p>
-            <a:r>
-              <a:rPr lang="en-US" sz="2000" dirty="0" smtClean="0">
-                <a:solidFill>
-                  <a:srgbClr val="000000"/>
-                </a:solidFill>
-                <a:latin typeface="Consolas" panose="020B0609020204030204" pitchFamily="49" charset="0"/>
-              </a:rPr>
-              <a:t/>
-            </a:r>
             <a:br>
-              <a:rPr lang="en-US" sz="2000" dirty="0" smtClean="0">
+              <a:rPr lang="en-US" sz="2000" dirty="0">
                 <a:solidFill>
                   <a:srgbClr val="000000"/>
                 </a:solidFill>
@@ -34016,17 +33420,8 @@
             </a:lvl9pPr>
           </a:lstStyle>
           <a:p>
-            <a:r>
-              <a:rPr lang="en-US" sz="2400" dirty="0" smtClean="0">
-                <a:solidFill>
-                  <a:srgbClr val="000000"/>
-                </a:solidFill>
-                <a:latin typeface="Consolas" panose="020B0609020204030204" pitchFamily="49" charset="0"/>
-              </a:rPr>
-              <a:t/>
-            </a:r>
             <a:br>
-              <a:rPr lang="en-US" sz="2400" dirty="0" smtClean="0">
+              <a:rPr lang="en-US" sz="2400" dirty="0">
                 <a:solidFill>
                   <a:srgbClr val="000000"/>
                 </a:solidFill>
@@ -34429,11 +33824,11 @@
           <a:lstStyle/>
           <a:p>
             <a:r>
-              <a:rPr lang="ru-RU" dirty="0" smtClean="0"/>
+              <a:rPr lang="ru-RU" dirty="0"/>
               <a:t>Откуда </a:t>
             </a:r>
             <a:r>
-              <a:rPr lang="en-US" dirty="0" err="1" smtClean="0"/>
+              <a:rPr lang="en-US" dirty="0" err="1"/>
               <a:t>stackoverflow</a:t>
             </a:r>
             <a:endParaRPr lang="ru-RU" dirty="0"/>
@@ -34463,34 +33858,17 @@
           <a:lstStyle/>
           <a:p>
             <a:r>
-              <a:rPr lang="ru-RU" sz="3600" dirty="0" smtClean="0"/>
+              <a:rPr lang="ru-RU" sz="3600" dirty="0"/>
               <a:t>«</a:t>
             </a:r>
             <a:r>
-              <a:rPr lang="en-US" sz="3600" dirty="0" smtClean="0"/>
-              <a:t>The </a:t>
-            </a:r>
-            <a:r>
               <a:rPr lang="en-US" sz="3600" dirty="0"/>
-              <a:t>default behavior of the </a:t>
-            </a:r>
-            <a:r>
-              <a:rPr lang="en-US" sz="3600" dirty="0" smtClean="0"/>
-              <a:t>CLR is </a:t>
-            </a:r>
-            <a:r>
-              <a:rPr lang="en-US" sz="3600" dirty="0"/>
-              <a:t>to commit the full thread stack when a thread is started</a:t>
-            </a:r>
-            <a:r>
-              <a:rPr lang="en-US" sz="3600" dirty="0" smtClean="0"/>
-              <a:t>.</a:t>
-            </a:r>
-            <a:r>
-              <a:rPr lang="ru-RU" sz="3600" dirty="0" smtClean="0"/>
+              <a:t>The default behavior of the CLR is to commit the full thread stack when a thread is started.</a:t>
+            </a:r>
+            <a:r>
+              <a:rPr lang="ru-RU" sz="3600" dirty="0"/>
               <a:t>»</a:t>
             </a:r>
-            <a:endParaRPr lang="ru-RU" sz="3600" dirty="0"/>
           </a:p>
         </p:txBody>
       </p:sp>
@@ -34665,7 +34043,7 @@
           <a:lstStyle/>
           <a:p>
             <a:r>
-              <a:rPr lang="en-US" dirty="0" smtClean="0">
+              <a:rPr lang="en-US" dirty="0">
                 <a:solidFill>
                   <a:srgbClr val="2B91AF"/>
                 </a:solidFill>
@@ -34674,7 +34052,7 @@
               <a:t>File</a:t>
             </a:r>
             <a:r>
-              <a:rPr lang="en-US" dirty="0" smtClean="0">
+              <a:rPr lang="en-US" dirty="0">
                 <a:solidFill>
                   <a:srgbClr val="000000"/>
                 </a:solidFill>
@@ -34683,7 +34061,7 @@
               <a:t> </a:t>
             </a:r>
             <a:r>
-              <a:rPr lang="en-US" dirty="0" err="1" smtClean="0">
+              <a:rPr lang="en-US" dirty="0" err="1">
                 <a:solidFill>
                   <a:srgbClr val="000000"/>
                 </a:solidFill>
@@ -34698,19 +34076,10 @@
                 </a:solidFill>
                 <a:latin typeface="Consolas" panose="020B0609020204030204" pitchFamily="49" charset="0"/>
               </a:rPr>
-              <a:t> </a:t>
-            </a:r>
-            <a:r>
-              <a:rPr lang="en-US" dirty="0" smtClean="0">
-                <a:solidFill>
-                  <a:srgbClr val="000000"/>
-                </a:solidFill>
-                <a:latin typeface="Consolas" panose="020B0609020204030204" pitchFamily="49" charset="0"/>
-              </a:rPr>
-              <a:t>= </a:t>
-            </a:r>
-            <a:r>
-              <a:rPr lang="en-US" dirty="0" err="1" smtClean="0">
+              <a:t> = </a:t>
+            </a:r>
+            <a:r>
+              <a:rPr lang="en-US" dirty="0" err="1">
                 <a:solidFill>
                   <a:srgbClr val="000000"/>
                 </a:solidFill>
@@ -34719,22 +34088,13 @@
               <a:t>CreateFile</a:t>
             </a:r>
             <a:r>
-              <a:rPr lang="en-US" dirty="0" smtClean="0">
+              <a:rPr lang="en-US" dirty="0">
                 <a:solidFill>
                   <a:srgbClr val="000000"/>
                 </a:solidFill>
                 <a:latin typeface="Consolas" panose="020B0609020204030204" pitchFamily="49" charset="0"/>
               </a:rPr>
               <a:t>();</a:t>
-            </a:r>
-            <a:r>
-              <a:rPr lang="en-US" dirty="0">
-                <a:solidFill>
-                  <a:srgbClr val="000000"/>
-                </a:solidFill>
-                <a:latin typeface="Consolas" panose="020B0609020204030204" pitchFamily="49" charset="0"/>
-              </a:rPr>
-              <a:t/>
             </a:r>
             <a:br>
               <a:rPr lang="en-US" dirty="0">
@@ -34762,7 +34122,7 @@
               </a:rPr>
             </a:br>
             <a:r>
-              <a:rPr lang="en-US" dirty="0" smtClean="0">
+              <a:rPr lang="en-US" dirty="0">
                 <a:solidFill>
                   <a:srgbClr val="000000"/>
                 </a:solidFill>
@@ -34782,7 +34142,7 @@
               <a:t>	</a:t>
             </a:r>
             <a:r>
-              <a:rPr lang="en-US" dirty="0" err="1" smtClean="0">
+              <a:rPr lang="en-US" dirty="0" err="1">
                 <a:solidFill>
                   <a:srgbClr val="000000"/>
                 </a:solidFill>
@@ -34791,22 +34151,13 @@
               <a:t>bigFile.WriteRandomData</a:t>
             </a:r>
             <a:r>
-              <a:rPr lang="en-US" dirty="0" smtClean="0">
+              <a:rPr lang="en-US" dirty="0">
                 <a:solidFill>
                   <a:srgbClr val="000000"/>
                 </a:solidFill>
                 <a:latin typeface="Consolas" panose="020B0609020204030204" pitchFamily="49" charset="0"/>
               </a:rPr>
               <a:t>(2.Gb());</a:t>
-            </a:r>
-            <a:r>
-              <a:rPr lang="en-US" dirty="0">
-                <a:solidFill>
-                  <a:srgbClr val="000000"/>
-                </a:solidFill>
-                <a:latin typeface="Consolas" panose="020B0609020204030204" pitchFamily="49" charset="0"/>
-              </a:rPr>
-              <a:t/>
             </a:r>
             <a:br>
               <a:rPr lang="en-US" dirty="0">
@@ -34817,7 +34168,7 @@
               </a:rPr>
             </a:br>
             <a:r>
-              <a:rPr lang="en-US" dirty="0" smtClean="0">
+              <a:rPr lang="en-US" dirty="0">
                 <a:solidFill>
                   <a:srgbClr val="000000"/>
                 </a:solidFill>
@@ -34826,7 +34177,7 @@
               <a:t>    </a:t>
             </a:r>
             <a:r>
-              <a:rPr lang="en-US" dirty="0" err="1" smtClean="0">
+              <a:rPr lang="en-US" dirty="0" err="1">
                 <a:solidFill>
                   <a:srgbClr val="000000"/>
                 </a:solidFill>
@@ -34835,7 +34186,7 @@
               <a:t>ExecuteTests</a:t>
             </a:r>
             <a:r>
-              <a:rPr lang="en-US" dirty="0" smtClean="0">
+              <a:rPr lang="en-US" dirty="0">
                 <a:solidFill>
                   <a:srgbClr val="000000"/>
                 </a:solidFill>
@@ -34844,7 +34195,7 @@
               <a:t>(</a:t>
             </a:r>
             <a:r>
-              <a:rPr lang="en-US" dirty="0" err="1" smtClean="0">
+              <a:rPr lang="en-US" dirty="0" err="1">
                 <a:solidFill>
                   <a:srgbClr val="000000"/>
                 </a:solidFill>
@@ -34853,7 +34204,7 @@
               <a:t>bigFile</a:t>
             </a:r>
             <a:r>
-              <a:rPr lang="en-US" dirty="0" smtClean="0">
+              <a:rPr lang="en-US" dirty="0">
                 <a:solidFill>
                   <a:srgbClr val="000000"/>
                 </a:solidFill>
@@ -34862,22 +34213,13 @@
               <a:t>)</a:t>
             </a:r>
             <a:r>
-              <a:rPr lang="en-US" dirty="0" smtClean="0">
+              <a:rPr lang="en-US" dirty="0">
                 <a:solidFill>
                   <a:srgbClr val="A9A9A9"/>
                 </a:solidFill>
                 <a:latin typeface="Consolas" panose="020B0609020204030204" pitchFamily="49" charset="0"/>
               </a:rPr>
               <a:t>;</a:t>
-            </a:r>
-            <a:r>
-              <a:rPr lang="en-US" dirty="0">
-                <a:solidFill>
-                  <a:srgbClr val="A9A9A9"/>
-                </a:solidFill>
-                <a:latin typeface="Consolas" panose="020B0609020204030204" pitchFamily="49" charset="0"/>
-              </a:rPr>
-              <a:t/>
             </a:r>
             <a:br>
               <a:rPr lang="en-US" dirty="0">
@@ -34948,7 +34290,7 @@
               <a:t>    </a:t>
             </a:r>
             <a:r>
-              <a:rPr lang="en-US" dirty="0" err="1" smtClean="0">
+              <a:rPr lang="en-US" dirty="0" err="1">
                 <a:solidFill>
                   <a:srgbClr val="000000"/>
                 </a:solidFill>
@@ -34957,22 +34299,13 @@
               <a:t>bigFile.Delete</a:t>
             </a:r>
             <a:r>
-              <a:rPr lang="en-US" dirty="0" smtClean="0">
+              <a:rPr lang="en-US" dirty="0">
                 <a:solidFill>
                   <a:srgbClr val="000000"/>
                 </a:solidFill>
                 <a:latin typeface="Consolas" panose="020B0609020204030204" pitchFamily="49" charset="0"/>
               </a:rPr>
               <a:t>();</a:t>
-            </a:r>
-            <a:r>
-              <a:rPr lang="en-US" dirty="0">
-                <a:solidFill>
-                  <a:srgbClr val="000000"/>
-                </a:solidFill>
-                <a:latin typeface="Consolas" panose="020B0609020204030204" pitchFamily="49" charset="0"/>
-              </a:rPr>
-              <a:t/>
             </a:r>
             <a:br>
               <a:rPr lang="en-US" dirty="0">
@@ -34983,7 +34316,7 @@
               </a:rPr>
             </a:br>
             <a:r>
-              <a:rPr lang="en-US" dirty="0" smtClean="0">
+              <a:rPr lang="en-US" dirty="0">
                 <a:solidFill>
                   <a:srgbClr val="000000"/>
                 </a:solidFill>
@@ -34991,12 +34324,6 @@
               </a:rPr>
               <a:t>}</a:t>
             </a:r>
-            <a:endParaRPr lang="en-US" dirty="0">
-              <a:solidFill>
-                <a:srgbClr val="000000"/>
-              </a:solidFill>
-              <a:latin typeface="Consolas" panose="020B0609020204030204" pitchFamily="49" charset="0"/>
-            </a:endParaRPr>
           </a:p>
         </p:txBody>
       </p:sp>
@@ -35016,7 +34343,7 @@
           <a:lstStyle/>
           <a:p>
             <a:r>
-              <a:rPr lang="en-US" dirty="0" smtClean="0"/>
+              <a:rPr lang="en-US" dirty="0"/>
               <a:t>Finally</a:t>
             </a:r>
             <a:endParaRPr lang="ru-RU" dirty="0"/>
@@ -35033,13 +34360,6 @@
   <p:clrMapOvr>
     <a:masterClrMapping/>
   </p:clrMapOvr>
-  <p:timing>
-    <p:tnLst>
-      <p:par>
-        <p:cTn id="1" dur="indefinite" restart="never" nodeType="tmRoot"/>
-      </p:par>
-    </p:tnLst>
-  </p:timing>
 </p:sld>
 </file>
 
@@ -35083,22 +34403,18 @@
           <a:lstStyle/>
           <a:p>
             <a:r>
-              <a:rPr lang="ru-RU" dirty="0" smtClean="0"/>
+              <a:rPr lang="ru-RU" dirty="0"/>
               <a:t>Блок </a:t>
             </a:r>
             <a:r>
               <a:rPr lang="en-US" dirty="0"/>
-              <a:t>f</a:t>
-            </a:r>
-            <a:r>
-              <a:rPr lang="en-US" dirty="0" smtClean="0"/>
-              <a:t>inally </a:t>
-            </a:r>
-            <a:r>
-              <a:rPr lang="ru-RU" dirty="0" smtClean="0"/>
+              <a:t>finally </a:t>
+            </a:r>
+            <a:r>
+              <a:rPr lang="ru-RU" dirty="0"/>
               <a:t>выполняется не всегда:</a:t>
             </a:r>
-            <a:endParaRPr lang="en-US" dirty="0" smtClean="0"/>
+            <a:endParaRPr lang="en-US" dirty="0"/>
           </a:p>
           <a:p>
             <a:pPr marL="457200" indent="-457200">
@@ -35106,18 +34422,18 @@
               <a:buChar char="•"/>
             </a:pPr>
             <a:r>
-              <a:rPr lang="ru-RU" dirty="0" smtClean="0"/>
+              <a:rPr lang="ru-RU" dirty="0"/>
               <a:t>Необрабатываемые исключения (</a:t>
             </a:r>
             <a:r>
-              <a:rPr lang="en-US" dirty="0" err="1" smtClean="0"/>
+              <a:rPr lang="en-US" dirty="0" err="1"/>
               <a:t>StackOverflow</a:t>
             </a:r>
             <a:r>
-              <a:rPr lang="en-US" dirty="0" smtClean="0"/>
+              <a:rPr lang="en-US" dirty="0"/>
               <a:t>)</a:t>
             </a:r>
-            <a:endParaRPr lang="ru-RU" dirty="0" smtClean="0"/>
+            <a:endParaRPr lang="ru-RU" dirty="0"/>
           </a:p>
           <a:p>
             <a:pPr marL="457200" indent="-457200">
@@ -35125,15 +34441,15 @@
               <a:buChar char="•"/>
             </a:pPr>
             <a:r>
-              <a:rPr lang="ru-RU" dirty="0" smtClean="0"/>
+              <a:rPr lang="ru-RU" dirty="0"/>
               <a:t>Завершение процесса (</a:t>
             </a:r>
             <a:r>
-              <a:rPr lang="en-US" dirty="0" err="1" smtClean="0"/>
+              <a:rPr lang="en-US" dirty="0" err="1"/>
               <a:t>Environment.Exit</a:t>
             </a:r>
             <a:r>
-              <a:rPr lang="en-US" dirty="0" smtClean="0"/>
+              <a:rPr lang="en-US" dirty="0"/>
               <a:t>)</a:t>
             </a:r>
           </a:p>
@@ -35143,13 +34459,13 @@
               <a:buChar char="•"/>
             </a:pPr>
             <a:r>
-              <a:rPr lang="ru-RU" dirty="0" smtClean="0"/>
+              <a:rPr lang="ru-RU" dirty="0"/>
               <a:t>Другие случаи</a:t>
             </a:r>
           </a:p>
           <a:p>
             <a:r>
-              <a:rPr lang="ru-RU" dirty="0" smtClean="0"/>
+              <a:rPr lang="ru-RU" dirty="0"/>
               <a:t>Когда работает ожидаемо:</a:t>
             </a:r>
           </a:p>
@@ -35159,14 +34475,14 @@
               <a:buChar char="•"/>
             </a:pPr>
             <a:r>
-              <a:rPr lang="ru-RU" dirty="0" smtClean="0"/>
+              <a:rPr lang="ru-RU" dirty="0"/>
               <a:t>Стандартное использование – </a:t>
             </a:r>
             <a:r>
-              <a:rPr lang="en-US" dirty="0" smtClean="0"/>
+              <a:rPr lang="en-US" dirty="0"/>
               <a:t>try/catch/finally</a:t>
             </a:r>
-            <a:endParaRPr lang="ru-RU" dirty="0" smtClean="0"/>
+            <a:endParaRPr lang="ru-RU" dirty="0"/>
           </a:p>
           <a:p>
             <a:pPr marL="457200" indent="-457200">
@@ -35174,7 +34490,7 @@
               <a:buChar char="•"/>
             </a:pPr>
             <a:r>
-              <a:rPr lang="en-US" dirty="0" err="1" smtClean="0"/>
+              <a:rPr lang="en-US" dirty="0" err="1"/>
               <a:t>ThreadAbortException</a:t>
             </a:r>
             <a:endParaRPr lang="ru-RU" dirty="0"/>
@@ -35197,7 +34513,7 @@
           <a:lstStyle/>
           <a:p>
             <a:r>
-              <a:rPr lang="en-US" dirty="0" smtClean="0"/>
+              <a:rPr lang="en-US" dirty="0"/>
               <a:t>Finally</a:t>
             </a:r>
             <a:endParaRPr lang="ru-RU" dirty="0"/>
@@ -35394,6 +34710,201 @@
 </p:sld>
 </file>
 
+<file path=ppt/slides/slide44.xml><?xml version="1.0" encoding="utf-8"?>
+<p:sld xmlns:a="http://schemas.openxmlformats.org/drawingml/2006/main" xmlns:r="http://schemas.openxmlformats.org/officeDocument/2006/relationships" xmlns:p="http://schemas.openxmlformats.org/presentationml/2006/main">
+  <p:cSld>
+    <p:spTree>
+      <p:nvGrpSpPr>
+        <p:cNvPr id="1" name=""/>
+        <p:cNvGrpSpPr/>
+        <p:nvPr/>
+      </p:nvGrpSpPr>
+      <p:grpSpPr>
+        <a:xfrm>
+          <a:off x="0" y="0"/>
+          <a:ext cx="0" cy="0"/>
+          <a:chOff x="0" y="0"/>
+          <a:chExt cx="0" cy="0"/>
+        </a:xfrm>
+      </p:grpSpPr>
+      <p:sp>
+        <p:nvSpPr>
+          <p:cNvPr id="2" name="Объект 1">
+            <a:extLst>
+              <a:ext uri="{FF2B5EF4-FFF2-40B4-BE49-F238E27FC236}">
+                <a16:creationId xmlns:a16="http://schemas.microsoft.com/office/drawing/2014/main" id="{4E05C4A9-0667-45B8-AC59-85FD9C81BD21}"/>
+              </a:ext>
+            </a:extLst>
+          </p:cNvPr>
+          <p:cNvSpPr>
+            <a:spLocks noGrp="1"/>
+          </p:cNvSpPr>
+          <p:nvPr>
+            <p:ph sz="quarter" idx="13"/>
+          </p:nvPr>
+        </p:nvSpPr>
+        <p:spPr/>
+        <p:txBody>
+          <a:bodyPr anchor="t">
+            <a:normAutofit/>
+          </a:bodyPr>
+          <a:lstStyle/>
+          <a:p>
+            <a:pPr marL="0" indent="0">
+              <a:buNone/>
+            </a:pPr>
+            <a:endParaRPr lang="en-US" dirty="0"/>
+          </a:p>
+          <a:p>
+            <a:pPr marL="0" indent="0">
+              <a:buNone/>
+            </a:pPr>
+            <a:endParaRPr lang="en-US" dirty="0"/>
+          </a:p>
+          <a:p>
+            <a:pPr marL="0" indent="0">
+              <a:buNone/>
+            </a:pPr>
+            <a:endParaRPr lang="en-US" dirty="0"/>
+          </a:p>
+          <a:p>
+            <a:pPr marL="0" indent="0" algn="ctr">
+              <a:buNone/>
+            </a:pPr>
+            <a:r>
+              <a:rPr lang="ru-RU" sz="2800" dirty="0"/>
+              <a:t>Заполни форму обратной связи по ссылке</a:t>
+            </a:r>
+          </a:p>
+          <a:p>
+            <a:pPr marL="0" indent="0" algn="ctr">
+              <a:buNone/>
+            </a:pPr>
+            <a:r>
+              <a:rPr lang="en-US" sz="2800" dirty="0">
+                <a:hlinkClick r:id="rId2"/>
+              </a:rPr>
+              <a:t>http://bit.ly/kontur-courses-feedback</a:t>
+            </a:r>
+            <a:endParaRPr lang="ru-RU" sz="2800" dirty="0"/>
+          </a:p>
+          <a:p>
+            <a:pPr marL="0" indent="0" algn="ctr">
+              <a:buNone/>
+            </a:pPr>
+            <a:r>
+              <a:rPr lang="ru-RU" sz="2800" dirty="0"/>
+              <a:t>или</a:t>
+            </a:r>
+            <a:endParaRPr lang="en-US" sz="2800" dirty="0"/>
+          </a:p>
+          <a:p>
+            <a:pPr marL="0" indent="0" algn="ctr">
+              <a:buNone/>
+            </a:pPr>
+            <a:r>
+              <a:rPr lang="ru-RU" sz="2800" dirty="0"/>
+              <a:t>по ярлыку </a:t>
+            </a:r>
+            <a:r>
+              <a:rPr lang="en-US" sz="2800" i="1" dirty="0">
+                <a:solidFill>
+                  <a:schemeClr val="accent1"/>
+                </a:solidFill>
+              </a:rPr>
+              <a:t>feedback</a:t>
+            </a:r>
+            <a:r>
+              <a:rPr lang="en-US" sz="2800" dirty="0"/>
+              <a:t> </a:t>
+            </a:r>
+            <a:r>
+              <a:rPr lang="ru-RU" sz="2800" dirty="0"/>
+              <a:t>в корне репозитория</a:t>
+            </a:r>
+          </a:p>
+        </p:txBody>
+      </p:sp>
+      <p:sp>
+        <p:nvSpPr>
+          <p:cNvPr id="3" name="Заголовок 2">
+            <a:extLst>
+              <a:ext uri="{FF2B5EF4-FFF2-40B4-BE49-F238E27FC236}">
+                <a16:creationId xmlns:a16="http://schemas.microsoft.com/office/drawing/2014/main" id="{1B72F5E6-5086-4A59-ADDF-28C342BF771A}"/>
+              </a:ext>
+            </a:extLst>
+          </p:cNvPr>
+          <p:cNvSpPr>
+            <a:spLocks noGrp="1"/>
+          </p:cNvSpPr>
+          <p:nvPr>
+            <p:ph type="title"/>
+          </p:nvPr>
+        </p:nvSpPr>
+        <p:spPr/>
+        <p:txBody>
+          <a:bodyPr/>
+          <a:lstStyle/>
+          <a:p>
+            <a:r>
+              <a:rPr lang="ru-RU" dirty="0"/>
+              <a:t>Обратная связь</a:t>
+            </a:r>
+          </a:p>
+        </p:txBody>
+      </p:sp>
+      <p:pic>
+        <p:nvPicPr>
+          <p:cNvPr id="5" name="Рисунок 4" descr="Речь">
+            <a:extLst>
+              <a:ext uri="{FF2B5EF4-FFF2-40B4-BE49-F238E27FC236}">
+                <a16:creationId xmlns:a16="http://schemas.microsoft.com/office/drawing/2014/main" id="{4CD964C9-55F6-450A-94E0-4A3D7D08BCAA}"/>
+              </a:ext>
+            </a:extLst>
+          </p:cNvPr>
+          <p:cNvPicPr>
+            <a:picLocks noChangeAspect="1"/>
+          </p:cNvPicPr>
+          <p:nvPr/>
+        </p:nvPicPr>
+        <p:blipFill>
+          <a:blip r:embed="rId3">
+            <a:extLst>
+              <a:ext uri="{28A0092B-C50C-407E-A947-70E740481C1C}">
+                <a14:useLocalDpi xmlns:a14="http://schemas.microsoft.com/office/drawing/2010/main" val="0"/>
+              </a:ext>
+              <a:ext uri="{96DAC541-7B7A-43D3-8B79-37D633B846F1}">
+                <asvg:svgBlip xmlns:asvg="http://schemas.microsoft.com/office/drawing/2016/SVG/main" r:embed="rId4"/>
+              </a:ext>
+            </a:extLst>
+          </a:blip>
+          <a:stretch>
+            <a:fillRect/>
+          </a:stretch>
+        </p:blipFill>
+        <p:spPr>
+          <a:xfrm>
+            <a:off x="5183290" y="1622285"/>
+            <a:ext cx="1825352" cy="1825352"/>
+          </a:xfrm>
+          <a:prstGeom prst="rect">
+            <a:avLst/>
+          </a:prstGeom>
+        </p:spPr>
+      </p:pic>
+    </p:spTree>
+    <p:extLst>
+      <p:ext uri="{BB962C8B-B14F-4D97-AF65-F5344CB8AC3E}">
+        <p14:creationId xmlns:p14="http://schemas.microsoft.com/office/powerpoint/2010/main" val="1635517412"/>
+      </p:ext>
+    </p:extLst>
+  </p:cSld>
+  <p:clrMapOvr>
+    <a:masterClrMapping/>
+  </p:clrMapOvr>
+</p:sld>
+</file>
+
 <file path=ppt/slides/slide5.xml><?xml version="1.0" encoding="utf-8"?>
 <p:sld xmlns:a="http://schemas.openxmlformats.org/drawingml/2006/main" xmlns:r="http://schemas.openxmlformats.org/officeDocument/2006/relationships" xmlns:p="http://schemas.openxmlformats.org/presentationml/2006/main">
   <p:cSld>
@@ -36826,13 +36337,6 @@
   <p:clrMapOvr>
     <a:masterClrMapping/>
   </p:clrMapOvr>
-  <p:timing>
-    <p:tnLst>
-      <p:par>
-        <p:cTn id="1" dur="indefinite" restart="never" nodeType="tmRoot"/>
-      </p:par>
-    </p:tnLst>
-  </p:timing>
 </p:sld>
 </file>
 
@@ -38145,10 +37649,6 @@
               <a:rPr lang="ru-RU" dirty="0" err="1"/>
               <a:t>консистентности</a:t>
             </a:r>
-            <a:r>
-              <a:rPr lang="ru-RU" dirty="0"/>
-              <a:t/>
-            </a:r>
             <a:br>
               <a:rPr lang="ru-RU" dirty="0"/>
             </a:br>
@@ -38218,13 +37718,6 @@
   <p:clrMapOvr>
     <a:masterClrMapping/>
   </p:clrMapOvr>
-  <p:timing>
-    <p:tnLst>
-      <p:par>
-        <p:cTn id="1" dur="indefinite" restart="never" nodeType="tmRoot"/>
-      </p:par>
-    </p:tnLst>
-  </p:timing>
 </p:sld>
 </file>
 
@@ -38417,13 +37910,6 @@
   <p:clrMapOvr>
     <a:masterClrMapping/>
   </p:clrMapOvr>
-  <p:timing>
-    <p:tnLst>
-      <p:par>
-        <p:cTn id="1" dur="indefinite" restart="never" nodeType="tmRoot"/>
-      </p:par>
-    </p:tnLst>
-  </p:timing>
 </p:sld>
 </file>
 
@@ -39176,13 +38662,6 @@
   <p:clrMapOvr>
     <a:masterClrMapping/>
   </p:clrMapOvr>
-  <p:timing>
-    <p:tnLst>
-      <p:par>
-        <p:cTn id="1" dur="indefinite" restart="never" nodeType="tmRoot"/>
-      </p:par>
-    </p:tnLst>
-  </p:timing>
 </p:sld>
 </file>
 

--- a/exceptions.pptx
+++ b/exceptions.pptx
@@ -6,7 +6,7 @@
     <p:sldMasterId id="2147483812" r:id="rId2"/>
   </p:sldMasterIdLst>
   <p:notesMasterIdLst>
-    <p:notesMasterId r:id="rId47"/>
+    <p:notesMasterId r:id="rId46"/>
   </p:notesMasterIdLst>
   <p:sldIdLst>
     <p:sldId id="362" r:id="rId3"/>
@@ -36,23 +36,22 @@
     <p:sldId id="321" r:id="rId27"/>
     <p:sldId id="372" r:id="rId28"/>
     <p:sldId id="393" r:id="rId29"/>
-    <p:sldId id="394" r:id="rId30"/>
-    <p:sldId id="395" r:id="rId31"/>
-    <p:sldId id="396" r:id="rId32"/>
-    <p:sldId id="397" r:id="rId33"/>
-    <p:sldId id="398" r:id="rId34"/>
-    <p:sldId id="399" r:id="rId35"/>
-    <p:sldId id="400" r:id="rId36"/>
-    <p:sldId id="401" r:id="rId37"/>
-    <p:sldId id="402" r:id="rId38"/>
-    <p:sldId id="403" r:id="rId39"/>
-    <p:sldId id="404" r:id="rId40"/>
-    <p:sldId id="405" r:id="rId41"/>
+    <p:sldId id="410" r:id="rId30"/>
+    <p:sldId id="394" r:id="rId31"/>
+    <p:sldId id="395" r:id="rId32"/>
+    <p:sldId id="396" r:id="rId33"/>
+    <p:sldId id="411" r:id="rId34"/>
+    <p:sldId id="397" r:id="rId35"/>
+    <p:sldId id="398" r:id="rId36"/>
+    <p:sldId id="399" r:id="rId37"/>
+    <p:sldId id="400" r:id="rId38"/>
+    <p:sldId id="401" r:id="rId39"/>
+    <p:sldId id="402" r:id="rId40"/>
+    <p:sldId id="403" r:id="rId41"/>
     <p:sldId id="406" r:id="rId42"/>
-    <p:sldId id="410" r:id="rId43"/>
-    <p:sldId id="407" r:id="rId44"/>
-    <p:sldId id="408" r:id="rId45"/>
-    <p:sldId id="327" r:id="rId46"/>
+    <p:sldId id="407" r:id="rId43"/>
+    <p:sldId id="408" r:id="rId44"/>
+    <p:sldId id="327" r:id="rId45"/>
   </p:sldIdLst>
   <p:sldSz cx="12192000" cy="6858000"/>
   <p:notesSz cx="6858000" cy="9144000"/>
@@ -202,9 +201,11 @@
             <p14:sldId id="321"/>
             <p14:sldId id="372"/>
             <p14:sldId id="393"/>
+            <p14:sldId id="410"/>
             <p14:sldId id="394"/>
             <p14:sldId id="395"/>
             <p14:sldId id="396"/>
+            <p14:sldId id="411"/>
             <p14:sldId id="397"/>
             <p14:sldId id="398"/>
             <p14:sldId id="399"/>
@@ -212,10 +213,7 @@
             <p14:sldId id="401"/>
             <p14:sldId id="402"/>
             <p14:sldId id="403"/>
-            <p14:sldId id="404"/>
-            <p14:sldId id="405"/>
             <p14:sldId id="406"/>
-            <p14:sldId id="410"/>
             <p14:sldId id="407"/>
             <p14:sldId id="408"/>
             <p14:sldId id="327"/>
@@ -2553,6 +2551,13 @@
         </dgm:presLayoutVars>
       </dgm:prSet>
       <dgm:spPr/>
+      <dgm:t>
+        <a:bodyPr/>
+        <a:lstStyle/>
+        <a:p>
+          <a:endParaRPr lang="ru-RU"/>
+        </a:p>
+      </dgm:t>
     </dgm:pt>
     <dgm:pt modelId="{CF6D50B3-578A-4EA0-A5A0-492FA729F6ED}" type="pres">
       <dgm:prSet presAssocID="{B75F6A3A-9A51-4DF3-8A57-9AEB0739425C}" presName="composite" presStyleCnt="0"/>
@@ -2565,6 +2570,13 @@
         </dgm:presLayoutVars>
       </dgm:prSet>
       <dgm:spPr/>
+      <dgm:t>
+        <a:bodyPr/>
+        <a:lstStyle/>
+        <a:p>
+          <a:endParaRPr lang="ru-RU"/>
+        </a:p>
+      </dgm:t>
     </dgm:pt>
     <dgm:pt modelId="{61EB78D8-69FF-471D-8FEB-71388C442F55}" type="pres">
       <dgm:prSet presAssocID="{B75F6A3A-9A51-4DF3-8A57-9AEB0739425C}" presName="rect1" presStyleLbl="alignImgPlace1" presStyleIdx="0" presStyleCnt="1" custScaleX="596594" custScaleY="114980" custLinFactX="-64576" custLinFactNeighborX="-100000" custLinFactNeighborY="-13065"/>
@@ -2586,9 +2598,9 @@
     </dgm:pt>
   </dgm:ptLst>
   <dgm:cxnLst>
+    <dgm:cxn modelId="{017518C9-1619-4B19-AA03-86BA999BA287}" srcId="{EAB81984-5B84-4970-8447-2B456B8C58DF}" destId="{B75F6A3A-9A51-4DF3-8A57-9AEB0739425C}" srcOrd="0" destOrd="0" parTransId="{203596AF-4F49-40BA-B1E1-11BDD34B512E}" sibTransId="{A056157B-3867-49A4-9195-F3A4F3FBBA8E}"/>
     <dgm:cxn modelId="{1CEAA455-5BF4-4666-95B8-390900AB8124}" type="presOf" srcId="{EAB81984-5B84-4970-8447-2B456B8C58DF}" destId="{3A252E36-3D7E-49E5-B812-EE4CACF0D5CF}" srcOrd="0" destOrd="0" presId="urn:microsoft.com/office/officeart/2008/layout/PictureGrid"/>
     <dgm:cxn modelId="{147A14B3-96E8-4139-969B-9DB1BCB4D95E}" type="presOf" srcId="{B75F6A3A-9A51-4DF3-8A57-9AEB0739425C}" destId="{B29ABF60-EC0F-45AD-A90E-9C76D15C2F14}" srcOrd="0" destOrd="0" presId="urn:microsoft.com/office/officeart/2008/layout/PictureGrid"/>
-    <dgm:cxn modelId="{017518C9-1619-4B19-AA03-86BA999BA287}" srcId="{EAB81984-5B84-4970-8447-2B456B8C58DF}" destId="{B75F6A3A-9A51-4DF3-8A57-9AEB0739425C}" srcOrd="0" destOrd="0" parTransId="{203596AF-4F49-40BA-B1E1-11BDD34B512E}" sibTransId="{A056157B-3867-49A4-9195-F3A4F3FBBA8E}"/>
     <dgm:cxn modelId="{D3458AFA-605E-43EE-8C8A-0E0C1E3CD931}" type="presParOf" srcId="{3A252E36-3D7E-49E5-B812-EE4CACF0D5CF}" destId="{CF6D50B3-578A-4EA0-A5A0-492FA729F6ED}" srcOrd="0" destOrd="0" presId="urn:microsoft.com/office/officeart/2008/layout/PictureGrid"/>
     <dgm:cxn modelId="{9835F3F3-3E30-4AC4-AD89-BC095FA9A878}" type="presParOf" srcId="{CF6D50B3-578A-4EA0-A5A0-492FA729F6ED}" destId="{B29ABF60-EC0F-45AD-A90E-9C76D15C2F14}" srcOrd="0" destOrd="0" presId="urn:microsoft.com/office/officeart/2008/layout/PictureGrid"/>
     <dgm:cxn modelId="{70FA379F-7827-49B9-806E-1FD72CAE8F89}" type="presParOf" srcId="{CF6D50B3-578A-4EA0-A5A0-492FA729F6ED}" destId="{61EB78D8-69FF-471D-8FEB-71388C442F55}" srcOrd="1" destOrd="0" presId="urn:microsoft.com/office/officeart/2008/layout/PictureGrid"/>
@@ -2660,6 +2672,13 @@
         </dgm:presLayoutVars>
       </dgm:prSet>
       <dgm:spPr/>
+      <dgm:t>
+        <a:bodyPr/>
+        <a:lstStyle/>
+        <a:p>
+          <a:endParaRPr lang="ru-RU"/>
+        </a:p>
+      </dgm:t>
     </dgm:pt>
     <dgm:pt modelId="{CF6D50B3-578A-4EA0-A5A0-492FA729F6ED}" type="pres">
       <dgm:prSet presAssocID="{B75F6A3A-9A51-4DF3-8A57-9AEB0739425C}" presName="composite" presStyleCnt="0"/>
@@ -2672,6 +2691,13 @@
         </dgm:presLayoutVars>
       </dgm:prSet>
       <dgm:spPr/>
+      <dgm:t>
+        <a:bodyPr/>
+        <a:lstStyle/>
+        <a:p>
+          <a:endParaRPr lang="ru-RU"/>
+        </a:p>
+      </dgm:t>
     </dgm:pt>
     <dgm:pt modelId="{61EB78D8-69FF-471D-8FEB-71388C442F55}" type="pres">
       <dgm:prSet presAssocID="{B75F6A3A-9A51-4DF3-8A57-9AEB0739425C}" presName="rect1" presStyleLbl="alignImgPlace1" presStyleIdx="0" presStyleCnt="1" custScaleX="596594" custScaleY="114980" custLinFactX="-64576" custLinFactNeighborX="-100000" custLinFactNeighborY="-13065"/>
@@ -2693,9 +2719,9 @@
     </dgm:pt>
   </dgm:ptLst>
   <dgm:cxnLst>
+    <dgm:cxn modelId="{017518C9-1619-4B19-AA03-86BA999BA287}" srcId="{EAB81984-5B84-4970-8447-2B456B8C58DF}" destId="{B75F6A3A-9A51-4DF3-8A57-9AEB0739425C}" srcOrd="0" destOrd="0" parTransId="{203596AF-4F49-40BA-B1E1-11BDD34B512E}" sibTransId="{A056157B-3867-49A4-9195-F3A4F3FBBA8E}"/>
     <dgm:cxn modelId="{1CEAA455-5BF4-4666-95B8-390900AB8124}" type="presOf" srcId="{EAB81984-5B84-4970-8447-2B456B8C58DF}" destId="{3A252E36-3D7E-49E5-B812-EE4CACF0D5CF}" srcOrd="0" destOrd="0" presId="urn:microsoft.com/office/officeart/2008/layout/PictureGrid"/>
     <dgm:cxn modelId="{147A14B3-96E8-4139-969B-9DB1BCB4D95E}" type="presOf" srcId="{B75F6A3A-9A51-4DF3-8A57-9AEB0739425C}" destId="{B29ABF60-EC0F-45AD-A90E-9C76D15C2F14}" srcOrd="0" destOrd="0" presId="urn:microsoft.com/office/officeart/2008/layout/PictureGrid"/>
-    <dgm:cxn modelId="{017518C9-1619-4B19-AA03-86BA999BA287}" srcId="{EAB81984-5B84-4970-8447-2B456B8C58DF}" destId="{B75F6A3A-9A51-4DF3-8A57-9AEB0739425C}" srcOrd="0" destOrd="0" parTransId="{203596AF-4F49-40BA-B1E1-11BDD34B512E}" sibTransId="{A056157B-3867-49A4-9195-F3A4F3FBBA8E}"/>
     <dgm:cxn modelId="{D3458AFA-605E-43EE-8C8A-0E0C1E3CD931}" type="presParOf" srcId="{3A252E36-3D7E-49E5-B812-EE4CACF0D5CF}" destId="{CF6D50B3-578A-4EA0-A5A0-492FA729F6ED}" srcOrd="0" destOrd="0" presId="urn:microsoft.com/office/officeart/2008/layout/PictureGrid"/>
     <dgm:cxn modelId="{9835F3F3-3E30-4AC4-AD89-BC095FA9A878}" type="presParOf" srcId="{CF6D50B3-578A-4EA0-A5A0-492FA729F6ED}" destId="{B29ABF60-EC0F-45AD-A90E-9C76D15C2F14}" srcOrd="0" destOrd="0" presId="urn:microsoft.com/office/officeart/2008/layout/PictureGrid"/>
     <dgm:cxn modelId="{70FA379F-7827-49B9-806E-1FD72CAE8F89}" type="presParOf" srcId="{CF6D50B3-578A-4EA0-A5A0-492FA729F6ED}" destId="{61EB78D8-69FF-471D-8FEB-71388C442F55}" srcOrd="1" destOrd="0" presId="urn:microsoft.com/office/officeart/2008/layout/PictureGrid"/>
@@ -2785,6 +2811,13 @@
         </dgm:presLayoutVars>
       </dgm:prSet>
       <dgm:spPr/>
+      <dgm:t>
+        <a:bodyPr/>
+        <a:lstStyle/>
+        <a:p>
+          <a:endParaRPr lang="ru-RU"/>
+        </a:p>
+      </dgm:t>
     </dgm:pt>
     <dgm:pt modelId="{65D73C51-61AB-436D-8191-975603FC9C68}" type="pres">
       <dgm:prSet presAssocID="{9C9C0585-42CE-4F34-A2BB-F1377DA03788}" presName="composite" presStyleCnt="0"/>
@@ -2797,6 +2830,13 @@
         </dgm:presLayoutVars>
       </dgm:prSet>
       <dgm:spPr/>
+      <dgm:t>
+        <a:bodyPr/>
+        <a:lstStyle/>
+        <a:p>
+          <a:endParaRPr lang="ru-RU"/>
+        </a:p>
+      </dgm:t>
     </dgm:pt>
     <dgm:pt modelId="{DFDA3CA3-5C68-4A2F-A4A8-285063A35D87}" type="pres">
       <dgm:prSet presAssocID="{9C9C0585-42CE-4F34-A2BB-F1377DA03788}" presName="rect1" presStyleLbl="alignImgPlace1" presStyleIdx="0" presStyleCnt="1" custScaleX="62421" custScaleY="62421" custLinFactNeighborX="1076" custLinFactNeighborY="-52209"/>
@@ -2821,8 +2861,8 @@
     </dgm:pt>
   </dgm:ptLst>
   <dgm:cxnLst>
+    <dgm:cxn modelId="{A177C822-7566-4410-A889-706A6CE15148}" srcId="{8F66C165-B39F-46D3-B19F-623799541DD3}" destId="{9C9C0585-42CE-4F34-A2BB-F1377DA03788}" srcOrd="0" destOrd="0" parTransId="{4E5DCF2B-AAE7-41E2-837F-518128C03597}" sibTransId="{56F70C7F-1925-4DBA-9BD6-AF5E91799A59}"/>
     <dgm:cxn modelId="{A9E27516-E8E4-42A7-A155-024D48E79559}" type="presOf" srcId="{8F66C165-B39F-46D3-B19F-623799541DD3}" destId="{B6F028CB-F170-4FEF-BC3A-25F0E90D434A}" srcOrd="0" destOrd="0" presId="urn:microsoft.com/office/officeart/2008/layout/PictureGrid"/>
-    <dgm:cxn modelId="{A177C822-7566-4410-A889-706A6CE15148}" srcId="{8F66C165-B39F-46D3-B19F-623799541DD3}" destId="{9C9C0585-42CE-4F34-A2BB-F1377DA03788}" srcOrd="0" destOrd="0" parTransId="{4E5DCF2B-AAE7-41E2-837F-518128C03597}" sibTransId="{56F70C7F-1925-4DBA-9BD6-AF5E91799A59}"/>
     <dgm:cxn modelId="{ACD53F50-5BA1-48C9-B5DF-09BF6DA4DE65}" type="presOf" srcId="{9C9C0585-42CE-4F34-A2BB-F1377DA03788}" destId="{A30F2283-C0A4-4A69-BCBE-833D967155A2}" srcOrd="0" destOrd="0" presId="urn:microsoft.com/office/officeart/2008/layout/PictureGrid"/>
     <dgm:cxn modelId="{CC189C1C-06A1-4F03-B886-67BF46A53703}" type="presParOf" srcId="{B6F028CB-F170-4FEF-BC3A-25F0E90D434A}" destId="{65D73C51-61AB-436D-8191-975603FC9C68}" srcOrd="0" destOrd="0" presId="urn:microsoft.com/office/officeart/2008/layout/PictureGrid"/>
     <dgm:cxn modelId="{CD7DB92E-B84F-43A0-AC2D-FBBFB40722EE}" type="presParOf" srcId="{65D73C51-61AB-436D-8191-975603FC9C68}" destId="{A30F2283-C0A4-4A69-BCBE-833D967155A2}" srcOrd="0" destOrd="0" presId="urn:microsoft.com/office/officeart/2008/layout/PictureGrid"/>
@@ -2883,7 +2923,7 @@
         </a:bodyPr>
         <a:lstStyle/>
         <a:p>
-          <a:pPr marL="0" lvl="0" indent="0" algn="l" defTabSz="222250">
+          <a:pPr lvl="0" algn="l" defTabSz="222250">
             <a:lnSpc>
               <a:spcPct val="90000"/>
             </a:lnSpc>
@@ -2893,7 +2933,6 @@
             <a:spcAft>
               <a:spcPct val="35000"/>
             </a:spcAft>
-            <a:buNone/>
           </a:pPr>
           <a:r>
             <a:rPr lang="ru-RU" sz="500" kern="1200" dirty="0"/>
@@ -3007,7 +3046,7 @@
         </a:bodyPr>
         <a:lstStyle/>
         <a:p>
-          <a:pPr marL="0" lvl="0" indent="0" algn="l" defTabSz="222250">
+          <a:pPr lvl="0" algn="l" defTabSz="222250">
             <a:lnSpc>
               <a:spcPct val="90000"/>
             </a:lnSpc>
@@ -3017,7 +3056,6 @@
             <a:spcAft>
               <a:spcPct val="35000"/>
             </a:spcAft>
-            <a:buNone/>
           </a:pPr>
           <a:r>
             <a:rPr lang="ru-RU" sz="500" kern="1200" dirty="0"/>
@@ -3131,7 +3169,7 @@
         </a:bodyPr>
         <a:lstStyle/>
         <a:p>
-          <a:pPr marL="0" lvl="0" indent="0" algn="ctr" defTabSz="1778000">
+          <a:pPr lvl="0" algn="ctr" defTabSz="1778000">
             <a:lnSpc>
               <a:spcPct val="90000"/>
             </a:lnSpc>
@@ -3141,7 +3179,6 @@
             <a:spcAft>
               <a:spcPct val="35000"/>
             </a:spcAft>
-            <a:buNone/>
           </a:pPr>
           <a:r>
             <a:rPr lang="ru-RU" sz="4000" kern="1200" dirty="0">
@@ -7263,7 +7300,7 @@
           <a:p>
             <a:fld id="{16E5F246-0B7D-44DF-8C1B-EDFCA5DA626A}" type="datetimeFigureOut">
               <a:rPr lang="ru-RU" smtClean="0"/>
-              <a:t>16.04.2018</a:t>
+              <a:t>14.11.2018</a:t>
             </a:fld>
             <a:endParaRPr lang="ru-RU"/>
           </a:p>
@@ -9486,7 +9523,7 @@
           <a:p>
             <a:fld id="{3BAECB10-9972-4830-A584-02C41DAFD45B}" type="slidenum">
               <a:rPr lang="ru-RU" smtClean="0"/>
-              <a:t>28</a:t>
+              <a:t>29</a:t>
             </a:fld>
             <a:endParaRPr lang="ru-RU"/>
           </a:p>
@@ -9628,7 +9665,7 @@
           <a:p>
             <a:fld id="{3BAECB10-9972-4830-A584-02C41DAFD45B}" type="slidenum">
               <a:rPr lang="ru-RU" smtClean="0"/>
-              <a:t>29</a:t>
+              <a:t>30</a:t>
             </a:fld>
             <a:endParaRPr lang="ru-RU"/>
           </a:p>
@@ -9770,7 +9807,7 @@
           <a:p>
             <a:fld id="{3BAECB10-9972-4830-A584-02C41DAFD45B}" type="slidenum">
               <a:rPr lang="ru-RU" smtClean="0"/>
-              <a:t>30</a:t>
+              <a:t>31</a:t>
             </a:fld>
             <a:endParaRPr lang="ru-RU"/>
           </a:p>
@@ -9854,7 +9891,7 @@
           <a:p>
             <a:fld id="{3BAECB10-9972-4830-A584-02C41DAFD45B}" type="slidenum">
               <a:rPr lang="ru-RU" smtClean="0"/>
-              <a:t>31</a:t>
+              <a:t>33</a:t>
             </a:fld>
             <a:endParaRPr lang="ru-RU"/>
           </a:p>
@@ -10026,7 +10063,7 @@
           <a:p>
             <a:fld id="{3BAECB10-9972-4830-A584-02C41DAFD45B}" type="slidenum">
               <a:rPr lang="ru-RU" smtClean="0"/>
-              <a:t>32</a:t>
+              <a:t>34</a:t>
             </a:fld>
             <a:endParaRPr lang="ru-RU"/>
           </a:p>
@@ -10118,7 +10155,7 @@
           <a:p>
             <a:fld id="{3BAECB10-9972-4830-A584-02C41DAFD45B}" type="slidenum">
               <a:rPr lang="ru-RU" smtClean="0"/>
-              <a:t>33</a:t>
+              <a:t>35</a:t>
             </a:fld>
             <a:endParaRPr lang="ru-RU"/>
           </a:p>
@@ -10202,7 +10239,7 @@
           <a:p>
             <a:fld id="{3BAECB10-9972-4830-A584-02C41DAFD45B}" type="slidenum">
               <a:rPr lang="ru-RU" smtClean="0"/>
-              <a:t>34</a:t>
+              <a:t>36</a:t>
             </a:fld>
             <a:endParaRPr lang="ru-RU"/>
           </a:p>
@@ -10324,7 +10361,7 @@
           <a:p>
             <a:fld id="{3BAECB10-9972-4830-A584-02C41DAFD45B}" type="slidenum">
               <a:rPr lang="ru-RU" smtClean="0"/>
-              <a:t>35</a:t>
+              <a:t>37</a:t>
             </a:fld>
             <a:endParaRPr lang="ru-RU"/>
           </a:p>
@@ -10408,7 +10445,7 @@
           <a:p>
             <a:fld id="{3BAECB10-9972-4830-A584-02C41DAFD45B}" type="slidenum">
               <a:rPr lang="ru-RU" smtClean="0"/>
-              <a:t>36</a:t>
+              <a:t>38</a:t>
             </a:fld>
             <a:endParaRPr lang="ru-RU"/>
           </a:p>
@@ -10563,6 +10600,64 @@
           <a:bodyPr/>
           <a:lstStyle/>
           <a:p>
+            <a:r>
+              <a:rPr lang="ru-RU" dirty="0"/>
+              <a:t>Все</a:t>
+            </a:r>
+            <a:r>
+              <a:rPr lang="ru-RU" baseline="0" dirty="0"/>
+              <a:t> варианты правильные, конкретный зависит больше от </a:t>
+            </a:r>
+            <a:r>
+              <a:rPr lang="ru-RU" baseline="0" dirty="0" err="1"/>
+              <a:t>рандома</a:t>
+            </a:r>
+            <a:r>
+              <a:rPr lang="ru-RU" baseline="0" dirty="0"/>
+              <a:t>.</a:t>
+            </a:r>
+          </a:p>
+          <a:p>
+            <a:r>
+              <a:rPr lang="en-US" baseline="0" dirty="0"/>
+              <a:t> </a:t>
+            </a:r>
+            <a:r>
+              <a:rPr lang="en-US" baseline="0" dirty="0" err="1"/>
+              <a:t>StackOverflow</a:t>
+            </a:r>
+            <a:r>
+              <a:rPr lang="en-US" baseline="0" dirty="0"/>
+              <a:t>, </a:t>
+            </a:r>
+            <a:r>
+              <a:rPr lang="en-US" baseline="0" dirty="0" err="1"/>
+              <a:t>AccessViolation</a:t>
+            </a:r>
+            <a:r>
+              <a:rPr lang="en-US" baseline="0" dirty="0"/>
+              <a:t> </a:t>
+            </a:r>
+            <a:r>
+              <a:rPr lang="ru-RU" baseline="0" dirty="0"/>
+              <a:t>и </a:t>
+            </a:r>
+            <a:r>
+              <a:rPr lang="en-US" baseline="0" dirty="0" err="1"/>
+              <a:t>OutOfMemory</a:t>
+            </a:r>
+            <a:r>
+              <a:rPr lang="en-US" baseline="0" dirty="0"/>
+              <a:t> </a:t>
+            </a:r>
+            <a:r>
+              <a:rPr lang="ru-RU" baseline="0" dirty="0"/>
+              <a:t>могут превращаться друг в друга при обработке внутри </a:t>
+            </a:r>
+            <a:r>
+              <a:rPr lang="ru-RU" baseline="0" dirty="0" err="1"/>
+              <a:t>рантайма</a:t>
+            </a:r>
             <a:endParaRPr lang="ru-RU" dirty="0"/>
           </a:p>
         </p:txBody>
@@ -10584,7 +10679,7 @@
           <a:p>
             <a:fld id="{3BAECB10-9972-4830-A584-02C41DAFD45B}" type="slidenum">
               <a:rPr lang="ru-RU" smtClean="0"/>
-              <a:t>38</a:t>
+              <a:t>40</a:t>
             </a:fld>
             <a:endParaRPr lang="ru-RU"/>
           </a:p>
@@ -10593,7 +10688,7 @@
     </p:spTree>
     <p:extLst>
       <p:ext uri="{BB962C8B-B14F-4D97-AF65-F5344CB8AC3E}">
-        <p14:creationId xmlns:p14="http://schemas.microsoft.com/office/powerpoint/2010/main" val="3710155742"/>
+        <p14:creationId xmlns:p14="http://schemas.microsoft.com/office/powerpoint/2010/main" val="2584260149"/>
       </p:ext>
     </p:extLst>
   </p:cSld>
@@ -10649,63 +10744,8 @@
           <a:p>
             <a:r>
               <a:rPr lang="ru-RU" dirty="0"/>
-              <a:t>Все</a:t>
-            </a:r>
-            <a:r>
-              <a:rPr lang="ru-RU" baseline="0" dirty="0"/>
-              <a:t> варианты правильные, конкретный зависит больше от </a:t>
-            </a:r>
-            <a:r>
-              <a:rPr lang="ru-RU" baseline="0" dirty="0" err="1"/>
-              <a:t>рандома</a:t>
-            </a:r>
-            <a:r>
-              <a:rPr lang="ru-RU" baseline="0" dirty="0"/>
-              <a:t>.</a:t>
-            </a:r>
-          </a:p>
-          <a:p>
-            <a:r>
-              <a:rPr lang="en-US" baseline="0" dirty="0"/>
-              <a:t> </a:t>
-            </a:r>
-            <a:r>
-              <a:rPr lang="en-US" baseline="0" dirty="0" err="1"/>
-              <a:t>StackOverflow</a:t>
-            </a:r>
-            <a:r>
-              <a:rPr lang="en-US" baseline="0" dirty="0"/>
-              <a:t>, </a:t>
-            </a:r>
-            <a:r>
-              <a:rPr lang="en-US" baseline="0" dirty="0" err="1"/>
-              <a:t>AccessViolation</a:t>
-            </a:r>
-            <a:r>
-              <a:rPr lang="en-US" baseline="0" dirty="0"/>
-              <a:t> </a:t>
-            </a:r>
-            <a:r>
-              <a:rPr lang="ru-RU" baseline="0" dirty="0"/>
-              <a:t>и </a:t>
-            </a:r>
-            <a:r>
-              <a:rPr lang="en-US" baseline="0" dirty="0" err="1"/>
-              <a:t>OutOfMemory</a:t>
-            </a:r>
-            <a:r>
-              <a:rPr lang="en-US" baseline="0" dirty="0"/>
-              <a:t> </a:t>
-            </a:r>
-            <a:r>
-              <a:rPr lang="ru-RU" baseline="0" dirty="0"/>
-              <a:t>могут превращаться друг в друга при обработке внутри </a:t>
-            </a:r>
-            <a:r>
-              <a:rPr lang="ru-RU" baseline="0" dirty="0" err="1"/>
-              <a:t>рантайма</a:t>
-            </a:r>
-            <a:endParaRPr lang="ru-RU" dirty="0"/>
+              <a:t>Чем плох код?</a:t>
+            </a:r>
           </a:p>
         </p:txBody>
       </p:sp>
@@ -10726,7 +10766,7 @@
           <a:p>
             <a:fld id="{3BAECB10-9972-4830-A584-02C41DAFD45B}" type="slidenum">
               <a:rPr lang="ru-RU" smtClean="0"/>
-              <a:t>40</a:t>
+              <a:t>41</a:t>
             </a:fld>
             <a:endParaRPr lang="ru-RU"/>
           </a:p>
@@ -10735,7 +10775,7 @@
     </p:spTree>
     <p:extLst>
       <p:ext uri="{BB962C8B-B14F-4D97-AF65-F5344CB8AC3E}">
-        <p14:creationId xmlns:p14="http://schemas.microsoft.com/office/powerpoint/2010/main" val="2584260149"/>
+        <p14:creationId xmlns:p14="http://schemas.microsoft.com/office/powerpoint/2010/main" val="1610563261"/>
       </p:ext>
     </p:extLst>
   </p:cSld>
@@ -10790,50 +10830,114 @@
           <a:lstStyle/>
           <a:p>
             <a:r>
+              <a:rPr lang="en-US" dirty="0"/>
+              <a:t>Finally – </a:t>
+            </a:r>
+            <a:r>
               <a:rPr lang="ru-RU" dirty="0" err="1"/>
-              <a:t>Стековерфлоу</a:t>
+              <a:t>фича</a:t>
             </a:r>
             <a:r>
               <a:rPr lang="ru-RU" dirty="0"/>
-              <a:t> возникает из-за того, что память под стек</a:t>
+              <a:t> </a:t>
+            </a:r>
+            <a:r>
+              <a:rPr lang="ru-RU" dirty="0" err="1"/>
+              <a:t>дотнета</a:t>
+            </a:r>
+            <a:r>
+              <a:rPr lang="ru-RU" dirty="0"/>
+              <a:t>,</a:t>
             </a:r>
             <a:r>
               <a:rPr lang="ru-RU" baseline="0" dirty="0"/>
-              <a:t> выделяется не при запуске потока, а по необходимости. Можно либо сразу создать поток с нужным размером стека или настроить в </a:t>
+              <a:t> ОС она безразлична</a:t>
+            </a:r>
+          </a:p>
+          <a:p>
+            <a:r>
+              <a:rPr lang="en-US" baseline="0" dirty="0"/>
+              <a:t>finally </a:t>
+            </a:r>
+            <a:r>
+              <a:rPr lang="ru-RU" baseline="0" dirty="0"/>
+              <a:t>работает, пока процесс и </a:t>
             </a:r>
             <a:r>
               <a:rPr lang="ru-RU" baseline="0" dirty="0" err="1"/>
-              <a:t>апп</a:t>
+              <a:t>рантайм</a:t>
+            </a:r>
+            <a:r>
+              <a:rPr lang="en-US" baseline="0" dirty="0"/>
+              <a:t> </a:t>
             </a:r>
             <a:r>
               <a:rPr lang="ru-RU" baseline="0" dirty="0"/>
+              <a:t>работают нормально</a:t>
+            </a:r>
+          </a:p>
+          <a:p>
+            <a:r>
+              <a:rPr lang="ru-RU" baseline="0" dirty="0"/>
+              <a:t>Но </a:t>
+            </a:r>
+            <a:r>
+              <a:rPr lang="en-US" baseline="0" dirty="0"/>
+              <a:t>finally </a:t>
+            </a:r>
+            <a:r>
+              <a:rPr lang="ru-RU" baseline="0" dirty="0"/>
+              <a:t>имеет смысл использовать лишь для выполнения кода в независимости от наличия исключения</a:t>
+            </a:r>
+          </a:p>
+          <a:p>
+            <a:r>
+              <a:rPr lang="ru-RU" baseline="0" dirty="0"/>
+              <a:t>Нестандартное применение – код</a:t>
+            </a:r>
+            <a:r>
+              <a:rPr lang="en-US" baseline="0" dirty="0"/>
               <a:t> </a:t>
             </a:r>
             <a:r>
+              <a:rPr lang="ru-RU" baseline="0" dirty="0"/>
+              <a:t>в </a:t>
+            </a:r>
+            <a:r>
+              <a:rPr lang="en-US" baseline="0" dirty="0"/>
+              <a:t>finally </a:t>
+            </a:r>
+            <a:r>
+              <a:rPr lang="ru-RU" baseline="0" dirty="0"/>
+              <a:t>не прерывается </a:t>
+            </a:r>
+            <a:r>
+              <a:rPr lang="en-US" baseline="0" dirty="0" err="1"/>
+              <a:t>ThreadAbortException</a:t>
+            </a:r>
+            <a:r>
+              <a:rPr lang="en-US" baseline="0" dirty="0"/>
+              <a:t>’</a:t>
+            </a:r>
+            <a:r>
+              <a:rPr lang="ru-RU" baseline="0" dirty="0"/>
+              <a:t>ом. Это иногда используется в самом </a:t>
+            </a:r>
+            <a:r>
               <a:rPr lang="ru-RU" baseline="0" dirty="0" err="1"/>
-              <a:t>конфиге</a:t>
-            </a:r>
-            <a:endParaRPr lang="ru-RU" baseline="0" dirty="0"/>
-          </a:p>
-          <a:p>
-            <a:endParaRPr lang="ru-RU" baseline="0" dirty="0"/>
-          </a:p>
-          <a:p>
+              <a:t>дотнете</a:t>
+            </a:r>
             <a:r>
               <a:rPr lang="ru-RU" baseline="0" dirty="0"/>
-              <a:t>Интересно, что в документации описано противоположное поведение</a:t>
-            </a:r>
-            <a:r>
-              <a:rPr lang="en-US" baseline="0" dirty="0"/>
-              <a:t>. </a:t>
+              <a:t>. Не используйте это, пока не найдёте, где это написано в </a:t>
+            </a:r>
+            <a:r>
+              <a:rPr lang="ru-RU" baseline="0" dirty="0" err="1"/>
+              <a:t>документаци</a:t>
             </a:r>
             <a:r>
               <a:rPr lang="ru-RU" baseline="0" dirty="0"/>
-              <a:t>Документации можно верить не всегда, </a:t>
-            </a:r>
-            <a:r>
-              <a:rPr lang="ru-RU" baseline="0"/>
-              <a:t>нужно проверять</a:t>
+              <a:t>!</a:t>
             </a:r>
             <a:endParaRPr lang="ru-RU" dirty="0"/>
           </a:p>
@@ -10856,288 +10960,7 @@
           <a:p>
             <a:fld id="{3BAECB10-9972-4830-A584-02C41DAFD45B}" type="slidenum">
               <a:rPr lang="ru-RU" smtClean="0"/>
-              <a:t>41</a:t>
-            </a:fld>
-            <a:endParaRPr lang="ru-RU"/>
-          </a:p>
-        </p:txBody>
-      </p:sp>
-    </p:spTree>
-    <p:extLst>
-      <p:ext uri="{BB962C8B-B14F-4D97-AF65-F5344CB8AC3E}">
-        <p14:creationId xmlns:p14="http://schemas.microsoft.com/office/powerpoint/2010/main" val="757342560"/>
-      </p:ext>
-    </p:extLst>
-  </p:cSld>
-  <p:clrMapOvr>
-    <a:masterClrMapping/>
-  </p:clrMapOvr>
-</p:notes>
-</file>
-
-<file path=ppt/notesSlides/notesSlide33.xml><?xml version="1.0" encoding="utf-8"?>
-<p:notes xmlns:a="http://schemas.openxmlformats.org/drawingml/2006/main" xmlns:r="http://schemas.openxmlformats.org/officeDocument/2006/relationships" xmlns:p="http://schemas.openxmlformats.org/presentationml/2006/main">
-  <p:cSld>
-    <p:spTree>
-      <p:nvGrpSpPr>
-        <p:cNvPr id="1" name=""/>
-        <p:cNvGrpSpPr/>
-        <p:nvPr/>
-      </p:nvGrpSpPr>
-      <p:grpSpPr>
-        <a:xfrm>
-          <a:off x="0" y="0"/>
-          <a:ext cx="0" cy="0"/>
-          <a:chOff x="0" y="0"/>
-          <a:chExt cx="0" cy="0"/>
-        </a:xfrm>
-      </p:grpSpPr>
-      <p:sp>
-        <p:nvSpPr>
-          <p:cNvPr id="2" name="Образ слайда 1"/>
-          <p:cNvSpPr>
-            <a:spLocks noGrp="1" noRot="1" noChangeAspect="1"/>
-          </p:cNvSpPr>
-          <p:nvPr>
-            <p:ph type="sldImg"/>
-          </p:nvPr>
-        </p:nvSpPr>
-        <p:spPr/>
-      </p:sp>
-      <p:sp>
-        <p:nvSpPr>
-          <p:cNvPr id="3" name="Заметки 2"/>
-          <p:cNvSpPr>
-            <a:spLocks noGrp="1"/>
-          </p:cNvSpPr>
-          <p:nvPr>
-            <p:ph type="body" idx="1"/>
-          </p:nvPr>
-        </p:nvSpPr>
-        <p:spPr/>
-        <p:txBody>
-          <a:bodyPr/>
-          <a:lstStyle/>
-          <a:p>
-            <a:r>
-              <a:rPr lang="ru-RU" dirty="0"/>
-              <a:t>Чем плох код?</a:t>
-            </a:r>
-          </a:p>
-        </p:txBody>
-      </p:sp>
-      <p:sp>
-        <p:nvSpPr>
-          <p:cNvPr id="4" name="Номер слайда 3"/>
-          <p:cNvSpPr>
-            <a:spLocks noGrp="1"/>
-          </p:cNvSpPr>
-          <p:nvPr>
-            <p:ph type="sldNum" sz="quarter" idx="10"/>
-          </p:nvPr>
-        </p:nvSpPr>
-        <p:spPr/>
-        <p:txBody>
-          <a:bodyPr/>
-          <a:lstStyle/>
-          <a:p>
-            <a:fld id="{3BAECB10-9972-4830-A584-02C41DAFD45B}" type="slidenum">
-              <a:rPr lang="ru-RU" smtClean="0"/>
               <a:t>42</a:t>
-            </a:fld>
-            <a:endParaRPr lang="ru-RU"/>
-          </a:p>
-        </p:txBody>
-      </p:sp>
-    </p:spTree>
-    <p:extLst>
-      <p:ext uri="{BB962C8B-B14F-4D97-AF65-F5344CB8AC3E}">
-        <p14:creationId xmlns:p14="http://schemas.microsoft.com/office/powerpoint/2010/main" val="1610563261"/>
-      </p:ext>
-    </p:extLst>
-  </p:cSld>
-  <p:clrMapOvr>
-    <a:masterClrMapping/>
-  </p:clrMapOvr>
-</p:notes>
-</file>
-
-<file path=ppt/notesSlides/notesSlide34.xml><?xml version="1.0" encoding="utf-8"?>
-<p:notes xmlns:a="http://schemas.openxmlformats.org/drawingml/2006/main" xmlns:r="http://schemas.openxmlformats.org/officeDocument/2006/relationships" xmlns:p="http://schemas.openxmlformats.org/presentationml/2006/main">
-  <p:cSld>
-    <p:spTree>
-      <p:nvGrpSpPr>
-        <p:cNvPr id="1" name=""/>
-        <p:cNvGrpSpPr/>
-        <p:nvPr/>
-      </p:nvGrpSpPr>
-      <p:grpSpPr>
-        <a:xfrm>
-          <a:off x="0" y="0"/>
-          <a:ext cx="0" cy="0"/>
-          <a:chOff x="0" y="0"/>
-          <a:chExt cx="0" cy="0"/>
-        </a:xfrm>
-      </p:grpSpPr>
-      <p:sp>
-        <p:nvSpPr>
-          <p:cNvPr id="2" name="Образ слайда 1"/>
-          <p:cNvSpPr>
-            <a:spLocks noGrp="1" noRot="1" noChangeAspect="1"/>
-          </p:cNvSpPr>
-          <p:nvPr>
-            <p:ph type="sldImg"/>
-          </p:nvPr>
-        </p:nvSpPr>
-        <p:spPr/>
-      </p:sp>
-      <p:sp>
-        <p:nvSpPr>
-          <p:cNvPr id="3" name="Заметки 2"/>
-          <p:cNvSpPr>
-            <a:spLocks noGrp="1"/>
-          </p:cNvSpPr>
-          <p:nvPr>
-            <p:ph type="body" idx="1"/>
-          </p:nvPr>
-        </p:nvSpPr>
-        <p:spPr/>
-        <p:txBody>
-          <a:bodyPr/>
-          <a:lstStyle/>
-          <a:p>
-            <a:r>
-              <a:rPr lang="en-US" dirty="0"/>
-              <a:t>Finally – </a:t>
-            </a:r>
-            <a:r>
-              <a:rPr lang="ru-RU" dirty="0" err="1"/>
-              <a:t>фича</a:t>
-            </a:r>
-            <a:r>
-              <a:rPr lang="ru-RU" dirty="0"/>
-              <a:t> </a:t>
-            </a:r>
-            <a:r>
-              <a:rPr lang="ru-RU" dirty="0" err="1"/>
-              <a:t>дотнета</a:t>
-            </a:r>
-            <a:r>
-              <a:rPr lang="ru-RU" dirty="0"/>
-              <a:t>,</a:t>
-            </a:r>
-            <a:r>
-              <a:rPr lang="ru-RU" baseline="0" dirty="0"/>
-              <a:t> ОС она безразлична</a:t>
-            </a:r>
-          </a:p>
-          <a:p>
-            <a:r>
-              <a:rPr lang="en-US" baseline="0" dirty="0"/>
-              <a:t>finally </a:t>
-            </a:r>
-            <a:r>
-              <a:rPr lang="ru-RU" baseline="0" dirty="0"/>
-              <a:t>работает, пока процесс и </a:t>
-            </a:r>
-            <a:r>
-              <a:rPr lang="ru-RU" baseline="0" dirty="0" err="1"/>
-              <a:t>рантайм</a:t>
-            </a:r>
-            <a:r>
-              <a:rPr lang="en-US" baseline="0" dirty="0"/>
-              <a:t> </a:t>
-            </a:r>
-            <a:r>
-              <a:rPr lang="ru-RU" baseline="0" dirty="0"/>
-              <a:t>работают нормально</a:t>
-            </a:r>
-          </a:p>
-          <a:p>
-            <a:r>
-              <a:rPr lang="ru-RU" baseline="0" dirty="0"/>
-              <a:t>Но </a:t>
-            </a:r>
-            <a:r>
-              <a:rPr lang="en-US" baseline="0" dirty="0"/>
-              <a:t>finally </a:t>
-            </a:r>
-            <a:r>
-              <a:rPr lang="ru-RU" baseline="0" dirty="0"/>
-              <a:t>имеет смысл использовать лишь для выполнения кода в независимости от наличия исключения</a:t>
-            </a:r>
-          </a:p>
-          <a:p>
-            <a:r>
-              <a:rPr lang="ru-RU" baseline="0" dirty="0"/>
-              <a:t>Нестандартное применение – код</a:t>
-            </a:r>
-            <a:r>
-              <a:rPr lang="en-US" baseline="0" dirty="0"/>
-              <a:t> </a:t>
-            </a:r>
-            <a:r>
-              <a:rPr lang="ru-RU" baseline="0" dirty="0"/>
-              <a:t>в </a:t>
-            </a:r>
-            <a:r>
-              <a:rPr lang="en-US" baseline="0" dirty="0"/>
-              <a:t>finally </a:t>
-            </a:r>
-            <a:r>
-              <a:rPr lang="ru-RU" baseline="0" dirty="0"/>
-              <a:t>не прерывается </a:t>
-            </a:r>
-            <a:r>
-              <a:rPr lang="en-US" baseline="0" dirty="0" err="1"/>
-              <a:t>ThreadAbortException</a:t>
-            </a:r>
-            <a:r>
-              <a:rPr lang="en-US" baseline="0" dirty="0"/>
-              <a:t>’</a:t>
-            </a:r>
-            <a:r>
-              <a:rPr lang="ru-RU" baseline="0" dirty="0"/>
-              <a:t>ом. Это иногда используется в самом </a:t>
-            </a:r>
-            <a:r>
-              <a:rPr lang="ru-RU" baseline="0" dirty="0" err="1"/>
-              <a:t>дотнете</a:t>
-            </a:r>
-            <a:r>
-              <a:rPr lang="ru-RU" baseline="0" dirty="0"/>
-              <a:t>. Не используйте это, пока не найдёте, где это написано в </a:t>
-            </a:r>
-            <a:r>
-              <a:rPr lang="ru-RU" baseline="0" dirty="0" err="1"/>
-              <a:t>документаци</a:t>
-            </a:r>
-            <a:r>
-              <a:rPr lang="ru-RU" baseline="0" dirty="0"/>
-              <a:t>!</a:t>
-            </a:r>
-            <a:endParaRPr lang="ru-RU" dirty="0"/>
-          </a:p>
-        </p:txBody>
-      </p:sp>
-      <p:sp>
-        <p:nvSpPr>
-          <p:cNvPr id="4" name="Номер слайда 3"/>
-          <p:cNvSpPr>
-            <a:spLocks noGrp="1"/>
-          </p:cNvSpPr>
-          <p:nvPr>
-            <p:ph type="sldNum" sz="quarter" idx="10"/>
-          </p:nvPr>
-        </p:nvSpPr>
-        <p:spPr/>
-        <p:txBody>
-          <a:bodyPr/>
-          <a:lstStyle/>
-          <a:p>
-            <a:fld id="{3BAECB10-9972-4830-A584-02C41DAFD45B}" type="slidenum">
-              <a:rPr lang="ru-RU" smtClean="0"/>
-              <a:t>43</a:t>
             </a:fld>
             <a:endParaRPr lang="ru-RU"/>
           </a:p>
@@ -16554,9 +16377,10 @@
               <a:t>#3 </a:t>
             </a:r>
             <a:r>
-              <a:rPr lang="ru-RU" sz="3600" dirty="0"/>
-              <a:t>обработай Ожидаемые проблемы</a:t>
-            </a:r>
+              <a:rPr lang="ru-RU" sz="3600" cap="none" dirty="0" smtClean="0"/>
+              <a:t>Обработай ожидаемые проблемы</a:t>
+            </a:r>
+            <a:endParaRPr lang="ru-RU" sz="3600" dirty="0"/>
           </a:p>
         </p:txBody>
       </p:sp>
@@ -17140,9 +16964,10 @@
               <a:t>#4 </a:t>
             </a:r>
             <a:r>
-              <a:rPr lang="ru-RU" sz="3600" dirty="0"/>
+              <a:rPr lang="ru-RU" sz="3600" cap="none" dirty="0" smtClean="0"/>
               <a:t>Не строй логику на исключениях</a:t>
             </a:r>
+            <a:endParaRPr lang="ru-RU" sz="3600" cap="none" dirty="0"/>
           </a:p>
         </p:txBody>
       </p:sp>
@@ -18004,21 +17829,22 @@
               <a:t>#5 </a:t>
             </a:r>
             <a:r>
-              <a:rPr lang="ru-RU" sz="3200" dirty="0"/>
+              <a:rPr lang="ru-RU" sz="3200" cap="none" dirty="0" smtClean="0"/>
               <a:t>Минимизируй </a:t>
             </a:r>
             <a:r>
-              <a:rPr lang="en-US" sz="3200" dirty="0"/>
+              <a:rPr lang="en-US" sz="3200" cap="none" dirty="0" smtClean="0"/>
               <a:t>try, </a:t>
             </a:r>
             <a:r>
-              <a:rPr lang="ru-RU" sz="3200" dirty="0"/>
+              <a:rPr lang="ru-RU" sz="3200" cap="none" dirty="0" smtClean="0"/>
               <a:t>конкретизируй </a:t>
             </a:r>
             <a:r>
-              <a:rPr lang="en-US" sz="3200" dirty="0"/>
+              <a:rPr lang="en-US" sz="3200" cap="none" dirty="0" smtClean="0"/>
               <a:t>catch</a:t>
             </a:r>
+            <a:endParaRPr lang="en-US" sz="3200" dirty="0"/>
           </a:p>
         </p:txBody>
       </p:sp>
@@ -18068,14 +17894,14 @@
           <a:lstStyle/>
           <a:p>
             <a:r>
-              <a:rPr lang="ru-RU" dirty="0" err="1"/>
+              <a:rPr lang="ru-RU" cap="none" dirty="0" err="1" smtClean="0"/>
               <a:t>Логируй</a:t>
             </a:r>
             <a:r>
-              <a:rPr lang="ru-RU" dirty="0"/>
+              <a:rPr lang="ru-RU" cap="none" dirty="0" smtClean="0"/>
               <a:t> все</a:t>
             </a:r>
-            <a:endParaRPr lang="en-US" dirty="0"/>
+            <a:endParaRPr lang="en-US" cap="none" dirty="0"/>
           </a:p>
         </p:txBody>
       </p:sp>
@@ -18131,9 +17957,10 @@
               <a:t>#6 </a:t>
             </a:r>
             <a:r>
-              <a:rPr lang="ru-RU" sz="4000" dirty="0"/>
+              <a:rPr lang="ru-RU" sz="4000" cap="none" dirty="0" smtClean="0"/>
               <a:t>Создай глобальный обработчик</a:t>
             </a:r>
+            <a:endParaRPr lang="ru-RU" sz="4000" dirty="0"/>
           </a:p>
         </p:txBody>
       </p:sp>
@@ -18595,9 +18422,10 @@
           <a:lstStyle/>
           <a:p>
             <a:r>
-              <a:rPr lang="ru-RU" dirty="0"/>
+              <a:rPr lang="ru-RU" cap="none" dirty="0" smtClean="0"/>
               <a:t>В том числе на каждый поток!</a:t>
             </a:r>
+            <a:endParaRPr lang="ru-RU" cap="none" dirty="0"/>
           </a:p>
         </p:txBody>
       </p:sp>
@@ -19392,9 +19220,10 @@
           <a:lstStyle/>
           <a:p>
             <a:r>
-              <a:rPr lang="ru-RU" dirty="0"/>
+              <a:rPr lang="ru-RU" cap="none" dirty="0" smtClean="0"/>
               <a:t>В том числе на каждый поток!</a:t>
             </a:r>
+            <a:endParaRPr lang="ru-RU" cap="none" dirty="0"/>
           </a:p>
         </p:txBody>
       </p:sp>
@@ -19803,14 +19632,14 @@
           <a:lstStyle/>
           <a:p>
             <a:r>
-              <a:rPr lang="ru-RU" dirty="0"/>
+              <a:rPr lang="ru-RU" cap="none" dirty="0" smtClean="0"/>
               <a:t>И, возможно, в действиях </a:t>
             </a:r>
             <a:r>
-              <a:rPr lang="en-US" dirty="0"/>
+              <a:rPr lang="en-US" cap="none" dirty="0" smtClean="0"/>
               <a:t>GUI</a:t>
             </a:r>
-            <a:endParaRPr lang="ru-RU" dirty="0"/>
+            <a:endParaRPr lang="ru-RU" cap="none" dirty="0"/>
           </a:p>
         </p:txBody>
       </p:sp>
@@ -20245,9 +20074,10 @@
           <a:lstStyle/>
           <a:p>
             <a:r>
-              <a:rPr lang="ru-RU" sz="3200" dirty="0"/>
+              <a:rPr lang="ru-RU" sz="3200" cap="none" dirty="0" smtClean="0"/>
               <a:t>Как узнать о необработанном исключении</a:t>
             </a:r>
+            <a:endParaRPr lang="ru-RU" sz="3200" cap="none" dirty="0"/>
           </a:p>
         </p:txBody>
       </p:sp>
@@ -20425,6 +20255,15 @@
             </a:lvl9pPr>
           </a:lstStyle>
           <a:p>
+            <a:r>
+              <a:rPr lang="en-US" sz="2000" dirty="0">
+                <a:solidFill>
+                  <a:srgbClr val="000000"/>
+                </a:solidFill>
+                <a:latin typeface="Consolas" panose="020B0609020204030204" pitchFamily="49" charset="0"/>
+              </a:rPr>
+              <a:t/>
+            </a:r>
             <a:br>
               <a:rPr lang="en-US" sz="2000" dirty="0">
                 <a:solidFill>
@@ -20611,6 +20450,15 @@
             </a:lvl9pPr>
           </a:lstStyle>
           <a:p>
+            <a:r>
+              <a:rPr lang="en-US" sz="2400" dirty="0">
+                <a:solidFill>
+                  <a:srgbClr val="000000"/>
+                </a:solidFill>
+                <a:latin typeface="Consolas" panose="020B0609020204030204" pitchFamily="49" charset="0"/>
+              </a:rPr>
+              <a:t/>
+            </a:r>
             <a:br>
               <a:rPr lang="en-US" sz="2400" dirty="0">
                 <a:solidFill>
@@ -21081,10 +20929,10 @@
           <a:lstStyle/>
           <a:p>
             <a:r>
-              <a:rPr lang="ru-RU" dirty="0"/>
+              <a:rPr lang="ru-RU" cap="none" dirty="0" smtClean="0"/>
               <a:t>Хорош ли код?</a:t>
             </a:r>
-            <a:endParaRPr lang="en-US" dirty="0"/>
+            <a:endParaRPr lang="en-US" cap="none" dirty="0"/>
           </a:p>
         </p:txBody>
       </p:sp>
@@ -21768,16 +21616,17 @@
               <a:t>#7 </a:t>
             </a:r>
             <a:r>
-              <a:rPr lang="ru-RU" sz="4000" dirty="0"/>
+              <a:rPr lang="ru-RU" sz="4000" cap="none" dirty="0" smtClean="0"/>
               <a:t>Добавь подробностей</a:t>
             </a:r>
             <a:br>
-              <a:rPr lang="ru-RU" sz="4000" dirty="0"/>
+              <a:rPr lang="ru-RU" sz="4000" cap="none" dirty="0" smtClean="0"/>
             </a:br>
             <a:r>
-              <a:rPr lang="ru-RU" sz="4000" dirty="0"/>
+              <a:rPr lang="ru-RU" sz="4000" cap="none" dirty="0" smtClean="0"/>
               <a:t>– быстрее найдешь ошибку</a:t>
             </a:r>
+            <a:endParaRPr lang="ru-RU" sz="4000" dirty="0"/>
           </a:p>
         </p:txBody>
       </p:sp>
@@ -22461,16 +22310,17 @@
               <a:t>#7 </a:t>
             </a:r>
             <a:r>
-              <a:rPr lang="ru-RU" sz="4000" dirty="0"/>
+              <a:rPr lang="ru-RU" sz="4000" cap="none" dirty="0" smtClean="0"/>
               <a:t>Добавь подробностей</a:t>
             </a:r>
             <a:br>
-              <a:rPr lang="ru-RU" sz="4000" dirty="0"/>
+              <a:rPr lang="ru-RU" sz="4000" cap="none" dirty="0" smtClean="0"/>
             </a:br>
             <a:r>
-              <a:rPr lang="ru-RU" sz="4000" dirty="0"/>
+              <a:rPr lang="ru-RU" sz="4000" cap="none" dirty="0" smtClean="0"/>
               <a:t>– быстрее найдешь ошибку</a:t>
             </a:r>
+            <a:endParaRPr lang="ru-RU" sz="4000" cap="none" dirty="0"/>
           </a:p>
         </p:txBody>
       </p:sp>
@@ -22609,10 +22459,10 @@
           <a:lstStyle/>
           <a:p>
             <a:r>
-              <a:rPr lang="ru-RU" dirty="0"/>
+              <a:rPr lang="ru-RU" cap="none" dirty="0" smtClean="0"/>
               <a:t>Резюме</a:t>
             </a:r>
-            <a:endParaRPr lang="en-US" dirty="0"/>
+            <a:endParaRPr lang="en-US" cap="none" dirty="0"/>
           </a:p>
         </p:txBody>
       </p:sp>
@@ -22664,29 +22514,34 @@
           <a:lstStyle/>
           <a:p>
             <a:r>
-              <a:rPr lang="ru-RU" dirty="0"/>
+              <a:rPr lang="ru-RU" cap="none" dirty="0" smtClean="0"/>
               <a:t>Про </a:t>
             </a:r>
             <a:r>
-              <a:rPr lang="en-US" dirty="0" err="1"/>
-              <a:t>Async</a:t>
-            </a:r>
-            <a:r>
-              <a:rPr lang="en-US" dirty="0"/>
+              <a:rPr lang="en-US" cap="none" dirty="0" err="1" smtClean="0"/>
+              <a:t>async</a:t>
+            </a:r>
+            <a:r>
+              <a:rPr lang="en-US" cap="none" dirty="0" smtClean="0"/>
               <a:t> </a:t>
             </a:r>
             <a:r>
-              <a:rPr lang="ru-RU" dirty="0"/>
+              <a:rPr lang="ru-RU" cap="none" dirty="0" smtClean="0"/>
               <a:t>и </a:t>
             </a:r>
             <a:r>
-              <a:rPr lang="en-US" dirty="0"/>
-              <a:t>Task </a:t>
-            </a:r>
-            <a:r>
-              <a:rPr lang="ru-RU" dirty="0"/>
+              <a:rPr lang="en-US" cap="none" dirty="0"/>
+              <a:t>T</a:t>
+            </a:r>
+            <a:r>
+              <a:rPr lang="en-US" cap="none" dirty="0" smtClean="0"/>
+              <a:t>ask </a:t>
+            </a:r>
+            <a:r>
+              <a:rPr lang="ru-RU" cap="none" dirty="0" smtClean="0"/>
               <a:t>следует помнить</a:t>
             </a:r>
+            <a:endParaRPr lang="ru-RU" cap="none" dirty="0"/>
           </a:p>
         </p:txBody>
       </p:sp>
@@ -23214,29 +23069,34 @@
           <a:lstStyle/>
           <a:p>
             <a:r>
-              <a:rPr lang="ru-RU" dirty="0"/>
+              <a:rPr lang="ru-RU" cap="none" dirty="0" smtClean="0"/>
               <a:t>Про </a:t>
             </a:r>
             <a:r>
-              <a:rPr lang="en-US" dirty="0" err="1"/>
-              <a:t>Async</a:t>
-            </a:r>
-            <a:r>
-              <a:rPr lang="en-US" dirty="0"/>
+              <a:rPr lang="en-US" cap="none" dirty="0" err="1" smtClean="0"/>
+              <a:t>async</a:t>
+            </a:r>
+            <a:r>
+              <a:rPr lang="en-US" cap="none" dirty="0" smtClean="0"/>
               <a:t> </a:t>
             </a:r>
             <a:r>
-              <a:rPr lang="ru-RU" dirty="0"/>
+              <a:rPr lang="ru-RU" cap="none" dirty="0" smtClean="0"/>
               <a:t>и </a:t>
             </a:r>
             <a:r>
-              <a:rPr lang="en-US" dirty="0"/>
-              <a:t>Task </a:t>
-            </a:r>
-            <a:r>
-              <a:rPr lang="ru-RU" dirty="0"/>
+              <a:rPr lang="en-US" cap="none" dirty="0"/>
+              <a:t>T</a:t>
+            </a:r>
+            <a:r>
+              <a:rPr lang="en-US" cap="none" dirty="0" smtClean="0"/>
+              <a:t>ask </a:t>
+            </a:r>
+            <a:r>
+              <a:rPr lang="ru-RU" cap="none" dirty="0" smtClean="0"/>
               <a:t>следует помнить</a:t>
             </a:r>
+            <a:endParaRPr lang="ru-RU" cap="none" dirty="0"/>
           </a:p>
         </p:txBody>
       </p:sp>
@@ -24062,7 +23922,7 @@
           <a:lstStyle/>
           <a:p>
             <a:r>
-              <a:rPr lang="ru-RU" altLang="ru-RU" dirty="0">
+              <a:rPr lang="ru-RU" altLang="ru-RU" cap="none" dirty="0" smtClean="0">
                 <a:solidFill>
                   <a:schemeClr val="tx1"/>
                 </a:solidFill>
@@ -24070,13 +23930,14 @@
               <a:t>Задача</a:t>
             </a:r>
             <a:r>
-              <a:rPr lang="ru-RU" altLang="ru-RU" dirty="0"/>
+              <a:rPr lang="ru-RU" altLang="ru-RU" cap="none" dirty="0" smtClean="0"/>
               <a:t> </a:t>
             </a:r>
             <a:r>
-              <a:rPr lang="en-US" altLang="ru-RU" dirty="0"/>
+              <a:rPr lang="en-US" altLang="ru-RU" cap="none" dirty="0" smtClean="0"/>
               <a:t>exceptions</a:t>
             </a:r>
+            <a:endParaRPr lang="en-US" altLang="ru-RU" cap="none" dirty="0"/>
           </a:p>
         </p:txBody>
       </p:sp>
@@ -24145,7 +24006,7 @@
           <a:lstStyle/>
           <a:p>
             <a:r>
-              <a:rPr lang="ru-RU" altLang="ru-RU" dirty="0">
+              <a:rPr lang="ru-RU" altLang="ru-RU" cap="none" dirty="0" smtClean="0">
                 <a:solidFill>
                   <a:schemeClr val="tx1"/>
                 </a:solidFill>
@@ -24153,13 +24014,14 @@
               <a:t>Разбор задачи</a:t>
             </a:r>
             <a:r>
-              <a:rPr lang="ru-RU" altLang="ru-RU" dirty="0"/>
+              <a:rPr lang="ru-RU" altLang="ru-RU" cap="none" dirty="0" smtClean="0"/>
               <a:t> </a:t>
             </a:r>
             <a:r>
-              <a:rPr lang="en-US" altLang="ru-RU" dirty="0"/>
+              <a:rPr lang="en-US" altLang="ru-RU" cap="none" dirty="0" smtClean="0"/>
               <a:t>exceptions</a:t>
             </a:r>
+            <a:endParaRPr lang="en-US" altLang="ru-RU" cap="none" dirty="0"/>
           </a:p>
         </p:txBody>
       </p:sp>
@@ -24220,12 +24082,12 @@
               <a:buChar char="•"/>
             </a:pPr>
             <a:r>
-              <a:rPr lang="en-US" dirty="0" err="1">
+              <a:rPr lang="en-US" dirty="0" err="1" smtClean="0">
                 <a:latin typeface="+mn-lt"/>
               </a:rPr>
-              <a:t>StackOverflowException</a:t>
-            </a:r>
-            <a:endParaRPr lang="en-US" dirty="0">
+              <a:t>TypeInitializationException</a:t>
+            </a:r>
+            <a:endParaRPr lang="en-US" dirty="0" smtClean="0">
               <a:latin typeface="+mn-lt"/>
             </a:endParaRPr>
           </a:p>
@@ -24235,10 +24097,10 @@
               <a:buChar char="•"/>
             </a:pPr>
             <a:r>
-              <a:rPr lang="en-US" dirty="0" err="1">
+              <a:rPr lang="en-US" dirty="0" err="1" smtClean="0">
                 <a:latin typeface="+mn-lt"/>
               </a:rPr>
-              <a:t>AccessViolationException</a:t>
+              <a:t>StackOverflowException</a:t>
             </a:r>
             <a:endParaRPr lang="en-US" dirty="0">
               <a:latin typeface="+mn-lt"/>
@@ -24253,9 +24115,9 @@
               <a:rPr lang="en-US" dirty="0" err="1">
                 <a:latin typeface="+mn-lt"/>
               </a:rPr>
-              <a:t>OutOfMemoryException</a:t>
-            </a:r>
-            <a:endParaRPr lang="ru-RU" dirty="0">
+              <a:t>AccessViolationException</a:t>
+            </a:r>
+            <a:endParaRPr lang="en-US" dirty="0">
               <a:latin typeface="+mn-lt"/>
             </a:endParaRPr>
           </a:p>
@@ -24265,10 +24127,12 @@
               <a:buChar char="•"/>
             </a:pPr>
             <a:r>
-              <a:rPr lang="en-US" dirty="0" err="1"/>
-              <a:t>ThreadAbortException</a:t>
-            </a:r>
-            <a:endParaRPr lang="en-US" dirty="0">
+              <a:rPr lang="en-US" dirty="0" err="1">
+                <a:latin typeface="+mn-lt"/>
+              </a:rPr>
+              <a:t>OutOfMemoryException</a:t>
+            </a:r>
+            <a:endParaRPr lang="ru-RU" dirty="0">
               <a:latin typeface="+mn-lt"/>
             </a:endParaRPr>
           </a:p>
@@ -24278,47 +24142,10 @@
               <a:buChar char="•"/>
             </a:pPr>
             <a:r>
-              <a:rPr lang="en-US" dirty="0" err="1">
-                <a:solidFill>
-                  <a:schemeClr val="bg2">
-                    <a:lumMod val="75000"/>
-                  </a:schemeClr>
-                </a:solidFill>
-                <a:latin typeface="+mn-lt"/>
-              </a:rPr>
-              <a:t>UnobservedTaskException</a:t>
+              <a:rPr lang="en-US" dirty="0" err="1" smtClean="0"/>
+              <a:t>ThreadAbortException</a:t>
             </a:r>
             <a:endParaRPr lang="en-US" dirty="0">
-              <a:solidFill>
-                <a:schemeClr val="bg2">
-                  <a:lumMod val="75000"/>
-                </a:schemeClr>
-              </a:solidFill>
-              <a:latin typeface="+mn-lt"/>
-            </a:endParaRPr>
-          </a:p>
-          <a:p>
-            <a:pPr marL="514350" indent="-514350">
-              <a:buFont typeface="Arial" panose="020B0604020202020204" pitchFamily="34" charset="0"/>
-              <a:buChar char="•"/>
-            </a:pPr>
-            <a:r>
-              <a:rPr lang="en-US" dirty="0" err="1">
-                <a:solidFill>
-                  <a:schemeClr val="bg2">
-                    <a:lumMod val="75000"/>
-                  </a:schemeClr>
-                </a:solidFill>
-                <a:latin typeface="+mn-lt"/>
-              </a:rPr>
-              <a:t>ExecutionEngineException</a:t>
-            </a:r>
-            <a:endParaRPr lang="en-US" dirty="0">
-              <a:solidFill>
-                <a:schemeClr val="bg2">
-                  <a:lumMod val="75000"/>
-                </a:schemeClr>
-              </a:solidFill>
               <a:latin typeface="+mn-lt"/>
             </a:endParaRPr>
           </a:p>
@@ -24340,9 +24167,10 @@
           <a:lstStyle/>
           <a:p>
             <a:r>
-              <a:rPr lang="ru-RU" dirty="0"/>
+              <a:rPr lang="ru-RU" cap="none" dirty="0" smtClean="0"/>
               <a:t>Особые исключения</a:t>
             </a:r>
+            <a:endParaRPr lang="ru-RU" cap="none" dirty="0"/>
           </a:p>
         </p:txBody>
       </p:sp>
@@ -24520,6 +24348,15 @@
             </a:lvl9pPr>
           </a:lstStyle>
           <a:p>
+            <a:r>
+              <a:rPr lang="en-US" sz="2000" dirty="0">
+                <a:solidFill>
+                  <a:srgbClr val="000000"/>
+                </a:solidFill>
+                <a:latin typeface="Consolas" panose="020B0609020204030204" pitchFamily="49" charset="0"/>
+              </a:rPr>
+              <a:t/>
+            </a:r>
             <a:br>
               <a:rPr lang="en-US" sz="2000" dirty="0">
                 <a:solidFill>
@@ -24706,6 +24543,15 @@
             </a:lvl9pPr>
           </a:lstStyle>
           <a:p>
+            <a:r>
+              <a:rPr lang="en-US" sz="2400" dirty="0">
+                <a:solidFill>
+                  <a:srgbClr val="000000"/>
+                </a:solidFill>
+                <a:latin typeface="Consolas" panose="020B0609020204030204" pitchFamily="49" charset="0"/>
+              </a:rPr>
+              <a:t/>
+            </a:r>
             <a:br>
               <a:rPr lang="en-US" sz="2400" dirty="0">
                 <a:solidFill>
@@ -24981,55 +24827,6 @@
                       </p:childTnLst>
                     </p:cTn>
                   </p:par>
-                  <p:par>
-                    <p:cTn id="23" fill="hold">
-                      <p:stCondLst>
-                        <p:cond delay="indefinite"/>
-                      </p:stCondLst>
-                      <p:childTnLst>
-                        <p:par>
-                          <p:cTn id="24" fill="hold">
-                            <p:stCondLst>
-                              <p:cond delay="0"/>
-                            </p:stCondLst>
-                            <p:childTnLst>
-                              <p:par>
-                                <p:cTn id="25" presetID="1" presetClass="entr" presetSubtype="0" fill="hold" grpId="0" nodeType="clickEffect">
-                                  <p:stCondLst>
-                                    <p:cond delay="0"/>
-                                  </p:stCondLst>
-                                  <p:childTnLst>
-                                    <p:set>
-                                      <p:cBhvr>
-                                        <p:cTn id="26" dur="1" fill="hold">
-                                          <p:stCondLst>
-                                            <p:cond delay="0"/>
-                                          </p:stCondLst>
-                                        </p:cTn>
-                                        <p:tgtEl>
-                                          <p:spTgt spid="2">
-                                            <p:txEl>
-                                              <p:pRg st="5" end="5"/>
-                                            </p:txEl>
-                                          </p:spTgt>
-                                        </p:tgtEl>
-                                        <p:attrNameLst>
-                                          <p:attrName>style.visibility</p:attrName>
-                                        </p:attrNameLst>
-                                      </p:cBhvr>
-                                      <p:to>
-                                        <p:strVal val="visible"/>
-                                      </p:to>
-                                    </p:set>
-                                  </p:childTnLst>
-                                </p:cTn>
-                              </p:par>
-                            </p:childTnLst>
-                          </p:cTn>
-                        </p:par>
-                      </p:childTnLst>
-                    </p:cTn>
-                  </p:par>
                 </p:childTnLst>
               </p:cTn>
               <p:prevCondLst>
@@ -25077,6 +24874,1310 @@
       </p:grpSpPr>
       <p:sp>
         <p:nvSpPr>
+          <p:cNvPr id="3" name="Заголовок 2"/>
+          <p:cNvSpPr>
+            <a:spLocks noGrp="1"/>
+          </p:cNvSpPr>
+          <p:nvPr>
+            <p:ph type="title"/>
+          </p:nvPr>
+        </p:nvSpPr>
+        <p:spPr/>
+        <p:txBody>
+          <a:bodyPr/>
+          <a:lstStyle/>
+          <a:p>
+            <a:r>
+              <a:rPr lang="en-US" cap="none" dirty="0" smtClean="0"/>
+              <a:t>Class initialization</a:t>
+            </a:r>
+            <a:endParaRPr lang="ru-RU" cap="none" dirty="0"/>
+          </a:p>
+        </p:txBody>
+      </p:sp>
+      <p:sp>
+        <p:nvSpPr>
+          <p:cNvPr id="5" name="Rectangle 2"/>
+          <p:cNvSpPr>
+            <a:spLocks noGrp="1" noChangeArrowheads="1"/>
+          </p:cNvSpPr>
+          <p:nvPr>
+            <p:ph sz="quarter" idx="13"/>
+          </p:nvPr>
+        </p:nvSpPr>
+        <p:spPr bwMode="auto">
+          <a:xfrm>
+            <a:off x="1295469" y="1484784"/>
+            <a:ext cx="7661072" cy="5262979"/>
+          </a:xfrm>
+          <a:prstGeom prst="rect">
+            <a:avLst/>
+          </a:prstGeom>
+          <a:solidFill>
+            <a:srgbClr val="FFFFFF"/>
+          </a:solidFill>
+          <a:ln>
+            <a:noFill/>
+          </a:ln>
+          <a:effectLst/>
+          <a:extLst>
+            <a:ext uri="{91240B29-F687-4F45-9708-019B960494DF}">
+              <a14:hiddenLine xmlns:a14="http://schemas.microsoft.com/office/drawing/2010/main" w="9525">
+                <a:solidFill>
+                  <a:schemeClr val="tx1"/>
+                </a:solidFill>
+                <a:miter lim="800000"/>
+                <a:headEnd/>
+                <a:tailEnd/>
+              </a14:hiddenLine>
+            </a:ext>
+            <a:ext uri="{AF507438-7753-43E0-B8FC-AC1667EBCBE1}">
+              <a14:hiddenEffects xmlns:a14="http://schemas.microsoft.com/office/drawing/2010/main">
+                <a:effectLst>
+                  <a:outerShdw dist="35921" dir="2700000" algn="ctr" rotWithShape="0">
+                    <a:schemeClr val="bg2"/>
+                  </a:outerShdw>
+                </a:effectLst>
+              </a14:hiddenEffects>
+            </a:ext>
+          </a:extLst>
+        </p:spPr>
+        <p:txBody>
+          <a:bodyPr vert="horz" wrap="none" lIns="91440" tIns="45720" rIns="91440" bIns="45720" numCol="1" anchor="ctr" anchorCtr="0" compatLnSpc="1">
+            <a:prstTxWarp prst="textNoShape">
+              <a:avLst/>
+            </a:prstTxWarp>
+            <a:spAutoFit/>
+          </a:bodyPr>
+          <a:lstStyle/>
+          <a:p>
+            <a:pPr marL="0" marR="0" lvl="0" indent="0" algn="l" defTabSz="914400" rtl="0" eaLnBrk="0" fontAlgn="base" latinLnBrk="0" hangingPunct="0">
+              <a:lnSpc>
+                <a:spcPct val="100000"/>
+              </a:lnSpc>
+              <a:spcBef>
+                <a:spcPct val="0"/>
+              </a:spcBef>
+              <a:spcAft>
+                <a:spcPct val="0"/>
+              </a:spcAft>
+              <a:buClrTx/>
+              <a:buSzTx/>
+              <a:buFontTx/>
+              <a:buNone/>
+              <a:tabLst/>
+            </a:pPr>
+            <a:r>
+              <a:rPr kumimoji="0" lang="ru-RU" altLang="ru-RU" sz="2400" b="0" i="0" u="none" strike="noStrike" cap="none" normalizeH="0" baseline="0" dirty="0" err="1" smtClean="0">
+                <a:ln>
+                  <a:noFill/>
+                </a:ln>
+                <a:solidFill>
+                  <a:srgbClr val="0000E0"/>
+                </a:solidFill>
+                <a:effectLst/>
+                <a:latin typeface="Consolas" panose="020B0609020204030204" pitchFamily="49" charset="0"/>
+              </a:rPr>
+              <a:t>class</a:t>
+            </a:r>
+            <a:r>
+              <a:rPr kumimoji="0" lang="ru-RU" altLang="ru-RU" sz="2400" b="0" i="0" u="none" strike="noStrike" cap="none" normalizeH="0" baseline="0" dirty="0" smtClean="0">
+                <a:ln>
+                  <a:noFill/>
+                </a:ln>
+                <a:solidFill>
+                  <a:srgbClr val="0000E0"/>
+                </a:solidFill>
+                <a:effectLst/>
+                <a:latin typeface="Consolas" panose="020B0609020204030204" pitchFamily="49" charset="0"/>
+              </a:rPr>
+              <a:t> </a:t>
+            </a:r>
+            <a:r>
+              <a:rPr kumimoji="0" lang="ru-RU" altLang="ru-RU" sz="2400" b="0" i="0" u="none" strike="noStrike" cap="none" normalizeH="0" baseline="0" dirty="0" err="1" smtClean="0">
+                <a:ln>
+                  <a:noFill/>
+                </a:ln>
+                <a:solidFill>
+                  <a:srgbClr val="00008B"/>
+                </a:solidFill>
+                <a:effectLst/>
+                <a:latin typeface="Consolas" panose="020B0609020204030204" pitchFamily="49" charset="0"/>
+              </a:rPr>
+              <a:t>Program</a:t>
+            </a:r>
+            <a:r>
+              <a:rPr kumimoji="0" lang="ru-RU" altLang="ru-RU" sz="2400" b="0" i="0" u="none" strike="noStrike" cap="none" normalizeH="0" baseline="0" dirty="0" smtClean="0">
+                <a:ln>
+                  <a:noFill/>
+                </a:ln>
+                <a:solidFill>
+                  <a:srgbClr val="00008B"/>
+                </a:solidFill>
+                <a:effectLst/>
+                <a:latin typeface="Consolas" panose="020B0609020204030204" pitchFamily="49" charset="0"/>
+              </a:rPr>
+              <a:t> </a:t>
+            </a:r>
+            <a:r>
+              <a:rPr kumimoji="0" lang="ru-RU" altLang="ru-RU" sz="2400" b="0" i="0" u="none" strike="noStrike" cap="none" normalizeH="0" baseline="0" dirty="0" smtClean="0">
+                <a:ln>
+                  <a:noFill/>
+                </a:ln>
+                <a:solidFill>
+                  <a:srgbClr val="000000"/>
+                </a:solidFill>
+                <a:effectLst/>
+                <a:latin typeface="Consolas" panose="020B0609020204030204" pitchFamily="49" charset="0"/>
+              </a:rPr>
+              <a:t>{</a:t>
+            </a:r>
+            <a:br>
+              <a:rPr kumimoji="0" lang="ru-RU" altLang="ru-RU" sz="2400" b="0" i="0" u="none" strike="noStrike" cap="none" normalizeH="0" baseline="0" dirty="0" smtClean="0">
+                <a:ln>
+                  <a:noFill/>
+                </a:ln>
+                <a:solidFill>
+                  <a:srgbClr val="000000"/>
+                </a:solidFill>
+                <a:effectLst/>
+                <a:latin typeface="Consolas" panose="020B0609020204030204" pitchFamily="49" charset="0"/>
+              </a:rPr>
+            </a:br>
+            <a:r>
+              <a:rPr kumimoji="0" lang="ru-RU" altLang="ru-RU" sz="2400" b="0" i="0" u="none" strike="noStrike" cap="none" normalizeH="0" baseline="0" dirty="0" smtClean="0">
+                <a:ln>
+                  <a:noFill/>
+                </a:ln>
+                <a:solidFill>
+                  <a:srgbClr val="000000"/>
+                </a:solidFill>
+                <a:effectLst/>
+                <a:latin typeface="Consolas" panose="020B0609020204030204" pitchFamily="49" charset="0"/>
+              </a:rPr>
+              <a:t>    </a:t>
+            </a:r>
+            <a:r>
+              <a:rPr kumimoji="0" lang="ru-RU" altLang="ru-RU" sz="2400" b="0" i="0" u="none" strike="noStrike" cap="none" normalizeH="0" baseline="0" dirty="0" err="1" smtClean="0">
+                <a:ln>
+                  <a:noFill/>
+                </a:ln>
+                <a:solidFill>
+                  <a:srgbClr val="0000E0"/>
+                </a:solidFill>
+                <a:effectLst/>
+                <a:latin typeface="Consolas" panose="020B0609020204030204" pitchFamily="49" charset="0"/>
+              </a:rPr>
+              <a:t>private</a:t>
+            </a:r>
+            <a:r>
+              <a:rPr kumimoji="0" lang="ru-RU" altLang="ru-RU" sz="2400" b="0" i="0" u="none" strike="noStrike" cap="none" normalizeH="0" baseline="0" dirty="0" smtClean="0">
+                <a:ln>
+                  <a:noFill/>
+                </a:ln>
+                <a:solidFill>
+                  <a:srgbClr val="0000E0"/>
+                </a:solidFill>
+                <a:effectLst/>
+                <a:latin typeface="Consolas" panose="020B0609020204030204" pitchFamily="49" charset="0"/>
+              </a:rPr>
+              <a:t> </a:t>
+            </a:r>
+            <a:r>
+              <a:rPr kumimoji="0" lang="ru-RU" altLang="ru-RU" sz="2400" b="0" i="0" u="none" strike="noStrike" cap="none" normalizeH="0" baseline="0" dirty="0" err="1" smtClean="0">
+                <a:ln>
+                  <a:noFill/>
+                </a:ln>
+                <a:solidFill>
+                  <a:srgbClr val="00008B"/>
+                </a:solidFill>
+                <a:effectLst/>
+                <a:latin typeface="Consolas" panose="020B0609020204030204" pitchFamily="49" charset="0"/>
+              </a:rPr>
+              <a:t>Program</a:t>
+            </a:r>
+            <a:r>
+              <a:rPr kumimoji="0" lang="ru-RU" altLang="ru-RU" sz="2400" b="0" i="0" u="none" strike="noStrike" cap="none" normalizeH="0" baseline="0" dirty="0" smtClean="0">
+                <a:ln>
+                  <a:noFill/>
+                </a:ln>
+                <a:solidFill>
+                  <a:srgbClr val="000000"/>
+                </a:solidFill>
+                <a:effectLst/>
+                <a:latin typeface="Consolas" panose="020B0609020204030204" pitchFamily="49" charset="0"/>
+              </a:rPr>
+              <a:t>() {</a:t>
+            </a:r>
+            <a:br>
+              <a:rPr kumimoji="0" lang="ru-RU" altLang="ru-RU" sz="2400" b="0" i="0" u="none" strike="noStrike" cap="none" normalizeH="0" baseline="0" dirty="0" smtClean="0">
+                <a:ln>
+                  <a:noFill/>
+                </a:ln>
+                <a:solidFill>
+                  <a:srgbClr val="000000"/>
+                </a:solidFill>
+                <a:effectLst/>
+                <a:latin typeface="Consolas" panose="020B0609020204030204" pitchFamily="49" charset="0"/>
+              </a:rPr>
+            </a:br>
+            <a:r>
+              <a:rPr kumimoji="0" lang="ru-RU" altLang="ru-RU" sz="2400" b="0" i="0" u="none" strike="noStrike" cap="none" normalizeH="0" baseline="0" dirty="0" smtClean="0">
+                <a:ln>
+                  <a:noFill/>
+                </a:ln>
+                <a:solidFill>
+                  <a:srgbClr val="000000"/>
+                </a:solidFill>
+                <a:effectLst/>
+                <a:latin typeface="Consolas" panose="020B0609020204030204" pitchFamily="49" charset="0"/>
+              </a:rPr>
+              <a:t>        </a:t>
+            </a:r>
+            <a:r>
+              <a:rPr kumimoji="0" lang="ru-RU" altLang="ru-RU" sz="2400" b="0" i="0" u="none" strike="noStrike" cap="none" normalizeH="0" baseline="0" dirty="0" err="1" smtClean="0">
+                <a:ln>
+                  <a:noFill/>
+                </a:ln>
+                <a:solidFill>
+                  <a:srgbClr val="00008B"/>
+                </a:solidFill>
+                <a:effectLst/>
+                <a:latin typeface="Consolas" panose="020B0609020204030204" pitchFamily="49" charset="0"/>
+              </a:rPr>
+              <a:t>Console</a:t>
+            </a:r>
+            <a:r>
+              <a:rPr kumimoji="0" lang="ru-RU" altLang="ru-RU" sz="2400" b="0" i="0" u="none" strike="noStrike" cap="none" normalizeH="0" baseline="0" dirty="0" err="1" smtClean="0">
+                <a:ln>
+                  <a:noFill/>
+                </a:ln>
+                <a:solidFill>
+                  <a:srgbClr val="000000"/>
+                </a:solidFill>
+                <a:effectLst/>
+                <a:latin typeface="Consolas" panose="020B0609020204030204" pitchFamily="49" charset="0"/>
+              </a:rPr>
+              <a:t>.</a:t>
+            </a:r>
+            <a:r>
+              <a:rPr kumimoji="0" lang="ru-RU" altLang="ru-RU" sz="2400" b="0" i="0" u="none" strike="noStrike" cap="none" normalizeH="0" baseline="0" dirty="0" err="1" smtClean="0">
+                <a:ln>
+                  <a:noFill/>
+                </a:ln>
+                <a:solidFill>
+                  <a:srgbClr val="008B8B"/>
+                </a:solidFill>
+                <a:effectLst/>
+                <a:latin typeface="Consolas" panose="020B0609020204030204" pitchFamily="49" charset="0"/>
+              </a:rPr>
+              <a:t>WriteLine</a:t>
+            </a:r>
+            <a:r>
+              <a:rPr kumimoji="0" lang="ru-RU" altLang="ru-RU" sz="2400" b="0" i="0" u="none" strike="noStrike" cap="none" normalizeH="0" baseline="0" dirty="0" smtClean="0">
+                <a:ln>
+                  <a:noFill/>
+                </a:ln>
+                <a:solidFill>
+                  <a:srgbClr val="000000"/>
+                </a:solidFill>
+                <a:effectLst/>
+                <a:latin typeface="Consolas" panose="020B0609020204030204" pitchFamily="49" charset="0"/>
+              </a:rPr>
+              <a:t>(</a:t>
+            </a:r>
+            <a:r>
+              <a:rPr kumimoji="0" lang="ru-RU" altLang="ru-RU" sz="2400" b="0" i="0" u="none" strike="noStrike" cap="none" normalizeH="0" baseline="0" dirty="0" smtClean="0">
+                <a:ln>
+                  <a:noFill/>
+                </a:ln>
+                <a:solidFill>
+                  <a:srgbClr val="A31515"/>
+                </a:solidFill>
+                <a:effectLst/>
+                <a:latin typeface="Consolas" panose="020B0609020204030204" pitchFamily="49" charset="0"/>
+              </a:rPr>
+              <a:t>"</a:t>
+            </a:r>
+            <a:r>
+              <a:rPr kumimoji="0" lang="ru-RU" altLang="ru-RU" sz="2400" b="0" i="0" u="none" strike="noStrike" cap="none" normalizeH="0" baseline="0" dirty="0" err="1" smtClean="0">
+                <a:ln>
+                  <a:noFill/>
+                </a:ln>
+                <a:solidFill>
+                  <a:srgbClr val="A31515"/>
+                </a:solidFill>
+                <a:effectLst/>
+                <a:latin typeface="Consolas" panose="020B0609020204030204" pitchFamily="49" charset="0"/>
+              </a:rPr>
+              <a:t>ctor</a:t>
+            </a:r>
+            <a:r>
+              <a:rPr kumimoji="0" lang="ru-RU" altLang="ru-RU" sz="2400" b="0" i="0" u="none" strike="noStrike" cap="none" normalizeH="0" baseline="0" dirty="0" smtClean="0">
+                <a:ln>
+                  <a:noFill/>
+                </a:ln>
+                <a:solidFill>
+                  <a:srgbClr val="A31515"/>
+                </a:solidFill>
+                <a:effectLst/>
+                <a:latin typeface="Consolas" panose="020B0609020204030204" pitchFamily="49" charset="0"/>
+              </a:rPr>
+              <a:t>"</a:t>
+            </a:r>
+            <a:r>
+              <a:rPr kumimoji="0" lang="ru-RU" altLang="ru-RU" sz="2400" b="0" i="0" u="none" strike="noStrike" cap="none" normalizeH="0" baseline="0" dirty="0" smtClean="0">
+                <a:ln>
+                  <a:noFill/>
+                </a:ln>
+                <a:solidFill>
+                  <a:srgbClr val="000000"/>
+                </a:solidFill>
+                <a:effectLst/>
+                <a:latin typeface="Consolas" panose="020B0609020204030204" pitchFamily="49" charset="0"/>
+              </a:rPr>
+              <a:t>);</a:t>
+            </a:r>
+            <a:br>
+              <a:rPr kumimoji="0" lang="ru-RU" altLang="ru-RU" sz="2400" b="0" i="0" u="none" strike="noStrike" cap="none" normalizeH="0" baseline="0" dirty="0" smtClean="0">
+                <a:ln>
+                  <a:noFill/>
+                </a:ln>
+                <a:solidFill>
+                  <a:srgbClr val="000000"/>
+                </a:solidFill>
+                <a:effectLst/>
+                <a:latin typeface="Consolas" panose="020B0609020204030204" pitchFamily="49" charset="0"/>
+              </a:rPr>
+            </a:br>
+            <a:r>
+              <a:rPr kumimoji="0" lang="ru-RU" altLang="ru-RU" sz="2400" b="0" i="0" u="none" strike="noStrike" cap="none" normalizeH="0" baseline="0" dirty="0" smtClean="0">
+                <a:ln>
+                  <a:noFill/>
+                </a:ln>
+                <a:solidFill>
+                  <a:srgbClr val="000000"/>
+                </a:solidFill>
+                <a:effectLst/>
+                <a:latin typeface="Consolas" panose="020B0609020204030204" pitchFamily="49" charset="0"/>
+              </a:rPr>
+              <a:t>        </a:t>
+            </a:r>
+            <a:r>
+              <a:rPr kumimoji="0" lang="ru-RU" altLang="ru-RU" sz="2400" b="0" i="0" u="none" strike="noStrike" cap="none" normalizeH="0" baseline="0" dirty="0" err="1" smtClean="0">
+                <a:ln>
+                  <a:noFill/>
+                </a:ln>
+                <a:solidFill>
+                  <a:srgbClr val="0000E0"/>
+                </a:solidFill>
+                <a:effectLst/>
+                <a:latin typeface="Consolas" panose="020B0609020204030204" pitchFamily="49" charset="0"/>
+              </a:rPr>
+              <a:t>throw</a:t>
+            </a:r>
+            <a:r>
+              <a:rPr kumimoji="0" lang="ru-RU" altLang="ru-RU" sz="2400" b="0" i="0" u="none" strike="noStrike" cap="none" normalizeH="0" baseline="0" dirty="0" smtClean="0">
+                <a:ln>
+                  <a:noFill/>
+                </a:ln>
+                <a:solidFill>
+                  <a:srgbClr val="0000E0"/>
+                </a:solidFill>
+                <a:effectLst/>
+                <a:latin typeface="Consolas" panose="020B0609020204030204" pitchFamily="49" charset="0"/>
+              </a:rPr>
+              <a:t> </a:t>
+            </a:r>
+            <a:r>
+              <a:rPr kumimoji="0" lang="ru-RU" altLang="ru-RU" sz="2400" b="0" i="0" u="none" strike="noStrike" cap="none" normalizeH="0" baseline="0" dirty="0" err="1" smtClean="0">
+                <a:ln>
+                  <a:noFill/>
+                </a:ln>
+                <a:solidFill>
+                  <a:srgbClr val="0000E0"/>
+                </a:solidFill>
+                <a:effectLst/>
+                <a:latin typeface="Consolas" panose="020B0609020204030204" pitchFamily="49" charset="0"/>
+              </a:rPr>
+              <a:t>new</a:t>
+            </a:r>
+            <a:r>
+              <a:rPr kumimoji="0" lang="ru-RU" altLang="ru-RU" sz="2400" b="0" i="0" u="none" strike="noStrike" cap="none" normalizeH="0" baseline="0" dirty="0" smtClean="0">
+                <a:ln>
+                  <a:noFill/>
+                </a:ln>
+                <a:solidFill>
+                  <a:srgbClr val="0000E0"/>
+                </a:solidFill>
+                <a:effectLst/>
+                <a:latin typeface="Consolas" panose="020B0609020204030204" pitchFamily="49" charset="0"/>
+              </a:rPr>
+              <a:t> </a:t>
+            </a:r>
+            <a:r>
+              <a:rPr kumimoji="0" lang="ru-RU" altLang="ru-RU" sz="2400" b="0" i="0" u="none" strike="noStrike" cap="none" normalizeH="0" baseline="0" dirty="0" err="1" smtClean="0">
+                <a:ln>
+                  <a:noFill/>
+                </a:ln>
+                <a:solidFill>
+                  <a:srgbClr val="00008B"/>
+                </a:solidFill>
+                <a:effectLst/>
+                <a:latin typeface="Consolas" panose="020B0609020204030204" pitchFamily="49" charset="0"/>
+              </a:rPr>
+              <a:t>Exception</a:t>
+            </a:r>
+            <a:r>
+              <a:rPr kumimoji="0" lang="ru-RU" altLang="ru-RU" sz="2400" b="0" i="0" u="none" strike="noStrike" cap="none" normalizeH="0" baseline="0" dirty="0" smtClean="0">
+                <a:ln>
+                  <a:noFill/>
+                </a:ln>
+                <a:solidFill>
+                  <a:srgbClr val="000000"/>
+                </a:solidFill>
+                <a:effectLst/>
+                <a:latin typeface="Consolas" panose="020B0609020204030204" pitchFamily="49" charset="0"/>
+              </a:rPr>
+              <a:t>();</a:t>
+            </a:r>
+            <a:br>
+              <a:rPr kumimoji="0" lang="ru-RU" altLang="ru-RU" sz="2400" b="0" i="0" u="none" strike="noStrike" cap="none" normalizeH="0" baseline="0" dirty="0" smtClean="0">
+                <a:ln>
+                  <a:noFill/>
+                </a:ln>
+                <a:solidFill>
+                  <a:srgbClr val="000000"/>
+                </a:solidFill>
+                <a:effectLst/>
+                <a:latin typeface="Consolas" panose="020B0609020204030204" pitchFamily="49" charset="0"/>
+              </a:rPr>
+            </a:br>
+            <a:r>
+              <a:rPr kumimoji="0" lang="ru-RU" altLang="ru-RU" sz="2400" b="0" i="0" u="none" strike="noStrike" cap="none" normalizeH="0" baseline="0" dirty="0" smtClean="0">
+                <a:ln>
+                  <a:noFill/>
+                </a:ln>
+                <a:solidFill>
+                  <a:srgbClr val="000000"/>
+                </a:solidFill>
+                <a:effectLst/>
+                <a:latin typeface="Consolas" panose="020B0609020204030204" pitchFamily="49" charset="0"/>
+              </a:rPr>
+              <a:t>    }</a:t>
+            </a:r>
+            <a:br>
+              <a:rPr kumimoji="0" lang="ru-RU" altLang="ru-RU" sz="2400" b="0" i="0" u="none" strike="noStrike" cap="none" normalizeH="0" baseline="0" dirty="0" smtClean="0">
+                <a:ln>
+                  <a:noFill/>
+                </a:ln>
+                <a:solidFill>
+                  <a:srgbClr val="000000"/>
+                </a:solidFill>
+                <a:effectLst/>
+                <a:latin typeface="Consolas" panose="020B0609020204030204" pitchFamily="49" charset="0"/>
+              </a:rPr>
+            </a:br>
+            <a:r>
+              <a:rPr kumimoji="0" lang="ru-RU" altLang="ru-RU" sz="2400" b="0" i="0" u="none" strike="noStrike" cap="none" normalizeH="0" baseline="0" dirty="0" smtClean="0">
+                <a:ln>
+                  <a:noFill/>
+                </a:ln>
+                <a:solidFill>
+                  <a:srgbClr val="000000"/>
+                </a:solidFill>
+                <a:effectLst/>
+                <a:latin typeface="Consolas" panose="020B0609020204030204" pitchFamily="49" charset="0"/>
+              </a:rPr>
+              <a:t/>
+            </a:r>
+            <a:br>
+              <a:rPr kumimoji="0" lang="ru-RU" altLang="ru-RU" sz="2400" b="0" i="0" u="none" strike="noStrike" cap="none" normalizeH="0" baseline="0" dirty="0" smtClean="0">
+                <a:ln>
+                  <a:noFill/>
+                </a:ln>
+                <a:solidFill>
+                  <a:srgbClr val="000000"/>
+                </a:solidFill>
+                <a:effectLst/>
+                <a:latin typeface="Consolas" panose="020B0609020204030204" pitchFamily="49" charset="0"/>
+              </a:rPr>
+            </a:br>
+            <a:r>
+              <a:rPr kumimoji="0" lang="ru-RU" altLang="ru-RU" sz="2400" b="0" i="0" u="none" strike="noStrike" cap="none" normalizeH="0" baseline="0" dirty="0" smtClean="0">
+                <a:ln>
+                  <a:noFill/>
+                </a:ln>
+                <a:solidFill>
+                  <a:srgbClr val="000000"/>
+                </a:solidFill>
+                <a:effectLst/>
+                <a:latin typeface="Consolas" panose="020B0609020204030204" pitchFamily="49" charset="0"/>
+              </a:rPr>
+              <a:t>    </a:t>
+            </a:r>
+            <a:r>
+              <a:rPr kumimoji="0" lang="ru-RU" altLang="ru-RU" sz="2400" b="0" i="0" u="none" strike="noStrike" cap="none" normalizeH="0" baseline="0" dirty="0" err="1" smtClean="0">
+                <a:ln>
+                  <a:noFill/>
+                </a:ln>
+                <a:solidFill>
+                  <a:srgbClr val="0000E0"/>
+                </a:solidFill>
+                <a:effectLst/>
+                <a:latin typeface="Consolas" panose="020B0609020204030204" pitchFamily="49" charset="0"/>
+              </a:rPr>
+              <a:t>static</a:t>
+            </a:r>
+            <a:r>
+              <a:rPr kumimoji="0" lang="ru-RU" altLang="ru-RU" sz="2400" b="0" i="0" u="none" strike="noStrike" cap="none" normalizeH="0" baseline="0" dirty="0" smtClean="0">
+                <a:ln>
+                  <a:noFill/>
+                </a:ln>
+                <a:solidFill>
+                  <a:srgbClr val="0000E0"/>
+                </a:solidFill>
+                <a:effectLst/>
+                <a:latin typeface="Consolas" panose="020B0609020204030204" pitchFamily="49" charset="0"/>
+              </a:rPr>
+              <a:t> </a:t>
+            </a:r>
+            <a:r>
+              <a:rPr kumimoji="0" lang="ru-RU" altLang="ru-RU" sz="2400" b="0" i="0" u="none" strike="noStrike" cap="none" normalizeH="0" baseline="0" dirty="0" err="1" smtClean="0">
+                <a:ln>
+                  <a:noFill/>
+                </a:ln>
+                <a:solidFill>
+                  <a:srgbClr val="0000E0"/>
+                </a:solidFill>
+                <a:effectLst/>
+                <a:latin typeface="Consolas" panose="020B0609020204030204" pitchFamily="49" charset="0"/>
+              </a:rPr>
+              <a:t>int</a:t>
+            </a:r>
+            <a:r>
+              <a:rPr kumimoji="0" lang="ru-RU" altLang="ru-RU" sz="2400" b="0" i="0" u="none" strike="noStrike" cap="none" normalizeH="0" baseline="0" dirty="0" smtClean="0">
+                <a:ln>
+                  <a:noFill/>
+                </a:ln>
+                <a:solidFill>
+                  <a:srgbClr val="0000E0"/>
+                </a:solidFill>
+                <a:effectLst/>
+                <a:latin typeface="Consolas" panose="020B0609020204030204" pitchFamily="49" charset="0"/>
+              </a:rPr>
+              <a:t> </a:t>
+            </a:r>
+            <a:r>
+              <a:rPr kumimoji="0" lang="ru-RU" altLang="ru-RU" sz="2400" b="0" i="0" u="none" strike="noStrike" cap="none" normalizeH="0" baseline="0" dirty="0" smtClean="0">
+                <a:ln>
+                  <a:noFill/>
+                </a:ln>
+                <a:solidFill>
+                  <a:srgbClr val="800080"/>
+                </a:solidFill>
+                <a:effectLst/>
+                <a:latin typeface="Consolas" panose="020B0609020204030204" pitchFamily="49" charset="0"/>
+              </a:rPr>
+              <a:t>S </a:t>
+            </a:r>
+            <a:r>
+              <a:rPr kumimoji="0" lang="ru-RU" altLang="ru-RU" sz="2400" b="0" i="0" u="none" strike="noStrike" cap="none" normalizeH="0" baseline="0" dirty="0" smtClean="0">
+                <a:ln>
+                  <a:noFill/>
+                </a:ln>
+                <a:solidFill>
+                  <a:srgbClr val="000000"/>
+                </a:solidFill>
+                <a:effectLst/>
+                <a:latin typeface="Consolas" panose="020B0609020204030204" pitchFamily="49" charset="0"/>
+              </a:rPr>
+              <a:t>= 4</a:t>
+            </a:r>
+            <a:r>
+              <a:rPr kumimoji="0" lang="en-US" altLang="ru-RU" sz="2400" b="0" i="0" u="none" strike="noStrike" cap="none" normalizeH="0" baseline="0" dirty="0" smtClean="0">
+                <a:ln>
+                  <a:noFill/>
+                </a:ln>
+                <a:solidFill>
+                  <a:srgbClr val="000000"/>
+                </a:solidFill>
+                <a:effectLst/>
+                <a:latin typeface="Consolas" panose="020B0609020204030204" pitchFamily="49" charset="0"/>
+              </a:rPr>
+              <a:t>2</a:t>
+            </a:r>
+            <a:r>
+              <a:rPr kumimoji="0" lang="ru-RU" altLang="ru-RU" sz="2400" b="0" i="0" u="none" strike="noStrike" cap="none" normalizeH="0" baseline="0" dirty="0" smtClean="0">
+                <a:ln>
+                  <a:noFill/>
+                </a:ln>
+                <a:solidFill>
+                  <a:srgbClr val="000000"/>
+                </a:solidFill>
+                <a:effectLst/>
+                <a:latin typeface="Consolas" panose="020B0609020204030204" pitchFamily="49" charset="0"/>
+              </a:rPr>
+              <a:t>;</a:t>
+            </a:r>
+            <a:br>
+              <a:rPr kumimoji="0" lang="ru-RU" altLang="ru-RU" sz="2400" b="0" i="0" u="none" strike="noStrike" cap="none" normalizeH="0" baseline="0" dirty="0" smtClean="0">
+                <a:ln>
+                  <a:noFill/>
+                </a:ln>
+                <a:solidFill>
+                  <a:srgbClr val="000000"/>
+                </a:solidFill>
+                <a:effectLst/>
+                <a:latin typeface="Consolas" panose="020B0609020204030204" pitchFamily="49" charset="0"/>
+              </a:rPr>
+            </a:br>
+            <a:r>
+              <a:rPr kumimoji="0" lang="ru-RU" altLang="ru-RU" sz="2400" b="0" i="0" u="none" strike="noStrike" cap="none" normalizeH="0" baseline="0" dirty="0" smtClean="0">
+                <a:ln>
+                  <a:noFill/>
+                </a:ln>
+                <a:solidFill>
+                  <a:srgbClr val="000000"/>
+                </a:solidFill>
+                <a:effectLst/>
+                <a:latin typeface="Consolas" panose="020B0609020204030204" pitchFamily="49" charset="0"/>
+              </a:rPr>
+              <a:t>    </a:t>
+            </a:r>
+            <a:r>
+              <a:rPr kumimoji="0" lang="ru-RU" altLang="ru-RU" sz="2400" b="0" i="0" u="none" strike="noStrike" cap="none" normalizeH="0" baseline="0" dirty="0" err="1" smtClean="0">
+                <a:ln>
+                  <a:noFill/>
+                </a:ln>
+                <a:solidFill>
+                  <a:srgbClr val="0000E0"/>
+                </a:solidFill>
+                <a:effectLst/>
+                <a:latin typeface="Consolas" panose="020B0609020204030204" pitchFamily="49" charset="0"/>
+              </a:rPr>
+              <a:t>static</a:t>
+            </a:r>
+            <a:r>
+              <a:rPr kumimoji="0" lang="ru-RU" altLang="ru-RU" sz="2400" b="0" i="0" u="none" strike="noStrike" cap="none" normalizeH="0" baseline="0" dirty="0" smtClean="0">
+                <a:ln>
+                  <a:noFill/>
+                </a:ln>
+                <a:solidFill>
+                  <a:srgbClr val="0000E0"/>
+                </a:solidFill>
+                <a:effectLst/>
+                <a:latin typeface="Consolas" panose="020B0609020204030204" pitchFamily="49" charset="0"/>
+              </a:rPr>
+              <a:t> </a:t>
+            </a:r>
+            <a:r>
+              <a:rPr kumimoji="0" lang="ru-RU" altLang="ru-RU" sz="2400" b="0" i="0" u="none" strike="noStrike" cap="none" normalizeH="0" baseline="0" dirty="0" err="1" smtClean="0">
+                <a:ln>
+                  <a:noFill/>
+                </a:ln>
+                <a:solidFill>
+                  <a:srgbClr val="00008B"/>
+                </a:solidFill>
+                <a:effectLst/>
+                <a:latin typeface="Consolas" panose="020B0609020204030204" pitchFamily="49" charset="0"/>
+              </a:rPr>
+              <a:t>Program</a:t>
+            </a:r>
+            <a:r>
+              <a:rPr kumimoji="0" lang="ru-RU" altLang="ru-RU" sz="2400" b="0" i="0" u="none" strike="noStrike" cap="none" normalizeH="0" baseline="0" dirty="0" smtClean="0">
+                <a:ln>
+                  <a:noFill/>
+                </a:ln>
+                <a:solidFill>
+                  <a:srgbClr val="00008B"/>
+                </a:solidFill>
+                <a:effectLst/>
+                <a:latin typeface="Consolas" panose="020B0609020204030204" pitchFamily="49" charset="0"/>
+              </a:rPr>
+              <a:t> </a:t>
+            </a:r>
+            <a:r>
+              <a:rPr kumimoji="0" lang="ru-RU" altLang="ru-RU" sz="2400" b="0" i="0" u="none" strike="noStrike" cap="none" normalizeH="0" baseline="0" dirty="0" err="1" smtClean="0">
+                <a:ln>
+                  <a:noFill/>
+                </a:ln>
+                <a:effectLst/>
+                <a:latin typeface="Consolas" panose="020B0609020204030204" pitchFamily="49" charset="0"/>
+              </a:rPr>
+              <a:t>Instance</a:t>
+            </a:r>
+            <a:r>
+              <a:rPr kumimoji="0" lang="ru-RU" altLang="ru-RU" sz="2400" b="0" i="0" u="none" strike="noStrike" cap="none" normalizeH="0" baseline="0" dirty="0" smtClean="0">
+                <a:ln>
+                  <a:noFill/>
+                </a:ln>
+                <a:solidFill>
+                  <a:srgbClr val="A9A9A9"/>
+                </a:solidFill>
+                <a:effectLst/>
+                <a:latin typeface="Consolas" panose="020B0609020204030204" pitchFamily="49" charset="0"/>
+              </a:rPr>
+              <a:t> </a:t>
+            </a:r>
+            <a:r>
+              <a:rPr kumimoji="0" lang="ru-RU" altLang="ru-RU" sz="2400" b="0" i="0" u="none" strike="noStrike" cap="none" normalizeH="0" baseline="0" dirty="0" smtClean="0">
+                <a:ln>
+                  <a:noFill/>
+                </a:ln>
+                <a:solidFill>
+                  <a:srgbClr val="000000"/>
+                </a:solidFill>
+                <a:effectLst/>
+                <a:latin typeface="Consolas" panose="020B0609020204030204" pitchFamily="49" charset="0"/>
+              </a:rPr>
+              <a:t>= </a:t>
+            </a:r>
+            <a:r>
+              <a:rPr kumimoji="0" lang="ru-RU" altLang="ru-RU" sz="2400" b="0" i="0" u="none" strike="noStrike" cap="none" normalizeH="0" baseline="0" dirty="0" err="1" smtClean="0">
+                <a:ln>
+                  <a:noFill/>
+                </a:ln>
+                <a:solidFill>
+                  <a:srgbClr val="0000E0"/>
+                </a:solidFill>
+                <a:effectLst/>
+                <a:latin typeface="Consolas" panose="020B0609020204030204" pitchFamily="49" charset="0"/>
+              </a:rPr>
+              <a:t>new</a:t>
+            </a:r>
+            <a:r>
+              <a:rPr kumimoji="0" lang="ru-RU" altLang="ru-RU" sz="2400" b="0" i="0" u="none" strike="noStrike" cap="none" normalizeH="0" baseline="0" dirty="0" smtClean="0">
+                <a:ln>
+                  <a:noFill/>
+                </a:ln>
+                <a:solidFill>
+                  <a:srgbClr val="0000E0"/>
+                </a:solidFill>
+                <a:effectLst/>
+                <a:latin typeface="Consolas" panose="020B0609020204030204" pitchFamily="49" charset="0"/>
+              </a:rPr>
+              <a:t> </a:t>
+            </a:r>
+            <a:r>
+              <a:rPr kumimoji="0" lang="ru-RU" altLang="ru-RU" sz="2400" b="0" i="0" u="none" strike="noStrike" cap="none" normalizeH="0" baseline="0" dirty="0" err="1" smtClean="0">
+                <a:ln>
+                  <a:noFill/>
+                </a:ln>
+                <a:solidFill>
+                  <a:srgbClr val="00008B"/>
+                </a:solidFill>
+                <a:effectLst/>
+                <a:latin typeface="Consolas" panose="020B0609020204030204" pitchFamily="49" charset="0"/>
+              </a:rPr>
+              <a:t>Program</a:t>
+            </a:r>
+            <a:r>
+              <a:rPr kumimoji="0" lang="ru-RU" altLang="ru-RU" sz="2400" b="0" i="0" u="none" strike="noStrike" cap="none" normalizeH="0" baseline="0" dirty="0" smtClean="0">
+                <a:ln>
+                  <a:noFill/>
+                </a:ln>
+                <a:solidFill>
+                  <a:srgbClr val="000000"/>
+                </a:solidFill>
+                <a:effectLst/>
+                <a:latin typeface="Consolas" panose="020B0609020204030204" pitchFamily="49" charset="0"/>
+              </a:rPr>
+              <a:t>();</a:t>
+            </a:r>
+            <a:br>
+              <a:rPr kumimoji="0" lang="ru-RU" altLang="ru-RU" sz="2400" b="0" i="0" u="none" strike="noStrike" cap="none" normalizeH="0" baseline="0" dirty="0" smtClean="0">
+                <a:ln>
+                  <a:noFill/>
+                </a:ln>
+                <a:solidFill>
+                  <a:srgbClr val="000000"/>
+                </a:solidFill>
+                <a:effectLst/>
+                <a:latin typeface="Consolas" panose="020B0609020204030204" pitchFamily="49" charset="0"/>
+              </a:rPr>
+            </a:br>
+            <a:r>
+              <a:rPr kumimoji="0" lang="ru-RU" altLang="ru-RU" sz="2400" b="0" i="0" u="none" strike="noStrike" cap="none" normalizeH="0" baseline="0" dirty="0" smtClean="0">
+                <a:ln>
+                  <a:noFill/>
+                </a:ln>
+                <a:solidFill>
+                  <a:srgbClr val="000000"/>
+                </a:solidFill>
+                <a:effectLst/>
+                <a:latin typeface="Consolas" panose="020B0609020204030204" pitchFamily="49" charset="0"/>
+              </a:rPr>
+              <a:t>    </a:t>
+            </a:r>
+            <a:br>
+              <a:rPr kumimoji="0" lang="ru-RU" altLang="ru-RU" sz="2400" b="0" i="0" u="none" strike="noStrike" cap="none" normalizeH="0" baseline="0" dirty="0" smtClean="0">
+                <a:ln>
+                  <a:noFill/>
+                </a:ln>
+                <a:solidFill>
+                  <a:srgbClr val="000000"/>
+                </a:solidFill>
+                <a:effectLst/>
+                <a:latin typeface="Consolas" panose="020B0609020204030204" pitchFamily="49" charset="0"/>
+              </a:rPr>
+            </a:br>
+            <a:r>
+              <a:rPr kumimoji="0" lang="ru-RU" altLang="ru-RU" sz="2400" b="0" i="0" u="none" strike="noStrike" cap="none" normalizeH="0" baseline="0" dirty="0" smtClean="0">
+                <a:ln>
+                  <a:noFill/>
+                </a:ln>
+                <a:solidFill>
+                  <a:srgbClr val="000000"/>
+                </a:solidFill>
+                <a:effectLst/>
+                <a:latin typeface="Consolas" panose="020B0609020204030204" pitchFamily="49" charset="0"/>
+              </a:rPr>
+              <a:t>    </a:t>
+            </a:r>
+            <a:r>
+              <a:rPr kumimoji="0" lang="ru-RU" altLang="ru-RU" sz="2400" b="0" i="0" u="none" strike="noStrike" cap="none" normalizeH="0" baseline="0" dirty="0" err="1" smtClean="0">
+                <a:ln>
+                  <a:noFill/>
+                </a:ln>
+                <a:solidFill>
+                  <a:srgbClr val="0000E0"/>
+                </a:solidFill>
+                <a:effectLst/>
+                <a:latin typeface="Consolas" panose="020B0609020204030204" pitchFamily="49" charset="0"/>
+              </a:rPr>
+              <a:t>public</a:t>
+            </a:r>
+            <a:r>
+              <a:rPr kumimoji="0" lang="ru-RU" altLang="ru-RU" sz="2400" b="0" i="0" u="none" strike="noStrike" cap="none" normalizeH="0" baseline="0" dirty="0" smtClean="0">
+                <a:ln>
+                  <a:noFill/>
+                </a:ln>
+                <a:solidFill>
+                  <a:srgbClr val="0000E0"/>
+                </a:solidFill>
+                <a:effectLst/>
+                <a:latin typeface="Consolas" panose="020B0609020204030204" pitchFamily="49" charset="0"/>
+              </a:rPr>
+              <a:t> </a:t>
+            </a:r>
+            <a:r>
+              <a:rPr kumimoji="0" lang="ru-RU" altLang="ru-RU" sz="2400" b="0" i="0" u="none" strike="noStrike" cap="none" normalizeH="0" baseline="0" dirty="0" err="1" smtClean="0">
+                <a:ln>
+                  <a:noFill/>
+                </a:ln>
+                <a:solidFill>
+                  <a:srgbClr val="0000E0"/>
+                </a:solidFill>
+                <a:effectLst/>
+                <a:latin typeface="Consolas" panose="020B0609020204030204" pitchFamily="49" charset="0"/>
+              </a:rPr>
+              <a:t>static</a:t>
+            </a:r>
+            <a:r>
+              <a:rPr kumimoji="0" lang="ru-RU" altLang="ru-RU" sz="2400" b="0" i="0" u="none" strike="noStrike" cap="none" normalizeH="0" baseline="0" dirty="0" smtClean="0">
+                <a:ln>
+                  <a:noFill/>
+                </a:ln>
+                <a:solidFill>
+                  <a:srgbClr val="0000E0"/>
+                </a:solidFill>
+                <a:effectLst/>
+                <a:latin typeface="Consolas" panose="020B0609020204030204" pitchFamily="49" charset="0"/>
+              </a:rPr>
+              <a:t> </a:t>
+            </a:r>
+            <a:r>
+              <a:rPr kumimoji="0" lang="ru-RU" altLang="ru-RU" sz="2400" b="0" i="0" u="none" strike="noStrike" cap="none" normalizeH="0" baseline="0" dirty="0" err="1" smtClean="0">
+                <a:ln>
+                  <a:noFill/>
+                </a:ln>
+                <a:solidFill>
+                  <a:srgbClr val="0000E0"/>
+                </a:solidFill>
+                <a:effectLst/>
+                <a:latin typeface="Consolas" panose="020B0609020204030204" pitchFamily="49" charset="0"/>
+              </a:rPr>
+              <a:t>void</a:t>
+            </a:r>
+            <a:r>
+              <a:rPr kumimoji="0" lang="ru-RU" altLang="ru-RU" sz="2400" b="0" i="0" u="none" strike="noStrike" cap="none" normalizeH="0" baseline="0" dirty="0" smtClean="0">
+                <a:ln>
+                  <a:noFill/>
+                </a:ln>
+                <a:solidFill>
+                  <a:srgbClr val="0000E0"/>
+                </a:solidFill>
+                <a:effectLst/>
+                <a:latin typeface="Consolas" panose="020B0609020204030204" pitchFamily="49" charset="0"/>
+              </a:rPr>
+              <a:t> </a:t>
+            </a:r>
+            <a:r>
+              <a:rPr kumimoji="0" lang="ru-RU" altLang="ru-RU" sz="2400" b="0" i="0" u="none" strike="noStrike" cap="none" normalizeH="0" baseline="0" dirty="0" err="1" smtClean="0">
+                <a:ln>
+                  <a:noFill/>
+                </a:ln>
+                <a:solidFill>
+                  <a:srgbClr val="008B8B"/>
+                </a:solidFill>
+                <a:effectLst/>
+                <a:latin typeface="Consolas" panose="020B0609020204030204" pitchFamily="49" charset="0"/>
+              </a:rPr>
+              <a:t>Main</a:t>
+            </a:r>
+            <a:r>
+              <a:rPr kumimoji="0" lang="ru-RU" altLang="ru-RU" sz="2400" b="0" i="0" u="none" strike="noStrike" cap="none" normalizeH="0" baseline="0" dirty="0" smtClean="0">
+                <a:ln>
+                  <a:noFill/>
+                </a:ln>
+                <a:solidFill>
+                  <a:srgbClr val="000000"/>
+                </a:solidFill>
+                <a:effectLst/>
+                <a:latin typeface="Consolas" panose="020B0609020204030204" pitchFamily="49" charset="0"/>
+              </a:rPr>
+              <a:t>() {</a:t>
+            </a:r>
+            <a:br>
+              <a:rPr kumimoji="0" lang="ru-RU" altLang="ru-RU" sz="2400" b="0" i="0" u="none" strike="noStrike" cap="none" normalizeH="0" baseline="0" dirty="0" smtClean="0">
+                <a:ln>
+                  <a:noFill/>
+                </a:ln>
+                <a:solidFill>
+                  <a:srgbClr val="000000"/>
+                </a:solidFill>
+                <a:effectLst/>
+                <a:latin typeface="Consolas" panose="020B0609020204030204" pitchFamily="49" charset="0"/>
+              </a:rPr>
+            </a:br>
+            <a:r>
+              <a:rPr kumimoji="0" lang="ru-RU" altLang="ru-RU" sz="2400" b="0" i="0" u="none" strike="noStrike" cap="none" normalizeH="0" baseline="0" dirty="0" smtClean="0">
+                <a:ln>
+                  <a:noFill/>
+                </a:ln>
+                <a:solidFill>
+                  <a:srgbClr val="000000"/>
+                </a:solidFill>
+                <a:effectLst/>
+                <a:latin typeface="Consolas" panose="020B0609020204030204" pitchFamily="49" charset="0"/>
+              </a:rPr>
+              <a:t>        </a:t>
+            </a:r>
+            <a:r>
+              <a:rPr kumimoji="0" lang="ru-RU" altLang="ru-RU" sz="2400" b="0" i="0" u="none" strike="noStrike" cap="none" normalizeH="0" baseline="0" dirty="0" err="1" smtClean="0">
+                <a:ln>
+                  <a:noFill/>
+                </a:ln>
+                <a:solidFill>
+                  <a:srgbClr val="00008B"/>
+                </a:solidFill>
+                <a:effectLst/>
+                <a:latin typeface="Consolas" panose="020B0609020204030204" pitchFamily="49" charset="0"/>
+              </a:rPr>
+              <a:t>Console</a:t>
+            </a:r>
+            <a:r>
+              <a:rPr kumimoji="0" lang="ru-RU" altLang="ru-RU" sz="2400" b="0" i="0" u="none" strike="noStrike" cap="none" normalizeH="0" baseline="0" dirty="0" err="1" smtClean="0">
+                <a:ln>
+                  <a:noFill/>
+                </a:ln>
+                <a:solidFill>
+                  <a:srgbClr val="000000"/>
+                </a:solidFill>
+                <a:effectLst/>
+                <a:latin typeface="Consolas" panose="020B0609020204030204" pitchFamily="49" charset="0"/>
+              </a:rPr>
+              <a:t>.</a:t>
+            </a:r>
+            <a:r>
+              <a:rPr kumimoji="0" lang="ru-RU" altLang="ru-RU" sz="2400" b="0" i="0" u="none" strike="noStrike" cap="none" normalizeH="0" baseline="0" dirty="0" err="1" smtClean="0">
+                <a:ln>
+                  <a:noFill/>
+                </a:ln>
+                <a:solidFill>
+                  <a:srgbClr val="008B8B"/>
+                </a:solidFill>
+                <a:effectLst/>
+                <a:latin typeface="Consolas" panose="020B0609020204030204" pitchFamily="49" charset="0"/>
+              </a:rPr>
+              <a:t>WriteLine</a:t>
+            </a:r>
+            <a:r>
+              <a:rPr kumimoji="0" lang="ru-RU" altLang="ru-RU" sz="2400" b="0" i="0" u="none" strike="noStrike" cap="none" normalizeH="0" baseline="0" dirty="0" smtClean="0">
+                <a:ln>
+                  <a:noFill/>
+                </a:ln>
+                <a:solidFill>
+                  <a:srgbClr val="000000"/>
+                </a:solidFill>
+                <a:effectLst/>
+                <a:latin typeface="Consolas" panose="020B0609020204030204" pitchFamily="49" charset="0"/>
+              </a:rPr>
+              <a:t>(</a:t>
+            </a:r>
+            <a:r>
+              <a:rPr kumimoji="0" lang="ru-RU" altLang="ru-RU" sz="2400" b="0" i="0" u="none" strike="noStrike" cap="none" normalizeH="0" baseline="0" dirty="0" smtClean="0">
+                <a:ln>
+                  <a:noFill/>
+                </a:ln>
+                <a:solidFill>
+                  <a:srgbClr val="A31515"/>
+                </a:solidFill>
+                <a:effectLst/>
+                <a:latin typeface="Consolas" panose="020B0609020204030204" pitchFamily="49" charset="0"/>
+              </a:rPr>
+              <a:t>"</a:t>
+            </a:r>
+            <a:r>
+              <a:rPr kumimoji="0" lang="ru-RU" altLang="ru-RU" sz="2400" b="0" i="0" u="none" strike="noStrike" cap="none" normalizeH="0" baseline="0" dirty="0" err="1" smtClean="0">
+                <a:ln>
+                  <a:noFill/>
+                </a:ln>
+                <a:solidFill>
+                  <a:srgbClr val="A31515"/>
+                </a:solidFill>
+                <a:effectLst/>
+                <a:latin typeface="Consolas" panose="020B0609020204030204" pitchFamily="49" charset="0"/>
+              </a:rPr>
+              <a:t>main</a:t>
+            </a:r>
+            <a:r>
+              <a:rPr kumimoji="0" lang="ru-RU" altLang="ru-RU" sz="2400" b="0" i="0" u="none" strike="noStrike" cap="none" normalizeH="0" baseline="0" dirty="0" smtClean="0">
+                <a:ln>
+                  <a:noFill/>
+                </a:ln>
+                <a:solidFill>
+                  <a:srgbClr val="A31515"/>
+                </a:solidFill>
+                <a:effectLst/>
+                <a:latin typeface="Consolas" panose="020B0609020204030204" pitchFamily="49" charset="0"/>
+              </a:rPr>
+              <a:t>"</a:t>
+            </a:r>
+            <a:r>
+              <a:rPr kumimoji="0" lang="ru-RU" altLang="ru-RU" sz="2400" b="0" i="0" u="none" strike="noStrike" cap="none" normalizeH="0" baseline="0" dirty="0" smtClean="0">
+                <a:ln>
+                  <a:noFill/>
+                </a:ln>
+                <a:solidFill>
+                  <a:srgbClr val="000000"/>
+                </a:solidFill>
+                <a:effectLst/>
+                <a:latin typeface="Consolas" panose="020B0609020204030204" pitchFamily="49" charset="0"/>
+              </a:rPr>
+              <a:t>);</a:t>
+            </a:r>
+            <a:br>
+              <a:rPr kumimoji="0" lang="ru-RU" altLang="ru-RU" sz="2400" b="0" i="0" u="none" strike="noStrike" cap="none" normalizeH="0" baseline="0" dirty="0" smtClean="0">
+                <a:ln>
+                  <a:noFill/>
+                </a:ln>
+                <a:solidFill>
+                  <a:srgbClr val="000000"/>
+                </a:solidFill>
+                <a:effectLst/>
+                <a:latin typeface="Consolas" panose="020B0609020204030204" pitchFamily="49" charset="0"/>
+              </a:rPr>
+            </a:br>
+            <a:r>
+              <a:rPr kumimoji="0" lang="ru-RU" altLang="ru-RU" sz="2400" b="0" i="0" u="none" strike="noStrike" cap="none" normalizeH="0" baseline="0" dirty="0" smtClean="0">
+                <a:ln>
+                  <a:noFill/>
+                </a:ln>
+                <a:solidFill>
+                  <a:srgbClr val="000000"/>
+                </a:solidFill>
+                <a:effectLst/>
+                <a:latin typeface="Consolas" panose="020B0609020204030204" pitchFamily="49" charset="0"/>
+              </a:rPr>
+              <a:t>        </a:t>
+            </a:r>
+            <a:r>
+              <a:rPr kumimoji="0" lang="ru-RU" altLang="ru-RU" sz="2400" b="0" i="0" u="none" strike="noStrike" cap="none" normalizeH="0" baseline="0" dirty="0" err="1" smtClean="0">
+                <a:ln>
+                  <a:noFill/>
+                </a:ln>
+                <a:solidFill>
+                  <a:srgbClr val="00008B"/>
+                </a:solidFill>
+                <a:effectLst/>
+                <a:latin typeface="Consolas" panose="020B0609020204030204" pitchFamily="49" charset="0"/>
+              </a:rPr>
+              <a:t>Console</a:t>
+            </a:r>
+            <a:r>
+              <a:rPr kumimoji="0" lang="ru-RU" altLang="ru-RU" sz="2400" b="0" i="0" u="none" strike="noStrike" cap="none" normalizeH="0" baseline="0" dirty="0" err="1" smtClean="0">
+                <a:ln>
+                  <a:noFill/>
+                </a:ln>
+                <a:solidFill>
+                  <a:srgbClr val="000000"/>
+                </a:solidFill>
+                <a:effectLst/>
+                <a:latin typeface="Consolas" panose="020B0609020204030204" pitchFamily="49" charset="0"/>
+              </a:rPr>
+              <a:t>.</a:t>
+            </a:r>
+            <a:r>
+              <a:rPr kumimoji="0" lang="ru-RU" altLang="ru-RU" sz="2400" b="0" i="0" u="none" strike="noStrike" cap="none" normalizeH="0" baseline="0" dirty="0" err="1" smtClean="0">
+                <a:ln>
+                  <a:noFill/>
+                </a:ln>
+                <a:solidFill>
+                  <a:srgbClr val="008B8B"/>
+                </a:solidFill>
+                <a:effectLst/>
+                <a:latin typeface="Consolas" panose="020B0609020204030204" pitchFamily="49" charset="0"/>
+              </a:rPr>
+              <a:t>WriteLine</a:t>
+            </a:r>
+            <a:r>
+              <a:rPr kumimoji="0" lang="ru-RU" altLang="ru-RU" sz="2400" b="0" i="0" u="none" strike="noStrike" cap="none" normalizeH="0" baseline="0" dirty="0" smtClean="0">
+                <a:ln>
+                  <a:noFill/>
+                </a:ln>
+                <a:solidFill>
+                  <a:srgbClr val="000000"/>
+                </a:solidFill>
+                <a:effectLst/>
+                <a:latin typeface="Consolas" panose="020B0609020204030204" pitchFamily="49" charset="0"/>
+              </a:rPr>
+              <a:t>(</a:t>
+            </a:r>
+            <a:r>
+              <a:rPr kumimoji="0" lang="ru-RU" altLang="ru-RU" sz="2400" b="0" i="0" u="none" strike="noStrike" cap="none" normalizeH="0" baseline="0" dirty="0" smtClean="0">
+                <a:ln>
+                  <a:noFill/>
+                </a:ln>
+                <a:solidFill>
+                  <a:srgbClr val="800080"/>
+                </a:solidFill>
+                <a:effectLst/>
+                <a:latin typeface="Consolas" panose="020B0609020204030204" pitchFamily="49" charset="0"/>
+              </a:rPr>
+              <a:t>S</a:t>
+            </a:r>
+            <a:r>
+              <a:rPr kumimoji="0" lang="ru-RU" altLang="ru-RU" sz="2400" b="0" i="0" u="none" strike="noStrike" cap="none" normalizeH="0" baseline="0" dirty="0" smtClean="0">
+                <a:ln>
+                  <a:noFill/>
+                </a:ln>
+                <a:solidFill>
+                  <a:srgbClr val="000000"/>
+                </a:solidFill>
+                <a:effectLst/>
+                <a:latin typeface="Consolas" panose="020B0609020204030204" pitchFamily="49" charset="0"/>
+              </a:rPr>
+              <a:t>);</a:t>
+            </a:r>
+            <a:br>
+              <a:rPr kumimoji="0" lang="ru-RU" altLang="ru-RU" sz="2400" b="0" i="0" u="none" strike="noStrike" cap="none" normalizeH="0" baseline="0" dirty="0" smtClean="0">
+                <a:ln>
+                  <a:noFill/>
+                </a:ln>
+                <a:solidFill>
+                  <a:srgbClr val="000000"/>
+                </a:solidFill>
+                <a:effectLst/>
+                <a:latin typeface="Consolas" panose="020B0609020204030204" pitchFamily="49" charset="0"/>
+              </a:rPr>
+            </a:br>
+            <a:r>
+              <a:rPr kumimoji="0" lang="ru-RU" altLang="ru-RU" sz="2400" b="0" i="0" u="none" strike="noStrike" cap="none" normalizeH="0" baseline="0" dirty="0" smtClean="0">
+                <a:ln>
+                  <a:noFill/>
+                </a:ln>
+                <a:solidFill>
+                  <a:srgbClr val="000000"/>
+                </a:solidFill>
+                <a:effectLst/>
+                <a:latin typeface="Consolas" panose="020B0609020204030204" pitchFamily="49" charset="0"/>
+              </a:rPr>
+              <a:t>    }</a:t>
+            </a:r>
+            <a:endParaRPr kumimoji="0" lang="en-US" altLang="ru-RU" sz="2400" b="0" i="0" u="none" strike="noStrike" cap="none" normalizeH="0" baseline="0" dirty="0" smtClean="0">
+              <a:ln>
+                <a:noFill/>
+              </a:ln>
+              <a:solidFill>
+                <a:srgbClr val="000000"/>
+              </a:solidFill>
+              <a:effectLst/>
+              <a:latin typeface="Consolas" panose="020B0609020204030204" pitchFamily="49" charset="0"/>
+            </a:endParaRPr>
+          </a:p>
+          <a:p>
+            <a:pPr marL="0" marR="0" lvl="0" indent="0" algn="l" defTabSz="914400" rtl="0" eaLnBrk="0" fontAlgn="base" latinLnBrk="0" hangingPunct="0">
+              <a:lnSpc>
+                <a:spcPct val="100000"/>
+              </a:lnSpc>
+              <a:spcBef>
+                <a:spcPct val="0"/>
+              </a:spcBef>
+              <a:spcAft>
+                <a:spcPct val="0"/>
+              </a:spcAft>
+              <a:buClrTx/>
+              <a:buSzTx/>
+              <a:buFontTx/>
+              <a:buNone/>
+              <a:tabLst/>
+            </a:pPr>
+            <a:r>
+              <a:rPr lang="en-US" altLang="ru-RU" sz="2400" dirty="0">
+                <a:solidFill>
+                  <a:srgbClr val="000000"/>
+                </a:solidFill>
+                <a:latin typeface="Consolas" panose="020B0609020204030204" pitchFamily="49" charset="0"/>
+              </a:rPr>
+              <a:t>}</a:t>
+            </a:r>
+            <a:endParaRPr kumimoji="0" lang="ru-RU" altLang="ru-RU" sz="2400" b="0" i="0" u="none" strike="noStrike" cap="none" normalizeH="0" baseline="0" dirty="0" smtClean="0">
+              <a:ln>
+                <a:noFill/>
+              </a:ln>
+              <a:solidFill>
+                <a:schemeClr val="tx1"/>
+              </a:solidFill>
+              <a:effectLst/>
+              <a:latin typeface="Arial" panose="020B0604020202020204" pitchFamily="34" charset="0"/>
+            </a:endParaRPr>
+          </a:p>
+        </p:txBody>
+      </p:sp>
+    </p:spTree>
+    <p:extLst>
+      <p:ext uri="{BB962C8B-B14F-4D97-AF65-F5344CB8AC3E}">
+        <p14:creationId xmlns:p14="http://schemas.microsoft.com/office/powerpoint/2010/main" val="1170707690"/>
+      </p:ext>
+    </p:extLst>
+  </p:cSld>
+  <p:clrMapOvr>
+    <a:masterClrMapping/>
+  </p:clrMapOvr>
+</p:sld>
+</file>
+
+<file path=ppt/slides/slide29.xml><?xml version="1.0" encoding="utf-8"?>
+<p:sld xmlns:a="http://schemas.openxmlformats.org/drawingml/2006/main" xmlns:r="http://schemas.openxmlformats.org/officeDocument/2006/relationships" xmlns:p="http://schemas.openxmlformats.org/presentationml/2006/main">
+  <p:cSld>
+    <p:spTree>
+      <p:nvGrpSpPr>
+        <p:cNvPr id="1" name=""/>
+        <p:cNvGrpSpPr/>
+        <p:nvPr/>
+      </p:nvGrpSpPr>
+      <p:grpSpPr>
+        <a:xfrm>
+          <a:off x="0" y="0"/>
+          <a:ext cx="0" cy="0"/>
+          <a:chOff x="0" y="0"/>
+          <a:chExt cx="0" cy="0"/>
+        </a:xfrm>
+      </p:grpSpPr>
+      <p:sp>
+        <p:nvSpPr>
           <p:cNvPr id="2" name="Объект 1"/>
           <p:cNvSpPr>
             <a:spLocks noGrp="1"/>
@@ -25097,6 +26198,15 @@
           </a:bodyPr>
           <a:lstStyle/>
           <a:p>
+            <a:r>
+              <a:rPr lang="en-US" sz="2400" dirty="0">
+                <a:solidFill>
+                  <a:srgbClr val="000000"/>
+                </a:solidFill>
+                <a:latin typeface="Consolas" panose="020B0609020204030204" pitchFamily="49" charset="0"/>
+              </a:rPr>
+              <a:t/>
+            </a:r>
             <a:br>
               <a:rPr lang="en-US" sz="2400" dirty="0">
                 <a:solidFill>
@@ -25528,14 +26638,10 @@
           <a:lstStyle/>
           <a:p>
             <a:r>
-              <a:rPr lang="en-US" dirty="0" err="1"/>
-              <a:t>StACK</a:t>
-            </a:r>
-            <a:r>
-              <a:rPr lang="en-US" dirty="0"/>
-              <a:t> OVERFLOW</a:t>
-            </a:r>
-            <a:endParaRPr lang="ru-RU" dirty="0"/>
+              <a:rPr lang="en-US" cap="none" dirty="0" smtClean="0"/>
+              <a:t>Stack overflow</a:t>
+            </a:r>
+            <a:endParaRPr lang="ru-RU" cap="none" dirty="0"/>
           </a:p>
         </p:txBody>
       </p:sp>
@@ -25713,6 +26819,15 @@
             </a:lvl9pPr>
           </a:lstStyle>
           <a:p>
+            <a:r>
+              <a:rPr lang="en-US" sz="2000" dirty="0">
+                <a:solidFill>
+                  <a:srgbClr val="000000"/>
+                </a:solidFill>
+                <a:latin typeface="Consolas" panose="020B0609020204030204" pitchFamily="49" charset="0"/>
+              </a:rPr>
+              <a:t/>
+            </a:r>
             <a:br>
               <a:rPr lang="en-US" sz="2000" dirty="0">
                 <a:solidFill>
@@ -25779,6 +26894,15 @@
                 <a:latin typeface="Consolas" panose="020B0609020204030204" pitchFamily="49" charset="0"/>
               </a:rPr>
               <a:t>();</a:t>
+            </a:r>
+            <a:r>
+              <a:rPr lang="en-US" sz="2400" dirty="0">
+                <a:solidFill>
+                  <a:srgbClr val="000000"/>
+                </a:solidFill>
+                <a:latin typeface="Consolas" panose="020B0609020204030204" pitchFamily="49" charset="0"/>
+              </a:rPr>
+              <a:t/>
             </a:r>
             <a:br>
               <a:rPr lang="en-US" sz="2400" dirty="0">
@@ -25975,480 +27099,6 @@
 </p:sld>
 </file>
 
-<file path=ppt/slides/slide29.xml><?xml version="1.0" encoding="utf-8"?>
-<p:sld xmlns:a="http://schemas.openxmlformats.org/drawingml/2006/main" xmlns:r="http://schemas.openxmlformats.org/officeDocument/2006/relationships" xmlns:p="http://schemas.openxmlformats.org/presentationml/2006/main">
-  <p:cSld>
-    <p:spTree>
-      <p:nvGrpSpPr>
-        <p:cNvPr id="1" name=""/>
-        <p:cNvGrpSpPr/>
-        <p:nvPr/>
-      </p:nvGrpSpPr>
-      <p:grpSpPr>
-        <a:xfrm>
-          <a:off x="0" y="0"/>
-          <a:ext cx="0" cy="0"/>
-          <a:chOff x="0" y="0"/>
-          <a:chExt cx="0" cy="0"/>
-        </a:xfrm>
-      </p:grpSpPr>
-      <p:sp>
-        <p:nvSpPr>
-          <p:cNvPr id="2" name="Объект 1"/>
-          <p:cNvSpPr>
-            <a:spLocks noGrp="1"/>
-          </p:cNvSpPr>
-          <p:nvPr>
-            <p:ph sz="quarter" idx="13"/>
-          </p:nvPr>
-        </p:nvSpPr>
-        <p:spPr>
-          <a:xfrm>
-            <a:off x="1295469" y="1484784"/>
-            <a:ext cx="9433048" cy="4320501"/>
-          </a:xfrm>
-        </p:spPr>
-        <p:txBody>
-          <a:bodyPr>
-            <a:normAutofit/>
-          </a:bodyPr>
-          <a:lstStyle/>
-          <a:p>
-            <a:br>
-              <a:rPr lang="en-US" sz="2400" dirty="0">
-                <a:solidFill>
-                  <a:srgbClr val="000000"/>
-                </a:solidFill>
-                <a:latin typeface="Consolas" panose="020B0609020204030204" pitchFamily="49" charset="0"/>
-              </a:rPr>
-            </a:br>
-            <a:r>
-              <a:rPr lang="en-US" sz="2400" dirty="0">
-                <a:solidFill>
-                  <a:srgbClr val="0000FF"/>
-                </a:solidFill>
-                <a:latin typeface="Consolas" panose="020B0609020204030204" pitchFamily="49" charset="0"/>
-              </a:rPr>
-              <a:t>void</a:t>
-            </a:r>
-            <a:r>
-              <a:rPr lang="en-US" sz="2400" dirty="0">
-                <a:solidFill>
-                  <a:srgbClr val="000000"/>
-                </a:solidFill>
-                <a:latin typeface="Consolas" panose="020B0609020204030204" pitchFamily="49" charset="0"/>
-              </a:rPr>
-              <a:t> </a:t>
-            </a:r>
-            <a:r>
-              <a:rPr lang="en-US" sz="2400" dirty="0" err="1">
-                <a:solidFill>
-                  <a:srgbClr val="000000"/>
-                </a:solidFill>
-                <a:latin typeface="Consolas" panose="020B0609020204030204" pitchFamily="49" charset="0"/>
-              </a:rPr>
-              <a:t>PrintObject</a:t>
-            </a:r>
-            <a:r>
-              <a:rPr lang="en-US" sz="2400" dirty="0">
-                <a:solidFill>
-                  <a:srgbClr val="000000"/>
-                </a:solidFill>
-                <a:latin typeface="Consolas" panose="020B0609020204030204" pitchFamily="49" charset="0"/>
-              </a:rPr>
-              <a:t>(</a:t>
-            </a:r>
-            <a:r>
-              <a:rPr lang="en-US" sz="2400" dirty="0">
-                <a:solidFill>
-                  <a:srgbClr val="0000FF"/>
-                </a:solidFill>
-                <a:latin typeface="Consolas" panose="020B0609020204030204" pitchFamily="49" charset="0"/>
-              </a:rPr>
-              <a:t>object</a:t>
-            </a:r>
-            <a:r>
-              <a:rPr lang="en-US" sz="2400" dirty="0">
-                <a:solidFill>
-                  <a:srgbClr val="000000"/>
-                </a:solidFill>
-                <a:latin typeface="Consolas" panose="020B0609020204030204" pitchFamily="49" charset="0"/>
-              </a:rPr>
-              <a:t> o) {</a:t>
-            </a:r>
-          </a:p>
-          <a:p>
-            <a:r>
-              <a:rPr lang="en-US" sz="2400" dirty="0">
-                <a:solidFill>
-                  <a:srgbClr val="000000"/>
-                </a:solidFill>
-                <a:latin typeface="Consolas" panose="020B0609020204030204" pitchFamily="49" charset="0"/>
-              </a:rPr>
-              <a:t>    </a:t>
-            </a:r>
-            <a:r>
-              <a:rPr lang="en-US" sz="2400" dirty="0">
-                <a:solidFill>
-                  <a:srgbClr val="008000"/>
-                </a:solidFill>
-                <a:latin typeface="Consolas" panose="020B0609020204030204" pitchFamily="49" charset="0"/>
-              </a:rPr>
-              <a:t>// Do something</a:t>
-            </a:r>
-          </a:p>
-          <a:p>
-            <a:r>
-              <a:rPr lang="en-US" sz="2400" dirty="0">
-                <a:solidFill>
-                  <a:srgbClr val="000000"/>
-                </a:solidFill>
-                <a:latin typeface="Consolas" panose="020B0609020204030204" pitchFamily="49" charset="0"/>
-              </a:rPr>
-              <a:t>    </a:t>
-            </a:r>
-            <a:r>
-              <a:rPr lang="en-US" sz="2400" dirty="0" err="1">
-                <a:solidFill>
-                  <a:srgbClr val="0000FF"/>
-                </a:solidFill>
-                <a:latin typeface="Consolas" panose="020B0609020204030204" pitchFamily="49" charset="0"/>
-              </a:rPr>
-              <a:t>foreach</a:t>
-            </a:r>
-            <a:r>
-              <a:rPr lang="en-US" sz="2400" dirty="0">
-                <a:solidFill>
-                  <a:srgbClr val="000000"/>
-                </a:solidFill>
-                <a:latin typeface="Consolas" panose="020B0609020204030204" pitchFamily="49" charset="0"/>
-              </a:rPr>
-              <a:t> (</a:t>
-            </a:r>
-            <a:r>
-              <a:rPr lang="en-US" sz="2400" dirty="0" err="1">
-                <a:solidFill>
-                  <a:srgbClr val="0000FF"/>
-                </a:solidFill>
-                <a:latin typeface="Consolas" panose="020B0609020204030204" pitchFamily="49" charset="0"/>
-              </a:rPr>
-              <a:t>var</a:t>
-            </a:r>
-            <a:r>
-              <a:rPr lang="en-US" sz="2400" dirty="0">
-                <a:solidFill>
-                  <a:srgbClr val="000000"/>
-                </a:solidFill>
-                <a:latin typeface="Consolas" panose="020B0609020204030204" pitchFamily="49" charset="0"/>
-              </a:rPr>
-              <a:t> child </a:t>
-            </a:r>
-            <a:r>
-              <a:rPr lang="en-US" sz="2400" dirty="0">
-                <a:solidFill>
-                  <a:srgbClr val="0000FF"/>
-                </a:solidFill>
-                <a:latin typeface="Consolas" panose="020B0609020204030204" pitchFamily="49" charset="0"/>
-              </a:rPr>
-              <a:t>in</a:t>
-            </a:r>
-            <a:r>
-              <a:rPr lang="en-US" sz="2400" dirty="0">
-                <a:solidFill>
-                  <a:srgbClr val="000000"/>
-                </a:solidFill>
-                <a:latin typeface="Consolas" panose="020B0609020204030204" pitchFamily="49" charset="0"/>
-              </a:rPr>
-              <a:t> </a:t>
-            </a:r>
-            <a:r>
-              <a:rPr lang="en-US" sz="2400" dirty="0" err="1">
-                <a:solidFill>
-                  <a:srgbClr val="000000"/>
-                </a:solidFill>
-                <a:latin typeface="Consolas" panose="020B0609020204030204" pitchFamily="49" charset="0"/>
-              </a:rPr>
-              <a:t>GetChilds</a:t>
-            </a:r>
-            <a:r>
-              <a:rPr lang="en-US" sz="2400" dirty="0">
-                <a:solidFill>
-                  <a:srgbClr val="000000"/>
-                </a:solidFill>
-                <a:latin typeface="Consolas" panose="020B0609020204030204" pitchFamily="49" charset="0"/>
-              </a:rPr>
-              <a:t>(o))</a:t>
-            </a:r>
-          </a:p>
-          <a:p>
-            <a:r>
-              <a:rPr lang="en-US" sz="2400" dirty="0">
-                <a:solidFill>
-                  <a:srgbClr val="000000"/>
-                </a:solidFill>
-                <a:latin typeface="Consolas" panose="020B0609020204030204" pitchFamily="49" charset="0"/>
-              </a:rPr>
-              <a:t>        </a:t>
-            </a:r>
-            <a:r>
-              <a:rPr lang="en-US" sz="2400" dirty="0" err="1">
-                <a:solidFill>
-                  <a:srgbClr val="000000"/>
-                </a:solidFill>
-                <a:latin typeface="Consolas" panose="020B0609020204030204" pitchFamily="49" charset="0"/>
-              </a:rPr>
-              <a:t>PrintObject</a:t>
-            </a:r>
-            <a:r>
-              <a:rPr lang="en-US" sz="2400" dirty="0">
-                <a:solidFill>
-                  <a:srgbClr val="000000"/>
-                </a:solidFill>
-                <a:latin typeface="Consolas" panose="020B0609020204030204" pitchFamily="49" charset="0"/>
-              </a:rPr>
-              <a:t>(child);</a:t>
-            </a:r>
-          </a:p>
-          <a:p>
-            <a:r>
-              <a:rPr lang="en-US" sz="2400" dirty="0">
-                <a:solidFill>
-                  <a:srgbClr val="000000"/>
-                </a:solidFill>
-                <a:latin typeface="Consolas" panose="020B0609020204030204" pitchFamily="49" charset="0"/>
-              </a:rPr>
-              <a:t>}</a:t>
-            </a:r>
-            <a:endParaRPr lang="ru-RU" dirty="0"/>
-          </a:p>
-        </p:txBody>
-      </p:sp>
-      <p:sp>
-        <p:nvSpPr>
-          <p:cNvPr id="3" name="Заголовок 2"/>
-          <p:cNvSpPr>
-            <a:spLocks noGrp="1"/>
-          </p:cNvSpPr>
-          <p:nvPr>
-            <p:ph type="title"/>
-          </p:nvPr>
-        </p:nvSpPr>
-        <p:spPr/>
-        <p:txBody>
-          <a:bodyPr/>
-          <a:lstStyle/>
-          <a:p>
-            <a:r>
-              <a:rPr lang="en-US" dirty="0" err="1"/>
-              <a:t>StACK</a:t>
-            </a:r>
-            <a:r>
-              <a:rPr lang="en-US" dirty="0"/>
-              <a:t> OVERFLOW</a:t>
-            </a:r>
-            <a:endParaRPr lang="ru-RU" dirty="0"/>
-          </a:p>
-        </p:txBody>
-      </p:sp>
-      <p:sp>
-        <p:nvSpPr>
-          <p:cNvPr id="5" name="Объект 1"/>
-          <p:cNvSpPr txBox="1">
-            <a:spLocks/>
-          </p:cNvSpPr>
-          <p:nvPr/>
-        </p:nvSpPr>
-        <p:spPr>
-          <a:xfrm>
-            <a:off x="5257882" y="1341439"/>
-            <a:ext cx="6934117" cy="4320501"/>
-          </a:xfrm>
-          <a:prstGeom prst="rect">
-            <a:avLst/>
-          </a:prstGeom>
-        </p:spPr>
-        <p:txBody>
-          <a:bodyPr vert="horz" lIns="91440" tIns="45720" rIns="91440" bIns="45720" rtlCol="0">
-            <a:normAutofit/>
-          </a:bodyPr>
-          <a:lstStyle>
-            <a:lvl1pPr marL="0" indent="0" algn="l" defTabSz="914332" rtl="0" eaLnBrk="1" latinLnBrk="0" hangingPunct="1">
-              <a:spcBef>
-                <a:spcPct val="20000"/>
-              </a:spcBef>
-              <a:buClr>
-                <a:schemeClr val="accent1"/>
-              </a:buClr>
-              <a:buFont typeface="Arial" panose="020B0604020202020204" pitchFamily="34" charset="0"/>
-              <a:buNone/>
-              <a:defRPr sz="3200" kern="1200">
-                <a:solidFill>
-                  <a:schemeClr val="tx1"/>
-                </a:solidFill>
-                <a:latin typeface="Segoe UI" panose="020B0502040204020203" pitchFamily="34" charset="0"/>
-                <a:ea typeface="Segoe UI" panose="020B0502040204020203" pitchFamily="34" charset="0"/>
-                <a:cs typeface="Segoe UI" panose="020B0502040204020203" pitchFamily="34" charset="0"/>
-              </a:defRPr>
-            </a:lvl1pPr>
-            <a:lvl2pPr marL="742895" indent="-285730" algn="l" defTabSz="914332" rtl="0" eaLnBrk="1" latinLnBrk="0" hangingPunct="1">
-              <a:spcBef>
-                <a:spcPct val="20000"/>
-              </a:spcBef>
-              <a:buClr>
-                <a:schemeClr val="accent1"/>
-              </a:buClr>
-              <a:buFont typeface="Arial" panose="020B0604020202020204" pitchFamily="34" charset="0"/>
-              <a:buChar char="•"/>
-              <a:defRPr sz="2800" kern="1200">
-                <a:solidFill>
-                  <a:schemeClr val="tx1"/>
-                </a:solidFill>
-                <a:latin typeface="Segoe UI" panose="020B0502040204020203" pitchFamily="34" charset="0"/>
-                <a:ea typeface="Segoe UI" panose="020B0502040204020203" pitchFamily="34" charset="0"/>
-                <a:cs typeface="Segoe UI" panose="020B0502040204020203" pitchFamily="34" charset="0"/>
-              </a:defRPr>
-            </a:lvl2pPr>
-            <a:lvl3pPr marL="1142914" indent="-228584" algn="l" defTabSz="914332" rtl="0" eaLnBrk="1" latinLnBrk="0" hangingPunct="1">
-              <a:spcBef>
-                <a:spcPct val="20000"/>
-              </a:spcBef>
-              <a:buClr>
-                <a:schemeClr val="accent1"/>
-              </a:buClr>
-              <a:buFont typeface="Arial" panose="020B0604020202020204" pitchFamily="34" charset="0"/>
-              <a:buChar char="•"/>
-              <a:defRPr sz="2400" kern="1200">
-                <a:solidFill>
-                  <a:schemeClr val="tx1"/>
-                </a:solidFill>
-                <a:latin typeface="Segoe UI" panose="020B0502040204020203" pitchFamily="34" charset="0"/>
-                <a:ea typeface="Segoe UI" panose="020B0502040204020203" pitchFamily="34" charset="0"/>
-                <a:cs typeface="Segoe UI" panose="020B0502040204020203" pitchFamily="34" charset="0"/>
-              </a:defRPr>
-            </a:lvl3pPr>
-            <a:lvl4pPr marL="1600080" indent="-228584" algn="l" defTabSz="914332" rtl="0" eaLnBrk="1" latinLnBrk="0" hangingPunct="1">
-              <a:spcBef>
-                <a:spcPct val="20000"/>
-              </a:spcBef>
-              <a:buClr>
-                <a:schemeClr val="accent1"/>
-              </a:buClr>
-              <a:buFont typeface="Arial" panose="020B0604020202020204" pitchFamily="34" charset="0"/>
-              <a:buChar char="•"/>
-              <a:defRPr sz="2000" kern="1200">
-                <a:solidFill>
-                  <a:schemeClr val="tx1"/>
-                </a:solidFill>
-                <a:latin typeface="Segoe UI" panose="020B0502040204020203" pitchFamily="34" charset="0"/>
-                <a:ea typeface="Segoe UI" panose="020B0502040204020203" pitchFamily="34" charset="0"/>
-                <a:cs typeface="Segoe UI" panose="020B0502040204020203" pitchFamily="34" charset="0"/>
-              </a:defRPr>
-            </a:lvl4pPr>
-            <a:lvl5pPr marL="2057247" indent="-228584" algn="l" defTabSz="914332" rtl="0" eaLnBrk="1" latinLnBrk="0" hangingPunct="1">
-              <a:spcBef>
-                <a:spcPct val="20000"/>
-              </a:spcBef>
-              <a:buClr>
-                <a:schemeClr val="accent1"/>
-              </a:buClr>
-              <a:buFont typeface="Arial" panose="020B0604020202020204" pitchFamily="34" charset="0"/>
-              <a:buChar char="•"/>
-              <a:defRPr sz="2000" kern="1200">
-                <a:solidFill>
-                  <a:schemeClr val="tx1"/>
-                </a:solidFill>
-                <a:latin typeface="Segoe UI" panose="020B0502040204020203" pitchFamily="34" charset="0"/>
-                <a:ea typeface="Segoe UI" panose="020B0502040204020203" pitchFamily="34" charset="0"/>
-                <a:cs typeface="Segoe UI" panose="020B0502040204020203" pitchFamily="34" charset="0"/>
-              </a:defRPr>
-            </a:lvl5pPr>
-            <a:lvl6pPr marL="2514412" indent="-228584" algn="l" defTabSz="914332" rtl="0" eaLnBrk="1" latinLnBrk="0" hangingPunct="1">
-              <a:spcBef>
-                <a:spcPct val="20000"/>
-              </a:spcBef>
-              <a:buFont typeface="Arial" panose="020B0604020202020204" pitchFamily="34" charset="0"/>
-              <a:buChar char="•"/>
-              <a:defRPr sz="2000" kern="1200">
-                <a:solidFill>
-                  <a:schemeClr val="tx1"/>
-                </a:solidFill>
-                <a:latin typeface="+mn-lt"/>
-                <a:ea typeface="+mn-ea"/>
-                <a:cs typeface="+mn-cs"/>
-              </a:defRPr>
-            </a:lvl6pPr>
-            <a:lvl7pPr marL="2971578" indent="-228584" algn="l" defTabSz="914332" rtl="0" eaLnBrk="1" latinLnBrk="0" hangingPunct="1">
-              <a:spcBef>
-                <a:spcPct val="20000"/>
-              </a:spcBef>
-              <a:buFont typeface="Arial" panose="020B0604020202020204" pitchFamily="34" charset="0"/>
-              <a:buChar char="•"/>
-              <a:defRPr sz="2000" kern="1200">
-                <a:solidFill>
-                  <a:schemeClr val="tx1"/>
-                </a:solidFill>
-                <a:latin typeface="+mn-lt"/>
-                <a:ea typeface="+mn-ea"/>
-                <a:cs typeface="+mn-cs"/>
-              </a:defRPr>
-            </a:lvl7pPr>
-            <a:lvl8pPr marL="3428744" indent="-228584" algn="l" defTabSz="914332" rtl="0" eaLnBrk="1" latinLnBrk="0" hangingPunct="1">
-              <a:spcBef>
-                <a:spcPct val="20000"/>
-              </a:spcBef>
-              <a:buFont typeface="Arial" panose="020B0604020202020204" pitchFamily="34" charset="0"/>
-              <a:buChar char="•"/>
-              <a:defRPr sz="2000" kern="1200">
-                <a:solidFill>
-                  <a:schemeClr val="tx1"/>
-                </a:solidFill>
-                <a:latin typeface="+mn-lt"/>
-                <a:ea typeface="+mn-ea"/>
-                <a:cs typeface="+mn-cs"/>
-              </a:defRPr>
-            </a:lvl8pPr>
-            <a:lvl9pPr marL="3885910" indent="-228584" algn="l" defTabSz="914332" rtl="0" eaLnBrk="1" latinLnBrk="0" hangingPunct="1">
-              <a:spcBef>
-                <a:spcPct val="20000"/>
-              </a:spcBef>
-              <a:buFont typeface="Arial" panose="020B0604020202020204" pitchFamily="34" charset="0"/>
-              <a:buChar char="•"/>
-              <a:defRPr sz="2000" kern="1200">
-                <a:solidFill>
-                  <a:schemeClr val="tx1"/>
-                </a:solidFill>
-                <a:latin typeface="+mn-lt"/>
-                <a:ea typeface="+mn-ea"/>
-                <a:cs typeface="+mn-cs"/>
-              </a:defRPr>
-            </a:lvl9pPr>
-          </a:lstStyle>
-          <a:p>
-            <a:br>
-              <a:rPr lang="en-US" sz="2000" dirty="0">
-                <a:solidFill>
-                  <a:srgbClr val="000000"/>
-                </a:solidFill>
-                <a:latin typeface="Consolas" panose="020B0609020204030204" pitchFamily="49" charset="0"/>
-              </a:rPr>
-            </a:br>
-            <a:endParaRPr lang="ru-RU" dirty="0"/>
-          </a:p>
-        </p:txBody>
-      </p:sp>
-    </p:spTree>
-    <p:extLst>
-      <p:ext uri="{BB962C8B-B14F-4D97-AF65-F5344CB8AC3E}">
-        <p14:creationId xmlns:p14="http://schemas.microsoft.com/office/powerpoint/2010/main" val="2483782779"/>
-      </p:ext>
-    </p:extLst>
-  </p:cSld>
-  <p:clrMapOvr>
-    <a:masterClrMapping/>
-  </p:clrMapOvr>
-</p:sld>
-</file>
-
 <file path=ppt/slides/slide3.xml><?xml version="1.0" encoding="utf-8"?>
 <p:sld xmlns:a="http://schemas.openxmlformats.org/drawingml/2006/main" xmlns:r="http://schemas.openxmlformats.org/officeDocument/2006/relationships" xmlns:p="http://schemas.openxmlformats.org/presentationml/2006/main">
   <p:cSld>
@@ -26482,10 +27132,10 @@
           <a:lstStyle/>
           <a:p>
             <a:r>
-              <a:rPr lang="ru-RU" dirty="0"/>
+              <a:rPr lang="ru-RU" cap="none" dirty="0" smtClean="0"/>
               <a:t>Делай ошибки видимыми</a:t>
             </a:r>
-            <a:endParaRPr lang="en-US" dirty="0"/>
+            <a:endParaRPr lang="en-US" cap="none" dirty="0"/>
           </a:p>
         </p:txBody>
       </p:sp>
@@ -26537,18 +27187,46 @@
         </p:spPr>
         <p:txBody>
           <a:bodyPr>
-            <a:normAutofit lnSpcReduction="10000"/>
+            <a:normAutofit/>
           </a:bodyPr>
           <a:lstStyle/>
           <a:p>
-            <a:br>
+            <a:r>
+              <a:rPr lang="en-US" sz="2400" dirty="0" smtClean="0">
+                <a:solidFill>
+                  <a:srgbClr val="0000FF"/>
+                </a:solidFill>
+                <a:latin typeface="Consolas" panose="020B0609020204030204" pitchFamily="49" charset="0"/>
+              </a:rPr>
+              <a:t>void</a:t>
+            </a:r>
+            <a:r>
+              <a:rPr lang="en-US" sz="2400" dirty="0" smtClean="0">
+                <a:solidFill>
+                  <a:srgbClr val="000000"/>
+                </a:solidFill>
+                <a:latin typeface="Consolas" panose="020B0609020204030204" pitchFamily="49" charset="0"/>
+              </a:rPr>
+              <a:t> </a:t>
+            </a:r>
+            <a:r>
+              <a:rPr lang="en-US" sz="2400" dirty="0" err="1">
+                <a:solidFill>
+                  <a:srgbClr val="000000"/>
+                </a:solidFill>
+                <a:latin typeface="Consolas" panose="020B0609020204030204" pitchFamily="49" charset="0"/>
+              </a:rPr>
+              <a:t>PrintObject</a:t>
+            </a:r>
+            <a:r>
               <a:rPr lang="en-US" sz="2400" dirty="0">
                 <a:solidFill>
                   <a:srgbClr val="000000"/>
                 </a:solidFill>
                 <a:latin typeface="Consolas" panose="020B0609020204030204" pitchFamily="49" charset="0"/>
               </a:rPr>
-            </a:br>
+              <a:t>(</a:t>
+            </a:r>
             <a:r>
               <a:rPr lang="en-US" sz="2400" dirty="0">
                 <a:solidFill>
@@ -26556,7 +27234,7 @@
                 </a:solidFill>
                 <a:latin typeface="Consolas" panose="020B0609020204030204" pitchFamily="49" charset="0"/>
               </a:rPr>
-              <a:t>void</a:t>
+              <a:t>object</a:t>
             </a:r>
             <a:r>
               <a:rPr lang="en-US" sz="2400" dirty="0">
@@ -26565,17 +27243,10 @@
                 </a:solidFill>
                 <a:latin typeface="Consolas" panose="020B0609020204030204" pitchFamily="49" charset="0"/>
               </a:rPr>
-              <a:t> </a:t>
-            </a:r>
-            <a:r>
-              <a:rPr lang="en-US" sz="2400" dirty="0" err="1">
-                <a:solidFill>
-                  <a:srgbClr val="000000"/>
-                </a:solidFill>
-                <a:latin typeface="Consolas" panose="020B0609020204030204" pitchFamily="49" charset="0"/>
-              </a:rPr>
-              <a:t>PrintObject</a:t>
-            </a:r>
+              <a:t> o) {</a:t>
+            </a:r>
+          </a:p>
+          <a:p>
             <a:r>
               <a:rPr lang="en-US" sz="2400" dirty="0">
                 <a:solidFill>
@@ -26583,153 +27254,25 @@
                 </a:solidFill>
                 <a:latin typeface="Consolas" panose="020B0609020204030204" pitchFamily="49" charset="0"/>
               </a:rPr>
-              <a:t>(</a:t>
+              <a:t>    </a:t>
             </a:r>
             <a:r>
               <a:rPr lang="en-US" sz="2400" dirty="0">
                 <a:solidFill>
-                  <a:srgbClr val="0000FF"/>
-                </a:solidFill>
-                <a:latin typeface="Consolas" panose="020B0609020204030204" pitchFamily="49" charset="0"/>
-              </a:rPr>
-              <a:t>object</a:t>
-            </a:r>
-            <a:r>
-              <a:rPr lang="en-US" sz="2400" dirty="0">
-                <a:solidFill>
-                  <a:srgbClr val="000000"/>
-                </a:solidFill>
-                <a:latin typeface="Consolas" panose="020B0609020204030204" pitchFamily="49" charset="0"/>
-              </a:rPr>
-              <a:t> o, </a:t>
-            </a:r>
-            <a:r>
-              <a:rPr lang="en-US" sz="2400" dirty="0" err="1">
-                <a:solidFill>
-                  <a:srgbClr val="0000FF"/>
-                </a:solidFill>
-                <a:latin typeface="Consolas" panose="020B0609020204030204" pitchFamily="49" charset="0"/>
-              </a:rPr>
-              <a:t>int</a:t>
-            </a:r>
-            <a:r>
-              <a:rPr lang="en-US" sz="2400" dirty="0">
-                <a:solidFill>
-                  <a:srgbClr val="000000"/>
-                </a:solidFill>
-                <a:latin typeface="Consolas" panose="020B0609020204030204" pitchFamily="49" charset="0"/>
-              </a:rPr>
-              <a:t> depth=</a:t>
-            </a:r>
-            <a:r>
-              <a:rPr lang="en-US" sz="2400" dirty="0" err="1">
-                <a:solidFill>
-                  <a:srgbClr val="000000"/>
-                </a:solidFill>
-                <a:latin typeface="Consolas" panose="020B0609020204030204" pitchFamily="49" charset="0"/>
-              </a:rPr>
-              <a:t>MaxDepth</a:t>
-            </a:r>
-            <a:r>
-              <a:rPr lang="en-US" sz="2400" dirty="0">
-                <a:solidFill>
-                  <a:srgbClr val="000000"/>
-                </a:solidFill>
-                <a:latin typeface="Consolas" panose="020B0609020204030204" pitchFamily="49" charset="0"/>
-              </a:rPr>
-              <a:t>) {</a:t>
-            </a:r>
-          </a:p>
-          <a:p>
-            <a:r>
-              <a:rPr lang="ru-RU" sz="2400" dirty="0">
-                <a:solidFill>
                   <a:srgbClr val="008000"/>
                 </a:solidFill>
                 <a:latin typeface="Consolas" panose="020B0609020204030204" pitchFamily="49" charset="0"/>
               </a:rPr>
-              <a:t>    </a:t>
-            </a:r>
-            <a:r>
-              <a:rPr lang="en-US" sz="2400" dirty="0">
+              <a:t>// Do </a:t>
+            </a:r>
+            <a:r>
+              <a:rPr lang="en-US" sz="2400" dirty="0" smtClean="0">
                 <a:solidFill>
                   <a:srgbClr val="008000"/>
                 </a:solidFill>
                 <a:latin typeface="Consolas" panose="020B0609020204030204" pitchFamily="49" charset="0"/>
               </a:rPr>
-              <a:t>// Do something</a:t>
-            </a:r>
-            <a:endParaRPr lang="ru-RU" sz="2400" dirty="0">
-              <a:solidFill>
-                <a:srgbClr val="008000"/>
-              </a:solidFill>
-              <a:latin typeface="Consolas" panose="020B0609020204030204" pitchFamily="49" charset="0"/>
-            </a:endParaRPr>
-          </a:p>
-          <a:p>
-            <a:endParaRPr lang="ru-RU" sz="2400" b="1" dirty="0">
-              <a:solidFill>
-                <a:srgbClr val="008000"/>
-              </a:solidFill>
-              <a:latin typeface="Consolas" panose="020B0609020204030204" pitchFamily="49" charset="0"/>
-            </a:endParaRPr>
-          </a:p>
-          <a:p>
-            <a:r>
-              <a:rPr lang="ru-RU" sz="2400" b="1" dirty="0">
-                <a:solidFill>
-                  <a:srgbClr val="008000"/>
-                </a:solidFill>
-                <a:latin typeface="Consolas" panose="020B0609020204030204" pitchFamily="49" charset="0"/>
-              </a:rPr>
-              <a:t>    </a:t>
-            </a:r>
-            <a:r>
-              <a:rPr lang="en-US" sz="2400" b="1" dirty="0">
-                <a:solidFill>
-                  <a:srgbClr val="0000FF"/>
-                </a:solidFill>
-                <a:latin typeface="Consolas" panose="020B0609020204030204" pitchFamily="49" charset="0"/>
-              </a:rPr>
-              <a:t>if</a:t>
-            </a:r>
-            <a:r>
-              <a:rPr lang="en-US" sz="2400" b="1" dirty="0">
-                <a:solidFill>
-                  <a:srgbClr val="000000"/>
-                </a:solidFill>
-                <a:latin typeface="Consolas" panose="020B0609020204030204" pitchFamily="49" charset="0"/>
-              </a:rPr>
-              <a:t> (depth == 0)</a:t>
-            </a:r>
-          </a:p>
-          <a:p>
-            <a:r>
-              <a:rPr lang="en-US" sz="2400" b="1" dirty="0">
-                <a:solidFill>
-                  <a:srgbClr val="000000"/>
-                </a:solidFill>
-                <a:latin typeface="Consolas" panose="020B0609020204030204" pitchFamily="49" charset="0"/>
-              </a:rPr>
-              <a:t>        </a:t>
-            </a:r>
-            <a:r>
-              <a:rPr lang="en-US" sz="2400" b="1" dirty="0">
-                <a:solidFill>
-                  <a:srgbClr val="0000FF"/>
-                </a:solidFill>
-                <a:latin typeface="Consolas" panose="020B0609020204030204" pitchFamily="49" charset="0"/>
-              </a:rPr>
-              <a:t>return</a:t>
-            </a:r>
-            <a:r>
-              <a:rPr lang="en-US" sz="2400" b="1" dirty="0">
-                <a:solidFill>
-                  <a:srgbClr val="000000"/>
-                </a:solidFill>
-                <a:latin typeface="Consolas" panose="020B0609020204030204" pitchFamily="49" charset="0"/>
-              </a:rPr>
-              <a:t>;</a:t>
+              <a:t>something</a:t>
             </a:r>
           </a:p>
           <a:p>
@@ -26741,6 +27284,14 @@
             </a:endParaRPr>
           </a:p>
           <a:p>
+            <a:endParaRPr lang="en-US" sz="2400" dirty="0">
+              <a:solidFill>
+                <a:srgbClr val="008000"/>
+              </a:solidFill>
+              <a:latin typeface="Consolas" panose="020B0609020204030204" pitchFamily="49" charset="0"/>
+            </a:endParaRPr>
+          </a:p>
+          <a:p>
             <a:r>
               <a:rPr lang="en-US" sz="2400" dirty="0">
                 <a:solidFill>
@@ -26849,25 +27400,7 @@
                 </a:solidFill>
                 <a:latin typeface="Consolas" panose="020B0609020204030204" pitchFamily="49" charset="0"/>
               </a:rPr>
-              <a:t>(child, </a:t>
-            </a:r>
-            <a:r>
-              <a:rPr lang="en-US" sz="2600" b="1" dirty="0">
-                <a:solidFill>
-                  <a:srgbClr val="000000"/>
-                </a:solidFill>
-                <a:latin typeface="Consolas" panose="020B0609020204030204" pitchFamily="49" charset="0"/>
-              </a:rPr>
-              <a:t>depth - 1</a:t>
-            </a:r>
-            <a:r>
-              <a:rPr lang="en-US" sz="2400" dirty="0">
-                <a:solidFill>
-                  <a:srgbClr val="000000"/>
-                </a:solidFill>
-                <a:latin typeface="Consolas" panose="020B0609020204030204" pitchFamily="49" charset="0"/>
-              </a:rPr>
-              <a:t>);</a:t>
+              <a:t>(child);</a:t>
             </a:r>
           </a:p>
           <a:p>
@@ -26900,14 +27433,10 @@
           <a:lstStyle/>
           <a:p>
             <a:r>
-              <a:rPr lang="en-US" dirty="0" err="1"/>
-              <a:t>StACK</a:t>
-            </a:r>
-            <a:r>
-              <a:rPr lang="en-US" dirty="0"/>
-              <a:t> OVERFLOW</a:t>
-            </a:r>
-            <a:endParaRPr lang="ru-RU" dirty="0"/>
+              <a:rPr lang="en-US" cap="none" dirty="0" smtClean="0"/>
+              <a:t>Stack overflow</a:t>
+            </a:r>
+            <a:endParaRPr lang="ru-RU" cap="none" dirty="0"/>
           </a:p>
         </p:txBody>
       </p:sp>
@@ -27085,6 +27614,15 @@
             </a:lvl9pPr>
           </a:lstStyle>
           <a:p>
+            <a:r>
+              <a:rPr lang="en-US" sz="2000" dirty="0">
+                <a:solidFill>
+                  <a:srgbClr val="000000"/>
+                </a:solidFill>
+                <a:latin typeface="Consolas" panose="020B0609020204030204" pitchFamily="49" charset="0"/>
+              </a:rPr>
+              <a:t/>
+            </a:r>
             <a:br>
               <a:rPr lang="en-US" sz="2000" dirty="0">
                 <a:solidFill>
@@ -27100,7 +27638,7 @@
     </p:spTree>
     <p:extLst>
       <p:ext uri="{BB962C8B-B14F-4D97-AF65-F5344CB8AC3E}">
-        <p14:creationId xmlns:p14="http://schemas.microsoft.com/office/powerpoint/2010/main" val="4139433949"/>
+        <p14:creationId xmlns:p14="http://schemas.microsoft.com/office/powerpoint/2010/main" val="2483782779"/>
       </p:ext>
     </p:extLst>
   </p:cSld>
@@ -27139,8 +27677,8 @@
         </p:nvSpPr>
         <p:spPr>
           <a:xfrm>
-            <a:off x="1331001" y="1393340"/>
-            <a:ext cx="9805559" cy="5183905"/>
+            <a:off x="1295469" y="1484784"/>
+            <a:ext cx="9433048" cy="4320501"/>
           </a:xfrm>
         </p:spPr>
         <p:txBody>
@@ -27149,75 +27687,338 @@
           </a:bodyPr>
           <a:lstStyle/>
           <a:p>
-            <a:pPr marL="514350" indent="-514350">
-              <a:buAutoNum type="arabicPeriod"/>
-            </a:pPr>
+            <a:r>
+              <a:rPr lang="en-US" sz="2400" dirty="0" smtClean="0">
+                <a:solidFill>
+                  <a:srgbClr val="0000FF"/>
+                </a:solidFill>
+                <a:latin typeface="Consolas" panose="020B0609020204030204" pitchFamily="49" charset="0"/>
+              </a:rPr>
+              <a:t>void</a:t>
+            </a:r>
+            <a:r>
+              <a:rPr lang="en-US" sz="2400" dirty="0" smtClean="0">
+                <a:solidFill>
+                  <a:srgbClr val="000000"/>
+                </a:solidFill>
+                <a:latin typeface="Consolas" panose="020B0609020204030204" pitchFamily="49" charset="0"/>
+              </a:rPr>
+              <a:t> </a:t>
+            </a:r>
+            <a:r>
+              <a:rPr lang="en-US" sz="2400" dirty="0" err="1">
+                <a:solidFill>
+                  <a:srgbClr val="000000"/>
+                </a:solidFill>
+                <a:latin typeface="Consolas" panose="020B0609020204030204" pitchFamily="49" charset="0"/>
+              </a:rPr>
+              <a:t>PrintObject</a:t>
+            </a:r>
+            <a:r>
+              <a:rPr lang="en-US" sz="2400" dirty="0">
+                <a:solidFill>
+                  <a:srgbClr val="000000"/>
+                </a:solidFill>
+                <a:latin typeface="Consolas" panose="020B0609020204030204" pitchFamily="49" charset="0"/>
+              </a:rPr>
+              <a:t>(</a:t>
+            </a:r>
+            <a:r>
+              <a:rPr lang="en-US" sz="2400" dirty="0">
+                <a:solidFill>
+                  <a:srgbClr val="0000FF"/>
+                </a:solidFill>
+                <a:latin typeface="Consolas" panose="020B0609020204030204" pitchFamily="49" charset="0"/>
+              </a:rPr>
+              <a:t>object</a:t>
+            </a:r>
+            <a:r>
+              <a:rPr lang="en-US" sz="2400" dirty="0">
+                <a:solidFill>
+                  <a:srgbClr val="000000"/>
+                </a:solidFill>
+                <a:latin typeface="Consolas" panose="020B0609020204030204" pitchFamily="49" charset="0"/>
+              </a:rPr>
+              <a:t> o, </a:t>
+            </a:r>
+            <a:r>
+              <a:rPr lang="en-US" sz="2400" dirty="0" err="1">
+                <a:solidFill>
+                  <a:srgbClr val="0000FF"/>
+                </a:solidFill>
+                <a:latin typeface="Consolas" panose="020B0609020204030204" pitchFamily="49" charset="0"/>
+              </a:rPr>
+              <a:t>int</a:t>
+            </a:r>
+            <a:r>
+              <a:rPr lang="en-US" sz="2400" dirty="0">
+                <a:solidFill>
+                  <a:srgbClr val="000000"/>
+                </a:solidFill>
+                <a:latin typeface="Consolas" panose="020B0609020204030204" pitchFamily="49" charset="0"/>
+              </a:rPr>
+              <a:t> depth=</a:t>
+            </a:r>
+            <a:r>
+              <a:rPr lang="en-US" sz="2400" dirty="0" err="1">
+                <a:solidFill>
+                  <a:srgbClr val="000000"/>
+                </a:solidFill>
+                <a:latin typeface="Consolas" panose="020B0609020204030204" pitchFamily="49" charset="0"/>
+              </a:rPr>
+              <a:t>MaxDepth</a:t>
+            </a:r>
+            <a:r>
+              <a:rPr lang="en-US" sz="2400" dirty="0">
+                <a:solidFill>
+                  <a:srgbClr val="000000"/>
+                </a:solidFill>
+                <a:latin typeface="Consolas" panose="020B0609020204030204" pitchFamily="49" charset="0"/>
+              </a:rPr>
+              <a:t>) {</a:t>
+            </a:r>
+          </a:p>
+          <a:p>
+            <a:r>
+              <a:rPr lang="ru-RU" sz="2400" dirty="0">
+                <a:solidFill>
+                  <a:srgbClr val="008000"/>
+                </a:solidFill>
+                <a:latin typeface="Consolas" panose="020B0609020204030204" pitchFamily="49" charset="0"/>
+              </a:rPr>
+              <a:t>    </a:t>
+            </a:r>
+            <a:r>
+              <a:rPr lang="en-US" sz="2400" dirty="0">
+                <a:solidFill>
+                  <a:srgbClr val="008000"/>
+                </a:solidFill>
+                <a:latin typeface="Consolas" panose="020B0609020204030204" pitchFamily="49" charset="0"/>
+              </a:rPr>
+              <a:t>// Do something</a:t>
+            </a:r>
+            <a:endParaRPr lang="ru-RU" sz="2400" dirty="0">
+              <a:solidFill>
+                <a:srgbClr val="008000"/>
+              </a:solidFill>
+              <a:latin typeface="Consolas" panose="020B0609020204030204" pitchFamily="49" charset="0"/>
+            </a:endParaRPr>
+          </a:p>
+          <a:p>
+            <a:endParaRPr lang="ru-RU" sz="2400" b="1" dirty="0">
+              <a:solidFill>
+                <a:srgbClr val="008000"/>
+              </a:solidFill>
+              <a:latin typeface="Consolas" panose="020B0609020204030204" pitchFamily="49" charset="0"/>
+            </a:endParaRPr>
+          </a:p>
+          <a:p>
+            <a:r>
+              <a:rPr lang="ru-RU" sz="2400" b="1" dirty="0">
+                <a:solidFill>
+                  <a:srgbClr val="008000"/>
+                </a:solidFill>
+                <a:latin typeface="Consolas" panose="020B0609020204030204" pitchFamily="49" charset="0"/>
+              </a:rPr>
+              <a:t>    </a:t>
+            </a:r>
+            <a:r>
+              <a:rPr lang="en-US" sz="2400" b="1" dirty="0">
+                <a:solidFill>
+                  <a:srgbClr val="0000FF"/>
+                </a:solidFill>
+                <a:latin typeface="Consolas" panose="020B0609020204030204" pitchFamily="49" charset="0"/>
+              </a:rPr>
+              <a:t>if</a:t>
+            </a:r>
+            <a:r>
+              <a:rPr lang="en-US" sz="2400" b="1" dirty="0">
+                <a:solidFill>
+                  <a:srgbClr val="000000"/>
+                </a:solidFill>
+                <a:latin typeface="Consolas" panose="020B0609020204030204" pitchFamily="49" charset="0"/>
+              </a:rPr>
+              <a:t> (depth == 0)</a:t>
+            </a:r>
+          </a:p>
+          <a:p>
+            <a:r>
+              <a:rPr lang="en-US" sz="2400" b="1" dirty="0">
+                <a:solidFill>
+                  <a:srgbClr val="000000"/>
+                </a:solidFill>
+                <a:latin typeface="Consolas" panose="020B0609020204030204" pitchFamily="49" charset="0"/>
+              </a:rPr>
+              <a:t>        </a:t>
+            </a:r>
+            <a:r>
+              <a:rPr lang="en-US" sz="2400" b="1" dirty="0">
+                <a:solidFill>
+                  <a:srgbClr val="0000FF"/>
+                </a:solidFill>
+                <a:latin typeface="Consolas" panose="020B0609020204030204" pitchFamily="49" charset="0"/>
+              </a:rPr>
+              <a:t>return</a:t>
+            </a:r>
+            <a:r>
+              <a:rPr lang="en-US" sz="2400" b="1" dirty="0">
+                <a:solidFill>
+                  <a:srgbClr val="000000"/>
+                </a:solidFill>
+                <a:latin typeface="Consolas" panose="020B0609020204030204" pitchFamily="49" charset="0"/>
+              </a:rPr>
+              <a:t>;</a:t>
+            </a:r>
+          </a:p>
+          <a:p>
+            <a:endParaRPr lang="en-US" sz="2400" dirty="0">
+              <a:solidFill>
+                <a:srgbClr val="008000"/>
+              </a:solidFill>
+              <a:latin typeface="Consolas" panose="020B0609020204030204" pitchFamily="49" charset="0"/>
+            </a:endParaRPr>
+          </a:p>
+          <a:p>
+            <a:r>
+              <a:rPr lang="en-US" sz="2400" dirty="0">
+                <a:solidFill>
+                  <a:srgbClr val="000000"/>
+                </a:solidFill>
+                <a:latin typeface="Consolas" panose="020B0609020204030204" pitchFamily="49" charset="0"/>
+              </a:rPr>
+              <a:t>    </a:t>
+            </a:r>
+            <a:r>
+              <a:rPr lang="en-US" sz="2400" dirty="0" err="1">
+                <a:solidFill>
+                  <a:srgbClr val="0000FF"/>
+                </a:solidFill>
+                <a:latin typeface="Consolas" panose="020B0609020204030204" pitchFamily="49" charset="0"/>
+              </a:rPr>
+              <a:t>foreach</a:t>
+            </a:r>
+            <a:r>
+              <a:rPr lang="en-US" sz="2400" dirty="0">
+                <a:solidFill>
+                  <a:srgbClr val="000000"/>
+                </a:solidFill>
+                <a:latin typeface="Consolas" panose="020B0609020204030204" pitchFamily="49" charset="0"/>
+              </a:rPr>
+              <a:t> (</a:t>
+            </a:r>
+            <a:r>
+              <a:rPr lang="en-US" sz="2400" dirty="0" err="1">
+                <a:solidFill>
+                  <a:srgbClr val="0000FF"/>
+                </a:solidFill>
+                <a:latin typeface="Consolas" panose="020B0609020204030204" pitchFamily="49" charset="0"/>
+              </a:rPr>
+              <a:t>var</a:t>
+            </a:r>
+            <a:r>
+              <a:rPr lang="en-US" sz="2400" dirty="0">
+                <a:solidFill>
+                  <a:srgbClr val="000000"/>
+                </a:solidFill>
+                <a:latin typeface="Consolas" panose="020B0609020204030204" pitchFamily="49" charset="0"/>
+              </a:rPr>
+              <a:t> child </a:t>
+            </a:r>
+            <a:r>
+              <a:rPr lang="en-US" sz="2400" dirty="0">
+                <a:solidFill>
+                  <a:srgbClr val="0000FF"/>
+                </a:solidFill>
+                <a:latin typeface="Consolas" panose="020B0609020204030204" pitchFamily="49" charset="0"/>
+              </a:rPr>
+              <a:t>in</a:t>
+            </a:r>
+            <a:r>
+              <a:rPr lang="en-US" sz="2400" dirty="0">
+                <a:solidFill>
+                  <a:srgbClr val="000000"/>
+                </a:solidFill>
+                <a:latin typeface="Consolas" panose="020B0609020204030204" pitchFamily="49" charset="0"/>
+              </a:rPr>
+              <a:t> </a:t>
+            </a:r>
+            <a:r>
+              <a:rPr lang="en-US" sz="2400" dirty="0" err="1">
+                <a:solidFill>
+                  <a:srgbClr val="000000"/>
+                </a:solidFill>
+                <a:latin typeface="Consolas" panose="020B0609020204030204" pitchFamily="49" charset="0"/>
+              </a:rPr>
+              <a:t>GetChilds</a:t>
+            </a:r>
+            <a:r>
+              <a:rPr lang="en-US" sz="2400" dirty="0">
+                <a:solidFill>
+                  <a:srgbClr val="000000"/>
+                </a:solidFill>
+                <a:latin typeface="Consolas" panose="020B0609020204030204" pitchFamily="49" charset="0"/>
+              </a:rPr>
+              <a:t>(o))</a:t>
+            </a:r>
+          </a:p>
+          <a:p>
+            <a:r>
+              <a:rPr lang="en-US" sz="2400" dirty="0">
+                <a:solidFill>
+                  <a:srgbClr val="000000"/>
+                </a:solidFill>
+                <a:latin typeface="Consolas" panose="020B0609020204030204" pitchFamily="49" charset="0"/>
+              </a:rPr>
+              <a:t>        </a:t>
+            </a:r>
+            <a:r>
+              <a:rPr lang="en-US" sz="2400" dirty="0" err="1">
+                <a:solidFill>
+                  <a:srgbClr val="000000"/>
+                </a:solidFill>
+                <a:latin typeface="Consolas" panose="020B0609020204030204" pitchFamily="49" charset="0"/>
+              </a:rPr>
+              <a:t>PrintObject</a:t>
+            </a:r>
+            <a:r>
+              <a:rPr lang="en-US" sz="2400" dirty="0">
+                <a:solidFill>
+                  <a:srgbClr val="000000"/>
+                </a:solidFill>
+                <a:latin typeface="Consolas" panose="020B0609020204030204" pitchFamily="49" charset="0"/>
+              </a:rPr>
+              <a:t>(child, </a:t>
+            </a:r>
+            <a:r>
+              <a:rPr lang="en-US" sz="2600" b="1" dirty="0">
+                <a:solidFill>
+                  <a:srgbClr val="000000"/>
+                </a:solidFill>
+                <a:latin typeface="Consolas" panose="020B0609020204030204" pitchFamily="49" charset="0"/>
+              </a:rPr>
+              <a:t>depth - 1</a:t>
+            </a:r>
+            <a:r>
+              <a:rPr lang="en-US" sz="2400" dirty="0">
+                <a:solidFill>
+                  <a:srgbClr val="000000"/>
+                </a:solidFill>
+                <a:latin typeface="Consolas" panose="020B0609020204030204" pitchFamily="49" charset="0"/>
+              </a:rPr>
+              <a:t>);</a:t>
+            </a:r>
+          </a:p>
+          <a:p>
+            <a:r>
+              <a:rPr lang="en-US" sz="2400" dirty="0">
+                <a:solidFill>
+                  <a:srgbClr val="000000"/>
+                </a:solidFill>
+                <a:latin typeface="Consolas" panose="020B0609020204030204" pitchFamily="49" charset="0"/>
+              </a:rPr>
+              <a:t>}</a:t>
+            </a:r>
             <a:endParaRPr lang="ru-RU" dirty="0"/>
-          </a:p>
-          <a:p>
-            <a:pPr marL="514350" indent="-514350">
-              <a:buAutoNum type="arabicPeriod"/>
-            </a:pPr>
-            <a:r>
-              <a:rPr lang="ru-RU" dirty="0"/>
-              <a:t>Возникает при некорректной работе с памятью</a:t>
-            </a:r>
-          </a:p>
-          <a:p>
-            <a:pPr marL="514350" indent="-514350">
-              <a:buAutoNum type="arabicPeriod"/>
-            </a:pPr>
-            <a:r>
-              <a:rPr lang="ru-RU" dirty="0"/>
-              <a:t>Аналогично </a:t>
-            </a:r>
-            <a:r>
-              <a:rPr lang="en-US" dirty="0" err="1"/>
-              <a:t>StackOverflow</a:t>
-            </a:r>
-            <a:r>
-              <a:rPr lang="en-US" dirty="0"/>
-              <a:t> – </a:t>
-            </a:r>
-            <a:r>
-              <a:rPr lang="ru-RU" dirty="0"/>
-              <a:t>поведение зависит от кода, выбросившего исключение</a:t>
-            </a:r>
-          </a:p>
-          <a:p>
-            <a:pPr marL="514350" indent="-514350">
-              <a:buAutoNum type="arabicPeriod"/>
-            </a:pPr>
-            <a:r>
-              <a:rPr lang="ru-RU" dirty="0"/>
-              <a:t>Можно перехватить:</a:t>
-            </a:r>
-          </a:p>
-          <a:p>
-            <a:pPr lvl="1" indent="0">
-              <a:buNone/>
-            </a:pPr>
-            <a:r>
-              <a:rPr lang="en-US" dirty="0">
-                <a:latin typeface="Consolas" panose="020B0609020204030204" pitchFamily="49" charset="0"/>
-              </a:rPr>
-              <a:t>[</a:t>
-            </a:r>
-            <a:r>
-              <a:rPr lang="en-US" dirty="0" err="1">
-                <a:solidFill>
-                  <a:srgbClr val="2B91AF"/>
-                </a:solidFill>
-                <a:latin typeface="Consolas" panose="020B0609020204030204" pitchFamily="49" charset="0"/>
-              </a:rPr>
-              <a:t>HandleProcessCorruptedStateExceptions</a:t>
-            </a:r>
-            <a:r>
-              <a:rPr lang="en-US" dirty="0">
-                <a:latin typeface="Consolas" panose="020B0609020204030204" pitchFamily="49" charset="0"/>
-              </a:rPr>
-              <a:t>]</a:t>
-            </a:r>
           </a:p>
         </p:txBody>
       </p:sp>
@@ -27237,12 +28038,8 @@
           <a:lstStyle/>
           <a:p>
             <a:r>
-              <a:rPr lang="en-US" dirty="0" err="1"/>
-              <a:t>AcCeSS</a:t>
-            </a:r>
-            <a:r>
-              <a:rPr lang="en-US" dirty="0"/>
-              <a:t> VIOLATION</a:t>
+              <a:rPr lang="en-US" cap="none" dirty="0"/>
+              <a:t>Stack overflow</a:t>
             </a:r>
             <a:endParaRPr lang="ru-RU" dirty="0"/>
           </a:p>
@@ -27422,6 +28219,1085 @@
             </a:lvl9pPr>
           </a:lstStyle>
           <a:p>
+            <a:r>
+              <a:rPr lang="en-US" sz="2000" dirty="0">
+                <a:solidFill>
+                  <a:srgbClr val="000000"/>
+                </a:solidFill>
+                <a:latin typeface="Consolas" panose="020B0609020204030204" pitchFamily="49" charset="0"/>
+              </a:rPr>
+              <a:t/>
+            </a:r>
+            <a:br>
+              <a:rPr lang="en-US" sz="2000" dirty="0">
+                <a:solidFill>
+                  <a:srgbClr val="000000"/>
+                </a:solidFill>
+                <a:latin typeface="Consolas" panose="020B0609020204030204" pitchFamily="49" charset="0"/>
+              </a:rPr>
+            </a:br>
+            <a:endParaRPr lang="ru-RU" dirty="0"/>
+          </a:p>
+        </p:txBody>
+      </p:sp>
+    </p:spTree>
+    <p:extLst>
+      <p:ext uri="{BB962C8B-B14F-4D97-AF65-F5344CB8AC3E}">
+        <p14:creationId xmlns:p14="http://schemas.microsoft.com/office/powerpoint/2010/main" val="4139433949"/>
+      </p:ext>
+    </p:extLst>
+  </p:cSld>
+  <p:clrMapOvr>
+    <a:masterClrMapping/>
+  </p:clrMapOvr>
+</p:sld>
+</file>
+
+<file path=ppt/slides/slide32.xml><?xml version="1.0" encoding="utf-8"?>
+<p:sld xmlns:a="http://schemas.openxmlformats.org/drawingml/2006/main" xmlns:r="http://schemas.openxmlformats.org/officeDocument/2006/relationships" xmlns:p="http://schemas.openxmlformats.org/presentationml/2006/main">
+  <p:cSld>
+    <p:spTree>
+      <p:nvGrpSpPr>
+        <p:cNvPr id="1" name=""/>
+        <p:cNvGrpSpPr/>
+        <p:nvPr/>
+      </p:nvGrpSpPr>
+      <p:grpSpPr>
+        <a:xfrm>
+          <a:off x="0" y="0"/>
+          <a:ext cx="0" cy="0"/>
+          <a:chOff x="0" y="0"/>
+          <a:chExt cx="0" cy="0"/>
+        </a:xfrm>
+      </p:grpSpPr>
+      <p:sp>
+        <p:nvSpPr>
+          <p:cNvPr id="3" name="Заголовок 2"/>
+          <p:cNvSpPr>
+            <a:spLocks noGrp="1"/>
+          </p:cNvSpPr>
+          <p:nvPr>
+            <p:ph type="title"/>
+          </p:nvPr>
+        </p:nvSpPr>
+        <p:spPr/>
+        <p:txBody>
+          <a:bodyPr/>
+          <a:lstStyle/>
+          <a:p>
+            <a:r>
+              <a:rPr lang="en-US" cap="none" dirty="0" smtClean="0"/>
+              <a:t>Unsafe code</a:t>
+            </a:r>
+            <a:endParaRPr lang="ru-RU" cap="none" dirty="0"/>
+          </a:p>
+        </p:txBody>
+      </p:sp>
+      <p:sp>
+        <p:nvSpPr>
+          <p:cNvPr id="4" name="Rectangle 1"/>
+          <p:cNvSpPr>
+            <a:spLocks noGrp="1" noChangeArrowheads="1"/>
+          </p:cNvSpPr>
+          <p:nvPr>
+            <p:ph sz="quarter" idx="13"/>
+          </p:nvPr>
+        </p:nvSpPr>
+        <p:spPr bwMode="auto">
+          <a:xfrm>
+            <a:off x="1295469" y="1628800"/>
+            <a:ext cx="5791970" cy="3046988"/>
+          </a:xfrm>
+          <a:prstGeom prst="rect">
+            <a:avLst/>
+          </a:prstGeom>
+          <a:solidFill>
+            <a:srgbClr val="FFFFFF"/>
+          </a:solidFill>
+          <a:ln>
+            <a:noFill/>
+          </a:ln>
+          <a:effectLst/>
+          <a:extLst>
+            <a:ext uri="{91240B29-F687-4F45-9708-019B960494DF}">
+              <a14:hiddenLine xmlns:a14="http://schemas.microsoft.com/office/drawing/2010/main" w="9525">
+                <a:solidFill>
+                  <a:schemeClr val="tx1"/>
+                </a:solidFill>
+                <a:miter lim="800000"/>
+                <a:headEnd/>
+                <a:tailEnd/>
+              </a14:hiddenLine>
+            </a:ext>
+            <a:ext uri="{AF507438-7753-43E0-B8FC-AC1667EBCBE1}">
+              <a14:hiddenEffects xmlns:a14="http://schemas.microsoft.com/office/drawing/2010/main">
+                <a:effectLst>
+                  <a:outerShdw dist="35921" dir="2700000" algn="ctr" rotWithShape="0">
+                    <a:schemeClr val="bg2"/>
+                  </a:outerShdw>
+                </a:effectLst>
+              </a14:hiddenEffects>
+            </a:ext>
+          </a:extLst>
+        </p:spPr>
+        <p:txBody>
+          <a:bodyPr vert="horz" wrap="none" lIns="91440" tIns="45720" rIns="91440" bIns="45720" numCol="1" anchor="ctr" anchorCtr="0" compatLnSpc="1">
+            <a:prstTxWarp prst="textNoShape">
+              <a:avLst/>
+            </a:prstTxWarp>
+            <a:spAutoFit/>
+          </a:bodyPr>
+          <a:lstStyle/>
+          <a:p>
+            <a:pPr marL="0" marR="0" lvl="0" indent="0" algn="l" defTabSz="914400" rtl="0" eaLnBrk="0" fontAlgn="base" latinLnBrk="0" hangingPunct="0">
+              <a:lnSpc>
+                <a:spcPct val="100000"/>
+              </a:lnSpc>
+              <a:spcBef>
+                <a:spcPct val="0"/>
+              </a:spcBef>
+              <a:spcAft>
+                <a:spcPct val="0"/>
+              </a:spcAft>
+              <a:buClrTx/>
+              <a:buSzTx/>
+              <a:buFontTx/>
+              <a:buNone/>
+              <a:tabLst/>
+            </a:pPr>
+            <a:r>
+              <a:rPr kumimoji="0" lang="ru-RU" altLang="ru-RU" sz="2400" b="0" i="0" u="none" strike="noStrike" cap="none" normalizeH="0" baseline="0" dirty="0" err="1" smtClean="0">
+                <a:ln>
+                  <a:noFill/>
+                </a:ln>
+                <a:solidFill>
+                  <a:srgbClr val="0000E0"/>
+                </a:solidFill>
+                <a:effectLst/>
+                <a:latin typeface="Consolas" panose="020B0609020204030204" pitchFamily="49" charset="0"/>
+              </a:rPr>
+              <a:t>unsafe</a:t>
+            </a:r>
+            <a:r>
+              <a:rPr kumimoji="0" lang="ru-RU" altLang="ru-RU" sz="2400" b="0" i="0" u="none" strike="noStrike" cap="none" normalizeH="0" baseline="0" dirty="0" smtClean="0">
+                <a:ln>
+                  <a:noFill/>
+                </a:ln>
+                <a:solidFill>
+                  <a:srgbClr val="0000E0"/>
+                </a:solidFill>
+                <a:effectLst/>
+                <a:latin typeface="Consolas" panose="020B0609020204030204" pitchFamily="49" charset="0"/>
+              </a:rPr>
+              <a:t> </a:t>
+            </a:r>
+            <a:r>
+              <a:rPr kumimoji="0" lang="ru-RU" altLang="ru-RU" sz="2400" b="0" i="0" u="none" strike="noStrike" cap="none" normalizeH="0" baseline="0" dirty="0" err="1" smtClean="0">
+                <a:ln>
+                  <a:noFill/>
+                </a:ln>
+                <a:solidFill>
+                  <a:srgbClr val="0000E0"/>
+                </a:solidFill>
+                <a:effectLst/>
+                <a:latin typeface="Consolas" panose="020B0609020204030204" pitchFamily="49" charset="0"/>
+              </a:rPr>
+              <a:t>struct</a:t>
+            </a:r>
+            <a:r>
+              <a:rPr kumimoji="0" lang="ru-RU" altLang="ru-RU" sz="2400" b="0" i="0" u="none" strike="noStrike" cap="none" normalizeH="0" baseline="0" dirty="0" smtClean="0">
+                <a:ln>
+                  <a:noFill/>
+                </a:ln>
+                <a:solidFill>
+                  <a:srgbClr val="0000E0"/>
+                </a:solidFill>
+                <a:effectLst/>
+                <a:latin typeface="Consolas" panose="020B0609020204030204" pitchFamily="49" charset="0"/>
+              </a:rPr>
+              <a:t> </a:t>
+            </a:r>
+            <a:r>
+              <a:rPr kumimoji="0" lang="ru-RU" altLang="ru-RU" sz="2400" b="0" i="0" u="none" strike="noStrike" cap="none" normalizeH="0" baseline="0" dirty="0" err="1" smtClean="0">
+                <a:ln>
+                  <a:noFill/>
+                </a:ln>
+                <a:solidFill>
+                  <a:srgbClr val="00008B"/>
+                </a:solidFill>
+                <a:effectLst/>
+                <a:latin typeface="Consolas" panose="020B0609020204030204" pitchFamily="49" charset="0"/>
+              </a:rPr>
+              <a:t>Struct</a:t>
+            </a:r>
+            <a:r>
+              <a:rPr kumimoji="0" lang="ru-RU" altLang="ru-RU" sz="2400" b="0" i="0" u="none" strike="noStrike" cap="none" normalizeH="0" baseline="0" dirty="0" smtClean="0">
+                <a:ln>
+                  <a:noFill/>
+                </a:ln>
+                <a:solidFill>
+                  <a:srgbClr val="00008B"/>
+                </a:solidFill>
+                <a:effectLst/>
+                <a:latin typeface="Consolas" panose="020B0609020204030204" pitchFamily="49" charset="0"/>
+              </a:rPr>
+              <a:t/>
+            </a:r>
+            <a:br>
+              <a:rPr kumimoji="0" lang="ru-RU" altLang="ru-RU" sz="2400" b="0" i="0" u="none" strike="noStrike" cap="none" normalizeH="0" baseline="0" dirty="0" smtClean="0">
+                <a:ln>
+                  <a:noFill/>
+                </a:ln>
+                <a:solidFill>
+                  <a:srgbClr val="00008B"/>
+                </a:solidFill>
+                <a:effectLst/>
+                <a:latin typeface="Consolas" panose="020B0609020204030204" pitchFamily="49" charset="0"/>
+              </a:rPr>
+            </a:br>
+            <a:r>
+              <a:rPr kumimoji="0" lang="ru-RU" altLang="ru-RU" sz="2400" b="0" i="0" u="none" strike="noStrike" cap="none" normalizeH="0" baseline="0" dirty="0" smtClean="0">
+                <a:ln>
+                  <a:noFill/>
+                </a:ln>
+                <a:solidFill>
+                  <a:srgbClr val="000000"/>
+                </a:solidFill>
+                <a:effectLst/>
+                <a:latin typeface="Consolas" panose="020B0609020204030204" pitchFamily="49" charset="0"/>
+              </a:rPr>
+              <a:t>{</a:t>
+            </a:r>
+            <a:br>
+              <a:rPr kumimoji="0" lang="ru-RU" altLang="ru-RU" sz="2400" b="0" i="0" u="none" strike="noStrike" cap="none" normalizeH="0" baseline="0" dirty="0" smtClean="0">
+                <a:ln>
+                  <a:noFill/>
+                </a:ln>
+                <a:solidFill>
+                  <a:srgbClr val="000000"/>
+                </a:solidFill>
+                <a:effectLst/>
+                <a:latin typeface="Consolas" panose="020B0609020204030204" pitchFamily="49" charset="0"/>
+              </a:rPr>
+            </a:br>
+            <a:r>
+              <a:rPr kumimoji="0" lang="ru-RU" altLang="ru-RU" sz="2400" b="0" i="0" u="none" strike="noStrike" cap="none" normalizeH="0" baseline="0" dirty="0" smtClean="0">
+                <a:ln>
+                  <a:noFill/>
+                </a:ln>
+                <a:solidFill>
+                  <a:srgbClr val="000000"/>
+                </a:solidFill>
+                <a:effectLst/>
+                <a:latin typeface="Consolas" panose="020B0609020204030204" pitchFamily="49" charset="0"/>
+              </a:rPr>
+              <a:t>    </a:t>
+            </a:r>
+            <a:r>
+              <a:rPr kumimoji="0" lang="ru-RU" altLang="ru-RU" sz="2400" b="0" i="0" u="none" strike="noStrike" cap="none" normalizeH="0" baseline="0" dirty="0" err="1" smtClean="0">
+                <a:ln>
+                  <a:noFill/>
+                </a:ln>
+                <a:solidFill>
+                  <a:srgbClr val="0000E0"/>
+                </a:solidFill>
+                <a:effectLst/>
+                <a:latin typeface="Consolas" panose="020B0609020204030204" pitchFamily="49" charset="0"/>
+              </a:rPr>
+              <a:t>fixed</a:t>
+            </a:r>
+            <a:r>
+              <a:rPr kumimoji="0" lang="ru-RU" altLang="ru-RU" sz="2400" b="0" i="0" u="none" strike="noStrike" cap="none" normalizeH="0" baseline="0" dirty="0" smtClean="0">
+                <a:ln>
+                  <a:noFill/>
+                </a:ln>
+                <a:solidFill>
+                  <a:srgbClr val="0000E0"/>
+                </a:solidFill>
+                <a:effectLst/>
+                <a:latin typeface="Consolas" panose="020B0609020204030204" pitchFamily="49" charset="0"/>
+              </a:rPr>
+              <a:t> </a:t>
+            </a:r>
+            <a:r>
+              <a:rPr kumimoji="0" lang="ru-RU" altLang="ru-RU" sz="2400" b="0" i="0" u="none" strike="noStrike" cap="none" normalizeH="0" baseline="0" dirty="0" err="1" smtClean="0">
+                <a:ln>
+                  <a:noFill/>
+                </a:ln>
+                <a:solidFill>
+                  <a:srgbClr val="0000E0"/>
+                </a:solidFill>
+                <a:effectLst/>
+                <a:latin typeface="Consolas" panose="020B0609020204030204" pitchFamily="49" charset="0"/>
+              </a:rPr>
+              <a:t>byte</a:t>
+            </a:r>
+            <a:r>
+              <a:rPr kumimoji="0" lang="ru-RU" altLang="ru-RU" sz="2400" b="0" i="0" u="none" strike="noStrike" cap="none" normalizeH="0" baseline="0" dirty="0" smtClean="0">
+                <a:ln>
+                  <a:noFill/>
+                </a:ln>
+                <a:solidFill>
+                  <a:srgbClr val="0000E0"/>
+                </a:solidFill>
+                <a:effectLst/>
+                <a:latin typeface="Consolas" panose="020B0609020204030204" pitchFamily="49" charset="0"/>
+              </a:rPr>
+              <a:t> </a:t>
+            </a:r>
+            <a:r>
+              <a:rPr kumimoji="0" lang="ru-RU" altLang="ru-RU" sz="2400" b="0" i="0" u="none" strike="noStrike" cap="none" normalizeH="0" baseline="0" dirty="0" err="1" smtClean="0">
+                <a:ln>
+                  <a:noFill/>
+                </a:ln>
+                <a:solidFill>
+                  <a:srgbClr val="800080"/>
+                </a:solidFill>
+                <a:effectLst/>
+                <a:latin typeface="Consolas" panose="020B0609020204030204" pitchFamily="49" charset="0"/>
+              </a:rPr>
+              <a:t>array</a:t>
+            </a:r>
+            <a:r>
+              <a:rPr kumimoji="0" lang="ru-RU" altLang="ru-RU" sz="2400" b="0" i="0" u="none" strike="noStrike" cap="none" normalizeH="0" baseline="0" dirty="0" smtClean="0">
+                <a:ln>
+                  <a:noFill/>
+                </a:ln>
+                <a:solidFill>
+                  <a:srgbClr val="000000"/>
+                </a:solidFill>
+                <a:effectLst/>
+                <a:latin typeface="Consolas" panose="020B0609020204030204" pitchFamily="49" charset="0"/>
+              </a:rPr>
+              <a:t>[48];</a:t>
+            </a:r>
+            <a:br>
+              <a:rPr kumimoji="0" lang="ru-RU" altLang="ru-RU" sz="2400" b="0" i="0" u="none" strike="noStrike" cap="none" normalizeH="0" baseline="0" dirty="0" smtClean="0">
+                <a:ln>
+                  <a:noFill/>
+                </a:ln>
+                <a:solidFill>
+                  <a:srgbClr val="000000"/>
+                </a:solidFill>
+                <a:effectLst/>
+                <a:latin typeface="Consolas" panose="020B0609020204030204" pitchFamily="49" charset="0"/>
+              </a:rPr>
+            </a:br>
+            <a:r>
+              <a:rPr kumimoji="0" lang="ru-RU" altLang="ru-RU" sz="2400" b="0" i="0" u="none" strike="noStrike" cap="none" normalizeH="0" baseline="0" dirty="0" smtClean="0">
+                <a:ln>
+                  <a:noFill/>
+                </a:ln>
+                <a:solidFill>
+                  <a:srgbClr val="000000"/>
+                </a:solidFill>
+                <a:effectLst/>
+                <a:latin typeface="Consolas" panose="020B0609020204030204" pitchFamily="49" charset="0"/>
+              </a:rPr>
+              <a:t>    </a:t>
+            </a:r>
+            <a:r>
+              <a:rPr kumimoji="0" lang="ru-RU" altLang="ru-RU" sz="2400" b="0" i="0" u="none" strike="noStrike" cap="none" normalizeH="0" baseline="0" dirty="0" err="1" smtClean="0">
+                <a:ln>
+                  <a:noFill/>
+                </a:ln>
+                <a:solidFill>
+                  <a:srgbClr val="0000E0"/>
+                </a:solidFill>
+                <a:effectLst/>
+                <a:latin typeface="Consolas" panose="020B0609020204030204" pitchFamily="49" charset="0"/>
+              </a:rPr>
+              <a:t>void</a:t>
+            </a:r>
+            <a:r>
+              <a:rPr kumimoji="0" lang="ru-RU" altLang="ru-RU" sz="2400" b="0" i="0" u="none" strike="noStrike" cap="none" normalizeH="0" baseline="0" dirty="0" smtClean="0">
+                <a:ln>
+                  <a:noFill/>
+                </a:ln>
+                <a:solidFill>
+                  <a:srgbClr val="000000"/>
+                </a:solidFill>
+                <a:effectLst/>
+                <a:latin typeface="Consolas" panose="020B0609020204030204" pitchFamily="49" charset="0"/>
+              </a:rPr>
+              <a:t>* </a:t>
+            </a:r>
+            <a:r>
+              <a:rPr kumimoji="0" lang="ru-RU" altLang="ru-RU" sz="2400" b="0" i="0" u="none" strike="noStrike" cap="none" normalizeH="0" baseline="0" dirty="0" err="1" smtClean="0">
+                <a:ln>
+                  <a:noFill/>
+                </a:ln>
+                <a:solidFill>
+                  <a:srgbClr val="800080"/>
+                </a:solidFill>
+                <a:effectLst/>
+                <a:latin typeface="Consolas" panose="020B0609020204030204" pitchFamily="49" charset="0"/>
+              </a:rPr>
+              <a:t>ptr</a:t>
+            </a:r>
+            <a:r>
+              <a:rPr kumimoji="0" lang="ru-RU" altLang="ru-RU" sz="2400" b="0" i="0" u="none" strike="noStrike" cap="none" normalizeH="0" baseline="0" dirty="0" smtClean="0">
+                <a:ln>
+                  <a:noFill/>
+                </a:ln>
+                <a:solidFill>
+                  <a:srgbClr val="000000"/>
+                </a:solidFill>
+                <a:effectLst/>
+                <a:latin typeface="Consolas" panose="020B0609020204030204" pitchFamily="49" charset="0"/>
+              </a:rPr>
+              <a:t>;</a:t>
+            </a:r>
+            <a:br>
+              <a:rPr kumimoji="0" lang="ru-RU" altLang="ru-RU" sz="2400" b="0" i="0" u="none" strike="noStrike" cap="none" normalizeH="0" baseline="0" dirty="0" smtClean="0">
+                <a:ln>
+                  <a:noFill/>
+                </a:ln>
+                <a:solidFill>
+                  <a:srgbClr val="000000"/>
+                </a:solidFill>
+                <a:effectLst/>
+                <a:latin typeface="Consolas" panose="020B0609020204030204" pitchFamily="49" charset="0"/>
+              </a:rPr>
+            </a:br>
+            <a:r>
+              <a:rPr kumimoji="0" lang="ru-RU" altLang="ru-RU" sz="2400" b="0" i="0" u="none" strike="noStrike" cap="none" normalizeH="0" baseline="0" dirty="0" smtClean="0">
+                <a:ln>
+                  <a:noFill/>
+                </a:ln>
+                <a:solidFill>
+                  <a:srgbClr val="000000"/>
+                </a:solidFill>
+                <a:effectLst/>
+                <a:latin typeface="Consolas" panose="020B0609020204030204" pitchFamily="49" charset="0"/>
+              </a:rPr>
+              <a:t/>
+            </a:r>
+            <a:br>
+              <a:rPr kumimoji="0" lang="ru-RU" altLang="ru-RU" sz="2400" b="0" i="0" u="none" strike="noStrike" cap="none" normalizeH="0" baseline="0" dirty="0" smtClean="0">
+                <a:ln>
+                  <a:noFill/>
+                </a:ln>
+                <a:solidFill>
+                  <a:srgbClr val="000000"/>
+                </a:solidFill>
+                <a:effectLst/>
+                <a:latin typeface="Consolas" panose="020B0609020204030204" pitchFamily="49" charset="0"/>
+              </a:rPr>
+            </a:br>
+            <a:r>
+              <a:rPr kumimoji="0" lang="ru-RU" altLang="ru-RU" sz="2400" b="0" i="0" u="none" strike="noStrike" cap="none" normalizeH="0" baseline="0" dirty="0" smtClean="0">
+                <a:ln>
+                  <a:noFill/>
+                </a:ln>
+                <a:solidFill>
+                  <a:srgbClr val="000000"/>
+                </a:solidFill>
+                <a:effectLst/>
+                <a:latin typeface="Consolas" panose="020B0609020204030204" pitchFamily="49" charset="0"/>
+              </a:rPr>
+              <a:t>    </a:t>
+            </a:r>
+            <a:r>
+              <a:rPr kumimoji="0" lang="ru-RU" altLang="ru-RU" sz="2400" b="0" i="0" u="none" strike="noStrike" cap="none" normalizeH="0" baseline="0" dirty="0" err="1" smtClean="0">
+                <a:ln>
+                  <a:noFill/>
+                </a:ln>
+                <a:solidFill>
+                  <a:srgbClr val="0000E0"/>
+                </a:solidFill>
+                <a:effectLst/>
+                <a:latin typeface="Consolas" panose="020B0609020204030204" pitchFamily="49" charset="0"/>
+              </a:rPr>
+              <a:t>static</a:t>
+            </a:r>
+            <a:r>
+              <a:rPr kumimoji="0" lang="ru-RU" altLang="ru-RU" sz="2400" b="0" i="0" u="none" strike="noStrike" cap="none" normalizeH="0" baseline="0" dirty="0" smtClean="0">
+                <a:ln>
+                  <a:noFill/>
+                </a:ln>
+                <a:solidFill>
+                  <a:srgbClr val="0000E0"/>
+                </a:solidFill>
+                <a:effectLst/>
+                <a:latin typeface="Consolas" panose="020B0609020204030204" pitchFamily="49" charset="0"/>
+              </a:rPr>
+              <a:t> </a:t>
+            </a:r>
+            <a:r>
+              <a:rPr kumimoji="0" lang="ru-RU" altLang="ru-RU" sz="2400" b="0" i="0" u="none" strike="noStrike" cap="none" normalizeH="0" baseline="0" dirty="0" err="1" smtClean="0">
+                <a:ln>
+                  <a:noFill/>
+                </a:ln>
+                <a:solidFill>
+                  <a:srgbClr val="0000E0"/>
+                </a:solidFill>
+                <a:effectLst/>
+                <a:latin typeface="Consolas" panose="020B0609020204030204" pitchFamily="49" charset="0"/>
+              </a:rPr>
+              <a:t>float</a:t>
+            </a:r>
+            <a:r>
+              <a:rPr kumimoji="0" lang="ru-RU" altLang="ru-RU" sz="2400" b="0" i="0" u="none" strike="noStrike" cap="none" normalizeH="0" baseline="0" dirty="0" smtClean="0">
+                <a:ln>
+                  <a:noFill/>
+                </a:ln>
+                <a:solidFill>
+                  <a:srgbClr val="0000E0"/>
+                </a:solidFill>
+                <a:effectLst/>
+                <a:latin typeface="Consolas" panose="020B0609020204030204" pitchFamily="49" charset="0"/>
+              </a:rPr>
+              <a:t> </a:t>
+            </a:r>
+            <a:r>
+              <a:rPr kumimoji="0" lang="ru-RU" altLang="ru-RU" sz="2400" b="0" i="0" u="none" strike="noStrike" cap="none" normalizeH="0" baseline="0" dirty="0" err="1" smtClean="0">
+                <a:ln>
+                  <a:noFill/>
+                </a:ln>
+                <a:solidFill>
+                  <a:srgbClr val="008B8B"/>
+                </a:solidFill>
+                <a:effectLst/>
+                <a:latin typeface="Consolas" panose="020B0609020204030204" pitchFamily="49" charset="0"/>
+              </a:rPr>
+              <a:t>ToFloat</a:t>
+            </a:r>
+            <a:r>
+              <a:rPr kumimoji="0" lang="ru-RU" altLang="ru-RU" sz="2400" b="0" i="0" u="none" strike="noStrike" cap="none" normalizeH="0" baseline="0" dirty="0" smtClean="0">
+                <a:ln>
+                  <a:noFill/>
+                </a:ln>
+                <a:solidFill>
+                  <a:srgbClr val="000000"/>
+                </a:solidFill>
+                <a:effectLst/>
+                <a:latin typeface="Consolas" panose="020B0609020204030204" pitchFamily="49" charset="0"/>
+              </a:rPr>
+              <a:t>(</a:t>
+            </a:r>
+            <a:r>
+              <a:rPr kumimoji="0" lang="ru-RU" altLang="ru-RU" sz="2400" b="0" i="0" u="none" strike="noStrike" cap="none" normalizeH="0" baseline="0" dirty="0" err="1" smtClean="0">
+                <a:ln>
+                  <a:noFill/>
+                </a:ln>
+                <a:solidFill>
+                  <a:srgbClr val="0000E0"/>
+                </a:solidFill>
+                <a:effectLst/>
+                <a:latin typeface="Consolas" panose="020B0609020204030204" pitchFamily="49" charset="0"/>
+              </a:rPr>
+              <a:t>int</a:t>
+            </a:r>
+            <a:r>
+              <a:rPr kumimoji="0" lang="ru-RU" altLang="ru-RU" sz="2400" b="0" i="0" u="none" strike="noStrike" cap="none" normalizeH="0" baseline="0" dirty="0" smtClean="0">
+                <a:ln>
+                  <a:noFill/>
+                </a:ln>
+                <a:solidFill>
+                  <a:srgbClr val="0000E0"/>
+                </a:solidFill>
+                <a:effectLst/>
+                <a:latin typeface="Consolas" panose="020B0609020204030204" pitchFamily="49" charset="0"/>
+              </a:rPr>
+              <a:t> </a:t>
+            </a:r>
+            <a:r>
+              <a:rPr kumimoji="0" lang="ru-RU" altLang="ru-RU" sz="2400" b="0" i="0" u="none" strike="noStrike" cap="none" normalizeH="0" baseline="0" dirty="0" err="1" smtClean="0">
+                <a:ln>
+                  <a:noFill/>
+                </a:ln>
+                <a:solidFill>
+                  <a:srgbClr val="000000"/>
+                </a:solidFill>
+                <a:effectLst/>
+                <a:latin typeface="Consolas" panose="020B0609020204030204" pitchFamily="49" charset="0"/>
+              </a:rPr>
+              <a:t>val</a:t>
+            </a:r>
+            <a:r>
+              <a:rPr kumimoji="0" lang="ru-RU" altLang="ru-RU" sz="2400" b="0" i="0" u="none" strike="noStrike" cap="none" normalizeH="0" baseline="0" dirty="0" smtClean="0">
+                <a:ln>
+                  <a:noFill/>
+                </a:ln>
+                <a:solidFill>
+                  <a:srgbClr val="000000"/>
+                </a:solidFill>
+                <a:effectLst/>
+                <a:latin typeface="Consolas" panose="020B0609020204030204" pitchFamily="49" charset="0"/>
+              </a:rPr>
+              <a:t>)</a:t>
+            </a:r>
+            <a:br>
+              <a:rPr kumimoji="0" lang="ru-RU" altLang="ru-RU" sz="2400" b="0" i="0" u="none" strike="noStrike" cap="none" normalizeH="0" baseline="0" dirty="0" smtClean="0">
+                <a:ln>
+                  <a:noFill/>
+                </a:ln>
+                <a:solidFill>
+                  <a:srgbClr val="000000"/>
+                </a:solidFill>
+                <a:effectLst/>
+                <a:latin typeface="Consolas" panose="020B0609020204030204" pitchFamily="49" charset="0"/>
+              </a:rPr>
+            </a:br>
+            <a:r>
+              <a:rPr kumimoji="0" lang="ru-RU" altLang="ru-RU" sz="2400" b="0" i="0" u="none" strike="noStrike" cap="none" normalizeH="0" baseline="0" dirty="0" smtClean="0">
+                <a:ln>
+                  <a:noFill/>
+                </a:ln>
+                <a:solidFill>
+                  <a:srgbClr val="000000"/>
+                </a:solidFill>
+                <a:effectLst/>
+                <a:latin typeface="Consolas" panose="020B0609020204030204" pitchFamily="49" charset="0"/>
+              </a:rPr>
+              <a:t>        =&gt; *(</a:t>
+            </a:r>
+            <a:r>
+              <a:rPr kumimoji="0" lang="ru-RU" altLang="ru-RU" sz="2400" b="0" i="0" u="none" strike="noStrike" cap="none" normalizeH="0" baseline="0" dirty="0" err="1" smtClean="0">
+                <a:ln>
+                  <a:noFill/>
+                </a:ln>
+                <a:solidFill>
+                  <a:srgbClr val="0000E0"/>
+                </a:solidFill>
+                <a:effectLst/>
+                <a:latin typeface="Consolas" panose="020B0609020204030204" pitchFamily="49" charset="0"/>
+              </a:rPr>
+              <a:t>float</a:t>
+            </a:r>
+            <a:r>
+              <a:rPr kumimoji="0" lang="ru-RU" altLang="ru-RU" sz="2400" b="0" i="0" u="none" strike="noStrike" cap="none" normalizeH="0" baseline="0" dirty="0" smtClean="0">
+                <a:ln>
+                  <a:noFill/>
+                </a:ln>
+                <a:solidFill>
+                  <a:srgbClr val="000000"/>
+                </a:solidFill>
+                <a:effectLst/>
+                <a:latin typeface="Consolas" panose="020B0609020204030204" pitchFamily="49" charset="0"/>
+              </a:rPr>
+              <a:t>*) &amp;</a:t>
+            </a:r>
+            <a:r>
+              <a:rPr kumimoji="0" lang="ru-RU" altLang="ru-RU" sz="2400" b="1" i="0" u="none" strike="noStrike" cap="none" normalizeH="0" baseline="0" dirty="0" err="1" smtClean="0">
+                <a:ln>
+                  <a:noFill/>
+                </a:ln>
+                <a:solidFill>
+                  <a:srgbClr val="000000"/>
+                </a:solidFill>
+                <a:effectLst/>
+                <a:latin typeface="Consolas" panose="020B0609020204030204" pitchFamily="49" charset="0"/>
+              </a:rPr>
+              <a:t>val</a:t>
+            </a:r>
+            <a:r>
+              <a:rPr kumimoji="0" lang="ru-RU" altLang="ru-RU" sz="2400" b="0" i="0" u="none" strike="noStrike" cap="none" normalizeH="0" baseline="0" dirty="0" smtClean="0">
+                <a:ln>
+                  <a:noFill/>
+                </a:ln>
+                <a:solidFill>
+                  <a:srgbClr val="000000"/>
+                </a:solidFill>
+                <a:effectLst/>
+                <a:latin typeface="Consolas" panose="020B0609020204030204" pitchFamily="49" charset="0"/>
+              </a:rPr>
+              <a:t>;</a:t>
+            </a:r>
+            <a:br>
+              <a:rPr kumimoji="0" lang="ru-RU" altLang="ru-RU" sz="2400" b="0" i="0" u="none" strike="noStrike" cap="none" normalizeH="0" baseline="0" dirty="0" smtClean="0">
+                <a:ln>
+                  <a:noFill/>
+                </a:ln>
+                <a:solidFill>
+                  <a:srgbClr val="000000"/>
+                </a:solidFill>
+                <a:effectLst/>
+                <a:latin typeface="Consolas" panose="020B0609020204030204" pitchFamily="49" charset="0"/>
+              </a:rPr>
+            </a:br>
+            <a:r>
+              <a:rPr kumimoji="0" lang="ru-RU" altLang="ru-RU" sz="2400" b="0" i="0" u="none" strike="noStrike" cap="none" normalizeH="0" baseline="0" dirty="0" smtClean="0">
+                <a:ln>
+                  <a:noFill/>
+                </a:ln>
+                <a:solidFill>
+                  <a:srgbClr val="000000"/>
+                </a:solidFill>
+                <a:effectLst/>
+                <a:latin typeface="Consolas" panose="020B0609020204030204" pitchFamily="49" charset="0"/>
+              </a:rPr>
+              <a:t>}</a:t>
+            </a:r>
+            <a:endParaRPr kumimoji="0" lang="ru-RU" altLang="ru-RU" sz="2400" b="0" i="0" u="none" strike="noStrike" cap="none" normalizeH="0" baseline="0" dirty="0" smtClean="0">
+              <a:ln>
+                <a:noFill/>
+              </a:ln>
+              <a:solidFill>
+                <a:schemeClr val="tx1"/>
+              </a:solidFill>
+              <a:effectLst/>
+              <a:latin typeface="Arial" panose="020B0604020202020204" pitchFamily="34" charset="0"/>
+            </a:endParaRPr>
+          </a:p>
+        </p:txBody>
+      </p:sp>
+    </p:spTree>
+    <p:extLst>
+      <p:ext uri="{BB962C8B-B14F-4D97-AF65-F5344CB8AC3E}">
+        <p14:creationId xmlns:p14="http://schemas.microsoft.com/office/powerpoint/2010/main" val="133206539"/>
+      </p:ext>
+    </p:extLst>
+  </p:cSld>
+  <p:clrMapOvr>
+    <a:masterClrMapping/>
+  </p:clrMapOvr>
+</p:sld>
+</file>
+
+<file path=ppt/slides/slide33.xml><?xml version="1.0" encoding="utf-8"?>
+<p:sld xmlns:a="http://schemas.openxmlformats.org/drawingml/2006/main" xmlns:r="http://schemas.openxmlformats.org/officeDocument/2006/relationships" xmlns:p="http://schemas.openxmlformats.org/presentationml/2006/main">
+  <p:cSld>
+    <p:spTree>
+      <p:nvGrpSpPr>
+        <p:cNvPr id="1" name=""/>
+        <p:cNvGrpSpPr/>
+        <p:nvPr/>
+      </p:nvGrpSpPr>
+      <p:grpSpPr>
+        <a:xfrm>
+          <a:off x="0" y="0"/>
+          <a:ext cx="0" cy="0"/>
+          <a:chOff x="0" y="0"/>
+          <a:chExt cx="0" cy="0"/>
+        </a:xfrm>
+      </p:grpSpPr>
+      <p:sp>
+        <p:nvSpPr>
+          <p:cNvPr id="2" name="Объект 1"/>
+          <p:cNvSpPr>
+            <a:spLocks noGrp="1"/>
+          </p:cNvSpPr>
+          <p:nvPr>
+            <p:ph sz="quarter" idx="13"/>
+          </p:nvPr>
+        </p:nvSpPr>
+        <p:spPr>
+          <a:xfrm>
+            <a:off x="1331001" y="1393340"/>
+            <a:ext cx="9805559" cy="5183905"/>
+          </a:xfrm>
+        </p:spPr>
+        <p:txBody>
+          <a:bodyPr>
+            <a:normAutofit/>
+          </a:bodyPr>
+          <a:lstStyle/>
+          <a:p>
+            <a:pPr marL="514350" indent="-514350">
+              <a:buAutoNum type="arabicPeriod"/>
+            </a:pPr>
+            <a:endParaRPr lang="ru-RU" dirty="0"/>
+          </a:p>
+          <a:p>
+            <a:pPr marL="514350" indent="-514350">
+              <a:buAutoNum type="arabicPeriod"/>
+            </a:pPr>
+            <a:r>
+              <a:rPr lang="ru-RU" sz="2400" dirty="0"/>
+              <a:t>Возникает при некорректной работе с памятью</a:t>
+            </a:r>
+          </a:p>
+          <a:p>
+            <a:pPr marL="514350" indent="-514350">
+              <a:buAutoNum type="arabicPeriod"/>
+            </a:pPr>
+            <a:r>
+              <a:rPr lang="ru-RU" sz="2400" dirty="0"/>
+              <a:t>Аналогично </a:t>
+            </a:r>
+            <a:r>
+              <a:rPr lang="en-US" sz="2400" dirty="0" err="1"/>
+              <a:t>StackOverflow</a:t>
+            </a:r>
+            <a:r>
+              <a:rPr lang="en-US" sz="2400" dirty="0"/>
+              <a:t> – </a:t>
+            </a:r>
+            <a:r>
+              <a:rPr lang="ru-RU" sz="2400" dirty="0"/>
+              <a:t>поведение зависит от кода, выбросившего исключение</a:t>
+            </a:r>
+          </a:p>
+          <a:p>
+            <a:pPr marL="514350" indent="-514350">
+              <a:buAutoNum type="arabicPeriod"/>
+            </a:pPr>
+            <a:r>
+              <a:rPr lang="ru-RU" sz="2400" dirty="0"/>
+              <a:t>Можно </a:t>
+            </a:r>
+            <a:r>
+              <a:rPr lang="ru-RU" sz="2400" dirty="0" smtClean="0"/>
+              <a:t>перехватить</a:t>
+            </a:r>
+            <a:r>
+              <a:rPr lang="en-US" sz="2400" dirty="0" smtClean="0"/>
+              <a:t>, </a:t>
+            </a:r>
+            <a:r>
+              <a:rPr lang="ru-RU" sz="2400" dirty="0" smtClean="0"/>
+              <a:t>если захотеть (на </a:t>
+            </a:r>
+            <a:r>
+              <a:rPr lang="en-US" sz="2400" dirty="0" smtClean="0"/>
+              <a:t>.NET Framework</a:t>
+            </a:r>
+            <a:r>
+              <a:rPr lang="ru-RU" sz="2400" dirty="0" smtClean="0"/>
+              <a:t>)</a:t>
+            </a:r>
+            <a:r>
+              <a:rPr lang="ru-RU" sz="2400" dirty="0" smtClean="0"/>
+              <a:t>:</a:t>
+            </a:r>
+            <a:endParaRPr lang="ru-RU" sz="2400" dirty="0"/>
+          </a:p>
+          <a:p>
+            <a:pPr lvl="1" indent="0">
+              <a:buNone/>
+            </a:pPr>
+            <a:r>
+              <a:rPr lang="en-US" sz="2400" dirty="0">
+                <a:latin typeface="Consolas" panose="020B0609020204030204" pitchFamily="49" charset="0"/>
+              </a:rPr>
+              <a:t>[</a:t>
+            </a:r>
+            <a:r>
+              <a:rPr lang="en-US" sz="2400" dirty="0" err="1">
+                <a:solidFill>
+                  <a:srgbClr val="2B91AF"/>
+                </a:solidFill>
+                <a:latin typeface="Consolas" panose="020B0609020204030204" pitchFamily="49" charset="0"/>
+              </a:rPr>
+              <a:t>HandleProcessCorruptedStateExceptions</a:t>
+            </a:r>
+            <a:r>
+              <a:rPr lang="en-US" dirty="0">
+                <a:latin typeface="Consolas" panose="020B0609020204030204" pitchFamily="49" charset="0"/>
+              </a:rPr>
+              <a:t>]</a:t>
+            </a:r>
+          </a:p>
+        </p:txBody>
+      </p:sp>
+      <p:sp>
+        <p:nvSpPr>
+          <p:cNvPr id="3" name="Заголовок 2"/>
+          <p:cNvSpPr>
+            <a:spLocks noGrp="1"/>
+          </p:cNvSpPr>
+          <p:nvPr>
+            <p:ph type="title"/>
+          </p:nvPr>
+        </p:nvSpPr>
+        <p:spPr/>
+        <p:txBody>
+          <a:bodyPr/>
+          <a:lstStyle/>
+          <a:p>
+            <a:r>
+              <a:rPr lang="en-US" cap="none" dirty="0" smtClean="0"/>
+              <a:t>Access Violation</a:t>
+            </a:r>
+            <a:endParaRPr lang="ru-RU" cap="none" dirty="0"/>
+          </a:p>
+        </p:txBody>
+      </p:sp>
+      <p:sp>
+        <p:nvSpPr>
+          <p:cNvPr id="5" name="Объект 1"/>
+          <p:cNvSpPr txBox="1">
+            <a:spLocks/>
+          </p:cNvSpPr>
+          <p:nvPr/>
+        </p:nvSpPr>
+        <p:spPr>
+          <a:xfrm>
+            <a:off x="5257882" y="1341439"/>
+            <a:ext cx="6934117" cy="4320501"/>
+          </a:xfrm>
+          <a:prstGeom prst="rect">
+            <a:avLst/>
+          </a:prstGeom>
+        </p:spPr>
+        <p:txBody>
+          <a:bodyPr vert="horz" lIns="91440" tIns="45720" rIns="91440" bIns="45720" rtlCol="0">
+            <a:normAutofit/>
+          </a:bodyPr>
+          <a:lstStyle>
+            <a:lvl1pPr marL="0" indent="0" algn="l" defTabSz="914332" rtl="0" eaLnBrk="1" latinLnBrk="0" hangingPunct="1">
+              <a:spcBef>
+                <a:spcPct val="20000"/>
+              </a:spcBef>
+              <a:buClr>
+                <a:schemeClr val="accent1"/>
+              </a:buClr>
+              <a:buFont typeface="Arial" panose="020B0604020202020204" pitchFamily="34" charset="0"/>
+              <a:buNone/>
+              <a:defRPr sz="3200" kern="1200">
+                <a:solidFill>
+                  <a:schemeClr val="tx1"/>
+                </a:solidFill>
+                <a:latin typeface="Segoe UI" panose="020B0502040204020203" pitchFamily="34" charset="0"/>
+                <a:ea typeface="Segoe UI" panose="020B0502040204020203" pitchFamily="34" charset="0"/>
+                <a:cs typeface="Segoe UI" panose="020B0502040204020203" pitchFamily="34" charset="0"/>
+              </a:defRPr>
+            </a:lvl1pPr>
+            <a:lvl2pPr marL="742895" indent="-285730" algn="l" defTabSz="914332" rtl="0" eaLnBrk="1" latinLnBrk="0" hangingPunct="1">
+              <a:spcBef>
+                <a:spcPct val="20000"/>
+              </a:spcBef>
+              <a:buClr>
+                <a:schemeClr val="accent1"/>
+              </a:buClr>
+              <a:buFont typeface="Arial" panose="020B0604020202020204" pitchFamily="34" charset="0"/>
+              <a:buChar char="•"/>
+              <a:defRPr sz="2800" kern="1200">
+                <a:solidFill>
+                  <a:schemeClr val="tx1"/>
+                </a:solidFill>
+                <a:latin typeface="Segoe UI" panose="020B0502040204020203" pitchFamily="34" charset="0"/>
+                <a:ea typeface="Segoe UI" panose="020B0502040204020203" pitchFamily="34" charset="0"/>
+                <a:cs typeface="Segoe UI" panose="020B0502040204020203" pitchFamily="34" charset="0"/>
+              </a:defRPr>
+            </a:lvl2pPr>
+            <a:lvl3pPr marL="1142914" indent="-228584" algn="l" defTabSz="914332" rtl="0" eaLnBrk="1" latinLnBrk="0" hangingPunct="1">
+              <a:spcBef>
+                <a:spcPct val="20000"/>
+              </a:spcBef>
+              <a:buClr>
+                <a:schemeClr val="accent1"/>
+              </a:buClr>
+              <a:buFont typeface="Arial" panose="020B0604020202020204" pitchFamily="34" charset="0"/>
+              <a:buChar char="•"/>
+              <a:defRPr sz="2400" kern="1200">
+                <a:solidFill>
+                  <a:schemeClr val="tx1"/>
+                </a:solidFill>
+                <a:latin typeface="Segoe UI" panose="020B0502040204020203" pitchFamily="34" charset="0"/>
+                <a:ea typeface="Segoe UI" panose="020B0502040204020203" pitchFamily="34" charset="0"/>
+                <a:cs typeface="Segoe UI" panose="020B0502040204020203" pitchFamily="34" charset="0"/>
+              </a:defRPr>
+            </a:lvl3pPr>
+            <a:lvl4pPr marL="1600080" indent="-228584" algn="l" defTabSz="914332" rtl="0" eaLnBrk="1" latinLnBrk="0" hangingPunct="1">
+              <a:spcBef>
+                <a:spcPct val="20000"/>
+              </a:spcBef>
+              <a:buClr>
+                <a:schemeClr val="accent1"/>
+              </a:buClr>
+              <a:buFont typeface="Arial" panose="020B0604020202020204" pitchFamily="34" charset="0"/>
+              <a:buChar char="•"/>
+              <a:defRPr sz="2000" kern="1200">
+                <a:solidFill>
+                  <a:schemeClr val="tx1"/>
+                </a:solidFill>
+                <a:latin typeface="Segoe UI" panose="020B0502040204020203" pitchFamily="34" charset="0"/>
+                <a:ea typeface="Segoe UI" panose="020B0502040204020203" pitchFamily="34" charset="0"/>
+                <a:cs typeface="Segoe UI" panose="020B0502040204020203" pitchFamily="34" charset="0"/>
+              </a:defRPr>
+            </a:lvl4pPr>
+            <a:lvl5pPr marL="2057247" indent="-228584" algn="l" defTabSz="914332" rtl="0" eaLnBrk="1" latinLnBrk="0" hangingPunct="1">
+              <a:spcBef>
+                <a:spcPct val="20000"/>
+              </a:spcBef>
+              <a:buClr>
+                <a:schemeClr val="accent1"/>
+              </a:buClr>
+              <a:buFont typeface="Arial" panose="020B0604020202020204" pitchFamily="34" charset="0"/>
+              <a:buChar char="•"/>
+              <a:defRPr sz="2000" kern="1200">
+                <a:solidFill>
+                  <a:schemeClr val="tx1"/>
+                </a:solidFill>
+                <a:latin typeface="Segoe UI" panose="020B0502040204020203" pitchFamily="34" charset="0"/>
+                <a:ea typeface="Segoe UI" panose="020B0502040204020203" pitchFamily="34" charset="0"/>
+                <a:cs typeface="Segoe UI" panose="020B0502040204020203" pitchFamily="34" charset="0"/>
+              </a:defRPr>
+            </a:lvl5pPr>
+            <a:lvl6pPr marL="2514412" indent="-228584" algn="l" defTabSz="914332" rtl="0" eaLnBrk="1" latinLnBrk="0" hangingPunct="1">
+              <a:spcBef>
+                <a:spcPct val="20000"/>
+              </a:spcBef>
+              <a:buFont typeface="Arial" panose="020B0604020202020204" pitchFamily="34" charset="0"/>
+              <a:buChar char="•"/>
+              <a:defRPr sz="2000" kern="1200">
+                <a:solidFill>
+                  <a:schemeClr val="tx1"/>
+                </a:solidFill>
+                <a:latin typeface="+mn-lt"/>
+                <a:ea typeface="+mn-ea"/>
+                <a:cs typeface="+mn-cs"/>
+              </a:defRPr>
+            </a:lvl6pPr>
+            <a:lvl7pPr marL="2971578" indent="-228584" algn="l" defTabSz="914332" rtl="0" eaLnBrk="1" latinLnBrk="0" hangingPunct="1">
+              <a:spcBef>
+                <a:spcPct val="20000"/>
+              </a:spcBef>
+              <a:buFont typeface="Arial" panose="020B0604020202020204" pitchFamily="34" charset="0"/>
+              <a:buChar char="•"/>
+              <a:defRPr sz="2000" kern="1200">
+                <a:solidFill>
+                  <a:schemeClr val="tx1"/>
+                </a:solidFill>
+                <a:latin typeface="+mn-lt"/>
+                <a:ea typeface="+mn-ea"/>
+                <a:cs typeface="+mn-cs"/>
+              </a:defRPr>
+            </a:lvl7pPr>
+            <a:lvl8pPr marL="3428744" indent="-228584" algn="l" defTabSz="914332" rtl="0" eaLnBrk="1" latinLnBrk="0" hangingPunct="1">
+              <a:spcBef>
+                <a:spcPct val="20000"/>
+              </a:spcBef>
+              <a:buFont typeface="Arial" panose="020B0604020202020204" pitchFamily="34" charset="0"/>
+              <a:buChar char="•"/>
+              <a:defRPr sz="2000" kern="1200">
+                <a:solidFill>
+                  <a:schemeClr val="tx1"/>
+                </a:solidFill>
+                <a:latin typeface="+mn-lt"/>
+                <a:ea typeface="+mn-ea"/>
+                <a:cs typeface="+mn-cs"/>
+              </a:defRPr>
+            </a:lvl8pPr>
+            <a:lvl9pPr marL="3885910" indent="-228584" algn="l" defTabSz="914332" rtl="0" eaLnBrk="1" latinLnBrk="0" hangingPunct="1">
+              <a:spcBef>
+                <a:spcPct val="20000"/>
+              </a:spcBef>
+              <a:buFont typeface="Arial" panose="020B0604020202020204" pitchFamily="34" charset="0"/>
+              <a:buChar char="•"/>
+              <a:defRPr sz="2000" kern="1200">
+                <a:solidFill>
+                  <a:schemeClr val="tx1"/>
+                </a:solidFill>
+                <a:latin typeface="+mn-lt"/>
+                <a:ea typeface="+mn-ea"/>
+                <a:cs typeface="+mn-cs"/>
+              </a:defRPr>
+            </a:lvl9pPr>
+          </a:lstStyle>
+          <a:p>
+            <a:r>
+              <a:rPr lang="en-US" sz="2000" dirty="0">
+                <a:solidFill>
+                  <a:srgbClr val="000000"/>
+                </a:solidFill>
+                <a:latin typeface="Consolas" panose="020B0609020204030204" pitchFamily="49" charset="0"/>
+              </a:rPr>
+              <a:t/>
+            </a:r>
             <a:br>
               <a:rPr lang="en-US" sz="2000" dirty="0">
                 <a:solidFill>
@@ -27608,6 +29484,15 @@
             </a:lvl9pPr>
           </a:lstStyle>
           <a:p>
+            <a:r>
+              <a:rPr lang="en-US" sz="2400" dirty="0">
+                <a:solidFill>
+                  <a:srgbClr val="000000"/>
+                </a:solidFill>
+                <a:latin typeface="Consolas" panose="020B0609020204030204" pitchFamily="49" charset="0"/>
+              </a:rPr>
+              <a:t/>
+            </a:r>
             <a:br>
               <a:rPr lang="en-US" sz="2400" dirty="0">
                 <a:solidFill>
@@ -27823,7 +29708,7 @@
 </p:sld>
 </file>
 
-<file path=ppt/slides/slide32.xml><?xml version="1.0" encoding="utf-8"?>
+<file path=ppt/slides/slide34.xml><?xml version="1.0" encoding="utf-8"?>
 <p:sld xmlns:a="http://schemas.openxmlformats.org/drawingml/2006/main" xmlns:r="http://schemas.openxmlformats.org/officeDocument/2006/relationships" xmlns:p="http://schemas.openxmlformats.org/presentationml/2006/main">
   <p:cSld>
     <p:spTree>
@@ -27863,7 +29748,7 @@
           <a:lstStyle/>
           <a:p>
             <a:r>
-              <a:rPr lang="en-US" sz="2600" dirty="0" err="1">
+              <a:rPr lang="en-US" sz="2400" dirty="0" err="1">
                 <a:solidFill>
                   <a:srgbClr val="0000E0"/>
                 </a:solidFill>
@@ -27872,7 +29757,7 @@
               <a:t>var</a:t>
             </a:r>
             <a:r>
-              <a:rPr lang="en-US" sz="2600" dirty="0">
+              <a:rPr lang="en-US" sz="2400" dirty="0">
                 <a:solidFill>
                   <a:srgbClr val="0000E0"/>
                 </a:solidFill>
@@ -27881,7 +29766,7 @@
               <a:t> </a:t>
             </a:r>
             <a:r>
-              <a:rPr lang="en-US" sz="2600" dirty="0">
+              <a:rPr lang="en-US" sz="2400" dirty="0">
                 <a:solidFill>
                   <a:srgbClr val="000000"/>
                 </a:solidFill>
@@ -27890,7 +29775,7 @@
               <a:t>thread = </a:t>
             </a:r>
             <a:r>
-              <a:rPr lang="en-US" sz="2600" dirty="0">
+              <a:rPr lang="en-US" sz="2400" dirty="0">
                 <a:solidFill>
                   <a:srgbClr val="0000E0"/>
                 </a:solidFill>
@@ -27899,7 +29784,7 @@
               <a:t>new </a:t>
             </a:r>
             <a:r>
-              <a:rPr lang="en-US" sz="2600" dirty="0">
+              <a:rPr lang="en-US" sz="2400" dirty="0">
                 <a:solidFill>
                   <a:srgbClr val="2B91AF"/>
                 </a:solidFill>
@@ -27908,7 +29793,7 @@
               <a:t>Thread</a:t>
             </a:r>
             <a:r>
-              <a:rPr lang="en-US" sz="2600" dirty="0">
+              <a:rPr lang="en-US" sz="2400" dirty="0">
                 <a:solidFill>
                   <a:srgbClr val="000000"/>
                 </a:solidFill>
@@ -27917,7 +29802,7 @@
               <a:t>(() =&gt; {</a:t>
             </a:r>
             <a:br>
-              <a:rPr lang="en-US" sz="2600" dirty="0">
+              <a:rPr lang="en-US" sz="2400" dirty="0">
                 <a:solidFill>
                   <a:srgbClr val="000000"/>
                 </a:solidFill>
@@ -27925,7 +29810,7 @@
               </a:rPr>
             </a:br>
             <a:r>
-              <a:rPr lang="en-US" sz="2600" dirty="0">
+              <a:rPr lang="en-US" sz="2400" dirty="0">
                 <a:solidFill>
                   <a:srgbClr val="000000"/>
                 </a:solidFill>
@@ -27934,7 +29819,7 @@
               <a:t>  </a:t>
             </a:r>
             <a:r>
-              <a:rPr lang="en-US" sz="2600" dirty="0">
+              <a:rPr lang="en-US" sz="2400" dirty="0">
                 <a:solidFill>
                   <a:srgbClr val="0000E0"/>
                 </a:solidFill>
@@ -27943,7 +29828,7 @@
               <a:t>try </a:t>
             </a:r>
             <a:r>
-              <a:rPr lang="en-US" sz="2600" dirty="0">
+              <a:rPr lang="en-US" sz="2400" dirty="0">
                 <a:solidFill>
                   <a:srgbClr val="000000"/>
                 </a:solidFill>
@@ -27952,7 +29837,7 @@
               <a:t>{</a:t>
             </a:r>
             <a:br>
-              <a:rPr lang="en-US" sz="2600" dirty="0">
+              <a:rPr lang="en-US" sz="2400" dirty="0">
                 <a:solidFill>
                   <a:srgbClr val="000000"/>
                 </a:solidFill>
@@ -27960,7 +29845,7 @@
               </a:rPr>
             </a:br>
             <a:r>
-              <a:rPr lang="en-US" sz="2600" dirty="0">
+              <a:rPr lang="en-US" sz="2400" dirty="0">
                 <a:solidFill>
                   <a:srgbClr val="000000"/>
                 </a:solidFill>
@@ -27969,13 +29854,22 @@
               <a:t>    </a:t>
             </a:r>
             <a:r>
-              <a:rPr lang="en-US" sz="2600" dirty="0">
+              <a:rPr lang="en-US" sz="2400" dirty="0">
                 <a:latin typeface="Consolas" panose="020B0609020204030204" pitchFamily="49" charset="0"/>
               </a:rPr>
               <a:t>...</a:t>
             </a:r>
+            <a:r>
+              <a:rPr lang="en-US" sz="2400" dirty="0">
+                <a:solidFill>
+                  <a:srgbClr val="000000"/>
+                </a:solidFill>
+                <a:latin typeface="Consolas" panose="020B0609020204030204" pitchFamily="49" charset="0"/>
+              </a:rPr>
+              <a:t/>
+            </a:r>
             <a:br>
-              <a:rPr lang="en-US" sz="2600" dirty="0">
+              <a:rPr lang="en-US" sz="2400" dirty="0">
                 <a:solidFill>
                   <a:srgbClr val="000000"/>
                 </a:solidFill>
@@ -27983,7 +29877,7 @@
               </a:rPr>
             </a:br>
             <a:r>
-              <a:rPr lang="en-US" sz="2600" dirty="0">
+              <a:rPr lang="en-US" sz="2400" dirty="0">
                 <a:solidFill>
                   <a:srgbClr val="000000"/>
                 </a:solidFill>
@@ -27992,7 +29886,7 @@
               <a:t>  }</a:t>
             </a:r>
             <a:br>
-              <a:rPr lang="en-US" sz="2600" dirty="0">
+              <a:rPr lang="en-US" sz="2400" dirty="0">
                 <a:solidFill>
                   <a:srgbClr val="000000"/>
                 </a:solidFill>
@@ -28000,7 +29894,7 @@
               </a:rPr>
             </a:br>
             <a:r>
-              <a:rPr lang="en-US" sz="2600" dirty="0">
+              <a:rPr lang="en-US" sz="2400" dirty="0">
                 <a:solidFill>
                   <a:srgbClr val="000000"/>
                 </a:solidFill>
@@ -28009,7 +29903,7 @@
               <a:t>  </a:t>
             </a:r>
             <a:r>
-              <a:rPr lang="en-US" sz="2600" dirty="0">
+              <a:rPr lang="en-US" sz="2400" dirty="0">
                 <a:solidFill>
                   <a:srgbClr val="0000E0"/>
                 </a:solidFill>
@@ -28018,7 +29912,7 @@
               <a:t>catch </a:t>
             </a:r>
             <a:r>
-              <a:rPr lang="en-US" sz="2600" dirty="0">
+              <a:rPr lang="en-US" sz="2400" dirty="0">
                 <a:solidFill>
                   <a:srgbClr val="000000"/>
                 </a:solidFill>
@@ -28027,7 +29921,7 @@
               <a:t>(</a:t>
             </a:r>
             <a:r>
-              <a:rPr lang="en-US" sz="2600" dirty="0" err="1">
+              <a:rPr lang="en-US" sz="2400" dirty="0" err="1">
                 <a:solidFill>
                   <a:srgbClr val="2B91AF"/>
                 </a:solidFill>
@@ -28036,7 +29930,7 @@
               <a:t>ThreadAbortException</a:t>
             </a:r>
             <a:r>
-              <a:rPr lang="en-US" sz="2600" dirty="0">
+              <a:rPr lang="en-US" sz="2400" dirty="0">
                 <a:solidFill>
                   <a:srgbClr val="00008B"/>
                 </a:solidFill>
@@ -28045,7 +29939,7 @@
               <a:t> </a:t>
             </a:r>
             <a:r>
-              <a:rPr lang="en-US" sz="2600" dirty="0">
+              <a:rPr lang="en-US" sz="2400" dirty="0">
                 <a:solidFill>
                   <a:srgbClr val="000000"/>
                 </a:solidFill>
@@ -28054,7 +29948,7 @@
               <a:t>e) {</a:t>
             </a:r>
             <a:br>
-              <a:rPr lang="en-US" sz="2600" dirty="0">
+              <a:rPr lang="en-US" sz="2400" dirty="0">
                 <a:solidFill>
                   <a:srgbClr val="000000"/>
                 </a:solidFill>
@@ -28062,7 +29956,7 @@
               </a:rPr>
             </a:br>
             <a:r>
-              <a:rPr lang="en-US" sz="2600" dirty="0">
+              <a:rPr lang="en-US" sz="2400" dirty="0">
                 <a:solidFill>
                   <a:srgbClr val="000000"/>
                 </a:solidFill>
@@ -28073,7 +29967,7 @@
           </a:p>
           <a:p>
             <a:r>
-              <a:rPr lang="en-US" sz="2600" dirty="0">
+              <a:rPr lang="en-US" sz="2400" dirty="0">
                 <a:solidFill>
                   <a:srgbClr val="0000FF"/>
                 </a:solidFill>
@@ -28082,7 +29976,7 @@
               <a:t>    throw</a:t>
             </a:r>
             <a:r>
-              <a:rPr lang="en-US" sz="2600" dirty="0">
+              <a:rPr lang="en-US" sz="2400" dirty="0">
                 <a:solidFill>
                   <a:srgbClr val="000000"/>
                 </a:solidFill>
@@ -28093,7 +29987,7 @@
           </a:p>
           <a:p>
             <a:r>
-              <a:rPr lang="en-US" sz="2600" dirty="0">
+              <a:rPr lang="en-US" sz="2400" dirty="0">
                 <a:solidFill>
                   <a:srgbClr val="000000"/>
                 </a:solidFill>
@@ -28102,7 +29996,7 @@
               <a:t>  }</a:t>
             </a:r>
             <a:br>
-              <a:rPr lang="en-US" sz="2600" dirty="0">
+              <a:rPr lang="en-US" sz="2400" dirty="0">
                 <a:solidFill>
                   <a:srgbClr val="000000"/>
                 </a:solidFill>
@@ -28110,7 +30004,7 @@
               </a:rPr>
             </a:br>
             <a:r>
-              <a:rPr lang="en-US" sz="2600" dirty="0">
+              <a:rPr lang="en-US" sz="2400" dirty="0">
                 <a:solidFill>
                   <a:srgbClr val="000000"/>
                 </a:solidFill>
@@ -28121,7 +30015,7 @@
           </a:p>
           <a:p>
             <a:r>
-              <a:rPr lang="en-US" sz="2600" dirty="0">
+              <a:rPr lang="en-US" sz="2400" dirty="0">
                 <a:solidFill>
                   <a:srgbClr val="000000"/>
                 </a:solidFill>
@@ -28132,7 +30026,7 @@
           </a:p>
           <a:p>
             <a:r>
-              <a:rPr lang="en-US" sz="2600" dirty="0" err="1">
+              <a:rPr lang="en-US" sz="2400" dirty="0" err="1">
                 <a:solidFill>
                   <a:srgbClr val="000000"/>
                 </a:solidFill>
@@ -28141,7 +30035,7 @@
               <a:t>thread.Abort</a:t>
             </a:r>
             <a:r>
-              <a:rPr lang="en-US" sz="2600" dirty="0">
+              <a:rPr lang="en-US" sz="2400" dirty="0">
                 <a:solidFill>
                   <a:srgbClr val="000000"/>
                 </a:solidFill>
@@ -28168,10 +30062,10 @@
           <a:lstStyle/>
           <a:p>
             <a:r>
-              <a:rPr lang="en-US" dirty="0"/>
-              <a:t>THREAD ABORT</a:t>
-            </a:r>
-            <a:endParaRPr lang="ru-RU" dirty="0"/>
+              <a:rPr lang="en-US" cap="none" dirty="0" smtClean="0"/>
+              <a:t>Thread abort</a:t>
+            </a:r>
+            <a:endParaRPr lang="ru-RU" cap="none" dirty="0"/>
           </a:p>
         </p:txBody>
       </p:sp>
@@ -28267,7 +30161,7 @@
 </p:sld>
 </file>
 
-<file path=ppt/slides/slide33.xml><?xml version="1.0" encoding="utf-8"?>
+<file path=ppt/slides/slide35.xml><?xml version="1.0" encoding="utf-8"?>
 <p:sld xmlns:a="http://schemas.openxmlformats.org/drawingml/2006/main" xmlns:r="http://schemas.openxmlformats.org/officeDocument/2006/relationships" xmlns:p="http://schemas.openxmlformats.org/presentationml/2006/main">
   <p:cSld>
     <p:spTree>
@@ -28302,7 +30196,7 @@
         </p:spPr>
         <p:txBody>
           <a:bodyPr>
-            <a:normAutofit lnSpcReduction="10000"/>
+            <a:normAutofit/>
           </a:bodyPr>
           <a:lstStyle/>
           <a:p>
@@ -28358,7 +30252,25 @@
                 </a:solidFill>
                 <a:latin typeface="Consolas" panose="020B0609020204030204" pitchFamily="49" charset="0"/>
               </a:rPr>
-              <a:t>(() =&gt;</a:t>
+              <a:t>(() </a:t>
+            </a:r>
+            <a:r>
+              <a:rPr lang="en-US" sz="2400" dirty="0" smtClean="0">
+                <a:solidFill>
+                  <a:srgbClr val="000000"/>
+                </a:solidFill>
+                <a:latin typeface="Consolas" panose="020B0609020204030204" pitchFamily="49" charset="0"/>
+              </a:rPr>
+              <a:t>=&gt; {</a:t>
+            </a:r>
+            <a:r>
+              <a:rPr lang="en-US" sz="2400" dirty="0">
+                <a:solidFill>
+                  <a:srgbClr val="000000"/>
+                </a:solidFill>
+                <a:latin typeface="Consolas" panose="020B0609020204030204" pitchFamily="49" charset="0"/>
+              </a:rPr>
+              <a:t/>
             </a:r>
             <a:br>
               <a:rPr lang="en-US" sz="2400" dirty="0">
@@ -28375,6 +30287,24 @@
                 </a:solidFill>
                 <a:latin typeface="Consolas" panose="020B0609020204030204" pitchFamily="49" charset="0"/>
               </a:rPr>
+              <a:t>  </a:t>
+            </a:r>
+            <a:r>
+              <a:rPr lang="en-US" sz="2400" dirty="0">
+                <a:solidFill>
+                  <a:srgbClr val="0000E0"/>
+                </a:solidFill>
+                <a:latin typeface="Consolas" panose="020B0609020204030204" pitchFamily="49" charset="0"/>
+              </a:rPr>
+              <a:t>try </a:t>
+            </a:r>
+            <a:r>
+              <a:rPr lang="en-US" sz="2400" dirty="0">
+                <a:solidFill>
+                  <a:srgbClr val="000000"/>
+                </a:solidFill>
+                <a:latin typeface="Consolas" panose="020B0609020204030204" pitchFamily="49" charset="0"/>
+              </a:rPr>
               <a:t>{</a:t>
             </a:r>
             <a:br>
@@ -28392,16 +30322,16 @@
                 </a:solidFill>
                 <a:latin typeface="Consolas" panose="020B0609020204030204" pitchFamily="49" charset="0"/>
               </a:rPr>
-              <a:t>  </a:t>
+              <a:t>    </a:t>
             </a:r>
             <a:r>
               <a:rPr lang="en-US" sz="2400" dirty="0">
                 <a:solidFill>
-                  <a:srgbClr val="0000E0"/>
-                </a:solidFill>
-                <a:latin typeface="Consolas" panose="020B0609020204030204" pitchFamily="49" charset="0"/>
-              </a:rPr>
-              <a:t>try </a:t>
+                  <a:srgbClr val="00008B"/>
+                </a:solidFill>
+                <a:latin typeface="Consolas" panose="020B0609020204030204" pitchFamily="49" charset="0"/>
+              </a:rPr>
+              <a:t>...</a:t>
             </a:r>
             <a:r>
               <a:rPr lang="en-US" sz="2400" dirty="0">
@@ -28410,33 +30340,7 @@
                 </a:solidFill>
                 <a:latin typeface="Consolas" panose="020B0609020204030204" pitchFamily="49" charset="0"/>
               </a:rPr>
-              <a:t>{</a:t>
-            </a:r>
-            <a:br>
-              <a:rPr lang="en-US" sz="2400" dirty="0">
-                <a:solidFill>
-                  <a:srgbClr val="000000"/>
-                </a:solidFill>
-                <a:latin typeface="Consolas" panose="020B0609020204030204" pitchFamily="49" charset="0"/>
-              </a:rPr>
-            </a:br>
-            <a:r>
-              <a:rPr lang="en-US" sz="2400" dirty="0">
-                <a:solidFill>
-                  <a:srgbClr val="000000"/>
-                </a:solidFill>
-                <a:latin typeface="Consolas" panose="020B0609020204030204" pitchFamily="49" charset="0"/>
-              </a:rPr>
-              <a:t>    </a:t>
-            </a:r>
-            <a:r>
-              <a:rPr lang="en-US" sz="2400" dirty="0">
-                <a:solidFill>
-                  <a:srgbClr val="00008B"/>
-                </a:solidFill>
-                <a:latin typeface="Consolas" panose="020B0609020204030204" pitchFamily="49" charset="0"/>
-              </a:rPr>
-              <a:t>...</a:t>
+              <a:t/>
             </a:r>
             <a:br>
               <a:rPr lang="en-US" sz="2400" dirty="0">
@@ -28644,10 +30548,10 @@
           <a:lstStyle/>
           <a:p>
             <a:r>
-              <a:rPr lang="en-US" dirty="0"/>
-              <a:t>THREAD ABORT</a:t>
-            </a:r>
-            <a:endParaRPr lang="ru-RU" dirty="0"/>
+              <a:rPr lang="en-US" cap="none" dirty="0" smtClean="0"/>
+              <a:t>Thread abort</a:t>
+            </a:r>
+            <a:endParaRPr lang="ru-RU" cap="none" dirty="0"/>
           </a:p>
         </p:txBody>
       </p:sp>
@@ -28664,7 +30568,7 @@
 </p:sld>
 </file>
 
-<file path=ppt/slides/slide34.xml><?xml version="1.0" encoding="utf-8"?>
+<file path=ppt/slides/slide36.xml><?xml version="1.0" encoding="utf-8"?>
 <p:sld xmlns:a="http://schemas.openxmlformats.org/drawingml/2006/main" xmlns:r="http://schemas.openxmlformats.org/officeDocument/2006/relationships" xmlns:p="http://schemas.openxmlformats.org/presentationml/2006/main">
   <p:cSld>
     <p:spTree>
@@ -28714,7 +30618,15 @@
             </a:pPr>
             <a:r>
               <a:rPr lang="ru-RU" dirty="0"/>
-              <a:t>Избегайте отмены потоков</a:t>
+              <a:t>Избегайте </a:t>
+            </a:r>
+            <a:r>
+              <a:rPr lang="ru-RU" dirty="0" smtClean="0"/>
+              <a:t>остановки </a:t>
+            </a:r>
+            <a:r>
+              <a:rPr lang="ru-RU" dirty="0"/>
+              <a:t>потоков</a:t>
             </a:r>
           </a:p>
           <a:p>
@@ -28747,10 +30659,10 @@
           <a:lstStyle/>
           <a:p>
             <a:r>
-              <a:rPr lang="en-US" dirty="0"/>
-              <a:t>THREAD ABORT</a:t>
-            </a:r>
-            <a:endParaRPr lang="ru-RU" dirty="0"/>
+              <a:rPr lang="en-US" cap="none" dirty="0" smtClean="0"/>
+              <a:t>Thread abort</a:t>
+            </a:r>
+            <a:endParaRPr lang="ru-RU" cap="none" dirty="0"/>
           </a:p>
         </p:txBody>
       </p:sp>
@@ -28928,6 +30840,15 @@
             </a:lvl9pPr>
           </a:lstStyle>
           <a:p>
+            <a:r>
+              <a:rPr lang="en-US" sz="2000" dirty="0">
+                <a:solidFill>
+                  <a:srgbClr val="000000"/>
+                </a:solidFill>
+                <a:latin typeface="Consolas" panose="020B0609020204030204" pitchFamily="49" charset="0"/>
+              </a:rPr>
+              <a:t/>
+            </a:r>
             <a:br>
               <a:rPr lang="en-US" sz="2000" dirty="0">
                 <a:solidFill>
@@ -29114,6 +31035,15 @@
             </a:lvl9pPr>
           </a:lstStyle>
           <a:p>
+            <a:r>
+              <a:rPr lang="en-US" sz="2400" dirty="0">
+                <a:solidFill>
+                  <a:srgbClr val="000000"/>
+                </a:solidFill>
+                <a:latin typeface="Consolas" panose="020B0609020204030204" pitchFamily="49" charset="0"/>
+              </a:rPr>
+              <a:t/>
+            </a:r>
             <a:br>
               <a:rPr lang="en-US" sz="2400" dirty="0">
                 <a:solidFill>
@@ -29270,7 +31200,7 @@
 </p:sld>
 </file>
 
-<file path=ppt/slides/slide35.xml><?xml version="1.0" encoding="utf-8"?>
+<file path=ppt/slides/slide37.xml><?xml version="1.0" encoding="utf-8"?>
 <p:sld xmlns:a="http://schemas.openxmlformats.org/drawingml/2006/main" xmlns:r="http://schemas.openxmlformats.org/officeDocument/2006/relationships" xmlns:p="http://schemas.openxmlformats.org/presentationml/2006/main">
   <p:cSld>
     <p:spTree>
@@ -29309,6 +31239,15 @@
           </a:bodyPr>
           <a:lstStyle/>
           <a:p>
+            <a:r>
+              <a:rPr lang="en-US" sz="2400" dirty="0">
+                <a:solidFill>
+                  <a:srgbClr val="000000"/>
+                </a:solidFill>
+                <a:latin typeface="Consolas" panose="020B0609020204030204" pitchFamily="49" charset="0"/>
+              </a:rPr>
+              <a:t/>
+            </a:r>
             <a:br>
               <a:rPr lang="en-US" sz="2400" dirty="0">
                 <a:solidFill>
@@ -29337,6 +31276,15 @@
             </a:r>
           </a:p>
           <a:p>
+            <a:r>
+              <a:rPr lang="en-US" sz="2800" dirty="0">
+                <a:solidFill>
+                  <a:srgbClr val="000000"/>
+                </a:solidFill>
+                <a:latin typeface="Consolas" panose="020B0609020204030204" pitchFamily="49" charset="0"/>
+              </a:rPr>
+              <a:t/>
+            </a:r>
             <a:br>
               <a:rPr lang="en-US" sz="2800" dirty="0">
                 <a:solidFill>
@@ -29619,7 +31567,7 @@
               </a:rPr>
             </a:br>
             <a:r>
-              <a:rPr lang="en-US" sz="2800" dirty="0">
+              <a:rPr lang="en-US" sz="2800" dirty="0" smtClean="0">
                 <a:solidFill>
                   <a:srgbClr val="000000"/>
                 </a:solidFill>
@@ -29627,60 +31575,12 @@
               </a:rPr>
               <a:t>}</a:t>
             </a:r>
-          </a:p>
-          <a:p>
-            <a:r>
-              <a:rPr lang="en-US" sz="2800" dirty="0" err="1">
-                <a:solidFill>
-                  <a:srgbClr val="2B91AF"/>
-                </a:solidFill>
-                <a:latin typeface="Consolas" panose="020B0609020204030204" pitchFamily="49" charset="0"/>
-              </a:rPr>
-              <a:t>Console</a:t>
-            </a:r>
-            <a:r>
-              <a:rPr lang="en-US" sz="2800" dirty="0" err="1">
-                <a:solidFill>
-                  <a:srgbClr val="000000"/>
-                </a:solidFill>
-                <a:latin typeface="Consolas" panose="020B0609020204030204" pitchFamily="49" charset="0"/>
-              </a:rPr>
-              <a:t>.</a:t>
-            </a:r>
-            <a:r>
-              <a:rPr lang="en-US" sz="2800" dirty="0" err="1">
-                <a:latin typeface="Consolas" panose="020B0609020204030204" pitchFamily="49" charset="0"/>
-              </a:rPr>
-              <a:t>WriteLine</a:t>
-            </a:r>
-            <a:r>
-              <a:rPr lang="en-US" sz="2800" dirty="0">
-                <a:solidFill>
-                  <a:srgbClr val="000000"/>
-                </a:solidFill>
-                <a:latin typeface="Consolas" panose="020B0609020204030204" pitchFamily="49" charset="0"/>
-              </a:rPr>
-              <a:t>(</a:t>
-            </a:r>
-            <a:r>
-              <a:rPr lang="en-US" sz="2800" dirty="0">
-                <a:solidFill>
-                  <a:srgbClr val="A31515"/>
-                </a:solidFill>
-                <a:latin typeface="Consolas" panose="020B0609020204030204" pitchFamily="49" charset="0"/>
-              </a:rPr>
-              <a:t>"!"</a:t>
-            </a:r>
-            <a:r>
-              <a:rPr lang="en-US" sz="2800" dirty="0">
-                <a:solidFill>
-                  <a:srgbClr val="000000"/>
-                </a:solidFill>
-                <a:latin typeface="Consolas" panose="020B0609020204030204" pitchFamily="49" charset="0"/>
-              </a:rPr>
-              <a:t>);</a:t>
-            </a:r>
-            <a:endParaRPr lang="ru-RU" sz="2800" dirty="0"/>
+            <a:endParaRPr lang="en-US" sz="2800" dirty="0">
+              <a:solidFill>
+                <a:srgbClr val="000000"/>
+              </a:solidFill>
+              <a:latin typeface="Consolas" panose="020B0609020204030204" pitchFamily="49" charset="0"/>
+            </a:endParaRPr>
           </a:p>
         </p:txBody>
       </p:sp>
@@ -29700,10 +31600,10 @@
           <a:lstStyle/>
           <a:p>
             <a:r>
-              <a:rPr lang="en-US" dirty="0"/>
-              <a:t>OUT OF MEMORY</a:t>
-            </a:r>
-            <a:endParaRPr lang="ru-RU" dirty="0"/>
+              <a:rPr lang="en-US" cap="none" dirty="0" smtClean="0"/>
+              <a:t>Out of memory</a:t>
+            </a:r>
+            <a:endParaRPr lang="ru-RU" cap="none" dirty="0"/>
           </a:p>
         </p:txBody>
       </p:sp>
@@ -29881,6 +31781,15 @@
             </a:lvl9pPr>
           </a:lstStyle>
           <a:p>
+            <a:r>
+              <a:rPr lang="en-US" sz="2000" dirty="0">
+                <a:solidFill>
+                  <a:srgbClr val="000000"/>
+                </a:solidFill>
+                <a:latin typeface="Consolas" panose="020B0609020204030204" pitchFamily="49" charset="0"/>
+              </a:rPr>
+              <a:t/>
+            </a:r>
             <a:br>
               <a:rPr lang="en-US" sz="2000" dirty="0">
                 <a:solidFill>
@@ -29906,7 +31815,7 @@
 </p:sld>
 </file>
 
-<file path=ppt/slides/slide36.xml><?xml version="1.0" encoding="utf-8"?>
+<file path=ppt/slides/slide38.xml><?xml version="1.0" encoding="utf-8"?>
 <p:sld xmlns:a="http://schemas.openxmlformats.org/drawingml/2006/main" xmlns:r="http://schemas.openxmlformats.org/officeDocument/2006/relationships" xmlns:p="http://schemas.openxmlformats.org/presentationml/2006/main">
   <p:cSld>
     <p:spTree>
@@ -29946,13 +31855,12 @@
           <a:lstStyle/>
           <a:p>
             <a:pPr marL="514350" indent="-514350">
+              <a:buFont typeface="Arial" panose="020B0604020202020204" pitchFamily="34" charset="0"/>
               <a:buAutoNum type="arabicPeriod"/>
             </a:pPr>
             <a:r>
-              <a:rPr lang="ru-RU" dirty="0">
-                <a:latin typeface="+mn-lt"/>
-              </a:rPr>
-              <a:t>Процесс упадёт</a:t>
+              <a:rPr lang="ru-RU" dirty="0"/>
+              <a:t>Исключение обработается</a:t>
             </a:r>
           </a:p>
           <a:p>
@@ -29960,10 +31868,16 @@
               <a:buAutoNum type="arabicPeriod"/>
             </a:pPr>
             <a:r>
+              <a:rPr lang="ru-RU" dirty="0" smtClean="0">
+                <a:latin typeface="+mn-lt"/>
+              </a:rPr>
+              <a:t>Процесс </a:t>
+            </a:r>
+            <a:r>
               <a:rPr lang="ru-RU" dirty="0">
                 <a:latin typeface="+mn-lt"/>
               </a:rPr>
-              <a:t>Исключение обработается</a:t>
+              <a:t>упадёт</a:t>
             </a:r>
           </a:p>
           <a:p>
@@ -29971,8 +31885,12 @@
               <a:buAutoNum type="arabicPeriod"/>
             </a:pPr>
             <a:r>
+              <a:rPr lang="ru-RU" dirty="0" smtClean="0"/>
+              <a:t>Зайдём </a:t>
+            </a:r>
+            <a:r>
               <a:rPr lang="ru-RU" dirty="0"/>
-              <a:t>Зайдём в </a:t>
+              <a:t>в </a:t>
             </a:r>
             <a:r>
               <a:rPr lang="en-US" dirty="0"/>
@@ -30023,10 +31941,10 @@
           <a:lstStyle/>
           <a:p>
             <a:r>
-              <a:rPr lang="en-US" dirty="0"/>
-              <a:t>OUT OF MEMORY</a:t>
-            </a:r>
-            <a:endParaRPr lang="ru-RU" dirty="0"/>
+              <a:rPr lang="en-US" cap="none" dirty="0" smtClean="0"/>
+              <a:t>Out of memory</a:t>
+            </a:r>
+            <a:endParaRPr lang="ru-RU" cap="none" dirty="0"/>
           </a:p>
         </p:txBody>
       </p:sp>
@@ -30204,6 +32122,15 @@
             </a:lvl9pPr>
           </a:lstStyle>
           <a:p>
+            <a:r>
+              <a:rPr lang="en-US" sz="2000" dirty="0">
+                <a:solidFill>
+                  <a:srgbClr val="000000"/>
+                </a:solidFill>
+                <a:latin typeface="Consolas" panose="020B0609020204030204" pitchFamily="49" charset="0"/>
+              </a:rPr>
+              <a:t/>
+            </a:r>
             <a:br>
               <a:rPr lang="en-US" sz="2000" dirty="0">
                 <a:solidFill>
@@ -30390,6 +32317,15 @@
             </a:lvl9pPr>
           </a:lstStyle>
           <a:p>
+            <a:r>
+              <a:rPr lang="en-US" sz="2400" dirty="0">
+                <a:solidFill>
+                  <a:srgbClr val="000000"/>
+                </a:solidFill>
+                <a:latin typeface="Consolas" panose="020B0609020204030204" pitchFamily="49" charset="0"/>
+              </a:rPr>
+              <a:t/>
+            </a:r>
             <a:br>
               <a:rPr lang="en-US" sz="2400" dirty="0">
                 <a:solidFill>
@@ -30644,7 +32580,7 @@
 </p:sld>
 </file>
 
-<file path=ppt/slides/slide37.xml><?xml version="1.0" encoding="utf-8"?>
+<file path=ppt/slides/slide39.xml><?xml version="1.0" encoding="utf-8"?>
 <p:sld xmlns:a="http://schemas.openxmlformats.org/drawingml/2006/main" xmlns:r="http://schemas.openxmlformats.org/officeDocument/2006/relationships" xmlns:p="http://schemas.openxmlformats.org/presentationml/2006/main">
   <p:cSld>
     <p:spTree>
@@ -30708,10 +32644,10 @@
           <a:lstStyle/>
           <a:p>
             <a:r>
-              <a:rPr lang="en-US" dirty="0"/>
-              <a:t>OUT OF MEMORY</a:t>
-            </a:r>
-            <a:endParaRPr lang="ru-RU" dirty="0"/>
+              <a:rPr lang="en-US" cap="none" dirty="0" smtClean="0"/>
+              <a:t>Out of memory</a:t>
+            </a:r>
+            <a:endParaRPr lang="ru-RU" cap="none" dirty="0"/>
           </a:p>
         </p:txBody>
       </p:sp>
@@ -30889,6 +32825,15 @@
             </a:lvl9pPr>
           </a:lstStyle>
           <a:p>
+            <a:r>
+              <a:rPr lang="en-US" sz="2000" dirty="0">
+                <a:solidFill>
+                  <a:srgbClr val="000000"/>
+                </a:solidFill>
+                <a:latin typeface="Consolas" panose="020B0609020204030204" pitchFamily="49" charset="0"/>
+              </a:rPr>
+              <a:t/>
+            </a:r>
             <a:br>
               <a:rPr lang="en-US" sz="2000" dirty="0">
                 <a:solidFill>
@@ -31075,6 +33020,15 @@
             </a:lvl9pPr>
           </a:lstStyle>
           <a:p>
+            <a:r>
+              <a:rPr lang="en-US" sz="2400" dirty="0">
+                <a:solidFill>
+                  <a:srgbClr val="000000"/>
+                </a:solidFill>
+                <a:latin typeface="Consolas" panose="020B0609020204030204" pitchFamily="49" charset="0"/>
+              </a:rPr>
+              <a:t/>
+            </a:r>
             <a:br>
               <a:rPr lang="en-US" sz="2400" dirty="0">
                 <a:solidFill>
@@ -31343,1422 +33297,6 @@
     <p:extLst>
       <p:ext uri="{BB962C8B-B14F-4D97-AF65-F5344CB8AC3E}">
         <p14:creationId xmlns:p14="http://schemas.microsoft.com/office/powerpoint/2010/main" val="3408128648"/>
-      </p:ext>
-    </p:extLst>
-  </p:cSld>
-  <p:clrMapOvr>
-    <a:masterClrMapping/>
-  </p:clrMapOvr>
-</p:sld>
-</file>
-
-<file path=ppt/slides/slide38.xml><?xml version="1.0" encoding="utf-8"?>
-<p:sld xmlns:a="http://schemas.openxmlformats.org/drawingml/2006/main" xmlns:r="http://schemas.openxmlformats.org/officeDocument/2006/relationships" xmlns:p="http://schemas.openxmlformats.org/presentationml/2006/main">
-  <p:cSld>
-    <p:spTree>
-      <p:nvGrpSpPr>
-        <p:cNvPr id="1" name=""/>
-        <p:cNvGrpSpPr/>
-        <p:nvPr/>
-      </p:nvGrpSpPr>
-      <p:grpSpPr>
-        <a:xfrm>
-          <a:off x="0" y="0"/>
-          <a:ext cx="0" cy="0"/>
-          <a:chOff x="0" y="0"/>
-          <a:chExt cx="0" cy="0"/>
-        </a:xfrm>
-      </p:grpSpPr>
-      <p:sp>
-        <p:nvSpPr>
-          <p:cNvPr id="2" name="Объект 1"/>
-          <p:cNvSpPr>
-            <a:spLocks noGrp="1"/>
-          </p:cNvSpPr>
-          <p:nvPr>
-            <p:ph sz="quarter" idx="13"/>
-          </p:nvPr>
-        </p:nvSpPr>
-        <p:spPr>
-          <a:xfrm>
-            <a:off x="5015880" y="3429000"/>
-            <a:ext cx="2160240" cy="864096"/>
-          </a:xfrm>
-        </p:spPr>
-        <p:txBody>
-          <a:bodyPr>
-            <a:normAutofit/>
-          </a:bodyPr>
-          <a:lstStyle/>
-          <a:p>
-            <a:r>
-              <a:rPr lang="ru-RU" sz="4400" dirty="0">
-                <a:latin typeface="+mn-lt"/>
-              </a:rPr>
-              <a:t>Ответ…</a:t>
-            </a:r>
-          </a:p>
-        </p:txBody>
-      </p:sp>
-      <p:sp>
-        <p:nvSpPr>
-          <p:cNvPr id="3" name="Заголовок 2"/>
-          <p:cNvSpPr>
-            <a:spLocks noGrp="1"/>
-          </p:cNvSpPr>
-          <p:nvPr>
-            <p:ph type="title"/>
-          </p:nvPr>
-        </p:nvSpPr>
-        <p:spPr/>
-        <p:txBody>
-          <a:bodyPr/>
-          <a:lstStyle/>
-          <a:p>
-            <a:r>
-              <a:rPr lang="en-US" dirty="0"/>
-              <a:t>OUT OF MEMORY</a:t>
-            </a:r>
-            <a:endParaRPr lang="ru-RU" dirty="0"/>
-          </a:p>
-        </p:txBody>
-      </p:sp>
-      <p:sp>
-        <p:nvSpPr>
-          <p:cNvPr id="5" name="Объект 1"/>
-          <p:cNvSpPr txBox="1">
-            <a:spLocks/>
-          </p:cNvSpPr>
-          <p:nvPr/>
-        </p:nvSpPr>
-        <p:spPr>
-          <a:xfrm>
-            <a:off x="5257882" y="1341439"/>
-            <a:ext cx="6934117" cy="4320501"/>
-          </a:xfrm>
-          <a:prstGeom prst="rect">
-            <a:avLst/>
-          </a:prstGeom>
-        </p:spPr>
-        <p:txBody>
-          <a:bodyPr vert="horz" lIns="91440" tIns="45720" rIns="91440" bIns="45720" rtlCol="0">
-            <a:normAutofit/>
-          </a:bodyPr>
-          <a:lstStyle>
-            <a:lvl1pPr marL="0" indent="0" algn="l" defTabSz="914332" rtl="0" eaLnBrk="1" latinLnBrk="0" hangingPunct="1">
-              <a:spcBef>
-                <a:spcPct val="20000"/>
-              </a:spcBef>
-              <a:buClr>
-                <a:schemeClr val="accent1"/>
-              </a:buClr>
-              <a:buFont typeface="Arial" panose="020B0604020202020204" pitchFamily="34" charset="0"/>
-              <a:buNone/>
-              <a:defRPr sz="3200" kern="1200">
-                <a:solidFill>
-                  <a:schemeClr val="tx1"/>
-                </a:solidFill>
-                <a:latin typeface="Segoe UI" panose="020B0502040204020203" pitchFamily="34" charset="0"/>
-                <a:ea typeface="Segoe UI" panose="020B0502040204020203" pitchFamily="34" charset="0"/>
-                <a:cs typeface="Segoe UI" panose="020B0502040204020203" pitchFamily="34" charset="0"/>
-              </a:defRPr>
-            </a:lvl1pPr>
-            <a:lvl2pPr marL="742895" indent="-285730" algn="l" defTabSz="914332" rtl="0" eaLnBrk="1" latinLnBrk="0" hangingPunct="1">
-              <a:spcBef>
-                <a:spcPct val="20000"/>
-              </a:spcBef>
-              <a:buClr>
-                <a:schemeClr val="accent1"/>
-              </a:buClr>
-              <a:buFont typeface="Arial" panose="020B0604020202020204" pitchFamily="34" charset="0"/>
-              <a:buChar char="•"/>
-              <a:defRPr sz="2800" kern="1200">
-                <a:solidFill>
-                  <a:schemeClr val="tx1"/>
-                </a:solidFill>
-                <a:latin typeface="Segoe UI" panose="020B0502040204020203" pitchFamily="34" charset="0"/>
-                <a:ea typeface="Segoe UI" panose="020B0502040204020203" pitchFamily="34" charset="0"/>
-                <a:cs typeface="Segoe UI" panose="020B0502040204020203" pitchFamily="34" charset="0"/>
-              </a:defRPr>
-            </a:lvl2pPr>
-            <a:lvl3pPr marL="1142914" indent="-228584" algn="l" defTabSz="914332" rtl="0" eaLnBrk="1" latinLnBrk="0" hangingPunct="1">
-              <a:spcBef>
-                <a:spcPct val="20000"/>
-              </a:spcBef>
-              <a:buClr>
-                <a:schemeClr val="accent1"/>
-              </a:buClr>
-              <a:buFont typeface="Arial" panose="020B0604020202020204" pitchFamily="34" charset="0"/>
-              <a:buChar char="•"/>
-              <a:defRPr sz="2400" kern="1200">
-                <a:solidFill>
-                  <a:schemeClr val="tx1"/>
-                </a:solidFill>
-                <a:latin typeface="Segoe UI" panose="020B0502040204020203" pitchFamily="34" charset="0"/>
-                <a:ea typeface="Segoe UI" panose="020B0502040204020203" pitchFamily="34" charset="0"/>
-                <a:cs typeface="Segoe UI" panose="020B0502040204020203" pitchFamily="34" charset="0"/>
-              </a:defRPr>
-            </a:lvl3pPr>
-            <a:lvl4pPr marL="1600080" indent="-228584" algn="l" defTabSz="914332" rtl="0" eaLnBrk="1" latinLnBrk="0" hangingPunct="1">
-              <a:spcBef>
-                <a:spcPct val="20000"/>
-              </a:spcBef>
-              <a:buClr>
-                <a:schemeClr val="accent1"/>
-              </a:buClr>
-              <a:buFont typeface="Arial" panose="020B0604020202020204" pitchFamily="34" charset="0"/>
-              <a:buChar char="•"/>
-              <a:defRPr sz="2000" kern="1200">
-                <a:solidFill>
-                  <a:schemeClr val="tx1"/>
-                </a:solidFill>
-                <a:latin typeface="Segoe UI" panose="020B0502040204020203" pitchFamily="34" charset="0"/>
-                <a:ea typeface="Segoe UI" panose="020B0502040204020203" pitchFamily="34" charset="0"/>
-                <a:cs typeface="Segoe UI" panose="020B0502040204020203" pitchFamily="34" charset="0"/>
-              </a:defRPr>
-            </a:lvl4pPr>
-            <a:lvl5pPr marL="2057247" indent="-228584" algn="l" defTabSz="914332" rtl="0" eaLnBrk="1" latinLnBrk="0" hangingPunct="1">
-              <a:spcBef>
-                <a:spcPct val="20000"/>
-              </a:spcBef>
-              <a:buClr>
-                <a:schemeClr val="accent1"/>
-              </a:buClr>
-              <a:buFont typeface="Arial" panose="020B0604020202020204" pitchFamily="34" charset="0"/>
-              <a:buChar char="•"/>
-              <a:defRPr sz="2000" kern="1200">
-                <a:solidFill>
-                  <a:schemeClr val="tx1"/>
-                </a:solidFill>
-                <a:latin typeface="Segoe UI" panose="020B0502040204020203" pitchFamily="34" charset="0"/>
-                <a:ea typeface="Segoe UI" panose="020B0502040204020203" pitchFamily="34" charset="0"/>
-                <a:cs typeface="Segoe UI" panose="020B0502040204020203" pitchFamily="34" charset="0"/>
-              </a:defRPr>
-            </a:lvl5pPr>
-            <a:lvl6pPr marL="2514412" indent="-228584" algn="l" defTabSz="914332" rtl="0" eaLnBrk="1" latinLnBrk="0" hangingPunct="1">
-              <a:spcBef>
-                <a:spcPct val="20000"/>
-              </a:spcBef>
-              <a:buFont typeface="Arial" panose="020B0604020202020204" pitchFamily="34" charset="0"/>
-              <a:buChar char="•"/>
-              <a:defRPr sz="2000" kern="1200">
-                <a:solidFill>
-                  <a:schemeClr val="tx1"/>
-                </a:solidFill>
-                <a:latin typeface="+mn-lt"/>
-                <a:ea typeface="+mn-ea"/>
-                <a:cs typeface="+mn-cs"/>
-              </a:defRPr>
-            </a:lvl6pPr>
-            <a:lvl7pPr marL="2971578" indent="-228584" algn="l" defTabSz="914332" rtl="0" eaLnBrk="1" latinLnBrk="0" hangingPunct="1">
-              <a:spcBef>
-                <a:spcPct val="20000"/>
-              </a:spcBef>
-              <a:buFont typeface="Arial" panose="020B0604020202020204" pitchFamily="34" charset="0"/>
-              <a:buChar char="•"/>
-              <a:defRPr sz="2000" kern="1200">
-                <a:solidFill>
-                  <a:schemeClr val="tx1"/>
-                </a:solidFill>
-                <a:latin typeface="+mn-lt"/>
-                <a:ea typeface="+mn-ea"/>
-                <a:cs typeface="+mn-cs"/>
-              </a:defRPr>
-            </a:lvl7pPr>
-            <a:lvl8pPr marL="3428744" indent="-228584" algn="l" defTabSz="914332" rtl="0" eaLnBrk="1" latinLnBrk="0" hangingPunct="1">
-              <a:spcBef>
-                <a:spcPct val="20000"/>
-              </a:spcBef>
-              <a:buFont typeface="Arial" panose="020B0604020202020204" pitchFamily="34" charset="0"/>
-              <a:buChar char="•"/>
-              <a:defRPr sz="2000" kern="1200">
-                <a:solidFill>
-                  <a:schemeClr val="tx1"/>
-                </a:solidFill>
-                <a:latin typeface="+mn-lt"/>
-                <a:ea typeface="+mn-ea"/>
-                <a:cs typeface="+mn-cs"/>
-              </a:defRPr>
-            </a:lvl8pPr>
-            <a:lvl9pPr marL="3885910" indent="-228584" algn="l" defTabSz="914332" rtl="0" eaLnBrk="1" latinLnBrk="0" hangingPunct="1">
-              <a:spcBef>
-                <a:spcPct val="20000"/>
-              </a:spcBef>
-              <a:buFont typeface="Arial" panose="020B0604020202020204" pitchFamily="34" charset="0"/>
-              <a:buChar char="•"/>
-              <a:defRPr sz="2000" kern="1200">
-                <a:solidFill>
-                  <a:schemeClr val="tx1"/>
-                </a:solidFill>
-                <a:latin typeface="+mn-lt"/>
-                <a:ea typeface="+mn-ea"/>
-                <a:cs typeface="+mn-cs"/>
-              </a:defRPr>
-            </a:lvl9pPr>
-          </a:lstStyle>
-          <a:p>
-            <a:br>
-              <a:rPr lang="en-US" sz="2000" dirty="0">
-                <a:solidFill>
-                  <a:srgbClr val="000000"/>
-                </a:solidFill>
-                <a:latin typeface="Consolas" panose="020B0609020204030204" pitchFamily="49" charset="0"/>
-              </a:rPr>
-            </a:br>
-            <a:endParaRPr lang="ru-RU" dirty="0"/>
-          </a:p>
-        </p:txBody>
-      </p:sp>
-      <p:sp>
-        <p:nvSpPr>
-          <p:cNvPr id="6" name="Объект 1"/>
-          <p:cNvSpPr txBox="1">
-            <a:spLocks/>
-          </p:cNvSpPr>
-          <p:nvPr/>
-        </p:nvSpPr>
-        <p:spPr>
-          <a:xfrm>
-            <a:off x="1483401" y="1545740"/>
-            <a:ext cx="11809312" cy="5183905"/>
-          </a:xfrm>
-          <a:prstGeom prst="rect">
-            <a:avLst/>
-          </a:prstGeom>
-        </p:spPr>
-        <p:txBody>
-          <a:bodyPr vert="horz" lIns="91440" tIns="45720" rIns="91440" bIns="45720" rtlCol="0">
-            <a:normAutofit/>
-          </a:bodyPr>
-          <a:lstStyle>
-            <a:lvl1pPr marL="0" indent="0" algn="l" defTabSz="914332" rtl="0" eaLnBrk="1" latinLnBrk="0" hangingPunct="1">
-              <a:spcBef>
-                <a:spcPct val="20000"/>
-              </a:spcBef>
-              <a:buClr>
-                <a:schemeClr val="accent1"/>
-              </a:buClr>
-              <a:buFont typeface="Arial" panose="020B0604020202020204" pitchFamily="34" charset="0"/>
-              <a:buNone/>
-              <a:defRPr sz="3200" kern="1200">
-                <a:solidFill>
-                  <a:schemeClr val="tx1"/>
-                </a:solidFill>
-                <a:latin typeface="Segoe UI" panose="020B0502040204020203" pitchFamily="34" charset="0"/>
-                <a:ea typeface="Segoe UI" panose="020B0502040204020203" pitchFamily="34" charset="0"/>
-                <a:cs typeface="Segoe UI" panose="020B0502040204020203" pitchFamily="34" charset="0"/>
-              </a:defRPr>
-            </a:lvl1pPr>
-            <a:lvl2pPr marL="742895" indent="-285730" algn="l" defTabSz="914332" rtl="0" eaLnBrk="1" latinLnBrk="0" hangingPunct="1">
-              <a:spcBef>
-                <a:spcPct val="20000"/>
-              </a:spcBef>
-              <a:buClr>
-                <a:schemeClr val="accent1"/>
-              </a:buClr>
-              <a:buFont typeface="Arial" panose="020B0604020202020204" pitchFamily="34" charset="0"/>
-              <a:buChar char="•"/>
-              <a:defRPr sz="2800" kern="1200">
-                <a:solidFill>
-                  <a:schemeClr val="tx1"/>
-                </a:solidFill>
-                <a:latin typeface="Segoe UI" panose="020B0502040204020203" pitchFamily="34" charset="0"/>
-                <a:ea typeface="Segoe UI" panose="020B0502040204020203" pitchFamily="34" charset="0"/>
-                <a:cs typeface="Segoe UI" panose="020B0502040204020203" pitchFamily="34" charset="0"/>
-              </a:defRPr>
-            </a:lvl2pPr>
-            <a:lvl3pPr marL="1142914" indent="-228584" algn="l" defTabSz="914332" rtl="0" eaLnBrk="1" latinLnBrk="0" hangingPunct="1">
-              <a:spcBef>
-                <a:spcPct val="20000"/>
-              </a:spcBef>
-              <a:buClr>
-                <a:schemeClr val="accent1"/>
-              </a:buClr>
-              <a:buFont typeface="Arial" panose="020B0604020202020204" pitchFamily="34" charset="0"/>
-              <a:buChar char="•"/>
-              <a:defRPr sz="2400" kern="1200">
-                <a:solidFill>
-                  <a:schemeClr val="tx1"/>
-                </a:solidFill>
-                <a:latin typeface="Segoe UI" panose="020B0502040204020203" pitchFamily="34" charset="0"/>
-                <a:ea typeface="Segoe UI" panose="020B0502040204020203" pitchFamily="34" charset="0"/>
-                <a:cs typeface="Segoe UI" panose="020B0502040204020203" pitchFamily="34" charset="0"/>
-              </a:defRPr>
-            </a:lvl3pPr>
-            <a:lvl4pPr marL="1600080" indent="-228584" algn="l" defTabSz="914332" rtl="0" eaLnBrk="1" latinLnBrk="0" hangingPunct="1">
-              <a:spcBef>
-                <a:spcPct val="20000"/>
-              </a:spcBef>
-              <a:buClr>
-                <a:schemeClr val="accent1"/>
-              </a:buClr>
-              <a:buFont typeface="Arial" panose="020B0604020202020204" pitchFamily="34" charset="0"/>
-              <a:buChar char="•"/>
-              <a:defRPr sz="2000" kern="1200">
-                <a:solidFill>
-                  <a:schemeClr val="tx1"/>
-                </a:solidFill>
-                <a:latin typeface="Segoe UI" panose="020B0502040204020203" pitchFamily="34" charset="0"/>
-                <a:ea typeface="Segoe UI" panose="020B0502040204020203" pitchFamily="34" charset="0"/>
-                <a:cs typeface="Segoe UI" panose="020B0502040204020203" pitchFamily="34" charset="0"/>
-              </a:defRPr>
-            </a:lvl4pPr>
-            <a:lvl5pPr marL="2057247" indent="-228584" algn="l" defTabSz="914332" rtl="0" eaLnBrk="1" latinLnBrk="0" hangingPunct="1">
-              <a:spcBef>
-                <a:spcPct val="20000"/>
-              </a:spcBef>
-              <a:buClr>
-                <a:schemeClr val="accent1"/>
-              </a:buClr>
-              <a:buFont typeface="Arial" panose="020B0604020202020204" pitchFamily="34" charset="0"/>
-              <a:buChar char="•"/>
-              <a:defRPr sz="2000" kern="1200">
-                <a:solidFill>
-                  <a:schemeClr val="tx1"/>
-                </a:solidFill>
-                <a:latin typeface="Segoe UI" panose="020B0502040204020203" pitchFamily="34" charset="0"/>
-                <a:ea typeface="Segoe UI" panose="020B0502040204020203" pitchFamily="34" charset="0"/>
-                <a:cs typeface="Segoe UI" panose="020B0502040204020203" pitchFamily="34" charset="0"/>
-              </a:defRPr>
-            </a:lvl5pPr>
-            <a:lvl6pPr marL="2514412" indent="-228584" algn="l" defTabSz="914332" rtl="0" eaLnBrk="1" latinLnBrk="0" hangingPunct="1">
-              <a:spcBef>
-                <a:spcPct val="20000"/>
-              </a:spcBef>
-              <a:buFont typeface="Arial" panose="020B0604020202020204" pitchFamily="34" charset="0"/>
-              <a:buChar char="•"/>
-              <a:defRPr sz="2000" kern="1200">
-                <a:solidFill>
-                  <a:schemeClr val="tx1"/>
-                </a:solidFill>
-                <a:latin typeface="+mn-lt"/>
-                <a:ea typeface="+mn-ea"/>
-                <a:cs typeface="+mn-cs"/>
-              </a:defRPr>
-            </a:lvl6pPr>
-            <a:lvl7pPr marL="2971578" indent="-228584" algn="l" defTabSz="914332" rtl="0" eaLnBrk="1" latinLnBrk="0" hangingPunct="1">
-              <a:spcBef>
-                <a:spcPct val="20000"/>
-              </a:spcBef>
-              <a:buFont typeface="Arial" panose="020B0604020202020204" pitchFamily="34" charset="0"/>
-              <a:buChar char="•"/>
-              <a:defRPr sz="2000" kern="1200">
-                <a:solidFill>
-                  <a:schemeClr val="tx1"/>
-                </a:solidFill>
-                <a:latin typeface="+mn-lt"/>
-                <a:ea typeface="+mn-ea"/>
-                <a:cs typeface="+mn-cs"/>
-              </a:defRPr>
-            </a:lvl7pPr>
-            <a:lvl8pPr marL="3428744" indent="-228584" algn="l" defTabSz="914332" rtl="0" eaLnBrk="1" latinLnBrk="0" hangingPunct="1">
-              <a:spcBef>
-                <a:spcPct val="20000"/>
-              </a:spcBef>
-              <a:buFont typeface="Arial" panose="020B0604020202020204" pitchFamily="34" charset="0"/>
-              <a:buChar char="•"/>
-              <a:defRPr sz="2000" kern="1200">
-                <a:solidFill>
-                  <a:schemeClr val="tx1"/>
-                </a:solidFill>
-                <a:latin typeface="+mn-lt"/>
-                <a:ea typeface="+mn-ea"/>
-                <a:cs typeface="+mn-cs"/>
-              </a:defRPr>
-            </a:lvl8pPr>
-            <a:lvl9pPr marL="3885910" indent="-228584" algn="l" defTabSz="914332" rtl="0" eaLnBrk="1" latinLnBrk="0" hangingPunct="1">
-              <a:spcBef>
-                <a:spcPct val="20000"/>
-              </a:spcBef>
-              <a:buFont typeface="Arial" panose="020B0604020202020204" pitchFamily="34" charset="0"/>
-              <a:buChar char="•"/>
-              <a:defRPr sz="2000" kern="1200">
-                <a:solidFill>
-                  <a:schemeClr val="tx1"/>
-                </a:solidFill>
-                <a:latin typeface="+mn-lt"/>
-                <a:ea typeface="+mn-ea"/>
-                <a:cs typeface="+mn-cs"/>
-              </a:defRPr>
-            </a:lvl9pPr>
-          </a:lstStyle>
-          <a:p>
-            <a:br>
-              <a:rPr lang="en-US" sz="2400" dirty="0">
-                <a:solidFill>
-                  <a:srgbClr val="000000"/>
-                </a:solidFill>
-                <a:latin typeface="Consolas" panose="020B0609020204030204" pitchFamily="49" charset="0"/>
-              </a:rPr>
-            </a:br>
-            <a:endParaRPr lang="ru-RU" dirty="0"/>
-          </a:p>
-        </p:txBody>
-      </p:sp>
-      <p:sp>
-        <p:nvSpPr>
-          <p:cNvPr id="4" name="TextBox 3"/>
-          <p:cNvSpPr txBox="1"/>
-          <p:nvPr/>
-        </p:nvSpPr>
-        <p:spPr>
-          <a:xfrm>
-            <a:off x="2711624" y="5085184"/>
-            <a:ext cx="184731" cy="1200329"/>
-          </a:xfrm>
-          <a:prstGeom prst="rect">
-            <a:avLst/>
-          </a:prstGeom>
-          <a:noFill/>
-        </p:spPr>
-        <p:txBody>
-          <a:bodyPr wrap="none" rtlCol="0">
-            <a:spAutoFit/>
-          </a:bodyPr>
-          <a:lstStyle/>
-          <a:p>
-            <a:endParaRPr lang="ru-RU" dirty="0"/>
-          </a:p>
-          <a:p>
-            <a:endParaRPr lang="ru-RU" dirty="0"/>
-          </a:p>
-          <a:p>
-            <a:endParaRPr lang="ru-RU" dirty="0"/>
-          </a:p>
-          <a:p>
-            <a:endParaRPr lang="ru-RU" dirty="0"/>
-          </a:p>
-        </p:txBody>
-      </p:sp>
-      <p:sp>
-        <p:nvSpPr>
-          <p:cNvPr id="7" name="TextBox 6"/>
-          <p:cNvSpPr txBox="1"/>
-          <p:nvPr/>
-        </p:nvSpPr>
-        <p:spPr>
-          <a:xfrm>
-            <a:off x="3647728" y="5157192"/>
-            <a:ext cx="184731" cy="1200329"/>
-          </a:xfrm>
-          <a:prstGeom prst="rect">
-            <a:avLst/>
-          </a:prstGeom>
-          <a:noFill/>
-        </p:spPr>
-        <p:txBody>
-          <a:bodyPr wrap="none" rtlCol="0">
-            <a:spAutoFit/>
-          </a:bodyPr>
-          <a:lstStyle/>
-          <a:p>
-            <a:endParaRPr lang="ru-RU" dirty="0"/>
-          </a:p>
-          <a:p>
-            <a:endParaRPr lang="ru-RU" dirty="0"/>
-          </a:p>
-          <a:p>
-            <a:endParaRPr lang="ru-RU" dirty="0"/>
-          </a:p>
-          <a:p>
-            <a:endParaRPr lang="ru-RU" dirty="0"/>
-          </a:p>
-        </p:txBody>
-      </p:sp>
-      <p:sp>
-        <p:nvSpPr>
-          <p:cNvPr id="8" name="TextBox 7"/>
-          <p:cNvSpPr txBox="1"/>
-          <p:nvPr/>
-        </p:nvSpPr>
-        <p:spPr>
-          <a:xfrm>
-            <a:off x="4367808" y="4869160"/>
-            <a:ext cx="184731" cy="1200329"/>
-          </a:xfrm>
-          <a:prstGeom prst="rect">
-            <a:avLst/>
-          </a:prstGeom>
-          <a:noFill/>
-        </p:spPr>
-        <p:txBody>
-          <a:bodyPr wrap="none" rtlCol="0">
-            <a:spAutoFit/>
-          </a:bodyPr>
-          <a:lstStyle/>
-          <a:p>
-            <a:endParaRPr lang="ru-RU" dirty="0"/>
-          </a:p>
-          <a:p>
-            <a:endParaRPr lang="ru-RU" dirty="0"/>
-          </a:p>
-          <a:p>
-            <a:endParaRPr lang="ru-RU" dirty="0"/>
-          </a:p>
-          <a:p>
-            <a:endParaRPr lang="ru-RU" dirty="0"/>
-          </a:p>
-        </p:txBody>
-      </p:sp>
-      <p:sp>
-        <p:nvSpPr>
-          <p:cNvPr id="9" name="TextBox 8"/>
-          <p:cNvSpPr txBox="1"/>
-          <p:nvPr/>
-        </p:nvSpPr>
-        <p:spPr>
-          <a:xfrm>
-            <a:off x="5911269" y="4797152"/>
-            <a:ext cx="184731" cy="1200329"/>
-          </a:xfrm>
-          <a:prstGeom prst="rect">
-            <a:avLst/>
-          </a:prstGeom>
-          <a:noFill/>
-        </p:spPr>
-        <p:txBody>
-          <a:bodyPr wrap="none" rtlCol="0">
-            <a:spAutoFit/>
-          </a:bodyPr>
-          <a:lstStyle/>
-          <a:p>
-            <a:endParaRPr lang="ru-RU" dirty="0"/>
-          </a:p>
-          <a:p>
-            <a:endParaRPr lang="ru-RU" dirty="0"/>
-          </a:p>
-          <a:p>
-            <a:endParaRPr lang="ru-RU" dirty="0"/>
-          </a:p>
-          <a:p>
-            <a:endParaRPr lang="ru-RU" dirty="0"/>
-          </a:p>
-        </p:txBody>
-      </p:sp>
-      <p:sp>
-        <p:nvSpPr>
-          <p:cNvPr id="10" name="TextBox 9"/>
-          <p:cNvSpPr txBox="1"/>
-          <p:nvPr/>
-        </p:nvSpPr>
-        <p:spPr>
-          <a:xfrm>
-            <a:off x="7794872" y="5136976"/>
-            <a:ext cx="184731" cy="1200329"/>
-          </a:xfrm>
-          <a:prstGeom prst="rect">
-            <a:avLst/>
-          </a:prstGeom>
-          <a:noFill/>
-        </p:spPr>
-        <p:txBody>
-          <a:bodyPr wrap="none" rtlCol="0">
-            <a:spAutoFit/>
-          </a:bodyPr>
-          <a:lstStyle/>
-          <a:p>
-            <a:endParaRPr lang="ru-RU" dirty="0"/>
-          </a:p>
-          <a:p>
-            <a:endParaRPr lang="ru-RU" dirty="0"/>
-          </a:p>
-          <a:p>
-            <a:endParaRPr lang="ru-RU" dirty="0"/>
-          </a:p>
-          <a:p>
-            <a:endParaRPr lang="ru-RU" dirty="0"/>
-          </a:p>
-        </p:txBody>
-      </p:sp>
-      <p:sp>
-        <p:nvSpPr>
-          <p:cNvPr id="11" name="TextBox 10"/>
-          <p:cNvSpPr txBox="1"/>
-          <p:nvPr/>
-        </p:nvSpPr>
-        <p:spPr>
-          <a:xfrm>
-            <a:off x="9051634" y="4293096"/>
-            <a:ext cx="184731" cy="1200329"/>
-          </a:xfrm>
-          <a:prstGeom prst="rect">
-            <a:avLst/>
-          </a:prstGeom>
-          <a:noFill/>
-        </p:spPr>
-        <p:txBody>
-          <a:bodyPr wrap="none" rtlCol="0">
-            <a:spAutoFit/>
-          </a:bodyPr>
-          <a:lstStyle/>
-          <a:p>
-            <a:endParaRPr lang="ru-RU" dirty="0"/>
-          </a:p>
-          <a:p>
-            <a:endParaRPr lang="ru-RU" dirty="0"/>
-          </a:p>
-          <a:p>
-            <a:endParaRPr lang="ru-RU" dirty="0"/>
-          </a:p>
-          <a:p>
-            <a:endParaRPr lang="ru-RU" dirty="0"/>
-          </a:p>
-        </p:txBody>
-      </p:sp>
-      <p:sp>
-        <p:nvSpPr>
-          <p:cNvPr id="12" name="Прямоугольник 11"/>
-          <p:cNvSpPr/>
-          <p:nvPr/>
-        </p:nvSpPr>
-        <p:spPr>
-          <a:xfrm>
-            <a:off x="2063552" y="4797152"/>
-            <a:ext cx="360040" cy="648072"/>
-          </a:xfrm>
-          <a:prstGeom prst="rect">
-            <a:avLst/>
-          </a:prstGeom>
-          <a:noFill/>
-          <a:ln>
-            <a:noFill/>
-          </a:ln>
-        </p:spPr>
-        <p:style>
-          <a:lnRef idx="0">
-            <a:scrgbClr r="0" g="0" b="0"/>
-          </a:lnRef>
-          <a:fillRef idx="0">
-            <a:scrgbClr r="0" g="0" b="0"/>
-          </a:fillRef>
-          <a:effectRef idx="0">
-            <a:scrgbClr r="0" g="0" b="0"/>
-          </a:effectRef>
-          <a:fontRef idx="minor">
-            <a:schemeClr val="dk1"/>
-          </a:fontRef>
-        </p:style>
-        <p:txBody>
-          <a:bodyPr rtlCol="0" anchor="ctr"/>
-          <a:lstStyle/>
-          <a:p>
-            <a:pPr algn="ctr"/>
-            <a:endParaRPr lang="ru-RU"/>
-          </a:p>
-        </p:txBody>
-      </p:sp>
-    </p:spTree>
-    <p:extLst>
-      <p:ext uri="{BB962C8B-B14F-4D97-AF65-F5344CB8AC3E}">
-        <p14:creationId xmlns:p14="http://schemas.microsoft.com/office/powerpoint/2010/main" val="589361687"/>
-      </p:ext>
-    </p:extLst>
-  </p:cSld>
-  <p:clrMapOvr>
-    <a:masterClrMapping/>
-  </p:clrMapOvr>
-</p:sld>
-</file>
-
-<file path=ppt/slides/slide39.xml><?xml version="1.0" encoding="utf-8"?>
-<p:sld xmlns:a="http://schemas.openxmlformats.org/drawingml/2006/main" xmlns:r="http://schemas.openxmlformats.org/officeDocument/2006/relationships" xmlns:p="http://schemas.openxmlformats.org/presentationml/2006/main">
-  <p:cSld>
-    <p:spTree>
-      <p:nvGrpSpPr>
-        <p:cNvPr id="1" name=""/>
-        <p:cNvGrpSpPr/>
-        <p:nvPr/>
-      </p:nvGrpSpPr>
-      <p:grpSpPr>
-        <a:xfrm>
-          <a:off x="0" y="0"/>
-          <a:ext cx="0" cy="0"/>
-          <a:chOff x="0" y="0"/>
-          <a:chExt cx="0" cy="0"/>
-        </a:xfrm>
-      </p:grpSpPr>
-      <p:sp>
-        <p:nvSpPr>
-          <p:cNvPr id="2" name="Объект 1"/>
-          <p:cNvSpPr>
-            <a:spLocks noGrp="1"/>
-          </p:cNvSpPr>
-          <p:nvPr>
-            <p:ph sz="quarter" idx="13"/>
-          </p:nvPr>
-        </p:nvSpPr>
-        <p:spPr>
-          <a:xfrm>
-            <a:off x="5015880" y="3429000"/>
-            <a:ext cx="2160240" cy="864096"/>
-          </a:xfrm>
-        </p:spPr>
-        <p:txBody>
-          <a:bodyPr>
-            <a:normAutofit/>
-          </a:bodyPr>
-          <a:lstStyle/>
-          <a:p>
-            <a:r>
-              <a:rPr lang="ru-RU" sz="4400" dirty="0">
-                <a:latin typeface="+mn-lt"/>
-              </a:rPr>
-              <a:t>Ответ…</a:t>
-            </a:r>
-          </a:p>
-        </p:txBody>
-      </p:sp>
-      <p:sp>
-        <p:nvSpPr>
-          <p:cNvPr id="3" name="Заголовок 2"/>
-          <p:cNvSpPr>
-            <a:spLocks noGrp="1"/>
-          </p:cNvSpPr>
-          <p:nvPr>
-            <p:ph type="title"/>
-          </p:nvPr>
-        </p:nvSpPr>
-        <p:spPr/>
-        <p:txBody>
-          <a:bodyPr/>
-          <a:lstStyle/>
-          <a:p>
-            <a:r>
-              <a:rPr lang="en-US" dirty="0"/>
-              <a:t>OUT OF MEMORY</a:t>
-            </a:r>
-            <a:endParaRPr lang="ru-RU" dirty="0"/>
-          </a:p>
-        </p:txBody>
-      </p:sp>
-      <p:sp>
-        <p:nvSpPr>
-          <p:cNvPr id="5" name="Объект 1"/>
-          <p:cNvSpPr txBox="1">
-            <a:spLocks/>
-          </p:cNvSpPr>
-          <p:nvPr/>
-        </p:nvSpPr>
-        <p:spPr>
-          <a:xfrm>
-            <a:off x="5257882" y="1341439"/>
-            <a:ext cx="6934117" cy="4320501"/>
-          </a:xfrm>
-          <a:prstGeom prst="rect">
-            <a:avLst/>
-          </a:prstGeom>
-        </p:spPr>
-        <p:txBody>
-          <a:bodyPr vert="horz" lIns="91440" tIns="45720" rIns="91440" bIns="45720" rtlCol="0">
-            <a:normAutofit/>
-          </a:bodyPr>
-          <a:lstStyle>
-            <a:lvl1pPr marL="0" indent="0" algn="l" defTabSz="914332" rtl="0" eaLnBrk="1" latinLnBrk="0" hangingPunct="1">
-              <a:spcBef>
-                <a:spcPct val="20000"/>
-              </a:spcBef>
-              <a:buClr>
-                <a:schemeClr val="accent1"/>
-              </a:buClr>
-              <a:buFont typeface="Arial" panose="020B0604020202020204" pitchFamily="34" charset="0"/>
-              <a:buNone/>
-              <a:defRPr sz="3200" kern="1200">
-                <a:solidFill>
-                  <a:schemeClr val="tx1"/>
-                </a:solidFill>
-                <a:latin typeface="Segoe UI" panose="020B0502040204020203" pitchFamily="34" charset="0"/>
-                <a:ea typeface="Segoe UI" panose="020B0502040204020203" pitchFamily="34" charset="0"/>
-                <a:cs typeface="Segoe UI" panose="020B0502040204020203" pitchFamily="34" charset="0"/>
-              </a:defRPr>
-            </a:lvl1pPr>
-            <a:lvl2pPr marL="742895" indent="-285730" algn="l" defTabSz="914332" rtl="0" eaLnBrk="1" latinLnBrk="0" hangingPunct="1">
-              <a:spcBef>
-                <a:spcPct val="20000"/>
-              </a:spcBef>
-              <a:buClr>
-                <a:schemeClr val="accent1"/>
-              </a:buClr>
-              <a:buFont typeface="Arial" panose="020B0604020202020204" pitchFamily="34" charset="0"/>
-              <a:buChar char="•"/>
-              <a:defRPr sz="2800" kern="1200">
-                <a:solidFill>
-                  <a:schemeClr val="tx1"/>
-                </a:solidFill>
-                <a:latin typeface="Segoe UI" panose="020B0502040204020203" pitchFamily="34" charset="0"/>
-                <a:ea typeface="Segoe UI" panose="020B0502040204020203" pitchFamily="34" charset="0"/>
-                <a:cs typeface="Segoe UI" panose="020B0502040204020203" pitchFamily="34" charset="0"/>
-              </a:defRPr>
-            </a:lvl2pPr>
-            <a:lvl3pPr marL="1142914" indent="-228584" algn="l" defTabSz="914332" rtl="0" eaLnBrk="1" latinLnBrk="0" hangingPunct="1">
-              <a:spcBef>
-                <a:spcPct val="20000"/>
-              </a:spcBef>
-              <a:buClr>
-                <a:schemeClr val="accent1"/>
-              </a:buClr>
-              <a:buFont typeface="Arial" panose="020B0604020202020204" pitchFamily="34" charset="0"/>
-              <a:buChar char="•"/>
-              <a:defRPr sz="2400" kern="1200">
-                <a:solidFill>
-                  <a:schemeClr val="tx1"/>
-                </a:solidFill>
-                <a:latin typeface="Segoe UI" panose="020B0502040204020203" pitchFamily="34" charset="0"/>
-                <a:ea typeface="Segoe UI" panose="020B0502040204020203" pitchFamily="34" charset="0"/>
-                <a:cs typeface="Segoe UI" panose="020B0502040204020203" pitchFamily="34" charset="0"/>
-              </a:defRPr>
-            </a:lvl3pPr>
-            <a:lvl4pPr marL="1600080" indent="-228584" algn="l" defTabSz="914332" rtl="0" eaLnBrk="1" latinLnBrk="0" hangingPunct="1">
-              <a:spcBef>
-                <a:spcPct val="20000"/>
-              </a:spcBef>
-              <a:buClr>
-                <a:schemeClr val="accent1"/>
-              </a:buClr>
-              <a:buFont typeface="Arial" panose="020B0604020202020204" pitchFamily="34" charset="0"/>
-              <a:buChar char="•"/>
-              <a:defRPr sz="2000" kern="1200">
-                <a:solidFill>
-                  <a:schemeClr val="tx1"/>
-                </a:solidFill>
-                <a:latin typeface="Segoe UI" panose="020B0502040204020203" pitchFamily="34" charset="0"/>
-                <a:ea typeface="Segoe UI" panose="020B0502040204020203" pitchFamily="34" charset="0"/>
-                <a:cs typeface="Segoe UI" panose="020B0502040204020203" pitchFamily="34" charset="0"/>
-              </a:defRPr>
-            </a:lvl4pPr>
-            <a:lvl5pPr marL="2057247" indent="-228584" algn="l" defTabSz="914332" rtl="0" eaLnBrk="1" latinLnBrk="0" hangingPunct="1">
-              <a:spcBef>
-                <a:spcPct val="20000"/>
-              </a:spcBef>
-              <a:buClr>
-                <a:schemeClr val="accent1"/>
-              </a:buClr>
-              <a:buFont typeface="Arial" panose="020B0604020202020204" pitchFamily="34" charset="0"/>
-              <a:buChar char="•"/>
-              <a:defRPr sz="2000" kern="1200">
-                <a:solidFill>
-                  <a:schemeClr val="tx1"/>
-                </a:solidFill>
-                <a:latin typeface="Segoe UI" panose="020B0502040204020203" pitchFamily="34" charset="0"/>
-                <a:ea typeface="Segoe UI" panose="020B0502040204020203" pitchFamily="34" charset="0"/>
-                <a:cs typeface="Segoe UI" panose="020B0502040204020203" pitchFamily="34" charset="0"/>
-              </a:defRPr>
-            </a:lvl5pPr>
-            <a:lvl6pPr marL="2514412" indent="-228584" algn="l" defTabSz="914332" rtl="0" eaLnBrk="1" latinLnBrk="0" hangingPunct="1">
-              <a:spcBef>
-                <a:spcPct val="20000"/>
-              </a:spcBef>
-              <a:buFont typeface="Arial" panose="020B0604020202020204" pitchFamily="34" charset="0"/>
-              <a:buChar char="•"/>
-              <a:defRPr sz="2000" kern="1200">
-                <a:solidFill>
-                  <a:schemeClr val="tx1"/>
-                </a:solidFill>
-                <a:latin typeface="+mn-lt"/>
-                <a:ea typeface="+mn-ea"/>
-                <a:cs typeface="+mn-cs"/>
-              </a:defRPr>
-            </a:lvl6pPr>
-            <a:lvl7pPr marL="2971578" indent="-228584" algn="l" defTabSz="914332" rtl="0" eaLnBrk="1" latinLnBrk="0" hangingPunct="1">
-              <a:spcBef>
-                <a:spcPct val="20000"/>
-              </a:spcBef>
-              <a:buFont typeface="Arial" panose="020B0604020202020204" pitchFamily="34" charset="0"/>
-              <a:buChar char="•"/>
-              <a:defRPr sz="2000" kern="1200">
-                <a:solidFill>
-                  <a:schemeClr val="tx1"/>
-                </a:solidFill>
-                <a:latin typeface="+mn-lt"/>
-                <a:ea typeface="+mn-ea"/>
-                <a:cs typeface="+mn-cs"/>
-              </a:defRPr>
-            </a:lvl7pPr>
-            <a:lvl8pPr marL="3428744" indent="-228584" algn="l" defTabSz="914332" rtl="0" eaLnBrk="1" latinLnBrk="0" hangingPunct="1">
-              <a:spcBef>
-                <a:spcPct val="20000"/>
-              </a:spcBef>
-              <a:buFont typeface="Arial" panose="020B0604020202020204" pitchFamily="34" charset="0"/>
-              <a:buChar char="•"/>
-              <a:defRPr sz="2000" kern="1200">
-                <a:solidFill>
-                  <a:schemeClr val="tx1"/>
-                </a:solidFill>
-                <a:latin typeface="+mn-lt"/>
-                <a:ea typeface="+mn-ea"/>
-                <a:cs typeface="+mn-cs"/>
-              </a:defRPr>
-            </a:lvl8pPr>
-            <a:lvl9pPr marL="3885910" indent="-228584" algn="l" defTabSz="914332" rtl="0" eaLnBrk="1" latinLnBrk="0" hangingPunct="1">
-              <a:spcBef>
-                <a:spcPct val="20000"/>
-              </a:spcBef>
-              <a:buFont typeface="Arial" panose="020B0604020202020204" pitchFamily="34" charset="0"/>
-              <a:buChar char="•"/>
-              <a:defRPr sz="2000" kern="1200">
-                <a:solidFill>
-                  <a:schemeClr val="tx1"/>
-                </a:solidFill>
-                <a:latin typeface="+mn-lt"/>
-                <a:ea typeface="+mn-ea"/>
-                <a:cs typeface="+mn-cs"/>
-              </a:defRPr>
-            </a:lvl9pPr>
-          </a:lstStyle>
-          <a:p>
-            <a:br>
-              <a:rPr lang="en-US" sz="2000" dirty="0">
-                <a:solidFill>
-                  <a:srgbClr val="000000"/>
-                </a:solidFill>
-                <a:latin typeface="Consolas" panose="020B0609020204030204" pitchFamily="49" charset="0"/>
-              </a:rPr>
-            </a:br>
-            <a:endParaRPr lang="ru-RU" dirty="0"/>
-          </a:p>
-        </p:txBody>
-      </p:sp>
-      <p:sp>
-        <p:nvSpPr>
-          <p:cNvPr id="6" name="Объект 1"/>
-          <p:cNvSpPr txBox="1">
-            <a:spLocks/>
-          </p:cNvSpPr>
-          <p:nvPr/>
-        </p:nvSpPr>
-        <p:spPr>
-          <a:xfrm>
-            <a:off x="1483401" y="1545740"/>
-            <a:ext cx="11809312" cy="5183905"/>
-          </a:xfrm>
-          <a:prstGeom prst="rect">
-            <a:avLst/>
-          </a:prstGeom>
-        </p:spPr>
-        <p:txBody>
-          <a:bodyPr vert="horz" lIns="91440" tIns="45720" rIns="91440" bIns="45720" rtlCol="0">
-            <a:normAutofit/>
-          </a:bodyPr>
-          <a:lstStyle>
-            <a:lvl1pPr marL="0" indent="0" algn="l" defTabSz="914332" rtl="0" eaLnBrk="1" latinLnBrk="0" hangingPunct="1">
-              <a:spcBef>
-                <a:spcPct val="20000"/>
-              </a:spcBef>
-              <a:buClr>
-                <a:schemeClr val="accent1"/>
-              </a:buClr>
-              <a:buFont typeface="Arial" panose="020B0604020202020204" pitchFamily="34" charset="0"/>
-              <a:buNone/>
-              <a:defRPr sz="3200" kern="1200">
-                <a:solidFill>
-                  <a:schemeClr val="tx1"/>
-                </a:solidFill>
-                <a:latin typeface="Segoe UI" panose="020B0502040204020203" pitchFamily="34" charset="0"/>
-                <a:ea typeface="Segoe UI" panose="020B0502040204020203" pitchFamily="34" charset="0"/>
-                <a:cs typeface="Segoe UI" panose="020B0502040204020203" pitchFamily="34" charset="0"/>
-              </a:defRPr>
-            </a:lvl1pPr>
-            <a:lvl2pPr marL="742895" indent="-285730" algn="l" defTabSz="914332" rtl="0" eaLnBrk="1" latinLnBrk="0" hangingPunct="1">
-              <a:spcBef>
-                <a:spcPct val="20000"/>
-              </a:spcBef>
-              <a:buClr>
-                <a:schemeClr val="accent1"/>
-              </a:buClr>
-              <a:buFont typeface="Arial" panose="020B0604020202020204" pitchFamily="34" charset="0"/>
-              <a:buChar char="•"/>
-              <a:defRPr sz="2800" kern="1200">
-                <a:solidFill>
-                  <a:schemeClr val="tx1"/>
-                </a:solidFill>
-                <a:latin typeface="Segoe UI" panose="020B0502040204020203" pitchFamily="34" charset="0"/>
-                <a:ea typeface="Segoe UI" panose="020B0502040204020203" pitchFamily="34" charset="0"/>
-                <a:cs typeface="Segoe UI" panose="020B0502040204020203" pitchFamily="34" charset="0"/>
-              </a:defRPr>
-            </a:lvl2pPr>
-            <a:lvl3pPr marL="1142914" indent="-228584" algn="l" defTabSz="914332" rtl="0" eaLnBrk="1" latinLnBrk="0" hangingPunct="1">
-              <a:spcBef>
-                <a:spcPct val="20000"/>
-              </a:spcBef>
-              <a:buClr>
-                <a:schemeClr val="accent1"/>
-              </a:buClr>
-              <a:buFont typeface="Arial" panose="020B0604020202020204" pitchFamily="34" charset="0"/>
-              <a:buChar char="•"/>
-              <a:defRPr sz="2400" kern="1200">
-                <a:solidFill>
-                  <a:schemeClr val="tx1"/>
-                </a:solidFill>
-                <a:latin typeface="Segoe UI" panose="020B0502040204020203" pitchFamily="34" charset="0"/>
-                <a:ea typeface="Segoe UI" panose="020B0502040204020203" pitchFamily="34" charset="0"/>
-                <a:cs typeface="Segoe UI" panose="020B0502040204020203" pitchFamily="34" charset="0"/>
-              </a:defRPr>
-            </a:lvl3pPr>
-            <a:lvl4pPr marL="1600080" indent="-228584" algn="l" defTabSz="914332" rtl="0" eaLnBrk="1" latinLnBrk="0" hangingPunct="1">
-              <a:spcBef>
-                <a:spcPct val="20000"/>
-              </a:spcBef>
-              <a:buClr>
-                <a:schemeClr val="accent1"/>
-              </a:buClr>
-              <a:buFont typeface="Arial" panose="020B0604020202020204" pitchFamily="34" charset="0"/>
-              <a:buChar char="•"/>
-              <a:defRPr sz="2000" kern="1200">
-                <a:solidFill>
-                  <a:schemeClr val="tx1"/>
-                </a:solidFill>
-                <a:latin typeface="Segoe UI" panose="020B0502040204020203" pitchFamily="34" charset="0"/>
-                <a:ea typeface="Segoe UI" panose="020B0502040204020203" pitchFamily="34" charset="0"/>
-                <a:cs typeface="Segoe UI" panose="020B0502040204020203" pitchFamily="34" charset="0"/>
-              </a:defRPr>
-            </a:lvl4pPr>
-            <a:lvl5pPr marL="2057247" indent="-228584" algn="l" defTabSz="914332" rtl="0" eaLnBrk="1" latinLnBrk="0" hangingPunct="1">
-              <a:spcBef>
-                <a:spcPct val="20000"/>
-              </a:spcBef>
-              <a:buClr>
-                <a:schemeClr val="accent1"/>
-              </a:buClr>
-              <a:buFont typeface="Arial" panose="020B0604020202020204" pitchFamily="34" charset="0"/>
-              <a:buChar char="•"/>
-              <a:defRPr sz="2000" kern="1200">
-                <a:solidFill>
-                  <a:schemeClr val="tx1"/>
-                </a:solidFill>
-                <a:latin typeface="Segoe UI" panose="020B0502040204020203" pitchFamily="34" charset="0"/>
-                <a:ea typeface="Segoe UI" panose="020B0502040204020203" pitchFamily="34" charset="0"/>
-                <a:cs typeface="Segoe UI" panose="020B0502040204020203" pitchFamily="34" charset="0"/>
-              </a:defRPr>
-            </a:lvl5pPr>
-            <a:lvl6pPr marL="2514412" indent="-228584" algn="l" defTabSz="914332" rtl="0" eaLnBrk="1" latinLnBrk="0" hangingPunct="1">
-              <a:spcBef>
-                <a:spcPct val="20000"/>
-              </a:spcBef>
-              <a:buFont typeface="Arial" panose="020B0604020202020204" pitchFamily="34" charset="0"/>
-              <a:buChar char="•"/>
-              <a:defRPr sz="2000" kern="1200">
-                <a:solidFill>
-                  <a:schemeClr val="tx1"/>
-                </a:solidFill>
-                <a:latin typeface="+mn-lt"/>
-                <a:ea typeface="+mn-ea"/>
-                <a:cs typeface="+mn-cs"/>
-              </a:defRPr>
-            </a:lvl6pPr>
-            <a:lvl7pPr marL="2971578" indent="-228584" algn="l" defTabSz="914332" rtl="0" eaLnBrk="1" latinLnBrk="0" hangingPunct="1">
-              <a:spcBef>
-                <a:spcPct val="20000"/>
-              </a:spcBef>
-              <a:buFont typeface="Arial" panose="020B0604020202020204" pitchFamily="34" charset="0"/>
-              <a:buChar char="•"/>
-              <a:defRPr sz="2000" kern="1200">
-                <a:solidFill>
-                  <a:schemeClr val="tx1"/>
-                </a:solidFill>
-                <a:latin typeface="+mn-lt"/>
-                <a:ea typeface="+mn-ea"/>
-                <a:cs typeface="+mn-cs"/>
-              </a:defRPr>
-            </a:lvl7pPr>
-            <a:lvl8pPr marL="3428744" indent="-228584" algn="l" defTabSz="914332" rtl="0" eaLnBrk="1" latinLnBrk="0" hangingPunct="1">
-              <a:spcBef>
-                <a:spcPct val="20000"/>
-              </a:spcBef>
-              <a:buFont typeface="Arial" panose="020B0604020202020204" pitchFamily="34" charset="0"/>
-              <a:buChar char="•"/>
-              <a:defRPr sz="2000" kern="1200">
-                <a:solidFill>
-                  <a:schemeClr val="tx1"/>
-                </a:solidFill>
-                <a:latin typeface="+mn-lt"/>
-                <a:ea typeface="+mn-ea"/>
-                <a:cs typeface="+mn-cs"/>
-              </a:defRPr>
-            </a:lvl8pPr>
-            <a:lvl9pPr marL="3885910" indent="-228584" algn="l" defTabSz="914332" rtl="0" eaLnBrk="1" latinLnBrk="0" hangingPunct="1">
-              <a:spcBef>
-                <a:spcPct val="20000"/>
-              </a:spcBef>
-              <a:buFont typeface="Arial" panose="020B0604020202020204" pitchFamily="34" charset="0"/>
-              <a:buChar char="•"/>
-              <a:defRPr sz="2000" kern="1200">
-                <a:solidFill>
-                  <a:schemeClr val="tx1"/>
-                </a:solidFill>
-                <a:latin typeface="+mn-lt"/>
-                <a:ea typeface="+mn-ea"/>
-                <a:cs typeface="+mn-cs"/>
-              </a:defRPr>
-            </a:lvl9pPr>
-          </a:lstStyle>
-          <a:p>
-            <a:br>
-              <a:rPr lang="en-US" sz="2400" dirty="0">
-                <a:solidFill>
-                  <a:srgbClr val="000000"/>
-                </a:solidFill>
-                <a:latin typeface="Consolas" panose="020B0609020204030204" pitchFamily="49" charset="0"/>
-              </a:rPr>
-            </a:br>
-            <a:endParaRPr lang="ru-RU" dirty="0"/>
-          </a:p>
-        </p:txBody>
-      </p:sp>
-      <p:sp>
-        <p:nvSpPr>
-          <p:cNvPr id="4" name="TextBox 3"/>
-          <p:cNvSpPr txBox="1"/>
-          <p:nvPr/>
-        </p:nvSpPr>
-        <p:spPr>
-          <a:xfrm>
-            <a:off x="2711624" y="5085184"/>
-            <a:ext cx="184731" cy="1200329"/>
-          </a:xfrm>
-          <a:prstGeom prst="rect">
-            <a:avLst/>
-          </a:prstGeom>
-          <a:noFill/>
-        </p:spPr>
-        <p:txBody>
-          <a:bodyPr wrap="none" rtlCol="0">
-            <a:spAutoFit/>
-          </a:bodyPr>
-          <a:lstStyle/>
-          <a:p>
-            <a:endParaRPr lang="ru-RU" dirty="0"/>
-          </a:p>
-          <a:p>
-            <a:endParaRPr lang="ru-RU" dirty="0"/>
-          </a:p>
-          <a:p>
-            <a:endParaRPr lang="ru-RU" dirty="0"/>
-          </a:p>
-          <a:p>
-            <a:endParaRPr lang="ru-RU" dirty="0"/>
-          </a:p>
-        </p:txBody>
-      </p:sp>
-      <p:sp>
-        <p:nvSpPr>
-          <p:cNvPr id="7" name="TextBox 6"/>
-          <p:cNvSpPr txBox="1"/>
-          <p:nvPr/>
-        </p:nvSpPr>
-        <p:spPr>
-          <a:xfrm>
-            <a:off x="3647728" y="5157192"/>
-            <a:ext cx="184731" cy="1200329"/>
-          </a:xfrm>
-          <a:prstGeom prst="rect">
-            <a:avLst/>
-          </a:prstGeom>
-          <a:noFill/>
-        </p:spPr>
-        <p:txBody>
-          <a:bodyPr wrap="none" rtlCol="0">
-            <a:spAutoFit/>
-          </a:bodyPr>
-          <a:lstStyle/>
-          <a:p>
-            <a:endParaRPr lang="ru-RU" dirty="0"/>
-          </a:p>
-          <a:p>
-            <a:endParaRPr lang="ru-RU" dirty="0"/>
-          </a:p>
-          <a:p>
-            <a:endParaRPr lang="ru-RU" dirty="0"/>
-          </a:p>
-          <a:p>
-            <a:endParaRPr lang="ru-RU" dirty="0"/>
-          </a:p>
-        </p:txBody>
-      </p:sp>
-      <p:sp>
-        <p:nvSpPr>
-          <p:cNvPr id="8" name="TextBox 7"/>
-          <p:cNvSpPr txBox="1"/>
-          <p:nvPr/>
-        </p:nvSpPr>
-        <p:spPr>
-          <a:xfrm>
-            <a:off x="4367808" y="4869160"/>
-            <a:ext cx="184731" cy="1200329"/>
-          </a:xfrm>
-          <a:prstGeom prst="rect">
-            <a:avLst/>
-          </a:prstGeom>
-          <a:noFill/>
-        </p:spPr>
-        <p:txBody>
-          <a:bodyPr wrap="none" rtlCol="0">
-            <a:spAutoFit/>
-          </a:bodyPr>
-          <a:lstStyle/>
-          <a:p>
-            <a:endParaRPr lang="ru-RU" dirty="0"/>
-          </a:p>
-          <a:p>
-            <a:endParaRPr lang="ru-RU" dirty="0"/>
-          </a:p>
-          <a:p>
-            <a:endParaRPr lang="ru-RU" dirty="0"/>
-          </a:p>
-          <a:p>
-            <a:endParaRPr lang="ru-RU" dirty="0"/>
-          </a:p>
-        </p:txBody>
-      </p:sp>
-      <p:sp>
-        <p:nvSpPr>
-          <p:cNvPr id="9" name="TextBox 8"/>
-          <p:cNvSpPr txBox="1"/>
-          <p:nvPr/>
-        </p:nvSpPr>
-        <p:spPr>
-          <a:xfrm>
-            <a:off x="5911269" y="4797152"/>
-            <a:ext cx="184731" cy="1200329"/>
-          </a:xfrm>
-          <a:prstGeom prst="rect">
-            <a:avLst/>
-          </a:prstGeom>
-          <a:noFill/>
-        </p:spPr>
-        <p:txBody>
-          <a:bodyPr wrap="none" rtlCol="0">
-            <a:spAutoFit/>
-          </a:bodyPr>
-          <a:lstStyle/>
-          <a:p>
-            <a:endParaRPr lang="ru-RU" dirty="0"/>
-          </a:p>
-          <a:p>
-            <a:endParaRPr lang="ru-RU" dirty="0"/>
-          </a:p>
-          <a:p>
-            <a:endParaRPr lang="ru-RU" dirty="0"/>
-          </a:p>
-          <a:p>
-            <a:endParaRPr lang="ru-RU" dirty="0"/>
-          </a:p>
-        </p:txBody>
-      </p:sp>
-      <p:sp>
-        <p:nvSpPr>
-          <p:cNvPr id="10" name="TextBox 9"/>
-          <p:cNvSpPr txBox="1"/>
-          <p:nvPr/>
-        </p:nvSpPr>
-        <p:spPr>
-          <a:xfrm>
-            <a:off x="7794872" y="5136976"/>
-            <a:ext cx="184731" cy="1200329"/>
-          </a:xfrm>
-          <a:prstGeom prst="rect">
-            <a:avLst/>
-          </a:prstGeom>
-          <a:noFill/>
-        </p:spPr>
-        <p:txBody>
-          <a:bodyPr wrap="none" rtlCol="0">
-            <a:spAutoFit/>
-          </a:bodyPr>
-          <a:lstStyle/>
-          <a:p>
-            <a:endParaRPr lang="ru-RU" dirty="0"/>
-          </a:p>
-          <a:p>
-            <a:endParaRPr lang="ru-RU" dirty="0"/>
-          </a:p>
-          <a:p>
-            <a:endParaRPr lang="ru-RU" dirty="0"/>
-          </a:p>
-          <a:p>
-            <a:endParaRPr lang="ru-RU" dirty="0"/>
-          </a:p>
-        </p:txBody>
-      </p:sp>
-      <p:sp>
-        <p:nvSpPr>
-          <p:cNvPr id="11" name="TextBox 10"/>
-          <p:cNvSpPr txBox="1"/>
-          <p:nvPr/>
-        </p:nvSpPr>
-        <p:spPr>
-          <a:xfrm>
-            <a:off x="9051634" y="4293096"/>
-            <a:ext cx="184731" cy="1200329"/>
-          </a:xfrm>
-          <a:prstGeom prst="rect">
-            <a:avLst/>
-          </a:prstGeom>
-          <a:noFill/>
-        </p:spPr>
-        <p:txBody>
-          <a:bodyPr wrap="none" rtlCol="0">
-            <a:spAutoFit/>
-          </a:bodyPr>
-          <a:lstStyle/>
-          <a:p>
-            <a:endParaRPr lang="ru-RU" dirty="0"/>
-          </a:p>
-          <a:p>
-            <a:endParaRPr lang="ru-RU" dirty="0"/>
-          </a:p>
-          <a:p>
-            <a:endParaRPr lang="ru-RU" dirty="0"/>
-          </a:p>
-          <a:p>
-            <a:endParaRPr lang="ru-RU" dirty="0"/>
-          </a:p>
-        </p:txBody>
-      </p:sp>
-      <p:sp>
-        <p:nvSpPr>
-          <p:cNvPr id="12" name="Прямоугольник 11"/>
-          <p:cNvSpPr/>
-          <p:nvPr/>
-        </p:nvSpPr>
-        <p:spPr>
-          <a:xfrm>
-            <a:off x="2063552" y="4797152"/>
-            <a:ext cx="360040" cy="648072"/>
-          </a:xfrm>
-          <a:prstGeom prst="rect">
-            <a:avLst/>
-          </a:prstGeom>
-          <a:noFill/>
-          <a:ln>
-            <a:noFill/>
-          </a:ln>
-        </p:spPr>
-        <p:style>
-          <a:lnRef idx="0">
-            <a:scrgbClr r="0" g="0" b="0"/>
-          </a:lnRef>
-          <a:fillRef idx="0">
-            <a:scrgbClr r="0" g="0" b="0"/>
-          </a:fillRef>
-          <a:effectRef idx="0">
-            <a:scrgbClr r="0" g="0" b="0"/>
-          </a:effectRef>
-          <a:fontRef idx="minor">
-            <a:schemeClr val="dk1"/>
-          </a:fontRef>
-        </p:style>
-        <p:txBody>
-          <a:bodyPr rtlCol="0" anchor="ctr"/>
-          <a:lstStyle/>
-          <a:p>
-            <a:pPr algn="ctr"/>
-            <a:endParaRPr lang="ru-RU"/>
-          </a:p>
-        </p:txBody>
-      </p:sp>
-    </p:spTree>
-    <p:extLst>
-      <p:ext uri="{BB962C8B-B14F-4D97-AF65-F5344CB8AC3E}">
-        <p14:creationId xmlns:p14="http://schemas.microsoft.com/office/powerpoint/2010/main" val="1289544043"/>
       </p:ext>
     </p:extLst>
   </p:cSld>
@@ -32856,8 +33394,13 @@
           <a:p>
             <a:r>
               <a:rPr lang="en-US" dirty="0"/>
-              <a:t>#1 Fail Fast</a:t>
-            </a:r>
+              <a:t>#1 </a:t>
+            </a:r>
+            <a:r>
+              <a:rPr lang="en-US" cap="none" dirty="0" smtClean="0"/>
+              <a:t>Fail fast</a:t>
+            </a:r>
+            <a:endParaRPr lang="en-US" dirty="0"/>
           </a:p>
         </p:txBody>
       </p:sp>
@@ -32917,26 +33460,20 @@
               <a:buAutoNum type="arabicPeriod"/>
             </a:pPr>
             <a:r>
+              <a:rPr lang="ru-RU" dirty="0" smtClean="0">
+                <a:solidFill>
+                  <a:srgbClr val="008000"/>
+                </a:solidFill>
+              </a:rPr>
+              <a:t>Исключение </a:t>
+            </a:r>
+            <a:r>
               <a:rPr lang="ru-RU" dirty="0">
                 <a:solidFill>
                   <a:srgbClr val="008000"/>
                 </a:solidFill>
-                <a:latin typeface="+mn-lt"/>
-              </a:rPr>
-              <a:t>Процесс упадёт</a:t>
-            </a:r>
-          </a:p>
-          <a:p>
-            <a:pPr marL="514350" indent="-514350">
-              <a:buAutoNum type="arabicPeriod"/>
-            </a:pPr>
-            <a:r>
-              <a:rPr lang="ru-RU" dirty="0">
-                <a:solidFill>
-                  <a:srgbClr val="008000"/>
-                </a:solidFill>
-              </a:rPr>
-              <a:t>Исключение обработается</a:t>
+              </a:rPr>
+              <a:t>обработается</a:t>
             </a:r>
             <a:endParaRPr lang="ru-RU" dirty="0">
               <a:solidFill>
@@ -32947,6 +33484,7 @@
           </a:p>
           <a:p>
             <a:pPr marL="514350" indent="-514350">
+              <a:buFont typeface="Arial" panose="020B0604020202020204" pitchFamily="34" charset="0"/>
               <a:buAutoNum type="arabicPeriod"/>
             </a:pPr>
             <a:r>
@@ -32954,9 +33492,45 @@
                 <a:solidFill>
                   <a:srgbClr val="008000"/>
                 </a:solidFill>
+              </a:rPr>
+              <a:t>Процесс </a:t>
+            </a:r>
+            <a:r>
+              <a:rPr lang="ru-RU" dirty="0" smtClean="0">
+                <a:solidFill>
+                  <a:srgbClr val="008000"/>
+                </a:solidFill>
+              </a:rPr>
+              <a:t>упадёт</a:t>
+            </a:r>
+            <a:endParaRPr lang="en-US" dirty="0" smtClean="0">
+              <a:solidFill>
+                <a:srgbClr val="008000"/>
+              </a:solidFill>
+              <a:latin typeface="+mn-lt"/>
+            </a:endParaRPr>
+          </a:p>
+          <a:p>
+            <a:pPr marL="514350" indent="-514350">
+              <a:buAutoNum type="arabicPeriod"/>
+            </a:pPr>
+            <a:r>
+              <a:rPr lang="ru-RU" dirty="0" smtClean="0">
+                <a:solidFill>
+                  <a:srgbClr val="008000"/>
+                </a:solidFill>
                 <a:latin typeface="+mn-lt"/>
               </a:rPr>
-              <a:t>Зайдём в </a:t>
+              <a:t>Зайдём </a:t>
+            </a:r>
+            <a:r>
+              <a:rPr lang="ru-RU" dirty="0">
+                <a:solidFill>
+                  <a:srgbClr val="008000"/>
+                </a:solidFill>
+                <a:latin typeface="+mn-lt"/>
+              </a:rPr>
+              <a:t>в </a:t>
             </a:r>
             <a:r>
               <a:rPr lang="en-US" dirty="0">
@@ -33053,10 +33627,10 @@
           <a:lstStyle/>
           <a:p>
             <a:r>
-              <a:rPr lang="en-US" dirty="0"/>
-              <a:t>OUT OF MEMORY</a:t>
-            </a:r>
-            <a:endParaRPr lang="ru-RU" dirty="0"/>
+              <a:rPr lang="en-US" cap="none" dirty="0" smtClean="0"/>
+              <a:t>Out of memory</a:t>
+            </a:r>
+            <a:endParaRPr lang="ru-RU" cap="none" dirty="0"/>
           </a:p>
         </p:txBody>
       </p:sp>
@@ -33234,6 +33808,15 @@
             </a:lvl9pPr>
           </a:lstStyle>
           <a:p>
+            <a:r>
+              <a:rPr lang="en-US" sz="2000" dirty="0">
+                <a:solidFill>
+                  <a:srgbClr val="000000"/>
+                </a:solidFill>
+                <a:latin typeface="Consolas" panose="020B0609020204030204" pitchFamily="49" charset="0"/>
+              </a:rPr>
+              <a:t/>
+            </a:r>
             <a:br>
               <a:rPr lang="en-US" sz="2000" dirty="0">
                 <a:solidFill>
@@ -33420,6 +34003,15 @@
             </a:lvl9pPr>
           </a:lstStyle>
           <a:p>
+            <a:r>
+              <a:rPr lang="en-US" sz="2400" dirty="0">
+                <a:solidFill>
+                  <a:srgbClr val="000000"/>
+                </a:solidFill>
+                <a:latin typeface="Consolas" panose="020B0609020204030204" pitchFamily="49" charset="0"/>
+              </a:rPr>
+              <a:t/>
+            </a:r>
             <a:br>
               <a:rPr lang="en-US" sz="2400" dirty="0">
                 <a:solidFill>
@@ -33784,247 +34376,6 @@
           <a:chExt cx="0" cy="0"/>
         </a:xfrm>
       </p:grpSpPr>
-      <p:pic>
-        <p:nvPicPr>
-          <p:cNvPr id="9" name="Рисунок 8"/>
-          <p:cNvPicPr>
-            <a:picLocks noChangeAspect="1"/>
-          </p:cNvPicPr>
-          <p:nvPr/>
-        </p:nvPicPr>
-        <p:blipFill>
-          <a:blip r:embed="rId3"/>
-          <a:stretch>
-            <a:fillRect/>
-          </a:stretch>
-        </p:blipFill>
-        <p:spPr>
-          <a:xfrm>
-            <a:off x="695400" y="1196752"/>
-            <a:ext cx="11261965" cy="5400600"/>
-          </a:xfrm>
-          <a:prstGeom prst="rect">
-            <a:avLst/>
-          </a:prstGeom>
-        </p:spPr>
-      </p:pic>
-      <p:sp>
-        <p:nvSpPr>
-          <p:cNvPr id="3" name="Заголовок 2"/>
-          <p:cNvSpPr>
-            <a:spLocks noGrp="1"/>
-          </p:cNvSpPr>
-          <p:nvPr>
-            <p:ph type="title"/>
-          </p:nvPr>
-        </p:nvSpPr>
-        <p:spPr/>
-        <p:txBody>
-          <a:bodyPr/>
-          <a:lstStyle/>
-          <a:p>
-            <a:r>
-              <a:rPr lang="ru-RU" dirty="0"/>
-              <a:t>Откуда </a:t>
-            </a:r>
-            <a:r>
-              <a:rPr lang="en-US" dirty="0" err="1"/>
-              <a:t>stackoverflow</a:t>
-            </a:r>
-            <a:endParaRPr lang="ru-RU" dirty="0"/>
-          </a:p>
-        </p:txBody>
-      </p:sp>
-      <p:sp>
-        <p:nvSpPr>
-          <p:cNvPr id="5" name="TextBox 4"/>
-          <p:cNvSpPr txBox="1"/>
-          <p:nvPr/>
-        </p:nvSpPr>
-        <p:spPr>
-          <a:xfrm>
-            <a:off x="4079776" y="3284984"/>
-            <a:ext cx="8280921" cy="1754326"/>
-          </a:xfrm>
-          <a:prstGeom prst="rect">
-            <a:avLst/>
-          </a:prstGeom>
-          <a:noFill/>
-        </p:spPr>
-        <p:txBody>
-          <a:bodyPr wrap="square" rtlCol="0">
-            <a:spAutoFit/>
-          </a:bodyPr>
-          <a:lstStyle/>
-          <a:p>
-            <a:r>
-              <a:rPr lang="ru-RU" sz="3600" dirty="0"/>
-              <a:t>«</a:t>
-            </a:r>
-            <a:r>
-              <a:rPr lang="en-US" sz="3600" dirty="0"/>
-              <a:t>The default behavior of the CLR is to commit the full thread stack when a thread is started.</a:t>
-            </a:r>
-            <a:r>
-              <a:rPr lang="ru-RU" sz="3600" dirty="0"/>
-              <a:t>»</a:t>
-            </a:r>
-          </a:p>
-        </p:txBody>
-      </p:sp>
-    </p:spTree>
-    <p:extLst>
-      <p:ext uri="{BB962C8B-B14F-4D97-AF65-F5344CB8AC3E}">
-        <p14:creationId xmlns:p14="http://schemas.microsoft.com/office/powerpoint/2010/main" val="718412253"/>
-      </p:ext>
-    </p:extLst>
-  </p:cSld>
-  <p:clrMapOvr>
-    <a:masterClrMapping/>
-  </p:clrMapOvr>
-  <p:timing>
-    <p:tnLst>
-      <p:par>
-        <p:cTn id="1" dur="indefinite" restart="never" nodeType="tmRoot">
-          <p:childTnLst>
-            <p:seq concurrent="1" nextAc="seek">
-              <p:cTn id="2" dur="indefinite" nodeType="mainSeq">
-                <p:childTnLst>
-                  <p:par>
-                    <p:cTn id="3" fill="hold">
-                      <p:stCondLst>
-                        <p:cond delay="indefinite"/>
-                      </p:stCondLst>
-                      <p:childTnLst>
-                        <p:par>
-                          <p:cTn id="4" fill="hold">
-                            <p:stCondLst>
-                              <p:cond delay="0"/>
-                            </p:stCondLst>
-                            <p:childTnLst>
-                              <p:par>
-                                <p:cTn id="5" presetID="1" presetClass="entr" presetSubtype="0" fill="hold" nodeType="clickEffect">
-                                  <p:stCondLst>
-                                    <p:cond delay="0"/>
-                                  </p:stCondLst>
-                                  <p:childTnLst>
-                                    <p:set>
-                                      <p:cBhvr>
-                                        <p:cTn id="6" dur="1" fill="hold">
-                                          <p:stCondLst>
-                                            <p:cond delay="0"/>
-                                          </p:stCondLst>
-                                        </p:cTn>
-                                        <p:tgtEl>
-                                          <p:spTgt spid="9"/>
-                                        </p:tgtEl>
-                                        <p:attrNameLst>
-                                          <p:attrName>style.visibility</p:attrName>
-                                        </p:attrNameLst>
-                                      </p:cBhvr>
-                                      <p:to>
-                                        <p:strVal val="visible"/>
-                                      </p:to>
-                                    </p:set>
-                                  </p:childTnLst>
-                                </p:cTn>
-                              </p:par>
-                            </p:childTnLst>
-                          </p:cTn>
-                        </p:par>
-                      </p:childTnLst>
-                    </p:cTn>
-                  </p:par>
-                  <p:par>
-                    <p:cTn id="7" fill="hold">
-                      <p:stCondLst>
-                        <p:cond delay="indefinite"/>
-                      </p:stCondLst>
-                      <p:childTnLst>
-                        <p:par>
-                          <p:cTn id="8" fill="hold">
-                            <p:stCondLst>
-                              <p:cond delay="0"/>
-                            </p:stCondLst>
-                            <p:childTnLst>
-                              <p:par>
-                                <p:cTn id="9" presetID="1" presetClass="entr" presetSubtype="0" fill="hold" grpId="0" nodeType="clickEffect">
-                                  <p:stCondLst>
-                                    <p:cond delay="0"/>
-                                  </p:stCondLst>
-                                  <p:childTnLst>
-                                    <p:set>
-                                      <p:cBhvr>
-                                        <p:cTn id="10" dur="1" fill="hold">
-                                          <p:stCondLst>
-                                            <p:cond delay="0"/>
-                                          </p:stCondLst>
-                                        </p:cTn>
-                                        <p:tgtEl>
-                                          <p:spTgt spid="5"/>
-                                        </p:tgtEl>
-                                        <p:attrNameLst>
-                                          <p:attrName>style.visibility</p:attrName>
-                                        </p:attrNameLst>
-                                      </p:cBhvr>
-                                      <p:to>
-                                        <p:strVal val="visible"/>
-                                      </p:to>
-                                    </p:set>
-                                  </p:childTnLst>
-                                </p:cTn>
-                              </p:par>
-                            </p:childTnLst>
-                          </p:cTn>
-                        </p:par>
-                      </p:childTnLst>
-                    </p:cTn>
-                  </p:par>
-                </p:childTnLst>
-              </p:cTn>
-              <p:prevCondLst>
-                <p:cond evt="onPrev" delay="0">
-                  <p:tgtEl>
-                    <p:sldTgt/>
-                  </p:tgtEl>
-                </p:cond>
-              </p:prevCondLst>
-              <p:nextCondLst>
-                <p:cond evt="onNext" delay="0">
-                  <p:tgtEl>
-                    <p:sldTgt/>
-                  </p:tgtEl>
-                </p:cond>
-              </p:nextCondLst>
-            </p:seq>
-          </p:childTnLst>
-        </p:cTn>
-      </p:par>
-    </p:tnLst>
-    <p:bldLst>
-      <p:bldP spid="5" grpId="0"/>
-    </p:bldLst>
-  </p:timing>
-</p:sld>
-</file>
-
-<file path=ppt/slides/slide42.xml><?xml version="1.0" encoding="utf-8"?>
-<p:sld xmlns:a="http://schemas.openxmlformats.org/drawingml/2006/main" xmlns:r="http://schemas.openxmlformats.org/officeDocument/2006/relationships" xmlns:p="http://schemas.openxmlformats.org/presentationml/2006/main">
-  <p:cSld>
-    <p:spTree>
-      <p:nvGrpSpPr>
-        <p:cNvPr id="1" name=""/>
-        <p:cNvGrpSpPr/>
-        <p:nvPr/>
-      </p:nvGrpSpPr>
-      <p:grpSpPr>
-        <a:xfrm>
-          <a:off x="0" y="0"/>
-          <a:ext cx="0" cy="0"/>
-          <a:chOff x="0" y="0"/>
-          <a:chExt cx="0" cy="0"/>
-        </a:xfrm>
-      </p:grpSpPr>
       <p:sp>
         <p:nvSpPr>
           <p:cNvPr id="2" name="Объект 1"/>
@@ -34343,10 +34694,10 @@
           <a:lstStyle/>
           <a:p>
             <a:r>
-              <a:rPr lang="en-US" dirty="0"/>
+              <a:rPr lang="en-US" cap="none" dirty="0" smtClean="0"/>
               <a:t>Finally</a:t>
             </a:r>
-            <a:endParaRPr lang="ru-RU" dirty="0"/>
+            <a:endParaRPr lang="ru-RU" cap="none" dirty="0"/>
           </a:p>
         </p:txBody>
       </p:sp>
@@ -34363,7 +34714,7 @@
 </p:sld>
 </file>
 
-<file path=ppt/slides/slide43.xml><?xml version="1.0" encoding="utf-8"?>
+<file path=ppt/slides/slide42.xml><?xml version="1.0" encoding="utf-8"?>
 <p:sld xmlns:a="http://schemas.openxmlformats.org/drawingml/2006/main" xmlns:r="http://schemas.openxmlformats.org/officeDocument/2006/relationships" xmlns:p="http://schemas.openxmlformats.org/presentationml/2006/main">
   <p:cSld>
     <p:spTree>
@@ -34479,19 +34830,8 @@
               <a:t>Стандартное использование – </a:t>
             </a:r>
             <a:r>
-              <a:rPr lang="en-US" dirty="0"/>
+              <a:rPr lang="en-US" dirty="0" smtClean="0"/>
               <a:t>try/catch/finally</a:t>
-            </a:r>
-            <a:endParaRPr lang="ru-RU" dirty="0"/>
-          </a:p>
-          <a:p>
-            <a:pPr marL="457200" indent="-457200">
-              <a:buFont typeface="Arial" panose="020B0604020202020204" pitchFamily="34" charset="0"/>
-              <a:buChar char="•"/>
-            </a:pPr>
-            <a:r>
-              <a:rPr lang="en-US" dirty="0" err="1"/>
-              <a:t>ThreadAbortException</a:t>
             </a:r>
             <a:endParaRPr lang="ru-RU" dirty="0"/>
           </a:p>
@@ -34513,10 +34853,10 @@
           <a:lstStyle/>
           <a:p>
             <a:r>
-              <a:rPr lang="en-US" dirty="0"/>
+              <a:rPr lang="en-US" cap="none" dirty="0" smtClean="0"/>
               <a:t>Finally</a:t>
             </a:r>
-            <a:endParaRPr lang="ru-RU" dirty="0"/>
+            <a:endParaRPr lang="ru-RU" cap="none" dirty="0"/>
           </a:p>
         </p:txBody>
       </p:sp>
@@ -34636,55 +34976,6 @@
                       </p:childTnLst>
                     </p:cTn>
                   </p:par>
-                  <p:par>
-                    <p:cTn id="11" fill="hold">
-                      <p:stCondLst>
-                        <p:cond delay="indefinite"/>
-                      </p:stCondLst>
-                      <p:childTnLst>
-                        <p:par>
-                          <p:cTn id="12" fill="hold">
-                            <p:stCondLst>
-                              <p:cond delay="0"/>
-                            </p:stCondLst>
-                            <p:childTnLst>
-                              <p:par>
-                                <p:cTn id="13" presetID="1" presetClass="entr" presetSubtype="0" fill="hold" nodeType="clickEffect">
-                                  <p:stCondLst>
-                                    <p:cond delay="0"/>
-                                  </p:stCondLst>
-                                  <p:childTnLst>
-                                    <p:set>
-                                      <p:cBhvr>
-                                        <p:cTn id="14" dur="1" fill="hold">
-                                          <p:stCondLst>
-                                            <p:cond delay="0"/>
-                                          </p:stCondLst>
-                                        </p:cTn>
-                                        <p:tgtEl>
-                                          <p:spTgt spid="2">
-                                            <p:txEl>
-                                              <p:pRg st="6" end="6"/>
-                                            </p:txEl>
-                                          </p:spTgt>
-                                        </p:tgtEl>
-                                        <p:attrNameLst>
-                                          <p:attrName>style.visibility</p:attrName>
-                                        </p:attrNameLst>
-                                      </p:cBhvr>
-                                      <p:to>
-                                        <p:strVal val="visible"/>
-                                      </p:to>
-                                    </p:set>
-                                  </p:childTnLst>
-                                </p:cTn>
-                              </p:par>
-                            </p:childTnLst>
-                          </p:cTn>
-                        </p:par>
-                      </p:childTnLst>
-                    </p:cTn>
-                  </p:par>
                 </p:childTnLst>
               </p:cTn>
               <p:prevCondLst>
@@ -34710,7 +35001,7 @@
 </p:sld>
 </file>
 
-<file path=ppt/slides/slide44.xml><?xml version="1.0" encoding="utf-8"?>
+<file path=ppt/slides/slide43.xml><?xml version="1.0" encoding="utf-8"?>
 <p:sld xmlns:a="http://schemas.openxmlformats.org/drawingml/2006/main" xmlns:r="http://schemas.openxmlformats.org/officeDocument/2006/relationships" xmlns:p="http://schemas.openxmlformats.org/presentationml/2006/main">
   <p:cSld>
     <p:spTree>
@@ -34773,55 +35064,21 @@
             </a:pPr>
             <a:r>
               <a:rPr lang="ru-RU" sz="2800" dirty="0"/>
-              <a:t>Заполни форму обратной связи по ссылке</a:t>
-            </a:r>
-          </a:p>
-          <a:p>
-            <a:pPr marL="0" indent="0" algn="ctr">
-              <a:buNone/>
-            </a:pPr>
-            <a:r>
-              <a:rPr lang="en-US" sz="2800" dirty="0">
-                <a:hlinkClick r:id="rId2"/>
-              </a:rPr>
-              <a:t>http://bit.ly/kontur-courses-feedback</a:t>
+              <a:t>Заполни форму обратной связи по </a:t>
+            </a:r>
+            <a:r>
+              <a:rPr lang="ru-RU" sz="2800" dirty="0" smtClean="0"/>
+              <a:t>ссылке</a:t>
+            </a:r>
+            <a:r>
+              <a:rPr lang="en-US" sz="2800" dirty="0" smtClean="0"/>
+              <a:t> </a:t>
+            </a:r>
+            <a:r>
+              <a:rPr lang="ru-RU" sz="2800" dirty="0" smtClean="0"/>
+              <a:t>в чате</a:t>
             </a:r>
             <a:endParaRPr lang="ru-RU" sz="2800" dirty="0"/>
-          </a:p>
-          <a:p>
-            <a:pPr marL="0" indent="0" algn="ctr">
-              <a:buNone/>
-            </a:pPr>
-            <a:r>
-              <a:rPr lang="ru-RU" sz="2800" dirty="0"/>
-              <a:t>или</a:t>
-            </a:r>
-            <a:endParaRPr lang="en-US" sz="2800" dirty="0"/>
-          </a:p>
-          <a:p>
-            <a:pPr marL="0" indent="0" algn="ctr">
-              <a:buNone/>
-            </a:pPr>
-            <a:r>
-              <a:rPr lang="ru-RU" sz="2800" dirty="0"/>
-              <a:t>по ярлыку </a:t>
-            </a:r>
-            <a:r>
-              <a:rPr lang="en-US" sz="2800" i="1" dirty="0">
-                <a:solidFill>
-                  <a:schemeClr val="accent1"/>
-                </a:solidFill>
-              </a:rPr>
-              <a:t>feedback</a:t>
-            </a:r>
-            <a:r>
-              <a:rPr lang="en-US" sz="2800" dirty="0"/>
-              <a:t> </a:t>
-            </a:r>
-            <a:r>
-              <a:rPr lang="ru-RU" sz="2800" dirty="0"/>
-              <a:t>в корне репозитория</a:t>
-            </a:r>
           </a:p>
         </p:txBody>
       </p:sp>
@@ -34847,9 +35104,10 @@
           <a:lstStyle/>
           <a:p>
             <a:r>
-              <a:rPr lang="ru-RU" dirty="0"/>
+              <a:rPr lang="ru-RU" cap="none" dirty="0" smtClean="0"/>
               <a:t>Обратная связь</a:t>
             </a:r>
+            <a:endParaRPr lang="ru-RU" cap="none" dirty="0"/>
           </a:p>
         </p:txBody>
       </p:sp>
@@ -34868,13 +35126,13 @@
           <p:nvPr/>
         </p:nvPicPr>
         <p:blipFill>
-          <a:blip r:embed="rId3">
+          <a:blip r:embed="rId2">
             <a:extLst>
               <a:ext uri="{28A0092B-C50C-407E-A947-70E740481C1C}">
                 <a14:useLocalDpi xmlns:a14="http://schemas.microsoft.com/office/drawing/2010/main" val="0"/>
               </a:ext>
               <a:ext uri="{96DAC541-7B7A-43D3-8B79-37D633B846F1}">
-                <asvg:svgBlip xmlns:asvg="http://schemas.microsoft.com/office/drawing/2016/SVG/main" r:embed="rId4"/>
+                <asvg:svgBlip xmlns:asvg="http://schemas.microsoft.com/office/drawing/2016/SVG/main" xmlns="" r:embed="rId4"/>
               </a:ext>
             </a:extLst>
           </a:blip>
@@ -37642,20 +37900,25 @@
           <a:lstStyle/>
           <a:p>
             <a:r>
-              <a:rPr lang="ru-RU" dirty="0"/>
-              <a:t>помни о </a:t>
-            </a:r>
-            <a:r>
-              <a:rPr lang="ru-RU" dirty="0" err="1"/>
+              <a:rPr lang="ru-RU" cap="none" dirty="0" smtClean="0"/>
+              <a:t>Помни о </a:t>
+            </a:r>
+            <a:r>
+              <a:rPr lang="ru-RU" cap="none" dirty="0" err="1" smtClean="0"/>
               <a:t>консистентности</a:t>
             </a:r>
+            <a:r>
+              <a:rPr lang="ru-RU" cap="none" dirty="0" smtClean="0"/>
+              <a:t/>
+            </a:r>
             <a:br>
-              <a:rPr lang="ru-RU" dirty="0"/>
+              <a:rPr lang="ru-RU" cap="none" dirty="0" smtClean="0"/>
             </a:br>
             <a:r>
-              <a:rPr lang="ru-RU" dirty="0"/>
+              <a:rPr lang="ru-RU" cap="none" dirty="0" smtClean="0"/>
               <a:t>долгоживущих объектов</a:t>
             </a:r>
+            <a:endParaRPr lang="ru-RU" cap="none" dirty="0"/>
           </a:p>
         </p:txBody>
       </p:sp>
@@ -37885,18 +38148,22 @@
           <a:lstStyle/>
           <a:p>
             <a:r>
-              <a:rPr lang="ru-RU" sz="3200" dirty="0"/>
+              <a:rPr lang="ru-RU" sz="3200" cap="none" dirty="0" smtClean="0"/>
               <a:t>Сделай </a:t>
             </a:r>
             <a:r>
-              <a:rPr lang="en-US" sz="3200" dirty="0" err="1"/>
-              <a:t>NullReferenceException</a:t>
-            </a:r>
-            <a:r>
-              <a:rPr lang="ru-RU" sz="3200" dirty="0"/>
+              <a:rPr lang="en-US" sz="3200" cap="none" dirty="0" err="1" smtClean="0"/>
+              <a:t>N</a:t>
+            </a:r>
+            <a:r>
+              <a:rPr lang="en-US" sz="3200" cap="none" dirty="0" err="1" smtClean="0"/>
+              <a:t>ullReferenceException</a:t>
+            </a:r>
+            <a:r>
+              <a:rPr lang="ru-RU" sz="3200" cap="none" dirty="0" smtClean="0"/>
               <a:t> заметным</a:t>
             </a:r>
-            <a:endParaRPr lang="en-US" sz="3200" dirty="0"/>
+            <a:endParaRPr lang="en-US" sz="3200" cap="none" dirty="0"/>
           </a:p>
         </p:txBody>
       </p:sp>
@@ -37950,10 +38217,10 @@
               <a:t>#2 </a:t>
             </a:r>
             <a:r>
-              <a:rPr lang="ru-RU" dirty="0"/>
+              <a:rPr lang="ru-RU" cap="none" dirty="0" smtClean="0"/>
               <a:t>Конвенции именования</a:t>
             </a:r>
-            <a:endParaRPr lang="en-US" dirty="0"/>
+            <a:endParaRPr lang="en-US" cap="none" dirty="0"/>
           </a:p>
         </p:txBody>
       </p:sp>
@@ -38645,10 +38912,10 @@
           <a:lstStyle/>
           <a:p>
             <a:r>
-              <a:rPr lang="ru-RU" dirty="0"/>
+              <a:rPr lang="ru-RU" cap="none" dirty="0" smtClean="0"/>
               <a:t>Исключения для исключительного</a:t>
             </a:r>
-            <a:endParaRPr lang="en-US" dirty="0"/>
+            <a:endParaRPr lang="en-US" cap="none" dirty="0"/>
           </a:p>
         </p:txBody>
       </p:sp>

--- a/exceptions.pptx
+++ b/exceptions.pptx
@@ -16337,6 +16337,13 @@
   <p:clrMapOvr>
     <a:masterClrMapping/>
   </p:clrMapOvr>
+  <p:timing>
+    <p:tnLst>
+      <p:par>
+        <p:cTn id="1" dur="indefinite" restart="never" nodeType="tmRoot"/>
+      </p:par>
+    </p:tnLst>
+  </p:timing>
 </p:sld>
 </file>
 
@@ -17858,6 +17865,13 @@
   <p:clrMapOvr>
     <a:masterClrMapping/>
   </p:clrMapOvr>
+  <p:timing>
+    <p:tnLst>
+      <p:par>
+        <p:cTn id="1" dur="indefinite" restart="never" nodeType="tmRoot"/>
+      </p:par>
+    </p:tnLst>
+  </p:timing>
 </p:sld>
 </file>
 
@@ -17915,6 +17929,13 @@
   <p:clrMapOvr>
     <a:masterClrMapping/>
   </p:clrMapOvr>
+  <p:timing>
+    <p:tnLst>
+      <p:par>
+        <p:cTn id="1" dur="indefinite" restart="never" nodeType="tmRoot"/>
+      </p:par>
+    </p:tnLst>
+  </p:timing>
 </p:sld>
 </file>
 
@@ -18384,6 +18405,13 @@
   <p:clrMapOvr>
     <a:masterClrMapping/>
   </p:clrMapOvr>
+  <p:timing>
+    <p:tnLst>
+      <p:par>
+        <p:cTn id="1" dur="indefinite" restart="never" nodeType="tmRoot"/>
+      </p:par>
+    </p:tnLst>
+  </p:timing>
 </p:sld>
 </file>
 
@@ -18733,6 +18761,13 @@
   <p:clrMapOvr>
     <a:masterClrMapping/>
   </p:clrMapOvr>
+  <p:timing>
+    <p:tnLst>
+      <p:par>
+        <p:cTn id="1" dur="indefinite" restart="never" nodeType="tmRoot"/>
+      </p:par>
+    </p:tnLst>
+  </p:timing>
 </p:sld>
 </file>
 
@@ -19182,6 +19217,13 @@
   <p:clrMapOvr>
     <a:masterClrMapping/>
   </p:clrMapOvr>
+  <p:timing>
+    <p:tnLst>
+      <p:par>
+        <p:cTn id="1" dur="indefinite" restart="never" nodeType="tmRoot"/>
+      </p:par>
+    </p:tnLst>
+  </p:timing>
 </p:sld>
 </file>
 
@@ -19594,6 +19636,13 @@
   <p:clrMapOvr>
     <a:masterClrMapping/>
   </p:clrMapOvr>
+  <p:timing>
+    <p:tnLst>
+      <p:par>
+        <p:cTn id="1" dur="indefinite" restart="never" nodeType="tmRoot"/>
+      </p:par>
+    </p:tnLst>
+  </p:timing>
 </p:sld>
 </file>
 
@@ -19912,6 +19961,13 @@
   <p:clrMapOvr>
     <a:masterClrMapping/>
   </p:clrMapOvr>
+  <p:timing>
+    <p:tnLst>
+      <p:par>
+        <p:cTn id="1" dur="indefinite" restart="never" nodeType="tmRoot"/>
+      </p:par>
+    </p:tnLst>
+  </p:timing>
 </p:sld>
 </file>
 
@@ -20065,7 +20121,7 @@
         </p:nvSpPr>
         <p:spPr>
           <a:xfrm>
-            <a:off x="1331001" y="677377"/>
+            <a:off x="1331001" y="549276"/>
             <a:ext cx="9601067" cy="792163"/>
           </a:xfrm>
         </p:spPr>
@@ -20946,6 +21002,13 @@
   <p:clrMapOvr>
     <a:masterClrMapping/>
   </p:clrMapOvr>
+  <p:timing>
+    <p:tnLst>
+      <p:par>
+        <p:cTn id="1" dur="indefinite" restart="never" nodeType="tmRoot"/>
+      </p:par>
+    </p:tnLst>
+  </p:timing>
 </p:sld>
 </file>
 
@@ -21640,6 +21703,13 @@
   <p:clrMapOvr>
     <a:masterClrMapping/>
   </p:clrMapOvr>
+  <p:timing>
+    <p:tnLst>
+      <p:par>
+        <p:cTn id="1" dur="indefinite" restart="never" nodeType="tmRoot"/>
+      </p:par>
+    </p:tnLst>
+  </p:timing>
 </p:sld>
 </file>
 
@@ -22373,6 +22443,13 @@
   <p:clrMapOvr>
     <a:masterClrMapping/>
   </p:clrMapOvr>
+  <p:timing>
+    <p:tnLst>
+      <p:par>
+        <p:cTn id="1" dur="indefinite" restart="never" nodeType="tmRoot"/>
+      </p:par>
+    </p:tnLst>
+  </p:timing>
 </p:sld>
 </file>
 
@@ -22476,6 +22553,13 @@
   <p:clrMapOvr>
     <a:masterClrMapping/>
   </p:clrMapOvr>
+  <p:timing>
+    <p:tnLst>
+      <p:par>
+        <p:cTn id="1" dur="indefinite" restart="never" nodeType="tmRoot"/>
+      </p:par>
+    </p:tnLst>
+  </p:timing>
 </p:sld>
 </file>
 
@@ -27149,6 +27233,13 @@
   <p:clrMapOvr>
     <a:masterClrMapping/>
   </p:clrMapOvr>
+  <p:timing>
+    <p:tnLst>
+      <p:par>
+        <p:cTn id="1" dur="indefinite" restart="never" nodeType="tmRoot"/>
+      </p:par>
+    </p:tnLst>
+  </p:timing>
 </p:sld>
 </file>
 
@@ -29056,11 +29147,7 @@
             </a:r>
             <a:r>
               <a:rPr lang="ru-RU" sz="2400" dirty="0" smtClean="0"/>
-              <a:t>)</a:t>
-            </a:r>
-            <a:r>
-              <a:rPr lang="ru-RU" sz="2400" dirty="0" smtClean="0"/>
-              <a:t>:</a:t>
+              <a:t>):</a:t>
             </a:r>
             <a:endParaRPr lang="ru-RU" sz="2400" dirty="0"/>
           </a:p>
@@ -33414,6 +33501,13 @@
   <p:clrMapOvr>
     <a:masterClrMapping/>
   </p:clrMapOvr>
+  <p:timing>
+    <p:tnLst>
+      <p:par>
+        <p:cTn id="1" dur="indefinite" restart="never" nodeType="tmRoot"/>
+      </p:par>
+    </p:tnLst>
+  </p:timing>
 </p:sld>
 </file>
 
@@ -35132,7 +35226,7 @@
                 <a14:useLocalDpi xmlns:a14="http://schemas.microsoft.com/office/drawing/2010/main" val="0"/>
               </a:ext>
               <a:ext uri="{96DAC541-7B7A-43D3-8B79-37D633B846F1}">
-                <asvg:svgBlip xmlns:asvg="http://schemas.microsoft.com/office/drawing/2016/SVG/main" xmlns="" r:embed="rId4"/>
+                <asvg:svgBlip xmlns="" xmlns:asvg="http://schemas.microsoft.com/office/drawing/2016/SVG/main" r:embed="rId4"/>
               </a:ext>
             </a:extLst>
           </a:blip>
@@ -36595,6 +36689,13 @@
   <p:clrMapOvr>
     <a:masterClrMapping/>
   </p:clrMapOvr>
+  <p:timing>
+    <p:tnLst>
+      <p:par>
+        <p:cTn id="1" dur="indefinite" restart="never" nodeType="tmRoot"/>
+      </p:par>
+    </p:tnLst>
+  </p:timing>
 </p:sld>
 </file>
 
@@ -37981,6 +38082,13 @@
   <p:clrMapOvr>
     <a:masterClrMapping/>
   </p:clrMapOvr>
+  <p:timing>
+    <p:tnLst>
+      <p:par>
+        <p:cTn id="1" dur="indefinite" restart="never" nodeType="tmRoot"/>
+      </p:par>
+    </p:tnLst>
+  </p:timing>
 </p:sld>
 </file>
 
@@ -38153,11 +38261,7 @@
             </a:r>
             <a:r>
               <a:rPr lang="en-US" sz="3200" cap="none" dirty="0" err="1" smtClean="0"/>
-              <a:t>N</a:t>
-            </a:r>
-            <a:r>
-              <a:rPr lang="en-US" sz="3200" cap="none" dirty="0" err="1" smtClean="0"/>
-              <a:t>ullReferenceException</a:t>
+              <a:t>NullReferenceException</a:t>
             </a:r>
             <a:r>
               <a:rPr lang="ru-RU" sz="3200" cap="none" dirty="0" smtClean="0"/>
@@ -38177,6 +38281,13 @@
   <p:clrMapOvr>
     <a:masterClrMapping/>
   </p:clrMapOvr>
+  <p:timing>
+    <p:tnLst>
+      <p:par>
+        <p:cTn id="1" dur="indefinite" restart="never" nodeType="tmRoot"/>
+      </p:par>
+    </p:tnLst>
+  </p:timing>
 </p:sld>
 </file>
 
@@ -38929,6 +39040,13 @@
   <p:clrMapOvr>
     <a:masterClrMapping/>
   </p:clrMapOvr>
+  <p:timing>
+    <p:tnLst>
+      <p:par>
+        <p:cTn id="1" dur="indefinite" restart="never" nodeType="tmRoot"/>
+      </p:par>
+    </p:tnLst>
+  </p:timing>
 </p:sld>
 </file>
 
